--- a/SoundOfWorld.pptx
+++ b/SoundOfWorld.pptx
@@ -19,10 +19,8 @@
     <p:sldId id="267" r:id="rId13"/>
     <p:sldId id="268" r:id="rId14"/>
     <p:sldId id="269" r:id="rId15"/>
-    <p:sldId id="270" r:id="rId16"/>
-    <p:sldId id="271" r:id="rId17"/>
-    <p:sldId id="272" r:id="rId18"/>
-    <p:sldId id="273" r:id="rId19"/>
+    <p:sldId id="271" r:id="rId16"/>
+    <p:sldId id="273" r:id="rId17"/>
   </p:sldIdLst>
   <p:sldSz cx="9144000" cy="6858000" type="screen4x3"/>
   <p:notesSz cx="6858000" cy="9144000"/>
@@ -3125,7 +3123,12 @@
             <p:ph type="ctrTitle"/>
           </p:nvPr>
         </p:nvSpPr>
-        <p:spPr/>
+        <p:spPr>
+          <a:xfrm>
+            <a:off x="685800" y="1847851"/>
+            <a:ext cx="7772400" cy="1752599"/>
+          </a:xfrm>
+        </p:spPr>
         <p:txBody>
           <a:bodyPr>
             <a:normAutofit/>
@@ -3151,39 +3154,41 @@
         </p:nvSpPr>
         <p:spPr/>
         <p:txBody>
-          <a:bodyPr/>
-          <a:lstStyle/>
-          <a:p>
-            <a:r>
-              <a:rPr lang="fr-CH" sz="1400" dirty="0"/>
+          <a:bodyPr>
+            <a:normAutofit/>
+          </a:bodyPr>
+          <a:lstStyle/>
+          <a:p>
+            <a:r>
+              <a:rPr lang="fr-CH" sz="1600" b="1" dirty="0"/>
               <a:t>Amandine &amp; Ayman  </a:t>
             </a:r>
           </a:p>
           <a:p>
             <a:r>
-              <a:rPr lang="fr-CH" sz="1400" dirty="0"/>
+              <a:rPr lang="fr-CH" sz="1600" b="1" dirty="0"/>
               <a:t>Encadré par : Professeure HES Madame </a:t>
             </a:r>
             <a:r>
-              <a:rPr lang="fr-CH" sz="1400" dirty="0" err="1"/>
+              <a:rPr lang="fr-CH" sz="1600" b="1" dirty="0" err="1"/>
               <a:t>Rizzotti-Kaddouri</a:t>
             </a:r>
             <a:r>
-              <a:rPr lang="fr-CH" sz="1400" dirty="0"/>
+              <a:rPr lang="fr-CH" sz="1600" b="1" dirty="0"/>
               <a:t> </a:t>
             </a:r>
           </a:p>
           <a:p>
             <a:r>
-              <a:rPr sz="1400" dirty="0"/>
+              <a:rPr sz="1600" b="1" dirty="0"/>
               <a:t>Cours IHM 2024‑2025 | HE‑ARC </a:t>
             </a:r>
             <a:r>
-              <a:rPr sz="1400" dirty="0" err="1"/>
+              <a:rPr sz="1600" b="1" dirty="0" err="1"/>
               <a:t>Ingénierie</a:t>
             </a:r>
             <a:r>
-              <a:rPr sz="1400" dirty="0"/>
+              <a:rPr sz="1600" b="1" dirty="0"/>
               <a:t> </a:t>
             </a:r>
           </a:p>
@@ -3212,7 +3217,7 @@
         <p:spPr>
           <a:xfrm>
             <a:off x="27432" y="-1"/>
-            <a:ext cx="9116568" cy="1936369"/>
+            <a:ext cx="9116568" cy="1470025"/>
           </a:xfrm>
           <a:prstGeom prst="rect">
             <a:avLst/>
@@ -3295,7 +3300,9 @@
         </p:nvSpPr>
         <p:spPr/>
         <p:txBody>
-          <a:bodyPr/>
+          <a:bodyPr>
+            <a:normAutofit/>
+          </a:bodyPr>
           <a:lstStyle/>
           <a:p>
             <a:endParaRPr dirty="0"/>
@@ -3353,7 +3360,15 @@
             </a:r>
             <a:r>
               <a:rPr lang="fr-FR" sz="1400" dirty="0"/>
-              <a:t> ???? et </a:t>
+              <a:t> (</a:t>
+            </a:r>
+            <a:r>
+              <a:rPr lang="fr-FR" sz="1400" dirty="0" err="1"/>
+              <a:t>Jliste</a:t>
+            </a:r>
+            <a:r>
+              <a:rPr lang="fr-FR" sz="1400" dirty="0"/>
+              <a:t> de tout les instruments dans une barre latérale avec scroll dans un panneau titré "Instruments") et </a:t>
             </a:r>
             <a:r>
               <a:rPr lang="fr-FR" sz="1400" dirty="0" err="1"/>
@@ -3361,7 +3376,7 @@
             </a:r>
             <a:r>
               <a:rPr lang="fr-FR" sz="1400" dirty="0"/>
-              <a:t> ???? Ces classes s'occupent de la disposition à l’écran des composants, de la capture des actions de l'utilisateur et de l'affichage des résultats (images, messages).</a:t>
+              <a:t> (affiche le nombre de vies restantes et gère le bouton "Réinitialiser" pour relancer une partie). Ces classes s'occupent de la disposition à l’écran des composants, de la capture des actions de l'utilisateur et de l'affichage des résultats (images, messages).</a:t>
             </a:r>
           </a:p>
           <a:p>
@@ -3475,53 +3490,55 @@
         </p:nvSpPr>
         <p:spPr/>
         <p:txBody>
-          <a:bodyPr/>
-          <a:lstStyle/>
-          <a:p>
-            <a:r>
-              <a:rPr sz="1400" dirty="0"/>
+          <a:bodyPr>
+            <a:normAutofit/>
+          </a:bodyPr>
+          <a:lstStyle/>
+          <a:p>
+            <a:r>
+              <a:rPr sz="1800" b="1" dirty="0"/>
               <a:t>Instrument.java : nom, </a:t>
             </a:r>
             <a:r>
-              <a:rPr sz="1400" dirty="0" err="1"/>
+              <a:rPr sz="1800" b="1" dirty="0" err="1"/>
               <a:t>imagePath</a:t>
             </a:r>
             <a:r>
-              <a:rPr sz="1400" dirty="0"/>
+              <a:rPr sz="1800" b="1" dirty="0"/>
               <a:t>, </a:t>
             </a:r>
             <a:r>
-              <a:rPr sz="1400" dirty="0" err="1"/>
+              <a:rPr sz="1800" b="1" dirty="0" err="1"/>
               <a:t>audioPath</a:t>
             </a:r>
             <a:r>
-              <a:rPr sz="1400" dirty="0"/>
+              <a:rPr sz="1800" b="1" dirty="0"/>
               <a:t>.</a:t>
             </a:r>
           </a:p>
           <a:p>
             <a:r>
-              <a:rPr sz="1400" dirty="0" err="1"/>
+              <a:rPr sz="1800" b="1" dirty="0" err="1"/>
               <a:t>Chargement</a:t>
             </a:r>
             <a:r>
-              <a:rPr sz="1400" dirty="0"/>
+              <a:rPr sz="1800" b="1" dirty="0"/>
               <a:t> </a:t>
             </a:r>
             <a:r>
-              <a:rPr sz="1400" dirty="0" err="1"/>
+              <a:rPr sz="1800" b="1" dirty="0" err="1"/>
               <a:t>dynamique</a:t>
             </a:r>
             <a:r>
-              <a:rPr sz="1400" dirty="0"/>
+              <a:rPr sz="1800" b="1" dirty="0"/>
               <a:t> via </a:t>
             </a:r>
             <a:r>
-              <a:rPr sz="1400" dirty="0" err="1"/>
+              <a:rPr sz="1800" b="1" dirty="0" err="1"/>
               <a:t>loadInstruments</a:t>
             </a:r>
             <a:r>
-              <a:rPr sz="1400" dirty="0"/>
+              <a:rPr sz="1800" b="1" dirty="0"/>
               <a:t>().</a:t>
             </a:r>
           </a:p>
@@ -3535,7 +3552,7 @@
         </p:nvSpPr>
         <p:spPr>
           <a:xfrm>
-            <a:off x="274320" y="2243712"/>
+            <a:off x="457200" y="2609472"/>
             <a:ext cx="5303520" cy="3323987"/>
           </a:xfrm>
           <a:prstGeom prst="rect">
@@ -3863,20 +3880,8 @@
           <a:lstStyle/>
           <a:p>
             <a:r>
-              <a:rPr dirty="0"/>
-              <a:t>Vue : </a:t>
-            </a:r>
-            <a:r>
-              <a:rPr dirty="0" err="1"/>
-              <a:t>composants</a:t>
-            </a:r>
-            <a:r>
-              <a:rPr dirty="0"/>
-              <a:t> </a:t>
-            </a:r>
-            <a:r>
-              <a:rPr dirty="0" err="1"/>
-              <a:t>clés</a:t>
+              <a:rPr lang="fr-CH" dirty="0"/>
+              <a:t> Algorithme de Vérification</a:t>
             </a:r>
             <a:endParaRPr dirty="0"/>
           </a:p>
@@ -3892,51 +3897,344 @@
             <p:ph idx="1"/>
           </p:nvPr>
         </p:nvSpPr>
-        <p:spPr/>
-        <p:txBody>
-          <a:bodyPr/>
-          <a:lstStyle/>
-          <a:p>
-            <a:endParaRPr/>
-          </a:p>
-          <a:p>
-            <a:r>
-              <a:rPr sz="1400"/>
-              <a:t>InstrumentGuessPanel : bouton ▶, champ texte, image.</a:t>
-            </a:r>
-          </a:p>
-          <a:p>
-            <a:r>
-              <a:rPr sz="1400"/>
-              <a:t>GameMenuBar : bouton Réinitialiser + compteur vies.</a:t>
-            </a:r>
-          </a:p>
-        </p:txBody>
-      </p:sp>
-      <p:pic>
-        <p:nvPicPr>
-          <p:cNvPr id="4" name="Picture 3" descr="95df2d5d-c23f-4390-954f-412c7573800a.png"/>
-          <p:cNvPicPr>
-            <a:picLocks noChangeAspect="1"/>
-          </p:cNvPicPr>
-          <p:nvPr/>
-        </p:nvPicPr>
-        <p:blipFill>
-          <a:blip r:embed="rId2"/>
-          <a:stretch>
-            <a:fillRect/>
-          </a:stretch>
-        </p:blipFill>
         <p:spPr>
           <a:xfrm>
-            <a:off x="5276088" y="1805781"/>
-            <a:ext cx="6197189" cy="4114800"/>
+            <a:off x="457200" y="1600200"/>
+            <a:ext cx="8229600" cy="4983161"/>
           </a:xfrm>
-          <a:prstGeom prst="rect">
-            <a:avLst/>
-          </a:prstGeom>
         </p:spPr>
-      </p:pic>
+        <p:txBody>
+          <a:bodyPr>
+            <a:normAutofit fontScale="92500" lnSpcReduction="20000"/>
+          </a:bodyPr>
+          <a:lstStyle/>
+          <a:p>
+            <a:r>
+              <a:rPr lang="en-GB" sz="1900" b="1" dirty="0"/>
+              <a:t>Casse des </a:t>
+            </a:r>
+            <a:r>
+              <a:rPr lang="en-GB" sz="1900" b="1" dirty="0" err="1"/>
+              <a:t>noms</a:t>
+            </a:r>
+            <a:r>
+              <a:rPr lang="en-GB" sz="1900" b="1" dirty="0"/>
+              <a:t> instruments</a:t>
+            </a:r>
+          </a:p>
+          <a:p>
+            <a:r>
+              <a:rPr lang="fr-FR" sz="1900" b="1" i="1" dirty="0"/>
+              <a:t>Mise à jour asynchrone pour éviter le blocage EDT</a:t>
+            </a:r>
+          </a:p>
+          <a:p>
+            <a:endParaRPr sz="1900" b="1" dirty="0"/>
+          </a:p>
+          <a:p>
+            <a:pPr marL="0" indent="0">
+              <a:buNone/>
+            </a:pPr>
+            <a:r>
+              <a:rPr lang="fr-CH" sz="1400" dirty="0"/>
+              <a:t>public </a:t>
+            </a:r>
+            <a:r>
+              <a:rPr lang="fr-CH" sz="1400" dirty="0" err="1"/>
+              <a:t>boolean</a:t>
+            </a:r>
+            <a:r>
+              <a:rPr lang="fr-CH" sz="1400" dirty="0"/>
+              <a:t> </a:t>
+            </a:r>
+            <a:r>
+              <a:rPr lang="fr-CH" sz="1400" dirty="0" err="1"/>
+              <a:t>checkAnswer</a:t>
+            </a:r>
+            <a:r>
+              <a:rPr lang="fr-CH" sz="1400" dirty="0"/>
+              <a:t>(String input, Instrument </a:t>
+            </a:r>
+            <a:r>
+              <a:rPr lang="fr-CH" sz="1400" dirty="0" err="1"/>
+              <a:t>instrument</a:t>
+            </a:r>
+            <a:r>
+              <a:rPr lang="fr-CH" sz="1400" dirty="0"/>
+              <a:t>) {    </a:t>
+            </a:r>
+          </a:p>
+          <a:p>
+            <a:pPr marL="0" indent="0">
+              <a:buNone/>
+            </a:pPr>
+            <a:r>
+              <a:rPr lang="fr-CH" sz="1400" dirty="0"/>
+              <a:t>	// Comparaison insensible à la casse + trim automatique   </a:t>
+            </a:r>
+          </a:p>
+          <a:p>
+            <a:pPr marL="0" indent="0">
+              <a:buNone/>
+            </a:pPr>
+            <a:r>
+              <a:rPr lang="fr-CH" sz="1400" dirty="0"/>
+              <a:t> 	</a:t>
+            </a:r>
+            <a:r>
+              <a:rPr lang="fr-CH" sz="1400" dirty="0" err="1"/>
+              <a:t>boolean</a:t>
+            </a:r>
+            <a:r>
+              <a:rPr lang="fr-CH" sz="1400" dirty="0"/>
+              <a:t> correct = </a:t>
+            </a:r>
+            <a:r>
+              <a:rPr lang="fr-CH" sz="1400" dirty="0" err="1"/>
+              <a:t>instrument.getName</a:t>
+            </a:r>
+            <a:r>
+              <a:rPr lang="fr-CH" sz="1400" dirty="0"/>
+              <a:t>().</a:t>
+            </a:r>
+            <a:r>
+              <a:rPr lang="fr-CH" sz="1400" dirty="0" err="1"/>
+              <a:t>equalsIgnoreCase</a:t>
+            </a:r>
+            <a:r>
+              <a:rPr lang="fr-CH" sz="1400" dirty="0"/>
+              <a:t>(</a:t>
+            </a:r>
+            <a:r>
+              <a:rPr lang="fr-CH" sz="1400" dirty="0" err="1"/>
+              <a:t>input.trim</a:t>
+            </a:r>
+            <a:r>
+              <a:rPr lang="fr-CH" sz="1400" dirty="0"/>
+              <a:t>());        </a:t>
+            </a:r>
+          </a:p>
+          <a:p>
+            <a:pPr marL="0" indent="0">
+              <a:buNone/>
+            </a:pPr>
+            <a:endParaRPr lang="fr-CH" sz="1400" dirty="0"/>
+          </a:p>
+          <a:p>
+            <a:pPr marL="0" indent="0">
+              <a:buNone/>
+            </a:pPr>
+            <a:r>
+              <a:rPr lang="fr-CH" sz="1400" dirty="0"/>
+              <a:t>	if (correct) {        </a:t>
+            </a:r>
+          </a:p>
+          <a:p>
+            <a:pPr marL="0" indent="0">
+              <a:buNone/>
+            </a:pPr>
+            <a:r>
+              <a:rPr lang="fr-CH" sz="1400" dirty="0"/>
+              <a:t>		// Suppression avec prédicat - Stream API interne       </a:t>
+            </a:r>
+          </a:p>
+          <a:p>
+            <a:pPr marL="0" indent="0">
+              <a:buNone/>
+            </a:pPr>
+            <a:r>
+              <a:rPr lang="fr-CH" sz="1400" dirty="0"/>
+              <a:t>	 	</a:t>
+            </a:r>
+            <a:r>
+              <a:rPr lang="fr-CH" sz="1400" dirty="0" err="1"/>
+              <a:t>remainingInstruments.removeIf</a:t>
+            </a:r>
+            <a:r>
+              <a:rPr lang="fr-CH" sz="1400" dirty="0"/>
+              <a:t>(i -&gt; </a:t>
+            </a:r>
+            <a:r>
+              <a:rPr lang="fr-CH" sz="1400" dirty="0" err="1"/>
+              <a:t>i.getName</a:t>
+            </a:r>
+            <a:r>
+              <a:rPr lang="fr-CH" sz="1400" dirty="0"/>
+              <a:t>().</a:t>
+            </a:r>
+            <a:r>
+              <a:rPr lang="fr-CH" sz="1400" dirty="0" err="1"/>
+              <a:t>equalsIgnoreCase</a:t>
+            </a:r>
+            <a:r>
+              <a:rPr lang="fr-CH" sz="1400" dirty="0"/>
+              <a:t>(</a:t>
+            </a:r>
+            <a:r>
+              <a:rPr lang="fr-CH" sz="1400" dirty="0" err="1"/>
+              <a:t>instrument.getName</a:t>
+            </a:r>
+            <a:r>
+              <a:rPr lang="fr-CH" sz="1400" dirty="0"/>
+              <a:t>()));             </a:t>
+            </a:r>
+          </a:p>
+          <a:p>
+            <a:pPr marL="0" indent="0">
+              <a:buNone/>
+            </a:pPr>
+            <a:r>
+              <a:rPr lang="fr-CH" sz="1400" dirty="0"/>
+              <a:t>   </a:t>
+            </a:r>
+          </a:p>
+          <a:p>
+            <a:pPr marL="0" indent="0">
+              <a:buNone/>
+            </a:pPr>
+            <a:r>
+              <a:rPr lang="fr-CH" sz="1400" dirty="0"/>
+              <a:t>		// Condition de victoire - Vérification immédiate       </a:t>
+            </a:r>
+          </a:p>
+          <a:p>
+            <a:pPr marL="0" indent="0">
+              <a:buNone/>
+            </a:pPr>
+            <a:r>
+              <a:rPr lang="fr-CH" sz="1400" dirty="0"/>
+              <a:t>		if (</a:t>
+            </a:r>
+            <a:r>
+              <a:rPr lang="fr-CH" sz="1400" dirty="0" err="1"/>
+              <a:t>remainingInstruments.isEmpty</a:t>
+            </a:r>
+            <a:r>
+              <a:rPr lang="fr-CH" sz="1400" dirty="0"/>
+              <a:t>()) {            </a:t>
+            </a:r>
+          </a:p>
+          <a:p>
+            <a:pPr marL="0" indent="0">
+              <a:buNone/>
+            </a:pPr>
+            <a:r>
+              <a:rPr lang="fr-CH" sz="1400" dirty="0"/>
+              <a:t>			// Thread-</a:t>
+            </a:r>
+            <a:r>
+              <a:rPr lang="fr-CH" sz="1400" dirty="0" err="1"/>
+              <a:t>safety</a:t>
+            </a:r>
+            <a:r>
+              <a:rPr lang="fr-CH" sz="1400" dirty="0"/>
+              <a:t> : Délégation à l'EDT            </a:t>
+            </a:r>
+          </a:p>
+          <a:p>
+            <a:pPr marL="0" indent="0">
+              <a:buNone/>
+            </a:pPr>
+            <a:r>
+              <a:rPr lang="fr-CH" sz="1400" dirty="0"/>
+              <a:t>			</a:t>
+            </a:r>
+            <a:r>
+              <a:rPr lang="fr-CH" sz="1400" b="1" dirty="0" err="1"/>
+              <a:t>SwingUtilities.invokeLater</a:t>
+            </a:r>
+            <a:r>
+              <a:rPr lang="fr-CH" sz="1400" dirty="0"/>
+              <a:t>(() -&gt; </a:t>
+            </a:r>
+            <a:r>
+              <a:rPr lang="fr-CH" sz="1400" dirty="0" err="1"/>
+              <a:t>window.showVictoryDialog</a:t>
+            </a:r>
+            <a:r>
+              <a:rPr lang="fr-CH" sz="1400" dirty="0"/>
+              <a:t>());        </a:t>
+            </a:r>
+          </a:p>
+          <a:p>
+            <a:pPr marL="0" indent="0">
+              <a:buNone/>
+            </a:pPr>
+            <a:r>
+              <a:rPr lang="fr-CH" sz="1400" dirty="0"/>
+              <a:t>}    } </a:t>
+            </a:r>
+          </a:p>
+          <a:p>
+            <a:pPr marL="0" indent="0">
+              <a:buNone/>
+            </a:pPr>
+            <a:r>
+              <a:rPr lang="fr-CH" sz="1400" dirty="0"/>
+              <a:t>return correct;</a:t>
+            </a:r>
+          </a:p>
+          <a:p>
+            <a:pPr marL="0" indent="0">
+              <a:buNone/>
+            </a:pPr>
+            <a:endParaRPr lang="fr-CH" sz="1400" dirty="0"/>
+          </a:p>
+          <a:p>
+            <a:pPr marL="0" indent="0">
+              <a:buNone/>
+            </a:pPr>
+            <a:r>
+              <a:rPr lang="fr-FR" sz="1400" dirty="0"/>
+              <a:t>Event Dispatch Thread (EDT) :</a:t>
+            </a:r>
+          </a:p>
+          <a:p>
+            <a:pPr marL="0" indent="0">
+              <a:buNone/>
+            </a:pPr>
+            <a:r>
+              <a:rPr lang="fr-FR" sz="1400" dirty="0"/>
+              <a:t>Toutes les modifications UI via </a:t>
+            </a:r>
+            <a:r>
+              <a:rPr lang="fr-FR" sz="1400" dirty="0" err="1"/>
+              <a:t>SwingUtilities.invokeLater</a:t>
+            </a:r>
+            <a:r>
+              <a:rPr lang="fr-FR" sz="1400" dirty="0"/>
+              <a:t>()</a:t>
+            </a:r>
+          </a:p>
+          <a:p>
+            <a:pPr marL="0" indent="0">
+              <a:buNone/>
+            </a:pPr>
+            <a:r>
+              <a:rPr lang="fr-FR" sz="1400" dirty="0"/>
+              <a:t>Évite les </a:t>
+            </a:r>
+            <a:r>
+              <a:rPr lang="fr-FR" sz="1400" dirty="0" err="1"/>
+              <a:t>IllegalStateException</a:t>
+            </a:r>
+            <a:r>
+              <a:rPr lang="fr-FR" sz="1400" dirty="0"/>
+              <a:t> et les corruptions d'affichage</a:t>
+            </a:r>
+          </a:p>
+          <a:p>
+            <a:pPr marL="0" indent="0">
+              <a:buNone/>
+            </a:pPr>
+            <a:r>
+              <a:rPr lang="fr-FR" sz="1400" dirty="0"/>
+              <a:t>Garantit la cohérence de l'état de l'interface</a:t>
+            </a:r>
+            <a:endParaRPr sz="1400" dirty="0"/>
+          </a:p>
+        </p:txBody>
+      </p:sp>
     </p:spTree>
   </p:cSld>
   <p:clrMapOvr>
@@ -4003,69 +4301,40 @@
         </p:nvSpPr>
         <p:spPr/>
         <p:txBody>
-          <a:bodyPr/>
-          <a:lstStyle/>
-          <a:p>
-            <a:endParaRPr dirty="0"/>
-          </a:p>
-          <a:p>
-            <a:r>
-              <a:rPr sz="1400" dirty="0" err="1"/>
-              <a:t>playSound</a:t>
-            </a:r>
-            <a:r>
-              <a:rPr sz="1400" dirty="0"/>
-              <a:t> : clip </a:t>
-            </a:r>
-            <a:r>
-              <a:rPr sz="1400" dirty="0" err="1"/>
-              <a:t>exclusif</a:t>
-            </a:r>
-            <a:r>
-              <a:rPr sz="1400" dirty="0"/>
-              <a:t>, </a:t>
-            </a:r>
-            <a:r>
-              <a:rPr sz="1400" dirty="0" err="1"/>
-              <a:t>arrêt</a:t>
-            </a:r>
-            <a:r>
-              <a:rPr sz="1400" dirty="0"/>
-              <a:t> </a:t>
-            </a:r>
-            <a:r>
-              <a:rPr sz="1400" dirty="0" err="1"/>
-              <a:t>avant</a:t>
-            </a:r>
-            <a:r>
-              <a:rPr sz="1400" dirty="0"/>
-              <a:t> lecture.</a:t>
-            </a:r>
-          </a:p>
-          <a:p>
-            <a:r>
-              <a:rPr sz="1400" dirty="0" err="1"/>
-              <a:t>checkAnswer</a:t>
-            </a:r>
-            <a:r>
-              <a:rPr sz="1400" dirty="0"/>
-              <a:t> : mise à jour vies, </a:t>
-            </a:r>
-            <a:r>
-              <a:rPr sz="1400" dirty="0" err="1"/>
-              <a:t>victoire</a:t>
-            </a:r>
-            <a:r>
-              <a:rPr sz="1400" dirty="0"/>
-              <a:t>/</a:t>
-            </a:r>
-            <a:r>
-              <a:rPr sz="1400" dirty="0" err="1"/>
-              <a:t>défaite</a:t>
-            </a:r>
-            <a:r>
-              <a:rPr sz="1400" dirty="0"/>
-              <a:t> via EDT.</a:t>
+          <a:bodyPr>
+            <a:normAutofit/>
+          </a:bodyPr>
+          <a:lstStyle/>
+          <a:p>
+            <a:endParaRPr lang="fr-CH" sz="1800" b="1" dirty="0"/>
+          </a:p>
+          <a:p>
+            <a:r>
+              <a:rPr lang="fr-FR" sz="1800" b="1" dirty="0" err="1"/>
+              <a:t>allInstruments</a:t>
+            </a:r>
+            <a:r>
+              <a:rPr lang="fr-FR" sz="1800" b="1" dirty="0"/>
+              <a:t> (Pool Global) → </a:t>
+            </a:r>
+            <a:r>
+              <a:rPr lang="fr-FR" sz="1800" b="1" dirty="0" err="1"/>
+              <a:t>currentGame</a:t>
+            </a:r>
+            <a:r>
+              <a:rPr lang="fr-FR" sz="1800" b="1" dirty="0"/>
+              <a:t> (6 sélectionnés) → </a:t>
+            </a:r>
+            <a:r>
+              <a:rPr lang="fr-FR" sz="1800" b="1" dirty="0" err="1"/>
+              <a:t>remaining</a:t>
+            </a:r>
+            <a:br>
+              <a:rPr lang="fr-FR" sz="1800" b="1" dirty="0"/>
+            </a:br>
+            <a:r>
+              <a:rPr lang="fr-FR" sz="1800" b="1" dirty="0"/>
+              <a:t>(Non devinés)</a:t>
             </a:r>
           </a:p>
         </p:txBody>
@@ -4078,8 +4347,8 @@
         </p:nvSpPr>
         <p:spPr>
           <a:xfrm>
-            <a:off x="274320" y="3017520"/>
-            <a:ext cx="5303520" cy="3293209"/>
+            <a:off x="457200" y="2632074"/>
+            <a:ext cx="5303520" cy="2462213"/>
           </a:xfrm>
           <a:prstGeom prst="rect">
             <a:avLst/>
@@ -4093,367 +4362,139 @@
           <a:lstStyle/>
           <a:p>
             <a:r>
-              <a:rPr sz="800" dirty="0">
-                <a:latin typeface="Consolas"/>
-              </a:rPr>
-              <a:t>    public void </a:t>
-            </a:r>
-            <a:r>
-              <a:rPr sz="800" dirty="0" err="1">
-                <a:latin typeface="Consolas"/>
-              </a:rPr>
-              <a:t>playSound</a:t>
-            </a:r>
-            <a:r>
-              <a:rPr sz="800" dirty="0">
-                <a:latin typeface="Consolas"/>
-              </a:rPr>
-              <a:t>(String </a:t>
-            </a:r>
-            <a:r>
-              <a:rPr sz="800" dirty="0" err="1">
-                <a:latin typeface="Consolas"/>
-              </a:rPr>
-              <a:t>audioPath</a:t>
-            </a:r>
-            <a:r>
-              <a:rPr sz="800" dirty="0">
-                <a:latin typeface="Consolas"/>
-              </a:rPr>
-              <a:t>) {
-        try {
-            if (</a:t>
-            </a:r>
-            <a:r>
-              <a:rPr sz="800" dirty="0" err="1">
-                <a:latin typeface="Consolas"/>
-              </a:rPr>
+              <a:rPr lang="fr-CH" sz="1400" b="1" dirty="0" err="1"/>
+              <a:t>private</a:t>
+            </a:r>
+            <a:r>
+              <a:rPr lang="fr-CH" sz="1400" b="1" dirty="0"/>
+              <a:t> final</a:t>
+            </a:r>
+            <a:r>
+              <a:rPr lang="fr-CH" sz="1400" dirty="0"/>
+              <a:t> List&lt;Instrument&gt; </a:t>
+            </a:r>
+            <a:r>
+              <a:rPr lang="fr-CH" sz="1400" dirty="0" err="1"/>
+              <a:t>allInstruments</a:t>
+            </a:r>
+            <a:r>
+              <a:rPr lang="fr-CH" sz="1400" dirty="0"/>
+              <a:t>;</a:t>
+            </a:r>
+          </a:p>
+          <a:p>
+            <a:r>
+              <a:rPr lang="fr-CH" sz="1400" dirty="0"/>
+              <a:t> </a:t>
+            </a:r>
+            <a:r>
+              <a:rPr lang="fr-CH" sz="1400" i="1" dirty="0"/>
+              <a:t>// Pool complet</a:t>
+            </a:r>
+            <a:r>
+              <a:rPr lang="fr-CH" sz="1400" dirty="0"/>
+              <a:t> </a:t>
+            </a:r>
+          </a:p>
+          <a:p>
+            <a:endParaRPr lang="fr-CH" sz="1400" b="1" dirty="0"/>
+          </a:p>
+          <a:p>
+            <a:r>
+              <a:rPr lang="fr-CH" sz="1400" b="1" dirty="0" err="1"/>
+              <a:t>private</a:t>
+            </a:r>
+            <a:r>
+              <a:rPr lang="fr-CH" sz="1400" dirty="0"/>
+              <a:t> List&lt;Instrument&gt; </a:t>
+            </a:r>
+            <a:r>
+              <a:rPr lang="fr-CH" sz="1400" dirty="0" err="1"/>
+              <a:t>currentGameInstruments</a:t>
+            </a:r>
+            <a:r>
+              <a:rPr lang="fr-CH" sz="1400" dirty="0"/>
+              <a:t>; </a:t>
+            </a:r>
+          </a:p>
+          <a:p>
+            <a:r>
+              <a:rPr lang="fr-CH" sz="1400" i="1" dirty="0"/>
+              <a:t>// Sélection actuelle(6)</a:t>
+            </a:r>
+            <a:r>
+              <a:rPr lang="fr-CH" sz="1400" dirty="0"/>
+              <a:t> </a:t>
+            </a:r>
+          </a:p>
+          <a:p>
+            <a:endParaRPr lang="fr-CH" sz="1400" b="1" dirty="0"/>
+          </a:p>
+          <a:p>
+            <a:r>
+              <a:rPr lang="fr-CH" sz="1400" b="1" dirty="0" err="1"/>
+              <a:t>private</a:t>
+            </a:r>
+            <a:r>
+              <a:rPr lang="fr-CH" sz="1400" dirty="0"/>
+              <a:t> List&lt;Instrument&gt; </a:t>
+            </a:r>
+            <a:r>
+              <a:rPr lang="fr-CH" sz="1400" dirty="0" err="1"/>
+              <a:t>remainingInstruments</a:t>
+            </a:r>
+            <a:r>
+              <a:rPr lang="fr-CH" sz="1400" dirty="0"/>
+              <a:t>; </a:t>
+            </a:r>
+          </a:p>
+          <a:p>
+            <a:r>
+              <a:rPr lang="fr-CH" sz="1400" i="1" dirty="0"/>
+              <a:t>// À deviner</a:t>
+            </a:r>
+          </a:p>
+          <a:p>
+            <a:endParaRPr lang="fr-CH" sz="1400" i="1" dirty="0"/>
+          </a:p>
+          <a:p>
+            <a:r>
+              <a:rPr lang="fr-CH" sz="1400" dirty="0"/>
+              <a:t> </a:t>
+            </a:r>
+            <a:r>
+              <a:rPr lang="fr-CH" sz="1400" b="1" dirty="0" err="1"/>
+              <a:t>private</a:t>
+            </a:r>
+            <a:r>
+              <a:rPr lang="fr-CH" sz="1400" dirty="0"/>
+              <a:t> Clip </a:t>
+            </a:r>
+            <a:r>
+              <a:rPr lang="fr-CH" sz="1400" dirty="0" err="1"/>
               <a:t>currentClip</a:t>
             </a:r>
             <a:r>
-              <a:rPr sz="800" dirty="0">
-                <a:latin typeface="Consolas"/>
-              </a:rPr>
-              <a:t> != null &amp;&amp; </a:t>
-            </a:r>
-            <a:r>
-              <a:rPr sz="800" dirty="0" err="1">
-                <a:latin typeface="Consolas"/>
-              </a:rPr>
-              <a:t>currentClip.isRunning</a:t>
-            </a:r>
-            <a:r>
-              <a:rPr sz="800" dirty="0">
-                <a:latin typeface="Consolas"/>
-              </a:rPr>
-              <a:t>()) {
-                </a:t>
-            </a:r>
-            <a:r>
-              <a:rPr sz="800" dirty="0" err="1">
-                <a:latin typeface="Consolas"/>
-              </a:rPr>
-              <a:t>currentClip.stop</a:t>
-            </a:r>
-            <a:r>
-              <a:rPr sz="800" dirty="0">
-                <a:latin typeface="Consolas"/>
-              </a:rPr>
-              <a:t>();
-                </a:t>
-            </a:r>
-            <a:r>
-              <a:rPr sz="800" dirty="0" err="1">
-                <a:latin typeface="Consolas"/>
-              </a:rPr>
-              <a:t>currentClip.close</a:t>
-            </a:r>
-            <a:r>
-              <a:rPr sz="800" dirty="0">
-                <a:latin typeface="Consolas"/>
-              </a:rPr>
-              <a:t>();
-            }
-            </a:t>
-            </a:r>
-            <a:r>
-              <a:rPr sz="800" dirty="0" err="1">
-                <a:latin typeface="Consolas"/>
-              </a:rPr>
-              <a:t>AudioInputStream</a:t>
-            </a:r>
-            <a:r>
-              <a:rPr sz="800" dirty="0">
-                <a:latin typeface="Consolas"/>
-              </a:rPr>
-              <a:t> </a:t>
-            </a:r>
-            <a:r>
-              <a:rPr sz="800" dirty="0" err="1">
-                <a:latin typeface="Consolas"/>
-              </a:rPr>
-              <a:t>audioIn</a:t>
-            </a:r>
-            <a:r>
-              <a:rPr sz="800" dirty="0">
-                <a:latin typeface="Consolas"/>
-              </a:rPr>
-              <a:t> = </a:t>
-            </a:r>
-            <a:r>
-              <a:rPr sz="800" dirty="0" err="1">
-                <a:latin typeface="Consolas"/>
-              </a:rPr>
-              <a:t>AudioSystem.getAudioInputStream</a:t>
-            </a:r>
-            <a:r>
-              <a:rPr sz="800" dirty="0">
-                <a:latin typeface="Consolas"/>
-              </a:rPr>
-              <a:t>(new File(</a:t>
-            </a:r>
-            <a:r>
-              <a:rPr sz="800" dirty="0" err="1">
-                <a:latin typeface="Consolas"/>
-              </a:rPr>
-              <a:t>audioPath</a:t>
-            </a:r>
-            <a:r>
-              <a:rPr sz="800" dirty="0">
-                <a:latin typeface="Consolas"/>
-              </a:rPr>
-              <a:t>));
-            </a:t>
-            </a:r>
-            <a:r>
-              <a:rPr sz="800" dirty="0" err="1">
-                <a:latin typeface="Consolas"/>
-              </a:rPr>
-              <a:t>currentClip</a:t>
-            </a:r>
-            <a:r>
-              <a:rPr sz="800" dirty="0">
-                <a:latin typeface="Consolas"/>
-              </a:rPr>
-              <a:t> = </a:t>
-            </a:r>
-            <a:r>
-              <a:rPr sz="800" dirty="0" err="1">
-                <a:latin typeface="Consolas"/>
-              </a:rPr>
-              <a:t>AudioSystem.getClip</a:t>
-            </a:r>
-            <a:r>
-              <a:rPr sz="800" dirty="0">
-                <a:latin typeface="Consolas"/>
-              </a:rPr>
-              <a:t>();
-            </a:t>
-            </a:r>
-            <a:r>
-              <a:rPr sz="800" dirty="0" err="1">
-                <a:latin typeface="Consolas"/>
-              </a:rPr>
-              <a:t>currentClip.open</a:t>
-            </a:r>
-            <a:r>
-              <a:rPr sz="800" dirty="0">
-                <a:latin typeface="Consolas"/>
-              </a:rPr>
-              <a:t>(</a:t>
-            </a:r>
-            <a:r>
-              <a:rPr sz="800" dirty="0" err="1">
-                <a:latin typeface="Consolas"/>
-              </a:rPr>
-              <a:t>audioIn</a:t>
-            </a:r>
-            <a:r>
-              <a:rPr sz="800" dirty="0">
-                <a:latin typeface="Consolas"/>
-              </a:rPr>
-              <a:t>);
-            </a:t>
-            </a:r>
-            <a:r>
-              <a:rPr sz="800" dirty="0" err="1">
-                <a:latin typeface="Consolas"/>
-              </a:rPr>
-              <a:t>currentClip.start</a:t>
-            </a:r>
-            <a:r>
-              <a:rPr sz="800" dirty="0">
-                <a:latin typeface="Consolas"/>
-              </a:rPr>
-              <a:t>();
-        } catch (</a:t>
-            </a:r>
-            <a:r>
-              <a:rPr sz="800" dirty="0" err="1">
-                <a:latin typeface="Consolas"/>
-              </a:rPr>
-              <a:t>UnsupportedAudioFileException</a:t>
-            </a:r>
-            <a:r>
-              <a:rPr sz="800" dirty="0">
-                <a:latin typeface="Consolas"/>
-              </a:rPr>
-              <a:t> | </a:t>
-            </a:r>
-            <a:r>
-              <a:rPr sz="800" dirty="0" err="1">
-                <a:latin typeface="Consolas"/>
-              </a:rPr>
-              <a:t>IOException</a:t>
-            </a:r>
-            <a:r>
-              <a:rPr sz="800" dirty="0">
-                <a:latin typeface="Consolas"/>
-              </a:rPr>
-              <a:t> | </a:t>
-            </a:r>
-            <a:r>
-              <a:rPr sz="800" dirty="0" err="1">
-                <a:latin typeface="Consolas"/>
-              </a:rPr>
-              <a:t>LineUnavailableException</a:t>
-            </a:r>
-            <a:r>
-              <a:rPr sz="800" dirty="0">
-                <a:latin typeface="Consolas"/>
-              </a:rPr>
-              <a:t> e) {
-            </a:t>
-            </a:r>
-            <a:r>
-              <a:rPr sz="800" dirty="0" err="1">
-                <a:latin typeface="Consolas"/>
-              </a:rPr>
-              <a:t>e.printStackTrace</a:t>
-            </a:r>
-            <a:r>
-              <a:rPr sz="800" dirty="0">
-                <a:latin typeface="Consolas"/>
-              </a:rPr>
-              <a:t>();
-        }
-    }
-private void </a:t>
-            </a:r>
-            <a:r>
-              <a:rPr sz="800" dirty="0" err="1">
-                <a:latin typeface="Consolas"/>
-              </a:rPr>
-              <a:t>checkAnswer</a:t>
-            </a:r>
-            <a:r>
-              <a:rPr sz="800" dirty="0">
-                <a:latin typeface="Consolas"/>
-              </a:rPr>
-              <a:t>() {
-    if (</a:t>
-            </a:r>
-            <a:r>
-              <a:rPr sz="800" dirty="0" err="1">
-                <a:latin typeface="Consolas"/>
-              </a:rPr>
-              <a:t>alreadyAnswered</a:t>
-            </a:r>
-            <a:r>
-              <a:rPr sz="800" dirty="0">
-                <a:latin typeface="Consolas"/>
-              </a:rPr>
-              <a:t>) return;
-    String guess = </a:t>
-            </a:r>
-            <a:r>
-              <a:rPr sz="800" dirty="0" err="1">
-                <a:latin typeface="Consolas"/>
-              </a:rPr>
-              <a:t>guessField.getText</a:t>
-            </a:r>
-            <a:r>
-              <a:rPr sz="800" dirty="0">
-                <a:latin typeface="Consolas"/>
-              </a:rPr>
-              <a:t>().trim();
-    </a:t>
-            </a:r>
-            <a:r>
-              <a:rPr sz="800" dirty="0" err="1">
-                <a:latin typeface="Consolas"/>
-              </a:rPr>
-              <a:t>boolean</a:t>
-            </a:r>
-            <a:r>
-              <a:rPr sz="800" dirty="0">
-                <a:latin typeface="Consolas"/>
-              </a:rPr>
-              <a:t> correct = </a:t>
-            </a:r>
-            <a:r>
-              <a:rPr sz="800" dirty="0" err="1">
-                <a:latin typeface="Consolas"/>
-              </a:rPr>
-              <a:t>controller.checkAnswer</a:t>
-            </a:r>
-            <a:r>
-              <a:rPr sz="800" dirty="0">
-                <a:latin typeface="Consolas"/>
-              </a:rPr>
-              <a:t>(guess, instrument);
-    if (correct) {
-        </a:t>
-            </a:r>
-            <a:r>
-              <a:rPr sz="800" dirty="0" err="1">
-                <a:latin typeface="Consolas"/>
-              </a:rPr>
-              <a:t>showImage</a:t>
-            </a:r>
-            <a:r>
-              <a:rPr sz="800" dirty="0">
-                <a:latin typeface="Consolas"/>
-              </a:rPr>
-              <a:t>();
-        </a:t>
-            </a:r>
-            <a:r>
-              <a:rPr sz="800" dirty="0" err="1">
-                <a:latin typeface="Consolas"/>
-              </a:rPr>
-              <a:t>setBackground</a:t>
-            </a:r>
-            <a:r>
-              <a:rPr sz="800" dirty="0">
-                <a:latin typeface="Consolas"/>
-              </a:rPr>
-              <a:t>(</a:t>
-            </a:r>
-            <a:r>
-              <a:rPr sz="800" dirty="0" err="1">
-                <a:latin typeface="Consolas"/>
-              </a:rPr>
-              <a:t>UIManager.getColor</a:t>
-            </a:r>
-            <a:r>
-              <a:rPr sz="800" dirty="0">
-                <a:latin typeface="Consolas"/>
-              </a:rPr>
-              <a:t>("</a:t>
-            </a:r>
-            <a:r>
-              <a:rPr sz="800" dirty="0" err="1">
-                <a:latin typeface="Consolas"/>
-              </a:rPr>
-              <a:t>Panel.background</a:t>
-            </a:r>
-            <a:r>
-              <a:rPr sz="800" dirty="0">
-                <a:latin typeface="Consolas"/>
-              </a:rPr>
-              <a:t>")); // Reset red if previously wrong</a:t>
-            </a:r>
+              <a:rPr lang="fr-CH" sz="1400" dirty="0"/>
+              <a:t> = </a:t>
+            </a:r>
+            <a:r>
+              <a:rPr lang="fr-CH" sz="1400" b="1" dirty="0" err="1"/>
+              <a:t>null</a:t>
+            </a:r>
+            <a:r>
+              <a:rPr lang="fr-CH" sz="1400" dirty="0"/>
+              <a:t>; </a:t>
+            </a:r>
+          </a:p>
+          <a:p>
+            <a:r>
+              <a:rPr lang="fr-CH" sz="1400" i="1" dirty="0"/>
+              <a:t>// Audio exclusif</a:t>
+            </a:r>
+            <a:endParaRPr sz="1400" dirty="0">
+              <a:latin typeface="Consolas"/>
+            </a:endParaRPr>
           </a:p>
         </p:txBody>
       </p:sp>
@@ -4473,8 +4514,8 @@
         </p:blipFill>
         <p:spPr>
           <a:xfrm>
-            <a:off x="5486400" y="1371600"/>
-            <a:ext cx="6157667" cy="4114800"/>
+            <a:off x="4288536" y="3613384"/>
+            <a:ext cx="4855464" cy="3244615"/>
           </a:xfrm>
           <a:prstGeom prst="rect">
             <a:avLst/>
@@ -4532,7 +4573,12 @@
           <a:lstStyle/>
           <a:p>
             <a:r>
-              <a:t>InstrumentGuessPanel – Vue composite</a:t>
+              <a:rPr dirty="0" err="1"/>
+              <a:t>InstrumentGuessPanel</a:t>
+            </a:r>
+            <a:r>
+              <a:rPr dirty="0"/>
+              <a:t> – Vue composite</a:t>
             </a:r>
           </a:p>
         </p:txBody>
@@ -4549,27 +4595,90 @@
         </p:nvSpPr>
         <p:spPr/>
         <p:txBody>
-          <a:bodyPr/>
-          <a:lstStyle/>
-          <a:p>
-            <a:endParaRPr/>
-          </a:p>
-          <a:p>
-            <a:r>
-              <a:rPr sz="1400"/>
-              <a:t>Combine JLabel (image), JButton (Play), JTextField (input).</a:t>
-            </a:r>
-          </a:p>
-          <a:p>
-            <a:r>
-              <a:rPr sz="1400"/>
-              <a:t>Gère couleur fond rouge en cas d'erreur.</a:t>
-            </a:r>
-          </a:p>
-          <a:p>
-            <a:r>
-              <a:rPr sz="1400"/>
-              <a:t>Redimensionne image à la volée.</a:t>
+          <a:bodyPr>
+            <a:normAutofit/>
+          </a:bodyPr>
+          <a:lstStyle/>
+          <a:p>
+            <a:r>
+              <a:rPr sz="1800" b="1" dirty="0"/>
+              <a:t>Combine </a:t>
+            </a:r>
+            <a:r>
+              <a:rPr sz="1800" b="1" dirty="0" err="1"/>
+              <a:t>JLabel</a:t>
+            </a:r>
+            <a:r>
+              <a:rPr sz="1800" b="1" dirty="0"/>
+              <a:t> (image), </a:t>
+            </a:r>
+            <a:r>
+              <a:rPr sz="1800" b="1" dirty="0" err="1"/>
+              <a:t>JButton</a:t>
+            </a:r>
+            <a:r>
+              <a:rPr sz="1800" b="1" dirty="0"/>
+              <a:t> (Play), </a:t>
+            </a:r>
+            <a:r>
+              <a:rPr sz="1800" b="1" dirty="0" err="1"/>
+              <a:t>JTextField</a:t>
+            </a:r>
+            <a:r>
+              <a:rPr sz="1800" b="1" dirty="0"/>
+              <a:t> (input).</a:t>
+            </a:r>
+          </a:p>
+          <a:p>
+            <a:r>
+              <a:rPr sz="1800" b="1" dirty="0" err="1"/>
+              <a:t>Gère</a:t>
+            </a:r>
+            <a:r>
+              <a:rPr sz="1800" b="1" dirty="0"/>
+              <a:t> couleur fond rouge </a:t>
+            </a:r>
+            <a:r>
+              <a:rPr sz="1800" b="1" dirty="0" err="1"/>
+              <a:t>en</a:t>
+            </a:r>
+            <a:r>
+              <a:rPr sz="1800" b="1" dirty="0"/>
+              <a:t> </a:t>
+            </a:r>
+            <a:r>
+              <a:rPr sz="1800" b="1" dirty="0" err="1"/>
+              <a:t>cas</a:t>
+            </a:r>
+            <a:r>
+              <a:rPr sz="1800" b="1" dirty="0"/>
+              <a:t> </a:t>
+            </a:r>
+            <a:r>
+              <a:rPr sz="1800" b="1" dirty="0" err="1"/>
+              <a:t>d'erreur</a:t>
+            </a:r>
+            <a:r>
+              <a:rPr sz="1800" b="1" dirty="0"/>
+              <a:t>.</a:t>
+            </a:r>
+          </a:p>
+          <a:p>
+            <a:r>
+              <a:rPr sz="1800" b="1" dirty="0" err="1"/>
+              <a:t>Redimensionne</a:t>
+            </a:r>
+            <a:r>
+              <a:rPr sz="1800" b="1" dirty="0"/>
+              <a:t> image à la </a:t>
+            </a:r>
+            <a:r>
+              <a:rPr sz="1800" b="1" dirty="0" err="1"/>
+              <a:t>volée</a:t>
+            </a:r>
+            <a:r>
+              <a:rPr sz="1800" b="1" dirty="0"/>
+              <a:t>.</a:t>
             </a:r>
           </a:p>
         </p:txBody>
@@ -4590,14 +4699,188 @@
         </p:blipFill>
         <p:spPr>
           <a:xfrm>
-            <a:off x="5468112" y="1805781"/>
-            <a:ext cx="6197189" cy="4114800"/>
+            <a:off x="4572000" y="3822290"/>
+            <a:ext cx="4572000" cy="3035710"/>
           </a:xfrm>
           <a:prstGeom prst="rect">
             <a:avLst/>
           </a:prstGeom>
         </p:spPr>
       </p:pic>
+      <p:sp>
+        <p:nvSpPr>
+          <p:cNvPr id="5" name="TextBox 3">
+            <a:extLst>
+              <a:ext uri="{FF2B5EF4-FFF2-40B4-BE49-F238E27FC236}">
+                <a16:creationId xmlns:a16="http://schemas.microsoft.com/office/drawing/2014/main" id="{CCB98349-C4B2-641F-3CA8-51A48D763F74}"/>
+              </a:ext>
+            </a:extLst>
+          </p:cNvPr>
+          <p:cNvSpPr txBox="1"/>
+          <p:nvPr/>
+        </p:nvSpPr>
+        <p:spPr>
+          <a:xfrm>
+            <a:off x="457200" y="2731787"/>
+            <a:ext cx="5303520" cy="1815882"/>
+          </a:xfrm>
+          <a:prstGeom prst="rect">
+            <a:avLst/>
+          </a:prstGeom>
+          <a:noFill/>
+        </p:spPr>
+        <p:txBody>
+          <a:bodyPr wrap="square">
+            <a:spAutoFit/>
+          </a:bodyPr>
+          <a:lstStyle/>
+          <a:p>
+            <a:r>
+              <a:rPr lang="fr-CH" sz="1400" dirty="0"/>
+              <a:t>// Composition de composants avec états</a:t>
+            </a:r>
+          </a:p>
+          <a:p>
+            <a:r>
+              <a:rPr lang="fr-CH" sz="1400" dirty="0" err="1"/>
+              <a:t>private</a:t>
+            </a:r>
+            <a:r>
+              <a:rPr lang="fr-CH" sz="1400" dirty="0"/>
+              <a:t> final </a:t>
+            </a:r>
+            <a:r>
+              <a:rPr lang="fr-CH" sz="1400" dirty="0" err="1"/>
+              <a:t>JButton</a:t>
+            </a:r>
+            <a:r>
+              <a:rPr lang="fr-CH" sz="1400" dirty="0"/>
+              <a:t> </a:t>
+            </a:r>
+            <a:r>
+              <a:rPr lang="fr-CH" sz="1400" dirty="0" err="1"/>
+              <a:t>playButton</a:t>
+            </a:r>
+            <a:r>
+              <a:rPr lang="fr-CH" sz="1400" dirty="0"/>
+              <a:t>;</a:t>
+            </a:r>
+          </a:p>
+          <a:p>
+            <a:r>
+              <a:rPr lang="fr-CH" sz="1400" dirty="0" err="1"/>
+              <a:t>private</a:t>
+            </a:r>
+            <a:r>
+              <a:rPr lang="fr-CH" sz="1400" dirty="0"/>
+              <a:t> final </a:t>
+            </a:r>
+            <a:r>
+              <a:rPr lang="fr-CH" sz="1400" dirty="0" err="1"/>
+              <a:t>JTextField</a:t>
+            </a:r>
+            <a:r>
+              <a:rPr lang="fr-CH" sz="1400" dirty="0"/>
+              <a:t> </a:t>
+            </a:r>
+            <a:r>
+              <a:rPr lang="fr-CH" sz="1400" dirty="0" err="1"/>
+              <a:t>guessField</a:t>
+            </a:r>
+            <a:r>
+              <a:rPr lang="fr-CH" sz="1400" dirty="0"/>
+              <a:t>;</a:t>
+            </a:r>
+          </a:p>
+          <a:p>
+            <a:r>
+              <a:rPr lang="fr-CH" sz="1400" dirty="0" err="1"/>
+              <a:t>private</a:t>
+            </a:r>
+            <a:r>
+              <a:rPr lang="fr-CH" sz="1400" dirty="0"/>
+              <a:t> final </a:t>
+            </a:r>
+            <a:r>
+              <a:rPr lang="fr-CH" sz="1400" dirty="0" err="1"/>
+              <a:t>JLabel</a:t>
+            </a:r>
+            <a:r>
+              <a:rPr lang="fr-CH" sz="1400" dirty="0"/>
+              <a:t> </a:t>
+            </a:r>
+            <a:r>
+              <a:rPr lang="fr-CH" sz="1400" dirty="0" err="1"/>
+              <a:t>imageLabel</a:t>
+            </a:r>
+            <a:r>
+              <a:rPr lang="fr-CH" sz="1400" dirty="0"/>
+              <a:t>;</a:t>
+            </a:r>
+          </a:p>
+          <a:p>
+            <a:r>
+              <a:rPr lang="fr-CH" sz="1400" dirty="0" err="1"/>
+              <a:t>private</a:t>
+            </a:r>
+            <a:r>
+              <a:rPr lang="fr-CH" sz="1400" dirty="0"/>
+              <a:t> </a:t>
+            </a:r>
+            <a:r>
+              <a:rPr lang="fr-CH" sz="1400" dirty="0" err="1"/>
+              <a:t>boolean</a:t>
+            </a:r>
+            <a:r>
+              <a:rPr lang="fr-CH" sz="1400" dirty="0"/>
+              <a:t> </a:t>
+            </a:r>
+            <a:r>
+              <a:rPr lang="fr-CH" sz="1400" dirty="0" err="1"/>
+              <a:t>alreadyAnswered</a:t>
+            </a:r>
+            <a:r>
+              <a:rPr lang="fr-CH" sz="1400" dirty="0"/>
+              <a:t> = false; // État interne</a:t>
+            </a:r>
+          </a:p>
+          <a:p>
+            <a:endParaRPr lang="fr-CH" sz="1400" dirty="0"/>
+          </a:p>
+          <a:p>
+            <a:r>
+              <a:rPr lang="fr-CH" sz="1400" dirty="0"/>
+              <a:t>// Pattern Observer via </a:t>
+            </a:r>
+            <a:r>
+              <a:rPr lang="fr-CH" sz="1400" dirty="0" err="1"/>
+              <a:t>ActionListener</a:t>
+            </a:r>
+            <a:endParaRPr lang="fr-CH" sz="1400" dirty="0"/>
+          </a:p>
+          <a:p>
+            <a:r>
+              <a:rPr lang="fr-CH" sz="1400" dirty="0" err="1"/>
+              <a:t>guessField.addActionListener</a:t>
+            </a:r>
+            <a:r>
+              <a:rPr lang="fr-CH" sz="1400" dirty="0"/>
+              <a:t>(e -&gt; </a:t>
+            </a:r>
+            <a:r>
+              <a:rPr lang="fr-CH" sz="1400" dirty="0" err="1"/>
+              <a:t>checkAnswer</a:t>
+            </a:r>
+            <a:r>
+              <a:rPr lang="fr-CH" sz="1400" dirty="0"/>
+              <a:t>());</a:t>
+            </a:r>
+            <a:endParaRPr sz="1400" dirty="0">
+              <a:latin typeface="Consolas"/>
+            </a:endParaRPr>
+          </a:p>
+        </p:txBody>
+      </p:sp>
     </p:spTree>
   </p:cSld>
   <p:clrMapOvr>
@@ -4607,121 +4890,6 @@
 </file>
 
 <file path=ppt/slides/slide15.xml><?xml version="1.0" encoding="utf-8"?>
-<p:sld xmlns:a="http://schemas.openxmlformats.org/drawingml/2006/main" xmlns:r="http://schemas.openxmlformats.org/officeDocument/2006/relationships" xmlns:p="http://schemas.openxmlformats.org/presentationml/2006/main">
-  <p:cSld>
-    <p:bg>
-      <p:bgPr>
-        <a:solidFill>
-          <a:srgbClr val="F0FFF0"/>
-        </a:solidFill>
-        <a:effectLst/>
-      </p:bgPr>
-    </p:bg>
-    <p:spTree>
-      <p:nvGrpSpPr>
-        <p:cNvPr id="1" name=""/>
-        <p:cNvGrpSpPr/>
-        <p:nvPr/>
-      </p:nvGrpSpPr>
-      <p:grpSpPr>
-        <a:xfrm>
-          <a:off x="0" y="0"/>
-          <a:ext cx="0" cy="0"/>
-          <a:chOff x="0" y="0"/>
-          <a:chExt cx="0" cy="0"/>
-        </a:xfrm>
-      </p:grpSpPr>
-      <p:sp>
-        <p:nvSpPr>
-          <p:cNvPr id="2" name="Title 1"/>
-          <p:cNvSpPr>
-            <a:spLocks noGrp="1"/>
-          </p:cNvSpPr>
-          <p:nvPr>
-            <p:ph type="title"/>
-          </p:nvPr>
-        </p:nvSpPr>
-        <p:spPr/>
-        <p:txBody>
-          <a:bodyPr/>
-          <a:lstStyle/>
-          <a:p>
-            <a:r>
-              <a:t>Flux d'interaction – Démo</a:t>
-            </a:r>
-          </a:p>
-        </p:txBody>
-      </p:sp>
-      <p:sp>
-        <p:nvSpPr>
-          <p:cNvPr id="3" name="Content Placeholder 2"/>
-          <p:cNvSpPr>
-            <a:spLocks noGrp="1"/>
-          </p:cNvSpPr>
-          <p:nvPr>
-            <p:ph idx="1"/>
-          </p:nvPr>
-        </p:nvSpPr>
-        <p:spPr/>
-        <p:txBody>
-          <a:bodyPr/>
-          <a:lstStyle/>
-          <a:p>
-            <a:endParaRPr/>
-          </a:p>
-          <a:p>
-            <a:r>
-              <a:rPr sz="1400"/>
-              <a:t>Sélection, écoute, saisie, validation.</a:t>
-            </a:r>
-          </a:p>
-          <a:p>
-            <a:r>
-              <a:rPr sz="1400"/>
-              <a:t>Compteur de vies en temps réel.</a:t>
-            </a:r>
-          </a:p>
-          <a:p>
-            <a:r>
-              <a:rPr sz="1400"/>
-              <a:t>Victoire avec Clippy ou Game‑Over.</a:t>
-            </a:r>
-          </a:p>
-        </p:txBody>
-      </p:sp>
-      <p:pic>
-        <p:nvPicPr>
-          <p:cNvPr id="4" name="Picture 3" descr="95df2d5d-c23f-4390-954f-412c7573800a.png"/>
-          <p:cNvPicPr>
-            <a:picLocks noChangeAspect="1"/>
-          </p:cNvPicPr>
-          <p:nvPr/>
-        </p:nvPicPr>
-        <p:blipFill>
-          <a:blip r:embed="rId2"/>
-          <a:stretch>
-            <a:fillRect/>
-          </a:stretch>
-        </p:blipFill>
-        <p:spPr>
-          <a:xfrm>
-            <a:off x="4572000" y="1805781"/>
-            <a:ext cx="6197189" cy="4114800"/>
-          </a:xfrm>
-          <a:prstGeom prst="rect">
-            <a:avLst/>
-          </a:prstGeom>
-        </p:spPr>
-      </p:pic>
-    </p:spTree>
-  </p:cSld>
-  <p:clrMapOvr>
-    <a:masterClrMapping/>
-  </p:clrMapOvr>
-</p:sld>
-</file>
-
-<file path=ppt/slides/slide16.xml><?xml version="1.0" encoding="utf-8"?>
 <p:sld xmlns:a="http://schemas.openxmlformats.org/drawingml/2006/main" xmlns:r="http://schemas.openxmlformats.org/officeDocument/2006/relationships" xmlns:p="http://schemas.openxmlformats.org/presentationml/2006/main">
   <p:cSld>
     <p:bg>
@@ -4780,7 +4948,7 @@
         <p:spPr/>
         <p:txBody>
           <a:bodyPr>
-            <a:normAutofit fontScale="92500" lnSpcReduction="10000"/>
+            <a:normAutofit fontScale="92500" lnSpcReduction="20000"/>
           </a:bodyPr>
           <a:lstStyle/>
           <a:p>
@@ -4788,15 +4956,15 @@
           </a:p>
           <a:p>
             <a:r>
-              <a:rPr lang="fr-FR" sz="1400" dirty="0"/>
+              <a:rPr lang="fr-FR" sz="1900" b="1" dirty="0"/>
               <a:t>Lecture audio impossible (</a:t>
             </a:r>
             <a:r>
-              <a:rPr lang="fr-FR" sz="1400" dirty="0" err="1"/>
+              <a:rPr lang="fr-FR" sz="1900" b="1" dirty="0" err="1"/>
               <a:t>UnsupportedAudioFileException</a:t>
             </a:r>
             <a:r>
-              <a:rPr lang="fr-FR" sz="1400" dirty="0"/>
+              <a:rPr lang="fr-FR" sz="1900" b="1" dirty="0"/>
               <a:t>)</a:t>
             </a:r>
           </a:p>
@@ -4852,27 +5020,27 @@
             </a:r>
           </a:p>
           <a:p>
-            <a:endParaRPr lang="fr-FR" sz="1400" dirty="0"/>
-          </a:p>
-          <a:p>
-            <a:r>
-              <a:rPr lang="fr-FR" sz="1400" dirty="0"/>
+            <a:endParaRPr lang="fr-FR" sz="1900" b="1" dirty="0"/>
+          </a:p>
+          <a:p>
+            <a:r>
+              <a:rPr lang="fr-FR" sz="1900" b="1" dirty="0"/>
               <a:t>Images non affichées (</a:t>
             </a:r>
             <a:r>
-              <a:rPr lang="fr-FR" sz="1400" dirty="0" err="1"/>
+              <a:rPr lang="fr-FR" sz="1900" b="1" dirty="0" err="1"/>
               <a:t>null</a:t>
             </a:r>
             <a:r>
-              <a:rPr lang="fr-FR" sz="1400" dirty="0"/>
+              <a:rPr lang="fr-FR" sz="1900" b="1" dirty="0"/>
               <a:t> URL, File not </a:t>
             </a:r>
             <a:r>
-              <a:rPr lang="fr-FR" sz="1400" dirty="0" err="1"/>
+              <a:rPr lang="fr-FR" sz="1900" b="1" dirty="0" err="1"/>
               <a:t>found</a:t>
             </a:r>
             <a:r>
-              <a:rPr lang="fr-FR" sz="1400" dirty="0"/>
+              <a:rPr lang="fr-FR" sz="1900" b="1" dirty="0"/>
               <a:t>)</a:t>
             </a:r>
           </a:p>
@@ -4903,6 +5071,9 @@
             </a:r>
           </a:p>
           <a:p>
+            <a:pPr marL="0" indent="0">
+              <a:buNone/>
+            </a:pPr>
             <a:r>
               <a:rPr lang="fr-FR" sz="1400" dirty="0"/>
               <a:t>________________________________________</a:t>
@@ -4913,7 +5084,7 @@
           </a:p>
           <a:p>
             <a:r>
-              <a:rPr lang="fr-FR" sz="1400" dirty="0"/>
+              <a:rPr lang="fr-FR" sz="1900" b="1" dirty="0"/>
               <a:t>Plusieurs sons joués en parallèle</a:t>
             </a:r>
           </a:p>
@@ -4944,6 +5115,9 @@
             </a:r>
           </a:p>
           <a:p>
+            <a:pPr marL="0" indent="0">
+              <a:buNone/>
+            </a:pPr>
             <a:r>
               <a:rPr lang="fr-FR" sz="1400" dirty="0"/>
               <a:t>________________________________________________________________________________</a:t>
@@ -4954,7 +5128,7 @@
           </a:p>
           <a:p>
             <a:r>
-              <a:rPr lang="fr-FR" sz="1400" dirty="0"/>
+              <a:rPr lang="fr-FR" sz="1900" b="1" dirty="0"/>
               <a:t>Réponse correcte, mais image absente (bug d’état)</a:t>
             </a:r>
           </a:p>
@@ -4995,134 +5169,7 @@
 </p:sld>
 </file>
 
-<file path=ppt/slides/slide17.xml><?xml version="1.0" encoding="utf-8"?>
-<p:sld xmlns:a="http://schemas.openxmlformats.org/drawingml/2006/main" xmlns:r="http://schemas.openxmlformats.org/officeDocument/2006/relationships" xmlns:p="http://schemas.openxmlformats.org/presentationml/2006/main">
-  <p:cSld>
-    <p:bg>
-      <p:bgPr>
-        <a:solidFill>
-          <a:srgbClr val="EBFFFF"/>
-        </a:solidFill>
-        <a:effectLst/>
-      </p:bgPr>
-    </p:bg>
-    <p:spTree>
-      <p:nvGrpSpPr>
-        <p:cNvPr id="1" name=""/>
-        <p:cNvGrpSpPr/>
-        <p:nvPr/>
-      </p:nvGrpSpPr>
-      <p:grpSpPr>
-        <a:xfrm>
-          <a:off x="0" y="0"/>
-          <a:ext cx="0" cy="0"/>
-          <a:chOff x="0" y="0"/>
-          <a:chExt cx="0" cy="0"/>
-        </a:xfrm>
-      </p:grpSpPr>
-      <p:sp>
-        <p:nvSpPr>
-          <p:cNvPr id="2" name="Title 1"/>
-          <p:cNvSpPr>
-            <a:spLocks noGrp="1"/>
-          </p:cNvSpPr>
-          <p:nvPr>
-            <p:ph type="title"/>
-          </p:nvPr>
-        </p:nvSpPr>
-        <p:spPr/>
-        <p:txBody>
-          <a:bodyPr/>
-          <a:lstStyle/>
-          <a:p>
-            <a:r>
-              <a:t>Perspectives techniques</a:t>
-            </a:r>
-          </a:p>
-        </p:txBody>
-      </p:sp>
-      <p:sp>
-        <p:nvSpPr>
-          <p:cNvPr id="3" name="Content Placeholder 2"/>
-          <p:cNvSpPr>
-            <a:spLocks noGrp="1"/>
-          </p:cNvSpPr>
-          <p:nvPr>
-            <p:ph idx="1"/>
-          </p:nvPr>
-        </p:nvSpPr>
-        <p:spPr/>
-        <p:txBody>
-          <a:bodyPr/>
-          <a:lstStyle/>
-          <a:p>
-            <a:endParaRPr dirty="0"/>
-          </a:p>
-          <a:p>
-            <a:r>
-              <a:rPr sz="1400" dirty="0" err="1"/>
-              <a:t>Persistances</a:t>
-            </a:r>
-            <a:r>
-              <a:rPr sz="1400" dirty="0"/>
-              <a:t> scores (JSON).</a:t>
-            </a:r>
-          </a:p>
-          <a:p>
-            <a:r>
-              <a:rPr sz="1400" dirty="0"/>
-              <a:t>Portage </a:t>
-            </a:r>
-            <a:r>
-              <a:rPr sz="1400" dirty="0" err="1"/>
-              <a:t>éventuel</a:t>
-            </a:r>
-            <a:r>
-              <a:rPr sz="1400" dirty="0"/>
-              <a:t> </a:t>
-            </a:r>
-            <a:r>
-              <a:rPr sz="1400" dirty="0" err="1"/>
-              <a:t>vers</a:t>
-            </a:r>
-            <a:r>
-              <a:rPr sz="1400" dirty="0"/>
-              <a:t> JavaFX.</a:t>
-            </a:r>
-          </a:p>
-          <a:p>
-            <a:r>
-              <a:rPr sz="1400" dirty="0"/>
-              <a:t>Tests </a:t>
-            </a:r>
-            <a:r>
-              <a:rPr sz="1400" dirty="0" err="1"/>
-              <a:t>unitaires</a:t>
-            </a:r>
-            <a:r>
-              <a:rPr sz="1400" dirty="0"/>
-              <a:t> </a:t>
-            </a:r>
-            <a:r>
-              <a:rPr sz="1400" dirty="0" err="1"/>
-              <a:t>supplémentaires</a:t>
-            </a:r>
-            <a:r>
-              <a:rPr sz="1400" dirty="0"/>
-              <a:t>.</a:t>
-            </a:r>
-          </a:p>
-        </p:txBody>
-      </p:sp>
-    </p:spTree>
-  </p:cSld>
-  <p:clrMapOvr>
-    <a:masterClrMapping/>
-  </p:clrMapOvr>
-</p:sld>
-</file>
-
-<file path=ppt/slides/slide18.xml><?xml version="1.0" encoding="utf-8"?>
+<file path=ppt/slides/slide16.xml><?xml version="1.0" encoding="utf-8"?>
 <p:sld xmlns:a="http://schemas.openxmlformats.org/drawingml/2006/main" xmlns:r="http://schemas.openxmlformats.org/officeDocument/2006/relationships" xmlns:p="http://schemas.openxmlformats.org/presentationml/2006/main">
   <p:cSld>
     <p:bg>
@@ -5183,28 +5230,120 @@
           <a:bodyPr/>
           <a:lstStyle/>
           <a:p>
-            <a:endParaRPr/>
-          </a:p>
-          <a:p>
-            <a:r>
-              <a:rPr sz="1400"/>
-              <a:t>Swing &amp; MVC maîtrisés, code commenté.</a:t>
-            </a:r>
-          </a:p>
-          <a:p>
-            <a:r>
-              <a:rPr sz="1400"/>
-              <a:t>Robuste sur ressources &amp; audio.</a:t>
-            </a:r>
-          </a:p>
-          <a:p>
-            <a:r>
-              <a:rPr sz="1400"/>
-              <a:t>Améliorations : perf images, tests, UI/UX.</a:t>
-            </a:r>
-          </a:p>
-        </p:txBody>
-      </p:sp>
+            <a:endParaRPr sz="1800" b="1" dirty="0"/>
+          </a:p>
+          <a:p>
+            <a:r>
+              <a:rPr sz="1800" b="1" dirty="0"/>
+              <a:t>Swing &amp; MVC </a:t>
+            </a:r>
+            <a:r>
+              <a:rPr sz="1800" b="1" dirty="0" err="1"/>
+              <a:t>maîtrisés</a:t>
+            </a:r>
+            <a:r>
+              <a:rPr sz="1800" b="1" dirty="0"/>
+              <a:t>, code </a:t>
+            </a:r>
+            <a:r>
+              <a:rPr sz="1800" b="1" dirty="0" err="1"/>
+              <a:t>commenté</a:t>
+            </a:r>
+            <a:r>
+              <a:rPr sz="1800" b="1" dirty="0"/>
+              <a:t>.</a:t>
+            </a:r>
+          </a:p>
+          <a:p>
+            <a:r>
+              <a:rPr sz="1800" b="1" dirty="0" err="1"/>
+              <a:t>Robuste</a:t>
+            </a:r>
+            <a:r>
+              <a:rPr sz="1800" b="1" dirty="0"/>
+              <a:t> sur </a:t>
+            </a:r>
+            <a:r>
+              <a:rPr sz="1800" b="1" dirty="0" err="1"/>
+              <a:t>ressources</a:t>
+            </a:r>
+            <a:r>
+              <a:rPr sz="1800" b="1" dirty="0"/>
+              <a:t> &amp; audio.</a:t>
+            </a:r>
+          </a:p>
+          <a:p>
+            <a:r>
+              <a:rPr sz="1800" b="1" dirty="0" err="1"/>
+              <a:t>Améliorations</a:t>
+            </a:r>
+            <a:r>
+              <a:rPr sz="1800" b="1" dirty="0"/>
+              <a:t> : perf images, tests, UI/UX.</a:t>
+            </a:r>
+            <a:endParaRPr lang="fr-FR" sz="1800" b="1" dirty="0"/>
+          </a:p>
+          <a:p>
+            <a:r>
+              <a:rPr lang="fr-FR" sz="1800" b="1" dirty="0"/>
+              <a:t>Persistances scores (JSON).</a:t>
+            </a:r>
+          </a:p>
+          <a:p>
+            <a:r>
+              <a:rPr lang="fr-FR" sz="1800" b="1" dirty="0"/>
+              <a:t>Portage éventuel vers </a:t>
+            </a:r>
+            <a:r>
+              <a:rPr lang="fr-FR" sz="1800" b="1" dirty="0" err="1"/>
+              <a:t>JavaFX</a:t>
+            </a:r>
+            <a:r>
+              <a:rPr lang="fr-FR" sz="1800" b="1" dirty="0"/>
+              <a:t>.</a:t>
+            </a:r>
+          </a:p>
+          <a:p>
+            <a:r>
+              <a:rPr lang="fr-FR" sz="1800" b="1" dirty="0"/>
+              <a:t>Tests unitaires supplémentaires.</a:t>
+            </a:r>
+          </a:p>
+          <a:p>
+            <a:endParaRPr sz="1400" dirty="0"/>
+          </a:p>
+        </p:txBody>
+      </p:sp>
+      <p:pic>
+        <p:nvPicPr>
+          <p:cNvPr id="4" name="Picture 4" descr="84eae790-37f3-4578-8842-68437cabb683.png">
+            <a:extLst>
+              <a:ext uri="{FF2B5EF4-FFF2-40B4-BE49-F238E27FC236}">
+                <a16:creationId xmlns:a16="http://schemas.microsoft.com/office/drawing/2014/main" id="{076D0602-D695-9AF2-6BA6-254343B0B495}"/>
+              </a:ext>
+            </a:extLst>
+          </p:cNvPr>
+          <p:cNvPicPr>
+            <a:picLocks noChangeAspect="1"/>
+          </p:cNvPicPr>
+          <p:nvPr/>
+        </p:nvPicPr>
+        <p:blipFill>
+          <a:blip r:embed="rId2"/>
+          <a:stretch>
+            <a:fillRect/>
+          </a:stretch>
+        </p:blipFill>
+        <p:spPr>
+          <a:xfrm>
+            <a:off x="4014355" y="3429001"/>
+            <a:ext cx="5129645" cy="3429000"/>
+          </a:xfrm>
+          <a:prstGeom prst="rect">
+            <a:avLst/>
+          </a:prstGeom>
+        </p:spPr>
+      </p:pic>
     </p:spTree>
   </p:cSld>
   <p:clrMapOvr>
@@ -5254,8 +5393,18 @@
           <a:lstStyle/>
           <a:p>
             <a:r>
-              <a:t>Modalités &amp; Présentation du projet</a:t>
-            </a:r>
+              <a:rPr dirty="0" err="1"/>
+              <a:t>Présentation</a:t>
+            </a:r>
+            <a:r>
+              <a:rPr dirty="0"/>
+              <a:t> du </a:t>
+            </a:r>
+            <a:r>
+              <a:rPr dirty="0" err="1"/>
+              <a:t>projet</a:t>
+            </a:r>
+            <a:endParaRPr dirty="0"/>
           </a:p>
         </p:txBody>
       </p:sp>
@@ -5278,89 +5427,110 @@
           </a:p>
           <a:p>
             <a:r>
+              <a:rPr sz="1800" b="1" dirty="0"/>
+              <a:t>Objectif : </a:t>
+            </a:r>
+            <a:r>
+              <a:rPr sz="1800" b="1" dirty="0" err="1"/>
+              <a:t>démonstration</a:t>
+            </a:r>
+            <a:r>
+              <a:rPr sz="1800" b="1" dirty="0"/>
+              <a:t> d'un </a:t>
+            </a:r>
+            <a:r>
+              <a:rPr sz="1800" b="1" dirty="0" err="1"/>
+              <a:t>projet</a:t>
+            </a:r>
+            <a:r>
+              <a:rPr sz="1800" b="1" dirty="0"/>
+              <a:t> IHM Java Swing.</a:t>
+            </a:r>
+          </a:p>
+          <a:p>
+            <a:r>
+              <a:rPr sz="1800" b="1" dirty="0"/>
+              <a:t>Application : « Sound of World », jeu </a:t>
+            </a:r>
+            <a:r>
+              <a:rPr sz="1800" b="1" dirty="0" err="1"/>
+              <a:t>éducatif</a:t>
+            </a:r>
+            <a:r>
+              <a:rPr sz="1800" b="1" dirty="0"/>
+              <a:t> de reconnaissance</a:t>
+            </a:r>
+            <a:r>
               <a:rPr sz="1400" dirty="0"/>
-              <a:t>Objectif : </a:t>
-            </a:r>
-            <a:r>
-              <a:rPr sz="1400" dirty="0" err="1"/>
-              <a:t>démonstration</a:t>
-            </a:r>
-            <a:r>
-              <a:rPr sz="1400" dirty="0"/>
-              <a:t> d'un </a:t>
-            </a:r>
-            <a:r>
-              <a:rPr sz="1400" dirty="0" err="1"/>
-              <a:t>projet</a:t>
-            </a:r>
-            <a:r>
-              <a:rPr sz="1400" dirty="0"/>
-              <a:t> IHM Java Swing.</a:t>
-            </a:r>
-          </a:p>
-          <a:p>
-            <a:r>
-              <a:rPr sz="1400" dirty="0"/>
-              <a:t>Application : « Sound of World », jeu </a:t>
-            </a:r>
-            <a:r>
-              <a:rPr sz="1400" dirty="0" err="1"/>
-              <a:t>éducatif</a:t>
-            </a:r>
-            <a:r>
-              <a:rPr sz="1400" dirty="0"/>
-              <a:t> de reconnaissance.</a:t>
-            </a:r>
-          </a:p>
-          <a:p>
-            <a:r>
-              <a:rPr sz="1400" dirty="0" err="1"/>
-              <a:t>Critères</a:t>
-            </a:r>
-            <a:r>
-              <a:rPr sz="1400" dirty="0"/>
-              <a:t> : GUI interactive, application </a:t>
-            </a:r>
-            <a:r>
-              <a:rPr sz="1400" dirty="0" err="1"/>
-              <a:t>ayant</a:t>
-            </a:r>
-            <a:r>
-              <a:rPr sz="1400" dirty="0"/>
-              <a:t> un </a:t>
-            </a:r>
-            <a:r>
-              <a:rPr sz="1400" dirty="0" err="1"/>
-              <a:t>sens.</a:t>
+              <a:t>.</a:t>
+            </a:r>
+            <a:endParaRPr lang="en-GB" sz="1400" dirty="0"/>
+          </a:p>
+          <a:p>
+            <a:r>
+              <a:rPr lang="fr-FR" sz="1800" b="1" dirty="0"/>
+              <a:t>Compteur de vies en temps réel.</a:t>
+            </a:r>
+          </a:p>
+          <a:p>
+            <a:r>
+              <a:rPr lang="fr-FR" sz="1800" b="1" dirty="0"/>
+              <a:t>Victoire avec </a:t>
+            </a:r>
+            <a:r>
+              <a:rPr lang="fr-FR" sz="1800" b="1" dirty="0" err="1"/>
+              <a:t>Clippy</a:t>
+            </a:r>
+            <a:r>
+              <a:rPr lang="fr-FR" sz="1800" b="1" dirty="0"/>
+              <a:t> ou Game‑Over.</a:t>
+            </a:r>
+          </a:p>
+          <a:p>
+            <a:endParaRPr lang="en-GB" sz="1400" dirty="0"/>
+          </a:p>
+          <a:p>
+            <a:endParaRPr lang="en-GB" sz="1400" dirty="0"/>
+          </a:p>
+          <a:p>
+            <a:pPr marL="0" indent="0">
+              <a:buNone/>
+            </a:pPr>
+            <a:r>
+              <a:rPr lang="fr-FR" sz="1400" dirty="0"/>
+              <a:t>Séparation des responsabilités : Chaque couche a un rôle distinct</a:t>
+            </a:r>
+          </a:p>
+          <a:p>
+            <a:pPr marL="0" indent="0">
+              <a:buNone/>
+            </a:pPr>
+            <a:r>
+              <a:rPr lang="fr-FR" sz="1400" dirty="0"/>
+              <a:t>Maintenabilité : Modifications isolées dans chaque couche</a:t>
+            </a:r>
+          </a:p>
+          <a:p>
+            <a:pPr marL="0" indent="0">
+              <a:buNone/>
+            </a:pPr>
+            <a:r>
+              <a:rPr lang="fr-FR" sz="1400" dirty="0"/>
+              <a:t>Testabilité : Logique métier testable indépendamment de l'UI</a:t>
+            </a:r>
+          </a:p>
+          <a:p>
+            <a:pPr marL="0" indent="0">
+              <a:buNone/>
+            </a:pPr>
+            <a:r>
+              <a:rPr lang="fr-FR" sz="1400" dirty="0"/>
+              <a:t>Réutilisabilité : Le modèle peut être réutilisé avec d'autres vues</a:t>
             </a:r>
             <a:endParaRPr sz="1400" dirty="0"/>
           </a:p>
         </p:txBody>
       </p:sp>
-      <p:pic>
-        <p:nvPicPr>
-          <p:cNvPr id="4" name="Picture 3" descr="425f1921-eafb-430f-9fdb-3d1a9c7fb4fb.png"/>
-          <p:cNvPicPr>
-            <a:picLocks noChangeAspect="1"/>
-          </p:cNvPicPr>
-          <p:nvPr/>
-        </p:nvPicPr>
-        <p:blipFill>
-          <a:blip r:embed="rId2"/>
-          <a:stretch>
-            <a:fillRect/>
-          </a:stretch>
-        </p:blipFill>
-        <p:spPr>
-          <a:xfrm>
-            <a:off x="5611070" y="1805781"/>
-            <a:ext cx="6151460" cy="4114800"/>
-          </a:xfrm>
-          <a:prstGeom prst="rect">
-            <a:avLst/>
-          </a:prstGeom>
-        </p:spPr>
-      </p:pic>
     </p:spTree>
   </p:cSld>
   <p:clrMapOvr>
@@ -5410,7 +5580,16 @@
           <a:lstStyle/>
           <a:p>
             <a:r>
-              <a:t>Introduction rapide à Java</a:t>
+              <a:rPr dirty="0"/>
+              <a:t>Introduction </a:t>
+            </a:r>
+            <a:r>
+              <a:rPr dirty="0" err="1"/>
+              <a:t>rapide</a:t>
+            </a:r>
+            <a:r>
+              <a:rPr dirty="0"/>
+              <a:t> à Java</a:t>
             </a:r>
           </a:p>
         </p:txBody>
@@ -5584,106 +5763,105 @@
         </p:nvSpPr>
         <p:spPr/>
         <p:txBody>
-          <a:bodyPr/>
-          <a:lstStyle/>
-          <a:p>
-            <a:endParaRPr dirty="0"/>
-          </a:p>
-          <a:p>
-            <a:r>
-              <a:rPr sz="1400" dirty="0" err="1"/>
+          <a:bodyPr>
+            <a:normAutofit/>
+          </a:bodyPr>
+          <a:lstStyle/>
+          <a:p>
+            <a:r>
+              <a:rPr sz="1800" b="1" dirty="0" err="1"/>
               <a:t>Composants</a:t>
             </a:r>
             <a:r>
-              <a:rPr sz="1400" dirty="0"/>
+              <a:rPr sz="1800" b="1" dirty="0"/>
               <a:t> : </a:t>
             </a:r>
             <a:r>
-              <a:rPr sz="1400" dirty="0" err="1"/>
+              <a:rPr sz="1800" b="1" dirty="0" err="1"/>
               <a:t>JButton</a:t>
             </a:r>
             <a:r>
-              <a:rPr sz="1400" dirty="0"/>
+              <a:rPr sz="1800" b="1" dirty="0"/>
               <a:t>, </a:t>
             </a:r>
             <a:r>
-              <a:rPr sz="1400" dirty="0" err="1"/>
+              <a:rPr sz="1800" b="1" dirty="0" err="1"/>
               <a:t>JLabel</a:t>
             </a:r>
             <a:r>
-              <a:rPr sz="1400" dirty="0"/>
+              <a:rPr sz="1800" b="1" dirty="0"/>
               <a:t>, </a:t>
             </a:r>
             <a:r>
-              <a:rPr sz="1400" dirty="0" err="1"/>
+              <a:rPr sz="1800" b="1" dirty="0" err="1"/>
               <a:t>JTextField</a:t>
             </a:r>
             <a:r>
-              <a:rPr sz="1400" dirty="0"/>
+              <a:rPr sz="1800" b="1" dirty="0"/>
               <a:t>, </a:t>
             </a:r>
             <a:r>
-              <a:rPr sz="1400" dirty="0" err="1"/>
+              <a:rPr sz="1800" b="1" dirty="0" err="1"/>
               <a:t>JList</a:t>
             </a:r>
             <a:r>
-              <a:rPr sz="1400" dirty="0"/>
+              <a:rPr sz="1800" b="1" dirty="0"/>
               <a:t>…</a:t>
             </a:r>
           </a:p>
           <a:p>
             <a:r>
-              <a:rPr sz="1400" dirty="0" err="1"/>
+              <a:rPr sz="1800" b="1" dirty="0" err="1"/>
               <a:t>Conteneurs</a:t>
             </a:r>
             <a:r>
-              <a:rPr sz="1400" dirty="0"/>
+              <a:rPr sz="1800" b="1" dirty="0"/>
               <a:t> : </a:t>
             </a:r>
             <a:r>
-              <a:rPr sz="1400" dirty="0" err="1"/>
+              <a:rPr sz="1800" b="1" dirty="0" err="1"/>
               <a:t>JFrame</a:t>
             </a:r>
             <a:r>
-              <a:rPr sz="1400" dirty="0"/>
+              <a:rPr sz="1800" b="1" dirty="0"/>
               <a:t> (</a:t>
             </a:r>
             <a:r>
-              <a:rPr sz="1400" dirty="0" err="1"/>
+              <a:rPr sz="1800" b="1" dirty="0" err="1"/>
               <a:t>fenêtre</a:t>
             </a:r>
             <a:r>
-              <a:rPr sz="1400" dirty="0"/>
+              <a:rPr sz="1800" b="1" dirty="0"/>
               <a:t>), </a:t>
             </a:r>
             <a:r>
-              <a:rPr sz="1400" dirty="0" err="1"/>
+              <a:rPr sz="1800" b="1" dirty="0" err="1"/>
               <a:t>JPanel</a:t>
             </a:r>
             <a:r>
-              <a:rPr sz="1400" dirty="0"/>
+              <a:rPr sz="1800" b="1" dirty="0"/>
               <a:t> (zone).</a:t>
             </a:r>
           </a:p>
           <a:p>
             <a:r>
-              <a:rPr sz="1400" dirty="0"/>
+              <a:rPr sz="1800" b="1" dirty="0"/>
               <a:t>Layouts : </a:t>
             </a:r>
             <a:r>
-              <a:rPr sz="1400" dirty="0" err="1"/>
+              <a:rPr sz="1800" b="1" dirty="0" err="1"/>
               <a:t>BorderLayout</a:t>
             </a:r>
             <a:r>
-              <a:rPr sz="1400" dirty="0"/>
+              <a:rPr sz="1800" b="1" dirty="0"/>
               <a:t> (structure), </a:t>
             </a:r>
             <a:r>
-              <a:rPr sz="1400" dirty="0" err="1"/>
+              <a:rPr sz="1800" b="1" dirty="0" err="1"/>
               <a:t>GridLayout</a:t>
             </a:r>
             <a:r>
-              <a:rPr sz="1400" dirty="0"/>
+              <a:rPr sz="1800" b="1" dirty="0"/>
               <a:t> (grille).</a:t>
             </a:r>
           </a:p>
@@ -5697,7 +5875,7 @@
         </p:nvSpPr>
         <p:spPr>
           <a:xfrm>
-            <a:off x="274320" y="3017520"/>
+            <a:off x="457200" y="2788920"/>
             <a:ext cx="5303520" cy="2011680"/>
           </a:xfrm>
           <a:prstGeom prst="rect">
@@ -5803,8 +5981,8 @@
         </p:blipFill>
         <p:spPr>
           <a:xfrm>
-            <a:off x="5458968" y="1805781"/>
-            <a:ext cx="6151460" cy="4114800"/>
+            <a:off x="5239512" y="4246232"/>
+            <a:ext cx="3904488" cy="2611768"/>
           </a:xfrm>
           <a:prstGeom prst="rect">
             <a:avLst/>
@@ -5877,27 +6055,89 @@
         </p:nvSpPr>
         <p:spPr/>
         <p:txBody>
-          <a:bodyPr/>
-          <a:lstStyle/>
-          <a:p>
-            <a:endParaRPr/>
-          </a:p>
-          <a:p>
-            <a:r>
-              <a:rPr sz="1400"/>
-              <a:t>BorderLayout : WEST (liste), CENTER (grille).</a:t>
-            </a:r>
-          </a:p>
-          <a:p>
-            <a:r>
-              <a:rPr sz="1400"/>
-              <a:t>GridLayout : grille dynam. 4 colonnes pour panneaux.</a:t>
-            </a:r>
-          </a:p>
-          <a:p>
-            <a:r>
-              <a:rPr sz="1400"/>
-              <a:t>JScrollPane : scroll vertical si nécessaire.</a:t>
+          <a:bodyPr>
+            <a:normAutofit/>
+          </a:bodyPr>
+          <a:lstStyle/>
+          <a:p>
+            <a:endParaRPr sz="1800" b="1" dirty="0"/>
+          </a:p>
+          <a:p>
+            <a:r>
+              <a:rPr sz="1800" b="1" dirty="0" err="1"/>
+              <a:t>BorderLayout</a:t>
+            </a:r>
+            <a:r>
+              <a:rPr sz="1800" b="1" dirty="0"/>
+              <a:t> : WEST (</a:t>
+            </a:r>
+            <a:r>
+              <a:rPr sz="1800" b="1" dirty="0" err="1"/>
+              <a:t>liste</a:t>
+            </a:r>
+            <a:r>
+              <a:rPr sz="1800" b="1" dirty="0"/>
+              <a:t>), CENTER (grille).</a:t>
+            </a:r>
+          </a:p>
+          <a:p>
+            <a:r>
+              <a:rPr sz="1800" b="1" dirty="0" err="1"/>
+              <a:t>GridLayout</a:t>
+            </a:r>
+            <a:r>
+              <a:rPr sz="1800" b="1" dirty="0"/>
+              <a:t> : grille </a:t>
+            </a:r>
+            <a:r>
+              <a:rPr sz="1800" b="1" dirty="0" err="1"/>
+              <a:t>dynam</a:t>
+            </a:r>
+            <a:r>
+              <a:rPr sz="1800" b="1" dirty="0"/>
+              <a:t>. 4 </a:t>
+            </a:r>
+            <a:r>
+              <a:rPr sz="1800" b="1" dirty="0" err="1"/>
+              <a:t>colonnes</a:t>
+            </a:r>
+            <a:r>
+              <a:rPr sz="1800" b="1" dirty="0"/>
+              <a:t> pour </a:t>
+            </a:r>
+            <a:r>
+              <a:rPr sz="1800" b="1" dirty="0" err="1"/>
+              <a:t>panneaux</a:t>
+            </a:r>
+            <a:r>
+              <a:rPr sz="1800" b="1" dirty="0"/>
+              <a:t>.</a:t>
+            </a:r>
+          </a:p>
+          <a:p>
+            <a:r>
+              <a:rPr sz="1800" b="1" dirty="0" err="1"/>
+              <a:t>JScrollPane</a:t>
+            </a:r>
+            <a:r>
+              <a:rPr sz="1800" b="1" dirty="0"/>
+              <a:t> : scroll vertical </a:t>
+            </a:r>
+            <a:r>
+              <a:rPr sz="1800" b="1" dirty="0" err="1"/>
+              <a:t>si</a:t>
+            </a:r>
+            <a:r>
+              <a:rPr sz="1800" b="1" dirty="0"/>
+              <a:t> </a:t>
+            </a:r>
+            <a:r>
+              <a:rPr sz="1800" b="1" dirty="0" err="1"/>
+              <a:t>nécessaire</a:t>
+            </a:r>
+            <a:r>
+              <a:rPr sz="1800" b="1" dirty="0"/>
+              <a:t>.</a:t>
             </a:r>
           </a:p>
         </p:txBody>
@@ -5918,8 +6158,8 @@
         </p:blipFill>
         <p:spPr>
           <a:xfrm>
-            <a:off x="5213301" y="1805781"/>
-            <a:ext cx="6197189" cy="4114800"/>
+            <a:off x="3611880" y="3184790"/>
+            <a:ext cx="5532120" cy="3673209"/>
           </a:xfrm>
           <a:prstGeom prst="rect">
             <a:avLst/>
@@ -5995,30 +6235,111 @@
           <a:bodyPr/>
           <a:lstStyle/>
           <a:p>
-            <a:endParaRPr/>
-          </a:p>
-          <a:p>
-            <a:r>
-              <a:rPr sz="1400"/>
-              <a:t>MainWindow = JFrame + BorderLayout.</a:t>
-            </a:r>
-          </a:p>
-          <a:p>
-            <a:r>
-              <a:rPr sz="1400"/>
-              <a:t>InstrumentListPanel = JList à gauche.</a:t>
-            </a:r>
-          </a:p>
-          <a:p>
-            <a:r>
-              <a:rPr sz="1400"/>
-              <a:t>centerPanel = JPanel GridLayout dynamique.</a:t>
-            </a:r>
-          </a:p>
-          <a:p>
-            <a:r>
-              <a:rPr sz="1400"/>
-              <a:t>InstrumentGuessPanel = JPanel composite.</a:t>
+            <a:r>
+              <a:rPr lang="fr-FR" sz="1800" b="1" dirty="0"/>
+              <a:t>Gestion des événements robuste via Swing</a:t>
+            </a:r>
+          </a:p>
+          <a:p>
+            <a:pPr marL="0" indent="0">
+              <a:buNone/>
+            </a:pPr>
+            <a:endParaRPr b="1" dirty="0"/>
+          </a:p>
+          <a:p>
+            <a:r>
+              <a:rPr sz="1400" dirty="0" err="1"/>
+              <a:t>MainWindow</a:t>
+            </a:r>
+            <a:r>
+              <a:rPr sz="1400" dirty="0"/>
+              <a:t> = </a:t>
+            </a:r>
+            <a:r>
+              <a:rPr sz="1400" dirty="0" err="1"/>
+              <a:t>JFrame</a:t>
+            </a:r>
+            <a:r>
+              <a:rPr sz="1400" dirty="0"/>
+              <a:t> + </a:t>
+            </a:r>
+            <a:r>
+              <a:rPr sz="1400" dirty="0" err="1"/>
+              <a:t>BorderLayout</a:t>
+            </a:r>
+            <a:r>
+              <a:rPr sz="1400" dirty="0"/>
+              <a:t>.</a:t>
+            </a:r>
+          </a:p>
+          <a:p>
+            <a:r>
+              <a:rPr sz="1400" dirty="0" err="1"/>
+              <a:t>InstrumentListPanel</a:t>
+            </a:r>
+            <a:r>
+              <a:rPr sz="1400" dirty="0"/>
+              <a:t> = </a:t>
+            </a:r>
+            <a:r>
+              <a:rPr sz="1400" dirty="0" err="1"/>
+              <a:t>JList</a:t>
+            </a:r>
+            <a:r>
+              <a:rPr sz="1400" dirty="0"/>
+              <a:t> à gauche.</a:t>
+            </a:r>
+          </a:p>
+          <a:p>
+            <a:r>
+              <a:rPr sz="1400" dirty="0" err="1"/>
+              <a:t>centerPanel</a:t>
+            </a:r>
+            <a:r>
+              <a:rPr sz="1400" dirty="0"/>
+              <a:t> = </a:t>
+            </a:r>
+            <a:r>
+              <a:rPr sz="1400" dirty="0" err="1"/>
+              <a:t>JPanel</a:t>
+            </a:r>
+            <a:r>
+              <a:rPr sz="1400" dirty="0"/>
+              <a:t> </a:t>
+            </a:r>
+            <a:r>
+              <a:rPr sz="1400" dirty="0" err="1"/>
+              <a:t>GridLayout</a:t>
+            </a:r>
+            <a:r>
+              <a:rPr sz="1400" dirty="0"/>
+              <a:t> </a:t>
+            </a:r>
+            <a:r>
+              <a:rPr sz="1400" dirty="0" err="1"/>
+              <a:t>dynamique</a:t>
+            </a:r>
+            <a:r>
+              <a:rPr sz="1400" dirty="0"/>
+              <a:t>.</a:t>
+            </a:r>
+          </a:p>
+          <a:p>
+            <a:r>
+              <a:rPr sz="1400" dirty="0" err="1"/>
+              <a:t>InstrumentGuessPanel</a:t>
+            </a:r>
+            <a:r>
+              <a:rPr sz="1400" dirty="0"/>
+              <a:t> = </a:t>
+            </a:r>
+            <a:r>
+              <a:rPr sz="1400" dirty="0" err="1"/>
+              <a:t>JPanel</a:t>
+            </a:r>
+            <a:r>
+              <a:rPr sz="1400" dirty="0"/>
+              <a:t> composite.</a:t>
             </a:r>
           </a:p>
         </p:txBody>
@@ -6072,8 +6393,10 @@
           <a:lstStyle/>
           <a:p>
             <a:r>
-              <a:t>Gestion des événements</a:t>
-            </a:r>
+              <a:rPr lang="fr-CH" dirty="0"/>
+              <a:t>Gestion Audio</a:t>
+            </a:r>
+            <a:endParaRPr dirty="0"/>
           </a:p>
         </p:txBody>
       </p:sp>
@@ -6089,28 +6412,16 @@
         </p:nvSpPr>
         <p:spPr/>
         <p:txBody>
-          <a:bodyPr/>
-          <a:lstStyle/>
-          <a:p>
-            <a:endParaRPr/>
-          </a:p>
-          <a:p>
-            <a:r>
-              <a:rPr sz="1400"/>
-              <a:t>ActionListener sur playButton =&gt; lecture audio.</a:t>
-            </a:r>
-          </a:p>
-          <a:p>
-            <a:r>
-              <a:rPr sz="1400"/>
-              <a:t>ActionListener sur guessField =&gt; validation réponse.</a:t>
-            </a:r>
-          </a:p>
-          <a:p>
-            <a:r>
-              <a:rPr sz="1400"/>
-              <a:t>ResetListener menu =&gt; nouvelle partie.</a:t>
-            </a:r>
+          <a:bodyPr>
+            <a:normAutofit/>
+          </a:bodyPr>
+          <a:lstStyle/>
+          <a:p>
+            <a:r>
+              <a:rPr lang="fr-FR" sz="1800" b="1" dirty="0"/>
+              <a:t>La gestion exclusive des clips évite les superpositions audios mais nécessite une libération correcte des ressources pour éviter les fuites mémoire.</a:t>
+            </a:r>
+            <a:endParaRPr sz="1800" b="1" dirty="0"/>
           </a:p>
         </p:txBody>
       </p:sp>
@@ -6122,8 +6433,8 @@
         </p:nvSpPr>
         <p:spPr>
           <a:xfrm>
-            <a:off x="274320" y="3017520"/>
-            <a:ext cx="5303520" cy="2011680"/>
+            <a:off x="457200" y="2706624"/>
+            <a:ext cx="8229600" cy="3323987"/>
           </a:xfrm>
           <a:prstGeom prst="rect">
             <a:avLst/>
@@ -6137,18 +6448,227 @@
           <a:lstStyle/>
           <a:p>
             <a:r>
-              <a:rPr sz="900">
-                <a:latin typeface="Consolas"/>
-              </a:rPr>
-              <a:t>        playButton.addActionListener(e -&gt; controller.playSound(instrument.getAudioPath()));
-        guessField.addActionListener(e -&gt; checkAnswer());
-    }
-    // Check the input and update state
-    private void checkAnswer() {
-        if (alreadyAnswered) return;
-        String guess = guessField.getText().trim();
-        if (guess.equalsIgnoreCase(instrument.getNom())) {</a:t>
-            </a:r>
+              <a:rPr lang="fr-CH" sz="1400" dirty="0"/>
+              <a:t>public </a:t>
+            </a:r>
+            <a:r>
+              <a:rPr lang="fr-CH" sz="1400" dirty="0" err="1"/>
+              <a:t>void</a:t>
+            </a:r>
+            <a:r>
+              <a:rPr lang="fr-CH" sz="1400" dirty="0"/>
+              <a:t> </a:t>
+            </a:r>
+            <a:r>
+              <a:rPr lang="fr-CH" sz="1400" dirty="0" err="1"/>
+              <a:t>playSound</a:t>
+            </a:r>
+            <a:r>
+              <a:rPr lang="fr-CH" sz="1400" dirty="0"/>
+              <a:t>(String </a:t>
+            </a:r>
+            <a:r>
+              <a:rPr lang="fr-CH" sz="1400" dirty="0" err="1"/>
+              <a:t>audioPath</a:t>
+            </a:r>
+            <a:r>
+              <a:rPr lang="fr-CH" sz="1400" dirty="0"/>
+              <a:t>) {</a:t>
+            </a:r>
+          </a:p>
+          <a:p>
+            <a:r>
+              <a:rPr lang="fr-CH" sz="1400" dirty="0"/>
+              <a:t>    </a:t>
+            </a:r>
+            <a:r>
+              <a:rPr lang="fr-CH" sz="1400" dirty="0" err="1"/>
+              <a:t>try</a:t>
+            </a:r>
+            <a:r>
+              <a:rPr lang="fr-CH" sz="1400" dirty="0"/>
+              <a:t> {</a:t>
+            </a:r>
+          </a:p>
+          <a:p>
+            <a:r>
+              <a:rPr lang="fr-CH" sz="1400" dirty="0"/>
+              <a:t>         // Pattern : Exclusive Resource Management         </a:t>
+            </a:r>
+          </a:p>
+          <a:p>
+            <a:r>
+              <a:rPr lang="fr-CH" sz="1400" dirty="0"/>
+              <a:t>	if (</a:t>
+            </a:r>
+            <a:r>
+              <a:rPr lang="fr-CH" sz="1400" dirty="0" err="1"/>
+              <a:t>currentClip</a:t>
+            </a:r>
+            <a:r>
+              <a:rPr lang="fr-CH" sz="1400" dirty="0"/>
+              <a:t> != </a:t>
+            </a:r>
+            <a:r>
+              <a:rPr lang="fr-CH" sz="1400" dirty="0" err="1"/>
+              <a:t>null</a:t>
+            </a:r>
+            <a:r>
+              <a:rPr lang="fr-CH" sz="1400" dirty="0"/>
+              <a:t> &amp;&amp; </a:t>
+            </a:r>
+            <a:r>
+              <a:rPr lang="fr-CH" sz="1400" dirty="0" err="1"/>
+              <a:t>currentClip.isRunning</a:t>
+            </a:r>
+            <a:r>
+              <a:rPr lang="fr-CH" sz="1400" dirty="0"/>
+              <a:t>()) {             </a:t>
+            </a:r>
+          </a:p>
+          <a:p>
+            <a:r>
+              <a:rPr lang="fr-CH" sz="1400" dirty="0"/>
+              <a:t>	</a:t>
+            </a:r>
+            <a:r>
+              <a:rPr lang="fr-CH" sz="1400" dirty="0" err="1"/>
+              <a:t>currentClip.stop</a:t>
+            </a:r>
+            <a:r>
+              <a:rPr lang="fr-CH" sz="1400" dirty="0"/>
+              <a:t>(); // Arrêt immédiat            </a:t>
+            </a:r>
+          </a:p>
+          <a:p>
+            <a:r>
+              <a:rPr lang="fr-CH" sz="1400" dirty="0"/>
+              <a:t>	</a:t>
+            </a:r>
+            <a:r>
+              <a:rPr lang="fr-CH" sz="1400" dirty="0" err="1"/>
+              <a:t>currentClip.close</a:t>
+            </a:r>
+            <a:r>
+              <a:rPr lang="fr-CH" sz="1400" dirty="0"/>
+              <a:t>(); // Libération mémoire        }                 </a:t>
+            </a:r>
+          </a:p>
+          <a:p>
+            <a:endParaRPr lang="fr-CH" sz="1400" dirty="0"/>
+          </a:p>
+          <a:p>
+            <a:r>
+              <a:rPr lang="fr-CH" sz="1400" dirty="0"/>
+              <a:t>// Chargement optimisé via </a:t>
+            </a:r>
+            <a:r>
+              <a:rPr lang="fr-CH" sz="1400" dirty="0" err="1"/>
+              <a:t>AudioSystem</a:t>
+            </a:r>
+            <a:r>
+              <a:rPr lang="fr-CH" sz="1400" dirty="0"/>
+              <a:t>        </a:t>
+            </a:r>
+          </a:p>
+          <a:p>
+            <a:r>
+              <a:rPr lang="fr-CH" sz="1400" dirty="0" err="1"/>
+              <a:t>AudioInputStream</a:t>
+            </a:r>
+            <a:r>
+              <a:rPr lang="fr-CH" sz="1400" dirty="0"/>
+              <a:t> </a:t>
+            </a:r>
+            <a:r>
+              <a:rPr lang="fr-CH" sz="1400" dirty="0" err="1"/>
+              <a:t>audioIn</a:t>
+            </a:r>
+            <a:r>
+              <a:rPr lang="fr-CH" sz="1400" dirty="0"/>
+              <a:t> = </a:t>
+            </a:r>
+            <a:r>
+              <a:rPr lang="fr-CH" sz="1400" dirty="0" err="1"/>
+              <a:t>AudioSystem.getAudioInputStream</a:t>
+            </a:r>
+            <a:r>
+              <a:rPr lang="fr-CH" sz="1400" dirty="0"/>
+              <a:t>(new File(</a:t>
+            </a:r>
+            <a:r>
+              <a:rPr lang="fr-CH" sz="1400" dirty="0" err="1"/>
+              <a:t>audioPath</a:t>
+            </a:r>
+            <a:r>
+              <a:rPr lang="fr-CH" sz="1400" dirty="0"/>
+              <a:t>));         </a:t>
+            </a:r>
+            <a:r>
+              <a:rPr lang="fr-CH" sz="1400" dirty="0" err="1"/>
+              <a:t>currentClip</a:t>
+            </a:r>
+            <a:r>
+              <a:rPr lang="fr-CH" sz="1400" dirty="0"/>
+              <a:t> = </a:t>
+            </a:r>
+            <a:r>
+              <a:rPr lang="fr-CH" sz="1400" dirty="0" err="1"/>
+              <a:t>AudioSystem.getClip</a:t>
+            </a:r>
+            <a:r>
+              <a:rPr lang="fr-CH" sz="1400" dirty="0"/>
+              <a:t>();         </a:t>
+            </a:r>
+          </a:p>
+          <a:p>
+            <a:r>
+              <a:rPr lang="fr-CH" sz="1400" dirty="0" err="1"/>
+              <a:t>currentClip.open</a:t>
+            </a:r>
+            <a:r>
+              <a:rPr lang="fr-CH" sz="1400" dirty="0"/>
+              <a:t>(</a:t>
+            </a:r>
+            <a:r>
+              <a:rPr lang="fr-CH" sz="1400" dirty="0" err="1"/>
+              <a:t>audioIn</a:t>
+            </a:r>
+            <a:r>
+              <a:rPr lang="fr-CH" sz="1400" dirty="0"/>
+              <a:t>);         </a:t>
+            </a:r>
+          </a:p>
+          <a:p>
+            <a:r>
+              <a:rPr lang="fr-CH" sz="1400" dirty="0" err="1"/>
+              <a:t>currentClip.start</a:t>
+            </a:r>
+            <a:r>
+              <a:rPr lang="fr-CH" sz="1400" dirty="0"/>
+              <a:t>();     </a:t>
+            </a:r>
+          </a:p>
+          <a:p>
+            <a:r>
+              <a:rPr lang="fr-CH" sz="1400" dirty="0"/>
+              <a:t>} catch (Exception e) {         </a:t>
+            </a:r>
+          </a:p>
+          <a:p>
+            <a:r>
+              <a:rPr lang="fr-CH" sz="1400" dirty="0"/>
+              <a:t>// Gestion robuste des erreurs    </a:t>
+            </a:r>
+          </a:p>
+          <a:p>
+            <a:r>
+              <a:rPr lang="fr-CH" sz="1400" dirty="0"/>
+              <a:t>} }</a:t>
+            </a:r>
+            <a:endParaRPr lang="fr-CH" sz="1400" dirty="0">
+              <a:latin typeface="Consolas"/>
+            </a:endParaRPr>
           </a:p>
         </p:txBody>
       </p:sp>
@@ -6198,13 +6718,27 @@
         <p:spPr/>
         <p:txBody>
           <a:bodyPr>
-            <a:normAutofit fontScale="90000"/>
+            <a:normAutofit/>
           </a:bodyPr>
           <a:lstStyle/>
           <a:p>
             <a:r>
-              <a:t>Cahier des charges – scénario utilisateur</a:t>
-            </a:r>
+              <a:rPr lang="en-GB" dirty="0"/>
+              <a:t>S</a:t>
+            </a:r>
+            <a:r>
+              <a:rPr dirty="0" err="1"/>
+              <a:t>cénario</a:t>
+            </a:r>
+            <a:r>
+              <a:rPr dirty="0"/>
+              <a:t> </a:t>
+            </a:r>
+            <a:r>
+              <a:rPr dirty="0" err="1"/>
+              <a:t>utilisateur</a:t>
+            </a:r>
+            <a:endParaRPr dirty="0"/>
           </a:p>
         </p:txBody>
       </p:sp>
@@ -6220,33 +6754,144 @@
         </p:nvSpPr>
         <p:spPr/>
         <p:txBody>
-          <a:bodyPr/>
-          <a:lstStyle/>
-          <a:p>
-            <a:endParaRPr/>
-          </a:p>
-          <a:p>
-            <a:r>
-              <a:rPr sz="1400"/>
-              <a:t>1. Sélection d'un instrument (ajout panneau).</a:t>
-            </a:r>
-          </a:p>
-          <a:p>
-            <a:r>
-              <a:rPr sz="1400"/>
-              <a:t>2. Lecture du son ▶, saisie du nom.</a:t>
-            </a:r>
-          </a:p>
-          <a:p>
-            <a:r>
-              <a:rPr sz="1400"/>
-              <a:t>3. Bonne réponse =&gt; image révélée, panneau validé.</a:t>
-            </a:r>
-          </a:p>
-          <a:p>
-            <a:r>
-              <a:rPr sz="1400"/>
-              <a:t>4. Vie perdue sinon; partie jusqu'à 6 bonnes réponses ou 0 vie.</a:t>
+          <a:bodyPr>
+            <a:normAutofit/>
+          </a:bodyPr>
+          <a:lstStyle/>
+          <a:p>
+            <a:r>
+              <a:rPr sz="1800" b="1" dirty="0"/>
+              <a:t>1. </a:t>
+            </a:r>
+            <a:r>
+              <a:rPr sz="1800" b="1" dirty="0" err="1"/>
+              <a:t>Sélection</a:t>
+            </a:r>
+            <a:r>
+              <a:rPr sz="1800" b="1" dirty="0"/>
+              <a:t> d'un instrument (</a:t>
+            </a:r>
+            <a:r>
+              <a:rPr sz="1800" b="1" dirty="0" err="1"/>
+              <a:t>ajout</a:t>
+            </a:r>
+            <a:r>
+              <a:rPr sz="1800" b="1" dirty="0"/>
+              <a:t> </a:t>
+            </a:r>
+            <a:r>
+              <a:rPr sz="1800" b="1" dirty="0" err="1"/>
+              <a:t>panneau</a:t>
+            </a:r>
+            <a:r>
+              <a:rPr sz="1800" b="1" dirty="0"/>
+              <a:t>).</a:t>
+            </a:r>
+          </a:p>
+          <a:p>
+            <a:r>
+              <a:rPr sz="1800" b="1" dirty="0"/>
+              <a:t>2. Lecture du son ▶, </a:t>
+            </a:r>
+            <a:r>
+              <a:rPr sz="1800" b="1" dirty="0" err="1"/>
+              <a:t>saisie</a:t>
+            </a:r>
+            <a:r>
+              <a:rPr sz="1800" b="1" dirty="0"/>
+              <a:t> du nom.</a:t>
+            </a:r>
+          </a:p>
+          <a:p>
+            <a:r>
+              <a:rPr sz="1800" b="1" dirty="0"/>
+              <a:t>3. Bonne </a:t>
+            </a:r>
+            <a:r>
+              <a:rPr sz="1800" b="1" dirty="0" err="1"/>
+              <a:t>réponse</a:t>
+            </a:r>
+            <a:r>
+              <a:rPr sz="1800" b="1" dirty="0"/>
+              <a:t> =&gt; image </a:t>
+            </a:r>
+            <a:r>
+              <a:rPr sz="1800" b="1" dirty="0" err="1"/>
+              <a:t>révélée</a:t>
+            </a:r>
+            <a:r>
+              <a:rPr sz="1800" b="1" dirty="0"/>
+              <a:t>, </a:t>
+            </a:r>
+            <a:r>
+              <a:rPr sz="1800" b="1" dirty="0" err="1"/>
+              <a:t>panneau</a:t>
+            </a:r>
+            <a:r>
+              <a:rPr sz="1800" b="1" dirty="0"/>
+              <a:t> </a:t>
+            </a:r>
+            <a:r>
+              <a:rPr sz="1800" b="1" dirty="0" err="1"/>
+              <a:t>validé</a:t>
+            </a:r>
+            <a:r>
+              <a:rPr sz="1800" b="1" dirty="0"/>
+              <a:t>.</a:t>
+            </a:r>
+          </a:p>
+          <a:p>
+            <a:r>
+              <a:rPr sz="1800" b="1" dirty="0"/>
+              <a:t>4. Vie perdue </a:t>
+            </a:r>
+            <a:r>
+              <a:rPr sz="1800" b="1" dirty="0" err="1"/>
+              <a:t>sinon</a:t>
+            </a:r>
+            <a:r>
+              <a:rPr sz="1800" b="1" dirty="0"/>
+              <a:t>; </a:t>
+            </a:r>
+            <a:r>
+              <a:rPr sz="1800" b="1" dirty="0" err="1"/>
+              <a:t>partie</a:t>
+            </a:r>
+            <a:r>
+              <a:rPr sz="1800" b="1" dirty="0"/>
+              <a:t> </a:t>
+            </a:r>
+            <a:r>
+              <a:rPr sz="1800" b="1" dirty="0" err="1"/>
+              <a:t>jusqu'à</a:t>
+            </a:r>
+            <a:r>
+              <a:rPr sz="1800" b="1" dirty="0"/>
+              <a:t> 6 </a:t>
+            </a:r>
+            <a:r>
+              <a:rPr sz="1800" b="1" dirty="0" err="1"/>
+              <a:t>bonnes</a:t>
+            </a:r>
+            <a:r>
+              <a:rPr sz="1800" b="1" dirty="0"/>
+              <a:t> </a:t>
+            </a:r>
+            <a:r>
+              <a:rPr sz="1800" b="1" dirty="0" err="1"/>
+              <a:t>réponses</a:t>
+            </a:r>
+            <a:r>
+              <a:rPr sz="1800" b="1" dirty="0"/>
+              <a:t> </a:t>
+            </a:r>
+            <a:r>
+              <a:rPr sz="1800" b="1" dirty="0" err="1"/>
+              <a:t>ou</a:t>
+            </a:r>
+            <a:r>
+              <a:rPr sz="1800" b="1" dirty="0"/>
+              <a:t> 0 vie.</a:t>
             </a:r>
           </a:p>
         </p:txBody>
@@ -6267,8 +6912,8 @@
         </p:blipFill>
         <p:spPr>
           <a:xfrm>
-            <a:off x="5715000" y="1805781"/>
-            <a:ext cx="6197189" cy="4114800"/>
+            <a:off x="3685032" y="3233362"/>
+            <a:ext cx="5458968" cy="3624637"/>
           </a:xfrm>
           <a:prstGeom prst="rect">
             <a:avLst/>
@@ -6341,66 +6986,65 @@
         </p:nvSpPr>
         <p:spPr/>
         <p:txBody>
-          <a:bodyPr/>
-          <a:lstStyle/>
-          <a:p>
-            <a:endParaRPr dirty="0"/>
-          </a:p>
-          <a:p>
-            <a:r>
-              <a:rPr sz="1400" dirty="0" err="1"/>
+          <a:bodyPr>
+            <a:normAutofit/>
+          </a:bodyPr>
+          <a:lstStyle/>
+          <a:p>
+            <a:r>
+              <a:rPr sz="1800" b="1" dirty="0" err="1"/>
               <a:t>JOptionPane</a:t>
             </a:r>
             <a:r>
-              <a:rPr sz="1400" dirty="0"/>
+              <a:rPr sz="1800" b="1" dirty="0"/>
               <a:t> pour </a:t>
             </a:r>
             <a:r>
-              <a:rPr sz="1400" dirty="0" err="1"/>
+              <a:rPr sz="1800" b="1" dirty="0" err="1"/>
               <a:t>victoire</a:t>
             </a:r>
             <a:r>
-              <a:rPr sz="1400" dirty="0"/>
+              <a:rPr sz="1800" b="1" dirty="0"/>
               <a:t> / game‑over.</a:t>
             </a:r>
           </a:p>
           <a:p>
             <a:r>
-              <a:rPr sz="1400" dirty="0"/>
+              <a:rPr sz="1800" b="1" dirty="0"/>
               <a:t>Victoire : panel </a:t>
             </a:r>
             <a:r>
-              <a:rPr sz="1400" dirty="0" err="1"/>
+              <a:rPr sz="1800" b="1" dirty="0" err="1"/>
               <a:t>personnalisé</a:t>
             </a:r>
             <a:r>
-              <a:rPr sz="1400" dirty="0"/>
+              <a:rPr sz="1800" b="1" dirty="0"/>
               <a:t> avec </a:t>
             </a:r>
             <a:r>
-              <a:rPr sz="1400" dirty="0" err="1"/>
+              <a:rPr sz="1800" b="1" dirty="0" err="1"/>
               <a:t>Clippy</a:t>
             </a:r>
             <a:r>
-              <a:rPr sz="1400" dirty="0"/>
+              <a:rPr sz="1800" b="1" dirty="0"/>
               <a:t>, choix Replay/Quit.</a:t>
             </a:r>
           </a:p>
           <a:p>
             <a:r>
-              <a:rPr sz="1400" dirty="0" err="1"/>
+              <a:rPr sz="1800" b="1" dirty="0" err="1"/>
               <a:t>Défaite</a:t>
             </a:r>
             <a:r>
-              <a:rPr sz="1400" dirty="0"/>
+              <a:rPr sz="1800" b="1" dirty="0"/>
               <a:t> : message, options </a:t>
             </a:r>
             <a:r>
-              <a:rPr sz="1400" dirty="0" err="1"/>
+              <a:rPr sz="1800" b="1" dirty="0" err="1"/>
               <a:t>identiques</a:t>
             </a:r>
             <a:r>
-              <a:rPr sz="1400" dirty="0"/>
+              <a:rPr sz="1800" b="1" dirty="0"/>
               <a:t>.</a:t>
             </a:r>
           </a:p>
@@ -6864,30 +7508,6 @@
           </a:p>
         </p:txBody>
       </p:sp>
-      <p:pic>
-        <p:nvPicPr>
-          <p:cNvPr id="5" name="Picture 4" descr="84eae790-37f3-4578-8842-68437cabb683.png"/>
-          <p:cNvPicPr>
-            <a:picLocks noChangeAspect="1"/>
-          </p:cNvPicPr>
-          <p:nvPr/>
-        </p:nvPicPr>
-        <p:blipFill>
-          <a:blip r:embed="rId2"/>
-          <a:stretch>
-            <a:fillRect/>
-          </a:stretch>
-        </p:blipFill>
-        <p:spPr>
-          <a:xfrm>
-            <a:off x="5609012" y="1371600"/>
-            <a:ext cx="6155575" cy="4114800"/>
-          </a:xfrm>
-          <a:prstGeom prst="rect">
-            <a:avLst/>
-          </a:prstGeom>
-        </p:spPr>
-      </p:pic>
     </p:spTree>
   </p:cSld>
   <p:clrMapOvr>

--- a/SoundOfWorld.pptx
+++ b/SoundOfWorld.pptx
@@ -317,7 +317,7 @@
           <a:p>
             <a:fld id="{5BCAD085-E8A6-8845-BD4E-CB4CCA059FC4}" type="datetimeFigureOut">
               <a:rPr lang="en-US" smtClean="0"/>
-              <a:t>6/16/2025</a:t>
+              <a:t>6/17/2025</a:t>
             </a:fld>
             <a:endParaRPr lang="en-US"/>
           </a:p>
@@ -485,7 +485,7 @@
           <a:p>
             <a:fld id="{5BCAD085-E8A6-8845-BD4E-CB4CCA059FC4}" type="datetimeFigureOut">
               <a:rPr lang="en-US" smtClean="0"/>
-              <a:t>6/16/2025</a:t>
+              <a:t>6/17/2025</a:t>
             </a:fld>
             <a:endParaRPr lang="en-US"/>
           </a:p>
@@ -663,7 +663,7 @@
           <a:p>
             <a:fld id="{5BCAD085-E8A6-8845-BD4E-CB4CCA059FC4}" type="datetimeFigureOut">
               <a:rPr lang="en-US" smtClean="0"/>
-              <a:t>6/16/2025</a:t>
+              <a:t>6/17/2025</a:t>
             </a:fld>
             <a:endParaRPr lang="en-US"/>
           </a:p>
@@ -831,7 +831,7 @@
           <a:p>
             <a:fld id="{5BCAD085-E8A6-8845-BD4E-CB4CCA059FC4}" type="datetimeFigureOut">
               <a:rPr lang="en-US" smtClean="0"/>
-              <a:t>6/16/2025</a:t>
+              <a:t>6/17/2025</a:t>
             </a:fld>
             <a:endParaRPr lang="en-US"/>
           </a:p>
@@ -1076,7 +1076,7 @@
           <a:p>
             <a:fld id="{5BCAD085-E8A6-8845-BD4E-CB4CCA059FC4}" type="datetimeFigureOut">
               <a:rPr lang="en-US" smtClean="0"/>
-              <a:t>6/16/2025</a:t>
+              <a:t>6/17/2025</a:t>
             </a:fld>
             <a:endParaRPr lang="en-US"/>
           </a:p>
@@ -1361,7 +1361,7 @@
           <a:p>
             <a:fld id="{5BCAD085-E8A6-8845-BD4E-CB4CCA059FC4}" type="datetimeFigureOut">
               <a:rPr lang="en-US" smtClean="0"/>
-              <a:t>6/16/2025</a:t>
+              <a:t>6/17/2025</a:t>
             </a:fld>
             <a:endParaRPr lang="en-US"/>
           </a:p>
@@ -1780,7 +1780,7 @@
           <a:p>
             <a:fld id="{5BCAD085-E8A6-8845-BD4E-CB4CCA059FC4}" type="datetimeFigureOut">
               <a:rPr lang="en-US" smtClean="0"/>
-              <a:t>6/16/2025</a:t>
+              <a:t>6/17/2025</a:t>
             </a:fld>
             <a:endParaRPr lang="en-US"/>
           </a:p>
@@ -1897,7 +1897,7 @@
           <a:p>
             <a:fld id="{5BCAD085-E8A6-8845-BD4E-CB4CCA059FC4}" type="datetimeFigureOut">
               <a:rPr lang="en-US" smtClean="0"/>
-              <a:t>6/16/2025</a:t>
+              <a:t>6/17/2025</a:t>
             </a:fld>
             <a:endParaRPr lang="en-US"/>
           </a:p>
@@ -1992,7 +1992,7 @@
           <a:p>
             <a:fld id="{5BCAD085-E8A6-8845-BD4E-CB4CCA059FC4}" type="datetimeFigureOut">
               <a:rPr lang="en-US" smtClean="0"/>
-              <a:t>6/16/2025</a:t>
+              <a:t>6/17/2025</a:t>
             </a:fld>
             <a:endParaRPr lang="en-US"/>
           </a:p>
@@ -2267,7 +2267,7 @@
           <a:p>
             <a:fld id="{5BCAD085-E8A6-8845-BD4E-CB4CCA059FC4}" type="datetimeFigureOut">
               <a:rPr lang="en-US" smtClean="0"/>
-              <a:t>6/16/2025</a:t>
+              <a:t>6/17/2025</a:t>
             </a:fld>
             <a:endParaRPr lang="en-US"/>
           </a:p>
@@ -2519,7 +2519,7 @@
           <a:p>
             <a:fld id="{5BCAD085-E8A6-8845-BD4E-CB4CCA059FC4}" type="datetimeFigureOut">
               <a:rPr lang="en-US" smtClean="0"/>
-              <a:t>6/16/2025</a:t>
+              <a:t>6/17/2025</a:t>
             </a:fld>
             <a:endParaRPr lang="en-US"/>
           </a:p>
@@ -2730,7 +2730,7 @@
           <a:p>
             <a:fld id="{5BCAD085-E8A6-8845-BD4E-CB4CCA059FC4}" type="datetimeFigureOut">
               <a:rPr lang="en-US" smtClean="0"/>
-              <a:t>6/16/2025</a:t>
+              <a:t>6/17/2025</a:t>
             </a:fld>
             <a:endParaRPr lang="en-US"/>
           </a:p>
@@ -3094,7 +3094,7 @@
     <p:bg>
       <p:bgPr>
         <a:solidFill>
-          <a:srgbClr val="EBEBFF"/>
+          <a:schemeClr val="bg1"/>
         </a:solidFill>
         <a:effectLst/>
       </p:bgPr>
@@ -3113,6 +3113,401 @@
           <a:chExt cx="0" cy="0"/>
         </a:xfrm>
       </p:grpSpPr>
+      <p:sp useBgFill="1">
+        <p:nvSpPr>
+          <p:cNvPr id="24" name="Rectangle 23">
+            <a:extLst>
+              <a:ext uri="{FF2B5EF4-FFF2-40B4-BE49-F238E27FC236}">
+                <a16:creationId xmlns:a16="http://schemas.microsoft.com/office/drawing/2014/main" id="{FB33DC6A-1F1C-4A06-834E-CFF88F1C0BB9}"/>
+              </a:ext>
+              <a:ext uri="{C183D7F6-B498-43B3-948B-1728B52AA6E4}">
+                <adec:decorative xmlns:adec="http://schemas.microsoft.com/office/drawing/2017/decorative" val="1"/>
+              </a:ext>
+            </a:extLst>
+          </p:cNvPr>
+          <p:cNvSpPr>
+            <a:spLocks noGrp="1" noRot="1" noChangeAspect="1" noMove="1" noResize="1" noEditPoints="1" noAdjustHandles="1" noChangeArrowheads="1" noChangeShapeType="1" noTextEdit="1"/>
+          </p:cNvSpPr>
+          <p:nvPr>
+            <p:extLst>
+              <p:ext uri="{386F3935-93C4-4BCD-93E2-E3B085C9AB24}">
+                <p16:designElem xmlns:p16="http://schemas.microsoft.com/office/powerpoint/2015/main" val="1"/>
+              </p:ext>
+            </p:extLst>
+          </p:nvPr>
+        </p:nvSpPr>
+        <p:spPr>
+          <a:xfrm>
+            <a:off x="0" y="0"/>
+            <a:ext cx="9144000" cy="6858000"/>
+          </a:xfrm>
+          <a:prstGeom prst="rect">
+            <a:avLst/>
+          </a:prstGeom>
+          <a:ln>
+            <a:noFill/>
+          </a:ln>
+        </p:spPr>
+        <p:style>
+          <a:lnRef idx="2">
+            <a:schemeClr val="accent1">
+              <a:shade val="50000"/>
+            </a:schemeClr>
+          </a:lnRef>
+          <a:fillRef idx="1">
+            <a:schemeClr val="accent1"/>
+          </a:fillRef>
+          <a:effectRef idx="0">
+            <a:schemeClr val="accent1"/>
+          </a:effectRef>
+          <a:fontRef idx="minor">
+            <a:schemeClr val="lt1"/>
+          </a:fontRef>
+        </p:style>
+        <p:txBody>
+          <a:bodyPr rtlCol="0" anchor="ctr"/>
+          <a:lstStyle/>
+          <a:p>
+            <a:pPr algn="ctr"/>
+            <a:endParaRPr lang="en-US"/>
+          </a:p>
+        </p:txBody>
+      </p:sp>
+      <p:sp useBgFill="1">
+        <p:nvSpPr>
+          <p:cNvPr id="26" name="Freeform: Shape 25">
+            <a:extLst>
+              <a:ext uri="{FF2B5EF4-FFF2-40B4-BE49-F238E27FC236}">
+                <a16:creationId xmlns:a16="http://schemas.microsoft.com/office/drawing/2014/main" id="{0FE1D5CF-87B8-4A8A-AD3C-01D06A60769B}"/>
+              </a:ext>
+              <a:ext uri="{C183D7F6-B498-43B3-948B-1728B52AA6E4}">
+                <adec:decorative xmlns:adec="http://schemas.microsoft.com/office/drawing/2017/decorative" val="1"/>
+              </a:ext>
+            </a:extLst>
+          </p:cNvPr>
+          <p:cNvSpPr>
+            <a:spLocks noGrp="1" noRot="1" noChangeAspect="1" noMove="1" noResize="1" noEditPoints="1" noAdjustHandles="1" noChangeArrowheads="1" noChangeShapeType="1" noTextEdit="1"/>
+          </p:cNvSpPr>
+          <p:nvPr>
+            <p:extLst>
+              <p:ext uri="{386F3935-93C4-4BCD-93E2-E3B085C9AB24}">
+                <p16:designElem xmlns:p16="http://schemas.microsoft.com/office/powerpoint/2015/main" val="1"/>
+              </p:ext>
+            </p:extLst>
+          </p:nvPr>
+        </p:nvSpPr>
+        <p:spPr>
+          <a:xfrm>
+            <a:off x="0" y="-1"/>
+            <a:ext cx="4656480" cy="6858000"/>
+          </a:xfrm>
+          <a:custGeom>
+            <a:avLst/>
+            <a:gdLst>
+              <a:gd name="connsiteX0" fmla="*/ 0 w 6208641"/>
+              <a:gd name="connsiteY0" fmla="*/ 0 h 6858000"/>
+              <a:gd name="connsiteX1" fmla="*/ 5464181 w 6208641"/>
+              <a:gd name="connsiteY1" fmla="*/ 0 h 6858000"/>
+              <a:gd name="connsiteX2" fmla="*/ 5538086 w 6208641"/>
+              <a:gd name="connsiteY2" fmla="*/ 159684 h 6858000"/>
+              <a:gd name="connsiteX3" fmla="*/ 6208641 w 6208641"/>
+              <a:gd name="connsiteY3" fmla="*/ 3706589 h 6858000"/>
+              <a:gd name="connsiteX4" fmla="*/ 5734754 w 6208641"/>
+              <a:gd name="connsiteY4" fmla="*/ 6730443 h 6858000"/>
+              <a:gd name="connsiteX5" fmla="*/ 5689361 w 6208641"/>
+              <a:gd name="connsiteY5" fmla="*/ 6858000 h 6858000"/>
+              <a:gd name="connsiteX6" fmla="*/ 0 w 6208641"/>
+              <a:gd name="connsiteY6" fmla="*/ 6858000 h 6858000"/>
+            </a:gdLst>
+            <a:ahLst/>
+            <a:cxnLst>
+              <a:cxn ang="0">
+                <a:pos x="connsiteX0" y="connsiteY0"/>
+              </a:cxn>
+              <a:cxn ang="0">
+                <a:pos x="connsiteX1" y="connsiteY1"/>
+              </a:cxn>
+              <a:cxn ang="0">
+                <a:pos x="connsiteX2" y="connsiteY2"/>
+              </a:cxn>
+              <a:cxn ang="0">
+                <a:pos x="connsiteX3" y="connsiteY3"/>
+              </a:cxn>
+              <a:cxn ang="0">
+                <a:pos x="connsiteX4" y="connsiteY4"/>
+              </a:cxn>
+              <a:cxn ang="0">
+                <a:pos x="connsiteX5" y="connsiteY5"/>
+              </a:cxn>
+              <a:cxn ang="0">
+                <a:pos x="connsiteX6" y="connsiteY6"/>
+              </a:cxn>
+            </a:cxnLst>
+            <a:rect l="l" t="t" r="r" b="b"/>
+            <a:pathLst>
+              <a:path w="6208641" h="6858000">
+                <a:moveTo>
+                  <a:pt x="0" y="0"/>
+                </a:moveTo>
+                <a:lnTo>
+                  <a:pt x="5464181" y="0"/>
+                </a:lnTo>
+                <a:lnTo>
+                  <a:pt x="5538086" y="159684"/>
+                </a:lnTo>
+                <a:cubicBezTo>
+                  <a:pt x="5961440" y="1172168"/>
+                  <a:pt x="6208641" y="2392735"/>
+                  <a:pt x="6208641" y="3706589"/>
+                </a:cubicBezTo>
+                <a:cubicBezTo>
+                  <a:pt x="6208641" y="4801467"/>
+                  <a:pt x="6036974" y="5831563"/>
+                  <a:pt x="5734754" y="6730443"/>
+                </a:cubicBezTo>
+                <a:lnTo>
+                  <a:pt x="5689361" y="6858000"/>
+                </a:lnTo>
+                <a:lnTo>
+                  <a:pt x="0" y="6858000"/>
+                </a:lnTo>
+                <a:close/>
+              </a:path>
+            </a:pathLst>
+          </a:custGeom>
+          <a:ln w="9525">
+            <a:solidFill>
+              <a:srgbClr val="EFEFEF"/>
+            </a:solidFill>
+          </a:ln>
+          <a:effectLst>
+            <a:outerShdw blurRad="88900" dist="38100" algn="l" rotWithShape="0">
+              <a:schemeClr val="bg1">
+                <a:lumMod val="85000"/>
+                <a:alpha val="50000"/>
+              </a:schemeClr>
+            </a:outerShdw>
+          </a:effectLst>
+        </p:spPr>
+        <p:style>
+          <a:lnRef idx="2">
+            <a:schemeClr val="accent1">
+              <a:shade val="50000"/>
+            </a:schemeClr>
+          </a:lnRef>
+          <a:fillRef idx="1">
+            <a:schemeClr val="accent1"/>
+          </a:fillRef>
+          <a:effectRef idx="0">
+            <a:schemeClr val="accent1"/>
+          </a:effectRef>
+          <a:fontRef idx="minor">
+            <a:schemeClr val="lt1"/>
+          </a:fontRef>
+        </p:style>
+        <p:txBody>
+          <a:bodyPr wrap="square" rtlCol="0" anchor="ctr">
+            <a:noAutofit/>
+          </a:bodyPr>
+          <a:lstStyle/>
+          <a:p>
+            <a:pPr marL="0" marR="0" lvl="0" indent="0" algn="ctr" defTabSz="914400" rtl="0" eaLnBrk="1" fontAlgn="auto" latinLnBrk="0" hangingPunct="1">
+              <a:lnSpc>
+                <a:spcPct val="100000"/>
+              </a:lnSpc>
+              <a:spcBef>
+                <a:spcPts val="0"/>
+              </a:spcBef>
+              <a:spcAft>
+                <a:spcPts val="0"/>
+              </a:spcAft>
+              <a:buClrTx/>
+              <a:buSzTx/>
+              <a:buFontTx/>
+              <a:buNone/>
+              <a:tabLst/>
+              <a:defRPr/>
+            </a:pPr>
+            <a:endParaRPr kumimoji="0" lang="en-US" sz="1800" b="0" i="0" u="none" strike="noStrike" kern="1200" cap="none" spc="0" normalizeH="0" baseline="0" noProof="0">
+              <a:ln>
+                <a:noFill/>
+              </a:ln>
+              <a:solidFill>
+                <a:prstClr val="white"/>
+              </a:solidFill>
+              <a:effectLst/>
+              <a:uLnTx/>
+              <a:uFillTx/>
+              <a:latin typeface="Calibri" panose="020F0502020204030204"/>
+              <a:ea typeface="+mn-ea"/>
+              <a:cs typeface="+mn-cs"/>
+            </a:endParaRPr>
+          </a:p>
+        </p:txBody>
+      </p:sp>
+      <p:sp useBgFill="1">
+        <p:nvSpPr>
+          <p:cNvPr id="28" name="Freeform: Shape 27">
+            <a:extLst>
+              <a:ext uri="{FF2B5EF4-FFF2-40B4-BE49-F238E27FC236}">
+                <a16:creationId xmlns:a16="http://schemas.microsoft.com/office/drawing/2014/main" id="{60926200-45C2-41E9-839F-31CD5FE4CD59}"/>
+              </a:ext>
+              <a:ext uri="{C183D7F6-B498-43B3-948B-1728B52AA6E4}">
+                <adec:decorative xmlns:adec="http://schemas.microsoft.com/office/drawing/2017/decorative" val="1"/>
+              </a:ext>
+            </a:extLst>
+          </p:cNvPr>
+          <p:cNvSpPr>
+            <a:spLocks noGrp="1" noRot="1" noChangeAspect="1" noMove="1" noResize="1" noEditPoints="1" noAdjustHandles="1" noChangeArrowheads="1" noChangeShapeType="1" noTextEdit="1"/>
+          </p:cNvSpPr>
+          <p:nvPr>
+            <p:extLst>
+              <p:ext uri="{386F3935-93C4-4BCD-93E2-E3B085C9AB24}">
+                <p16:designElem xmlns:p16="http://schemas.microsoft.com/office/powerpoint/2015/main" val="1"/>
+              </p:ext>
+            </p:extLst>
+          </p:nvPr>
+        </p:nvSpPr>
+        <p:spPr>
+          <a:xfrm>
+            <a:off x="0" y="0"/>
+            <a:ext cx="4652493" cy="6858000"/>
+          </a:xfrm>
+          <a:custGeom>
+            <a:avLst/>
+            <a:gdLst>
+              <a:gd name="connsiteX0" fmla="*/ 0 w 6203325"/>
+              <a:gd name="connsiteY0" fmla="*/ 0 h 6858000"/>
+              <a:gd name="connsiteX1" fmla="*/ 5458865 w 6203325"/>
+              <a:gd name="connsiteY1" fmla="*/ 0 h 6858000"/>
+              <a:gd name="connsiteX2" fmla="*/ 5532770 w 6203325"/>
+              <a:gd name="connsiteY2" fmla="*/ 159684 h 6858000"/>
+              <a:gd name="connsiteX3" fmla="*/ 6203325 w 6203325"/>
+              <a:gd name="connsiteY3" fmla="*/ 3706589 h 6858000"/>
+              <a:gd name="connsiteX4" fmla="*/ 5729438 w 6203325"/>
+              <a:gd name="connsiteY4" fmla="*/ 6730443 h 6858000"/>
+              <a:gd name="connsiteX5" fmla="*/ 5684045 w 6203325"/>
+              <a:gd name="connsiteY5" fmla="*/ 6858000 h 6858000"/>
+              <a:gd name="connsiteX6" fmla="*/ 0 w 6203325"/>
+              <a:gd name="connsiteY6" fmla="*/ 6858000 h 6858000"/>
+            </a:gdLst>
+            <a:ahLst/>
+            <a:cxnLst>
+              <a:cxn ang="0">
+                <a:pos x="connsiteX0" y="connsiteY0"/>
+              </a:cxn>
+              <a:cxn ang="0">
+                <a:pos x="connsiteX1" y="connsiteY1"/>
+              </a:cxn>
+              <a:cxn ang="0">
+                <a:pos x="connsiteX2" y="connsiteY2"/>
+              </a:cxn>
+              <a:cxn ang="0">
+                <a:pos x="connsiteX3" y="connsiteY3"/>
+              </a:cxn>
+              <a:cxn ang="0">
+                <a:pos x="connsiteX4" y="connsiteY4"/>
+              </a:cxn>
+              <a:cxn ang="0">
+                <a:pos x="connsiteX5" y="connsiteY5"/>
+              </a:cxn>
+              <a:cxn ang="0">
+                <a:pos x="connsiteX6" y="connsiteY6"/>
+              </a:cxn>
+            </a:cxnLst>
+            <a:rect l="l" t="t" r="r" b="b"/>
+            <a:pathLst>
+              <a:path w="6203325" h="6858000">
+                <a:moveTo>
+                  <a:pt x="0" y="0"/>
+                </a:moveTo>
+                <a:lnTo>
+                  <a:pt x="5458865" y="0"/>
+                </a:lnTo>
+                <a:lnTo>
+                  <a:pt x="5532770" y="159684"/>
+                </a:lnTo>
+                <a:cubicBezTo>
+                  <a:pt x="5956124" y="1172168"/>
+                  <a:pt x="6203325" y="2392735"/>
+                  <a:pt x="6203325" y="3706589"/>
+                </a:cubicBezTo>
+                <a:cubicBezTo>
+                  <a:pt x="6203325" y="4801467"/>
+                  <a:pt x="6031658" y="5831563"/>
+                  <a:pt x="5729438" y="6730443"/>
+                </a:cubicBezTo>
+                <a:lnTo>
+                  <a:pt x="5684045" y="6858000"/>
+                </a:lnTo>
+                <a:lnTo>
+                  <a:pt x="0" y="6858000"/>
+                </a:lnTo>
+                <a:close/>
+              </a:path>
+            </a:pathLst>
+          </a:custGeom>
+          <a:ln w="9525">
+            <a:noFill/>
+          </a:ln>
+          <a:effectLst/>
+        </p:spPr>
+        <p:style>
+          <a:lnRef idx="2">
+            <a:schemeClr val="accent1">
+              <a:shade val="50000"/>
+            </a:schemeClr>
+          </a:lnRef>
+          <a:fillRef idx="1">
+            <a:schemeClr val="accent1"/>
+          </a:fillRef>
+          <a:effectRef idx="0">
+            <a:schemeClr val="accent1"/>
+          </a:effectRef>
+          <a:fontRef idx="minor">
+            <a:schemeClr val="lt1"/>
+          </a:fontRef>
+        </p:style>
+        <p:txBody>
+          <a:bodyPr wrap="square" rtlCol="0" anchor="ctr">
+            <a:noAutofit/>
+          </a:bodyPr>
+          <a:lstStyle/>
+          <a:p>
+            <a:pPr marL="0" marR="0" lvl="0" indent="0" algn="ctr" defTabSz="914400" rtl="0" eaLnBrk="1" fontAlgn="auto" latinLnBrk="0" hangingPunct="1">
+              <a:lnSpc>
+                <a:spcPct val="100000"/>
+              </a:lnSpc>
+              <a:spcBef>
+                <a:spcPts val="0"/>
+              </a:spcBef>
+              <a:spcAft>
+                <a:spcPts val="0"/>
+              </a:spcAft>
+              <a:buClrTx/>
+              <a:buSzTx/>
+              <a:buFontTx/>
+              <a:buNone/>
+              <a:tabLst/>
+              <a:defRPr/>
+            </a:pPr>
+            <a:endParaRPr kumimoji="0" lang="en-US" sz="1800" b="0" i="0" u="none" strike="noStrike" kern="1200" cap="none" spc="0" normalizeH="0" baseline="0" noProof="0">
+              <a:ln>
+                <a:noFill/>
+              </a:ln>
+              <a:solidFill>
+                <a:prstClr val="white"/>
+              </a:solidFill>
+              <a:effectLst/>
+              <a:uLnTx/>
+              <a:uFillTx/>
+              <a:latin typeface="Calibri" panose="020F0502020204030204"/>
+              <a:ea typeface="+mn-ea"/>
+              <a:cs typeface="+mn-cs"/>
+            </a:endParaRPr>
+          </a:p>
+        </p:txBody>
+      </p:sp>
       <p:sp>
         <p:nvSpPr>
           <p:cNvPr id="2" name="Title 1"/>
@@ -3125,18 +3520,19 @@
         </p:nvSpPr>
         <p:spPr>
           <a:xfrm>
-            <a:off x="685800" y="1847851"/>
-            <a:ext cx="7772400" cy="1752599"/>
+            <a:off x="366823" y="1106034"/>
+            <a:ext cx="3764306" cy="3204134"/>
           </a:xfrm>
         </p:spPr>
         <p:txBody>
-          <a:bodyPr>
+          <a:bodyPr anchor="b">
             <a:normAutofit/>
           </a:bodyPr>
           <a:lstStyle/>
           <a:p>
-            <a:r>
-              <a:rPr sz="7200" dirty="0"/>
+            <a:pPr algn="l"/>
+            <a:r>
+              <a:rPr lang="fr-CH" sz="4700" b="1" dirty="0"/>
               <a:t>Sound of World</a:t>
             </a:r>
           </a:p>
@@ -3152,45 +3548,240 @@
             <p:ph type="subTitle" idx="1"/>
           </p:nvPr>
         </p:nvSpPr>
-        <p:spPr/>
+        <p:spPr>
+          <a:xfrm>
+            <a:off x="370593" y="4872922"/>
+            <a:ext cx="3760273" cy="1208141"/>
+          </a:xfrm>
+        </p:spPr>
         <p:txBody>
           <a:bodyPr>
             <a:normAutofit/>
           </a:bodyPr>
           <a:lstStyle/>
           <a:p>
-            <a:r>
-              <a:rPr lang="fr-CH" sz="1600" b="1" dirty="0"/>
+            <a:pPr algn="l">
+              <a:lnSpc>
+                <a:spcPct val="90000"/>
+              </a:lnSpc>
+            </a:pPr>
+            <a:r>
+              <a:rPr lang="fr-CH" sz="1500" b="1"/>
               <a:t>Amandine &amp; Ayman  </a:t>
             </a:r>
           </a:p>
           <a:p>
-            <a:r>
-              <a:rPr lang="fr-CH" sz="1600" b="1" dirty="0"/>
-              <a:t>Encadré par : Professeure HES Madame </a:t>
-            </a:r>
-            <a:r>
-              <a:rPr lang="fr-CH" sz="1600" b="1" dirty="0" err="1"/>
-              <a:t>Rizzotti-Kaddouri</a:t>
-            </a:r>
-            <a:r>
-              <a:rPr lang="fr-CH" sz="1600" b="1" dirty="0"/>
-              <a:t> </a:t>
-            </a:r>
-          </a:p>
-          <a:p>
-            <a:r>
-              <a:rPr sz="1600" b="1" dirty="0"/>
-              <a:t>Cours IHM 2024‑2025 | HE‑ARC </a:t>
-            </a:r>
-            <a:r>
-              <a:rPr sz="1600" b="1" dirty="0" err="1"/>
-              <a:t>Ingénierie</a:t>
-            </a:r>
-            <a:r>
-              <a:rPr sz="1600" b="1" dirty="0"/>
-              <a:t> </a:t>
-            </a:r>
+            <a:pPr algn="l">
+              <a:lnSpc>
+                <a:spcPct val="90000"/>
+              </a:lnSpc>
+            </a:pPr>
+            <a:r>
+              <a:rPr lang="fr-CH" sz="1500" b="1"/>
+              <a:t>Encadré par : Professeure HES Madame Rizzotti-Kaddouri </a:t>
+            </a:r>
+          </a:p>
+          <a:p>
+            <a:pPr algn="l">
+              <a:lnSpc>
+                <a:spcPct val="90000"/>
+              </a:lnSpc>
+            </a:pPr>
+            <a:r>
+              <a:rPr lang="fr-CH" sz="1500" b="1"/>
+              <a:t>Cours IHM 2024‑2025 | HE‑ARC Ingénierie </a:t>
+            </a:r>
+          </a:p>
+        </p:txBody>
+      </p:sp>
+      <p:sp>
+        <p:nvSpPr>
+          <p:cNvPr id="30" name="Rectangle 29">
+            <a:extLst>
+              <a:ext uri="{FF2B5EF4-FFF2-40B4-BE49-F238E27FC236}">
+                <a16:creationId xmlns:a16="http://schemas.microsoft.com/office/drawing/2014/main" id="{AF2F604E-43BE-4DC3-B983-E071523364F8}"/>
+              </a:ext>
+              <a:ext uri="{C183D7F6-B498-43B3-948B-1728B52AA6E4}">
+                <adec:decorative xmlns:adec="http://schemas.microsoft.com/office/drawing/2017/decorative" val="1"/>
+              </a:ext>
+            </a:extLst>
+          </p:cNvPr>
+          <p:cNvSpPr>
+            <a:spLocks noGrp="1" noRot="1" noChangeAspect="1" noMove="1" noResize="1" noEditPoints="1" noAdjustHandles="1" noChangeArrowheads="1" noChangeShapeType="1" noTextEdit="1"/>
+          </p:cNvSpPr>
+          <p:nvPr>
+            <p:extLst>
+              <p:ext uri="{386F3935-93C4-4BCD-93E2-E3B085C9AB24}">
+                <p16:designElem xmlns:p16="http://schemas.microsoft.com/office/powerpoint/2015/main" val="1"/>
+              </p:ext>
+            </p:extLst>
+          </p:nvPr>
+        </p:nvSpPr>
+        <p:spPr>
+          <a:xfrm rot="5400000">
+            <a:off x="557704" y="434802"/>
+            <a:ext cx="146304" cy="528066"/>
+          </a:xfrm>
+          <a:prstGeom prst="rect">
+            <a:avLst/>
+          </a:prstGeom>
+          <a:solidFill>
+            <a:schemeClr val="accent2"/>
+          </a:solidFill>
+          <a:ln>
+            <a:noFill/>
+          </a:ln>
+        </p:spPr>
+        <p:style>
+          <a:lnRef idx="2">
+            <a:schemeClr val="accent1">
+              <a:shade val="50000"/>
+            </a:schemeClr>
+          </a:lnRef>
+          <a:fillRef idx="1">
+            <a:schemeClr val="accent1"/>
+          </a:fillRef>
+          <a:effectRef idx="0">
+            <a:schemeClr val="accent1"/>
+          </a:effectRef>
+          <a:fontRef idx="minor">
+            <a:schemeClr val="lt1"/>
+          </a:fontRef>
+        </p:style>
+        <p:txBody>
+          <a:bodyPr rtlCol="0" anchor="ctr"/>
+          <a:lstStyle/>
+          <a:p>
+            <a:pPr algn="ctr"/>
+            <a:endParaRPr lang="en-US">
+              <a:solidFill>
+                <a:prstClr val="white"/>
+              </a:solidFill>
+              <a:latin typeface="Calibri" panose="020F0502020204030204"/>
+            </a:endParaRPr>
+          </a:p>
+        </p:txBody>
+      </p:sp>
+      <p:pic>
+        <p:nvPicPr>
+          <p:cNvPr id="6" name="Image 5" descr="Une image contenant ustensiles de cuisine&#10;&#10;Le contenu généré par l’IA peut être incorrect.">
+            <a:extLst>
+              <a:ext uri="{FF2B5EF4-FFF2-40B4-BE49-F238E27FC236}">
+                <a16:creationId xmlns:a16="http://schemas.microsoft.com/office/drawing/2014/main" id="{4DD57EF9-9803-47BE-559D-E6819DE212CD}"/>
+              </a:ext>
+            </a:extLst>
+          </p:cNvPr>
+          <p:cNvPicPr>
+            <a:picLocks noChangeAspect="1"/>
+          </p:cNvPicPr>
+          <p:nvPr/>
+        </p:nvPicPr>
+        <p:blipFill>
+          <a:blip r:embed="rId2"/>
+          <a:stretch>
+            <a:fillRect/>
+          </a:stretch>
+        </p:blipFill>
+        <p:spPr>
+          <a:xfrm>
+            <a:off x="5639764" y="625683"/>
+            <a:ext cx="2743200" cy="2743200"/>
+          </a:xfrm>
+          <a:prstGeom prst="rect">
+            <a:avLst/>
+          </a:prstGeom>
+        </p:spPr>
+      </p:pic>
+      <p:sp>
+        <p:nvSpPr>
+          <p:cNvPr id="32" name="Rectangle 31">
+            <a:extLst>
+              <a:ext uri="{FF2B5EF4-FFF2-40B4-BE49-F238E27FC236}">
+                <a16:creationId xmlns:a16="http://schemas.microsoft.com/office/drawing/2014/main" id="{08C9B587-E65E-4B52-B37C-ABEBB6E87928}"/>
+              </a:ext>
+              <a:ext uri="{C183D7F6-B498-43B3-948B-1728B52AA6E4}">
+                <adec:decorative xmlns:adec="http://schemas.microsoft.com/office/drawing/2017/decorative" val="1"/>
+              </a:ext>
+            </a:extLst>
+          </p:cNvPr>
+          <p:cNvSpPr>
+            <a:spLocks noGrp="1" noRot="1" noChangeAspect="1" noMove="1" noResize="1" noEditPoints="1" noAdjustHandles="1" noChangeArrowheads="1" noChangeShapeType="1" noTextEdit="1"/>
+          </p:cNvSpPr>
+          <p:nvPr>
+            <p:extLst>
+              <p:ext uri="{386F3935-93C4-4BCD-93E2-E3B085C9AB24}">
+                <p16:designElem xmlns:p16="http://schemas.microsoft.com/office/powerpoint/2015/main" val="1"/>
+              </p:ext>
+            </p:extLst>
+          </p:nvPr>
+        </p:nvSpPr>
+        <p:spPr>
+          <a:xfrm>
+            <a:off x="366823" y="4546920"/>
+            <a:ext cx="3764306" cy="18288"/>
+          </a:xfrm>
+          <a:prstGeom prst="rect">
+            <a:avLst/>
+          </a:prstGeom>
+          <a:solidFill>
+            <a:srgbClr val="D5D5D5"/>
+          </a:solidFill>
+          <a:ln w="3175">
+            <a:noFill/>
+          </a:ln>
+          <a:effectLst/>
+        </p:spPr>
+        <p:style>
+          <a:lnRef idx="2">
+            <a:schemeClr val="accent1">
+              <a:shade val="50000"/>
+            </a:schemeClr>
+          </a:lnRef>
+          <a:fillRef idx="1">
+            <a:schemeClr val="accent1"/>
+          </a:fillRef>
+          <a:effectRef idx="0">
+            <a:schemeClr val="accent1"/>
+          </a:effectRef>
+          <a:fontRef idx="minor">
+            <a:schemeClr val="lt1"/>
+          </a:fontRef>
+        </p:style>
+        <p:txBody>
+          <a:bodyPr rtlCol="0" anchor="ctr"/>
+          <a:lstStyle/>
+          <a:p>
+            <a:pPr marL="0" marR="0" lvl="0" indent="0" algn="ctr" defTabSz="914400" rtl="0" eaLnBrk="1" fontAlgn="auto" latinLnBrk="0" hangingPunct="1">
+              <a:lnSpc>
+                <a:spcPct val="100000"/>
+              </a:lnSpc>
+              <a:spcBef>
+                <a:spcPts val="0"/>
+              </a:spcBef>
+              <a:spcAft>
+                <a:spcPts val="0"/>
+              </a:spcAft>
+              <a:buClrTx/>
+              <a:buSzTx/>
+              <a:buFontTx/>
+              <a:buNone/>
+              <a:tabLst/>
+              <a:defRPr/>
+            </a:pPr>
+            <a:endParaRPr kumimoji="0" lang="en-US" sz="1800" b="0" i="0" u="none" strike="noStrike" kern="1200" cap="none" spc="0" normalizeH="0" baseline="0" noProof="0">
+              <a:ln>
+                <a:noFill/>
+              </a:ln>
+              <a:solidFill>
+                <a:prstClr val="white"/>
+              </a:solidFill>
+              <a:effectLst/>
+              <a:uLnTx/>
+              <a:uFillTx/>
+              <a:latin typeface="Calibri" panose="020F0502020204030204"/>
+              <a:ea typeface="+mn-ea"/>
+              <a:cs typeface="+mn-cs"/>
+            </a:endParaRPr>
           </a:p>
         </p:txBody>
       </p:sp>
@@ -3209,29 +3800,19 @@
           <p:nvPr/>
         </p:nvPicPr>
         <p:blipFill>
-          <a:blip r:embed="rId2"/>
+          <a:blip r:embed="rId3"/>
           <a:stretch>
             <a:fillRect/>
           </a:stretch>
         </p:blipFill>
         <p:spPr>
           <a:xfrm>
-            <a:off x="27432" y="-1"/>
-            <a:ext cx="9116568" cy="1470025"/>
+            <a:off x="5245553" y="4546674"/>
+            <a:ext cx="3531625" cy="750470"/>
           </a:xfrm>
           <a:prstGeom prst="rect">
             <a:avLst/>
           </a:prstGeom>
-          <a:ln>
-            <a:noFill/>
-          </a:ln>
-          <a:effectLst>
-            <a:outerShdw blurRad="292100" dist="139700" dir="2700000" algn="tl" rotWithShape="0">
-              <a:srgbClr val="333333">
-                <a:alpha val="65000"/>
-              </a:srgbClr>
-            </a:outerShdw>
-          </a:effectLst>
         </p:spPr>
       </p:pic>
     </p:spTree>
@@ -3248,7 +3829,7 @@
     <p:bg>
       <p:bgPr>
         <a:solidFill>
-          <a:srgbClr val="F5EBFF"/>
+          <a:schemeClr val="bg1"/>
         </a:solidFill>
         <a:effectLst/>
       </p:bgPr>
@@ -3267,6 +3848,66 @@
           <a:chExt cx="0" cy="0"/>
         </a:xfrm>
       </p:grpSpPr>
+      <p:sp useBgFill="1">
+        <p:nvSpPr>
+          <p:cNvPr id="8" name="Rectangle 7">
+            <a:extLst>
+              <a:ext uri="{FF2B5EF4-FFF2-40B4-BE49-F238E27FC236}">
+                <a16:creationId xmlns:a16="http://schemas.microsoft.com/office/drawing/2014/main" id="{100EDD19-6802-4EC3-95CE-CFFAB042CFD6}"/>
+              </a:ext>
+              <a:ext uri="{C183D7F6-B498-43B3-948B-1728B52AA6E4}">
+                <adec:decorative xmlns:adec="http://schemas.microsoft.com/office/drawing/2017/decorative" val="1"/>
+              </a:ext>
+            </a:extLst>
+          </p:cNvPr>
+          <p:cNvSpPr>
+            <a:spLocks noGrp="1" noRot="1" noChangeAspect="1" noMove="1" noResize="1" noEditPoints="1" noAdjustHandles="1" noChangeArrowheads="1" noChangeShapeType="1" noTextEdit="1"/>
+          </p:cNvSpPr>
+          <p:nvPr>
+            <p:extLst>
+              <p:ext uri="{386F3935-93C4-4BCD-93E2-E3B085C9AB24}">
+                <p16:designElem xmlns:p16="http://schemas.microsoft.com/office/powerpoint/2015/main" val="1"/>
+              </p:ext>
+            </p:extLst>
+          </p:nvPr>
+        </p:nvSpPr>
+        <p:spPr>
+          <a:xfrm>
+            <a:off x="0" y="0"/>
+            <a:ext cx="9141714" cy="6858000"/>
+          </a:xfrm>
+          <a:prstGeom prst="rect">
+            <a:avLst/>
+          </a:prstGeom>
+          <a:ln>
+            <a:noFill/>
+          </a:ln>
+        </p:spPr>
+        <p:style>
+          <a:lnRef idx="2">
+            <a:schemeClr val="accent1">
+              <a:shade val="50000"/>
+            </a:schemeClr>
+          </a:lnRef>
+          <a:fillRef idx="1">
+            <a:schemeClr val="accent1"/>
+          </a:fillRef>
+          <a:effectRef idx="0">
+            <a:schemeClr val="accent1"/>
+          </a:effectRef>
+          <a:fontRef idx="minor">
+            <a:schemeClr val="lt1"/>
+          </a:fontRef>
+        </p:style>
+        <p:txBody>
+          <a:bodyPr rtlCol="0" anchor="ctr"/>
+          <a:lstStyle/>
+          <a:p>
+            <a:pPr algn="ctr"/>
+            <a:endParaRPr lang="en-US"/>
+          </a:p>
+        </p:txBody>
+      </p:sp>
       <p:sp>
         <p:nvSpPr>
           <p:cNvPr id="2" name="Title 1"/>
@@ -3277,14 +3918,510 @@
             <p:ph type="title"/>
           </p:nvPr>
         </p:nvSpPr>
-        <p:spPr/>
+        <p:spPr>
+          <a:xfrm>
+            <a:off x="628650" y="365125"/>
+            <a:ext cx="7886700" cy="1325563"/>
+          </a:xfrm>
+        </p:spPr>
         <p:txBody>
-          <a:bodyPr/>
+          <a:bodyPr>
+            <a:normAutofit/>
+          </a:bodyPr>
           <a:lstStyle/>
           <a:p>
             <a:r>
+              <a:rPr lang="fr-CH" sz="4700"/>
               <a:t>Architecture générale MVC</a:t>
             </a:r>
+          </a:p>
+        </p:txBody>
+      </p:sp>
+      <p:sp>
+        <p:nvSpPr>
+          <p:cNvPr id="10" name="sketch line">
+            <a:extLst>
+              <a:ext uri="{FF2B5EF4-FFF2-40B4-BE49-F238E27FC236}">
+                <a16:creationId xmlns:a16="http://schemas.microsoft.com/office/drawing/2014/main" id="{DB17E863-922E-4C26-BD64-E8FD41D28661}"/>
+              </a:ext>
+              <a:ext uri="{C183D7F6-B498-43B3-948B-1728B52AA6E4}">
+                <adec:decorative xmlns:adec="http://schemas.microsoft.com/office/drawing/2017/decorative" val="1"/>
+              </a:ext>
+            </a:extLst>
+          </p:cNvPr>
+          <p:cNvSpPr>
+            <a:spLocks noGrp="1" noRot="1" noChangeAspect="1" noMove="1" noResize="1" noEditPoints="1" noAdjustHandles="1" noChangeArrowheads="1" noChangeShapeType="1" noTextEdit="1"/>
+          </p:cNvSpPr>
+          <p:nvPr>
+            <p:extLst>
+              <p:ext uri="{386F3935-93C4-4BCD-93E2-E3B085C9AB24}">
+                <p16:designElem xmlns:p16="http://schemas.microsoft.com/office/powerpoint/2015/main" val="1"/>
+              </p:ext>
+            </p:extLst>
+          </p:nvPr>
+        </p:nvSpPr>
+        <p:spPr>
+          <a:xfrm>
+            <a:off x="501777" y="1677373"/>
+            <a:ext cx="8140446" cy="18288"/>
+          </a:xfrm>
+          <a:custGeom>
+            <a:avLst/>
+            <a:gdLst>
+              <a:gd name="connsiteX0" fmla="*/ 0 w 8140446"/>
+              <a:gd name="connsiteY0" fmla="*/ 0 h 18288"/>
+              <a:gd name="connsiteX1" fmla="*/ 434157 w 8140446"/>
+              <a:gd name="connsiteY1" fmla="*/ 0 h 18288"/>
+              <a:gd name="connsiteX2" fmla="*/ 1193932 w 8140446"/>
+              <a:gd name="connsiteY2" fmla="*/ 0 h 18288"/>
+              <a:gd name="connsiteX3" fmla="*/ 1628089 w 8140446"/>
+              <a:gd name="connsiteY3" fmla="*/ 0 h 18288"/>
+              <a:gd name="connsiteX4" fmla="*/ 2225055 w 8140446"/>
+              <a:gd name="connsiteY4" fmla="*/ 0 h 18288"/>
+              <a:gd name="connsiteX5" fmla="*/ 3066235 w 8140446"/>
+              <a:gd name="connsiteY5" fmla="*/ 0 h 18288"/>
+              <a:gd name="connsiteX6" fmla="*/ 3744605 w 8140446"/>
+              <a:gd name="connsiteY6" fmla="*/ 0 h 18288"/>
+              <a:gd name="connsiteX7" fmla="*/ 4504380 w 8140446"/>
+              <a:gd name="connsiteY7" fmla="*/ 0 h 18288"/>
+              <a:gd name="connsiteX8" fmla="*/ 5101346 w 8140446"/>
+              <a:gd name="connsiteY8" fmla="*/ 0 h 18288"/>
+              <a:gd name="connsiteX9" fmla="*/ 5779717 w 8140446"/>
+              <a:gd name="connsiteY9" fmla="*/ 0 h 18288"/>
+              <a:gd name="connsiteX10" fmla="*/ 6620896 w 8140446"/>
+              <a:gd name="connsiteY10" fmla="*/ 0 h 18288"/>
+              <a:gd name="connsiteX11" fmla="*/ 7136458 w 8140446"/>
+              <a:gd name="connsiteY11" fmla="*/ 0 h 18288"/>
+              <a:gd name="connsiteX12" fmla="*/ 8140446 w 8140446"/>
+              <a:gd name="connsiteY12" fmla="*/ 0 h 18288"/>
+              <a:gd name="connsiteX13" fmla="*/ 8140446 w 8140446"/>
+              <a:gd name="connsiteY13" fmla="*/ 18288 h 18288"/>
+              <a:gd name="connsiteX14" fmla="*/ 7543480 w 8140446"/>
+              <a:gd name="connsiteY14" fmla="*/ 18288 h 18288"/>
+              <a:gd name="connsiteX15" fmla="*/ 7109323 w 8140446"/>
+              <a:gd name="connsiteY15" fmla="*/ 18288 h 18288"/>
+              <a:gd name="connsiteX16" fmla="*/ 6430952 w 8140446"/>
+              <a:gd name="connsiteY16" fmla="*/ 18288 h 18288"/>
+              <a:gd name="connsiteX17" fmla="*/ 5915391 w 8140446"/>
+              <a:gd name="connsiteY17" fmla="*/ 18288 h 18288"/>
+              <a:gd name="connsiteX18" fmla="*/ 5237020 w 8140446"/>
+              <a:gd name="connsiteY18" fmla="*/ 18288 h 18288"/>
+              <a:gd name="connsiteX19" fmla="*/ 4558650 w 8140446"/>
+              <a:gd name="connsiteY19" fmla="*/ 18288 h 18288"/>
+              <a:gd name="connsiteX20" fmla="*/ 3880279 w 8140446"/>
+              <a:gd name="connsiteY20" fmla="*/ 18288 h 18288"/>
+              <a:gd name="connsiteX21" fmla="*/ 3201909 w 8140446"/>
+              <a:gd name="connsiteY21" fmla="*/ 18288 h 18288"/>
+              <a:gd name="connsiteX22" fmla="*/ 2604943 w 8140446"/>
+              <a:gd name="connsiteY22" fmla="*/ 18288 h 18288"/>
+              <a:gd name="connsiteX23" fmla="*/ 1845168 w 8140446"/>
+              <a:gd name="connsiteY23" fmla="*/ 18288 h 18288"/>
+              <a:gd name="connsiteX24" fmla="*/ 1166797 w 8140446"/>
+              <a:gd name="connsiteY24" fmla="*/ 18288 h 18288"/>
+              <a:gd name="connsiteX25" fmla="*/ 0 w 8140446"/>
+              <a:gd name="connsiteY25" fmla="*/ 18288 h 18288"/>
+              <a:gd name="connsiteX26" fmla="*/ 0 w 8140446"/>
+              <a:gd name="connsiteY26" fmla="*/ 0 h 18288"/>
+            </a:gdLst>
+            <a:ahLst/>
+            <a:cxnLst>
+              <a:cxn ang="0">
+                <a:pos x="connsiteX0" y="connsiteY0"/>
+              </a:cxn>
+              <a:cxn ang="0">
+                <a:pos x="connsiteX1" y="connsiteY1"/>
+              </a:cxn>
+              <a:cxn ang="0">
+                <a:pos x="connsiteX2" y="connsiteY2"/>
+              </a:cxn>
+              <a:cxn ang="0">
+                <a:pos x="connsiteX3" y="connsiteY3"/>
+              </a:cxn>
+              <a:cxn ang="0">
+                <a:pos x="connsiteX4" y="connsiteY4"/>
+              </a:cxn>
+              <a:cxn ang="0">
+                <a:pos x="connsiteX5" y="connsiteY5"/>
+              </a:cxn>
+              <a:cxn ang="0">
+                <a:pos x="connsiteX6" y="connsiteY6"/>
+              </a:cxn>
+              <a:cxn ang="0">
+                <a:pos x="connsiteX7" y="connsiteY7"/>
+              </a:cxn>
+              <a:cxn ang="0">
+                <a:pos x="connsiteX8" y="connsiteY8"/>
+              </a:cxn>
+              <a:cxn ang="0">
+                <a:pos x="connsiteX9" y="connsiteY9"/>
+              </a:cxn>
+              <a:cxn ang="0">
+                <a:pos x="connsiteX10" y="connsiteY10"/>
+              </a:cxn>
+              <a:cxn ang="0">
+                <a:pos x="connsiteX11" y="connsiteY11"/>
+              </a:cxn>
+              <a:cxn ang="0">
+                <a:pos x="connsiteX12" y="connsiteY12"/>
+              </a:cxn>
+              <a:cxn ang="0">
+                <a:pos x="connsiteX13" y="connsiteY13"/>
+              </a:cxn>
+              <a:cxn ang="0">
+                <a:pos x="connsiteX14" y="connsiteY14"/>
+              </a:cxn>
+              <a:cxn ang="0">
+                <a:pos x="connsiteX15" y="connsiteY15"/>
+              </a:cxn>
+              <a:cxn ang="0">
+                <a:pos x="connsiteX16" y="connsiteY16"/>
+              </a:cxn>
+              <a:cxn ang="0">
+                <a:pos x="connsiteX17" y="connsiteY17"/>
+              </a:cxn>
+              <a:cxn ang="0">
+                <a:pos x="connsiteX18" y="connsiteY18"/>
+              </a:cxn>
+              <a:cxn ang="0">
+                <a:pos x="connsiteX19" y="connsiteY19"/>
+              </a:cxn>
+              <a:cxn ang="0">
+                <a:pos x="connsiteX20" y="connsiteY20"/>
+              </a:cxn>
+              <a:cxn ang="0">
+                <a:pos x="connsiteX21" y="connsiteY21"/>
+              </a:cxn>
+              <a:cxn ang="0">
+                <a:pos x="connsiteX22" y="connsiteY22"/>
+              </a:cxn>
+              <a:cxn ang="0">
+                <a:pos x="connsiteX23" y="connsiteY23"/>
+              </a:cxn>
+              <a:cxn ang="0">
+                <a:pos x="connsiteX24" y="connsiteY24"/>
+              </a:cxn>
+              <a:cxn ang="0">
+                <a:pos x="connsiteX25" y="connsiteY25"/>
+              </a:cxn>
+              <a:cxn ang="0">
+                <a:pos x="connsiteX26" y="connsiteY26"/>
+              </a:cxn>
+            </a:cxnLst>
+            <a:rect l="l" t="t" r="r" b="b"/>
+            <a:pathLst>
+              <a:path w="8140446" h="18288" fill="none" extrusionOk="0">
+                <a:moveTo>
+                  <a:pt x="0" y="0"/>
+                </a:moveTo>
+                <a:cubicBezTo>
+                  <a:pt x="94920" y="9103"/>
+                  <a:pt x="287892" y="-4966"/>
+                  <a:pt x="434157" y="0"/>
+                </a:cubicBezTo>
+                <a:cubicBezTo>
+                  <a:pt x="580422" y="4966"/>
+                  <a:pt x="943595" y="-14182"/>
+                  <a:pt x="1193932" y="0"/>
+                </a:cubicBezTo>
+                <a:cubicBezTo>
+                  <a:pt x="1444270" y="14182"/>
+                  <a:pt x="1472129" y="5523"/>
+                  <a:pt x="1628089" y="0"/>
+                </a:cubicBezTo>
+                <a:cubicBezTo>
+                  <a:pt x="1784049" y="-5523"/>
+                  <a:pt x="1962419" y="-17322"/>
+                  <a:pt x="2225055" y="0"/>
+                </a:cubicBezTo>
+                <a:cubicBezTo>
+                  <a:pt x="2487691" y="17322"/>
+                  <a:pt x="2700681" y="1311"/>
+                  <a:pt x="3066235" y="0"/>
+                </a:cubicBezTo>
+                <a:cubicBezTo>
+                  <a:pt x="3431789" y="-1311"/>
+                  <a:pt x="3405662" y="25081"/>
+                  <a:pt x="3744605" y="0"/>
+                </a:cubicBezTo>
+                <a:cubicBezTo>
+                  <a:pt x="4083548" y="-25081"/>
+                  <a:pt x="4265111" y="-11945"/>
+                  <a:pt x="4504380" y="0"/>
+                </a:cubicBezTo>
+                <a:cubicBezTo>
+                  <a:pt x="4743649" y="11945"/>
+                  <a:pt x="4860394" y="-2832"/>
+                  <a:pt x="5101346" y="0"/>
+                </a:cubicBezTo>
+                <a:cubicBezTo>
+                  <a:pt x="5342298" y="2832"/>
+                  <a:pt x="5456387" y="23676"/>
+                  <a:pt x="5779717" y="0"/>
+                </a:cubicBezTo>
+                <a:cubicBezTo>
+                  <a:pt x="6103047" y="-23676"/>
+                  <a:pt x="6270379" y="-37291"/>
+                  <a:pt x="6620896" y="0"/>
+                </a:cubicBezTo>
+                <a:cubicBezTo>
+                  <a:pt x="6971413" y="37291"/>
+                  <a:pt x="6989068" y="24674"/>
+                  <a:pt x="7136458" y="0"/>
+                </a:cubicBezTo>
+                <a:cubicBezTo>
+                  <a:pt x="7283848" y="-24674"/>
+                  <a:pt x="7752532" y="-22436"/>
+                  <a:pt x="8140446" y="0"/>
+                </a:cubicBezTo>
+                <a:cubicBezTo>
+                  <a:pt x="8140314" y="7702"/>
+                  <a:pt x="8140234" y="13511"/>
+                  <a:pt x="8140446" y="18288"/>
+                </a:cubicBezTo>
+                <a:cubicBezTo>
+                  <a:pt x="7906329" y="-3043"/>
+                  <a:pt x="7681180" y="27465"/>
+                  <a:pt x="7543480" y="18288"/>
+                </a:cubicBezTo>
+                <a:cubicBezTo>
+                  <a:pt x="7405780" y="9111"/>
+                  <a:pt x="7216607" y="3660"/>
+                  <a:pt x="7109323" y="18288"/>
+                </a:cubicBezTo>
+                <a:cubicBezTo>
+                  <a:pt x="7002039" y="32916"/>
+                  <a:pt x="6576231" y="42692"/>
+                  <a:pt x="6430952" y="18288"/>
+                </a:cubicBezTo>
+                <a:cubicBezTo>
+                  <a:pt x="6285673" y="-6116"/>
+                  <a:pt x="6138840" y="34521"/>
+                  <a:pt x="5915391" y="18288"/>
+                </a:cubicBezTo>
+                <a:cubicBezTo>
+                  <a:pt x="5691942" y="2055"/>
+                  <a:pt x="5459460" y="51666"/>
+                  <a:pt x="5237020" y="18288"/>
+                </a:cubicBezTo>
+                <a:cubicBezTo>
+                  <a:pt x="5014580" y="-15090"/>
+                  <a:pt x="4747677" y="40449"/>
+                  <a:pt x="4558650" y="18288"/>
+                </a:cubicBezTo>
+                <a:cubicBezTo>
+                  <a:pt x="4369623" y="-3873"/>
+                  <a:pt x="4146061" y="12568"/>
+                  <a:pt x="3880279" y="18288"/>
+                </a:cubicBezTo>
+                <a:cubicBezTo>
+                  <a:pt x="3614497" y="24008"/>
+                  <a:pt x="3473808" y="-12908"/>
+                  <a:pt x="3201909" y="18288"/>
+                </a:cubicBezTo>
+                <a:cubicBezTo>
+                  <a:pt x="2930010" y="49484"/>
+                  <a:pt x="2728175" y="-3430"/>
+                  <a:pt x="2604943" y="18288"/>
+                </a:cubicBezTo>
+                <a:cubicBezTo>
+                  <a:pt x="2481711" y="40006"/>
+                  <a:pt x="2004334" y="26952"/>
+                  <a:pt x="1845168" y="18288"/>
+                </a:cubicBezTo>
+                <a:cubicBezTo>
+                  <a:pt x="1686003" y="9624"/>
+                  <a:pt x="1375070" y="37580"/>
+                  <a:pt x="1166797" y="18288"/>
+                </a:cubicBezTo>
+                <a:cubicBezTo>
+                  <a:pt x="958524" y="-1004"/>
+                  <a:pt x="342846" y="8880"/>
+                  <a:pt x="0" y="18288"/>
+                </a:cubicBezTo>
+                <a:cubicBezTo>
+                  <a:pt x="129" y="13298"/>
+                  <a:pt x="-675" y="6857"/>
+                  <a:pt x="0" y="0"/>
+                </a:cubicBezTo>
+                <a:close/>
+              </a:path>
+              <a:path w="8140446" h="18288" stroke="0" extrusionOk="0">
+                <a:moveTo>
+                  <a:pt x="0" y="0"/>
+                </a:moveTo>
+                <a:cubicBezTo>
+                  <a:pt x="142435" y="-24533"/>
+                  <a:pt x="380026" y="17447"/>
+                  <a:pt x="596966" y="0"/>
+                </a:cubicBezTo>
+                <a:cubicBezTo>
+                  <a:pt x="813906" y="-17447"/>
+                  <a:pt x="830530" y="13462"/>
+                  <a:pt x="1031123" y="0"/>
+                </a:cubicBezTo>
+                <a:cubicBezTo>
+                  <a:pt x="1231716" y="-13462"/>
+                  <a:pt x="1634038" y="0"/>
+                  <a:pt x="1872303" y="0"/>
+                </a:cubicBezTo>
+                <a:cubicBezTo>
+                  <a:pt x="2110568" y="0"/>
+                  <a:pt x="2261934" y="-25727"/>
+                  <a:pt x="2469269" y="0"/>
+                </a:cubicBezTo>
+                <a:cubicBezTo>
+                  <a:pt x="2676604" y="25727"/>
+                  <a:pt x="2790440" y="16284"/>
+                  <a:pt x="3066235" y="0"/>
+                </a:cubicBezTo>
+                <a:cubicBezTo>
+                  <a:pt x="3342030" y="-16284"/>
+                  <a:pt x="3685603" y="41976"/>
+                  <a:pt x="3907414" y="0"/>
+                </a:cubicBezTo>
+                <a:cubicBezTo>
+                  <a:pt x="4129225" y="-41976"/>
+                  <a:pt x="4177416" y="-7598"/>
+                  <a:pt x="4422976" y="0"/>
+                </a:cubicBezTo>
+                <a:cubicBezTo>
+                  <a:pt x="4668536" y="7598"/>
+                  <a:pt x="5023499" y="-28058"/>
+                  <a:pt x="5264155" y="0"/>
+                </a:cubicBezTo>
+                <a:cubicBezTo>
+                  <a:pt x="5504811" y="28058"/>
+                  <a:pt x="5703675" y="13288"/>
+                  <a:pt x="6105335" y="0"/>
+                </a:cubicBezTo>
+                <a:cubicBezTo>
+                  <a:pt x="6506995" y="-13288"/>
+                  <a:pt x="6455516" y="-5124"/>
+                  <a:pt x="6783705" y="0"/>
+                </a:cubicBezTo>
+                <a:cubicBezTo>
+                  <a:pt x="7111894" y="5124"/>
+                  <a:pt x="7512856" y="10604"/>
+                  <a:pt x="8140446" y="0"/>
+                </a:cubicBezTo>
+                <a:cubicBezTo>
+                  <a:pt x="8140458" y="8833"/>
+                  <a:pt x="8140986" y="9830"/>
+                  <a:pt x="8140446" y="18288"/>
+                </a:cubicBezTo>
+                <a:cubicBezTo>
+                  <a:pt x="7959314" y="3345"/>
+                  <a:pt x="7870113" y="10437"/>
+                  <a:pt x="7706289" y="18288"/>
+                </a:cubicBezTo>
+                <a:cubicBezTo>
+                  <a:pt x="7542465" y="26139"/>
+                  <a:pt x="7157940" y="17482"/>
+                  <a:pt x="6865109" y="18288"/>
+                </a:cubicBezTo>
+                <a:cubicBezTo>
+                  <a:pt x="6572278" y="19094"/>
+                  <a:pt x="6524256" y="38051"/>
+                  <a:pt x="6349548" y="18288"/>
+                </a:cubicBezTo>
+                <a:cubicBezTo>
+                  <a:pt x="6174840" y="-1475"/>
+                  <a:pt x="5951624" y="174"/>
+                  <a:pt x="5671177" y="18288"/>
+                </a:cubicBezTo>
+                <a:cubicBezTo>
+                  <a:pt x="5390730" y="36402"/>
+                  <a:pt x="5222992" y="60058"/>
+                  <a:pt x="4829998" y="18288"/>
+                </a:cubicBezTo>
+                <a:cubicBezTo>
+                  <a:pt x="4437004" y="-23482"/>
+                  <a:pt x="4344181" y="39087"/>
+                  <a:pt x="4151627" y="18288"/>
+                </a:cubicBezTo>
+                <a:cubicBezTo>
+                  <a:pt x="3959073" y="-2511"/>
+                  <a:pt x="3886970" y="32875"/>
+                  <a:pt x="3717470" y="18288"/>
+                </a:cubicBezTo>
+                <a:cubicBezTo>
+                  <a:pt x="3547970" y="3701"/>
+                  <a:pt x="3451521" y="31872"/>
+                  <a:pt x="3201909" y="18288"/>
+                </a:cubicBezTo>
+                <a:cubicBezTo>
+                  <a:pt x="2952297" y="4704"/>
+                  <a:pt x="2543413" y="6029"/>
+                  <a:pt x="2360729" y="18288"/>
+                </a:cubicBezTo>
+                <a:cubicBezTo>
+                  <a:pt x="2178045" y="30547"/>
+                  <a:pt x="1906056" y="25847"/>
+                  <a:pt x="1682359" y="18288"/>
+                </a:cubicBezTo>
+                <a:cubicBezTo>
+                  <a:pt x="1458662" y="10730"/>
+                  <a:pt x="1330405" y="8046"/>
+                  <a:pt x="1166797" y="18288"/>
+                </a:cubicBezTo>
+                <a:cubicBezTo>
+                  <a:pt x="1003189" y="28530"/>
+                  <a:pt x="278098" y="19533"/>
+                  <a:pt x="0" y="18288"/>
+                </a:cubicBezTo>
+                <a:cubicBezTo>
+                  <a:pt x="74" y="14054"/>
+                  <a:pt x="-46" y="6997"/>
+                  <a:pt x="0" y="0"/>
+                </a:cubicBezTo>
+                <a:close/>
+              </a:path>
+            </a:pathLst>
+          </a:custGeom>
+          <a:solidFill>
+            <a:schemeClr val="accent2"/>
+          </a:solidFill>
+          <a:ln w="41275" cap="rnd">
+            <a:solidFill>
+              <a:schemeClr val="accent2"/>
+            </a:solidFill>
+            <a:round/>
+            <a:extLst>
+              <a:ext uri="{C807C97D-BFC1-408E-A445-0C87EB9F89A2}">
+                <ask:lineSketchStyleProps xmlns:ask="http://schemas.microsoft.com/office/drawing/2018/sketchyshapes" sd="1219033472">
+                  <a:prstGeom prst="rect">
+                    <a:avLst/>
+                  </a:prstGeom>
+                  <ask:type>
+                    <ask:lineSketchFreehand/>
+                  </ask:type>
+                </ask:lineSketchStyleProps>
+              </a:ext>
+            </a:extLst>
+          </a:ln>
+        </p:spPr>
+        <p:style>
+          <a:lnRef idx="2">
+            <a:schemeClr val="accent1">
+              <a:shade val="50000"/>
+            </a:schemeClr>
+          </a:lnRef>
+          <a:fillRef idx="1">
+            <a:schemeClr val="accent1"/>
+          </a:fillRef>
+          <a:effectRef idx="0">
+            <a:schemeClr val="accent1"/>
+          </a:effectRef>
+          <a:fontRef idx="minor">
+            <a:schemeClr val="lt1"/>
+          </a:fontRef>
+        </p:style>
+        <p:txBody>
+          <a:bodyPr rtlCol="0" anchor="ctr"/>
+          <a:lstStyle/>
+          <a:p>
+            <a:pPr algn="ctr"/>
+            <a:endParaRPr lang="en-US"/>
           </a:p>
         </p:txBody>
       </p:sp>
@@ -3298,128 +4435,102 @@
             <p:ph idx="1"/>
           </p:nvPr>
         </p:nvSpPr>
-        <p:spPr/>
+        <p:spPr>
+          <a:xfrm>
+            <a:off x="628650" y="1929384"/>
+            <a:ext cx="7886700" cy="4251960"/>
+          </a:xfrm>
+        </p:spPr>
         <p:txBody>
           <a:bodyPr>
             <a:normAutofit/>
           </a:bodyPr>
           <a:lstStyle/>
           <a:p>
-            <a:endParaRPr dirty="0"/>
-          </a:p>
-          <a:p>
-            <a:r>
-              <a:rPr lang="fr-FR" sz="1400" dirty="0"/>
+            <a:pPr>
+              <a:lnSpc>
+                <a:spcPct val="90000"/>
+              </a:lnSpc>
+            </a:pPr>
+            <a:endParaRPr lang="fr-FR" sz="1300"/>
+          </a:p>
+          <a:p>
+            <a:pPr>
+              <a:lnSpc>
+                <a:spcPct val="90000"/>
+              </a:lnSpc>
+            </a:pPr>
+            <a:r>
+              <a:rPr lang="fr-FR" sz="1300"/>
               <a:t>Point d'entrée (package main ) : contient la classe Main avec la méthode main() qui lance l'application.</a:t>
             </a:r>
           </a:p>
           <a:p>
-            <a:endParaRPr lang="fr-FR" sz="1400" dirty="0"/>
-          </a:p>
-          <a:p>
-            <a:endParaRPr lang="fr-FR" sz="1400" dirty="0"/>
-          </a:p>
-          <a:p>
-            <a:r>
-              <a:rPr lang="fr-FR" sz="1400" dirty="0"/>
+            <a:pPr>
+              <a:lnSpc>
+                <a:spcPct val="90000"/>
+              </a:lnSpc>
+            </a:pPr>
+            <a:endParaRPr lang="fr-FR" sz="1300"/>
+          </a:p>
+          <a:p>
+            <a:pPr>
+              <a:lnSpc>
+                <a:spcPct val="90000"/>
+              </a:lnSpc>
+            </a:pPr>
+            <a:endParaRPr lang="fr-FR" sz="1300"/>
+          </a:p>
+          <a:p>
+            <a:pPr>
+              <a:lnSpc>
+                <a:spcPct val="90000"/>
+              </a:lnSpc>
+            </a:pPr>
+            <a:r>
+              <a:rPr lang="fr-FR" sz="1300"/>
               <a:t>Modèle (package model ) : contient la classe Instrument qui représente un instrument de musique avec son nom et les chemins vers ses ressources (image et fichier son).</a:t>
             </a:r>
           </a:p>
           <a:p>
-            <a:r>
-              <a:rPr lang="fr-FR" sz="1400" dirty="0"/>
-              <a:t>Vue / Interface graphique (package </a:t>
-            </a:r>
-            <a:r>
-              <a:rPr lang="fr-FR" sz="1400" dirty="0" err="1"/>
-              <a:t>view</a:t>
-            </a:r>
-            <a:r>
-              <a:rPr lang="fr-FR" sz="1400" dirty="0"/>
-              <a:t> ) : contient la classe </a:t>
-            </a:r>
-            <a:r>
-              <a:rPr lang="fr-FR" sz="1400" dirty="0" err="1"/>
-              <a:t>MainWindow</a:t>
-            </a:r>
-            <a:r>
-              <a:rPr lang="fr-FR" sz="1400" dirty="0"/>
-              <a:t> (fenêtre principale de l'application) et la classe </a:t>
-            </a:r>
-            <a:r>
-              <a:rPr lang="fr-FR" sz="1400" dirty="0" err="1"/>
-              <a:t>InstrumentGuessPanel</a:t>
-            </a:r>
-            <a:r>
-              <a:rPr lang="fr-FR" sz="1400" dirty="0"/>
-              <a:t> (panneau individuel pour deviner un instrument). </a:t>
-            </a:r>
-            <a:r>
-              <a:rPr lang="fr-FR" sz="1400" dirty="0" err="1"/>
-              <a:t>InstrumentListPanel</a:t>
-            </a:r>
-            <a:r>
-              <a:rPr lang="fr-FR" sz="1400" dirty="0"/>
-              <a:t> (</a:t>
-            </a:r>
-            <a:r>
-              <a:rPr lang="fr-FR" sz="1400" dirty="0" err="1"/>
-              <a:t>Jliste</a:t>
-            </a:r>
-            <a:r>
-              <a:rPr lang="fr-FR" sz="1400" dirty="0"/>
-              <a:t> de tout les instruments dans une barre latérale avec scroll dans un panneau titré "Instruments") et </a:t>
-            </a:r>
-            <a:r>
-              <a:rPr lang="fr-FR" sz="1400" dirty="0" err="1"/>
-              <a:t>GameMenuBar</a:t>
-            </a:r>
-            <a:r>
-              <a:rPr lang="fr-FR" sz="1400" dirty="0"/>
-              <a:t> (affiche le nombre de vies restantes et gère le bouton "Réinitialiser" pour relancer une partie). Ces classes s'occupent de la disposition à l’écran des composants, de la capture des actions de l'utilisateur et de l'affichage des résultats (images, messages).</a:t>
-            </a:r>
-          </a:p>
-          <a:p>
-            <a:r>
-              <a:rPr lang="fr-FR" sz="1400" dirty="0"/>
-              <a:t>Contrôleur (package </a:t>
-            </a:r>
-            <a:r>
-              <a:rPr lang="fr-FR" sz="1400" dirty="0" err="1"/>
-              <a:t>controller</a:t>
-            </a:r>
-            <a:r>
-              <a:rPr lang="fr-FR" sz="1400" dirty="0"/>
-              <a:t> ) : contient la classe </a:t>
-            </a:r>
-            <a:r>
-              <a:rPr lang="fr-FR" sz="1400" dirty="0" err="1"/>
-              <a:t>GameController</a:t>
-            </a:r>
-            <a:r>
-              <a:rPr lang="fr-FR" sz="1400" dirty="0"/>
-              <a:t> qui gère la logique du jeu (chargement des instruments, sélection aléatoire, lecture des sons, vérification des réponses) et fait le lien entre les données et l'interface graphique.</a:t>
-            </a:r>
-          </a:p>
-          <a:p>
-            <a:endParaRPr lang="fr-FR" sz="1400" dirty="0"/>
-          </a:p>
-          <a:p>
-            <a:r>
-              <a:rPr sz="1400" dirty="0" err="1"/>
-              <a:t>Découplage</a:t>
-            </a:r>
-            <a:r>
-              <a:rPr sz="1400" dirty="0"/>
-              <a:t> =&gt; maintenance &amp; tests </a:t>
-            </a:r>
-            <a:r>
-              <a:rPr sz="1400" dirty="0" err="1"/>
-              <a:t>facilités</a:t>
-            </a:r>
-            <a:r>
-              <a:rPr sz="1400" dirty="0"/>
-              <a:t>.</a:t>
+            <a:pPr>
+              <a:lnSpc>
+                <a:spcPct val="90000"/>
+              </a:lnSpc>
+            </a:pPr>
+            <a:r>
+              <a:rPr lang="fr-FR" sz="1300"/>
+              <a:t>Vue / Interface graphique (package view ) : contient la classe MainWindow (fenêtre principale de l'application) et la classe InstrumentGuessPanel (panneau individuel pour deviner un instrument). InstrumentListPanel (Jliste de tout les instruments dans une barre latérale avec scroll dans un panneau titré "Instruments") et GameMenuBar (affiche le nombre de vies restantes et gère le bouton "Réinitialiser" pour relancer une partie). Ces classes s'occupent de la disposition à l’écran des composants, de la capture des actions de l'utilisateur et de l'affichage des résultats (images, messages).</a:t>
+            </a:r>
+          </a:p>
+          <a:p>
+            <a:pPr>
+              <a:lnSpc>
+                <a:spcPct val="90000"/>
+              </a:lnSpc>
+            </a:pPr>
+            <a:r>
+              <a:rPr lang="fr-FR" sz="1300"/>
+              <a:t>Contrôleur (package controller ) : contient la classe GameController qui gère la logique du jeu (chargement des instruments, sélection aléatoire, lecture des sons, vérification des réponses) et fait le lien entre les données et l'interface graphique.</a:t>
+            </a:r>
+          </a:p>
+          <a:p>
+            <a:pPr>
+              <a:lnSpc>
+                <a:spcPct val="90000"/>
+              </a:lnSpc>
+            </a:pPr>
+            <a:endParaRPr lang="fr-FR" sz="1300"/>
+          </a:p>
+          <a:p>
+            <a:pPr>
+              <a:lnSpc>
+                <a:spcPct val="90000"/>
+              </a:lnSpc>
+            </a:pPr>
+            <a:r>
+              <a:rPr lang="fr-FR" sz="1300"/>
+              <a:t>Découplage =&gt; maintenance &amp; tests facilités.</a:t>
             </a:r>
           </a:p>
         </p:txBody>
@@ -3831,6 +4942,36 @@
           </a:p>
         </p:txBody>
       </p:sp>
+      <p:pic>
+        <p:nvPicPr>
+          <p:cNvPr id="6" name="Image 5" descr="Une image contenant musique, tambour, instrument de musique, Membranophone&#10;&#10;Le contenu généré par l’IA peut être incorrect.">
+            <a:extLst>
+              <a:ext uri="{FF2B5EF4-FFF2-40B4-BE49-F238E27FC236}">
+                <a16:creationId xmlns:a16="http://schemas.microsoft.com/office/drawing/2014/main" id="{690172A5-758F-0725-A763-547F8200A5F4}"/>
+              </a:ext>
+            </a:extLst>
+          </p:cNvPr>
+          <p:cNvPicPr>
+            <a:picLocks noChangeAspect="1"/>
+          </p:cNvPicPr>
+          <p:nvPr/>
+        </p:nvPicPr>
+        <p:blipFill>
+          <a:blip r:embed="rId2"/>
+          <a:stretch>
+            <a:fillRect/>
+          </a:stretch>
+        </p:blipFill>
+        <p:spPr>
+          <a:xfrm>
+            <a:off x="5731853" y="4379977"/>
+            <a:ext cx="3412148" cy="2478024"/>
+          </a:xfrm>
+          <a:prstGeom prst="rect">
+            <a:avLst/>
+          </a:prstGeom>
+        </p:spPr>
+      </p:pic>
     </p:spTree>
   </p:cSld>
   <p:clrMapOvr>
@@ -3845,7 +4986,7 @@
     <p:bg>
       <p:bgPr>
         <a:solidFill>
-          <a:srgbClr val="EBFFEB"/>
+          <a:schemeClr val="bg1"/>
         </a:solidFill>
         <a:effectLst/>
       </p:bgPr>
@@ -3864,6 +5005,66 @@
           <a:chExt cx="0" cy="0"/>
         </a:xfrm>
       </p:grpSpPr>
+      <p:sp useBgFill="1">
+        <p:nvSpPr>
+          <p:cNvPr id="8" name="Rectangle 7">
+            <a:extLst>
+              <a:ext uri="{FF2B5EF4-FFF2-40B4-BE49-F238E27FC236}">
+                <a16:creationId xmlns:a16="http://schemas.microsoft.com/office/drawing/2014/main" id="{100EDD19-6802-4EC3-95CE-CFFAB042CFD6}"/>
+              </a:ext>
+              <a:ext uri="{C183D7F6-B498-43B3-948B-1728B52AA6E4}">
+                <adec:decorative xmlns:adec="http://schemas.microsoft.com/office/drawing/2017/decorative" val="1"/>
+              </a:ext>
+            </a:extLst>
+          </p:cNvPr>
+          <p:cNvSpPr>
+            <a:spLocks noGrp="1" noRot="1" noChangeAspect="1" noMove="1" noResize="1" noEditPoints="1" noAdjustHandles="1" noChangeArrowheads="1" noChangeShapeType="1" noTextEdit="1"/>
+          </p:cNvSpPr>
+          <p:nvPr>
+            <p:extLst>
+              <p:ext uri="{386F3935-93C4-4BCD-93E2-E3B085C9AB24}">
+                <p16:designElem xmlns:p16="http://schemas.microsoft.com/office/powerpoint/2015/main" val="1"/>
+              </p:ext>
+            </p:extLst>
+          </p:nvPr>
+        </p:nvSpPr>
+        <p:spPr>
+          <a:xfrm>
+            <a:off x="0" y="0"/>
+            <a:ext cx="9141714" cy="6858000"/>
+          </a:xfrm>
+          <a:prstGeom prst="rect">
+            <a:avLst/>
+          </a:prstGeom>
+          <a:ln>
+            <a:noFill/>
+          </a:ln>
+        </p:spPr>
+        <p:style>
+          <a:lnRef idx="2">
+            <a:schemeClr val="accent1">
+              <a:shade val="50000"/>
+            </a:schemeClr>
+          </a:lnRef>
+          <a:fillRef idx="1">
+            <a:schemeClr val="accent1"/>
+          </a:fillRef>
+          <a:effectRef idx="0">
+            <a:schemeClr val="accent1"/>
+          </a:effectRef>
+          <a:fontRef idx="minor">
+            <a:schemeClr val="lt1"/>
+          </a:fontRef>
+        </p:style>
+        <p:txBody>
+          <a:bodyPr rtlCol="0" anchor="ctr"/>
+          <a:lstStyle/>
+          <a:p>
+            <a:pPr algn="ctr"/>
+            <a:endParaRPr lang="en-US"/>
+          </a:p>
+        </p:txBody>
+      </p:sp>
       <p:sp>
         <p:nvSpPr>
           <p:cNvPr id="2" name="Title 1"/>
@@ -3874,16 +5075,510 @@
             <p:ph type="title"/>
           </p:nvPr>
         </p:nvSpPr>
-        <p:spPr/>
+        <p:spPr>
+          <a:xfrm>
+            <a:off x="628650" y="365125"/>
+            <a:ext cx="7886700" cy="1325563"/>
+          </a:xfrm>
+        </p:spPr>
         <p:txBody>
-          <a:bodyPr/>
+          <a:bodyPr>
+            <a:normAutofit/>
+          </a:bodyPr>
           <a:lstStyle/>
           <a:p>
             <a:r>
-              <a:rPr lang="fr-CH" dirty="0"/>
+              <a:rPr lang="fr-CH" sz="4700"/>
               <a:t> Algorithme de Vérification</a:t>
             </a:r>
-            <a:endParaRPr dirty="0"/>
+          </a:p>
+        </p:txBody>
+      </p:sp>
+      <p:sp>
+        <p:nvSpPr>
+          <p:cNvPr id="10" name="sketch line">
+            <a:extLst>
+              <a:ext uri="{FF2B5EF4-FFF2-40B4-BE49-F238E27FC236}">
+                <a16:creationId xmlns:a16="http://schemas.microsoft.com/office/drawing/2014/main" id="{DB17E863-922E-4C26-BD64-E8FD41D28661}"/>
+              </a:ext>
+              <a:ext uri="{C183D7F6-B498-43B3-948B-1728B52AA6E4}">
+                <adec:decorative xmlns:adec="http://schemas.microsoft.com/office/drawing/2017/decorative" val="1"/>
+              </a:ext>
+            </a:extLst>
+          </p:cNvPr>
+          <p:cNvSpPr>
+            <a:spLocks noGrp="1" noRot="1" noChangeAspect="1" noMove="1" noResize="1" noEditPoints="1" noAdjustHandles="1" noChangeArrowheads="1" noChangeShapeType="1" noTextEdit="1"/>
+          </p:cNvSpPr>
+          <p:nvPr>
+            <p:extLst>
+              <p:ext uri="{386F3935-93C4-4BCD-93E2-E3B085C9AB24}">
+                <p16:designElem xmlns:p16="http://schemas.microsoft.com/office/powerpoint/2015/main" val="1"/>
+              </p:ext>
+            </p:extLst>
+          </p:nvPr>
+        </p:nvSpPr>
+        <p:spPr>
+          <a:xfrm>
+            <a:off x="501777" y="1677373"/>
+            <a:ext cx="8140446" cy="18288"/>
+          </a:xfrm>
+          <a:custGeom>
+            <a:avLst/>
+            <a:gdLst>
+              <a:gd name="connsiteX0" fmla="*/ 0 w 8140446"/>
+              <a:gd name="connsiteY0" fmla="*/ 0 h 18288"/>
+              <a:gd name="connsiteX1" fmla="*/ 434157 w 8140446"/>
+              <a:gd name="connsiteY1" fmla="*/ 0 h 18288"/>
+              <a:gd name="connsiteX2" fmla="*/ 1193932 w 8140446"/>
+              <a:gd name="connsiteY2" fmla="*/ 0 h 18288"/>
+              <a:gd name="connsiteX3" fmla="*/ 1628089 w 8140446"/>
+              <a:gd name="connsiteY3" fmla="*/ 0 h 18288"/>
+              <a:gd name="connsiteX4" fmla="*/ 2225055 w 8140446"/>
+              <a:gd name="connsiteY4" fmla="*/ 0 h 18288"/>
+              <a:gd name="connsiteX5" fmla="*/ 3066235 w 8140446"/>
+              <a:gd name="connsiteY5" fmla="*/ 0 h 18288"/>
+              <a:gd name="connsiteX6" fmla="*/ 3744605 w 8140446"/>
+              <a:gd name="connsiteY6" fmla="*/ 0 h 18288"/>
+              <a:gd name="connsiteX7" fmla="*/ 4504380 w 8140446"/>
+              <a:gd name="connsiteY7" fmla="*/ 0 h 18288"/>
+              <a:gd name="connsiteX8" fmla="*/ 5101346 w 8140446"/>
+              <a:gd name="connsiteY8" fmla="*/ 0 h 18288"/>
+              <a:gd name="connsiteX9" fmla="*/ 5779717 w 8140446"/>
+              <a:gd name="connsiteY9" fmla="*/ 0 h 18288"/>
+              <a:gd name="connsiteX10" fmla="*/ 6620896 w 8140446"/>
+              <a:gd name="connsiteY10" fmla="*/ 0 h 18288"/>
+              <a:gd name="connsiteX11" fmla="*/ 7136458 w 8140446"/>
+              <a:gd name="connsiteY11" fmla="*/ 0 h 18288"/>
+              <a:gd name="connsiteX12" fmla="*/ 8140446 w 8140446"/>
+              <a:gd name="connsiteY12" fmla="*/ 0 h 18288"/>
+              <a:gd name="connsiteX13" fmla="*/ 8140446 w 8140446"/>
+              <a:gd name="connsiteY13" fmla="*/ 18288 h 18288"/>
+              <a:gd name="connsiteX14" fmla="*/ 7543480 w 8140446"/>
+              <a:gd name="connsiteY14" fmla="*/ 18288 h 18288"/>
+              <a:gd name="connsiteX15" fmla="*/ 7109323 w 8140446"/>
+              <a:gd name="connsiteY15" fmla="*/ 18288 h 18288"/>
+              <a:gd name="connsiteX16" fmla="*/ 6430952 w 8140446"/>
+              <a:gd name="connsiteY16" fmla="*/ 18288 h 18288"/>
+              <a:gd name="connsiteX17" fmla="*/ 5915391 w 8140446"/>
+              <a:gd name="connsiteY17" fmla="*/ 18288 h 18288"/>
+              <a:gd name="connsiteX18" fmla="*/ 5237020 w 8140446"/>
+              <a:gd name="connsiteY18" fmla="*/ 18288 h 18288"/>
+              <a:gd name="connsiteX19" fmla="*/ 4558650 w 8140446"/>
+              <a:gd name="connsiteY19" fmla="*/ 18288 h 18288"/>
+              <a:gd name="connsiteX20" fmla="*/ 3880279 w 8140446"/>
+              <a:gd name="connsiteY20" fmla="*/ 18288 h 18288"/>
+              <a:gd name="connsiteX21" fmla="*/ 3201909 w 8140446"/>
+              <a:gd name="connsiteY21" fmla="*/ 18288 h 18288"/>
+              <a:gd name="connsiteX22" fmla="*/ 2604943 w 8140446"/>
+              <a:gd name="connsiteY22" fmla="*/ 18288 h 18288"/>
+              <a:gd name="connsiteX23" fmla="*/ 1845168 w 8140446"/>
+              <a:gd name="connsiteY23" fmla="*/ 18288 h 18288"/>
+              <a:gd name="connsiteX24" fmla="*/ 1166797 w 8140446"/>
+              <a:gd name="connsiteY24" fmla="*/ 18288 h 18288"/>
+              <a:gd name="connsiteX25" fmla="*/ 0 w 8140446"/>
+              <a:gd name="connsiteY25" fmla="*/ 18288 h 18288"/>
+              <a:gd name="connsiteX26" fmla="*/ 0 w 8140446"/>
+              <a:gd name="connsiteY26" fmla="*/ 0 h 18288"/>
+            </a:gdLst>
+            <a:ahLst/>
+            <a:cxnLst>
+              <a:cxn ang="0">
+                <a:pos x="connsiteX0" y="connsiteY0"/>
+              </a:cxn>
+              <a:cxn ang="0">
+                <a:pos x="connsiteX1" y="connsiteY1"/>
+              </a:cxn>
+              <a:cxn ang="0">
+                <a:pos x="connsiteX2" y="connsiteY2"/>
+              </a:cxn>
+              <a:cxn ang="0">
+                <a:pos x="connsiteX3" y="connsiteY3"/>
+              </a:cxn>
+              <a:cxn ang="0">
+                <a:pos x="connsiteX4" y="connsiteY4"/>
+              </a:cxn>
+              <a:cxn ang="0">
+                <a:pos x="connsiteX5" y="connsiteY5"/>
+              </a:cxn>
+              <a:cxn ang="0">
+                <a:pos x="connsiteX6" y="connsiteY6"/>
+              </a:cxn>
+              <a:cxn ang="0">
+                <a:pos x="connsiteX7" y="connsiteY7"/>
+              </a:cxn>
+              <a:cxn ang="0">
+                <a:pos x="connsiteX8" y="connsiteY8"/>
+              </a:cxn>
+              <a:cxn ang="0">
+                <a:pos x="connsiteX9" y="connsiteY9"/>
+              </a:cxn>
+              <a:cxn ang="0">
+                <a:pos x="connsiteX10" y="connsiteY10"/>
+              </a:cxn>
+              <a:cxn ang="0">
+                <a:pos x="connsiteX11" y="connsiteY11"/>
+              </a:cxn>
+              <a:cxn ang="0">
+                <a:pos x="connsiteX12" y="connsiteY12"/>
+              </a:cxn>
+              <a:cxn ang="0">
+                <a:pos x="connsiteX13" y="connsiteY13"/>
+              </a:cxn>
+              <a:cxn ang="0">
+                <a:pos x="connsiteX14" y="connsiteY14"/>
+              </a:cxn>
+              <a:cxn ang="0">
+                <a:pos x="connsiteX15" y="connsiteY15"/>
+              </a:cxn>
+              <a:cxn ang="0">
+                <a:pos x="connsiteX16" y="connsiteY16"/>
+              </a:cxn>
+              <a:cxn ang="0">
+                <a:pos x="connsiteX17" y="connsiteY17"/>
+              </a:cxn>
+              <a:cxn ang="0">
+                <a:pos x="connsiteX18" y="connsiteY18"/>
+              </a:cxn>
+              <a:cxn ang="0">
+                <a:pos x="connsiteX19" y="connsiteY19"/>
+              </a:cxn>
+              <a:cxn ang="0">
+                <a:pos x="connsiteX20" y="connsiteY20"/>
+              </a:cxn>
+              <a:cxn ang="0">
+                <a:pos x="connsiteX21" y="connsiteY21"/>
+              </a:cxn>
+              <a:cxn ang="0">
+                <a:pos x="connsiteX22" y="connsiteY22"/>
+              </a:cxn>
+              <a:cxn ang="0">
+                <a:pos x="connsiteX23" y="connsiteY23"/>
+              </a:cxn>
+              <a:cxn ang="0">
+                <a:pos x="connsiteX24" y="connsiteY24"/>
+              </a:cxn>
+              <a:cxn ang="0">
+                <a:pos x="connsiteX25" y="connsiteY25"/>
+              </a:cxn>
+              <a:cxn ang="0">
+                <a:pos x="connsiteX26" y="connsiteY26"/>
+              </a:cxn>
+            </a:cxnLst>
+            <a:rect l="l" t="t" r="r" b="b"/>
+            <a:pathLst>
+              <a:path w="8140446" h="18288" fill="none" extrusionOk="0">
+                <a:moveTo>
+                  <a:pt x="0" y="0"/>
+                </a:moveTo>
+                <a:cubicBezTo>
+                  <a:pt x="94920" y="9103"/>
+                  <a:pt x="287892" y="-4966"/>
+                  <a:pt x="434157" y="0"/>
+                </a:cubicBezTo>
+                <a:cubicBezTo>
+                  <a:pt x="580422" y="4966"/>
+                  <a:pt x="943595" y="-14182"/>
+                  <a:pt x="1193932" y="0"/>
+                </a:cubicBezTo>
+                <a:cubicBezTo>
+                  <a:pt x="1444270" y="14182"/>
+                  <a:pt x="1472129" y="5523"/>
+                  <a:pt x="1628089" y="0"/>
+                </a:cubicBezTo>
+                <a:cubicBezTo>
+                  <a:pt x="1784049" y="-5523"/>
+                  <a:pt x="1962419" y="-17322"/>
+                  <a:pt x="2225055" y="0"/>
+                </a:cubicBezTo>
+                <a:cubicBezTo>
+                  <a:pt x="2487691" y="17322"/>
+                  <a:pt x="2700681" y="1311"/>
+                  <a:pt x="3066235" y="0"/>
+                </a:cubicBezTo>
+                <a:cubicBezTo>
+                  <a:pt x="3431789" y="-1311"/>
+                  <a:pt x="3405662" y="25081"/>
+                  <a:pt x="3744605" y="0"/>
+                </a:cubicBezTo>
+                <a:cubicBezTo>
+                  <a:pt x="4083548" y="-25081"/>
+                  <a:pt x="4265111" y="-11945"/>
+                  <a:pt x="4504380" y="0"/>
+                </a:cubicBezTo>
+                <a:cubicBezTo>
+                  <a:pt x="4743649" y="11945"/>
+                  <a:pt x="4860394" y="-2832"/>
+                  <a:pt x="5101346" y="0"/>
+                </a:cubicBezTo>
+                <a:cubicBezTo>
+                  <a:pt x="5342298" y="2832"/>
+                  <a:pt x="5456387" y="23676"/>
+                  <a:pt x="5779717" y="0"/>
+                </a:cubicBezTo>
+                <a:cubicBezTo>
+                  <a:pt x="6103047" y="-23676"/>
+                  <a:pt x="6270379" y="-37291"/>
+                  <a:pt x="6620896" y="0"/>
+                </a:cubicBezTo>
+                <a:cubicBezTo>
+                  <a:pt x="6971413" y="37291"/>
+                  <a:pt x="6989068" y="24674"/>
+                  <a:pt x="7136458" y="0"/>
+                </a:cubicBezTo>
+                <a:cubicBezTo>
+                  <a:pt x="7283848" y="-24674"/>
+                  <a:pt x="7752532" y="-22436"/>
+                  <a:pt x="8140446" y="0"/>
+                </a:cubicBezTo>
+                <a:cubicBezTo>
+                  <a:pt x="8140314" y="7702"/>
+                  <a:pt x="8140234" y="13511"/>
+                  <a:pt x="8140446" y="18288"/>
+                </a:cubicBezTo>
+                <a:cubicBezTo>
+                  <a:pt x="7906329" y="-3043"/>
+                  <a:pt x="7681180" y="27465"/>
+                  <a:pt x="7543480" y="18288"/>
+                </a:cubicBezTo>
+                <a:cubicBezTo>
+                  <a:pt x="7405780" y="9111"/>
+                  <a:pt x="7216607" y="3660"/>
+                  <a:pt x="7109323" y="18288"/>
+                </a:cubicBezTo>
+                <a:cubicBezTo>
+                  <a:pt x="7002039" y="32916"/>
+                  <a:pt x="6576231" y="42692"/>
+                  <a:pt x="6430952" y="18288"/>
+                </a:cubicBezTo>
+                <a:cubicBezTo>
+                  <a:pt x="6285673" y="-6116"/>
+                  <a:pt x="6138840" y="34521"/>
+                  <a:pt x="5915391" y="18288"/>
+                </a:cubicBezTo>
+                <a:cubicBezTo>
+                  <a:pt x="5691942" y="2055"/>
+                  <a:pt x="5459460" y="51666"/>
+                  <a:pt x="5237020" y="18288"/>
+                </a:cubicBezTo>
+                <a:cubicBezTo>
+                  <a:pt x="5014580" y="-15090"/>
+                  <a:pt x="4747677" y="40449"/>
+                  <a:pt x="4558650" y="18288"/>
+                </a:cubicBezTo>
+                <a:cubicBezTo>
+                  <a:pt x="4369623" y="-3873"/>
+                  <a:pt x="4146061" y="12568"/>
+                  <a:pt x="3880279" y="18288"/>
+                </a:cubicBezTo>
+                <a:cubicBezTo>
+                  <a:pt x="3614497" y="24008"/>
+                  <a:pt x="3473808" y="-12908"/>
+                  <a:pt x="3201909" y="18288"/>
+                </a:cubicBezTo>
+                <a:cubicBezTo>
+                  <a:pt x="2930010" y="49484"/>
+                  <a:pt x="2728175" y="-3430"/>
+                  <a:pt x="2604943" y="18288"/>
+                </a:cubicBezTo>
+                <a:cubicBezTo>
+                  <a:pt x="2481711" y="40006"/>
+                  <a:pt x="2004334" y="26952"/>
+                  <a:pt x="1845168" y="18288"/>
+                </a:cubicBezTo>
+                <a:cubicBezTo>
+                  <a:pt x="1686003" y="9624"/>
+                  <a:pt x="1375070" y="37580"/>
+                  <a:pt x="1166797" y="18288"/>
+                </a:cubicBezTo>
+                <a:cubicBezTo>
+                  <a:pt x="958524" y="-1004"/>
+                  <a:pt x="342846" y="8880"/>
+                  <a:pt x="0" y="18288"/>
+                </a:cubicBezTo>
+                <a:cubicBezTo>
+                  <a:pt x="129" y="13298"/>
+                  <a:pt x="-675" y="6857"/>
+                  <a:pt x="0" y="0"/>
+                </a:cubicBezTo>
+                <a:close/>
+              </a:path>
+              <a:path w="8140446" h="18288" stroke="0" extrusionOk="0">
+                <a:moveTo>
+                  <a:pt x="0" y="0"/>
+                </a:moveTo>
+                <a:cubicBezTo>
+                  <a:pt x="142435" y="-24533"/>
+                  <a:pt x="380026" y="17447"/>
+                  <a:pt x="596966" y="0"/>
+                </a:cubicBezTo>
+                <a:cubicBezTo>
+                  <a:pt x="813906" y="-17447"/>
+                  <a:pt x="830530" y="13462"/>
+                  <a:pt x="1031123" y="0"/>
+                </a:cubicBezTo>
+                <a:cubicBezTo>
+                  <a:pt x="1231716" y="-13462"/>
+                  <a:pt x="1634038" y="0"/>
+                  <a:pt x="1872303" y="0"/>
+                </a:cubicBezTo>
+                <a:cubicBezTo>
+                  <a:pt x="2110568" y="0"/>
+                  <a:pt x="2261934" y="-25727"/>
+                  <a:pt x="2469269" y="0"/>
+                </a:cubicBezTo>
+                <a:cubicBezTo>
+                  <a:pt x="2676604" y="25727"/>
+                  <a:pt x="2790440" y="16284"/>
+                  <a:pt x="3066235" y="0"/>
+                </a:cubicBezTo>
+                <a:cubicBezTo>
+                  <a:pt x="3342030" y="-16284"/>
+                  <a:pt x="3685603" y="41976"/>
+                  <a:pt x="3907414" y="0"/>
+                </a:cubicBezTo>
+                <a:cubicBezTo>
+                  <a:pt x="4129225" y="-41976"/>
+                  <a:pt x="4177416" y="-7598"/>
+                  <a:pt x="4422976" y="0"/>
+                </a:cubicBezTo>
+                <a:cubicBezTo>
+                  <a:pt x="4668536" y="7598"/>
+                  <a:pt x="5023499" y="-28058"/>
+                  <a:pt x="5264155" y="0"/>
+                </a:cubicBezTo>
+                <a:cubicBezTo>
+                  <a:pt x="5504811" y="28058"/>
+                  <a:pt x="5703675" y="13288"/>
+                  <a:pt x="6105335" y="0"/>
+                </a:cubicBezTo>
+                <a:cubicBezTo>
+                  <a:pt x="6506995" y="-13288"/>
+                  <a:pt x="6455516" y="-5124"/>
+                  <a:pt x="6783705" y="0"/>
+                </a:cubicBezTo>
+                <a:cubicBezTo>
+                  <a:pt x="7111894" y="5124"/>
+                  <a:pt x="7512856" y="10604"/>
+                  <a:pt x="8140446" y="0"/>
+                </a:cubicBezTo>
+                <a:cubicBezTo>
+                  <a:pt x="8140458" y="8833"/>
+                  <a:pt x="8140986" y="9830"/>
+                  <a:pt x="8140446" y="18288"/>
+                </a:cubicBezTo>
+                <a:cubicBezTo>
+                  <a:pt x="7959314" y="3345"/>
+                  <a:pt x="7870113" y="10437"/>
+                  <a:pt x="7706289" y="18288"/>
+                </a:cubicBezTo>
+                <a:cubicBezTo>
+                  <a:pt x="7542465" y="26139"/>
+                  <a:pt x="7157940" y="17482"/>
+                  <a:pt x="6865109" y="18288"/>
+                </a:cubicBezTo>
+                <a:cubicBezTo>
+                  <a:pt x="6572278" y="19094"/>
+                  <a:pt x="6524256" y="38051"/>
+                  <a:pt x="6349548" y="18288"/>
+                </a:cubicBezTo>
+                <a:cubicBezTo>
+                  <a:pt x="6174840" y="-1475"/>
+                  <a:pt x="5951624" y="174"/>
+                  <a:pt x="5671177" y="18288"/>
+                </a:cubicBezTo>
+                <a:cubicBezTo>
+                  <a:pt x="5390730" y="36402"/>
+                  <a:pt x="5222992" y="60058"/>
+                  <a:pt x="4829998" y="18288"/>
+                </a:cubicBezTo>
+                <a:cubicBezTo>
+                  <a:pt x="4437004" y="-23482"/>
+                  <a:pt x="4344181" y="39087"/>
+                  <a:pt x="4151627" y="18288"/>
+                </a:cubicBezTo>
+                <a:cubicBezTo>
+                  <a:pt x="3959073" y="-2511"/>
+                  <a:pt x="3886970" y="32875"/>
+                  <a:pt x="3717470" y="18288"/>
+                </a:cubicBezTo>
+                <a:cubicBezTo>
+                  <a:pt x="3547970" y="3701"/>
+                  <a:pt x="3451521" y="31872"/>
+                  <a:pt x="3201909" y="18288"/>
+                </a:cubicBezTo>
+                <a:cubicBezTo>
+                  <a:pt x="2952297" y="4704"/>
+                  <a:pt x="2543413" y="6029"/>
+                  <a:pt x="2360729" y="18288"/>
+                </a:cubicBezTo>
+                <a:cubicBezTo>
+                  <a:pt x="2178045" y="30547"/>
+                  <a:pt x="1906056" y="25847"/>
+                  <a:pt x="1682359" y="18288"/>
+                </a:cubicBezTo>
+                <a:cubicBezTo>
+                  <a:pt x="1458662" y="10730"/>
+                  <a:pt x="1330405" y="8046"/>
+                  <a:pt x="1166797" y="18288"/>
+                </a:cubicBezTo>
+                <a:cubicBezTo>
+                  <a:pt x="1003189" y="28530"/>
+                  <a:pt x="278098" y="19533"/>
+                  <a:pt x="0" y="18288"/>
+                </a:cubicBezTo>
+                <a:cubicBezTo>
+                  <a:pt x="74" y="14054"/>
+                  <a:pt x="-46" y="6997"/>
+                  <a:pt x="0" y="0"/>
+                </a:cubicBezTo>
+                <a:close/>
+              </a:path>
+            </a:pathLst>
+          </a:custGeom>
+          <a:solidFill>
+            <a:schemeClr val="accent2"/>
+          </a:solidFill>
+          <a:ln w="41275" cap="rnd">
+            <a:solidFill>
+              <a:schemeClr val="accent2"/>
+            </a:solidFill>
+            <a:round/>
+            <a:extLst>
+              <a:ext uri="{C807C97D-BFC1-408E-A445-0C87EB9F89A2}">
+                <ask:lineSketchStyleProps xmlns:ask="http://schemas.microsoft.com/office/drawing/2018/sketchyshapes" sd="1219033472">
+                  <a:prstGeom prst="rect">
+                    <a:avLst/>
+                  </a:prstGeom>
+                  <ask:type>
+                    <ask:lineSketchFreehand/>
+                  </ask:type>
+                </ask:lineSketchStyleProps>
+              </a:ext>
+            </a:extLst>
+          </a:ln>
+        </p:spPr>
+        <p:style>
+          <a:lnRef idx="2">
+            <a:schemeClr val="accent1">
+              <a:shade val="50000"/>
+            </a:schemeClr>
+          </a:lnRef>
+          <a:fillRef idx="1">
+            <a:schemeClr val="accent1"/>
+          </a:fillRef>
+          <a:effectRef idx="0">
+            <a:schemeClr val="accent1"/>
+          </a:effectRef>
+          <a:fontRef idx="minor">
+            <a:schemeClr val="lt1"/>
+          </a:fontRef>
+        </p:style>
+        <p:txBody>
+          <a:bodyPr rtlCol="0" anchor="ctr"/>
+          <a:lstStyle/>
+          <a:p>
+            <a:pPr algn="ctr"/>
+            <a:endParaRPr lang="en-US"/>
           </a:p>
         </p:txBody>
       </p:sp>
@@ -3899,339 +5594,274 @@
         </p:nvSpPr>
         <p:spPr>
           <a:xfrm>
-            <a:off x="457200" y="1600200"/>
-            <a:ext cx="8229600" cy="4983161"/>
+            <a:off x="628650" y="1929384"/>
+            <a:ext cx="7886700" cy="4251960"/>
           </a:xfrm>
         </p:spPr>
         <p:txBody>
           <a:bodyPr>
-            <a:normAutofit fontScale="92500" lnSpcReduction="20000"/>
+            <a:normAutofit/>
           </a:bodyPr>
           <a:lstStyle/>
           <a:p>
-            <a:r>
-              <a:rPr lang="en-GB" sz="1900" b="1" dirty="0"/>
-              <a:t>Casse des </a:t>
-            </a:r>
-            <a:r>
-              <a:rPr lang="en-GB" sz="1900" b="1" dirty="0" err="1"/>
-              <a:t>noms</a:t>
-            </a:r>
-            <a:r>
-              <a:rPr lang="en-GB" sz="1900" b="1" dirty="0"/>
-              <a:t> instruments</a:t>
-            </a:r>
-          </a:p>
-          <a:p>
-            <a:r>
-              <a:rPr lang="fr-FR" sz="1900" b="1" i="1" dirty="0"/>
+            <a:pPr>
+              <a:lnSpc>
+                <a:spcPct val="90000"/>
+              </a:lnSpc>
+            </a:pPr>
+            <a:r>
+              <a:rPr lang="en-GB" sz="1000" b="1"/>
+              <a:t>Casse des noms instruments</a:t>
+            </a:r>
+          </a:p>
+          <a:p>
+            <a:pPr>
+              <a:lnSpc>
+                <a:spcPct val="90000"/>
+              </a:lnSpc>
+            </a:pPr>
+            <a:r>
+              <a:rPr lang="en-GB" sz="1000" b="1" i="1"/>
               <a:t>Mise à jour asynchrone pour éviter le blocage EDT</a:t>
             </a:r>
           </a:p>
           <a:p>
-            <a:endParaRPr sz="1900" b="1" dirty="0"/>
+            <a:pPr>
+              <a:lnSpc>
+                <a:spcPct val="90000"/>
+              </a:lnSpc>
+            </a:pPr>
+            <a:endParaRPr lang="en-GB" sz="1000" b="1"/>
           </a:p>
           <a:p>
             <a:pPr marL="0" indent="0">
+              <a:lnSpc>
+                <a:spcPct val="90000"/>
+              </a:lnSpc>
               <a:buNone/>
             </a:pPr>
             <a:r>
-              <a:rPr lang="fr-CH" sz="1400" dirty="0"/>
-              <a:t>public </a:t>
-            </a:r>
-            <a:r>
-              <a:rPr lang="fr-CH" sz="1400" dirty="0" err="1"/>
-              <a:t>boolean</a:t>
-            </a:r>
-            <a:r>
-              <a:rPr lang="fr-CH" sz="1400" dirty="0"/>
-              <a:t> </a:t>
-            </a:r>
-            <a:r>
-              <a:rPr lang="fr-CH" sz="1400" dirty="0" err="1"/>
-              <a:t>checkAnswer</a:t>
-            </a:r>
-            <a:r>
-              <a:rPr lang="fr-CH" sz="1400" dirty="0"/>
-              <a:t>(String input, Instrument </a:t>
-            </a:r>
-            <a:r>
-              <a:rPr lang="fr-CH" sz="1400" dirty="0" err="1"/>
-              <a:t>instrument</a:t>
-            </a:r>
-            <a:r>
-              <a:rPr lang="fr-CH" sz="1400" dirty="0"/>
-              <a:t>) {    </a:t>
+              <a:rPr lang="en-GB" sz="1000"/>
+              <a:t>public boolean checkAnswer(String input, Instrument instrument) {    </a:t>
             </a:r>
           </a:p>
           <a:p>
             <a:pPr marL="0" indent="0">
+              <a:lnSpc>
+                <a:spcPct val="90000"/>
+              </a:lnSpc>
               <a:buNone/>
             </a:pPr>
             <a:r>
-              <a:rPr lang="fr-CH" sz="1400" dirty="0"/>
+              <a:rPr lang="en-GB" sz="1000"/>
               <a:t>	// Comparaison insensible à la casse + trim automatique   </a:t>
             </a:r>
           </a:p>
           <a:p>
             <a:pPr marL="0" indent="0">
+              <a:lnSpc>
+                <a:spcPct val="90000"/>
+              </a:lnSpc>
               <a:buNone/>
             </a:pPr>
             <a:r>
-              <a:rPr lang="fr-CH" sz="1400" dirty="0"/>
-              <a:t> 	</a:t>
-            </a:r>
-            <a:r>
-              <a:rPr lang="fr-CH" sz="1400" dirty="0" err="1"/>
-              <a:t>boolean</a:t>
-            </a:r>
-            <a:r>
-              <a:rPr lang="fr-CH" sz="1400" dirty="0"/>
-              <a:t> correct = </a:t>
-            </a:r>
-            <a:r>
-              <a:rPr lang="fr-CH" sz="1400" dirty="0" err="1"/>
-              <a:t>instrument.getName</a:t>
-            </a:r>
-            <a:r>
-              <a:rPr lang="fr-CH" sz="1400" dirty="0"/>
-              <a:t>().</a:t>
-            </a:r>
-            <a:r>
-              <a:rPr lang="fr-CH" sz="1400" dirty="0" err="1"/>
-              <a:t>equalsIgnoreCase</a:t>
-            </a:r>
-            <a:r>
-              <a:rPr lang="fr-CH" sz="1400" dirty="0"/>
-              <a:t>(</a:t>
-            </a:r>
-            <a:r>
-              <a:rPr lang="fr-CH" sz="1400" dirty="0" err="1"/>
-              <a:t>input.trim</a:t>
-            </a:r>
-            <a:r>
-              <a:rPr lang="fr-CH" sz="1400" dirty="0"/>
-              <a:t>());        </a:t>
+              <a:rPr lang="en-GB" sz="1000"/>
+              <a:t> 	boolean correct = instrument.getName().equalsIgnoreCase(input.trim());        </a:t>
             </a:r>
           </a:p>
           <a:p>
             <a:pPr marL="0" indent="0">
+              <a:lnSpc>
+                <a:spcPct val="90000"/>
+              </a:lnSpc>
               <a:buNone/>
             </a:pPr>
-            <a:endParaRPr lang="fr-CH" sz="1400" dirty="0"/>
+            <a:endParaRPr lang="en-GB" sz="1000"/>
           </a:p>
           <a:p>
             <a:pPr marL="0" indent="0">
+              <a:lnSpc>
+                <a:spcPct val="90000"/>
+              </a:lnSpc>
               <a:buNone/>
             </a:pPr>
             <a:r>
-              <a:rPr lang="fr-CH" sz="1400" dirty="0"/>
+              <a:rPr lang="en-GB" sz="1000"/>
               <a:t>	if (correct) {        </a:t>
             </a:r>
           </a:p>
           <a:p>
             <a:pPr marL="0" indent="0">
+              <a:lnSpc>
+                <a:spcPct val="90000"/>
+              </a:lnSpc>
               <a:buNone/>
             </a:pPr>
             <a:r>
-              <a:rPr lang="fr-CH" sz="1400" dirty="0"/>
+              <a:rPr lang="en-GB" sz="1000"/>
               <a:t>		// Suppression avec prédicat - Stream API interne       </a:t>
             </a:r>
           </a:p>
           <a:p>
             <a:pPr marL="0" indent="0">
+              <a:lnSpc>
+                <a:spcPct val="90000"/>
+              </a:lnSpc>
               <a:buNone/>
             </a:pPr>
             <a:r>
-              <a:rPr lang="fr-CH" sz="1400" dirty="0"/>
-              <a:t>	 	</a:t>
-            </a:r>
-            <a:r>
-              <a:rPr lang="fr-CH" sz="1400" dirty="0" err="1"/>
-              <a:t>remainingInstruments.removeIf</a:t>
-            </a:r>
-            <a:r>
-              <a:rPr lang="fr-CH" sz="1400" dirty="0"/>
-              <a:t>(i -&gt; </a:t>
-            </a:r>
-            <a:r>
-              <a:rPr lang="fr-CH" sz="1400" dirty="0" err="1"/>
-              <a:t>i.getName</a:t>
-            </a:r>
-            <a:r>
-              <a:rPr lang="fr-CH" sz="1400" dirty="0"/>
-              <a:t>().</a:t>
-            </a:r>
-            <a:r>
-              <a:rPr lang="fr-CH" sz="1400" dirty="0" err="1"/>
-              <a:t>equalsIgnoreCase</a:t>
-            </a:r>
-            <a:r>
-              <a:rPr lang="fr-CH" sz="1400" dirty="0"/>
-              <a:t>(</a:t>
-            </a:r>
-            <a:r>
-              <a:rPr lang="fr-CH" sz="1400" dirty="0" err="1"/>
-              <a:t>instrument.getName</a:t>
-            </a:r>
-            <a:r>
-              <a:rPr lang="fr-CH" sz="1400" dirty="0"/>
-              <a:t>()));             </a:t>
+              <a:rPr lang="en-GB" sz="1000"/>
+              <a:t>	 	remainingInstruments.removeIf(i -&gt; i.getName().equalsIgnoreCase(instrument.getName()));             </a:t>
             </a:r>
           </a:p>
           <a:p>
             <a:pPr marL="0" indent="0">
+              <a:lnSpc>
+                <a:spcPct val="90000"/>
+              </a:lnSpc>
               <a:buNone/>
             </a:pPr>
             <a:r>
-              <a:rPr lang="fr-CH" sz="1400" dirty="0"/>
+              <a:rPr lang="en-GB" sz="1000"/>
               <a:t>   </a:t>
             </a:r>
           </a:p>
           <a:p>
             <a:pPr marL="0" indent="0">
+              <a:lnSpc>
+                <a:spcPct val="90000"/>
+              </a:lnSpc>
               <a:buNone/>
             </a:pPr>
             <a:r>
-              <a:rPr lang="fr-CH" sz="1400" dirty="0"/>
+              <a:rPr lang="en-GB" sz="1000"/>
               <a:t>		// Condition de victoire - Vérification immédiate       </a:t>
             </a:r>
           </a:p>
           <a:p>
             <a:pPr marL="0" indent="0">
+              <a:lnSpc>
+                <a:spcPct val="90000"/>
+              </a:lnSpc>
               <a:buNone/>
             </a:pPr>
             <a:r>
-              <a:rPr lang="fr-CH" sz="1400" dirty="0"/>
-              <a:t>		if (</a:t>
-            </a:r>
-            <a:r>
-              <a:rPr lang="fr-CH" sz="1400" dirty="0" err="1"/>
-              <a:t>remainingInstruments.isEmpty</a:t>
-            </a:r>
-            <a:r>
-              <a:rPr lang="fr-CH" sz="1400" dirty="0"/>
-              <a:t>()) {            </a:t>
+              <a:rPr lang="en-GB" sz="1000"/>
+              <a:t>		if (remainingInstruments.isEmpty()) {            </a:t>
             </a:r>
           </a:p>
           <a:p>
             <a:pPr marL="0" indent="0">
+              <a:lnSpc>
+                <a:spcPct val="90000"/>
+              </a:lnSpc>
               <a:buNone/>
             </a:pPr>
             <a:r>
-              <a:rPr lang="fr-CH" sz="1400" dirty="0"/>
-              <a:t>			// Thread-</a:t>
-            </a:r>
-            <a:r>
-              <a:rPr lang="fr-CH" sz="1400" dirty="0" err="1"/>
-              <a:t>safety</a:t>
-            </a:r>
-            <a:r>
-              <a:rPr lang="fr-CH" sz="1400" dirty="0"/>
-              <a:t> : Délégation à l'EDT            </a:t>
+              <a:rPr lang="en-GB" sz="1000"/>
+              <a:t>			// Thread-safety : Délégation à l'EDT            </a:t>
             </a:r>
           </a:p>
           <a:p>
             <a:pPr marL="0" indent="0">
+              <a:lnSpc>
+                <a:spcPct val="90000"/>
+              </a:lnSpc>
               <a:buNone/>
             </a:pPr>
             <a:r>
-              <a:rPr lang="fr-CH" sz="1400" dirty="0"/>
+              <a:rPr lang="en-GB" sz="1000"/>
               <a:t>			</a:t>
             </a:r>
             <a:r>
-              <a:rPr lang="fr-CH" sz="1400" b="1" dirty="0" err="1"/>
+              <a:rPr lang="en-GB" sz="1000" b="1"/>
               <a:t>SwingUtilities.invokeLater</a:t>
             </a:r>
             <a:r>
-              <a:rPr lang="fr-CH" sz="1400" dirty="0"/>
-              <a:t>(() -&gt; </a:t>
-            </a:r>
-            <a:r>
-              <a:rPr lang="fr-CH" sz="1400" dirty="0" err="1"/>
-              <a:t>window.showVictoryDialog</a:t>
-            </a:r>
-            <a:r>
-              <a:rPr lang="fr-CH" sz="1400" dirty="0"/>
-              <a:t>());        </a:t>
+              <a:rPr lang="en-GB" sz="1000"/>
+              <a:t>(() -&gt; window.showVictoryDialog());        </a:t>
             </a:r>
           </a:p>
           <a:p>
             <a:pPr marL="0" indent="0">
+              <a:lnSpc>
+                <a:spcPct val="90000"/>
+              </a:lnSpc>
               <a:buNone/>
             </a:pPr>
             <a:r>
-              <a:rPr lang="fr-CH" sz="1400" dirty="0"/>
+              <a:rPr lang="en-GB" sz="1000"/>
               <a:t>}    } </a:t>
             </a:r>
           </a:p>
           <a:p>
             <a:pPr marL="0" indent="0">
+              <a:lnSpc>
+                <a:spcPct val="90000"/>
+              </a:lnSpc>
               <a:buNone/>
             </a:pPr>
             <a:r>
-              <a:rPr lang="fr-CH" sz="1400" dirty="0"/>
+              <a:rPr lang="en-GB" sz="1000"/>
               <a:t>return correct;</a:t>
             </a:r>
           </a:p>
           <a:p>
             <a:pPr marL="0" indent="0">
+              <a:lnSpc>
+                <a:spcPct val="90000"/>
+              </a:lnSpc>
               <a:buNone/>
             </a:pPr>
-            <a:endParaRPr lang="fr-CH" sz="1400" dirty="0"/>
+            <a:endParaRPr lang="en-GB" sz="1000"/>
           </a:p>
           <a:p>
             <a:pPr marL="0" indent="0">
+              <a:lnSpc>
+                <a:spcPct val="90000"/>
+              </a:lnSpc>
               <a:buNone/>
             </a:pPr>
             <a:r>
-              <a:rPr lang="fr-FR" sz="1400" dirty="0"/>
+              <a:rPr lang="en-GB" sz="1000"/>
               <a:t>Event Dispatch Thread (EDT) :</a:t>
             </a:r>
           </a:p>
           <a:p>
             <a:pPr marL="0" indent="0">
+              <a:lnSpc>
+                <a:spcPct val="90000"/>
+              </a:lnSpc>
               <a:buNone/>
             </a:pPr>
             <a:r>
-              <a:rPr lang="fr-FR" sz="1400" dirty="0"/>
-              <a:t>Toutes les modifications UI via </a:t>
-            </a:r>
-            <a:r>
-              <a:rPr lang="fr-FR" sz="1400" dirty="0" err="1"/>
-              <a:t>SwingUtilities.invokeLater</a:t>
-            </a:r>
-            <a:r>
-              <a:rPr lang="fr-FR" sz="1400" dirty="0"/>
-              <a:t>()</a:t>
+              <a:rPr lang="en-GB" sz="1000"/>
+              <a:t>Toutes les modifications UI via SwingUtilities.invokeLater()</a:t>
             </a:r>
           </a:p>
           <a:p>
             <a:pPr marL="0" indent="0">
+              <a:lnSpc>
+                <a:spcPct val="90000"/>
+              </a:lnSpc>
               <a:buNone/>
             </a:pPr>
             <a:r>
-              <a:rPr lang="fr-FR" sz="1400" dirty="0"/>
-              <a:t>Évite les </a:t>
-            </a:r>
-            <a:r>
-              <a:rPr lang="fr-FR" sz="1400" dirty="0" err="1"/>
-              <a:t>IllegalStateException</a:t>
-            </a:r>
-            <a:r>
-              <a:rPr lang="fr-FR" sz="1400" dirty="0"/>
-              <a:t> et les corruptions d'affichage</a:t>
+              <a:rPr lang="en-GB" sz="1000"/>
+              <a:t>Évite les IllegalStateException et les corruptions d'affichage</a:t>
             </a:r>
           </a:p>
           <a:p>
             <a:pPr marL="0" indent="0">
+              <a:lnSpc>
+                <a:spcPct val="90000"/>
+              </a:lnSpc>
               <a:buNone/>
             </a:pPr>
             <a:r>
-              <a:rPr lang="fr-FR" sz="1400" dirty="0"/>
+              <a:rPr lang="en-GB" sz="1000"/>
               <a:t>Garantit la cohérence de l'état de l'interface</a:t>
             </a:r>
-            <a:endParaRPr sz="1400" dirty="0"/>
           </a:p>
         </p:txBody>
       </p:sp>
@@ -4895,7 +6525,7 @@
     <p:bg>
       <p:bgPr>
         <a:solidFill>
-          <a:srgbClr val="FFF0F0"/>
+          <a:schemeClr val="bg1"/>
         </a:solidFill>
         <a:effectLst/>
       </p:bgPr>
@@ -4914,6 +6544,66 @@
           <a:chExt cx="0" cy="0"/>
         </a:xfrm>
       </p:grpSpPr>
+      <p:sp useBgFill="1">
+        <p:nvSpPr>
+          <p:cNvPr id="8" name="Rectangle 7">
+            <a:extLst>
+              <a:ext uri="{FF2B5EF4-FFF2-40B4-BE49-F238E27FC236}">
+                <a16:creationId xmlns:a16="http://schemas.microsoft.com/office/drawing/2014/main" id="{100EDD19-6802-4EC3-95CE-CFFAB042CFD6}"/>
+              </a:ext>
+              <a:ext uri="{C183D7F6-B498-43B3-948B-1728B52AA6E4}">
+                <adec:decorative xmlns:adec="http://schemas.microsoft.com/office/drawing/2017/decorative" val="1"/>
+              </a:ext>
+            </a:extLst>
+          </p:cNvPr>
+          <p:cNvSpPr>
+            <a:spLocks noGrp="1" noRot="1" noChangeAspect="1" noMove="1" noResize="1" noEditPoints="1" noAdjustHandles="1" noChangeArrowheads="1" noChangeShapeType="1" noTextEdit="1"/>
+          </p:cNvSpPr>
+          <p:nvPr>
+            <p:extLst>
+              <p:ext uri="{386F3935-93C4-4BCD-93E2-E3B085C9AB24}">
+                <p16:designElem xmlns:p16="http://schemas.microsoft.com/office/powerpoint/2015/main" val="1"/>
+              </p:ext>
+            </p:extLst>
+          </p:nvPr>
+        </p:nvSpPr>
+        <p:spPr>
+          <a:xfrm>
+            <a:off x="0" y="0"/>
+            <a:ext cx="9141714" cy="6858000"/>
+          </a:xfrm>
+          <a:prstGeom prst="rect">
+            <a:avLst/>
+          </a:prstGeom>
+          <a:ln>
+            <a:noFill/>
+          </a:ln>
+        </p:spPr>
+        <p:style>
+          <a:lnRef idx="2">
+            <a:schemeClr val="accent1">
+              <a:shade val="50000"/>
+            </a:schemeClr>
+          </a:lnRef>
+          <a:fillRef idx="1">
+            <a:schemeClr val="accent1"/>
+          </a:fillRef>
+          <a:effectRef idx="0">
+            <a:schemeClr val="accent1"/>
+          </a:effectRef>
+          <a:fontRef idx="minor">
+            <a:schemeClr val="lt1"/>
+          </a:fontRef>
+        </p:style>
+        <p:txBody>
+          <a:bodyPr rtlCol="0" anchor="ctr"/>
+          <a:lstStyle/>
+          <a:p>
+            <a:pPr algn="ctr"/>
+            <a:endParaRPr lang="en-US"/>
+          </a:p>
+        </p:txBody>
+      </p:sp>
       <p:sp>
         <p:nvSpPr>
           <p:cNvPr id="2" name="Title 1"/>
@@ -4924,14 +6614,510 @@
             <p:ph type="title"/>
           </p:nvPr>
         </p:nvSpPr>
-        <p:spPr/>
+        <p:spPr>
+          <a:xfrm>
+            <a:off x="628650" y="365125"/>
+            <a:ext cx="7886700" cy="1325563"/>
+          </a:xfrm>
+        </p:spPr>
         <p:txBody>
-          <a:bodyPr/>
+          <a:bodyPr>
+            <a:normAutofit/>
+          </a:bodyPr>
           <a:lstStyle/>
           <a:p>
             <a:r>
+              <a:rPr lang="fr-CH" sz="4700"/>
               <a:t>Difficultés &amp; solutions</a:t>
             </a:r>
+          </a:p>
+        </p:txBody>
+      </p:sp>
+      <p:sp>
+        <p:nvSpPr>
+          <p:cNvPr id="10" name="sketch line">
+            <a:extLst>
+              <a:ext uri="{FF2B5EF4-FFF2-40B4-BE49-F238E27FC236}">
+                <a16:creationId xmlns:a16="http://schemas.microsoft.com/office/drawing/2014/main" id="{DB17E863-922E-4C26-BD64-E8FD41D28661}"/>
+              </a:ext>
+              <a:ext uri="{C183D7F6-B498-43B3-948B-1728B52AA6E4}">
+                <adec:decorative xmlns:adec="http://schemas.microsoft.com/office/drawing/2017/decorative" val="1"/>
+              </a:ext>
+            </a:extLst>
+          </p:cNvPr>
+          <p:cNvSpPr>
+            <a:spLocks noGrp="1" noRot="1" noChangeAspect="1" noMove="1" noResize="1" noEditPoints="1" noAdjustHandles="1" noChangeArrowheads="1" noChangeShapeType="1" noTextEdit="1"/>
+          </p:cNvSpPr>
+          <p:nvPr>
+            <p:extLst>
+              <p:ext uri="{386F3935-93C4-4BCD-93E2-E3B085C9AB24}">
+                <p16:designElem xmlns:p16="http://schemas.microsoft.com/office/powerpoint/2015/main" val="1"/>
+              </p:ext>
+            </p:extLst>
+          </p:nvPr>
+        </p:nvSpPr>
+        <p:spPr>
+          <a:xfrm>
+            <a:off x="501777" y="1677373"/>
+            <a:ext cx="8140446" cy="18288"/>
+          </a:xfrm>
+          <a:custGeom>
+            <a:avLst/>
+            <a:gdLst>
+              <a:gd name="connsiteX0" fmla="*/ 0 w 8140446"/>
+              <a:gd name="connsiteY0" fmla="*/ 0 h 18288"/>
+              <a:gd name="connsiteX1" fmla="*/ 434157 w 8140446"/>
+              <a:gd name="connsiteY1" fmla="*/ 0 h 18288"/>
+              <a:gd name="connsiteX2" fmla="*/ 1193932 w 8140446"/>
+              <a:gd name="connsiteY2" fmla="*/ 0 h 18288"/>
+              <a:gd name="connsiteX3" fmla="*/ 1628089 w 8140446"/>
+              <a:gd name="connsiteY3" fmla="*/ 0 h 18288"/>
+              <a:gd name="connsiteX4" fmla="*/ 2225055 w 8140446"/>
+              <a:gd name="connsiteY4" fmla="*/ 0 h 18288"/>
+              <a:gd name="connsiteX5" fmla="*/ 3066235 w 8140446"/>
+              <a:gd name="connsiteY5" fmla="*/ 0 h 18288"/>
+              <a:gd name="connsiteX6" fmla="*/ 3744605 w 8140446"/>
+              <a:gd name="connsiteY6" fmla="*/ 0 h 18288"/>
+              <a:gd name="connsiteX7" fmla="*/ 4504380 w 8140446"/>
+              <a:gd name="connsiteY7" fmla="*/ 0 h 18288"/>
+              <a:gd name="connsiteX8" fmla="*/ 5101346 w 8140446"/>
+              <a:gd name="connsiteY8" fmla="*/ 0 h 18288"/>
+              <a:gd name="connsiteX9" fmla="*/ 5779717 w 8140446"/>
+              <a:gd name="connsiteY9" fmla="*/ 0 h 18288"/>
+              <a:gd name="connsiteX10" fmla="*/ 6620896 w 8140446"/>
+              <a:gd name="connsiteY10" fmla="*/ 0 h 18288"/>
+              <a:gd name="connsiteX11" fmla="*/ 7136458 w 8140446"/>
+              <a:gd name="connsiteY11" fmla="*/ 0 h 18288"/>
+              <a:gd name="connsiteX12" fmla="*/ 8140446 w 8140446"/>
+              <a:gd name="connsiteY12" fmla="*/ 0 h 18288"/>
+              <a:gd name="connsiteX13" fmla="*/ 8140446 w 8140446"/>
+              <a:gd name="connsiteY13" fmla="*/ 18288 h 18288"/>
+              <a:gd name="connsiteX14" fmla="*/ 7543480 w 8140446"/>
+              <a:gd name="connsiteY14" fmla="*/ 18288 h 18288"/>
+              <a:gd name="connsiteX15" fmla="*/ 7109323 w 8140446"/>
+              <a:gd name="connsiteY15" fmla="*/ 18288 h 18288"/>
+              <a:gd name="connsiteX16" fmla="*/ 6430952 w 8140446"/>
+              <a:gd name="connsiteY16" fmla="*/ 18288 h 18288"/>
+              <a:gd name="connsiteX17" fmla="*/ 5915391 w 8140446"/>
+              <a:gd name="connsiteY17" fmla="*/ 18288 h 18288"/>
+              <a:gd name="connsiteX18" fmla="*/ 5237020 w 8140446"/>
+              <a:gd name="connsiteY18" fmla="*/ 18288 h 18288"/>
+              <a:gd name="connsiteX19" fmla="*/ 4558650 w 8140446"/>
+              <a:gd name="connsiteY19" fmla="*/ 18288 h 18288"/>
+              <a:gd name="connsiteX20" fmla="*/ 3880279 w 8140446"/>
+              <a:gd name="connsiteY20" fmla="*/ 18288 h 18288"/>
+              <a:gd name="connsiteX21" fmla="*/ 3201909 w 8140446"/>
+              <a:gd name="connsiteY21" fmla="*/ 18288 h 18288"/>
+              <a:gd name="connsiteX22" fmla="*/ 2604943 w 8140446"/>
+              <a:gd name="connsiteY22" fmla="*/ 18288 h 18288"/>
+              <a:gd name="connsiteX23" fmla="*/ 1845168 w 8140446"/>
+              <a:gd name="connsiteY23" fmla="*/ 18288 h 18288"/>
+              <a:gd name="connsiteX24" fmla="*/ 1166797 w 8140446"/>
+              <a:gd name="connsiteY24" fmla="*/ 18288 h 18288"/>
+              <a:gd name="connsiteX25" fmla="*/ 0 w 8140446"/>
+              <a:gd name="connsiteY25" fmla="*/ 18288 h 18288"/>
+              <a:gd name="connsiteX26" fmla="*/ 0 w 8140446"/>
+              <a:gd name="connsiteY26" fmla="*/ 0 h 18288"/>
+            </a:gdLst>
+            <a:ahLst/>
+            <a:cxnLst>
+              <a:cxn ang="0">
+                <a:pos x="connsiteX0" y="connsiteY0"/>
+              </a:cxn>
+              <a:cxn ang="0">
+                <a:pos x="connsiteX1" y="connsiteY1"/>
+              </a:cxn>
+              <a:cxn ang="0">
+                <a:pos x="connsiteX2" y="connsiteY2"/>
+              </a:cxn>
+              <a:cxn ang="0">
+                <a:pos x="connsiteX3" y="connsiteY3"/>
+              </a:cxn>
+              <a:cxn ang="0">
+                <a:pos x="connsiteX4" y="connsiteY4"/>
+              </a:cxn>
+              <a:cxn ang="0">
+                <a:pos x="connsiteX5" y="connsiteY5"/>
+              </a:cxn>
+              <a:cxn ang="0">
+                <a:pos x="connsiteX6" y="connsiteY6"/>
+              </a:cxn>
+              <a:cxn ang="0">
+                <a:pos x="connsiteX7" y="connsiteY7"/>
+              </a:cxn>
+              <a:cxn ang="0">
+                <a:pos x="connsiteX8" y="connsiteY8"/>
+              </a:cxn>
+              <a:cxn ang="0">
+                <a:pos x="connsiteX9" y="connsiteY9"/>
+              </a:cxn>
+              <a:cxn ang="0">
+                <a:pos x="connsiteX10" y="connsiteY10"/>
+              </a:cxn>
+              <a:cxn ang="0">
+                <a:pos x="connsiteX11" y="connsiteY11"/>
+              </a:cxn>
+              <a:cxn ang="0">
+                <a:pos x="connsiteX12" y="connsiteY12"/>
+              </a:cxn>
+              <a:cxn ang="0">
+                <a:pos x="connsiteX13" y="connsiteY13"/>
+              </a:cxn>
+              <a:cxn ang="0">
+                <a:pos x="connsiteX14" y="connsiteY14"/>
+              </a:cxn>
+              <a:cxn ang="0">
+                <a:pos x="connsiteX15" y="connsiteY15"/>
+              </a:cxn>
+              <a:cxn ang="0">
+                <a:pos x="connsiteX16" y="connsiteY16"/>
+              </a:cxn>
+              <a:cxn ang="0">
+                <a:pos x="connsiteX17" y="connsiteY17"/>
+              </a:cxn>
+              <a:cxn ang="0">
+                <a:pos x="connsiteX18" y="connsiteY18"/>
+              </a:cxn>
+              <a:cxn ang="0">
+                <a:pos x="connsiteX19" y="connsiteY19"/>
+              </a:cxn>
+              <a:cxn ang="0">
+                <a:pos x="connsiteX20" y="connsiteY20"/>
+              </a:cxn>
+              <a:cxn ang="0">
+                <a:pos x="connsiteX21" y="connsiteY21"/>
+              </a:cxn>
+              <a:cxn ang="0">
+                <a:pos x="connsiteX22" y="connsiteY22"/>
+              </a:cxn>
+              <a:cxn ang="0">
+                <a:pos x="connsiteX23" y="connsiteY23"/>
+              </a:cxn>
+              <a:cxn ang="0">
+                <a:pos x="connsiteX24" y="connsiteY24"/>
+              </a:cxn>
+              <a:cxn ang="0">
+                <a:pos x="connsiteX25" y="connsiteY25"/>
+              </a:cxn>
+              <a:cxn ang="0">
+                <a:pos x="connsiteX26" y="connsiteY26"/>
+              </a:cxn>
+            </a:cxnLst>
+            <a:rect l="l" t="t" r="r" b="b"/>
+            <a:pathLst>
+              <a:path w="8140446" h="18288" fill="none" extrusionOk="0">
+                <a:moveTo>
+                  <a:pt x="0" y="0"/>
+                </a:moveTo>
+                <a:cubicBezTo>
+                  <a:pt x="94920" y="9103"/>
+                  <a:pt x="287892" y="-4966"/>
+                  <a:pt x="434157" y="0"/>
+                </a:cubicBezTo>
+                <a:cubicBezTo>
+                  <a:pt x="580422" y="4966"/>
+                  <a:pt x="943595" y="-14182"/>
+                  <a:pt x="1193932" y="0"/>
+                </a:cubicBezTo>
+                <a:cubicBezTo>
+                  <a:pt x="1444270" y="14182"/>
+                  <a:pt x="1472129" y="5523"/>
+                  <a:pt x="1628089" y="0"/>
+                </a:cubicBezTo>
+                <a:cubicBezTo>
+                  <a:pt x="1784049" y="-5523"/>
+                  <a:pt x="1962419" y="-17322"/>
+                  <a:pt x="2225055" y="0"/>
+                </a:cubicBezTo>
+                <a:cubicBezTo>
+                  <a:pt x="2487691" y="17322"/>
+                  <a:pt x="2700681" y="1311"/>
+                  <a:pt x="3066235" y="0"/>
+                </a:cubicBezTo>
+                <a:cubicBezTo>
+                  <a:pt x="3431789" y="-1311"/>
+                  <a:pt x="3405662" y="25081"/>
+                  <a:pt x="3744605" y="0"/>
+                </a:cubicBezTo>
+                <a:cubicBezTo>
+                  <a:pt x="4083548" y="-25081"/>
+                  <a:pt x="4265111" y="-11945"/>
+                  <a:pt x="4504380" y="0"/>
+                </a:cubicBezTo>
+                <a:cubicBezTo>
+                  <a:pt x="4743649" y="11945"/>
+                  <a:pt x="4860394" y="-2832"/>
+                  <a:pt x="5101346" y="0"/>
+                </a:cubicBezTo>
+                <a:cubicBezTo>
+                  <a:pt x="5342298" y="2832"/>
+                  <a:pt x="5456387" y="23676"/>
+                  <a:pt x="5779717" y="0"/>
+                </a:cubicBezTo>
+                <a:cubicBezTo>
+                  <a:pt x="6103047" y="-23676"/>
+                  <a:pt x="6270379" y="-37291"/>
+                  <a:pt x="6620896" y="0"/>
+                </a:cubicBezTo>
+                <a:cubicBezTo>
+                  <a:pt x="6971413" y="37291"/>
+                  <a:pt x="6989068" y="24674"/>
+                  <a:pt x="7136458" y="0"/>
+                </a:cubicBezTo>
+                <a:cubicBezTo>
+                  <a:pt x="7283848" y="-24674"/>
+                  <a:pt x="7752532" y="-22436"/>
+                  <a:pt x="8140446" y="0"/>
+                </a:cubicBezTo>
+                <a:cubicBezTo>
+                  <a:pt x="8140314" y="7702"/>
+                  <a:pt x="8140234" y="13511"/>
+                  <a:pt x="8140446" y="18288"/>
+                </a:cubicBezTo>
+                <a:cubicBezTo>
+                  <a:pt x="7906329" y="-3043"/>
+                  <a:pt x="7681180" y="27465"/>
+                  <a:pt x="7543480" y="18288"/>
+                </a:cubicBezTo>
+                <a:cubicBezTo>
+                  <a:pt x="7405780" y="9111"/>
+                  <a:pt x="7216607" y="3660"/>
+                  <a:pt x="7109323" y="18288"/>
+                </a:cubicBezTo>
+                <a:cubicBezTo>
+                  <a:pt x="7002039" y="32916"/>
+                  <a:pt x="6576231" y="42692"/>
+                  <a:pt x="6430952" y="18288"/>
+                </a:cubicBezTo>
+                <a:cubicBezTo>
+                  <a:pt x="6285673" y="-6116"/>
+                  <a:pt x="6138840" y="34521"/>
+                  <a:pt x="5915391" y="18288"/>
+                </a:cubicBezTo>
+                <a:cubicBezTo>
+                  <a:pt x="5691942" y="2055"/>
+                  <a:pt x="5459460" y="51666"/>
+                  <a:pt x="5237020" y="18288"/>
+                </a:cubicBezTo>
+                <a:cubicBezTo>
+                  <a:pt x="5014580" y="-15090"/>
+                  <a:pt x="4747677" y="40449"/>
+                  <a:pt x="4558650" y="18288"/>
+                </a:cubicBezTo>
+                <a:cubicBezTo>
+                  <a:pt x="4369623" y="-3873"/>
+                  <a:pt x="4146061" y="12568"/>
+                  <a:pt x="3880279" y="18288"/>
+                </a:cubicBezTo>
+                <a:cubicBezTo>
+                  <a:pt x="3614497" y="24008"/>
+                  <a:pt x="3473808" y="-12908"/>
+                  <a:pt x="3201909" y="18288"/>
+                </a:cubicBezTo>
+                <a:cubicBezTo>
+                  <a:pt x="2930010" y="49484"/>
+                  <a:pt x="2728175" y="-3430"/>
+                  <a:pt x="2604943" y="18288"/>
+                </a:cubicBezTo>
+                <a:cubicBezTo>
+                  <a:pt x="2481711" y="40006"/>
+                  <a:pt x="2004334" y="26952"/>
+                  <a:pt x="1845168" y="18288"/>
+                </a:cubicBezTo>
+                <a:cubicBezTo>
+                  <a:pt x="1686003" y="9624"/>
+                  <a:pt x="1375070" y="37580"/>
+                  <a:pt x="1166797" y="18288"/>
+                </a:cubicBezTo>
+                <a:cubicBezTo>
+                  <a:pt x="958524" y="-1004"/>
+                  <a:pt x="342846" y="8880"/>
+                  <a:pt x="0" y="18288"/>
+                </a:cubicBezTo>
+                <a:cubicBezTo>
+                  <a:pt x="129" y="13298"/>
+                  <a:pt x="-675" y="6857"/>
+                  <a:pt x="0" y="0"/>
+                </a:cubicBezTo>
+                <a:close/>
+              </a:path>
+              <a:path w="8140446" h="18288" stroke="0" extrusionOk="0">
+                <a:moveTo>
+                  <a:pt x="0" y="0"/>
+                </a:moveTo>
+                <a:cubicBezTo>
+                  <a:pt x="142435" y="-24533"/>
+                  <a:pt x="380026" y="17447"/>
+                  <a:pt x="596966" y="0"/>
+                </a:cubicBezTo>
+                <a:cubicBezTo>
+                  <a:pt x="813906" y="-17447"/>
+                  <a:pt x="830530" y="13462"/>
+                  <a:pt x="1031123" y="0"/>
+                </a:cubicBezTo>
+                <a:cubicBezTo>
+                  <a:pt x="1231716" y="-13462"/>
+                  <a:pt x="1634038" y="0"/>
+                  <a:pt x="1872303" y="0"/>
+                </a:cubicBezTo>
+                <a:cubicBezTo>
+                  <a:pt x="2110568" y="0"/>
+                  <a:pt x="2261934" y="-25727"/>
+                  <a:pt x="2469269" y="0"/>
+                </a:cubicBezTo>
+                <a:cubicBezTo>
+                  <a:pt x="2676604" y="25727"/>
+                  <a:pt x="2790440" y="16284"/>
+                  <a:pt x="3066235" y="0"/>
+                </a:cubicBezTo>
+                <a:cubicBezTo>
+                  <a:pt x="3342030" y="-16284"/>
+                  <a:pt x="3685603" y="41976"/>
+                  <a:pt x="3907414" y="0"/>
+                </a:cubicBezTo>
+                <a:cubicBezTo>
+                  <a:pt x="4129225" y="-41976"/>
+                  <a:pt x="4177416" y="-7598"/>
+                  <a:pt x="4422976" y="0"/>
+                </a:cubicBezTo>
+                <a:cubicBezTo>
+                  <a:pt x="4668536" y="7598"/>
+                  <a:pt x="5023499" y="-28058"/>
+                  <a:pt x="5264155" y="0"/>
+                </a:cubicBezTo>
+                <a:cubicBezTo>
+                  <a:pt x="5504811" y="28058"/>
+                  <a:pt x="5703675" y="13288"/>
+                  <a:pt x="6105335" y="0"/>
+                </a:cubicBezTo>
+                <a:cubicBezTo>
+                  <a:pt x="6506995" y="-13288"/>
+                  <a:pt x="6455516" y="-5124"/>
+                  <a:pt x="6783705" y="0"/>
+                </a:cubicBezTo>
+                <a:cubicBezTo>
+                  <a:pt x="7111894" y="5124"/>
+                  <a:pt x="7512856" y="10604"/>
+                  <a:pt x="8140446" y="0"/>
+                </a:cubicBezTo>
+                <a:cubicBezTo>
+                  <a:pt x="8140458" y="8833"/>
+                  <a:pt x="8140986" y="9830"/>
+                  <a:pt x="8140446" y="18288"/>
+                </a:cubicBezTo>
+                <a:cubicBezTo>
+                  <a:pt x="7959314" y="3345"/>
+                  <a:pt x="7870113" y="10437"/>
+                  <a:pt x="7706289" y="18288"/>
+                </a:cubicBezTo>
+                <a:cubicBezTo>
+                  <a:pt x="7542465" y="26139"/>
+                  <a:pt x="7157940" y="17482"/>
+                  <a:pt x="6865109" y="18288"/>
+                </a:cubicBezTo>
+                <a:cubicBezTo>
+                  <a:pt x="6572278" y="19094"/>
+                  <a:pt x="6524256" y="38051"/>
+                  <a:pt x="6349548" y="18288"/>
+                </a:cubicBezTo>
+                <a:cubicBezTo>
+                  <a:pt x="6174840" y="-1475"/>
+                  <a:pt x="5951624" y="174"/>
+                  <a:pt x="5671177" y="18288"/>
+                </a:cubicBezTo>
+                <a:cubicBezTo>
+                  <a:pt x="5390730" y="36402"/>
+                  <a:pt x="5222992" y="60058"/>
+                  <a:pt x="4829998" y="18288"/>
+                </a:cubicBezTo>
+                <a:cubicBezTo>
+                  <a:pt x="4437004" y="-23482"/>
+                  <a:pt x="4344181" y="39087"/>
+                  <a:pt x="4151627" y="18288"/>
+                </a:cubicBezTo>
+                <a:cubicBezTo>
+                  <a:pt x="3959073" y="-2511"/>
+                  <a:pt x="3886970" y="32875"/>
+                  <a:pt x="3717470" y="18288"/>
+                </a:cubicBezTo>
+                <a:cubicBezTo>
+                  <a:pt x="3547970" y="3701"/>
+                  <a:pt x="3451521" y="31872"/>
+                  <a:pt x="3201909" y="18288"/>
+                </a:cubicBezTo>
+                <a:cubicBezTo>
+                  <a:pt x="2952297" y="4704"/>
+                  <a:pt x="2543413" y="6029"/>
+                  <a:pt x="2360729" y="18288"/>
+                </a:cubicBezTo>
+                <a:cubicBezTo>
+                  <a:pt x="2178045" y="30547"/>
+                  <a:pt x="1906056" y="25847"/>
+                  <a:pt x="1682359" y="18288"/>
+                </a:cubicBezTo>
+                <a:cubicBezTo>
+                  <a:pt x="1458662" y="10730"/>
+                  <a:pt x="1330405" y="8046"/>
+                  <a:pt x="1166797" y="18288"/>
+                </a:cubicBezTo>
+                <a:cubicBezTo>
+                  <a:pt x="1003189" y="28530"/>
+                  <a:pt x="278098" y="19533"/>
+                  <a:pt x="0" y="18288"/>
+                </a:cubicBezTo>
+                <a:cubicBezTo>
+                  <a:pt x="74" y="14054"/>
+                  <a:pt x="-46" y="6997"/>
+                  <a:pt x="0" y="0"/>
+                </a:cubicBezTo>
+                <a:close/>
+              </a:path>
+            </a:pathLst>
+          </a:custGeom>
+          <a:solidFill>
+            <a:schemeClr val="accent2"/>
+          </a:solidFill>
+          <a:ln w="41275" cap="rnd">
+            <a:solidFill>
+              <a:schemeClr val="accent2"/>
+            </a:solidFill>
+            <a:round/>
+            <a:extLst>
+              <a:ext uri="{C807C97D-BFC1-408E-A445-0C87EB9F89A2}">
+                <ask:lineSketchStyleProps xmlns:ask="http://schemas.microsoft.com/office/drawing/2018/sketchyshapes" sd="1219033472">
+                  <a:prstGeom prst="rect">
+                    <a:avLst/>
+                  </a:prstGeom>
+                  <ask:type>
+                    <ask:lineSketchFreehand/>
+                  </ask:type>
+                </ask:lineSketchStyleProps>
+              </a:ext>
+            </a:extLst>
+          </a:ln>
+        </p:spPr>
+        <p:style>
+          <a:lnRef idx="2">
+            <a:schemeClr val="accent1">
+              <a:shade val="50000"/>
+            </a:schemeClr>
+          </a:lnRef>
+          <a:fillRef idx="1">
+            <a:schemeClr val="accent1"/>
+          </a:fillRef>
+          <a:effectRef idx="0">
+            <a:schemeClr val="accent1"/>
+          </a:effectRef>
+          <a:fontRef idx="minor">
+            <a:schemeClr val="lt1"/>
+          </a:fontRef>
+        </p:style>
+        <p:txBody>
+          <a:bodyPr rtlCol="0" anchor="ctr"/>
+          <a:lstStyle/>
+          <a:p>
+            <a:pPr algn="ctr"/>
+            <a:endParaRPr lang="en-US"/>
           </a:p>
         </p:txBody>
       </p:sp>
@@ -4945,219 +7131,224 @@
             <p:ph idx="1"/>
           </p:nvPr>
         </p:nvSpPr>
-        <p:spPr/>
+        <p:spPr>
+          <a:xfrm>
+            <a:off x="628650" y="1929384"/>
+            <a:ext cx="7886700" cy="4251960"/>
+          </a:xfrm>
+        </p:spPr>
         <p:txBody>
           <a:bodyPr>
-            <a:normAutofit fontScale="92500" lnSpcReduction="20000"/>
+            <a:normAutofit/>
           </a:bodyPr>
           <a:lstStyle/>
           <a:p>
-            <a:endParaRPr dirty="0"/>
-          </a:p>
-          <a:p>
-            <a:r>
-              <a:rPr lang="fr-FR" sz="1900" b="1" dirty="0"/>
-              <a:t>Lecture audio impossible (</a:t>
-            </a:r>
-            <a:r>
-              <a:rPr lang="fr-FR" sz="1900" b="1" dirty="0" err="1"/>
-              <a:t>UnsupportedAudioFileException</a:t>
-            </a:r>
-            <a:r>
-              <a:rPr lang="fr-FR" sz="1900" b="1" dirty="0"/>
-              <a:t>)</a:t>
+            <a:pPr>
+              <a:lnSpc>
+                <a:spcPct val="90000"/>
+              </a:lnSpc>
+            </a:pPr>
+            <a:endParaRPr lang="fr-FR" sz="1200"/>
+          </a:p>
+          <a:p>
+            <a:pPr>
+              <a:lnSpc>
+                <a:spcPct val="90000"/>
+              </a:lnSpc>
+            </a:pPr>
+            <a:r>
+              <a:rPr lang="fr-FR" sz="1200" b="1"/>
+              <a:t>Lecture audio impossible (UnsupportedAudioFileException)</a:t>
             </a:r>
           </a:p>
           <a:p>
             <a:pPr marL="0" indent="0">
+              <a:lnSpc>
+                <a:spcPct val="90000"/>
+              </a:lnSpc>
               <a:buNone/>
             </a:pPr>
             <a:r>
-              <a:rPr lang="fr-FR" sz="1400" dirty="0"/>
-              <a:t>	Cause : Les fichiers .</a:t>
-            </a:r>
-            <a:r>
-              <a:rPr lang="fr-FR" sz="1400" dirty="0" err="1"/>
-              <a:t>wav</a:t>
-            </a:r>
-            <a:r>
-              <a:rPr lang="fr-FR" sz="1400" dirty="0"/>
-              <a:t> étaient encodés en 24-bit PCM, un format non supporté par </a:t>
-            </a:r>
-            <a:r>
-              <a:rPr lang="fr-FR" sz="1400" dirty="0" err="1"/>
-              <a:t>javax.sound.sampled</a:t>
-            </a:r>
-            <a:r>
-              <a:rPr lang="fr-FR" sz="1400" dirty="0"/>
-              <a:t>.</a:t>
+              <a:rPr lang="fr-FR" sz="1200"/>
+              <a:t>	Cause : Les fichiers .wav étaient encodés en 24-bit PCM, un format non supporté par javax.sound.sampled.</a:t>
             </a:r>
           </a:p>
           <a:p>
             <a:pPr marL="0" indent="0">
+              <a:lnSpc>
+                <a:spcPct val="90000"/>
+              </a:lnSpc>
               <a:buNone/>
             </a:pPr>
             <a:r>
-              <a:rPr lang="fr-FR" sz="1400" dirty="0"/>
-              <a:t>	Solution : Tous les sons ont été convertis en 16-bit PCM via </a:t>
-            </a:r>
-            <a:r>
-              <a:rPr lang="fr-FR" sz="1400" dirty="0" err="1"/>
-              <a:t>ffmpeg</a:t>
-            </a:r>
-            <a:r>
-              <a:rPr lang="fr-FR" sz="1400" dirty="0"/>
-              <a:t> pour assurer compatibilité Java.</a:t>
+              <a:rPr lang="fr-FR" sz="1200"/>
+              <a:t>	Solution : Tous les sons ont été convertis en 16-bit PCM via ffmpeg pour assurer compatibilité Java.</a:t>
             </a:r>
           </a:p>
           <a:p>
             <a:pPr marL="0" indent="0">
+              <a:lnSpc>
+                <a:spcPct val="90000"/>
+              </a:lnSpc>
               <a:buNone/>
             </a:pPr>
             <a:r>
-              <a:rPr lang="fr-FR" sz="1400" dirty="0"/>
+              <a:rPr lang="fr-FR" sz="1200"/>
               <a:t>________________________________________</a:t>
             </a:r>
           </a:p>
           <a:p>
-            <a:endParaRPr lang="fr-FR" sz="1900" b="1" dirty="0"/>
-          </a:p>
-          <a:p>
-            <a:r>
-              <a:rPr lang="fr-FR" sz="1900" b="1" dirty="0"/>
-              <a:t>Images non affichées (</a:t>
-            </a:r>
-            <a:r>
-              <a:rPr lang="fr-FR" sz="1900" b="1" dirty="0" err="1"/>
-              <a:t>null</a:t>
-            </a:r>
-            <a:r>
-              <a:rPr lang="fr-FR" sz="1900" b="1" dirty="0"/>
-              <a:t> URL, File not </a:t>
-            </a:r>
-            <a:r>
-              <a:rPr lang="fr-FR" sz="1900" b="1" dirty="0" err="1"/>
-              <a:t>found</a:t>
-            </a:r>
-            <a:r>
-              <a:rPr lang="fr-FR" sz="1900" b="1" dirty="0"/>
-              <a:t>)</a:t>
+            <a:pPr>
+              <a:lnSpc>
+                <a:spcPct val="90000"/>
+              </a:lnSpc>
+            </a:pPr>
+            <a:endParaRPr lang="fr-FR" sz="1200" b="1"/>
+          </a:p>
+          <a:p>
+            <a:pPr>
+              <a:lnSpc>
+                <a:spcPct val="90000"/>
+              </a:lnSpc>
+            </a:pPr>
+            <a:r>
+              <a:rPr lang="fr-FR" sz="1200" b="1"/>
+              <a:t>Images non affichées (null URL, File not found)</a:t>
             </a:r>
           </a:p>
           <a:p>
             <a:pPr marL="0" indent="0">
+              <a:lnSpc>
+                <a:spcPct val="90000"/>
+              </a:lnSpc>
               <a:buNone/>
             </a:pPr>
             <a:r>
-              <a:rPr lang="fr-FR" sz="1400" dirty="0"/>
-              <a:t>	Cause : Mauvaise gestion du chemin d’accès (</a:t>
-            </a:r>
-            <a:r>
-              <a:rPr lang="fr-FR" sz="1400" dirty="0" err="1"/>
-              <a:t>getResource</a:t>
-            </a:r>
-            <a:r>
-              <a:rPr lang="fr-FR" sz="1400" dirty="0"/>
-              <a:t>(...) inadapté au lancement local).</a:t>
+              <a:rPr lang="fr-FR" sz="1200"/>
+              <a:t>	Cause : Mauvaise gestion du chemin d’accès (getResource(...) inadapté au lancement local).</a:t>
             </a:r>
           </a:p>
           <a:p>
             <a:pPr marL="0" indent="0">
+              <a:lnSpc>
+                <a:spcPct val="90000"/>
+              </a:lnSpc>
               <a:buNone/>
             </a:pPr>
             <a:r>
-              <a:rPr lang="fr-FR" sz="1400" dirty="0"/>
+              <a:rPr lang="fr-FR" sz="1200"/>
               <a:t>	Solution : Copie du dossier images/sons a la sources.</a:t>
             </a:r>
           </a:p>
           <a:p>
             <a:pPr marL="0" indent="0">
+              <a:lnSpc>
+                <a:spcPct val="90000"/>
+              </a:lnSpc>
               <a:buNone/>
             </a:pPr>
             <a:r>
-              <a:rPr lang="fr-FR" sz="1400" dirty="0"/>
+              <a:rPr lang="fr-FR" sz="1200"/>
               <a:t>________________________________________</a:t>
             </a:r>
           </a:p>
           <a:p>
-            <a:endParaRPr lang="fr-FR" sz="1400" dirty="0"/>
-          </a:p>
-          <a:p>
-            <a:r>
-              <a:rPr lang="fr-FR" sz="1900" b="1" dirty="0"/>
+            <a:pPr>
+              <a:lnSpc>
+                <a:spcPct val="90000"/>
+              </a:lnSpc>
+            </a:pPr>
+            <a:endParaRPr lang="fr-FR" sz="1200"/>
+          </a:p>
+          <a:p>
+            <a:pPr>
+              <a:lnSpc>
+                <a:spcPct val="90000"/>
+              </a:lnSpc>
+            </a:pPr>
+            <a:r>
+              <a:rPr lang="fr-FR" sz="1200" b="1"/>
               <a:t>Plusieurs sons joués en parallèle</a:t>
             </a:r>
           </a:p>
           <a:p>
             <a:pPr marL="0" indent="0">
+              <a:lnSpc>
+                <a:spcPct val="90000"/>
+              </a:lnSpc>
               <a:buNone/>
             </a:pPr>
             <a:r>
-              <a:rPr lang="fr-FR" sz="1400" dirty="0"/>
+              <a:rPr lang="fr-FR" sz="1200"/>
               <a:t>	Cause : Aucun contrôle du Clip en cours → chevauchement des sons.</a:t>
             </a:r>
           </a:p>
           <a:p>
             <a:pPr marL="0" indent="0">
+              <a:lnSpc>
+                <a:spcPct val="90000"/>
+              </a:lnSpc>
               <a:buNone/>
             </a:pPr>
             <a:r>
-              <a:rPr lang="fr-FR" sz="1400" dirty="0"/>
-              <a:t>	Solution : Vérification via </a:t>
-            </a:r>
-            <a:r>
-              <a:rPr lang="fr-FR" sz="1400" dirty="0" err="1"/>
-              <a:t>currentClip.isRunning</a:t>
-            </a:r>
-            <a:r>
-              <a:rPr lang="fr-FR" sz="1400" dirty="0"/>
-              <a:t>() avant d’autoriser la lecture d’un nouveau son.</a:t>
+              <a:rPr lang="fr-FR" sz="1200"/>
+              <a:t>	Solution : Vérification via currentClip.isRunning() avant d’autoriser la lecture d’un nouveau son.</a:t>
             </a:r>
           </a:p>
           <a:p>
             <a:pPr marL="0" indent="0">
+              <a:lnSpc>
+                <a:spcPct val="90000"/>
+              </a:lnSpc>
               <a:buNone/>
             </a:pPr>
             <a:r>
-              <a:rPr lang="fr-FR" sz="1400" dirty="0"/>
+              <a:rPr lang="fr-FR" sz="1200"/>
               <a:t>________________________________________________________________________________</a:t>
             </a:r>
           </a:p>
           <a:p>
-            <a:endParaRPr lang="fr-FR" sz="1400" dirty="0"/>
-          </a:p>
-          <a:p>
-            <a:r>
-              <a:rPr lang="fr-FR" sz="1900" b="1" dirty="0"/>
+            <a:pPr>
+              <a:lnSpc>
+                <a:spcPct val="90000"/>
+              </a:lnSpc>
+            </a:pPr>
+            <a:endParaRPr lang="fr-FR" sz="1200"/>
+          </a:p>
+          <a:p>
+            <a:pPr>
+              <a:lnSpc>
+                <a:spcPct val="90000"/>
+              </a:lnSpc>
+            </a:pPr>
+            <a:r>
+              <a:rPr lang="fr-FR" sz="1200" b="1"/>
               <a:t>Réponse correcte, mais image absente (bug d’état)</a:t>
             </a:r>
           </a:p>
           <a:p>
             <a:pPr marL="0" indent="0">
+              <a:lnSpc>
+                <a:spcPct val="90000"/>
+              </a:lnSpc>
               <a:buNone/>
             </a:pPr>
             <a:r>
-              <a:rPr lang="fr-FR" sz="1400" dirty="0"/>
+              <a:rPr lang="fr-FR" sz="1200"/>
               <a:t>	Cause : Les modifications UI n’étaient pas dans le thread Swing (EDT), entraînant des comportements erratiques.</a:t>
             </a:r>
           </a:p>
           <a:p>
             <a:pPr marL="0" indent="0">
+              <a:lnSpc>
+                <a:spcPct val="90000"/>
+              </a:lnSpc>
               <a:buNone/>
             </a:pPr>
             <a:r>
-              <a:rPr lang="fr-FR" sz="1400" dirty="0"/>
-              <a:t>	Solution : Ajout de </a:t>
-            </a:r>
-            <a:r>
-              <a:rPr lang="fr-FR" sz="1400" dirty="0" err="1"/>
-              <a:t>SwingUtilities.invokeLater</a:t>
-            </a:r>
-            <a:r>
-              <a:rPr lang="fr-FR" sz="1400" dirty="0"/>
-              <a:t>(...) pour encapsuler toute mise à jour graphique.</a:t>
-            </a:r>
-            <a:endParaRPr sz="1400" dirty="0"/>
+              <a:rPr lang="fr-FR" sz="1200"/>
+              <a:t>	Solution : Ajout de SwingUtilities.invokeLater(...) pour encapsuler toute mise à jour graphique.</a:t>
+            </a:r>
           </a:p>
         </p:txBody>
       </p:sp>
@@ -5175,7 +7366,7 @@
     <p:bg>
       <p:bgPr>
         <a:solidFill>
-          <a:srgbClr val="F0F0F0"/>
+          <a:schemeClr val="bg1"/>
         </a:solidFill>
         <a:effectLst/>
       </p:bgPr>
@@ -5194,6 +7385,66 @@
           <a:chExt cx="0" cy="0"/>
         </a:xfrm>
       </p:grpSpPr>
+      <p:sp useBgFill="1">
+        <p:nvSpPr>
+          <p:cNvPr id="9" name="Rectangle 8">
+            <a:extLst>
+              <a:ext uri="{FF2B5EF4-FFF2-40B4-BE49-F238E27FC236}">
+                <a16:creationId xmlns:a16="http://schemas.microsoft.com/office/drawing/2014/main" id="{743AA782-23D1-4521-8CAD-47662984AA08}"/>
+              </a:ext>
+              <a:ext uri="{C183D7F6-B498-43B3-948B-1728B52AA6E4}">
+                <adec:decorative xmlns:adec="http://schemas.microsoft.com/office/drawing/2017/decorative" val="1"/>
+              </a:ext>
+            </a:extLst>
+          </p:cNvPr>
+          <p:cNvSpPr>
+            <a:spLocks noGrp="1" noRot="1" noChangeAspect="1" noMove="1" noResize="1" noEditPoints="1" noAdjustHandles="1" noChangeArrowheads="1" noChangeShapeType="1" noTextEdit="1"/>
+          </p:cNvSpPr>
+          <p:nvPr>
+            <p:extLst>
+              <p:ext uri="{386F3935-93C4-4BCD-93E2-E3B085C9AB24}">
+                <p16:designElem xmlns:p16="http://schemas.microsoft.com/office/powerpoint/2015/main" val="1"/>
+              </p:ext>
+            </p:extLst>
+          </p:nvPr>
+        </p:nvSpPr>
+        <p:spPr>
+          <a:xfrm>
+            <a:off x="0" y="0"/>
+            <a:ext cx="9144000" cy="6858000"/>
+          </a:xfrm>
+          <a:prstGeom prst="rect">
+            <a:avLst/>
+          </a:prstGeom>
+          <a:ln>
+            <a:noFill/>
+          </a:ln>
+        </p:spPr>
+        <p:style>
+          <a:lnRef idx="2">
+            <a:schemeClr val="accent1">
+              <a:shade val="50000"/>
+            </a:schemeClr>
+          </a:lnRef>
+          <a:fillRef idx="1">
+            <a:schemeClr val="accent1"/>
+          </a:fillRef>
+          <a:effectRef idx="0">
+            <a:schemeClr val="accent1"/>
+          </a:effectRef>
+          <a:fontRef idx="minor">
+            <a:schemeClr val="lt1"/>
+          </a:fontRef>
+        </p:style>
+        <p:txBody>
+          <a:bodyPr rtlCol="0" anchor="ctr"/>
+          <a:lstStyle/>
+          <a:p>
+            <a:pPr algn="ctr"/>
+            <a:endParaRPr lang="en-US"/>
+          </a:p>
+        </p:txBody>
+      </p:sp>
       <p:sp>
         <p:nvSpPr>
           <p:cNvPr id="2" name="Title 1"/>
@@ -5204,14 +7455,280 @@
             <p:ph type="title"/>
           </p:nvPr>
         </p:nvSpPr>
-        <p:spPr/>
+        <p:spPr>
+          <a:xfrm>
+            <a:off x="473202" y="640080"/>
+            <a:ext cx="3614166" cy="1481328"/>
+          </a:xfrm>
+        </p:spPr>
         <p:txBody>
-          <a:bodyPr/>
+          <a:bodyPr anchor="b">
+            <a:normAutofit/>
+          </a:bodyPr>
           <a:lstStyle/>
           <a:p>
-            <a:r>
+            <a:pPr>
+              <a:lnSpc>
+                <a:spcPct val="90000"/>
+              </a:lnSpc>
+            </a:pPr>
+            <a:r>
+              <a:rPr lang="fr-CH" sz="4700"/>
               <a:t>Conclusion &amp; auto‑critique</a:t>
             </a:r>
+          </a:p>
+        </p:txBody>
+      </p:sp>
+      <p:sp>
+        <p:nvSpPr>
+          <p:cNvPr id="11" name="sketch line">
+            <a:extLst>
+              <a:ext uri="{FF2B5EF4-FFF2-40B4-BE49-F238E27FC236}">
+                <a16:creationId xmlns:a16="http://schemas.microsoft.com/office/drawing/2014/main" id="{71877DBC-BB60-40F0-AC93-2ACDBAAE60CE}"/>
+              </a:ext>
+              <a:ext uri="{C183D7F6-B498-43B3-948B-1728B52AA6E4}">
+                <adec:decorative xmlns:adec="http://schemas.microsoft.com/office/drawing/2017/decorative" val="1"/>
+              </a:ext>
+            </a:extLst>
+          </p:cNvPr>
+          <p:cNvSpPr>
+            <a:spLocks noGrp="1" noRot="1" noChangeAspect="1" noMove="1" noResize="1" noEditPoints="1" noAdjustHandles="1" noChangeArrowheads="1" noChangeShapeType="1" noTextEdit="1"/>
+          </p:cNvSpPr>
+          <p:nvPr>
+            <p:extLst>
+              <p:ext uri="{386F3935-93C4-4BCD-93E2-E3B085C9AB24}">
+                <p16:designElem xmlns:p16="http://schemas.microsoft.com/office/powerpoint/2015/main" val="1"/>
+              </p:ext>
+            </p:extLst>
+          </p:nvPr>
+        </p:nvSpPr>
+        <p:spPr>
+          <a:xfrm>
+            <a:off x="482458" y="2372868"/>
+            <a:ext cx="2441321" cy="18288"/>
+          </a:xfrm>
+          <a:custGeom>
+            <a:avLst/>
+            <a:gdLst>
+              <a:gd name="connsiteX0" fmla="*/ 0 w 2441321"/>
+              <a:gd name="connsiteY0" fmla="*/ 0 h 18288"/>
+              <a:gd name="connsiteX1" fmla="*/ 585917 w 2441321"/>
+              <a:gd name="connsiteY1" fmla="*/ 0 h 18288"/>
+              <a:gd name="connsiteX2" fmla="*/ 1196247 w 2441321"/>
+              <a:gd name="connsiteY2" fmla="*/ 0 h 18288"/>
+              <a:gd name="connsiteX3" fmla="*/ 1806578 w 2441321"/>
+              <a:gd name="connsiteY3" fmla="*/ 0 h 18288"/>
+              <a:gd name="connsiteX4" fmla="*/ 2441321 w 2441321"/>
+              <a:gd name="connsiteY4" fmla="*/ 0 h 18288"/>
+              <a:gd name="connsiteX5" fmla="*/ 2441321 w 2441321"/>
+              <a:gd name="connsiteY5" fmla="*/ 18288 h 18288"/>
+              <a:gd name="connsiteX6" fmla="*/ 1830991 w 2441321"/>
+              <a:gd name="connsiteY6" fmla="*/ 18288 h 18288"/>
+              <a:gd name="connsiteX7" fmla="*/ 1269487 w 2441321"/>
+              <a:gd name="connsiteY7" fmla="*/ 18288 h 18288"/>
+              <a:gd name="connsiteX8" fmla="*/ 707983 w 2441321"/>
+              <a:gd name="connsiteY8" fmla="*/ 18288 h 18288"/>
+              <a:gd name="connsiteX9" fmla="*/ 0 w 2441321"/>
+              <a:gd name="connsiteY9" fmla="*/ 18288 h 18288"/>
+              <a:gd name="connsiteX10" fmla="*/ 0 w 2441321"/>
+              <a:gd name="connsiteY10" fmla="*/ 0 h 18288"/>
+            </a:gdLst>
+            <a:ahLst/>
+            <a:cxnLst>
+              <a:cxn ang="0">
+                <a:pos x="connsiteX0" y="connsiteY0"/>
+              </a:cxn>
+              <a:cxn ang="0">
+                <a:pos x="connsiteX1" y="connsiteY1"/>
+              </a:cxn>
+              <a:cxn ang="0">
+                <a:pos x="connsiteX2" y="connsiteY2"/>
+              </a:cxn>
+              <a:cxn ang="0">
+                <a:pos x="connsiteX3" y="connsiteY3"/>
+              </a:cxn>
+              <a:cxn ang="0">
+                <a:pos x="connsiteX4" y="connsiteY4"/>
+              </a:cxn>
+              <a:cxn ang="0">
+                <a:pos x="connsiteX5" y="connsiteY5"/>
+              </a:cxn>
+              <a:cxn ang="0">
+                <a:pos x="connsiteX6" y="connsiteY6"/>
+              </a:cxn>
+              <a:cxn ang="0">
+                <a:pos x="connsiteX7" y="connsiteY7"/>
+              </a:cxn>
+              <a:cxn ang="0">
+                <a:pos x="connsiteX8" y="connsiteY8"/>
+              </a:cxn>
+              <a:cxn ang="0">
+                <a:pos x="connsiteX9" y="connsiteY9"/>
+              </a:cxn>
+              <a:cxn ang="0">
+                <a:pos x="connsiteX10" y="connsiteY10"/>
+              </a:cxn>
+            </a:cxnLst>
+            <a:rect l="l" t="t" r="r" b="b"/>
+            <a:pathLst>
+              <a:path w="2441321" h="18288" fill="none" extrusionOk="0">
+                <a:moveTo>
+                  <a:pt x="0" y="0"/>
+                </a:moveTo>
+                <a:cubicBezTo>
+                  <a:pt x="273217" y="-17533"/>
+                  <a:pt x="355785" y="-4171"/>
+                  <a:pt x="585917" y="0"/>
+                </a:cubicBezTo>
+                <a:cubicBezTo>
+                  <a:pt x="816049" y="4171"/>
+                  <a:pt x="991446" y="-9419"/>
+                  <a:pt x="1196247" y="0"/>
+                </a:cubicBezTo>
+                <a:cubicBezTo>
+                  <a:pt x="1401048" y="9419"/>
+                  <a:pt x="1589984" y="-731"/>
+                  <a:pt x="1806578" y="0"/>
+                </a:cubicBezTo>
+                <a:cubicBezTo>
+                  <a:pt x="2023172" y="731"/>
+                  <a:pt x="2247754" y="8393"/>
+                  <a:pt x="2441321" y="0"/>
+                </a:cubicBezTo>
+                <a:cubicBezTo>
+                  <a:pt x="2441167" y="8655"/>
+                  <a:pt x="2440437" y="9975"/>
+                  <a:pt x="2441321" y="18288"/>
+                </a:cubicBezTo>
+                <a:cubicBezTo>
+                  <a:pt x="2169723" y="30506"/>
+                  <a:pt x="2045712" y="39140"/>
+                  <a:pt x="1830991" y="18288"/>
+                </a:cubicBezTo>
+                <a:cubicBezTo>
+                  <a:pt x="1616270" y="-2564"/>
+                  <a:pt x="1505876" y="3949"/>
+                  <a:pt x="1269487" y="18288"/>
+                </a:cubicBezTo>
+                <a:cubicBezTo>
+                  <a:pt x="1033098" y="32627"/>
+                  <a:pt x="908661" y="41191"/>
+                  <a:pt x="707983" y="18288"/>
+                </a:cubicBezTo>
+                <a:cubicBezTo>
+                  <a:pt x="507305" y="-4615"/>
+                  <a:pt x="333592" y="20759"/>
+                  <a:pt x="0" y="18288"/>
+                </a:cubicBezTo>
+                <a:cubicBezTo>
+                  <a:pt x="-688" y="11716"/>
+                  <a:pt x="875" y="6357"/>
+                  <a:pt x="0" y="0"/>
+                </a:cubicBezTo>
+                <a:close/>
+              </a:path>
+              <a:path w="2441321" h="18288" stroke="0" extrusionOk="0">
+                <a:moveTo>
+                  <a:pt x="0" y="0"/>
+                </a:moveTo>
+                <a:cubicBezTo>
+                  <a:pt x="207071" y="-14617"/>
+                  <a:pt x="444194" y="-15606"/>
+                  <a:pt x="585917" y="0"/>
+                </a:cubicBezTo>
+                <a:cubicBezTo>
+                  <a:pt x="727640" y="15606"/>
+                  <a:pt x="904326" y="-79"/>
+                  <a:pt x="1123008" y="0"/>
+                </a:cubicBezTo>
+                <a:cubicBezTo>
+                  <a:pt x="1341690" y="79"/>
+                  <a:pt x="1600014" y="10401"/>
+                  <a:pt x="1782164" y="0"/>
+                </a:cubicBezTo>
+                <a:cubicBezTo>
+                  <a:pt x="1964314" y="-10401"/>
+                  <a:pt x="2143537" y="-21488"/>
+                  <a:pt x="2441321" y="0"/>
+                </a:cubicBezTo>
+                <a:cubicBezTo>
+                  <a:pt x="2441735" y="5928"/>
+                  <a:pt x="2441551" y="11133"/>
+                  <a:pt x="2441321" y="18288"/>
+                </a:cubicBezTo>
+                <a:cubicBezTo>
+                  <a:pt x="2166745" y="28773"/>
+                  <a:pt x="2078726" y="15476"/>
+                  <a:pt x="1879817" y="18288"/>
+                </a:cubicBezTo>
+                <a:cubicBezTo>
+                  <a:pt x="1680908" y="21100"/>
+                  <a:pt x="1548770" y="-4127"/>
+                  <a:pt x="1318313" y="18288"/>
+                </a:cubicBezTo>
+                <a:cubicBezTo>
+                  <a:pt x="1087856" y="40703"/>
+                  <a:pt x="894613" y="3927"/>
+                  <a:pt x="659157" y="18288"/>
+                </a:cubicBezTo>
+                <a:cubicBezTo>
+                  <a:pt x="423701" y="32649"/>
+                  <a:pt x="246611" y="33975"/>
+                  <a:pt x="0" y="18288"/>
+                </a:cubicBezTo>
+                <a:cubicBezTo>
+                  <a:pt x="-348" y="10388"/>
+                  <a:pt x="-12" y="3969"/>
+                  <a:pt x="0" y="0"/>
+                </a:cubicBezTo>
+                <a:close/>
+              </a:path>
+            </a:pathLst>
+          </a:custGeom>
+          <a:solidFill>
+            <a:schemeClr val="accent2"/>
+          </a:solidFill>
+          <a:ln w="38100" cap="rnd">
+            <a:solidFill>
+              <a:schemeClr val="accent2"/>
+            </a:solidFill>
+            <a:round/>
+            <a:extLst>
+              <a:ext uri="{C807C97D-BFC1-408E-A445-0C87EB9F89A2}">
+                <ask:lineSketchStyleProps xmlns:ask="http://schemas.microsoft.com/office/drawing/2018/sketchyshapes" sd="1219033472">
+                  <a:prstGeom prst="rect">
+                    <a:avLst/>
+                  </a:prstGeom>
+                  <ask:type>
+                    <ask:lineSketchFreehand/>
+                  </ask:type>
+                </ask:lineSketchStyleProps>
+              </a:ext>
+            </a:extLst>
+          </a:ln>
+        </p:spPr>
+        <p:style>
+          <a:lnRef idx="2">
+            <a:schemeClr val="accent1">
+              <a:shade val="50000"/>
+            </a:schemeClr>
+          </a:lnRef>
+          <a:fillRef idx="1">
+            <a:schemeClr val="accent1"/>
+          </a:fillRef>
+          <a:effectRef idx="0">
+            <a:schemeClr val="accent1"/>
+          </a:effectRef>
+          <a:fontRef idx="minor">
+            <a:schemeClr val="lt1"/>
+          </a:fontRef>
+        </p:style>
+        <p:txBody>
+          <a:bodyPr rtlCol="0" anchor="ctr"/>
+          <a:lstStyle/>
+          <a:p>
+            <a:pPr algn="ctr"/>
+            <a:endParaRPr lang="en-US"/>
           </a:p>
         </p:txBody>
       </p:sp>
@@ -5225,92 +7742,98 @@
             <p:ph idx="1"/>
           </p:nvPr>
         </p:nvSpPr>
-        <p:spPr/>
+        <p:spPr>
+          <a:xfrm>
+            <a:off x="473202" y="2660904"/>
+            <a:ext cx="3614166" cy="3547872"/>
+          </a:xfrm>
+        </p:spPr>
         <p:txBody>
-          <a:bodyPr/>
+          <a:bodyPr anchor="t">
+            <a:normAutofit/>
+          </a:bodyPr>
           <a:lstStyle/>
           <a:p>
-            <a:endParaRPr sz="1800" b="1" dirty="0"/>
-          </a:p>
-          <a:p>
-            <a:r>
-              <a:rPr sz="1800" b="1" dirty="0"/>
-              <a:t>Swing &amp; MVC </a:t>
-            </a:r>
-            <a:r>
-              <a:rPr sz="1800" b="1" dirty="0" err="1"/>
-              <a:t>maîtrisés</a:t>
-            </a:r>
-            <a:r>
-              <a:rPr sz="1800" b="1" dirty="0"/>
-              <a:t>, code </a:t>
-            </a:r>
-            <a:r>
-              <a:rPr sz="1800" b="1" dirty="0" err="1"/>
-              <a:t>commenté</a:t>
-            </a:r>
-            <a:r>
-              <a:rPr sz="1800" b="1" dirty="0"/>
-              <a:t>.</a:t>
-            </a:r>
-          </a:p>
-          <a:p>
-            <a:r>
-              <a:rPr sz="1800" b="1" dirty="0" err="1"/>
-              <a:t>Robuste</a:t>
-            </a:r>
-            <a:r>
-              <a:rPr sz="1800" b="1" dirty="0"/>
-              <a:t> sur </a:t>
-            </a:r>
-            <a:r>
-              <a:rPr sz="1800" b="1" dirty="0" err="1"/>
-              <a:t>ressources</a:t>
-            </a:r>
-            <a:r>
-              <a:rPr sz="1800" b="1" dirty="0"/>
-              <a:t> &amp; audio.</a:t>
-            </a:r>
-          </a:p>
-          <a:p>
-            <a:r>
-              <a:rPr sz="1800" b="1" dirty="0" err="1"/>
-              <a:t>Améliorations</a:t>
-            </a:r>
-            <a:r>
-              <a:rPr sz="1800" b="1" dirty="0"/>
-              <a:t> : perf images, tests, UI/UX.</a:t>
-            </a:r>
-            <a:endParaRPr lang="fr-FR" sz="1800" b="1" dirty="0"/>
-          </a:p>
-          <a:p>
-            <a:r>
-              <a:rPr lang="fr-FR" sz="1800" b="1" dirty="0"/>
+            <a:pPr>
+              <a:lnSpc>
+                <a:spcPct val="90000"/>
+              </a:lnSpc>
+            </a:pPr>
+            <a:endParaRPr lang="fr-FR" sz="1900" b="1"/>
+          </a:p>
+          <a:p>
+            <a:pPr>
+              <a:lnSpc>
+                <a:spcPct val="90000"/>
+              </a:lnSpc>
+            </a:pPr>
+            <a:r>
+              <a:rPr lang="fr-FR" sz="1900" b="1"/>
+              <a:t>Swing &amp; MVC maîtrisés, code commenté.</a:t>
+            </a:r>
+          </a:p>
+          <a:p>
+            <a:pPr>
+              <a:lnSpc>
+                <a:spcPct val="90000"/>
+              </a:lnSpc>
+            </a:pPr>
+            <a:r>
+              <a:rPr lang="fr-FR" sz="1900" b="1"/>
+              <a:t>Robuste sur ressources &amp; audio.</a:t>
+            </a:r>
+          </a:p>
+          <a:p>
+            <a:pPr>
+              <a:lnSpc>
+                <a:spcPct val="90000"/>
+              </a:lnSpc>
+            </a:pPr>
+            <a:r>
+              <a:rPr lang="fr-FR" sz="1900" b="1"/>
+              <a:t>Améliorations : perf images, tests, UI/UX.</a:t>
+            </a:r>
+          </a:p>
+          <a:p>
+            <a:pPr>
+              <a:lnSpc>
+                <a:spcPct val="90000"/>
+              </a:lnSpc>
+            </a:pPr>
+            <a:r>
+              <a:rPr lang="fr-FR" sz="1900" b="1"/>
               <a:t>Persistances scores (JSON).</a:t>
             </a:r>
           </a:p>
           <a:p>
-            <a:r>
-              <a:rPr lang="fr-FR" sz="1800" b="1" dirty="0"/>
-              <a:t>Portage éventuel vers </a:t>
-            </a:r>
-            <a:r>
-              <a:rPr lang="fr-FR" sz="1800" b="1" dirty="0" err="1"/>
-              <a:t>JavaFX</a:t>
-            </a:r>
-            <a:r>
-              <a:rPr lang="fr-FR" sz="1800" b="1" dirty="0"/>
-              <a:t>.</a:t>
-            </a:r>
-          </a:p>
-          <a:p>
-            <a:r>
-              <a:rPr lang="fr-FR" sz="1800" b="1" dirty="0"/>
+            <a:pPr>
+              <a:lnSpc>
+                <a:spcPct val="90000"/>
+              </a:lnSpc>
+            </a:pPr>
+            <a:r>
+              <a:rPr lang="fr-FR" sz="1900" b="1"/>
+              <a:t>Portage éventuel vers JavaFX.</a:t>
+            </a:r>
+          </a:p>
+          <a:p>
+            <a:pPr>
+              <a:lnSpc>
+                <a:spcPct val="90000"/>
+              </a:lnSpc>
+            </a:pPr>
+            <a:r>
+              <a:rPr lang="fr-FR" sz="1900" b="1"/>
               <a:t>Tests unitaires supplémentaires.</a:t>
             </a:r>
           </a:p>
           <a:p>
-            <a:endParaRPr sz="1400" dirty="0"/>
+            <a:pPr>
+              <a:lnSpc>
+                <a:spcPct val="90000"/>
+              </a:lnSpc>
+            </a:pPr>
+            <a:endParaRPr lang="fr-FR" sz="1900"/>
           </a:p>
         </p:txBody>
       </p:sp>
@@ -5336,8 +7859,8 @@
         </p:blipFill>
         <p:spPr>
           <a:xfrm>
-            <a:off x="4014355" y="3429001"/>
-            <a:ext cx="5129645" cy="3429000"/>
+            <a:off x="4574286" y="2062552"/>
+            <a:ext cx="4094226" cy="2732895"/>
           </a:xfrm>
           <a:prstGeom prst="rect">
             <a:avLst/>
@@ -5358,7 +7881,7 @@
     <p:bg>
       <p:bgPr>
         <a:solidFill>
-          <a:srgbClr val="FFFAE6"/>
+          <a:schemeClr val="bg1"/>
         </a:solidFill>
         <a:effectLst/>
       </p:bgPr>
@@ -5377,6 +7900,66 @@
           <a:chExt cx="0" cy="0"/>
         </a:xfrm>
       </p:grpSpPr>
+      <p:sp useBgFill="1">
+        <p:nvSpPr>
+          <p:cNvPr id="30" name="Rectangle 29">
+            <a:extLst>
+              <a:ext uri="{FF2B5EF4-FFF2-40B4-BE49-F238E27FC236}">
+                <a16:creationId xmlns:a16="http://schemas.microsoft.com/office/drawing/2014/main" id="{100EDD19-6802-4EC3-95CE-CFFAB042CFD6}"/>
+              </a:ext>
+              <a:ext uri="{C183D7F6-B498-43B3-948B-1728B52AA6E4}">
+                <adec:decorative xmlns:adec="http://schemas.microsoft.com/office/drawing/2017/decorative" val="1"/>
+              </a:ext>
+            </a:extLst>
+          </p:cNvPr>
+          <p:cNvSpPr>
+            <a:spLocks noGrp="1" noRot="1" noChangeAspect="1" noMove="1" noResize="1" noEditPoints="1" noAdjustHandles="1" noChangeArrowheads="1" noChangeShapeType="1" noTextEdit="1"/>
+          </p:cNvSpPr>
+          <p:nvPr>
+            <p:extLst>
+              <p:ext uri="{386F3935-93C4-4BCD-93E2-E3B085C9AB24}">
+                <p16:designElem xmlns:p16="http://schemas.microsoft.com/office/powerpoint/2015/main" val="1"/>
+              </p:ext>
+            </p:extLst>
+          </p:nvPr>
+        </p:nvSpPr>
+        <p:spPr>
+          <a:xfrm>
+            <a:off x="0" y="0"/>
+            <a:ext cx="9141714" cy="6858000"/>
+          </a:xfrm>
+          <a:prstGeom prst="rect">
+            <a:avLst/>
+          </a:prstGeom>
+          <a:ln>
+            <a:noFill/>
+          </a:ln>
+        </p:spPr>
+        <p:style>
+          <a:lnRef idx="2">
+            <a:schemeClr val="accent1">
+              <a:shade val="50000"/>
+            </a:schemeClr>
+          </a:lnRef>
+          <a:fillRef idx="1">
+            <a:schemeClr val="accent1"/>
+          </a:fillRef>
+          <a:effectRef idx="0">
+            <a:schemeClr val="accent1"/>
+          </a:effectRef>
+          <a:fontRef idx="minor">
+            <a:schemeClr val="lt1"/>
+          </a:fontRef>
+        </p:style>
+        <p:txBody>
+          <a:bodyPr rtlCol="0" anchor="ctr"/>
+          <a:lstStyle/>
+          <a:p>
+            <a:pPr algn="ctr"/>
+            <a:endParaRPr lang="en-US"/>
+          </a:p>
+        </p:txBody>
+      </p:sp>
       <p:sp>
         <p:nvSpPr>
           <p:cNvPr id="2" name="Title 1"/>
@@ -5387,30 +7970,516 @@
             <p:ph type="title"/>
           </p:nvPr>
         </p:nvSpPr>
-        <p:spPr/>
+        <p:spPr>
+          <a:xfrm>
+            <a:off x="628650" y="365125"/>
+            <a:ext cx="7886700" cy="1325563"/>
+          </a:xfrm>
+        </p:spPr>
         <p:txBody>
-          <a:bodyPr/>
+          <a:bodyPr>
+            <a:normAutofit/>
+          </a:bodyPr>
           <a:lstStyle/>
           <a:p>
             <a:r>
-              <a:rPr dirty="0" err="1"/>
-              <a:t>Présentation</a:t>
-            </a:r>
-            <a:r>
-              <a:rPr dirty="0"/>
-              <a:t> du </a:t>
-            </a:r>
-            <a:r>
-              <a:rPr dirty="0" err="1"/>
-              <a:t>projet</a:t>
-            </a:r>
-            <a:endParaRPr dirty="0"/>
+              <a:rPr lang="fr-CH" sz="4700"/>
+              <a:t>Présentation du projet</a:t>
+            </a:r>
           </a:p>
         </p:txBody>
       </p:sp>
       <p:sp>
         <p:nvSpPr>
-          <p:cNvPr id="3" name="Content Placeholder 2"/>
+          <p:cNvPr id="31" name="sketch line">
+            <a:extLst>
+              <a:ext uri="{FF2B5EF4-FFF2-40B4-BE49-F238E27FC236}">
+                <a16:creationId xmlns:a16="http://schemas.microsoft.com/office/drawing/2014/main" id="{DB17E863-922E-4C26-BD64-E8FD41D28661}"/>
+              </a:ext>
+              <a:ext uri="{C183D7F6-B498-43B3-948B-1728B52AA6E4}">
+                <adec:decorative xmlns:adec="http://schemas.microsoft.com/office/drawing/2017/decorative" val="1"/>
+              </a:ext>
+            </a:extLst>
+          </p:cNvPr>
+          <p:cNvSpPr>
+            <a:spLocks noGrp="1" noRot="1" noChangeAspect="1" noMove="1" noResize="1" noEditPoints="1" noAdjustHandles="1" noChangeArrowheads="1" noChangeShapeType="1" noTextEdit="1"/>
+          </p:cNvSpPr>
+          <p:nvPr>
+            <p:extLst>
+              <p:ext uri="{386F3935-93C4-4BCD-93E2-E3B085C9AB24}">
+                <p16:designElem xmlns:p16="http://schemas.microsoft.com/office/powerpoint/2015/main" val="1"/>
+              </p:ext>
+            </p:extLst>
+          </p:nvPr>
+        </p:nvSpPr>
+        <p:spPr>
+          <a:xfrm>
+            <a:off x="501777" y="1677373"/>
+            <a:ext cx="8140446" cy="18288"/>
+          </a:xfrm>
+          <a:custGeom>
+            <a:avLst/>
+            <a:gdLst>
+              <a:gd name="connsiteX0" fmla="*/ 0 w 8140446"/>
+              <a:gd name="connsiteY0" fmla="*/ 0 h 18288"/>
+              <a:gd name="connsiteX1" fmla="*/ 434157 w 8140446"/>
+              <a:gd name="connsiteY1" fmla="*/ 0 h 18288"/>
+              <a:gd name="connsiteX2" fmla="*/ 1193932 w 8140446"/>
+              <a:gd name="connsiteY2" fmla="*/ 0 h 18288"/>
+              <a:gd name="connsiteX3" fmla="*/ 1628089 w 8140446"/>
+              <a:gd name="connsiteY3" fmla="*/ 0 h 18288"/>
+              <a:gd name="connsiteX4" fmla="*/ 2225055 w 8140446"/>
+              <a:gd name="connsiteY4" fmla="*/ 0 h 18288"/>
+              <a:gd name="connsiteX5" fmla="*/ 3066235 w 8140446"/>
+              <a:gd name="connsiteY5" fmla="*/ 0 h 18288"/>
+              <a:gd name="connsiteX6" fmla="*/ 3744605 w 8140446"/>
+              <a:gd name="connsiteY6" fmla="*/ 0 h 18288"/>
+              <a:gd name="connsiteX7" fmla="*/ 4504380 w 8140446"/>
+              <a:gd name="connsiteY7" fmla="*/ 0 h 18288"/>
+              <a:gd name="connsiteX8" fmla="*/ 5101346 w 8140446"/>
+              <a:gd name="connsiteY8" fmla="*/ 0 h 18288"/>
+              <a:gd name="connsiteX9" fmla="*/ 5779717 w 8140446"/>
+              <a:gd name="connsiteY9" fmla="*/ 0 h 18288"/>
+              <a:gd name="connsiteX10" fmla="*/ 6620896 w 8140446"/>
+              <a:gd name="connsiteY10" fmla="*/ 0 h 18288"/>
+              <a:gd name="connsiteX11" fmla="*/ 7136458 w 8140446"/>
+              <a:gd name="connsiteY11" fmla="*/ 0 h 18288"/>
+              <a:gd name="connsiteX12" fmla="*/ 8140446 w 8140446"/>
+              <a:gd name="connsiteY12" fmla="*/ 0 h 18288"/>
+              <a:gd name="connsiteX13" fmla="*/ 8140446 w 8140446"/>
+              <a:gd name="connsiteY13" fmla="*/ 18288 h 18288"/>
+              <a:gd name="connsiteX14" fmla="*/ 7543480 w 8140446"/>
+              <a:gd name="connsiteY14" fmla="*/ 18288 h 18288"/>
+              <a:gd name="connsiteX15" fmla="*/ 7109323 w 8140446"/>
+              <a:gd name="connsiteY15" fmla="*/ 18288 h 18288"/>
+              <a:gd name="connsiteX16" fmla="*/ 6430952 w 8140446"/>
+              <a:gd name="connsiteY16" fmla="*/ 18288 h 18288"/>
+              <a:gd name="connsiteX17" fmla="*/ 5915391 w 8140446"/>
+              <a:gd name="connsiteY17" fmla="*/ 18288 h 18288"/>
+              <a:gd name="connsiteX18" fmla="*/ 5237020 w 8140446"/>
+              <a:gd name="connsiteY18" fmla="*/ 18288 h 18288"/>
+              <a:gd name="connsiteX19" fmla="*/ 4558650 w 8140446"/>
+              <a:gd name="connsiteY19" fmla="*/ 18288 h 18288"/>
+              <a:gd name="connsiteX20" fmla="*/ 3880279 w 8140446"/>
+              <a:gd name="connsiteY20" fmla="*/ 18288 h 18288"/>
+              <a:gd name="connsiteX21" fmla="*/ 3201909 w 8140446"/>
+              <a:gd name="connsiteY21" fmla="*/ 18288 h 18288"/>
+              <a:gd name="connsiteX22" fmla="*/ 2604943 w 8140446"/>
+              <a:gd name="connsiteY22" fmla="*/ 18288 h 18288"/>
+              <a:gd name="connsiteX23" fmla="*/ 1845168 w 8140446"/>
+              <a:gd name="connsiteY23" fmla="*/ 18288 h 18288"/>
+              <a:gd name="connsiteX24" fmla="*/ 1166797 w 8140446"/>
+              <a:gd name="connsiteY24" fmla="*/ 18288 h 18288"/>
+              <a:gd name="connsiteX25" fmla="*/ 0 w 8140446"/>
+              <a:gd name="connsiteY25" fmla="*/ 18288 h 18288"/>
+              <a:gd name="connsiteX26" fmla="*/ 0 w 8140446"/>
+              <a:gd name="connsiteY26" fmla="*/ 0 h 18288"/>
+            </a:gdLst>
+            <a:ahLst/>
+            <a:cxnLst>
+              <a:cxn ang="0">
+                <a:pos x="connsiteX0" y="connsiteY0"/>
+              </a:cxn>
+              <a:cxn ang="0">
+                <a:pos x="connsiteX1" y="connsiteY1"/>
+              </a:cxn>
+              <a:cxn ang="0">
+                <a:pos x="connsiteX2" y="connsiteY2"/>
+              </a:cxn>
+              <a:cxn ang="0">
+                <a:pos x="connsiteX3" y="connsiteY3"/>
+              </a:cxn>
+              <a:cxn ang="0">
+                <a:pos x="connsiteX4" y="connsiteY4"/>
+              </a:cxn>
+              <a:cxn ang="0">
+                <a:pos x="connsiteX5" y="connsiteY5"/>
+              </a:cxn>
+              <a:cxn ang="0">
+                <a:pos x="connsiteX6" y="connsiteY6"/>
+              </a:cxn>
+              <a:cxn ang="0">
+                <a:pos x="connsiteX7" y="connsiteY7"/>
+              </a:cxn>
+              <a:cxn ang="0">
+                <a:pos x="connsiteX8" y="connsiteY8"/>
+              </a:cxn>
+              <a:cxn ang="0">
+                <a:pos x="connsiteX9" y="connsiteY9"/>
+              </a:cxn>
+              <a:cxn ang="0">
+                <a:pos x="connsiteX10" y="connsiteY10"/>
+              </a:cxn>
+              <a:cxn ang="0">
+                <a:pos x="connsiteX11" y="connsiteY11"/>
+              </a:cxn>
+              <a:cxn ang="0">
+                <a:pos x="connsiteX12" y="connsiteY12"/>
+              </a:cxn>
+              <a:cxn ang="0">
+                <a:pos x="connsiteX13" y="connsiteY13"/>
+              </a:cxn>
+              <a:cxn ang="0">
+                <a:pos x="connsiteX14" y="connsiteY14"/>
+              </a:cxn>
+              <a:cxn ang="0">
+                <a:pos x="connsiteX15" y="connsiteY15"/>
+              </a:cxn>
+              <a:cxn ang="0">
+                <a:pos x="connsiteX16" y="connsiteY16"/>
+              </a:cxn>
+              <a:cxn ang="0">
+                <a:pos x="connsiteX17" y="connsiteY17"/>
+              </a:cxn>
+              <a:cxn ang="0">
+                <a:pos x="connsiteX18" y="connsiteY18"/>
+              </a:cxn>
+              <a:cxn ang="0">
+                <a:pos x="connsiteX19" y="connsiteY19"/>
+              </a:cxn>
+              <a:cxn ang="0">
+                <a:pos x="connsiteX20" y="connsiteY20"/>
+              </a:cxn>
+              <a:cxn ang="0">
+                <a:pos x="connsiteX21" y="connsiteY21"/>
+              </a:cxn>
+              <a:cxn ang="0">
+                <a:pos x="connsiteX22" y="connsiteY22"/>
+              </a:cxn>
+              <a:cxn ang="0">
+                <a:pos x="connsiteX23" y="connsiteY23"/>
+              </a:cxn>
+              <a:cxn ang="0">
+                <a:pos x="connsiteX24" y="connsiteY24"/>
+              </a:cxn>
+              <a:cxn ang="0">
+                <a:pos x="connsiteX25" y="connsiteY25"/>
+              </a:cxn>
+              <a:cxn ang="0">
+                <a:pos x="connsiteX26" y="connsiteY26"/>
+              </a:cxn>
+            </a:cxnLst>
+            <a:rect l="l" t="t" r="r" b="b"/>
+            <a:pathLst>
+              <a:path w="8140446" h="18288" fill="none" extrusionOk="0">
+                <a:moveTo>
+                  <a:pt x="0" y="0"/>
+                </a:moveTo>
+                <a:cubicBezTo>
+                  <a:pt x="94920" y="9103"/>
+                  <a:pt x="287892" y="-4966"/>
+                  <a:pt x="434157" y="0"/>
+                </a:cubicBezTo>
+                <a:cubicBezTo>
+                  <a:pt x="580422" y="4966"/>
+                  <a:pt x="943595" y="-14182"/>
+                  <a:pt x="1193932" y="0"/>
+                </a:cubicBezTo>
+                <a:cubicBezTo>
+                  <a:pt x="1444270" y="14182"/>
+                  <a:pt x="1472129" y="5523"/>
+                  <a:pt x="1628089" y="0"/>
+                </a:cubicBezTo>
+                <a:cubicBezTo>
+                  <a:pt x="1784049" y="-5523"/>
+                  <a:pt x="1962419" y="-17322"/>
+                  <a:pt x="2225055" y="0"/>
+                </a:cubicBezTo>
+                <a:cubicBezTo>
+                  <a:pt x="2487691" y="17322"/>
+                  <a:pt x="2700681" y="1311"/>
+                  <a:pt x="3066235" y="0"/>
+                </a:cubicBezTo>
+                <a:cubicBezTo>
+                  <a:pt x="3431789" y="-1311"/>
+                  <a:pt x="3405662" y="25081"/>
+                  <a:pt x="3744605" y="0"/>
+                </a:cubicBezTo>
+                <a:cubicBezTo>
+                  <a:pt x="4083548" y="-25081"/>
+                  <a:pt x="4265111" y="-11945"/>
+                  <a:pt x="4504380" y="0"/>
+                </a:cubicBezTo>
+                <a:cubicBezTo>
+                  <a:pt x="4743649" y="11945"/>
+                  <a:pt x="4860394" y="-2832"/>
+                  <a:pt x="5101346" y="0"/>
+                </a:cubicBezTo>
+                <a:cubicBezTo>
+                  <a:pt x="5342298" y="2832"/>
+                  <a:pt x="5456387" y="23676"/>
+                  <a:pt x="5779717" y="0"/>
+                </a:cubicBezTo>
+                <a:cubicBezTo>
+                  <a:pt x="6103047" y="-23676"/>
+                  <a:pt x="6270379" y="-37291"/>
+                  <a:pt x="6620896" y="0"/>
+                </a:cubicBezTo>
+                <a:cubicBezTo>
+                  <a:pt x="6971413" y="37291"/>
+                  <a:pt x="6989068" y="24674"/>
+                  <a:pt x="7136458" y="0"/>
+                </a:cubicBezTo>
+                <a:cubicBezTo>
+                  <a:pt x="7283848" y="-24674"/>
+                  <a:pt x="7752532" y="-22436"/>
+                  <a:pt x="8140446" y="0"/>
+                </a:cubicBezTo>
+                <a:cubicBezTo>
+                  <a:pt x="8140314" y="7702"/>
+                  <a:pt x="8140234" y="13511"/>
+                  <a:pt x="8140446" y="18288"/>
+                </a:cubicBezTo>
+                <a:cubicBezTo>
+                  <a:pt x="7906329" y="-3043"/>
+                  <a:pt x="7681180" y="27465"/>
+                  <a:pt x="7543480" y="18288"/>
+                </a:cubicBezTo>
+                <a:cubicBezTo>
+                  <a:pt x="7405780" y="9111"/>
+                  <a:pt x="7216607" y="3660"/>
+                  <a:pt x="7109323" y="18288"/>
+                </a:cubicBezTo>
+                <a:cubicBezTo>
+                  <a:pt x="7002039" y="32916"/>
+                  <a:pt x="6576231" y="42692"/>
+                  <a:pt x="6430952" y="18288"/>
+                </a:cubicBezTo>
+                <a:cubicBezTo>
+                  <a:pt x="6285673" y="-6116"/>
+                  <a:pt x="6138840" y="34521"/>
+                  <a:pt x="5915391" y="18288"/>
+                </a:cubicBezTo>
+                <a:cubicBezTo>
+                  <a:pt x="5691942" y="2055"/>
+                  <a:pt x="5459460" y="51666"/>
+                  <a:pt x="5237020" y="18288"/>
+                </a:cubicBezTo>
+                <a:cubicBezTo>
+                  <a:pt x="5014580" y="-15090"/>
+                  <a:pt x="4747677" y="40449"/>
+                  <a:pt x="4558650" y="18288"/>
+                </a:cubicBezTo>
+                <a:cubicBezTo>
+                  <a:pt x="4369623" y="-3873"/>
+                  <a:pt x="4146061" y="12568"/>
+                  <a:pt x="3880279" y="18288"/>
+                </a:cubicBezTo>
+                <a:cubicBezTo>
+                  <a:pt x="3614497" y="24008"/>
+                  <a:pt x="3473808" y="-12908"/>
+                  <a:pt x="3201909" y="18288"/>
+                </a:cubicBezTo>
+                <a:cubicBezTo>
+                  <a:pt x="2930010" y="49484"/>
+                  <a:pt x="2728175" y="-3430"/>
+                  <a:pt x="2604943" y="18288"/>
+                </a:cubicBezTo>
+                <a:cubicBezTo>
+                  <a:pt x="2481711" y="40006"/>
+                  <a:pt x="2004334" y="26952"/>
+                  <a:pt x="1845168" y="18288"/>
+                </a:cubicBezTo>
+                <a:cubicBezTo>
+                  <a:pt x="1686003" y="9624"/>
+                  <a:pt x="1375070" y="37580"/>
+                  <a:pt x="1166797" y="18288"/>
+                </a:cubicBezTo>
+                <a:cubicBezTo>
+                  <a:pt x="958524" y="-1004"/>
+                  <a:pt x="342846" y="8880"/>
+                  <a:pt x="0" y="18288"/>
+                </a:cubicBezTo>
+                <a:cubicBezTo>
+                  <a:pt x="129" y="13298"/>
+                  <a:pt x="-675" y="6857"/>
+                  <a:pt x="0" y="0"/>
+                </a:cubicBezTo>
+                <a:close/>
+              </a:path>
+              <a:path w="8140446" h="18288" stroke="0" extrusionOk="0">
+                <a:moveTo>
+                  <a:pt x="0" y="0"/>
+                </a:moveTo>
+                <a:cubicBezTo>
+                  <a:pt x="142435" y="-24533"/>
+                  <a:pt x="380026" y="17447"/>
+                  <a:pt x="596966" y="0"/>
+                </a:cubicBezTo>
+                <a:cubicBezTo>
+                  <a:pt x="813906" y="-17447"/>
+                  <a:pt x="830530" y="13462"/>
+                  <a:pt x="1031123" y="0"/>
+                </a:cubicBezTo>
+                <a:cubicBezTo>
+                  <a:pt x="1231716" y="-13462"/>
+                  <a:pt x="1634038" y="0"/>
+                  <a:pt x="1872303" y="0"/>
+                </a:cubicBezTo>
+                <a:cubicBezTo>
+                  <a:pt x="2110568" y="0"/>
+                  <a:pt x="2261934" y="-25727"/>
+                  <a:pt x="2469269" y="0"/>
+                </a:cubicBezTo>
+                <a:cubicBezTo>
+                  <a:pt x="2676604" y="25727"/>
+                  <a:pt x="2790440" y="16284"/>
+                  <a:pt x="3066235" y="0"/>
+                </a:cubicBezTo>
+                <a:cubicBezTo>
+                  <a:pt x="3342030" y="-16284"/>
+                  <a:pt x="3685603" y="41976"/>
+                  <a:pt x="3907414" y="0"/>
+                </a:cubicBezTo>
+                <a:cubicBezTo>
+                  <a:pt x="4129225" y="-41976"/>
+                  <a:pt x="4177416" y="-7598"/>
+                  <a:pt x="4422976" y="0"/>
+                </a:cubicBezTo>
+                <a:cubicBezTo>
+                  <a:pt x="4668536" y="7598"/>
+                  <a:pt x="5023499" y="-28058"/>
+                  <a:pt x="5264155" y="0"/>
+                </a:cubicBezTo>
+                <a:cubicBezTo>
+                  <a:pt x="5504811" y="28058"/>
+                  <a:pt x="5703675" y="13288"/>
+                  <a:pt x="6105335" y="0"/>
+                </a:cubicBezTo>
+                <a:cubicBezTo>
+                  <a:pt x="6506995" y="-13288"/>
+                  <a:pt x="6455516" y="-5124"/>
+                  <a:pt x="6783705" y="0"/>
+                </a:cubicBezTo>
+                <a:cubicBezTo>
+                  <a:pt x="7111894" y="5124"/>
+                  <a:pt x="7512856" y="10604"/>
+                  <a:pt x="8140446" y="0"/>
+                </a:cubicBezTo>
+                <a:cubicBezTo>
+                  <a:pt x="8140458" y="8833"/>
+                  <a:pt x="8140986" y="9830"/>
+                  <a:pt x="8140446" y="18288"/>
+                </a:cubicBezTo>
+                <a:cubicBezTo>
+                  <a:pt x="7959314" y="3345"/>
+                  <a:pt x="7870113" y="10437"/>
+                  <a:pt x="7706289" y="18288"/>
+                </a:cubicBezTo>
+                <a:cubicBezTo>
+                  <a:pt x="7542465" y="26139"/>
+                  <a:pt x="7157940" y="17482"/>
+                  <a:pt x="6865109" y="18288"/>
+                </a:cubicBezTo>
+                <a:cubicBezTo>
+                  <a:pt x="6572278" y="19094"/>
+                  <a:pt x="6524256" y="38051"/>
+                  <a:pt x="6349548" y="18288"/>
+                </a:cubicBezTo>
+                <a:cubicBezTo>
+                  <a:pt x="6174840" y="-1475"/>
+                  <a:pt x="5951624" y="174"/>
+                  <a:pt x="5671177" y="18288"/>
+                </a:cubicBezTo>
+                <a:cubicBezTo>
+                  <a:pt x="5390730" y="36402"/>
+                  <a:pt x="5222992" y="60058"/>
+                  <a:pt x="4829998" y="18288"/>
+                </a:cubicBezTo>
+                <a:cubicBezTo>
+                  <a:pt x="4437004" y="-23482"/>
+                  <a:pt x="4344181" y="39087"/>
+                  <a:pt x="4151627" y="18288"/>
+                </a:cubicBezTo>
+                <a:cubicBezTo>
+                  <a:pt x="3959073" y="-2511"/>
+                  <a:pt x="3886970" y="32875"/>
+                  <a:pt x="3717470" y="18288"/>
+                </a:cubicBezTo>
+                <a:cubicBezTo>
+                  <a:pt x="3547970" y="3701"/>
+                  <a:pt x="3451521" y="31872"/>
+                  <a:pt x="3201909" y="18288"/>
+                </a:cubicBezTo>
+                <a:cubicBezTo>
+                  <a:pt x="2952297" y="4704"/>
+                  <a:pt x="2543413" y="6029"/>
+                  <a:pt x="2360729" y="18288"/>
+                </a:cubicBezTo>
+                <a:cubicBezTo>
+                  <a:pt x="2178045" y="30547"/>
+                  <a:pt x="1906056" y="25847"/>
+                  <a:pt x="1682359" y="18288"/>
+                </a:cubicBezTo>
+                <a:cubicBezTo>
+                  <a:pt x="1458662" y="10730"/>
+                  <a:pt x="1330405" y="8046"/>
+                  <a:pt x="1166797" y="18288"/>
+                </a:cubicBezTo>
+                <a:cubicBezTo>
+                  <a:pt x="1003189" y="28530"/>
+                  <a:pt x="278098" y="19533"/>
+                  <a:pt x="0" y="18288"/>
+                </a:cubicBezTo>
+                <a:cubicBezTo>
+                  <a:pt x="74" y="14054"/>
+                  <a:pt x="-46" y="6997"/>
+                  <a:pt x="0" y="0"/>
+                </a:cubicBezTo>
+                <a:close/>
+              </a:path>
+            </a:pathLst>
+          </a:custGeom>
+          <a:solidFill>
+            <a:schemeClr val="accent2"/>
+          </a:solidFill>
+          <a:ln w="41275" cap="rnd">
+            <a:solidFill>
+              <a:schemeClr val="accent2"/>
+            </a:solidFill>
+            <a:round/>
+            <a:extLst>
+              <a:ext uri="{C807C97D-BFC1-408E-A445-0C87EB9F89A2}">
+                <ask:lineSketchStyleProps xmlns:ask="http://schemas.microsoft.com/office/drawing/2018/sketchyshapes" sd="1219033472">
+                  <a:prstGeom prst="rect">
+                    <a:avLst/>
+                  </a:prstGeom>
+                  <ask:type>
+                    <ask:lineSketchFreehand/>
+                  </ask:type>
+                </ask:lineSketchStyleProps>
+              </a:ext>
+            </a:extLst>
+          </a:ln>
+        </p:spPr>
+        <p:style>
+          <a:lnRef idx="2">
+            <a:schemeClr val="accent1">
+              <a:shade val="50000"/>
+            </a:schemeClr>
+          </a:lnRef>
+          <a:fillRef idx="1">
+            <a:schemeClr val="accent1"/>
+          </a:fillRef>
+          <a:effectRef idx="0">
+            <a:schemeClr val="accent1"/>
+          </a:effectRef>
+          <a:fontRef idx="minor">
+            <a:schemeClr val="lt1"/>
+          </a:fontRef>
+        </p:style>
+        <p:txBody>
+          <a:bodyPr rtlCol="0" anchor="ctr"/>
+          <a:lstStyle/>
+          <a:p>
+            <a:pPr algn="ctr"/>
+            <a:endParaRPr lang="en-US"/>
+          </a:p>
+        </p:txBody>
+      </p:sp>
+      <p:sp>
+        <p:nvSpPr>
+          <p:cNvPr id="32" name="Content Placeholder 2"/>
           <p:cNvSpPr>
             <a:spLocks noGrp="1"/>
           </p:cNvSpPr>
@@ -5418,86 +8487,68 @@
             <p:ph idx="1"/>
           </p:nvPr>
         </p:nvSpPr>
-        <p:spPr/>
+        <p:spPr>
+          <a:xfrm>
+            <a:off x="628650" y="1929384"/>
+            <a:ext cx="7886700" cy="4251960"/>
+          </a:xfrm>
+        </p:spPr>
         <p:txBody>
-          <a:bodyPr/>
+          <a:bodyPr>
+            <a:normAutofit/>
+          </a:bodyPr>
           <a:lstStyle/>
           <a:p>
-            <a:endParaRPr dirty="0"/>
-          </a:p>
-          <a:p>
-            <a:r>
-              <a:rPr sz="1800" b="1" dirty="0"/>
-              <a:t>Objectif : </a:t>
-            </a:r>
-            <a:r>
-              <a:rPr sz="1800" b="1" dirty="0" err="1"/>
-              <a:t>démonstration</a:t>
-            </a:r>
-            <a:r>
-              <a:rPr sz="1800" b="1" dirty="0"/>
-              <a:t> d'un </a:t>
-            </a:r>
-            <a:r>
-              <a:rPr sz="1800" b="1" dirty="0" err="1"/>
-              <a:t>projet</a:t>
-            </a:r>
-            <a:r>
-              <a:rPr sz="1800" b="1" dirty="0"/>
-              <a:t> IHM Java Swing.</a:t>
-            </a:r>
-          </a:p>
-          <a:p>
-            <a:r>
-              <a:rPr sz="1800" b="1" dirty="0"/>
-              <a:t>Application : « Sound of World », jeu </a:t>
-            </a:r>
-            <a:r>
-              <a:rPr sz="1800" b="1" dirty="0" err="1"/>
-              <a:t>éducatif</a:t>
-            </a:r>
-            <a:r>
-              <a:rPr sz="1800" b="1" dirty="0"/>
-              <a:t> de reconnaissance</a:t>
-            </a:r>
-            <a:r>
-              <a:rPr sz="1400" dirty="0"/>
+            <a:endParaRPr lang="fr-FR" sz="1900" dirty="0"/>
+          </a:p>
+          <a:p>
+            <a:r>
+              <a:rPr lang="fr-FR" sz="1900" b="1" dirty="0"/>
+              <a:t>Objectif : démonstration d'un projet IHM Java Swing.</a:t>
+            </a:r>
+          </a:p>
+          <a:p>
+            <a:r>
+              <a:rPr lang="fr-FR" sz="1900" b="1" dirty="0"/>
+              <a:t>Application : « Sound of World », jeu éducatif de reconnaissance</a:t>
+            </a:r>
+            <a:r>
+              <a:rPr lang="fr-FR" sz="1900" dirty="0"/>
               <a:t>.</a:t>
             </a:r>
-            <a:endParaRPr lang="en-GB" sz="1400" dirty="0"/>
-          </a:p>
-          <a:p>
-            <a:r>
-              <a:rPr lang="fr-FR" sz="1800" b="1" dirty="0"/>
+          </a:p>
+          <a:p>
+            <a:r>
+              <a:rPr lang="fr-FR" sz="1900" b="1" dirty="0"/>
               <a:t>Compteur de vies en temps réel.</a:t>
             </a:r>
           </a:p>
           <a:p>
             <a:r>
-              <a:rPr lang="fr-FR" sz="1800" b="1" dirty="0"/>
+              <a:rPr lang="fr-FR" sz="1900" b="1" dirty="0"/>
               <a:t>Victoire avec </a:t>
             </a:r>
             <a:r>
-              <a:rPr lang="fr-FR" sz="1800" b="1" dirty="0" err="1"/>
+              <a:rPr lang="fr-FR" sz="1900" b="1" dirty="0" err="1"/>
               <a:t>Clippy</a:t>
             </a:r>
             <a:r>
-              <a:rPr lang="fr-FR" sz="1800" b="1" dirty="0"/>
+              <a:rPr lang="fr-FR" sz="1900" b="1" dirty="0"/>
               <a:t> ou Game‑Over.</a:t>
             </a:r>
           </a:p>
           <a:p>
-            <a:endParaRPr lang="en-GB" sz="1400" dirty="0"/>
-          </a:p>
-          <a:p>
-            <a:endParaRPr lang="en-GB" sz="1400" dirty="0"/>
+            <a:endParaRPr lang="fr-FR" sz="1900" dirty="0"/>
+          </a:p>
+          <a:p>
+            <a:endParaRPr lang="fr-FR" sz="1900" dirty="0"/>
           </a:p>
           <a:p>
             <a:pPr marL="0" indent="0">
               <a:buNone/>
             </a:pPr>
             <a:r>
-              <a:rPr lang="fr-FR" sz="1400" dirty="0"/>
+              <a:rPr lang="fr-FR" sz="1900" dirty="0"/>
               <a:t>Séparation des responsabilités : Chaque couche a un rôle distinct</a:t>
             </a:r>
           </a:p>
@@ -5506,7 +8557,7 @@
               <a:buNone/>
             </a:pPr>
             <a:r>
-              <a:rPr lang="fr-FR" sz="1400" dirty="0"/>
+              <a:rPr lang="fr-FR" sz="1900" dirty="0"/>
               <a:t>Maintenabilité : Modifications isolées dans chaque couche</a:t>
             </a:r>
           </a:p>
@@ -5515,7 +8566,7 @@
               <a:buNone/>
             </a:pPr>
             <a:r>
-              <a:rPr lang="fr-FR" sz="1400" dirty="0"/>
+              <a:rPr lang="fr-FR" sz="1900" dirty="0"/>
               <a:t>Testabilité : Logique métier testable indépendamment de l'UI</a:t>
             </a:r>
           </a:p>
@@ -5524,10 +8575,9 @@
               <a:buNone/>
             </a:pPr>
             <a:r>
-              <a:rPr lang="fr-FR" sz="1400" dirty="0"/>
+              <a:rPr lang="fr-FR" sz="1900" dirty="0"/>
               <a:t>Réutilisabilité : Le modèle peut être réutilisé avec d'autres vues</a:t>
             </a:r>
-            <a:endParaRPr sz="1400" dirty="0"/>
           </a:p>
         </p:txBody>
       </p:sp>
@@ -5545,7 +8595,7 @@
     <p:bg>
       <p:bgPr>
         <a:solidFill>
-          <a:srgbClr val="E6FFFF"/>
+          <a:schemeClr val="bg1"/>
         </a:solidFill>
         <a:effectLst/>
       </p:bgPr>
@@ -5564,6 +8614,66 @@
           <a:chExt cx="0" cy="0"/>
         </a:xfrm>
       </p:grpSpPr>
+      <p:sp useBgFill="1">
+        <p:nvSpPr>
+          <p:cNvPr id="10" name="Rectangle 9">
+            <a:extLst>
+              <a:ext uri="{FF2B5EF4-FFF2-40B4-BE49-F238E27FC236}">
+                <a16:creationId xmlns:a16="http://schemas.microsoft.com/office/drawing/2014/main" id="{45D37F4E-DDB4-456B-97E0-9937730A039F}"/>
+              </a:ext>
+              <a:ext uri="{C183D7F6-B498-43B3-948B-1728B52AA6E4}">
+                <adec:decorative xmlns:adec="http://schemas.microsoft.com/office/drawing/2017/decorative" val="1"/>
+              </a:ext>
+            </a:extLst>
+          </p:cNvPr>
+          <p:cNvSpPr>
+            <a:spLocks noGrp="1" noRot="1" noChangeAspect="1" noMove="1" noResize="1" noEditPoints="1" noAdjustHandles="1" noChangeArrowheads="1" noChangeShapeType="1" noTextEdit="1"/>
+          </p:cNvSpPr>
+          <p:nvPr>
+            <p:extLst>
+              <p:ext uri="{386F3935-93C4-4BCD-93E2-E3B085C9AB24}">
+                <p16:designElem xmlns:p16="http://schemas.microsoft.com/office/powerpoint/2015/main" val="1"/>
+              </p:ext>
+            </p:extLst>
+          </p:nvPr>
+        </p:nvSpPr>
+        <p:spPr>
+          <a:xfrm>
+            <a:off x="0" y="0"/>
+            <a:ext cx="9141714" cy="6858000"/>
+          </a:xfrm>
+          <a:prstGeom prst="rect">
+            <a:avLst/>
+          </a:prstGeom>
+          <a:ln>
+            <a:noFill/>
+          </a:ln>
+        </p:spPr>
+        <p:style>
+          <a:lnRef idx="2">
+            <a:schemeClr val="accent1">
+              <a:shade val="50000"/>
+            </a:schemeClr>
+          </a:lnRef>
+          <a:fillRef idx="1">
+            <a:schemeClr val="accent1"/>
+          </a:fillRef>
+          <a:effectRef idx="0">
+            <a:schemeClr val="accent1"/>
+          </a:effectRef>
+          <a:fontRef idx="minor">
+            <a:schemeClr val="lt1"/>
+          </a:fontRef>
+        </p:style>
+        <p:txBody>
+          <a:bodyPr rtlCol="0" anchor="ctr"/>
+          <a:lstStyle/>
+          <a:p>
+            <a:pPr algn="ctr"/>
+            <a:endParaRPr lang="en-US"/>
+          </a:p>
+        </p:txBody>
+      </p:sp>
       <p:sp>
         <p:nvSpPr>
           <p:cNvPr id="2" name="Title 1"/>
@@ -5574,23 +8684,534 @@
             <p:ph type="title"/>
           </p:nvPr>
         </p:nvSpPr>
-        <p:spPr/>
+        <p:spPr>
+          <a:xfrm>
+            <a:off x="429369" y="238539"/>
+            <a:ext cx="8263890" cy="1434415"/>
+          </a:xfrm>
+        </p:spPr>
         <p:txBody>
-          <a:bodyPr/>
+          <a:bodyPr anchor="b">
+            <a:normAutofit/>
+          </a:bodyPr>
           <a:lstStyle/>
           <a:p>
             <a:r>
-              <a:rPr dirty="0"/>
-              <a:t>Introduction </a:t>
-            </a:r>
-            <a:r>
-              <a:rPr dirty="0" err="1"/>
-              <a:t>rapide</a:t>
-            </a:r>
-            <a:r>
-              <a:rPr dirty="0"/>
-              <a:t> à Java</a:t>
-            </a:r>
+              <a:rPr lang="fr-CH" sz="4700"/>
+              <a:t>Introduction rapide à Java</a:t>
+            </a:r>
+          </a:p>
+        </p:txBody>
+      </p:sp>
+      <p:sp>
+        <p:nvSpPr>
+          <p:cNvPr id="12" name="sketchy line">
+            <a:extLst>
+              <a:ext uri="{FF2B5EF4-FFF2-40B4-BE49-F238E27FC236}">
+                <a16:creationId xmlns:a16="http://schemas.microsoft.com/office/drawing/2014/main" id="{B2DD41CD-8F47-4F56-AD12-4E2FF7696987}"/>
+              </a:ext>
+              <a:ext uri="{C183D7F6-B498-43B3-948B-1728B52AA6E4}">
+                <adec:decorative xmlns:adec="http://schemas.microsoft.com/office/drawing/2017/decorative" val="1"/>
+              </a:ext>
+            </a:extLst>
+          </p:cNvPr>
+          <p:cNvSpPr>
+            <a:spLocks noGrp="1" noRot="1" noChangeAspect="1" noMove="1" noResize="1" noEditPoints="1" noAdjustHandles="1" noChangeArrowheads="1" noChangeShapeType="1" noTextEdit="1"/>
+          </p:cNvSpPr>
+          <p:nvPr>
+            <p:extLst>
+              <p:ext uri="{386F3935-93C4-4BCD-93E2-E3B085C9AB24}">
+                <p16:designElem xmlns:p16="http://schemas.microsoft.com/office/powerpoint/2015/main" val="1"/>
+              </p:ext>
+            </p:extLst>
+          </p:nvPr>
+        </p:nvSpPr>
+        <p:spPr>
+          <a:xfrm>
+            <a:off x="429369" y="1681544"/>
+            <a:ext cx="8229600" cy="18288"/>
+          </a:xfrm>
+          <a:custGeom>
+            <a:avLst/>
+            <a:gdLst>
+              <a:gd name="connsiteX0" fmla="*/ 0 w 8229600"/>
+              <a:gd name="connsiteY0" fmla="*/ 0 h 18288"/>
+              <a:gd name="connsiteX1" fmla="*/ 521208 w 8229600"/>
+              <a:gd name="connsiteY1" fmla="*/ 0 h 18288"/>
+              <a:gd name="connsiteX2" fmla="*/ 1371600 w 8229600"/>
+              <a:gd name="connsiteY2" fmla="*/ 0 h 18288"/>
+              <a:gd name="connsiteX3" fmla="*/ 2221992 w 8229600"/>
+              <a:gd name="connsiteY3" fmla="*/ 0 h 18288"/>
+              <a:gd name="connsiteX4" fmla="*/ 3072384 w 8229600"/>
+              <a:gd name="connsiteY4" fmla="*/ 0 h 18288"/>
+              <a:gd name="connsiteX5" fmla="*/ 3511296 w 8229600"/>
+              <a:gd name="connsiteY5" fmla="*/ 0 h 18288"/>
+              <a:gd name="connsiteX6" fmla="*/ 4114800 w 8229600"/>
+              <a:gd name="connsiteY6" fmla="*/ 0 h 18288"/>
+              <a:gd name="connsiteX7" fmla="*/ 4553712 w 8229600"/>
+              <a:gd name="connsiteY7" fmla="*/ 0 h 18288"/>
+              <a:gd name="connsiteX8" fmla="*/ 5239512 w 8229600"/>
+              <a:gd name="connsiteY8" fmla="*/ 0 h 18288"/>
+              <a:gd name="connsiteX9" fmla="*/ 5843016 w 8229600"/>
+              <a:gd name="connsiteY9" fmla="*/ 0 h 18288"/>
+              <a:gd name="connsiteX10" fmla="*/ 6611112 w 8229600"/>
+              <a:gd name="connsiteY10" fmla="*/ 0 h 18288"/>
+              <a:gd name="connsiteX11" fmla="*/ 7461504 w 8229600"/>
+              <a:gd name="connsiteY11" fmla="*/ 0 h 18288"/>
+              <a:gd name="connsiteX12" fmla="*/ 8229600 w 8229600"/>
+              <a:gd name="connsiteY12" fmla="*/ 0 h 18288"/>
+              <a:gd name="connsiteX13" fmla="*/ 8229600 w 8229600"/>
+              <a:gd name="connsiteY13" fmla="*/ 18288 h 18288"/>
+              <a:gd name="connsiteX14" fmla="*/ 7461504 w 8229600"/>
+              <a:gd name="connsiteY14" fmla="*/ 18288 h 18288"/>
+              <a:gd name="connsiteX15" fmla="*/ 6940296 w 8229600"/>
+              <a:gd name="connsiteY15" fmla="*/ 18288 h 18288"/>
+              <a:gd name="connsiteX16" fmla="*/ 6419088 w 8229600"/>
+              <a:gd name="connsiteY16" fmla="*/ 18288 h 18288"/>
+              <a:gd name="connsiteX17" fmla="*/ 5650992 w 8229600"/>
+              <a:gd name="connsiteY17" fmla="*/ 18288 h 18288"/>
+              <a:gd name="connsiteX18" fmla="*/ 5129784 w 8229600"/>
+              <a:gd name="connsiteY18" fmla="*/ 18288 h 18288"/>
+              <a:gd name="connsiteX19" fmla="*/ 4690872 w 8229600"/>
+              <a:gd name="connsiteY19" fmla="*/ 18288 h 18288"/>
+              <a:gd name="connsiteX20" fmla="*/ 4087368 w 8229600"/>
+              <a:gd name="connsiteY20" fmla="*/ 18288 h 18288"/>
+              <a:gd name="connsiteX21" fmla="*/ 3401568 w 8229600"/>
+              <a:gd name="connsiteY21" fmla="*/ 18288 h 18288"/>
+              <a:gd name="connsiteX22" fmla="*/ 2798064 w 8229600"/>
+              <a:gd name="connsiteY22" fmla="*/ 18288 h 18288"/>
+              <a:gd name="connsiteX23" fmla="*/ 2276856 w 8229600"/>
+              <a:gd name="connsiteY23" fmla="*/ 18288 h 18288"/>
+              <a:gd name="connsiteX24" fmla="*/ 1426464 w 8229600"/>
+              <a:gd name="connsiteY24" fmla="*/ 18288 h 18288"/>
+              <a:gd name="connsiteX25" fmla="*/ 740664 w 8229600"/>
+              <a:gd name="connsiteY25" fmla="*/ 18288 h 18288"/>
+              <a:gd name="connsiteX26" fmla="*/ 0 w 8229600"/>
+              <a:gd name="connsiteY26" fmla="*/ 18288 h 18288"/>
+              <a:gd name="connsiteX27" fmla="*/ 0 w 8229600"/>
+              <a:gd name="connsiteY27" fmla="*/ 0 h 18288"/>
+            </a:gdLst>
+            <a:ahLst/>
+            <a:cxnLst>
+              <a:cxn ang="0">
+                <a:pos x="connsiteX0" y="connsiteY0"/>
+              </a:cxn>
+              <a:cxn ang="0">
+                <a:pos x="connsiteX1" y="connsiteY1"/>
+              </a:cxn>
+              <a:cxn ang="0">
+                <a:pos x="connsiteX2" y="connsiteY2"/>
+              </a:cxn>
+              <a:cxn ang="0">
+                <a:pos x="connsiteX3" y="connsiteY3"/>
+              </a:cxn>
+              <a:cxn ang="0">
+                <a:pos x="connsiteX4" y="connsiteY4"/>
+              </a:cxn>
+              <a:cxn ang="0">
+                <a:pos x="connsiteX5" y="connsiteY5"/>
+              </a:cxn>
+              <a:cxn ang="0">
+                <a:pos x="connsiteX6" y="connsiteY6"/>
+              </a:cxn>
+              <a:cxn ang="0">
+                <a:pos x="connsiteX7" y="connsiteY7"/>
+              </a:cxn>
+              <a:cxn ang="0">
+                <a:pos x="connsiteX8" y="connsiteY8"/>
+              </a:cxn>
+              <a:cxn ang="0">
+                <a:pos x="connsiteX9" y="connsiteY9"/>
+              </a:cxn>
+              <a:cxn ang="0">
+                <a:pos x="connsiteX10" y="connsiteY10"/>
+              </a:cxn>
+              <a:cxn ang="0">
+                <a:pos x="connsiteX11" y="connsiteY11"/>
+              </a:cxn>
+              <a:cxn ang="0">
+                <a:pos x="connsiteX12" y="connsiteY12"/>
+              </a:cxn>
+              <a:cxn ang="0">
+                <a:pos x="connsiteX13" y="connsiteY13"/>
+              </a:cxn>
+              <a:cxn ang="0">
+                <a:pos x="connsiteX14" y="connsiteY14"/>
+              </a:cxn>
+              <a:cxn ang="0">
+                <a:pos x="connsiteX15" y="connsiteY15"/>
+              </a:cxn>
+              <a:cxn ang="0">
+                <a:pos x="connsiteX16" y="connsiteY16"/>
+              </a:cxn>
+              <a:cxn ang="0">
+                <a:pos x="connsiteX17" y="connsiteY17"/>
+              </a:cxn>
+              <a:cxn ang="0">
+                <a:pos x="connsiteX18" y="connsiteY18"/>
+              </a:cxn>
+              <a:cxn ang="0">
+                <a:pos x="connsiteX19" y="connsiteY19"/>
+              </a:cxn>
+              <a:cxn ang="0">
+                <a:pos x="connsiteX20" y="connsiteY20"/>
+              </a:cxn>
+              <a:cxn ang="0">
+                <a:pos x="connsiteX21" y="connsiteY21"/>
+              </a:cxn>
+              <a:cxn ang="0">
+                <a:pos x="connsiteX22" y="connsiteY22"/>
+              </a:cxn>
+              <a:cxn ang="0">
+                <a:pos x="connsiteX23" y="connsiteY23"/>
+              </a:cxn>
+              <a:cxn ang="0">
+                <a:pos x="connsiteX24" y="connsiteY24"/>
+              </a:cxn>
+              <a:cxn ang="0">
+                <a:pos x="connsiteX25" y="connsiteY25"/>
+              </a:cxn>
+              <a:cxn ang="0">
+                <a:pos x="connsiteX26" y="connsiteY26"/>
+              </a:cxn>
+              <a:cxn ang="0">
+                <a:pos x="connsiteX27" y="connsiteY27"/>
+              </a:cxn>
+            </a:cxnLst>
+            <a:rect l="l" t="t" r="r" b="b"/>
+            <a:pathLst>
+              <a:path w="8229600" h="18288" fill="none" extrusionOk="0">
+                <a:moveTo>
+                  <a:pt x="0" y="0"/>
+                </a:moveTo>
+                <a:cubicBezTo>
+                  <a:pt x="227594" y="-4267"/>
+                  <a:pt x="329693" y="13251"/>
+                  <a:pt x="521208" y="0"/>
+                </a:cubicBezTo>
+                <a:cubicBezTo>
+                  <a:pt x="712723" y="-13251"/>
+                  <a:pt x="1137373" y="-13618"/>
+                  <a:pt x="1371600" y="0"/>
+                </a:cubicBezTo>
+                <a:cubicBezTo>
+                  <a:pt x="1605827" y="13618"/>
+                  <a:pt x="1975382" y="-27374"/>
+                  <a:pt x="2221992" y="0"/>
+                </a:cubicBezTo>
+                <a:cubicBezTo>
+                  <a:pt x="2468602" y="27374"/>
+                  <a:pt x="2863316" y="-20517"/>
+                  <a:pt x="3072384" y="0"/>
+                </a:cubicBezTo>
+                <a:cubicBezTo>
+                  <a:pt x="3281452" y="20517"/>
+                  <a:pt x="3331438" y="10793"/>
+                  <a:pt x="3511296" y="0"/>
+                </a:cubicBezTo>
+                <a:cubicBezTo>
+                  <a:pt x="3691154" y="-10793"/>
+                  <a:pt x="3906405" y="-29737"/>
+                  <a:pt x="4114800" y="0"/>
+                </a:cubicBezTo>
+                <a:cubicBezTo>
+                  <a:pt x="4323195" y="29737"/>
+                  <a:pt x="4428852" y="-2234"/>
+                  <a:pt x="4553712" y="0"/>
+                </a:cubicBezTo>
+                <a:cubicBezTo>
+                  <a:pt x="4678572" y="2234"/>
+                  <a:pt x="5065629" y="29368"/>
+                  <a:pt x="5239512" y="0"/>
+                </a:cubicBezTo>
+                <a:cubicBezTo>
+                  <a:pt x="5413395" y="-29368"/>
+                  <a:pt x="5703888" y="11839"/>
+                  <a:pt x="5843016" y="0"/>
+                </a:cubicBezTo>
+                <a:cubicBezTo>
+                  <a:pt x="5982144" y="-11839"/>
+                  <a:pt x="6260765" y="24719"/>
+                  <a:pt x="6611112" y="0"/>
+                </a:cubicBezTo>
+                <a:cubicBezTo>
+                  <a:pt x="6961459" y="-24719"/>
+                  <a:pt x="7228293" y="32959"/>
+                  <a:pt x="7461504" y="0"/>
+                </a:cubicBezTo>
+                <a:cubicBezTo>
+                  <a:pt x="7694715" y="-32959"/>
+                  <a:pt x="7990029" y="-3422"/>
+                  <a:pt x="8229600" y="0"/>
+                </a:cubicBezTo>
+                <a:cubicBezTo>
+                  <a:pt x="8228940" y="5812"/>
+                  <a:pt x="8229447" y="9773"/>
+                  <a:pt x="8229600" y="18288"/>
+                </a:cubicBezTo>
+                <a:cubicBezTo>
+                  <a:pt x="7940706" y="-9293"/>
+                  <a:pt x="7792584" y="-16009"/>
+                  <a:pt x="7461504" y="18288"/>
+                </a:cubicBezTo>
+                <a:cubicBezTo>
+                  <a:pt x="7130424" y="52585"/>
+                  <a:pt x="7080072" y="43845"/>
+                  <a:pt x="6940296" y="18288"/>
+                </a:cubicBezTo>
+                <a:cubicBezTo>
+                  <a:pt x="6800520" y="-7269"/>
+                  <a:pt x="6672872" y="26671"/>
+                  <a:pt x="6419088" y="18288"/>
+                </a:cubicBezTo>
+                <a:cubicBezTo>
+                  <a:pt x="6165304" y="9905"/>
+                  <a:pt x="5869721" y="4987"/>
+                  <a:pt x="5650992" y="18288"/>
+                </a:cubicBezTo>
+                <a:cubicBezTo>
+                  <a:pt x="5432263" y="31589"/>
+                  <a:pt x="5308310" y="3023"/>
+                  <a:pt x="5129784" y="18288"/>
+                </a:cubicBezTo>
+                <a:cubicBezTo>
+                  <a:pt x="4951258" y="33553"/>
+                  <a:pt x="4799696" y="15357"/>
+                  <a:pt x="4690872" y="18288"/>
+                </a:cubicBezTo>
+                <a:cubicBezTo>
+                  <a:pt x="4582048" y="21219"/>
+                  <a:pt x="4311124" y="-7836"/>
+                  <a:pt x="4087368" y="18288"/>
+                </a:cubicBezTo>
+                <a:cubicBezTo>
+                  <a:pt x="3863612" y="44412"/>
+                  <a:pt x="3730288" y="13374"/>
+                  <a:pt x="3401568" y="18288"/>
+                </a:cubicBezTo>
+                <a:cubicBezTo>
+                  <a:pt x="3072848" y="23202"/>
+                  <a:pt x="3020684" y="32425"/>
+                  <a:pt x="2798064" y="18288"/>
+                </a:cubicBezTo>
+                <a:cubicBezTo>
+                  <a:pt x="2575444" y="4151"/>
+                  <a:pt x="2440915" y="-7352"/>
+                  <a:pt x="2276856" y="18288"/>
+                </a:cubicBezTo>
+                <a:cubicBezTo>
+                  <a:pt x="2112797" y="43928"/>
+                  <a:pt x="1726502" y="-9560"/>
+                  <a:pt x="1426464" y="18288"/>
+                </a:cubicBezTo>
+                <a:cubicBezTo>
+                  <a:pt x="1126426" y="46136"/>
+                  <a:pt x="992925" y="21016"/>
+                  <a:pt x="740664" y="18288"/>
+                </a:cubicBezTo>
+                <a:cubicBezTo>
+                  <a:pt x="488403" y="15560"/>
+                  <a:pt x="195650" y="-16061"/>
+                  <a:pt x="0" y="18288"/>
+                </a:cubicBezTo>
+                <a:cubicBezTo>
+                  <a:pt x="348" y="9455"/>
+                  <a:pt x="654" y="3983"/>
+                  <a:pt x="0" y="0"/>
+                </a:cubicBezTo>
+                <a:close/>
+              </a:path>
+              <a:path w="8229600" h="18288" stroke="0" extrusionOk="0">
+                <a:moveTo>
+                  <a:pt x="0" y="0"/>
+                </a:moveTo>
+                <a:cubicBezTo>
+                  <a:pt x="259263" y="-9445"/>
+                  <a:pt x="404731" y="4427"/>
+                  <a:pt x="521208" y="0"/>
+                </a:cubicBezTo>
+                <a:cubicBezTo>
+                  <a:pt x="637685" y="-4427"/>
+                  <a:pt x="839187" y="564"/>
+                  <a:pt x="960120" y="0"/>
+                </a:cubicBezTo>
+                <a:cubicBezTo>
+                  <a:pt x="1081053" y="-564"/>
+                  <a:pt x="1313469" y="-16481"/>
+                  <a:pt x="1481328" y="0"/>
+                </a:cubicBezTo>
+                <a:cubicBezTo>
+                  <a:pt x="1649187" y="16481"/>
+                  <a:pt x="1885247" y="26161"/>
+                  <a:pt x="2167128" y="0"/>
+                </a:cubicBezTo>
+                <a:cubicBezTo>
+                  <a:pt x="2449009" y="-26161"/>
+                  <a:pt x="2761875" y="-22202"/>
+                  <a:pt x="2935224" y="0"/>
+                </a:cubicBezTo>
+                <a:cubicBezTo>
+                  <a:pt x="3108573" y="22202"/>
+                  <a:pt x="3540687" y="-2863"/>
+                  <a:pt x="3785616" y="0"/>
+                </a:cubicBezTo>
+                <a:cubicBezTo>
+                  <a:pt x="4030545" y="2863"/>
+                  <a:pt x="4280774" y="-12442"/>
+                  <a:pt x="4636008" y="0"/>
+                </a:cubicBezTo>
+                <a:cubicBezTo>
+                  <a:pt x="4991242" y="12442"/>
+                  <a:pt x="5025483" y="16914"/>
+                  <a:pt x="5239512" y="0"/>
+                </a:cubicBezTo>
+                <a:cubicBezTo>
+                  <a:pt x="5453541" y="-16914"/>
+                  <a:pt x="5754008" y="16592"/>
+                  <a:pt x="6007608" y="0"/>
+                </a:cubicBezTo>
+                <a:cubicBezTo>
+                  <a:pt x="6261208" y="-16592"/>
+                  <a:pt x="6407957" y="-11909"/>
+                  <a:pt x="6693408" y="0"/>
+                </a:cubicBezTo>
+                <a:cubicBezTo>
+                  <a:pt x="6978859" y="11909"/>
+                  <a:pt x="7015437" y="-20890"/>
+                  <a:pt x="7296912" y="0"/>
+                </a:cubicBezTo>
+                <a:cubicBezTo>
+                  <a:pt x="7578387" y="20890"/>
+                  <a:pt x="7859622" y="46406"/>
+                  <a:pt x="8229600" y="0"/>
+                </a:cubicBezTo>
+                <a:cubicBezTo>
+                  <a:pt x="8230508" y="6337"/>
+                  <a:pt x="8228722" y="11778"/>
+                  <a:pt x="8229600" y="18288"/>
+                </a:cubicBezTo>
+                <a:cubicBezTo>
+                  <a:pt x="8075287" y="35054"/>
+                  <a:pt x="7821366" y="21850"/>
+                  <a:pt x="7626096" y="18288"/>
+                </a:cubicBezTo>
+                <a:cubicBezTo>
+                  <a:pt x="7430826" y="14726"/>
+                  <a:pt x="7320004" y="-9669"/>
+                  <a:pt x="7022592" y="18288"/>
+                </a:cubicBezTo>
+                <a:cubicBezTo>
+                  <a:pt x="6725180" y="46245"/>
+                  <a:pt x="6348804" y="-14025"/>
+                  <a:pt x="6172200" y="18288"/>
+                </a:cubicBezTo>
+                <a:cubicBezTo>
+                  <a:pt x="5995596" y="50601"/>
+                  <a:pt x="5788102" y="22890"/>
+                  <a:pt x="5650992" y="18288"/>
+                </a:cubicBezTo>
+                <a:cubicBezTo>
+                  <a:pt x="5513882" y="13686"/>
+                  <a:pt x="5198399" y="29121"/>
+                  <a:pt x="4882896" y="18288"/>
+                </a:cubicBezTo>
+                <a:cubicBezTo>
+                  <a:pt x="4567393" y="7455"/>
+                  <a:pt x="4557008" y="26965"/>
+                  <a:pt x="4443984" y="18288"/>
+                </a:cubicBezTo>
+                <a:cubicBezTo>
+                  <a:pt x="4330960" y="9611"/>
+                  <a:pt x="4061674" y="28891"/>
+                  <a:pt x="3758184" y="18288"/>
+                </a:cubicBezTo>
+                <a:cubicBezTo>
+                  <a:pt x="3454694" y="7685"/>
+                  <a:pt x="3380392" y="19119"/>
+                  <a:pt x="3236976" y="18288"/>
+                </a:cubicBezTo>
+                <a:cubicBezTo>
+                  <a:pt x="3093560" y="17457"/>
+                  <a:pt x="2632116" y="37607"/>
+                  <a:pt x="2386584" y="18288"/>
+                </a:cubicBezTo>
+                <a:cubicBezTo>
+                  <a:pt x="2141052" y="-1031"/>
+                  <a:pt x="2110884" y="28777"/>
+                  <a:pt x="1947672" y="18288"/>
+                </a:cubicBezTo>
+                <a:cubicBezTo>
+                  <a:pt x="1784460" y="7799"/>
+                  <a:pt x="1535467" y="461"/>
+                  <a:pt x="1261872" y="18288"/>
+                </a:cubicBezTo>
+                <a:cubicBezTo>
+                  <a:pt x="988277" y="36115"/>
+                  <a:pt x="1021096" y="10375"/>
+                  <a:pt x="822960" y="18288"/>
+                </a:cubicBezTo>
+                <a:cubicBezTo>
+                  <a:pt x="624824" y="26201"/>
+                  <a:pt x="298309" y="1283"/>
+                  <a:pt x="0" y="18288"/>
+                </a:cubicBezTo>
+                <a:cubicBezTo>
+                  <a:pt x="-633" y="12278"/>
+                  <a:pt x="-757" y="5867"/>
+                  <a:pt x="0" y="0"/>
+                </a:cubicBezTo>
+                <a:close/>
+              </a:path>
+            </a:pathLst>
+          </a:custGeom>
+          <a:solidFill>
+            <a:schemeClr val="accent2">
+              <a:alpha val="75000"/>
+            </a:schemeClr>
+          </a:solidFill>
+          <a:ln w="44450" cap="rnd">
+            <a:solidFill>
+              <a:schemeClr val="accent2">
+                <a:alpha val="75000"/>
+              </a:schemeClr>
+            </a:solidFill>
+            <a:round/>
+            <a:extLst>
+              <a:ext uri="{C807C97D-BFC1-408E-A445-0C87EB9F89A2}">
+                <ask:lineSketchStyleProps xmlns:ask="http://schemas.microsoft.com/office/drawing/2018/sketchyshapes" sd="2727557108">
+                  <a:prstGeom prst="rect">
+                    <a:avLst/>
+                  </a:prstGeom>
+                  <ask:type>
+                    <ask:lineSketchFreehand/>
+                  </ask:type>
+                </ask:lineSketchStyleProps>
+              </a:ext>
+            </a:extLst>
+          </a:ln>
+        </p:spPr>
+        <p:style>
+          <a:lnRef idx="2">
+            <a:schemeClr val="accent1">
+              <a:shade val="50000"/>
+            </a:schemeClr>
+          </a:lnRef>
+          <a:fillRef idx="1">
+            <a:schemeClr val="accent1"/>
+          </a:fillRef>
+          <a:effectRef idx="0">
+            <a:schemeClr val="accent1"/>
+          </a:effectRef>
+          <a:fontRef idx="minor">
+            <a:schemeClr val="lt1"/>
+          </a:fontRef>
+        </p:style>
+        <p:txBody>
+          <a:bodyPr rtlCol="0" anchor="ctr"/>
+          <a:lstStyle/>
+          <a:p>
+            <a:pPr algn="ctr"/>
+            <a:endParaRPr lang="en-US"/>
           </a:p>
         </p:txBody>
       </p:sp>
@@ -5604,99 +9225,85 @@
             <p:ph idx="1"/>
           </p:nvPr>
         </p:nvSpPr>
-        <p:spPr/>
+        <p:spPr>
+          <a:xfrm>
+            <a:off x="429369" y="2071316"/>
+            <a:ext cx="5035164" cy="4119172"/>
+          </a:xfrm>
+        </p:spPr>
         <p:txBody>
-          <a:bodyPr/>
+          <a:bodyPr anchor="t">
+            <a:normAutofit/>
+          </a:bodyPr>
           <a:lstStyle/>
           <a:p>
-            <a:endParaRPr dirty="0"/>
-          </a:p>
-          <a:p>
-            <a:r>
-              <a:rPr sz="1400" dirty="0" err="1"/>
-              <a:t>Langage</a:t>
-            </a:r>
-            <a:r>
-              <a:rPr sz="1400" dirty="0"/>
-              <a:t> </a:t>
-            </a:r>
-            <a:r>
-              <a:rPr sz="1400" dirty="0" err="1"/>
-              <a:t>orienté</a:t>
-            </a:r>
-            <a:r>
-              <a:rPr sz="1400" dirty="0"/>
-              <a:t> </a:t>
-            </a:r>
-            <a:r>
-              <a:rPr sz="1400" dirty="0" err="1"/>
-              <a:t>objet</a:t>
-            </a:r>
-            <a:r>
-              <a:rPr sz="1400" dirty="0"/>
-              <a:t>, portable (« Write Once, Run Anywhere »).</a:t>
-            </a:r>
-          </a:p>
-          <a:p>
-            <a:r>
-              <a:rPr sz="1400" dirty="0"/>
-              <a:t>JVM </a:t>
-            </a:r>
-            <a:r>
-              <a:rPr sz="1400" dirty="0" err="1"/>
-              <a:t>exécute</a:t>
-            </a:r>
-            <a:r>
-              <a:rPr sz="1400" dirty="0"/>
-              <a:t> le byte‑code sur </a:t>
-            </a:r>
-            <a:r>
-              <a:rPr sz="1400" dirty="0" err="1"/>
-              <a:t>toutes</a:t>
-            </a:r>
-            <a:r>
-              <a:rPr sz="1400" dirty="0"/>
-              <a:t> les </a:t>
-            </a:r>
-            <a:r>
-              <a:rPr sz="1400" dirty="0" err="1"/>
-              <a:t>plateformes</a:t>
-            </a:r>
-            <a:r>
-              <a:rPr sz="1400" dirty="0"/>
-              <a:t>.</a:t>
-            </a:r>
-          </a:p>
-          <a:p>
-            <a:r>
-              <a:rPr sz="1400" dirty="0" err="1"/>
-              <a:t>Écosystème</a:t>
-            </a:r>
-            <a:r>
-              <a:rPr sz="1400" dirty="0"/>
-              <a:t> riche de bibliothèques.</a:t>
-            </a:r>
-          </a:p>
-          <a:p>
-            <a:r>
-              <a:rPr sz="1400" dirty="0" err="1"/>
-              <a:t>Robustesse</a:t>
-            </a:r>
-            <a:r>
-              <a:rPr sz="1400" dirty="0"/>
-              <a:t> et </a:t>
-            </a:r>
-            <a:r>
-              <a:rPr sz="1400" dirty="0" err="1"/>
-              <a:t>maturité</a:t>
-            </a:r>
-            <a:r>
-              <a:rPr sz="1400" dirty="0"/>
-              <a:t> pour le desktop (Swing).</a:t>
+            <a:endParaRPr lang="fr-FR" sz="1900" dirty="0"/>
+          </a:p>
+          <a:p>
+            <a:r>
+              <a:rPr lang="fr-FR" sz="1900" dirty="0"/>
+              <a:t>Langage orienté objet, portable (« Write Once, Run </a:t>
+            </a:r>
+            <a:r>
+              <a:rPr lang="fr-FR" sz="1900" dirty="0" err="1"/>
+              <a:t>Anywhere</a:t>
+            </a:r>
+            <a:r>
+              <a:rPr lang="fr-FR" sz="1900" dirty="0"/>
+              <a:t> »).</a:t>
+            </a:r>
+          </a:p>
+          <a:p>
+            <a:r>
+              <a:rPr lang="fr-FR" sz="1900" dirty="0"/>
+              <a:t>JVM exécute le byte‑code sur toutes les plateformes.</a:t>
+            </a:r>
+          </a:p>
+          <a:p>
+            <a:r>
+              <a:rPr lang="fr-FR" sz="1900" dirty="0"/>
+              <a:t>Écosystème riche de bibliothèques.</a:t>
+            </a:r>
+          </a:p>
+          <a:p>
+            <a:r>
+              <a:rPr lang="fr-FR" sz="1900" dirty="0"/>
+              <a:t>Robustesse et maturité pour le desktop (Swing).</a:t>
             </a:r>
           </a:p>
         </p:txBody>
       </p:sp>
+      <p:pic>
+        <p:nvPicPr>
+          <p:cNvPr id="5" name="Image 4" descr="Une image contenant sitar, musique, instrument de musique, instrument à cordes&#10;&#10;Le contenu généré par l’IA peut être incorrect.">
+            <a:extLst>
+              <a:ext uri="{FF2B5EF4-FFF2-40B4-BE49-F238E27FC236}">
+                <a16:creationId xmlns:a16="http://schemas.microsoft.com/office/drawing/2014/main" id="{B2E306ED-99C9-69DD-A5E8-FADD6D0CC938}"/>
+              </a:ext>
+            </a:extLst>
+          </p:cNvPr>
+          <p:cNvPicPr>
+            <a:picLocks noChangeAspect="1"/>
+          </p:cNvPicPr>
+          <p:nvPr/>
+        </p:nvPicPr>
+        <p:blipFill>
+          <a:blip r:embed="rId2"/>
+          <a:srcRect t="36705" r="-1" b="26528"/>
+          <a:stretch>
+            <a:fillRect/>
+          </a:stretch>
+        </p:blipFill>
+        <p:spPr>
+          <a:xfrm rot="5400000">
+            <a:off x="5186386" y="2664333"/>
+            <a:ext cx="4096512" cy="2955798"/>
+          </a:xfrm>
+          <a:prstGeom prst="rect">
+            <a:avLst/>
+          </a:prstGeom>
+        </p:spPr>
+      </p:pic>
     </p:spTree>
   </p:cSld>
   <p:clrMapOvr>
@@ -5746,8 +9353,22 @@
           <a:lstStyle/>
           <a:p>
             <a:r>
-              <a:t>Swing : composants &amp; conteneurs</a:t>
-            </a:r>
+              <a:rPr dirty="0"/>
+              <a:t>Swing : </a:t>
+            </a:r>
+            <a:r>
+              <a:rPr dirty="0" err="1"/>
+              <a:t>composants</a:t>
+            </a:r>
+            <a:r>
+              <a:rPr dirty="0"/>
+              <a:t> &amp; </a:t>
+            </a:r>
+            <a:r>
+              <a:rPr dirty="0" err="1"/>
+              <a:t>conteneurs</a:t>
+            </a:r>
+            <a:endParaRPr dirty="0"/>
           </a:p>
         </p:txBody>
       </p:sp>
@@ -6003,7 +9624,7 @@
     <p:bg>
       <p:bgPr>
         <a:solidFill>
-          <a:srgbClr val="FFFFE6"/>
+          <a:schemeClr val="bg1"/>
         </a:solidFill>
         <a:effectLst/>
       </p:bgPr>
@@ -6022,6 +9643,66 @@
           <a:chExt cx="0" cy="0"/>
         </a:xfrm>
       </p:grpSpPr>
+      <p:sp useBgFill="1">
+        <p:nvSpPr>
+          <p:cNvPr id="9" name="Rectangle 8">
+            <a:extLst>
+              <a:ext uri="{FF2B5EF4-FFF2-40B4-BE49-F238E27FC236}">
+                <a16:creationId xmlns:a16="http://schemas.microsoft.com/office/drawing/2014/main" id="{45D37F4E-DDB4-456B-97E0-9937730A039F}"/>
+              </a:ext>
+              <a:ext uri="{C183D7F6-B498-43B3-948B-1728B52AA6E4}">
+                <adec:decorative xmlns:adec="http://schemas.microsoft.com/office/drawing/2017/decorative" val="1"/>
+              </a:ext>
+            </a:extLst>
+          </p:cNvPr>
+          <p:cNvSpPr>
+            <a:spLocks noGrp="1" noRot="1" noChangeAspect="1" noMove="1" noResize="1" noEditPoints="1" noAdjustHandles="1" noChangeArrowheads="1" noChangeShapeType="1" noTextEdit="1"/>
+          </p:cNvSpPr>
+          <p:nvPr>
+            <p:extLst>
+              <p:ext uri="{386F3935-93C4-4BCD-93E2-E3B085C9AB24}">
+                <p16:designElem xmlns:p16="http://schemas.microsoft.com/office/powerpoint/2015/main" val="1"/>
+              </p:ext>
+            </p:extLst>
+          </p:nvPr>
+        </p:nvSpPr>
+        <p:spPr>
+          <a:xfrm>
+            <a:off x="0" y="0"/>
+            <a:ext cx="9141714" cy="6858000"/>
+          </a:xfrm>
+          <a:prstGeom prst="rect">
+            <a:avLst/>
+          </a:prstGeom>
+          <a:ln>
+            <a:noFill/>
+          </a:ln>
+        </p:spPr>
+        <p:style>
+          <a:lnRef idx="2">
+            <a:schemeClr val="accent1">
+              <a:shade val="50000"/>
+            </a:schemeClr>
+          </a:lnRef>
+          <a:fillRef idx="1">
+            <a:schemeClr val="accent1"/>
+          </a:fillRef>
+          <a:effectRef idx="0">
+            <a:schemeClr val="accent1"/>
+          </a:effectRef>
+          <a:fontRef idx="minor">
+            <a:schemeClr val="lt1"/>
+          </a:fontRef>
+        </p:style>
+        <p:txBody>
+          <a:bodyPr rtlCol="0" anchor="ctr"/>
+          <a:lstStyle/>
+          <a:p>
+            <a:pPr algn="ctr"/>
+            <a:endParaRPr lang="en-US"/>
+          </a:p>
+        </p:txBody>
+      </p:sp>
       <p:sp>
         <p:nvSpPr>
           <p:cNvPr id="2" name="Title 1"/>
@@ -6032,14 +9713,534 @@
             <p:ph type="title"/>
           </p:nvPr>
         </p:nvSpPr>
-        <p:spPr/>
+        <p:spPr>
+          <a:xfrm>
+            <a:off x="429369" y="238539"/>
+            <a:ext cx="8263890" cy="1434415"/>
+          </a:xfrm>
+        </p:spPr>
         <p:txBody>
-          <a:bodyPr/>
+          <a:bodyPr anchor="b">
+            <a:normAutofit/>
+          </a:bodyPr>
           <a:lstStyle/>
           <a:p>
             <a:r>
+              <a:rPr lang="fr-FR" sz="4700"/>
               <a:t>Gestionnaires de mise en page</a:t>
             </a:r>
+          </a:p>
+        </p:txBody>
+      </p:sp>
+      <p:sp>
+        <p:nvSpPr>
+          <p:cNvPr id="11" name="sketchy line">
+            <a:extLst>
+              <a:ext uri="{FF2B5EF4-FFF2-40B4-BE49-F238E27FC236}">
+                <a16:creationId xmlns:a16="http://schemas.microsoft.com/office/drawing/2014/main" id="{B2DD41CD-8F47-4F56-AD12-4E2FF7696987}"/>
+              </a:ext>
+              <a:ext uri="{C183D7F6-B498-43B3-948B-1728B52AA6E4}">
+                <adec:decorative xmlns:adec="http://schemas.microsoft.com/office/drawing/2017/decorative" val="1"/>
+              </a:ext>
+            </a:extLst>
+          </p:cNvPr>
+          <p:cNvSpPr>
+            <a:spLocks noGrp="1" noRot="1" noChangeAspect="1" noMove="1" noResize="1" noEditPoints="1" noAdjustHandles="1" noChangeArrowheads="1" noChangeShapeType="1" noTextEdit="1"/>
+          </p:cNvSpPr>
+          <p:nvPr>
+            <p:extLst>
+              <p:ext uri="{386F3935-93C4-4BCD-93E2-E3B085C9AB24}">
+                <p16:designElem xmlns:p16="http://schemas.microsoft.com/office/powerpoint/2015/main" val="1"/>
+              </p:ext>
+            </p:extLst>
+          </p:nvPr>
+        </p:nvSpPr>
+        <p:spPr>
+          <a:xfrm>
+            <a:off x="429369" y="1681544"/>
+            <a:ext cx="8229600" cy="18288"/>
+          </a:xfrm>
+          <a:custGeom>
+            <a:avLst/>
+            <a:gdLst>
+              <a:gd name="connsiteX0" fmla="*/ 0 w 8229600"/>
+              <a:gd name="connsiteY0" fmla="*/ 0 h 18288"/>
+              <a:gd name="connsiteX1" fmla="*/ 521208 w 8229600"/>
+              <a:gd name="connsiteY1" fmla="*/ 0 h 18288"/>
+              <a:gd name="connsiteX2" fmla="*/ 1371600 w 8229600"/>
+              <a:gd name="connsiteY2" fmla="*/ 0 h 18288"/>
+              <a:gd name="connsiteX3" fmla="*/ 2221992 w 8229600"/>
+              <a:gd name="connsiteY3" fmla="*/ 0 h 18288"/>
+              <a:gd name="connsiteX4" fmla="*/ 3072384 w 8229600"/>
+              <a:gd name="connsiteY4" fmla="*/ 0 h 18288"/>
+              <a:gd name="connsiteX5" fmla="*/ 3511296 w 8229600"/>
+              <a:gd name="connsiteY5" fmla="*/ 0 h 18288"/>
+              <a:gd name="connsiteX6" fmla="*/ 4114800 w 8229600"/>
+              <a:gd name="connsiteY6" fmla="*/ 0 h 18288"/>
+              <a:gd name="connsiteX7" fmla="*/ 4553712 w 8229600"/>
+              <a:gd name="connsiteY7" fmla="*/ 0 h 18288"/>
+              <a:gd name="connsiteX8" fmla="*/ 5239512 w 8229600"/>
+              <a:gd name="connsiteY8" fmla="*/ 0 h 18288"/>
+              <a:gd name="connsiteX9" fmla="*/ 5843016 w 8229600"/>
+              <a:gd name="connsiteY9" fmla="*/ 0 h 18288"/>
+              <a:gd name="connsiteX10" fmla="*/ 6611112 w 8229600"/>
+              <a:gd name="connsiteY10" fmla="*/ 0 h 18288"/>
+              <a:gd name="connsiteX11" fmla="*/ 7461504 w 8229600"/>
+              <a:gd name="connsiteY11" fmla="*/ 0 h 18288"/>
+              <a:gd name="connsiteX12" fmla="*/ 8229600 w 8229600"/>
+              <a:gd name="connsiteY12" fmla="*/ 0 h 18288"/>
+              <a:gd name="connsiteX13" fmla="*/ 8229600 w 8229600"/>
+              <a:gd name="connsiteY13" fmla="*/ 18288 h 18288"/>
+              <a:gd name="connsiteX14" fmla="*/ 7461504 w 8229600"/>
+              <a:gd name="connsiteY14" fmla="*/ 18288 h 18288"/>
+              <a:gd name="connsiteX15" fmla="*/ 6940296 w 8229600"/>
+              <a:gd name="connsiteY15" fmla="*/ 18288 h 18288"/>
+              <a:gd name="connsiteX16" fmla="*/ 6419088 w 8229600"/>
+              <a:gd name="connsiteY16" fmla="*/ 18288 h 18288"/>
+              <a:gd name="connsiteX17" fmla="*/ 5650992 w 8229600"/>
+              <a:gd name="connsiteY17" fmla="*/ 18288 h 18288"/>
+              <a:gd name="connsiteX18" fmla="*/ 5129784 w 8229600"/>
+              <a:gd name="connsiteY18" fmla="*/ 18288 h 18288"/>
+              <a:gd name="connsiteX19" fmla="*/ 4690872 w 8229600"/>
+              <a:gd name="connsiteY19" fmla="*/ 18288 h 18288"/>
+              <a:gd name="connsiteX20" fmla="*/ 4087368 w 8229600"/>
+              <a:gd name="connsiteY20" fmla="*/ 18288 h 18288"/>
+              <a:gd name="connsiteX21" fmla="*/ 3401568 w 8229600"/>
+              <a:gd name="connsiteY21" fmla="*/ 18288 h 18288"/>
+              <a:gd name="connsiteX22" fmla="*/ 2798064 w 8229600"/>
+              <a:gd name="connsiteY22" fmla="*/ 18288 h 18288"/>
+              <a:gd name="connsiteX23" fmla="*/ 2276856 w 8229600"/>
+              <a:gd name="connsiteY23" fmla="*/ 18288 h 18288"/>
+              <a:gd name="connsiteX24" fmla="*/ 1426464 w 8229600"/>
+              <a:gd name="connsiteY24" fmla="*/ 18288 h 18288"/>
+              <a:gd name="connsiteX25" fmla="*/ 740664 w 8229600"/>
+              <a:gd name="connsiteY25" fmla="*/ 18288 h 18288"/>
+              <a:gd name="connsiteX26" fmla="*/ 0 w 8229600"/>
+              <a:gd name="connsiteY26" fmla="*/ 18288 h 18288"/>
+              <a:gd name="connsiteX27" fmla="*/ 0 w 8229600"/>
+              <a:gd name="connsiteY27" fmla="*/ 0 h 18288"/>
+            </a:gdLst>
+            <a:ahLst/>
+            <a:cxnLst>
+              <a:cxn ang="0">
+                <a:pos x="connsiteX0" y="connsiteY0"/>
+              </a:cxn>
+              <a:cxn ang="0">
+                <a:pos x="connsiteX1" y="connsiteY1"/>
+              </a:cxn>
+              <a:cxn ang="0">
+                <a:pos x="connsiteX2" y="connsiteY2"/>
+              </a:cxn>
+              <a:cxn ang="0">
+                <a:pos x="connsiteX3" y="connsiteY3"/>
+              </a:cxn>
+              <a:cxn ang="0">
+                <a:pos x="connsiteX4" y="connsiteY4"/>
+              </a:cxn>
+              <a:cxn ang="0">
+                <a:pos x="connsiteX5" y="connsiteY5"/>
+              </a:cxn>
+              <a:cxn ang="0">
+                <a:pos x="connsiteX6" y="connsiteY6"/>
+              </a:cxn>
+              <a:cxn ang="0">
+                <a:pos x="connsiteX7" y="connsiteY7"/>
+              </a:cxn>
+              <a:cxn ang="0">
+                <a:pos x="connsiteX8" y="connsiteY8"/>
+              </a:cxn>
+              <a:cxn ang="0">
+                <a:pos x="connsiteX9" y="connsiteY9"/>
+              </a:cxn>
+              <a:cxn ang="0">
+                <a:pos x="connsiteX10" y="connsiteY10"/>
+              </a:cxn>
+              <a:cxn ang="0">
+                <a:pos x="connsiteX11" y="connsiteY11"/>
+              </a:cxn>
+              <a:cxn ang="0">
+                <a:pos x="connsiteX12" y="connsiteY12"/>
+              </a:cxn>
+              <a:cxn ang="0">
+                <a:pos x="connsiteX13" y="connsiteY13"/>
+              </a:cxn>
+              <a:cxn ang="0">
+                <a:pos x="connsiteX14" y="connsiteY14"/>
+              </a:cxn>
+              <a:cxn ang="0">
+                <a:pos x="connsiteX15" y="connsiteY15"/>
+              </a:cxn>
+              <a:cxn ang="0">
+                <a:pos x="connsiteX16" y="connsiteY16"/>
+              </a:cxn>
+              <a:cxn ang="0">
+                <a:pos x="connsiteX17" y="connsiteY17"/>
+              </a:cxn>
+              <a:cxn ang="0">
+                <a:pos x="connsiteX18" y="connsiteY18"/>
+              </a:cxn>
+              <a:cxn ang="0">
+                <a:pos x="connsiteX19" y="connsiteY19"/>
+              </a:cxn>
+              <a:cxn ang="0">
+                <a:pos x="connsiteX20" y="connsiteY20"/>
+              </a:cxn>
+              <a:cxn ang="0">
+                <a:pos x="connsiteX21" y="connsiteY21"/>
+              </a:cxn>
+              <a:cxn ang="0">
+                <a:pos x="connsiteX22" y="connsiteY22"/>
+              </a:cxn>
+              <a:cxn ang="0">
+                <a:pos x="connsiteX23" y="connsiteY23"/>
+              </a:cxn>
+              <a:cxn ang="0">
+                <a:pos x="connsiteX24" y="connsiteY24"/>
+              </a:cxn>
+              <a:cxn ang="0">
+                <a:pos x="connsiteX25" y="connsiteY25"/>
+              </a:cxn>
+              <a:cxn ang="0">
+                <a:pos x="connsiteX26" y="connsiteY26"/>
+              </a:cxn>
+              <a:cxn ang="0">
+                <a:pos x="connsiteX27" y="connsiteY27"/>
+              </a:cxn>
+            </a:cxnLst>
+            <a:rect l="l" t="t" r="r" b="b"/>
+            <a:pathLst>
+              <a:path w="8229600" h="18288" fill="none" extrusionOk="0">
+                <a:moveTo>
+                  <a:pt x="0" y="0"/>
+                </a:moveTo>
+                <a:cubicBezTo>
+                  <a:pt x="227594" y="-4267"/>
+                  <a:pt x="329693" y="13251"/>
+                  <a:pt x="521208" y="0"/>
+                </a:cubicBezTo>
+                <a:cubicBezTo>
+                  <a:pt x="712723" y="-13251"/>
+                  <a:pt x="1137373" y="-13618"/>
+                  <a:pt x="1371600" y="0"/>
+                </a:cubicBezTo>
+                <a:cubicBezTo>
+                  <a:pt x="1605827" y="13618"/>
+                  <a:pt x="1975382" y="-27374"/>
+                  <a:pt x="2221992" y="0"/>
+                </a:cubicBezTo>
+                <a:cubicBezTo>
+                  <a:pt x="2468602" y="27374"/>
+                  <a:pt x="2863316" y="-20517"/>
+                  <a:pt x="3072384" y="0"/>
+                </a:cubicBezTo>
+                <a:cubicBezTo>
+                  <a:pt x="3281452" y="20517"/>
+                  <a:pt x="3331438" y="10793"/>
+                  <a:pt x="3511296" y="0"/>
+                </a:cubicBezTo>
+                <a:cubicBezTo>
+                  <a:pt x="3691154" y="-10793"/>
+                  <a:pt x="3906405" y="-29737"/>
+                  <a:pt x="4114800" y="0"/>
+                </a:cubicBezTo>
+                <a:cubicBezTo>
+                  <a:pt x="4323195" y="29737"/>
+                  <a:pt x="4428852" y="-2234"/>
+                  <a:pt x="4553712" y="0"/>
+                </a:cubicBezTo>
+                <a:cubicBezTo>
+                  <a:pt x="4678572" y="2234"/>
+                  <a:pt x="5065629" y="29368"/>
+                  <a:pt x="5239512" y="0"/>
+                </a:cubicBezTo>
+                <a:cubicBezTo>
+                  <a:pt x="5413395" y="-29368"/>
+                  <a:pt x="5703888" y="11839"/>
+                  <a:pt x="5843016" y="0"/>
+                </a:cubicBezTo>
+                <a:cubicBezTo>
+                  <a:pt x="5982144" y="-11839"/>
+                  <a:pt x="6260765" y="24719"/>
+                  <a:pt x="6611112" y="0"/>
+                </a:cubicBezTo>
+                <a:cubicBezTo>
+                  <a:pt x="6961459" y="-24719"/>
+                  <a:pt x="7228293" y="32959"/>
+                  <a:pt x="7461504" y="0"/>
+                </a:cubicBezTo>
+                <a:cubicBezTo>
+                  <a:pt x="7694715" y="-32959"/>
+                  <a:pt x="7990029" y="-3422"/>
+                  <a:pt x="8229600" y="0"/>
+                </a:cubicBezTo>
+                <a:cubicBezTo>
+                  <a:pt x="8228940" y="5812"/>
+                  <a:pt x="8229447" y="9773"/>
+                  <a:pt x="8229600" y="18288"/>
+                </a:cubicBezTo>
+                <a:cubicBezTo>
+                  <a:pt x="7940706" y="-9293"/>
+                  <a:pt x="7792584" y="-16009"/>
+                  <a:pt x="7461504" y="18288"/>
+                </a:cubicBezTo>
+                <a:cubicBezTo>
+                  <a:pt x="7130424" y="52585"/>
+                  <a:pt x="7080072" y="43845"/>
+                  <a:pt x="6940296" y="18288"/>
+                </a:cubicBezTo>
+                <a:cubicBezTo>
+                  <a:pt x="6800520" y="-7269"/>
+                  <a:pt x="6672872" y="26671"/>
+                  <a:pt x="6419088" y="18288"/>
+                </a:cubicBezTo>
+                <a:cubicBezTo>
+                  <a:pt x="6165304" y="9905"/>
+                  <a:pt x="5869721" y="4987"/>
+                  <a:pt x="5650992" y="18288"/>
+                </a:cubicBezTo>
+                <a:cubicBezTo>
+                  <a:pt x="5432263" y="31589"/>
+                  <a:pt x="5308310" y="3023"/>
+                  <a:pt x="5129784" y="18288"/>
+                </a:cubicBezTo>
+                <a:cubicBezTo>
+                  <a:pt x="4951258" y="33553"/>
+                  <a:pt x="4799696" y="15357"/>
+                  <a:pt x="4690872" y="18288"/>
+                </a:cubicBezTo>
+                <a:cubicBezTo>
+                  <a:pt x="4582048" y="21219"/>
+                  <a:pt x="4311124" y="-7836"/>
+                  <a:pt x="4087368" y="18288"/>
+                </a:cubicBezTo>
+                <a:cubicBezTo>
+                  <a:pt x="3863612" y="44412"/>
+                  <a:pt x="3730288" y="13374"/>
+                  <a:pt x="3401568" y="18288"/>
+                </a:cubicBezTo>
+                <a:cubicBezTo>
+                  <a:pt x="3072848" y="23202"/>
+                  <a:pt x="3020684" y="32425"/>
+                  <a:pt x="2798064" y="18288"/>
+                </a:cubicBezTo>
+                <a:cubicBezTo>
+                  <a:pt x="2575444" y="4151"/>
+                  <a:pt x="2440915" y="-7352"/>
+                  <a:pt x="2276856" y="18288"/>
+                </a:cubicBezTo>
+                <a:cubicBezTo>
+                  <a:pt x="2112797" y="43928"/>
+                  <a:pt x="1726502" y="-9560"/>
+                  <a:pt x="1426464" y="18288"/>
+                </a:cubicBezTo>
+                <a:cubicBezTo>
+                  <a:pt x="1126426" y="46136"/>
+                  <a:pt x="992925" y="21016"/>
+                  <a:pt x="740664" y="18288"/>
+                </a:cubicBezTo>
+                <a:cubicBezTo>
+                  <a:pt x="488403" y="15560"/>
+                  <a:pt x="195650" y="-16061"/>
+                  <a:pt x="0" y="18288"/>
+                </a:cubicBezTo>
+                <a:cubicBezTo>
+                  <a:pt x="348" y="9455"/>
+                  <a:pt x="654" y="3983"/>
+                  <a:pt x="0" y="0"/>
+                </a:cubicBezTo>
+                <a:close/>
+              </a:path>
+              <a:path w="8229600" h="18288" stroke="0" extrusionOk="0">
+                <a:moveTo>
+                  <a:pt x="0" y="0"/>
+                </a:moveTo>
+                <a:cubicBezTo>
+                  <a:pt x="259263" y="-9445"/>
+                  <a:pt x="404731" y="4427"/>
+                  <a:pt x="521208" y="0"/>
+                </a:cubicBezTo>
+                <a:cubicBezTo>
+                  <a:pt x="637685" y="-4427"/>
+                  <a:pt x="839187" y="564"/>
+                  <a:pt x="960120" y="0"/>
+                </a:cubicBezTo>
+                <a:cubicBezTo>
+                  <a:pt x="1081053" y="-564"/>
+                  <a:pt x="1313469" y="-16481"/>
+                  <a:pt x="1481328" y="0"/>
+                </a:cubicBezTo>
+                <a:cubicBezTo>
+                  <a:pt x="1649187" y="16481"/>
+                  <a:pt x="1885247" y="26161"/>
+                  <a:pt x="2167128" y="0"/>
+                </a:cubicBezTo>
+                <a:cubicBezTo>
+                  <a:pt x="2449009" y="-26161"/>
+                  <a:pt x="2761875" y="-22202"/>
+                  <a:pt x="2935224" y="0"/>
+                </a:cubicBezTo>
+                <a:cubicBezTo>
+                  <a:pt x="3108573" y="22202"/>
+                  <a:pt x="3540687" y="-2863"/>
+                  <a:pt x="3785616" y="0"/>
+                </a:cubicBezTo>
+                <a:cubicBezTo>
+                  <a:pt x="4030545" y="2863"/>
+                  <a:pt x="4280774" y="-12442"/>
+                  <a:pt x="4636008" y="0"/>
+                </a:cubicBezTo>
+                <a:cubicBezTo>
+                  <a:pt x="4991242" y="12442"/>
+                  <a:pt x="5025483" y="16914"/>
+                  <a:pt x="5239512" y="0"/>
+                </a:cubicBezTo>
+                <a:cubicBezTo>
+                  <a:pt x="5453541" y="-16914"/>
+                  <a:pt x="5754008" y="16592"/>
+                  <a:pt x="6007608" y="0"/>
+                </a:cubicBezTo>
+                <a:cubicBezTo>
+                  <a:pt x="6261208" y="-16592"/>
+                  <a:pt x="6407957" y="-11909"/>
+                  <a:pt x="6693408" y="0"/>
+                </a:cubicBezTo>
+                <a:cubicBezTo>
+                  <a:pt x="6978859" y="11909"/>
+                  <a:pt x="7015437" y="-20890"/>
+                  <a:pt x="7296912" y="0"/>
+                </a:cubicBezTo>
+                <a:cubicBezTo>
+                  <a:pt x="7578387" y="20890"/>
+                  <a:pt x="7859622" y="46406"/>
+                  <a:pt x="8229600" y="0"/>
+                </a:cubicBezTo>
+                <a:cubicBezTo>
+                  <a:pt x="8230508" y="6337"/>
+                  <a:pt x="8228722" y="11778"/>
+                  <a:pt x="8229600" y="18288"/>
+                </a:cubicBezTo>
+                <a:cubicBezTo>
+                  <a:pt x="8075287" y="35054"/>
+                  <a:pt x="7821366" y="21850"/>
+                  <a:pt x="7626096" y="18288"/>
+                </a:cubicBezTo>
+                <a:cubicBezTo>
+                  <a:pt x="7430826" y="14726"/>
+                  <a:pt x="7320004" y="-9669"/>
+                  <a:pt x="7022592" y="18288"/>
+                </a:cubicBezTo>
+                <a:cubicBezTo>
+                  <a:pt x="6725180" y="46245"/>
+                  <a:pt x="6348804" y="-14025"/>
+                  <a:pt x="6172200" y="18288"/>
+                </a:cubicBezTo>
+                <a:cubicBezTo>
+                  <a:pt x="5995596" y="50601"/>
+                  <a:pt x="5788102" y="22890"/>
+                  <a:pt x="5650992" y="18288"/>
+                </a:cubicBezTo>
+                <a:cubicBezTo>
+                  <a:pt x="5513882" y="13686"/>
+                  <a:pt x="5198399" y="29121"/>
+                  <a:pt x="4882896" y="18288"/>
+                </a:cubicBezTo>
+                <a:cubicBezTo>
+                  <a:pt x="4567393" y="7455"/>
+                  <a:pt x="4557008" y="26965"/>
+                  <a:pt x="4443984" y="18288"/>
+                </a:cubicBezTo>
+                <a:cubicBezTo>
+                  <a:pt x="4330960" y="9611"/>
+                  <a:pt x="4061674" y="28891"/>
+                  <a:pt x="3758184" y="18288"/>
+                </a:cubicBezTo>
+                <a:cubicBezTo>
+                  <a:pt x="3454694" y="7685"/>
+                  <a:pt x="3380392" y="19119"/>
+                  <a:pt x="3236976" y="18288"/>
+                </a:cubicBezTo>
+                <a:cubicBezTo>
+                  <a:pt x="3093560" y="17457"/>
+                  <a:pt x="2632116" y="37607"/>
+                  <a:pt x="2386584" y="18288"/>
+                </a:cubicBezTo>
+                <a:cubicBezTo>
+                  <a:pt x="2141052" y="-1031"/>
+                  <a:pt x="2110884" y="28777"/>
+                  <a:pt x="1947672" y="18288"/>
+                </a:cubicBezTo>
+                <a:cubicBezTo>
+                  <a:pt x="1784460" y="7799"/>
+                  <a:pt x="1535467" y="461"/>
+                  <a:pt x="1261872" y="18288"/>
+                </a:cubicBezTo>
+                <a:cubicBezTo>
+                  <a:pt x="988277" y="36115"/>
+                  <a:pt x="1021096" y="10375"/>
+                  <a:pt x="822960" y="18288"/>
+                </a:cubicBezTo>
+                <a:cubicBezTo>
+                  <a:pt x="624824" y="26201"/>
+                  <a:pt x="298309" y="1283"/>
+                  <a:pt x="0" y="18288"/>
+                </a:cubicBezTo>
+                <a:cubicBezTo>
+                  <a:pt x="-633" y="12278"/>
+                  <a:pt x="-757" y="5867"/>
+                  <a:pt x="0" y="0"/>
+                </a:cubicBezTo>
+                <a:close/>
+              </a:path>
+            </a:pathLst>
+          </a:custGeom>
+          <a:solidFill>
+            <a:schemeClr val="accent2">
+              <a:alpha val="75000"/>
+            </a:schemeClr>
+          </a:solidFill>
+          <a:ln w="44450" cap="rnd">
+            <a:solidFill>
+              <a:schemeClr val="accent2">
+                <a:alpha val="75000"/>
+              </a:schemeClr>
+            </a:solidFill>
+            <a:round/>
+            <a:extLst>
+              <a:ext uri="{C807C97D-BFC1-408E-A445-0C87EB9F89A2}">
+                <ask:lineSketchStyleProps xmlns:ask="http://schemas.microsoft.com/office/drawing/2018/sketchyshapes" sd="2727557108">
+                  <a:prstGeom prst="rect">
+                    <a:avLst/>
+                  </a:prstGeom>
+                  <ask:type>
+                    <ask:lineSketchFreehand/>
+                  </ask:type>
+                </ask:lineSketchStyleProps>
+              </a:ext>
+            </a:extLst>
+          </a:ln>
+        </p:spPr>
+        <p:style>
+          <a:lnRef idx="2">
+            <a:schemeClr val="accent1">
+              <a:shade val="50000"/>
+            </a:schemeClr>
+          </a:lnRef>
+          <a:fillRef idx="1">
+            <a:schemeClr val="accent1"/>
+          </a:fillRef>
+          <a:effectRef idx="0">
+            <a:schemeClr val="accent1"/>
+          </a:effectRef>
+          <a:fontRef idx="minor">
+            <a:schemeClr val="lt1"/>
+          </a:fontRef>
+        </p:style>
+        <p:txBody>
+          <a:bodyPr rtlCol="0" anchor="ctr"/>
+          <a:lstStyle/>
+          <a:p>
+            <a:pPr algn="ctr"/>
+            <a:endParaRPr lang="en-US"/>
           </a:p>
         </p:txBody>
       </p:sp>
@@ -6053,91 +10254,36 @@
             <p:ph idx="1"/>
           </p:nvPr>
         </p:nvSpPr>
-        <p:spPr/>
+        <p:spPr>
+          <a:xfrm>
+            <a:off x="429369" y="2071316"/>
+            <a:ext cx="5035164" cy="4119172"/>
+          </a:xfrm>
+        </p:spPr>
         <p:txBody>
-          <a:bodyPr>
+          <a:bodyPr anchor="t">
             <a:normAutofit/>
           </a:bodyPr>
           <a:lstStyle/>
           <a:p>
-            <a:endParaRPr sz="1800" b="1" dirty="0"/>
-          </a:p>
-          <a:p>
-            <a:r>
-              <a:rPr sz="1800" b="1" dirty="0" err="1"/>
-              <a:t>BorderLayout</a:t>
-            </a:r>
-            <a:r>
-              <a:rPr sz="1800" b="1" dirty="0"/>
-              <a:t> : WEST (</a:t>
-            </a:r>
-            <a:r>
-              <a:rPr sz="1800" b="1" dirty="0" err="1"/>
-              <a:t>liste</a:t>
-            </a:r>
-            <a:r>
-              <a:rPr sz="1800" b="1" dirty="0"/>
-              <a:t>), CENTER (grille).</a:t>
-            </a:r>
-          </a:p>
-          <a:p>
-            <a:r>
-              <a:rPr sz="1800" b="1" dirty="0" err="1"/>
-              <a:t>GridLayout</a:t>
-            </a:r>
-            <a:r>
-              <a:rPr sz="1800" b="1" dirty="0"/>
-              <a:t> : grille </a:t>
-            </a:r>
-            <a:r>
-              <a:rPr sz="1800" b="1" dirty="0" err="1"/>
-              <a:t>dynam</a:t>
-            </a:r>
-            <a:r>
-              <a:rPr sz="1800" b="1" dirty="0"/>
-              <a:t>. 4 </a:t>
-            </a:r>
-            <a:r>
-              <a:rPr sz="1800" b="1" dirty="0" err="1"/>
-              <a:t>colonnes</a:t>
-            </a:r>
-            <a:r>
-              <a:rPr sz="1800" b="1" dirty="0"/>
-              <a:t> pour </a:t>
-            </a:r>
-            <a:r>
-              <a:rPr sz="1800" b="1" dirty="0" err="1"/>
-              <a:t>panneaux</a:t>
-            </a:r>
-            <a:r>
-              <a:rPr sz="1800" b="1" dirty="0"/>
-              <a:t>.</a:t>
-            </a:r>
-          </a:p>
-          <a:p>
-            <a:r>
-              <a:rPr sz="1800" b="1" dirty="0" err="1"/>
-              <a:t>JScrollPane</a:t>
-            </a:r>
-            <a:r>
-              <a:rPr sz="1800" b="1" dirty="0"/>
-              <a:t> : scroll vertical </a:t>
-            </a:r>
-            <a:r>
-              <a:rPr sz="1800" b="1" dirty="0" err="1"/>
-              <a:t>si</a:t>
-            </a:r>
-            <a:r>
-              <a:rPr sz="1800" b="1" dirty="0"/>
-              <a:t> </a:t>
-            </a:r>
-            <a:r>
-              <a:rPr sz="1800" b="1" dirty="0" err="1"/>
-              <a:t>nécessaire</a:t>
-            </a:r>
-            <a:r>
-              <a:rPr sz="1800" b="1" dirty="0"/>
-              <a:t>.</a:t>
+            <a:endParaRPr lang="fr-CH" sz="1900" b="1"/>
+          </a:p>
+          <a:p>
+            <a:r>
+              <a:rPr lang="fr-CH" sz="1900" b="1"/>
+              <a:t>BorderLayout : WEST (liste), CENTER (grille).</a:t>
+            </a:r>
+          </a:p>
+          <a:p>
+            <a:r>
+              <a:rPr lang="fr-CH" sz="1900" b="1"/>
+              <a:t>GridLayout : grille dynam. 4 colonnes pour panneaux.</a:t>
+            </a:r>
+          </a:p>
+          <a:p>
+            <a:r>
+              <a:rPr lang="fr-CH" sz="1900" b="1"/>
+              <a:t>JScrollPane : scroll vertical si nécessaire.</a:t>
             </a:r>
           </a:p>
         </p:txBody>
@@ -6152,14 +10298,15 @@
         </p:nvPicPr>
         <p:blipFill>
           <a:blip r:embed="rId2"/>
+          <a:srcRect l="730" r="51286" b="-3"/>
           <a:stretch>
             <a:fillRect/>
           </a:stretch>
         </p:blipFill>
         <p:spPr>
           <a:xfrm>
-            <a:off x="3611880" y="3184790"/>
-            <a:ext cx="5532120" cy="3673209"/>
+            <a:off x="5756743" y="2093976"/>
+            <a:ext cx="2955798" cy="4096512"/>
           </a:xfrm>
           <a:prstGeom prst="rect">
             <a:avLst/>
@@ -6180,7 +10327,7 @@
     <p:bg>
       <p:bgPr>
         <a:solidFill>
-          <a:srgbClr val="E6FFF0"/>
+          <a:schemeClr val="bg1"/>
         </a:solidFill>
         <a:effectLst/>
       </p:bgPr>
@@ -6199,6 +10346,66 @@
           <a:chExt cx="0" cy="0"/>
         </a:xfrm>
       </p:grpSpPr>
+      <p:sp useBgFill="1">
+        <p:nvSpPr>
+          <p:cNvPr id="8" name="Rectangle 7">
+            <a:extLst>
+              <a:ext uri="{FF2B5EF4-FFF2-40B4-BE49-F238E27FC236}">
+                <a16:creationId xmlns:a16="http://schemas.microsoft.com/office/drawing/2014/main" id="{100EDD19-6802-4EC3-95CE-CFFAB042CFD6}"/>
+              </a:ext>
+              <a:ext uri="{C183D7F6-B498-43B3-948B-1728B52AA6E4}">
+                <adec:decorative xmlns:adec="http://schemas.microsoft.com/office/drawing/2017/decorative" val="1"/>
+              </a:ext>
+            </a:extLst>
+          </p:cNvPr>
+          <p:cNvSpPr>
+            <a:spLocks noGrp="1" noRot="1" noChangeAspect="1" noMove="1" noResize="1" noEditPoints="1" noAdjustHandles="1" noChangeArrowheads="1" noChangeShapeType="1" noTextEdit="1"/>
+          </p:cNvSpPr>
+          <p:nvPr>
+            <p:extLst>
+              <p:ext uri="{386F3935-93C4-4BCD-93E2-E3B085C9AB24}">
+                <p16:designElem xmlns:p16="http://schemas.microsoft.com/office/powerpoint/2015/main" val="1"/>
+              </p:ext>
+            </p:extLst>
+          </p:nvPr>
+        </p:nvSpPr>
+        <p:spPr>
+          <a:xfrm>
+            <a:off x="0" y="0"/>
+            <a:ext cx="9141714" cy="6858000"/>
+          </a:xfrm>
+          <a:prstGeom prst="rect">
+            <a:avLst/>
+          </a:prstGeom>
+          <a:ln>
+            <a:noFill/>
+          </a:ln>
+        </p:spPr>
+        <p:style>
+          <a:lnRef idx="2">
+            <a:schemeClr val="accent1">
+              <a:shade val="50000"/>
+            </a:schemeClr>
+          </a:lnRef>
+          <a:fillRef idx="1">
+            <a:schemeClr val="accent1"/>
+          </a:fillRef>
+          <a:effectRef idx="0">
+            <a:schemeClr val="accent1"/>
+          </a:effectRef>
+          <a:fontRef idx="minor">
+            <a:schemeClr val="lt1"/>
+          </a:fontRef>
+        </p:style>
+        <p:txBody>
+          <a:bodyPr rtlCol="0" anchor="ctr"/>
+          <a:lstStyle/>
+          <a:p>
+            <a:pPr algn="ctr"/>
+            <a:endParaRPr lang="en-US"/>
+          </a:p>
+        </p:txBody>
+      </p:sp>
       <p:sp>
         <p:nvSpPr>
           <p:cNvPr id="2" name="Title 1"/>
@@ -6209,14 +10416,510 @@
             <p:ph type="title"/>
           </p:nvPr>
         </p:nvSpPr>
-        <p:spPr/>
+        <p:spPr>
+          <a:xfrm>
+            <a:off x="628650" y="365125"/>
+            <a:ext cx="7886700" cy="1325563"/>
+          </a:xfrm>
+        </p:spPr>
         <p:txBody>
-          <a:bodyPr/>
+          <a:bodyPr>
+            <a:normAutofit/>
+          </a:bodyPr>
           <a:lstStyle/>
           <a:p>
             <a:r>
+              <a:rPr lang="fr-CH" sz="4700"/>
               <a:t>Application des concepts Swing</a:t>
             </a:r>
+          </a:p>
+        </p:txBody>
+      </p:sp>
+      <p:sp>
+        <p:nvSpPr>
+          <p:cNvPr id="10" name="sketch line">
+            <a:extLst>
+              <a:ext uri="{FF2B5EF4-FFF2-40B4-BE49-F238E27FC236}">
+                <a16:creationId xmlns:a16="http://schemas.microsoft.com/office/drawing/2014/main" id="{DB17E863-922E-4C26-BD64-E8FD41D28661}"/>
+              </a:ext>
+              <a:ext uri="{C183D7F6-B498-43B3-948B-1728B52AA6E4}">
+                <adec:decorative xmlns:adec="http://schemas.microsoft.com/office/drawing/2017/decorative" val="1"/>
+              </a:ext>
+            </a:extLst>
+          </p:cNvPr>
+          <p:cNvSpPr>
+            <a:spLocks noGrp="1" noRot="1" noChangeAspect="1" noMove="1" noResize="1" noEditPoints="1" noAdjustHandles="1" noChangeArrowheads="1" noChangeShapeType="1" noTextEdit="1"/>
+          </p:cNvSpPr>
+          <p:nvPr>
+            <p:extLst>
+              <p:ext uri="{386F3935-93C4-4BCD-93E2-E3B085C9AB24}">
+                <p16:designElem xmlns:p16="http://schemas.microsoft.com/office/powerpoint/2015/main" val="1"/>
+              </p:ext>
+            </p:extLst>
+          </p:nvPr>
+        </p:nvSpPr>
+        <p:spPr>
+          <a:xfrm>
+            <a:off x="501777" y="1677373"/>
+            <a:ext cx="8140446" cy="18288"/>
+          </a:xfrm>
+          <a:custGeom>
+            <a:avLst/>
+            <a:gdLst>
+              <a:gd name="connsiteX0" fmla="*/ 0 w 8140446"/>
+              <a:gd name="connsiteY0" fmla="*/ 0 h 18288"/>
+              <a:gd name="connsiteX1" fmla="*/ 434157 w 8140446"/>
+              <a:gd name="connsiteY1" fmla="*/ 0 h 18288"/>
+              <a:gd name="connsiteX2" fmla="*/ 1193932 w 8140446"/>
+              <a:gd name="connsiteY2" fmla="*/ 0 h 18288"/>
+              <a:gd name="connsiteX3" fmla="*/ 1628089 w 8140446"/>
+              <a:gd name="connsiteY3" fmla="*/ 0 h 18288"/>
+              <a:gd name="connsiteX4" fmla="*/ 2225055 w 8140446"/>
+              <a:gd name="connsiteY4" fmla="*/ 0 h 18288"/>
+              <a:gd name="connsiteX5" fmla="*/ 3066235 w 8140446"/>
+              <a:gd name="connsiteY5" fmla="*/ 0 h 18288"/>
+              <a:gd name="connsiteX6" fmla="*/ 3744605 w 8140446"/>
+              <a:gd name="connsiteY6" fmla="*/ 0 h 18288"/>
+              <a:gd name="connsiteX7" fmla="*/ 4504380 w 8140446"/>
+              <a:gd name="connsiteY7" fmla="*/ 0 h 18288"/>
+              <a:gd name="connsiteX8" fmla="*/ 5101346 w 8140446"/>
+              <a:gd name="connsiteY8" fmla="*/ 0 h 18288"/>
+              <a:gd name="connsiteX9" fmla="*/ 5779717 w 8140446"/>
+              <a:gd name="connsiteY9" fmla="*/ 0 h 18288"/>
+              <a:gd name="connsiteX10" fmla="*/ 6620896 w 8140446"/>
+              <a:gd name="connsiteY10" fmla="*/ 0 h 18288"/>
+              <a:gd name="connsiteX11" fmla="*/ 7136458 w 8140446"/>
+              <a:gd name="connsiteY11" fmla="*/ 0 h 18288"/>
+              <a:gd name="connsiteX12" fmla="*/ 8140446 w 8140446"/>
+              <a:gd name="connsiteY12" fmla="*/ 0 h 18288"/>
+              <a:gd name="connsiteX13" fmla="*/ 8140446 w 8140446"/>
+              <a:gd name="connsiteY13" fmla="*/ 18288 h 18288"/>
+              <a:gd name="connsiteX14" fmla="*/ 7543480 w 8140446"/>
+              <a:gd name="connsiteY14" fmla="*/ 18288 h 18288"/>
+              <a:gd name="connsiteX15" fmla="*/ 7109323 w 8140446"/>
+              <a:gd name="connsiteY15" fmla="*/ 18288 h 18288"/>
+              <a:gd name="connsiteX16" fmla="*/ 6430952 w 8140446"/>
+              <a:gd name="connsiteY16" fmla="*/ 18288 h 18288"/>
+              <a:gd name="connsiteX17" fmla="*/ 5915391 w 8140446"/>
+              <a:gd name="connsiteY17" fmla="*/ 18288 h 18288"/>
+              <a:gd name="connsiteX18" fmla="*/ 5237020 w 8140446"/>
+              <a:gd name="connsiteY18" fmla="*/ 18288 h 18288"/>
+              <a:gd name="connsiteX19" fmla="*/ 4558650 w 8140446"/>
+              <a:gd name="connsiteY19" fmla="*/ 18288 h 18288"/>
+              <a:gd name="connsiteX20" fmla="*/ 3880279 w 8140446"/>
+              <a:gd name="connsiteY20" fmla="*/ 18288 h 18288"/>
+              <a:gd name="connsiteX21" fmla="*/ 3201909 w 8140446"/>
+              <a:gd name="connsiteY21" fmla="*/ 18288 h 18288"/>
+              <a:gd name="connsiteX22" fmla="*/ 2604943 w 8140446"/>
+              <a:gd name="connsiteY22" fmla="*/ 18288 h 18288"/>
+              <a:gd name="connsiteX23" fmla="*/ 1845168 w 8140446"/>
+              <a:gd name="connsiteY23" fmla="*/ 18288 h 18288"/>
+              <a:gd name="connsiteX24" fmla="*/ 1166797 w 8140446"/>
+              <a:gd name="connsiteY24" fmla="*/ 18288 h 18288"/>
+              <a:gd name="connsiteX25" fmla="*/ 0 w 8140446"/>
+              <a:gd name="connsiteY25" fmla="*/ 18288 h 18288"/>
+              <a:gd name="connsiteX26" fmla="*/ 0 w 8140446"/>
+              <a:gd name="connsiteY26" fmla="*/ 0 h 18288"/>
+            </a:gdLst>
+            <a:ahLst/>
+            <a:cxnLst>
+              <a:cxn ang="0">
+                <a:pos x="connsiteX0" y="connsiteY0"/>
+              </a:cxn>
+              <a:cxn ang="0">
+                <a:pos x="connsiteX1" y="connsiteY1"/>
+              </a:cxn>
+              <a:cxn ang="0">
+                <a:pos x="connsiteX2" y="connsiteY2"/>
+              </a:cxn>
+              <a:cxn ang="0">
+                <a:pos x="connsiteX3" y="connsiteY3"/>
+              </a:cxn>
+              <a:cxn ang="0">
+                <a:pos x="connsiteX4" y="connsiteY4"/>
+              </a:cxn>
+              <a:cxn ang="0">
+                <a:pos x="connsiteX5" y="connsiteY5"/>
+              </a:cxn>
+              <a:cxn ang="0">
+                <a:pos x="connsiteX6" y="connsiteY6"/>
+              </a:cxn>
+              <a:cxn ang="0">
+                <a:pos x="connsiteX7" y="connsiteY7"/>
+              </a:cxn>
+              <a:cxn ang="0">
+                <a:pos x="connsiteX8" y="connsiteY8"/>
+              </a:cxn>
+              <a:cxn ang="0">
+                <a:pos x="connsiteX9" y="connsiteY9"/>
+              </a:cxn>
+              <a:cxn ang="0">
+                <a:pos x="connsiteX10" y="connsiteY10"/>
+              </a:cxn>
+              <a:cxn ang="0">
+                <a:pos x="connsiteX11" y="connsiteY11"/>
+              </a:cxn>
+              <a:cxn ang="0">
+                <a:pos x="connsiteX12" y="connsiteY12"/>
+              </a:cxn>
+              <a:cxn ang="0">
+                <a:pos x="connsiteX13" y="connsiteY13"/>
+              </a:cxn>
+              <a:cxn ang="0">
+                <a:pos x="connsiteX14" y="connsiteY14"/>
+              </a:cxn>
+              <a:cxn ang="0">
+                <a:pos x="connsiteX15" y="connsiteY15"/>
+              </a:cxn>
+              <a:cxn ang="0">
+                <a:pos x="connsiteX16" y="connsiteY16"/>
+              </a:cxn>
+              <a:cxn ang="0">
+                <a:pos x="connsiteX17" y="connsiteY17"/>
+              </a:cxn>
+              <a:cxn ang="0">
+                <a:pos x="connsiteX18" y="connsiteY18"/>
+              </a:cxn>
+              <a:cxn ang="0">
+                <a:pos x="connsiteX19" y="connsiteY19"/>
+              </a:cxn>
+              <a:cxn ang="0">
+                <a:pos x="connsiteX20" y="connsiteY20"/>
+              </a:cxn>
+              <a:cxn ang="0">
+                <a:pos x="connsiteX21" y="connsiteY21"/>
+              </a:cxn>
+              <a:cxn ang="0">
+                <a:pos x="connsiteX22" y="connsiteY22"/>
+              </a:cxn>
+              <a:cxn ang="0">
+                <a:pos x="connsiteX23" y="connsiteY23"/>
+              </a:cxn>
+              <a:cxn ang="0">
+                <a:pos x="connsiteX24" y="connsiteY24"/>
+              </a:cxn>
+              <a:cxn ang="0">
+                <a:pos x="connsiteX25" y="connsiteY25"/>
+              </a:cxn>
+              <a:cxn ang="0">
+                <a:pos x="connsiteX26" y="connsiteY26"/>
+              </a:cxn>
+            </a:cxnLst>
+            <a:rect l="l" t="t" r="r" b="b"/>
+            <a:pathLst>
+              <a:path w="8140446" h="18288" fill="none" extrusionOk="0">
+                <a:moveTo>
+                  <a:pt x="0" y="0"/>
+                </a:moveTo>
+                <a:cubicBezTo>
+                  <a:pt x="94920" y="9103"/>
+                  <a:pt x="287892" y="-4966"/>
+                  <a:pt x="434157" y="0"/>
+                </a:cubicBezTo>
+                <a:cubicBezTo>
+                  <a:pt x="580422" y="4966"/>
+                  <a:pt x="943595" y="-14182"/>
+                  <a:pt x="1193932" y="0"/>
+                </a:cubicBezTo>
+                <a:cubicBezTo>
+                  <a:pt x="1444270" y="14182"/>
+                  <a:pt x="1472129" y="5523"/>
+                  <a:pt x="1628089" y="0"/>
+                </a:cubicBezTo>
+                <a:cubicBezTo>
+                  <a:pt x="1784049" y="-5523"/>
+                  <a:pt x="1962419" y="-17322"/>
+                  <a:pt x="2225055" y="0"/>
+                </a:cubicBezTo>
+                <a:cubicBezTo>
+                  <a:pt x="2487691" y="17322"/>
+                  <a:pt x="2700681" y="1311"/>
+                  <a:pt x="3066235" y="0"/>
+                </a:cubicBezTo>
+                <a:cubicBezTo>
+                  <a:pt x="3431789" y="-1311"/>
+                  <a:pt x="3405662" y="25081"/>
+                  <a:pt x="3744605" y="0"/>
+                </a:cubicBezTo>
+                <a:cubicBezTo>
+                  <a:pt x="4083548" y="-25081"/>
+                  <a:pt x="4265111" y="-11945"/>
+                  <a:pt x="4504380" y="0"/>
+                </a:cubicBezTo>
+                <a:cubicBezTo>
+                  <a:pt x="4743649" y="11945"/>
+                  <a:pt x="4860394" y="-2832"/>
+                  <a:pt x="5101346" y="0"/>
+                </a:cubicBezTo>
+                <a:cubicBezTo>
+                  <a:pt x="5342298" y="2832"/>
+                  <a:pt x="5456387" y="23676"/>
+                  <a:pt x="5779717" y="0"/>
+                </a:cubicBezTo>
+                <a:cubicBezTo>
+                  <a:pt x="6103047" y="-23676"/>
+                  <a:pt x="6270379" y="-37291"/>
+                  <a:pt x="6620896" y="0"/>
+                </a:cubicBezTo>
+                <a:cubicBezTo>
+                  <a:pt x="6971413" y="37291"/>
+                  <a:pt x="6989068" y="24674"/>
+                  <a:pt x="7136458" y="0"/>
+                </a:cubicBezTo>
+                <a:cubicBezTo>
+                  <a:pt x="7283848" y="-24674"/>
+                  <a:pt x="7752532" y="-22436"/>
+                  <a:pt x="8140446" y="0"/>
+                </a:cubicBezTo>
+                <a:cubicBezTo>
+                  <a:pt x="8140314" y="7702"/>
+                  <a:pt x="8140234" y="13511"/>
+                  <a:pt x="8140446" y="18288"/>
+                </a:cubicBezTo>
+                <a:cubicBezTo>
+                  <a:pt x="7906329" y="-3043"/>
+                  <a:pt x="7681180" y="27465"/>
+                  <a:pt x="7543480" y="18288"/>
+                </a:cubicBezTo>
+                <a:cubicBezTo>
+                  <a:pt x="7405780" y="9111"/>
+                  <a:pt x="7216607" y="3660"/>
+                  <a:pt x="7109323" y="18288"/>
+                </a:cubicBezTo>
+                <a:cubicBezTo>
+                  <a:pt x="7002039" y="32916"/>
+                  <a:pt x="6576231" y="42692"/>
+                  <a:pt x="6430952" y="18288"/>
+                </a:cubicBezTo>
+                <a:cubicBezTo>
+                  <a:pt x="6285673" y="-6116"/>
+                  <a:pt x="6138840" y="34521"/>
+                  <a:pt x="5915391" y="18288"/>
+                </a:cubicBezTo>
+                <a:cubicBezTo>
+                  <a:pt x="5691942" y="2055"/>
+                  <a:pt x="5459460" y="51666"/>
+                  <a:pt x="5237020" y="18288"/>
+                </a:cubicBezTo>
+                <a:cubicBezTo>
+                  <a:pt x="5014580" y="-15090"/>
+                  <a:pt x="4747677" y="40449"/>
+                  <a:pt x="4558650" y="18288"/>
+                </a:cubicBezTo>
+                <a:cubicBezTo>
+                  <a:pt x="4369623" y="-3873"/>
+                  <a:pt x="4146061" y="12568"/>
+                  <a:pt x="3880279" y="18288"/>
+                </a:cubicBezTo>
+                <a:cubicBezTo>
+                  <a:pt x="3614497" y="24008"/>
+                  <a:pt x="3473808" y="-12908"/>
+                  <a:pt x="3201909" y="18288"/>
+                </a:cubicBezTo>
+                <a:cubicBezTo>
+                  <a:pt x="2930010" y="49484"/>
+                  <a:pt x="2728175" y="-3430"/>
+                  <a:pt x="2604943" y="18288"/>
+                </a:cubicBezTo>
+                <a:cubicBezTo>
+                  <a:pt x="2481711" y="40006"/>
+                  <a:pt x="2004334" y="26952"/>
+                  <a:pt x="1845168" y="18288"/>
+                </a:cubicBezTo>
+                <a:cubicBezTo>
+                  <a:pt x="1686003" y="9624"/>
+                  <a:pt x="1375070" y="37580"/>
+                  <a:pt x="1166797" y="18288"/>
+                </a:cubicBezTo>
+                <a:cubicBezTo>
+                  <a:pt x="958524" y="-1004"/>
+                  <a:pt x="342846" y="8880"/>
+                  <a:pt x="0" y="18288"/>
+                </a:cubicBezTo>
+                <a:cubicBezTo>
+                  <a:pt x="129" y="13298"/>
+                  <a:pt x="-675" y="6857"/>
+                  <a:pt x="0" y="0"/>
+                </a:cubicBezTo>
+                <a:close/>
+              </a:path>
+              <a:path w="8140446" h="18288" stroke="0" extrusionOk="0">
+                <a:moveTo>
+                  <a:pt x="0" y="0"/>
+                </a:moveTo>
+                <a:cubicBezTo>
+                  <a:pt x="142435" y="-24533"/>
+                  <a:pt x="380026" y="17447"/>
+                  <a:pt x="596966" y="0"/>
+                </a:cubicBezTo>
+                <a:cubicBezTo>
+                  <a:pt x="813906" y="-17447"/>
+                  <a:pt x="830530" y="13462"/>
+                  <a:pt x="1031123" y="0"/>
+                </a:cubicBezTo>
+                <a:cubicBezTo>
+                  <a:pt x="1231716" y="-13462"/>
+                  <a:pt x="1634038" y="0"/>
+                  <a:pt x="1872303" y="0"/>
+                </a:cubicBezTo>
+                <a:cubicBezTo>
+                  <a:pt x="2110568" y="0"/>
+                  <a:pt x="2261934" y="-25727"/>
+                  <a:pt x="2469269" y="0"/>
+                </a:cubicBezTo>
+                <a:cubicBezTo>
+                  <a:pt x="2676604" y="25727"/>
+                  <a:pt x="2790440" y="16284"/>
+                  <a:pt x="3066235" y="0"/>
+                </a:cubicBezTo>
+                <a:cubicBezTo>
+                  <a:pt x="3342030" y="-16284"/>
+                  <a:pt x="3685603" y="41976"/>
+                  <a:pt x="3907414" y="0"/>
+                </a:cubicBezTo>
+                <a:cubicBezTo>
+                  <a:pt x="4129225" y="-41976"/>
+                  <a:pt x="4177416" y="-7598"/>
+                  <a:pt x="4422976" y="0"/>
+                </a:cubicBezTo>
+                <a:cubicBezTo>
+                  <a:pt x="4668536" y="7598"/>
+                  <a:pt x="5023499" y="-28058"/>
+                  <a:pt x="5264155" y="0"/>
+                </a:cubicBezTo>
+                <a:cubicBezTo>
+                  <a:pt x="5504811" y="28058"/>
+                  <a:pt x="5703675" y="13288"/>
+                  <a:pt x="6105335" y="0"/>
+                </a:cubicBezTo>
+                <a:cubicBezTo>
+                  <a:pt x="6506995" y="-13288"/>
+                  <a:pt x="6455516" y="-5124"/>
+                  <a:pt x="6783705" y="0"/>
+                </a:cubicBezTo>
+                <a:cubicBezTo>
+                  <a:pt x="7111894" y="5124"/>
+                  <a:pt x="7512856" y="10604"/>
+                  <a:pt x="8140446" y="0"/>
+                </a:cubicBezTo>
+                <a:cubicBezTo>
+                  <a:pt x="8140458" y="8833"/>
+                  <a:pt x="8140986" y="9830"/>
+                  <a:pt x="8140446" y="18288"/>
+                </a:cubicBezTo>
+                <a:cubicBezTo>
+                  <a:pt x="7959314" y="3345"/>
+                  <a:pt x="7870113" y="10437"/>
+                  <a:pt x="7706289" y="18288"/>
+                </a:cubicBezTo>
+                <a:cubicBezTo>
+                  <a:pt x="7542465" y="26139"/>
+                  <a:pt x="7157940" y="17482"/>
+                  <a:pt x="6865109" y="18288"/>
+                </a:cubicBezTo>
+                <a:cubicBezTo>
+                  <a:pt x="6572278" y="19094"/>
+                  <a:pt x="6524256" y="38051"/>
+                  <a:pt x="6349548" y="18288"/>
+                </a:cubicBezTo>
+                <a:cubicBezTo>
+                  <a:pt x="6174840" y="-1475"/>
+                  <a:pt x="5951624" y="174"/>
+                  <a:pt x="5671177" y="18288"/>
+                </a:cubicBezTo>
+                <a:cubicBezTo>
+                  <a:pt x="5390730" y="36402"/>
+                  <a:pt x="5222992" y="60058"/>
+                  <a:pt x="4829998" y="18288"/>
+                </a:cubicBezTo>
+                <a:cubicBezTo>
+                  <a:pt x="4437004" y="-23482"/>
+                  <a:pt x="4344181" y="39087"/>
+                  <a:pt x="4151627" y="18288"/>
+                </a:cubicBezTo>
+                <a:cubicBezTo>
+                  <a:pt x="3959073" y="-2511"/>
+                  <a:pt x="3886970" y="32875"/>
+                  <a:pt x="3717470" y="18288"/>
+                </a:cubicBezTo>
+                <a:cubicBezTo>
+                  <a:pt x="3547970" y="3701"/>
+                  <a:pt x="3451521" y="31872"/>
+                  <a:pt x="3201909" y="18288"/>
+                </a:cubicBezTo>
+                <a:cubicBezTo>
+                  <a:pt x="2952297" y="4704"/>
+                  <a:pt x="2543413" y="6029"/>
+                  <a:pt x="2360729" y="18288"/>
+                </a:cubicBezTo>
+                <a:cubicBezTo>
+                  <a:pt x="2178045" y="30547"/>
+                  <a:pt x="1906056" y="25847"/>
+                  <a:pt x="1682359" y="18288"/>
+                </a:cubicBezTo>
+                <a:cubicBezTo>
+                  <a:pt x="1458662" y="10730"/>
+                  <a:pt x="1330405" y="8046"/>
+                  <a:pt x="1166797" y="18288"/>
+                </a:cubicBezTo>
+                <a:cubicBezTo>
+                  <a:pt x="1003189" y="28530"/>
+                  <a:pt x="278098" y="19533"/>
+                  <a:pt x="0" y="18288"/>
+                </a:cubicBezTo>
+                <a:cubicBezTo>
+                  <a:pt x="74" y="14054"/>
+                  <a:pt x="-46" y="6997"/>
+                  <a:pt x="0" y="0"/>
+                </a:cubicBezTo>
+                <a:close/>
+              </a:path>
+            </a:pathLst>
+          </a:custGeom>
+          <a:solidFill>
+            <a:schemeClr val="accent2"/>
+          </a:solidFill>
+          <a:ln w="41275" cap="rnd">
+            <a:solidFill>
+              <a:schemeClr val="accent2"/>
+            </a:solidFill>
+            <a:round/>
+            <a:extLst>
+              <a:ext uri="{C807C97D-BFC1-408E-A445-0C87EB9F89A2}">
+                <ask:lineSketchStyleProps xmlns:ask="http://schemas.microsoft.com/office/drawing/2018/sketchyshapes" sd="1219033472">
+                  <a:prstGeom prst="rect">
+                    <a:avLst/>
+                  </a:prstGeom>
+                  <ask:type>
+                    <ask:lineSketchFreehand/>
+                  </ask:type>
+                </ask:lineSketchStyleProps>
+              </a:ext>
+            </a:extLst>
+          </a:ln>
+        </p:spPr>
+        <p:style>
+          <a:lnRef idx="2">
+            <a:schemeClr val="accent1">
+              <a:shade val="50000"/>
+            </a:schemeClr>
+          </a:lnRef>
+          <a:fillRef idx="1">
+            <a:schemeClr val="accent1"/>
+          </a:fillRef>
+          <a:effectRef idx="0">
+            <a:schemeClr val="accent1"/>
+          </a:effectRef>
+          <a:fontRef idx="minor">
+            <a:schemeClr val="lt1"/>
+          </a:fontRef>
+        </p:style>
+        <p:txBody>
+          <a:bodyPr rtlCol="0" anchor="ctr"/>
+          <a:lstStyle/>
+          <a:p>
+            <a:pPr algn="ctr"/>
+            <a:endParaRPr lang="en-US"/>
           </a:p>
         </p:txBody>
       </p:sp>
@@ -6230,13 +10933,20 @@
             <p:ph idx="1"/>
           </p:nvPr>
         </p:nvSpPr>
-        <p:spPr/>
+        <p:spPr>
+          <a:xfrm>
+            <a:off x="628650" y="1929384"/>
+            <a:ext cx="7886700" cy="4251960"/>
+          </a:xfrm>
+        </p:spPr>
         <p:txBody>
-          <a:bodyPr/>
+          <a:bodyPr>
+            <a:normAutofit/>
+          </a:bodyPr>
           <a:lstStyle/>
           <a:p>
             <a:r>
-              <a:rPr lang="fr-FR" sz="1800" b="1" dirty="0"/>
+              <a:rPr lang="fr-FR" sz="1900" b="1"/>
               <a:t>Gestion des événements robuste via Swing</a:t>
             </a:r>
           </a:p>
@@ -6244,102 +10954,30 @@
             <a:pPr marL="0" indent="0">
               <a:buNone/>
             </a:pPr>
-            <a:endParaRPr b="1" dirty="0"/>
-          </a:p>
-          <a:p>
-            <a:r>
-              <a:rPr sz="1400" dirty="0" err="1"/>
-              <a:t>MainWindow</a:t>
-            </a:r>
-            <a:r>
-              <a:rPr sz="1400" dirty="0"/>
-              <a:t> = </a:t>
-            </a:r>
-            <a:r>
-              <a:rPr sz="1400" dirty="0" err="1"/>
-              <a:t>JFrame</a:t>
-            </a:r>
-            <a:r>
-              <a:rPr sz="1400" dirty="0"/>
-              <a:t> + </a:t>
-            </a:r>
-            <a:r>
-              <a:rPr sz="1400" dirty="0" err="1"/>
-              <a:t>BorderLayout</a:t>
-            </a:r>
-            <a:r>
-              <a:rPr sz="1400" dirty="0"/>
-              <a:t>.</a:t>
-            </a:r>
-          </a:p>
-          <a:p>
-            <a:r>
-              <a:rPr sz="1400" dirty="0" err="1"/>
-              <a:t>InstrumentListPanel</a:t>
-            </a:r>
-            <a:r>
-              <a:rPr sz="1400" dirty="0"/>
-              <a:t> = </a:t>
-            </a:r>
-            <a:r>
-              <a:rPr sz="1400" dirty="0" err="1"/>
-              <a:t>JList</a:t>
-            </a:r>
-            <a:r>
-              <a:rPr sz="1400" dirty="0"/>
-              <a:t> à gauche.</a:t>
-            </a:r>
-          </a:p>
-          <a:p>
-            <a:r>
-              <a:rPr sz="1400" dirty="0" err="1"/>
-              <a:t>centerPanel</a:t>
-            </a:r>
-            <a:r>
-              <a:rPr sz="1400" dirty="0"/>
-              <a:t> = </a:t>
-            </a:r>
-            <a:r>
-              <a:rPr sz="1400" dirty="0" err="1"/>
-              <a:t>JPanel</a:t>
-            </a:r>
-            <a:r>
-              <a:rPr sz="1400" dirty="0"/>
-              <a:t> </a:t>
-            </a:r>
-            <a:r>
-              <a:rPr sz="1400" dirty="0" err="1"/>
-              <a:t>GridLayout</a:t>
-            </a:r>
-            <a:r>
-              <a:rPr sz="1400" dirty="0"/>
-              <a:t> </a:t>
-            </a:r>
-            <a:r>
-              <a:rPr sz="1400" dirty="0" err="1"/>
-              <a:t>dynamique</a:t>
-            </a:r>
-            <a:r>
-              <a:rPr sz="1400" dirty="0"/>
-              <a:t>.</a:t>
-            </a:r>
-          </a:p>
-          <a:p>
-            <a:r>
-              <a:rPr sz="1400" dirty="0" err="1"/>
-              <a:t>InstrumentGuessPanel</a:t>
-            </a:r>
-            <a:r>
-              <a:rPr sz="1400" dirty="0"/>
-              <a:t> = </a:t>
-            </a:r>
-            <a:r>
-              <a:rPr sz="1400" dirty="0" err="1"/>
-              <a:t>JPanel</a:t>
-            </a:r>
-            <a:r>
-              <a:rPr sz="1400" dirty="0"/>
-              <a:t> composite.</a:t>
+            <a:endParaRPr lang="fr-FR" sz="1900" b="1"/>
+          </a:p>
+          <a:p>
+            <a:r>
+              <a:rPr lang="fr-FR" sz="1900"/>
+              <a:t>MainWindow = JFrame + BorderLayout.</a:t>
+            </a:r>
+          </a:p>
+          <a:p>
+            <a:r>
+              <a:rPr lang="fr-FR" sz="1900"/>
+              <a:t>InstrumentListPanel = JList à gauche.</a:t>
+            </a:r>
+          </a:p>
+          <a:p>
+            <a:r>
+              <a:rPr lang="fr-FR" sz="1900"/>
+              <a:t>centerPanel = JPanel GridLayout dynamique.</a:t>
+            </a:r>
+          </a:p>
+          <a:p>
+            <a:r>
+              <a:rPr lang="fr-FR" sz="1900"/>
+              <a:t>InstrumentGuessPanel = JPanel composite.</a:t>
             </a:r>
           </a:p>
         </p:txBody>
@@ -6686,7 +11324,7 @@
     <p:bg>
       <p:bgPr>
         <a:solidFill>
-          <a:srgbClr val="FFF5EB"/>
+          <a:schemeClr val="bg1"/>
         </a:solidFill>
         <a:effectLst/>
       </p:bgPr>
@@ -6705,6 +11343,66 @@
           <a:chExt cx="0" cy="0"/>
         </a:xfrm>
       </p:grpSpPr>
+      <p:sp useBgFill="1">
+        <p:nvSpPr>
+          <p:cNvPr id="11" name="Rectangle 10">
+            <a:extLst>
+              <a:ext uri="{FF2B5EF4-FFF2-40B4-BE49-F238E27FC236}">
+                <a16:creationId xmlns:a16="http://schemas.microsoft.com/office/drawing/2014/main" id="{45D37F4E-DDB4-456B-97E0-9937730A039F}"/>
+              </a:ext>
+              <a:ext uri="{C183D7F6-B498-43B3-948B-1728B52AA6E4}">
+                <adec:decorative xmlns:adec="http://schemas.microsoft.com/office/drawing/2017/decorative" val="1"/>
+              </a:ext>
+            </a:extLst>
+          </p:cNvPr>
+          <p:cNvSpPr>
+            <a:spLocks noGrp="1" noRot="1" noChangeAspect="1" noMove="1" noResize="1" noEditPoints="1" noAdjustHandles="1" noChangeArrowheads="1" noChangeShapeType="1" noTextEdit="1"/>
+          </p:cNvSpPr>
+          <p:nvPr>
+            <p:extLst>
+              <p:ext uri="{386F3935-93C4-4BCD-93E2-E3B085C9AB24}">
+                <p16:designElem xmlns:p16="http://schemas.microsoft.com/office/powerpoint/2015/main" val="1"/>
+              </p:ext>
+            </p:extLst>
+          </p:nvPr>
+        </p:nvSpPr>
+        <p:spPr>
+          <a:xfrm>
+            <a:off x="0" y="0"/>
+            <a:ext cx="9141714" cy="6858000"/>
+          </a:xfrm>
+          <a:prstGeom prst="rect">
+            <a:avLst/>
+          </a:prstGeom>
+          <a:ln>
+            <a:noFill/>
+          </a:ln>
+        </p:spPr>
+        <p:style>
+          <a:lnRef idx="2">
+            <a:schemeClr val="accent1">
+              <a:shade val="50000"/>
+            </a:schemeClr>
+          </a:lnRef>
+          <a:fillRef idx="1">
+            <a:schemeClr val="accent1"/>
+          </a:fillRef>
+          <a:effectRef idx="0">
+            <a:schemeClr val="accent1"/>
+          </a:effectRef>
+          <a:fontRef idx="minor">
+            <a:schemeClr val="lt1"/>
+          </a:fontRef>
+        </p:style>
+        <p:txBody>
+          <a:bodyPr rtlCol="0" anchor="ctr"/>
+          <a:lstStyle/>
+          <a:p>
+            <a:pPr algn="ctr"/>
+            <a:endParaRPr lang="en-US"/>
+          </a:p>
+        </p:txBody>
+      </p:sp>
       <p:sp>
         <p:nvSpPr>
           <p:cNvPr id="2" name="Title 1"/>
@@ -6715,30 +11413,534 @@
             <p:ph type="title"/>
           </p:nvPr>
         </p:nvSpPr>
-        <p:spPr/>
+        <p:spPr>
+          <a:xfrm>
+            <a:off x="429369" y="238539"/>
+            <a:ext cx="8263890" cy="1434415"/>
+          </a:xfrm>
+        </p:spPr>
         <p:txBody>
-          <a:bodyPr>
+          <a:bodyPr anchor="b">
             <a:normAutofit/>
           </a:bodyPr>
           <a:lstStyle/>
           <a:p>
             <a:r>
-              <a:rPr lang="en-GB" dirty="0"/>
-              <a:t>S</a:t>
-            </a:r>
-            <a:r>
-              <a:rPr dirty="0" err="1"/>
-              <a:t>cénario</a:t>
-            </a:r>
-            <a:r>
-              <a:rPr dirty="0"/>
-              <a:t> </a:t>
-            </a:r>
-            <a:r>
-              <a:rPr dirty="0" err="1"/>
-              <a:t>utilisateur</a:t>
-            </a:r>
-            <a:endParaRPr dirty="0"/>
+              <a:rPr lang="en-GB" sz="4700"/>
+              <a:t>Scénario utilisateur</a:t>
+            </a:r>
+          </a:p>
+        </p:txBody>
+      </p:sp>
+      <p:sp>
+        <p:nvSpPr>
+          <p:cNvPr id="13" name="sketchy line">
+            <a:extLst>
+              <a:ext uri="{FF2B5EF4-FFF2-40B4-BE49-F238E27FC236}">
+                <a16:creationId xmlns:a16="http://schemas.microsoft.com/office/drawing/2014/main" id="{B2DD41CD-8F47-4F56-AD12-4E2FF7696987}"/>
+              </a:ext>
+              <a:ext uri="{C183D7F6-B498-43B3-948B-1728B52AA6E4}">
+                <adec:decorative xmlns:adec="http://schemas.microsoft.com/office/drawing/2017/decorative" val="1"/>
+              </a:ext>
+            </a:extLst>
+          </p:cNvPr>
+          <p:cNvSpPr>
+            <a:spLocks noGrp="1" noRot="1" noChangeAspect="1" noMove="1" noResize="1" noEditPoints="1" noAdjustHandles="1" noChangeArrowheads="1" noChangeShapeType="1" noTextEdit="1"/>
+          </p:cNvSpPr>
+          <p:nvPr>
+            <p:extLst>
+              <p:ext uri="{386F3935-93C4-4BCD-93E2-E3B085C9AB24}">
+                <p16:designElem xmlns:p16="http://schemas.microsoft.com/office/powerpoint/2015/main" val="1"/>
+              </p:ext>
+            </p:extLst>
+          </p:nvPr>
+        </p:nvSpPr>
+        <p:spPr>
+          <a:xfrm>
+            <a:off x="429369" y="1681544"/>
+            <a:ext cx="8229600" cy="18288"/>
+          </a:xfrm>
+          <a:custGeom>
+            <a:avLst/>
+            <a:gdLst>
+              <a:gd name="connsiteX0" fmla="*/ 0 w 8229600"/>
+              <a:gd name="connsiteY0" fmla="*/ 0 h 18288"/>
+              <a:gd name="connsiteX1" fmla="*/ 521208 w 8229600"/>
+              <a:gd name="connsiteY1" fmla="*/ 0 h 18288"/>
+              <a:gd name="connsiteX2" fmla="*/ 1371600 w 8229600"/>
+              <a:gd name="connsiteY2" fmla="*/ 0 h 18288"/>
+              <a:gd name="connsiteX3" fmla="*/ 2221992 w 8229600"/>
+              <a:gd name="connsiteY3" fmla="*/ 0 h 18288"/>
+              <a:gd name="connsiteX4" fmla="*/ 3072384 w 8229600"/>
+              <a:gd name="connsiteY4" fmla="*/ 0 h 18288"/>
+              <a:gd name="connsiteX5" fmla="*/ 3511296 w 8229600"/>
+              <a:gd name="connsiteY5" fmla="*/ 0 h 18288"/>
+              <a:gd name="connsiteX6" fmla="*/ 4114800 w 8229600"/>
+              <a:gd name="connsiteY6" fmla="*/ 0 h 18288"/>
+              <a:gd name="connsiteX7" fmla="*/ 4553712 w 8229600"/>
+              <a:gd name="connsiteY7" fmla="*/ 0 h 18288"/>
+              <a:gd name="connsiteX8" fmla="*/ 5239512 w 8229600"/>
+              <a:gd name="connsiteY8" fmla="*/ 0 h 18288"/>
+              <a:gd name="connsiteX9" fmla="*/ 5843016 w 8229600"/>
+              <a:gd name="connsiteY9" fmla="*/ 0 h 18288"/>
+              <a:gd name="connsiteX10" fmla="*/ 6611112 w 8229600"/>
+              <a:gd name="connsiteY10" fmla="*/ 0 h 18288"/>
+              <a:gd name="connsiteX11" fmla="*/ 7461504 w 8229600"/>
+              <a:gd name="connsiteY11" fmla="*/ 0 h 18288"/>
+              <a:gd name="connsiteX12" fmla="*/ 8229600 w 8229600"/>
+              <a:gd name="connsiteY12" fmla="*/ 0 h 18288"/>
+              <a:gd name="connsiteX13" fmla="*/ 8229600 w 8229600"/>
+              <a:gd name="connsiteY13" fmla="*/ 18288 h 18288"/>
+              <a:gd name="connsiteX14" fmla="*/ 7461504 w 8229600"/>
+              <a:gd name="connsiteY14" fmla="*/ 18288 h 18288"/>
+              <a:gd name="connsiteX15" fmla="*/ 6940296 w 8229600"/>
+              <a:gd name="connsiteY15" fmla="*/ 18288 h 18288"/>
+              <a:gd name="connsiteX16" fmla="*/ 6419088 w 8229600"/>
+              <a:gd name="connsiteY16" fmla="*/ 18288 h 18288"/>
+              <a:gd name="connsiteX17" fmla="*/ 5650992 w 8229600"/>
+              <a:gd name="connsiteY17" fmla="*/ 18288 h 18288"/>
+              <a:gd name="connsiteX18" fmla="*/ 5129784 w 8229600"/>
+              <a:gd name="connsiteY18" fmla="*/ 18288 h 18288"/>
+              <a:gd name="connsiteX19" fmla="*/ 4690872 w 8229600"/>
+              <a:gd name="connsiteY19" fmla="*/ 18288 h 18288"/>
+              <a:gd name="connsiteX20" fmla="*/ 4087368 w 8229600"/>
+              <a:gd name="connsiteY20" fmla="*/ 18288 h 18288"/>
+              <a:gd name="connsiteX21" fmla="*/ 3401568 w 8229600"/>
+              <a:gd name="connsiteY21" fmla="*/ 18288 h 18288"/>
+              <a:gd name="connsiteX22" fmla="*/ 2798064 w 8229600"/>
+              <a:gd name="connsiteY22" fmla="*/ 18288 h 18288"/>
+              <a:gd name="connsiteX23" fmla="*/ 2276856 w 8229600"/>
+              <a:gd name="connsiteY23" fmla="*/ 18288 h 18288"/>
+              <a:gd name="connsiteX24" fmla="*/ 1426464 w 8229600"/>
+              <a:gd name="connsiteY24" fmla="*/ 18288 h 18288"/>
+              <a:gd name="connsiteX25" fmla="*/ 740664 w 8229600"/>
+              <a:gd name="connsiteY25" fmla="*/ 18288 h 18288"/>
+              <a:gd name="connsiteX26" fmla="*/ 0 w 8229600"/>
+              <a:gd name="connsiteY26" fmla="*/ 18288 h 18288"/>
+              <a:gd name="connsiteX27" fmla="*/ 0 w 8229600"/>
+              <a:gd name="connsiteY27" fmla="*/ 0 h 18288"/>
+            </a:gdLst>
+            <a:ahLst/>
+            <a:cxnLst>
+              <a:cxn ang="0">
+                <a:pos x="connsiteX0" y="connsiteY0"/>
+              </a:cxn>
+              <a:cxn ang="0">
+                <a:pos x="connsiteX1" y="connsiteY1"/>
+              </a:cxn>
+              <a:cxn ang="0">
+                <a:pos x="connsiteX2" y="connsiteY2"/>
+              </a:cxn>
+              <a:cxn ang="0">
+                <a:pos x="connsiteX3" y="connsiteY3"/>
+              </a:cxn>
+              <a:cxn ang="0">
+                <a:pos x="connsiteX4" y="connsiteY4"/>
+              </a:cxn>
+              <a:cxn ang="0">
+                <a:pos x="connsiteX5" y="connsiteY5"/>
+              </a:cxn>
+              <a:cxn ang="0">
+                <a:pos x="connsiteX6" y="connsiteY6"/>
+              </a:cxn>
+              <a:cxn ang="0">
+                <a:pos x="connsiteX7" y="connsiteY7"/>
+              </a:cxn>
+              <a:cxn ang="0">
+                <a:pos x="connsiteX8" y="connsiteY8"/>
+              </a:cxn>
+              <a:cxn ang="0">
+                <a:pos x="connsiteX9" y="connsiteY9"/>
+              </a:cxn>
+              <a:cxn ang="0">
+                <a:pos x="connsiteX10" y="connsiteY10"/>
+              </a:cxn>
+              <a:cxn ang="0">
+                <a:pos x="connsiteX11" y="connsiteY11"/>
+              </a:cxn>
+              <a:cxn ang="0">
+                <a:pos x="connsiteX12" y="connsiteY12"/>
+              </a:cxn>
+              <a:cxn ang="0">
+                <a:pos x="connsiteX13" y="connsiteY13"/>
+              </a:cxn>
+              <a:cxn ang="0">
+                <a:pos x="connsiteX14" y="connsiteY14"/>
+              </a:cxn>
+              <a:cxn ang="0">
+                <a:pos x="connsiteX15" y="connsiteY15"/>
+              </a:cxn>
+              <a:cxn ang="0">
+                <a:pos x="connsiteX16" y="connsiteY16"/>
+              </a:cxn>
+              <a:cxn ang="0">
+                <a:pos x="connsiteX17" y="connsiteY17"/>
+              </a:cxn>
+              <a:cxn ang="0">
+                <a:pos x="connsiteX18" y="connsiteY18"/>
+              </a:cxn>
+              <a:cxn ang="0">
+                <a:pos x="connsiteX19" y="connsiteY19"/>
+              </a:cxn>
+              <a:cxn ang="0">
+                <a:pos x="connsiteX20" y="connsiteY20"/>
+              </a:cxn>
+              <a:cxn ang="0">
+                <a:pos x="connsiteX21" y="connsiteY21"/>
+              </a:cxn>
+              <a:cxn ang="0">
+                <a:pos x="connsiteX22" y="connsiteY22"/>
+              </a:cxn>
+              <a:cxn ang="0">
+                <a:pos x="connsiteX23" y="connsiteY23"/>
+              </a:cxn>
+              <a:cxn ang="0">
+                <a:pos x="connsiteX24" y="connsiteY24"/>
+              </a:cxn>
+              <a:cxn ang="0">
+                <a:pos x="connsiteX25" y="connsiteY25"/>
+              </a:cxn>
+              <a:cxn ang="0">
+                <a:pos x="connsiteX26" y="connsiteY26"/>
+              </a:cxn>
+              <a:cxn ang="0">
+                <a:pos x="connsiteX27" y="connsiteY27"/>
+              </a:cxn>
+            </a:cxnLst>
+            <a:rect l="l" t="t" r="r" b="b"/>
+            <a:pathLst>
+              <a:path w="8229600" h="18288" fill="none" extrusionOk="0">
+                <a:moveTo>
+                  <a:pt x="0" y="0"/>
+                </a:moveTo>
+                <a:cubicBezTo>
+                  <a:pt x="227594" y="-4267"/>
+                  <a:pt x="329693" y="13251"/>
+                  <a:pt x="521208" y="0"/>
+                </a:cubicBezTo>
+                <a:cubicBezTo>
+                  <a:pt x="712723" y="-13251"/>
+                  <a:pt x="1137373" y="-13618"/>
+                  <a:pt x="1371600" y="0"/>
+                </a:cubicBezTo>
+                <a:cubicBezTo>
+                  <a:pt x="1605827" y="13618"/>
+                  <a:pt x="1975382" y="-27374"/>
+                  <a:pt x="2221992" y="0"/>
+                </a:cubicBezTo>
+                <a:cubicBezTo>
+                  <a:pt x="2468602" y="27374"/>
+                  <a:pt x="2863316" y="-20517"/>
+                  <a:pt x="3072384" y="0"/>
+                </a:cubicBezTo>
+                <a:cubicBezTo>
+                  <a:pt x="3281452" y="20517"/>
+                  <a:pt x="3331438" y="10793"/>
+                  <a:pt x="3511296" y="0"/>
+                </a:cubicBezTo>
+                <a:cubicBezTo>
+                  <a:pt x="3691154" y="-10793"/>
+                  <a:pt x="3906405" y="-29737"/>
+                  <a:pt x="4114800" y="0"/>
+                </a:cubicBezTo>
+                <a:cubicBezTo>
+                  <a:pt x="4323195" y="29737"/>
+                  <a:pt x="4428852" y="-2234"/>
+                  <a:pt x="4553712" y="0"/>
+                </a:cubicBezTo>
+                <a:cubicBezTo>
+                  <a:pt x="4678572" y="2234"/>
+                  <a:pt x="5065629" y="29368"/>
+                  <a:pt x="5239512" y="0"/>
+                </a:cubicBezTo>
+                <a:cubicBezTo>
+                  <a:pt x="5413395" y="-29368"/>
+                  <a:pt x="5703888" y="11839"/>
+                  <a:pt x="5843016" y="0"/>
+                </a:cubicBezTo>
+                <a:cubicBezTo>
+                  <a:pt x="5982144" y="-11839"/>
+                  <a:pt x="6260765" y="24719"/>
+                  <a:pt x="6611112" y="0"/>
+                </a:cubicBezTo>
+                <a:cubicBezTo>
+                  <a:pt x="6961459" y="-24719"/>
+                  <a:pt x="7228293" y="32959"/>
+                  <a:pt x="7461504" y="0"/>
+                </a:cubicBezTo>
+                <a:cubicBezTo>
+                  <a:pt x="7694715" y="-32959"/>
+                  <a:pt x="7990029" y="-3422"/>
+                  <a:pt x="8229600" y="0"/>
+                </a:cubicBezTo>
+                <a:cubicBezTo>
+                  <a:pt x="8228940" y="5812"/>
+                  <a:pt x="8229447" y="9773"/>
+                  <a:pt x="8229600" y="18288"/>
+                </a:cubicBezTo>
+                <a:cubicBezTo>
+                  <a:pt x="7940706" y="-9293"/>
+                  <a:pt x="7792584" y="-16009"/>
+                  <a:pt x="7461504" y="18288"/>
+                </a:cubicBezTo>
+                <a:cubicBezTo>
+                  <a:pt x="7130424" y="52585"/>
+                  <a:pt x="7080072" y="43845"/>
+                  <a:pt x="6940296" y="18288"/>
+                </a:cubicBezTo>
+                <a:cubicBezTo>
+                  <a:pt x="6800520" y="-7269"/>
+                  <a:pt x="6672872" y="26671"/>
+                  <a:pt x="6419088" y="18288"/>
+                </a:cubicBezTo>
+                <a:cubicBezTo>
+                  <a:pt x="6165304" y="9905"/>
+                  <a:pt x="5869721" y="4987"/>
+                  <a:pt x="5650992" y="18288"/>
+                </a:cubicBezTo>
+                <a:cubicBezTo>
+                  <a:pt x="5432263" y="31589"/>
+                  <a:pt x="5308310" y="3023"/>
+                  <a:pt x="5129784" y="18288"/>
+                </a:cubicBezTo>
+                <a:cubicBezTo>
+                  <a:pt x="4951258" y="33553"/>
+                  <a:pt x="4799696" y="15357"/>
+                  <a:pt x="4690872" y="18288"/>
+                </a:cubicBezTo>
+                <a:cubicBezTo>
+                  <a:pt x="4582048" y="21219"/>
+                  <a:pt x="4311124" y="-7836"/>
+                  <a:pt x="4087368" y="18288"/>
+                </a:cubicBezTo>
+                <a:cubicBezTo>
+                  <a:pt x="3863612" y="44412"/>
+                  <a:pt x="3730288" y="13374"/>
+                  <a:pt x="3401568" y="18288"/>
+                </a:cubicBezTo>
+                <a:cubicBezTo>
+                  <a:pt x="3072848" y="23202"/>
+                  <a:pt x="3020684" y="32425"/>
+                  <a:pt x="2798064" y="18288"/>
+                </a:cubicBezTo>
+                <a:cubicBezTo>
+                  <a:pt x="2575444" y="4151"/>
+                  <a:pt x="2440915" y="-7352"/>
+                  <a:pt x="2276856" y="18288"/>
+                </a:cubicBezTo>
+                <a:cubicBezTo>
+                  <a:pt x="2112797" y="43928"/>
+                  <a:pt x="1726502" y="-9560"/>
+                  <a:pt x="1426464" y="18288"/>
+                </a:cubicBezTo>
+                <a:cubicBezTo>
+                  <a:pt x="1126426" y="46136"/>
+                  <a:pt x="992925" y="21016"/>
+                  <a:pt x="740664" y="18288"/>
+                </a:cubicBezTo>
+                <a:cubicBezTo>
+                  <a:pt x="488403" y="15560"/>
+                  <a:pt x="195650" y="-16061"/>
+                  <a:pt x="0" y="18288"/>
+                </a:cubicBezTo>
+                <a:cubicBezTo>
+                  <a:pt x="348" y="9455"/>
+                  <a:pt x="654" y="3983"/>
+                  <a:pt x="0" y="0"/>
+                </a:cubicBezTo>
+                <a:close/>
+              </a:path>
+              <a:path w="8229600" h="18288" stroke="0" extrusionOk="0">
+                <a:moveTo>
+                  <a:pt x="0" y="0"/>
+                </a:moveTo>
+                <a:cubicBezTo>
+                  <a:pt x="259263" y="-9445"/>
+                  <a:pt x="404731" y="4427"/>
+                  <a:pt x="521208" y="0"/>
+                </a:cubicBezTo>
+                <a:cubicBezTo>
+                  <a:pt x="637685" y="-4427"/>
+                  <a:pt x="839187" y="564"/>
+                  <a:pt x="960120" y="0"/>
+                </a:cubicBezTo>
+                <a:cubicBezTo>
+                  <a:pt x="1081053" y="-564"/>
+                  <a:pt x="1313469" y="-16481"/>
+                  <a:pt x="1481328" y="0"/>
+                </a:cubicBezTo>
+                <a:cubicBezTo>
+                  <a:pt x="1649187" y="16481"/>
+                  <a:pt x="1885247" y="26161"/>
+                  <a:pt x="2167128" y="0"/>
+                </a:cubicBezTo>
+                <a:cubicBezTo>
+                  <a:pt x="2449009" y="-26161"/>
+                  <a:pt x="2761875" y="-22202"/>
+                  <a:pt x="2935224" y="0"/>
+                </a:cubicBezTo>
+                <a:cubicBezTo>
+                  <a:pt x="3108573" y="22202"/>
+                  <a:pt x="3540687" y="-2863"/>
+                  <a:pt x="3785616" y="0"/>
+                </a:cubicBezTo>
+                <a:cubicBezTo>
+                  <a:pt x="4030545" y="2863"/>
+                  <a:pt x="4280774" y="-12442"/>
+                  <a:pt x="4636008" y="0"/>
+                </a:cubicBezTo>
+                <a:cubicBezTo>
+                  <a:pt x="4991242" y="12442"/>
+                  <a:pt x="5025483" y="16914"/>
+                  <a:pt x="5239512" y="0"/>
+                </a:cubicBezTo>
+                <a:cubicBezTo>
+                  <a:pt x="5453541" y="-16914"/>
+                  <a:pt x="5754008" y="16592"/>
+                  <a:pt x="6007608" y="0"/>
+                </a:cubicBezTo>
+                <a:cubicBezTo>
+                  <a:pt x="6261208" y="-16592"/>
+                  <a:pt x="6407957" y="-11909"/>
+                  <a:pt x="6693408" y="0"/>
+                </a:cubicBezTo>
+                <a:cubicBezTo>
+                  <a:pt x="6978859" y="11909"/>
+                  <a:pt x="7015437" y="-20890"/>
+                  <a:pt x="7296912" y="0"/>
+                </a:cubicBezTo>
+                <a:cubicBezTo>
+                  <a:pt x="7578387" y="20890"/>
+                  <a:pt x="7859622" y="46406"/>
+                  <a:pt x="8229600" y="0"/>
+                </a:cubicBezTo>
+                <a:cubicBezTo>
+                  <a:pt x="8230508" y="6337"/>
+                  <a:pt x="8228722" y="11778"/>
+                  <a:pt x="8229600" y="18288"/>
+                </a:cubicBezTo>
+                <a:cubicBezTo>
+                  <a:pt x="8075287" y="35054"/>
+                  <a:pt x="7821366" y="21850"/>
+                  <a:pt x="7626096" y="18288"/>
+                </a:cubicBezTo>
+                <a:cubicBezTo>
+                  <a:pt x="7430826" y="14726"/>
+                  <a:pt x="7320004" y="-9669"/>
+                  <a:pt x="7022592" y="18288"/>
+                </a:cubicBezTo>
+                <a:cubicBezTo>
+                  <a:pt x="6725180" y="46245"/>
+                  <a:pt x="6348804" y="-14025"/>
+                  <a:pt x="6172200" y="18288"/>
+                </a:cubicBezTo>
+                <a:cubicBezTo>
+                  <a:pt x="5995596" y="50601"/>
+                  <a:pt x="5788102" y="22890"/>
+                  <a:pt x="5650992" y="18288"/>
+                </a:cubicBezTo>
+                <a:cubicBezTo>
+                  <a:pt x="5513882" y="13686"/>
+                  <a:pt x="5198399" y="29121"/>
+                  <a:pt x="4882896" y="18288"/>
+                </a:cubicBezTo>
+                <a:cubicBezTo>
+                  <a:pt x="4567393" y="7455"/>
+                  <a:pt x="4557008" y="26965"/>
+                  <a:pt x="4443984" y="18288"/>
+                </a:cubicBezTo>
+                <a:cubicBezTo>
+                  <a:pt x="4330960" y="9611"/>
+                  <a:pt x="4061674" y="28891"/>
+                  <a:pt x="3758184" y="18288"/>
+                </a:cubicBezTo>
+                <a:cubicBezTo>
+                  <a:pt x="3454694" y="7685"/>
+                  <a:pt x="3380392" y="19119"/>
+                  <a:pt x="3236976" y="18288"/>
+                </a:cubicBezTo>
+                <a:cubicBezTo>
+                  <a:pt x="3093560" y="17457"/>
+                  <a:pt x="2632116" y="37607"/>
+                  <a:pt x="2386584" y="18288"/>
+                </a:cubicBezTo>
+                <a:cubicBezTo>
+                  <a:pt x="2141052" y="-1031"/>
+                  <a:pt x="2110884" y="28777"/>
+                  <a:pt x="1947672" y="18288"/>
+                </a:cubicBezTo>
+                <a:cubicBezTo>
+                  <a:pt x="1784460" y="7799"/>
+                  <a:pt x="1535467" y="461"/>
+                  <a:pt x="1261872" y="18288"/>
+                </a:cubicBezTo>
+                <a:cubicBezTo>
+                  <a:pt x="988277" y="36115"/>
+                  <a:pt x="1021096" y="10375"/>
+                  <a:pt x="822960" y="18288"/>
+                </a:cubicBezTo>
+                <a:cubicBezTo>
+                  <a:pt x="624824" y="26201"/>
+                  <a:pt x="298309" y="1283"/>
+                  <a:pt x="0" y="18288"/>
+                </a:cubicBezTo>
+                <a:cubicBezTo>
+                  <a:pt x="-633" y="12278"/>
+                  <a:pt x="-757" y="5867"/>
+                  <a:pt x="0" y="0"/>
+                </a:cubicBezTo>
+                <a:close/>
+              </a:path>
+            </a:pathLst>
+          </a:custGeom>
+          <a:solidFill>
+            <a:schemeClr val="accent2">
+              <a:alpha val="75000"/>
+            </a:schemeClr>
+          </a:solidFill>
+          <a:ln w="44450" cap="rnd">
+            <a:solidFill>
+              <a:schemeClr val="accent2">
+                <a:alpha val="75000"/>
+              </a:schemeClr>
+            </a:solidFill>
+            <a:round/>
+            <a:extLst>
+              <a:ext uri="{C807C97D-BFC1-408E-A445-0C87EB9F89A2}">
+                <ask:lineSketchStyleProps xmlns:ask="http://schemas.microsoft.com/office/drawing/2018/sketchyshapes" sd="2727557108">
+                  <a:prstGeom prst="rect">
+                    <a:avLst/>
+                  </a:prstGeom>
+                  <ask:type>
+                    <ask:lineSketchFreehand/>
+                  </ask:type>
+                </ask:lineSketchStyleProps>
+              </a:ext>
+            </a:extLst>
+          </a:ln>
+        </p:spPr>
+        <p:style>
+          <a:lnRef idx="2">
+            <a:schemeClr val="accent1">
+              <a:shade val="50000"/>
+            </a:schemeClr>
+          </a:lnRef>
+          <a:fillRef idx="1">
+            <a:schemeClr val="accent1"/>
+          </a:fillRef>
+          <a:effectRef idx="0">
+            <a:schemeClr val="accent1"/>
+          </a:effectRef>
+          <a:fontRef idx="minor">
+            <a:schemeClr val="lt1"/>
+          </a:fontRef>
+        </p:style>
+        <p:txBody>
+          <a:bodyPr rtlCol="0" anchor="ctr"/>
+          <a:lstStyle/>
+          <a:p>
+            <a:pPr algn="ctr"/>
+            <a:endParaRPr lang="en-US"/>
           </a:p>
         </p:txBody>
       </p:sp>
@@ -6752,153 +11954,52 @@
             <p:ph idx="1"/>
           </p:nvPr>
         </p:nvSpPr>
-        <p:spPr/>
+        <p:spPr>
+          <a:xfrm>
+            <a:off x="429369" y="2071316"/>
+            <a:ext cx="5035164" cy="4119172"/>
+          </a:xfrm>
+        </p:spPr>
         <p:txBody>
-          <a:bodyPr>
+          <a:bodyPr anchor="t">
             <a:normAutofit/>
           </a:bodyPr>
           <a:lstStyle/>
           <a:p>
             <a:r>
-              <a:rPr sz="1800" b="1" dirty="0"/>
-              <a:t>1. </a:t>
-            </a:r>
-            <a:r>
-              <a:rPr sz="1800" b="1" dirty="0" err="1"/>
-              <a:t>Sélection</a:t>
-            </a:r>
-            <a:r>
-              <a:rPr sz="1800" b="1" dirty="0"/>
-              <a:t> d'un instrument (</a:t>
-            </a:r>
-            <a:r>
-              <a:rPr sz="1800" b="1" dirty="0" err="1"/>
-              <a:t>ajout</a:t>
-            </a:r>
-            <a:r>
-              <a:rPr sz="1800" b="1" dirty="0"/>
-              <a:t> </a:t>
-            </a:r>
-            <a:r>
-              <a:rPr sz="1800" b="1" dirty="0" err="1"/>
-              <a:t>panneau</a:t>
-            </a:r>
-            <a:r>
-              <a:rPr sz="1800" b="1" dirty="0"/>
-              <a:t>).</a:t>
-            </a:r>
-          </a:p>
-          <a:p>
-            <a:r>
-              <a:rPr sz="1800" b="1" dirty="0"/>
-              <a:t>2. Lecture du son ▶, </a:t>
-            </a:r>
-            <a:r>
-              <a:rPr sz="1800" b="1" dirty="0" err="1"/>
-              <a:t>saisie</a:t>
-            </a:r>
-            <a:r>
-              <a:rPr sz="1800" b="1" dirty="0"/>
-              <a:t> du nom.</a:t>
-            </a:r>
-          </a:p>
-          <a:p>
-            <a:r>
-              <a:rPr sz="1800" b="1" dirty="0"/>
-              <a:t>3. Bonne </a:t>
-            </a:r>
-            <a:r>
-              <a:rPr sz="1800" b="1" dirty="0" err="1"/>
-              <a:t>réponse</a:t>
-            </a:r>
-            <a:r>
-              <a:rPr sz="1800" b="1" dirty="0"/>
-              <a:t> =&gt; image </a:t>
-            </a:r>
-            <a:r>
-              <a:rPr sz="1800" b="1" dirty="0" err="1"/>
-              <a:t>révélée</a:t>
-            </a:r>
-            <a:r>
-              <a:rPr sz="1800" b="1" dirty="0"/>
-              <a:t>, </a:t>
-            </a:r>
-            <a:r>
-              <a:rPr sz="1800" b="1" dirty="0" err="1"/>
-              <a:t>panneau</a:t>
-            </a:r>
-            <a:r>
-              <a:rPr sz="1800" b="1" dirty="0"/>
-              <a:t> </a:t>
-            </a:r>
-            <a:r>
-              <a:rPr sz="1800" b="1" dirty="0" err="1"/>
-              <a:t>validé</a:t>
-            </a:r>
-            <a:r>
-              <a:rPr sz="1800" b="1" dirty="0"/>
-              <a:t>.</a:t>
-            </a:r>
-          </a:p>
-          <a:p>
-            <a:r>
-              <a:rPr sz="1800" b="1" dirty="0"/>
-              <a:t>4. Vie perdue </a:t>
-            </a:r>
-            <a:r>
-              <a:rPr sz="1800" b="1" dirty="0" err="1"/>
-              <a:t>sinon</a:t>
-            </a:r>
-            <a:r>
-              <a:rPr sz="1800" b="1" dirty="0"/>
-              <a:t>; </a:t>
-            </a:r>
-            <a:r>
-              <a:rPr sz="1800" b="1" dirty="0" err="1"/>
-              <a:t>partie</a:t>
-            </a:r>
-            <a:r>
-              <a:rPr sz="1800" b="1" dirty="0"/>
-              <a:t> </a:t>
-            </a:r>
-            <a:r>
-              <a:rPr sz="1800" b="1" dirty="0" err="1"/>
-              <a:t>jusqu'à</a:t>
-            </a:r>
-            <a:r>
-              <a:rPr sz="1800" b="1" dirty="0"/>
-              <a:t> 6 </a:t>
-            </a:r>
-            <a:r>
-              <a:rPr sz="1800" b="1" dirty="0" err="1"/>
-              <a:t>bonnes</a:t>
-            </a:r>
-            <a:r>
-              <a:rPr sz="1800" b="1" dirty="0"/>
-              <a:t> </a:t>
-            </a:r>
-            <a:r>
-              <a:rPr sz="1800" b="1" dirty="0" err="1"/>
-              <a:t>réponses</a:t>
-            </a:r>
-            <a:r>
-              <a:rPr sz="1800" b="1" dirty="0"/>
-              <a:t> </a:t>
-            </a:r>
-            <a:r>
-              <a:rPr sz="1800" b="1" dirty="0" err="1"/>
-              <a:t>ou</a:t>
-            </a:r>
-            <a:r>
-              <a:rPr sz="1800" b="1" dirty="0"/>
-              <a:t> 0 vie.</a:t>
+              <a:rPr lang="fr-FR" sz="1900" b="1"/>
+              <a:t>1. Sélection d'un instrument (ajout panneau).</a:t>
+            </a:r>
+          </a:p>
+          <a:p>
+            <a:r>
+              <a:rPr lang="fr-FR" sz="1900" b="1"/>
+              <a:t>2. Lecture du son ▶, saisie du nom.</a:t>
+            </a:r>
+          </a:p>
+          <a:p>
+            <a:r>
+              <a:rPr lang="fr-FR" sz="1900" b="1"/>
+              <a:t>3. Bonne réponse =&gt; image révélée, panneau validé.</a:t>
+            </a:r>
+          </a:p>
+          <a:p>
+            <a:r>
+              <a:rPr lang="fr-FR" sz="1900" b="1"/>
+              <a:t>4. Vie perdue sinon; partie jusqu'à 6 bonnes réponses ou 0 vie.</a:t>
             </a:r>
           </a:p>
         </p:txBody>
       </p:sp>
       <p:pic>
         <p:nvPicPr>
-          <p:cNvPr id="4" name="Picture 3" descr="95df2d5d-c23f-4390-954f-412c7573800a.png"/>
+          <p:cNvPr id="6" name="Image 5" descr="Une image contenant crochet, conception&#10;&#10;Le contenu généré par l’IA peut être incorrect.">
+            <a:extLst>
+              <a:ext uri="{FF2B5EF4-FFF2-40B4-BE49-F238E27FC236}">
+                <a16:creationId xmlns:a16="http://schemas.microsoft.com/office/drawing/2014/main" id="{F10241EF-D497-A336-1C31-EEE37C4A6176}"/>
+              </a:ext>
+            </a:extLst>
+          </p:cNvPr>
           <p:cNvPicPr>
             <a:picLocks noChangeAspect="1"/>
           </p:cNvPicPr>
@@ -6906,14 +12007,15 @@
         </p:nvPicPr>
         <p:blipFill>
           <a:blip r:embed="rId2"/>
+          <a:srcRect l="14356" r="13490"/>
           <a:stretch>
             <a:fillRect/>
           </a:stretch>
         </p:blipFill>
         <p:spPr>
           <a:xfrm>
-            <a:off x="3685032" y="3233362"/>
-            <a:ext cx="5458968" cy="3624637"/>
+            <a:off x="5756743" y="2093976"/>
+            <a:ext cx="2955798" cy="4096512"/>
           </a:xfrm>
           <a:prstGeom prst="rect">
             <a:avLst/>
@@ -6969,6 +12071,7 @@
           <a:lstStyle/>
           <a:p>
             <a:r>
+              <a:rPr lang="fr-CH" dirty="0"/>
               <a:t>Boîtes de dialogue Swing</a:t>
             </a:r>
           </a:p>
@@ -6992,61 +12095,22 @@
           <a:lstStyle/>
           <a:p>
             <a:r>
-              <a:rPr sz="1800" b="1" dirty="0" err="1"/>
-              <a:t>JOptionPane</a:t>
-            </a:r>
-            <a:r>
-              <a:rPr sz="1800" b="1" dirty="0"/>
-              <a:t> pour </a:t>
-            </a:r>
-            <a:r>
-              <a:rPr sz="1800" b="1" dirty="0" err="1"/>
-              <a:t>victoire</a:t>
-            </a:r>
-            <a:r>
-              <a:rPr sz="1800" b="1" dirty="0"/>
-              <a:t> / game‑over.</a:t>
-            </a:r>
-          </a:p>
-          <a:p>
-            <a:r>
-              <a:rPr sz="1800" b="1" dirty="0"/>
-              <a:t>Victoire : panel </a:t>
-            </a:r>
-            <a:r>
-              <a:rPr sz="1800" b="1" dirty="0" err="1"/>
-              <a:t>personnalisé</a:t>
-            </a:r>
-            <a:r>
-              <a:rPr sz="1800" b="1" dirty="0"/>
-              <a:t> avec </a:t>
-            </a:r>
-            <a:r>
-              <a:rPr sz="1800" b="1" dirty="0" err="1"/>
-              <a:t>Clippy</a:t>
-            </a:r>
-            <a:r>
-              <a:rPr sz="1800" b="1" dirty="0"/>
-              <a:t>, choix Replay/Quit.</a:t>
-            </a:r>
-          </a:p>
-          <a:p>
-            <a:r>
-              <a:rPr sz="1800" b="1" dirty="0" err="1"/>
-              <a:t>Défaite</a:t>
-            </a:r>
-            <a:r>
-              <a:rPr sz="1800" b="1" dirty="0"/>
-              <a:t> : message, options </a:t>
-            </a:r>
-            <a:r>
-              <a:rPr sz="1800" b="1" dirty="0" err="1"/>
-              <a:t>identiques</a:t>
-            </a:r>
-            <a:r>
-              <a:rPr sz="1800" b="1" dirty="0"/>
-              <a:t>.</a:t>
-            </a:r>
+              <a:rPr lang="fr-FR" sz="1800" b="1"/>
+              <a:t>JOptionPane pour victoire / game‑over.</a:t>
+            </a:r>
+          </a:p>
+          <a:p>
+            <a:r>
+              <a:rPr lang="fr-FR" sz="1800" b="1"/>
+              <a:t>Victoire : panel personnalisé avec Clippy, choix Replay/Quit.</a:t>
+            </a:r>
+          </a:p>
+          <a:p>
+            <a:r>
+              <a:rPr lang="fr-FR" sz="1800" b="1"/>
+              <a:t>Défaite : message, options identiques.</a:t>
+            </a:r>
+            <a:endParaRPr lang="fr-FR" sz="1800" b="1" dirty="0"/>
           </a:p>
         </p:txBody>
       </p:sp>
@@ -7073,434 +12137,470 @@
           <a:lstStyle/>
           <a:p>
             <a:r>
-              <a:rPr sz="800" dirty="0">
+              <a:rPr lang="fr-CH" sz="800" dirty="0">
                 <a:latin typeface="Consolas"/>
               </a:rPr>
-              <a:t>    public void </a:t>
-            </a:r>
-            <a:r>
-              <a:rPr sz="800" dirty="0" err="1">
+              <a:t>    public </a:t>
+            </a:r>
+            <a:r>
+              <a:rPr lang="fr-CH" sz="800" dirty="0" err="1">
+                <a:latin typeface="Consolas"/>
+              </a:rPr>
+              <a:t>void</a:t>
+            </a:r>
+            <a:r>
+              <a:rPr lang="fr-CH" sz="800" dirty="0">
+                <a:latin typeface="Consolas"/>
+              </a:rPr>
+              <a:t> </a:t>
+            </a:r>
+            <a:r>
+              <a:rPr lang="fr-CH" sz="800" dirty="0" err="1">
                 <a:latin typeface="Consolas"/>
               </a:rPr>
               <a:t>showVictoryDialog</a:t>
             </a:r>
             <a:r>
-              <a:rPr sz="800" dirty="0">
+              <a:rPr lang="fr-CH" sz="800" dirty="0">
                 <a:latin typeface="Consolas"/>
               </a:rPr>
               <a:t>() {
-        try {
+        </a:t>
+            </a:r>
+            <a:r>
+              <a:rPr lang="fr-CH" sz="800" dirty="0" err="1">
+                <a:latin typeface="Consolas"/>
+              </a:rPr>
+              <a:t>try</a:t>
+            </a:r>
+            <a:r>
+              <a:rPr lang="fr-CH" sz="800" dirty="0">
+                <a:latin typeface="Consolas"/>
+              </a:rPr>
+              <a:t> {
             </a:t>
             </a:r>
             <a:r>
-              <a:rPr sz="800" dirty="0" err="1">
+              <a:rPr lang="fr-CH" sz="800" dirty="0" err="1">
                 <a:latin typeface="Consolas"/>
               </a:rPr>
               <a:t>ImageIcon</a:t>
             </a:r>
             <a:r>
-              <a:rPr sz="800" dirty="0">
+              <a:rPr lang="fr-CH" sz="800" dirty="0">
                 <a:latin typeface="Consolas"/>
               </a:rPr>
               <a:t> </a:t>
             </a:r>
             <a:r>
-              <a:rPr sz="800" dirty="0" err="1">
+              <a:rPr lang="fr-CH" sz="800" dirty="0" err="1">
                 <a:latin typeface="Consolas"/>
               </a:rPr>
               <a:t>victoryClippy</a:t>
             </a:r>
             <a:r>
-              <a:rPr sz="800" dirty="0">
+              <a:rPr lang="fr-CH" sz="800" dirty="0">
                 <a:latin typeface="Consolas"/>
               </a:rPr>
               <a:t> = new </a:t>
             </a:r>
             <a:r>
-              <a:rPr sz="800" dirty="0" err="1">
+              <a:rPr lang="fr-CH" sz="800" dirty="0" err="1">
                 <a:latin typeface="Consolas"/>
               </a:rPr>
               <a:t>ImageIcon</a:t>
             </a:r>
             <a:r>
-              <a:rPr sz="800" dirty="0">
+              <a:rPr lang="fr-CH" sz="800" dirty="0">
                 <a:latin typeface="Consolas"/>
               </a:rPr>
               <a:t>(</a:t>
             </a:r>
             <a:r>
-              <a:rPr sz="800" dirty="0" err="1">
+              <a:rPr lang="fr-CH" sz="800" dirty="0" err="1">
                 <a:latin typeface="Consolas"/>
               </a:rPr>
               <a:t>getClass</a:t>
             </a:r>
             <a:r>
-              <a:rPr sz="800" dirty="0">
+              <a:rPr lang="fr-CH" sz="800" dirty="0">
                 <a:latin typeface="Consolas"/>
               </a:rPr>
               <a:t>().</a:t>
             </a:r>
             <a:r>
-              <a:rPr sz="800" dirty="0" err="1">
+              <a:rPr lang="fr-CH" sz="800" dirty="0" err="1">
                 <a:latin typeface="Consolas"/>
               </a:rPr>
               <a:t>getResource</a:t>
             </a:r>
             <a:r>
-              <a:rPr sz="800" dirty="0">
+              <a:rPr lang="fr-CH" sz="800" dirty="0">
                 <a:latin typeface="Consolas"/>
               </a:rPr>
-              <a:t>("/resources/images/</a:t>
-            </a:r>
-            <a:r>
-              <a:rPr sz="800" dirty="0" err="1">
+              <a:t>("/</a:t>
+            </a:r>
+            <a:r>
+              <a:rPr lang="fr-CH" sz="800" dirty="0" err="1">
+                <a:latin typeface="Consolas"/>
+              </a:rPr>
+              <a:t>resources</a:t>
+            </a:r>
+            <a:r>
+              <a:rPr lang="fr-CH" sz="800" dirty="0">
+                <a:latin typeface="Consolas"/>
+              </a:rPr>
+              <a:t>/images/</a:t>
+            </a:r>
+            <a:r>
+              <a:rPr lang="fr-CH" sz="800" dirty="0" err="1">
                 <a:latin typeface="Consolas"/>
               </a:rPr>
               <a:t>imagesClippy</a:t>
             </a:r>
             <a:r>
-              <a:rPr sz="800" dirty="0">
+              <a:rPr lang="fr-CH" sz="800" dirty="0">
                 <a:latin typeface="Consolas"/>
               </a:rPr>
               <a:t>/victoryclippy.gif"));
             </a:t>
             </a:r>
             <a:r>
-              <a:rPr sz="800" dirty="0" err="1">
+              <a:rPr lang="fr-CH" sz="800" dirty="0" err="1">
                 <a:latin typeface="Consolas"/>
               </a:rPr>
               <a:t>JLabel</a:t>
             </a:r>
             <a:r>
-              <a:rPr sz="800" dirty="0">
+              <a:rPr lang="fr-CH" sz="800" dirty="0">
                 <a:latin typeface="Consolas"/>
               </a:rPr>
               <a:t> </a:t>
             </a:r>
             <a:r>
-              <a:rPr sz="800" dirty="0" err="1">
+              <a:rPr lang="fr-CH" sz="800" dirty="0" err="1">
                 <a:latin typeface="Consolas"/>
               </a:rPr>
               <a:t>gifLabel</a:t>
             </a:r>
             <a:r>
-              <a:rPr sz="800" dirty="0">
+              <a:rPr lang="fr-CH" sz="800" dirty="0">
                 <a:latin typeface="Consolas"/>
               </a:rPr>
               <a:t> = new </a:t>
             </a:r>
             <a:r>
-              <a:rPr sz="800" dirty="0" err="1">
+              <a:rPr lang="fr-CH" sz="800" dirty="0" err="1">
                 <a:latin typeface="Consolas"/>
               </a:rPr>
               <a:t>JLabel</a:t>
             </a:r>
             <a:r>
-              <a:rPr sz="800" dirty="0">
+              <a:rPr lang="fr-CH" sz="800" dirty="0">
                 <a:latin typeface="Consolas"/>
               </a:rPr>
               <a:t>(</a:t>
             </a:r>
             <a:r>
-              <a:rPr sz="800" dirty="0" err="1">
+              <a:rPr lang="fr-CH" sz="800" dirty="0" err="1">
                 <a:latin typeface="Consolas"/>
               </a:rPr>
               <a:t>victoryClippy</a:t>
             </a:r>
             <a:r>
-              <a:rPr sz="800" dirty="0">
+              <a:rPr lang="fr-CH" sz="800" dirty="0">
                 <a:latin typeface="Consolas"/>
               </a:rPr>
               <a:t>);
             </a:t>
             </a:r>
             <a:r>
-              <a:rPr sz="800" dirty="0" err="1">
+              <a:rPr lang="fr-CH" sz="800" dirty="0" err="1">
                 <a:latin typeface="Consolas"/>
               </a:rPr>
               <a:t>JPanel</a:t>
             </a:r>
             <a:r>
-              <a:rPr sz="800" dirty="0">
+              <a:rPr lang="fr-CH" sz="800" dirty="0">
                 <a:latin typeface="Consolas"/>
               </a:rPr>
               <a:t> panel = new </a:t>
             </a:r>
             <a:r>
-              <a:rPr sz="800" dirty="0" err="1">
+              <a:rPr lang="fr-CH" sz="800" dirty="0" err="1">
                 <a:latin typeface="Consolas"/>
               </a:rPr>
               <a:t>JPanel</a:t>
             </a:r>
             <a:r>
-              <a:rPr sz="800" dirty="0">
+              <a:rPr lang="fr-CH" sz="800" dirty="0">
                 <a:latin typeface="Consolas"/>
               </a:rPr>
               <a:t>(new </a:t>
             </a:r>
             <a:r>
-              <a:rPr sz="800" dirty="0" err="1">
+              <a:rPr lang="fr-CH" sz="800" dirty="0" err="1">
                 <a:latin typeface="Consolas"/>
               </a:rPr>
               <a:t>BorderLayout</a:t>
             </a:r>
             <a:r>
-              <a:rPr sz="800" dirty="0">
+              <a:rPr lang="fr-CH" sz="800" dirty="0">
                 <a:latin typeface="Consolas"/>
               </a:rPr>
               <a:t>(10, 10));
             </a:t>
             </a:r>
             <a:r>
-              <a:rPr sz="800" dirty="0" err="1">
+              <a:rPr lang="fr-CH" sz="800" dirty="0" err="1">
                 <a:latin typeface="Consolas"/>
               </a:rPr>
               <a:t>JLabel</a:t>
             </a:r>
             <a:r>
-              <a:rPr sz="800" dirty="0">
+              <a:rPr lang="fr-CH" sz="800" dirty="0">
                 <a:latin typeface="Consolas"/>
               </a:rPr>
               <a:t> </a:t>
             </a:r>
             <a:r>
-              <a:rPr sz="800" dirty="0" err="1">
+              <a:rPr lang="fr-CH" sz="800" dirty="0" err="1">
                 <a:latin typeface="Consolas"/>
               </a:rPr>
               <a:t>messageLabel</a:t>
             </a:r>
             <a:r>
-              <a:rPr sz="800" dirty="0">
+              <a:rPr lang="fr-CH" sz="800" dirty="0">
                 <a:latin typeface="Consolas"/>
               </a:rPr>
               <a:t> = new </a:t>
             </a:r>
             <a:r>
-              <a:rPr sz="800" dirty="0" err="1">
+              <a:rPr lang="fr-CH" sz="800" dirty="0" err="1">
                 <a:latin typeface="Consolas"/>
               </a:rPr>
               <a:t>JLabel</a:t>
             </a:r>
             <a:r>
-              <a:rPr sz="800" dirty="0">
+              <a:rPr lang="fr-CH" sz="800" dirty="0">
                 <a:latin typeface="Consolas"/>
               </a:rPr>
-              <a:t>("&lt;html&gt;Bravo ! Tu as </a:t>
-            </a:r>
-            <a:r>
-              <a:rPr sz="800" dirty="0" err="1">
-                <a:latin typeface="Consolas"/>
-              </a:rPr>
-              <a:t>deviné</a:t>
-            </a:r>
-            <a:r>
-              <a:rPr sz="800" dirty="0">
-                <a:latin typeface="Consolas"/>
-              </a:rPr>
-              <a:t> </a:t>
-            </a:r>
-            <a:r>
-              <a:rPr sz="800" dirty="0" err="1">
-                <a:latin typeface="Consolas"/>
-              </a:rPr>
-              <a:t>tous</a:t>
-            </a:r>
-            <a:r>
-              <a:rPr sz="800" dirty="0">
-                <a:latin typeface="Consolas"/>
-              </a:rPr>
-              <a:t> les instruments ! 🎉&lt;</a:t>
-            </a:r>
-            <a:r>
-              <a:rPr sz="800" dirty="0" err="1">
+              <a:t>("&lt;html&gt;Bravo ! Tu as deviné tous les instruments ! 🎉&lt;</a:t>
+            </a:r>
+            <a:r>
+              <a:rPr lang="fr-CH" sz="800" dirty="0" err="1">
                 <a:latin typeface="Consolas"/>
               </a:rPr>
               <a:t>br</a:t>
             </a:r>
             <a:r>
-              <a:rPr sz="800" dirty="0">
+              <a:rPr lang="fr-CH" sz="800" dirty="0">
                 <a:latin typeface="Consolas"/>
               </a:rPr>
-              <a:t>&gt;</a:t>
-            </a:r>
-            <a:r>
-              <a:rPr sz="800" dirty="0" err="1">
-                <a:latin typeface="Consolas"/>
-              </a:rPr>
-              <a:t>Rejouer</a:t>
-            </a:r>
-            <a:r>
-              <a:rPr sz="800" dirty="0">
-                <a:latin typeface="Consolas"/>
-              </a:rPr>
-              <a:t> ?&lt;/html&gt;");
+              <a:t>&gt;Rejouer ?&lt;/html&gt;");
             </a:t>
             </a:r>
             <a:r>
-              <a:rPr sz="800" dirty="0" err="1">
+              <a:rPr lang="fr-CH" sz="800" dirty="0" err="1">
                 <a:latin typeface="Consolas"/>
               </a:rPr>
               <a:t>panel.add</a:t>
             </a:r>
             <a:r>
-              <a:rPr sz="800" dirty="0">
+              <a:rPr lang="fr-CH" sz="800" dirty="0">
                 <a:latin typeface="Consolas"/>
               </a:rPr>
               <a:t>(</a:t>
             </a:r>
             <a:r>
-              <a:rPr sz="800" dirty="0" err="1">
+              <a:rPr lang="fr-CH" sz="800" dirty="0" err="1">
                 <a:latin typeface="Consolas"/>
               </a:rPr>
               <a:t>messageLabel</a:t>
             </a:r>
             <a:r>
-              <a:rPr sz="800" dirty="0">
+              <a:rPr lang="fr-CH" sz="800" dirty="0">
                 <a:latin typeface="Consolas"/>
               </a:rPr>
               <a:t>, </a:t>
             </a:r>
             <a:r>
-              <a:rPr sz="800" dirty="0" err="1">
+              <a:rPr lang="fr-CH" sz="800" dirty="0" err="1">
                 <a:latin typeface="Consolas"/>
               </a:rPr>
               <a:t>BorderLayout.NORTH</a:t>
             </a:r>
             <a:r>
-              <a:rPr sz="800" dirty="0">
+              <a:rPr lang="fr-CH" sz="800" dirty="0">
                 <a:latin typeface="Consolas"/>
               </a:rPr>
               <a:t>);
             </a:t>
             </a:r>
             <a:r>
-              <a:rPr sz="800" dirty="0" err="1">
+              <a:rPr lang="fr-CH" sz="800" dirty="0" err="1">
                 <a:latin typeface="Consolas"/>
               </a:rPr>
               <a:t>panel.add</a:t>
             </a:r>
             <a:r>
-              <a:rPr sz="800" dirty="0">
+              <a:rPr lang="fr-CH" sz="800" dirty="0">
                 <a:latin typeface="Consolas"/>
               </a:rPr>
               <a:t>(</a:t>
             </a:r>
             <a:r>
-              <a:rPr sz="800" dirty="0" err="1">
+              <a:rPr lang="fr-CH" sz="800" dirty="0" err="1">
                 <a:latin typeface="Consolas"/>
               </a:rPr>
               <a:t>gifLabel</a:t>
             </a:r>
             <a:r>
-              <a:rPr sz="800" dirty="0">
+              <a:rPr lang="fr-CH" sz="800" dirty="0">
                 <a:latin typeface="Consolas"/>
               </a:rPr>
               <a:t>, </a:t>
             </a:r>
             <a:r>
-              <a:rPr sz="800" dirty="0" err="1">
+              <a:rPr lang="fr-CH" sz="800" dirty="0" err="1">
                 <a:latin typeface="Consolas"/>
               </a:rPr>
               <a:t>BorderLayout.CENTER</a:t>
             </a:r>
             <a:r>
-              <a:rPr sz="800" dirty="0">
+              <a:rPr lang="fr-CH" sz="800" dirty="0">
                 <a:latin typeface="Consolas"/>
               </a:rPr>
               <a:t>);
-            int choice = </a:t>
-            </a:r>
-            <a:r>
-              <a:rPr sz="800" dirty="0" err="1">
+            </a:t>
+            </a:r>
+            <a:r>
+              <a:rPr lang="fr-CH" sz="800" dirty="0" err="1">
+                <a:latin typeface="Consolas"/>
+              </a:rPr>
+              <a:t>int</a:t>
+            </a:r>
+            <a:r>
+              <a:rPr lang="fr-CH" sz="800" dirty="0">
+                <a:latin typeface="Consolas"/>
+              </a:rPr>
+              <a:t> </a:t>
+            </a:r>
+            <a:r>
+              <a:rPr lang="fr-CH" sz="800" dirty="0" err="1">
+                <a:latin typeface="Consolas"/>
+              </a:rPr>
+              <a:t>choice</a:t>
+            </a:r>
+            <a:r>
+              <a:rPr lang="fr-CH" sz="800" dirty="0">
+                <a:latin typeface="Consolas"/>
+              </a:rPr>
+              <a:t> = </a:t>
+            </a:r>
+            <a:r>
+              <a:rPr lang="fr-CH" sz="800" dirty="0" err="1">
                 <a:latin typeface="Consolas"/>
               </a:rPr>
               <a:t>JOptionPane.showOptionDialog</a:t>
             </a:r>
             <a:r>
-              <a:rPr sz="800" dirty="0">
+              <a:rPr lang="fr-CH" sz="800" dirty="0">
                 <a:latin typeface="Consolas"/>
               </a:rPr>
               <a:t>(
-                this,
+                </a:t>
+            </a:r>
+            <a:r>
+              <a:rPr lang="fr-CH" sz="800" dirty="0" err="1">
+                <a:latin typeface="Consolas"/>
+              </a:rPr>
+              <a:t>this</a:t>
+            </a:r>
+            <a:r>
+              <a:rPr lang="fr-CH" sz="800" dirty="0">
+                <a:latin typeface="Consolas"/>
+              </a:rPr>
+              <a:t>,
                 panel,
                 "Victoire !",
                 </a:t>
             </a:r>
             <a:r>
-              <a:rPr sz="800" dirty="0" err="1">
+              <a:rPr lang="fr-CH" sz="800" dirty="0" err="1">
                 <a:latin typeface="Consolas"/>
               </a:rPr>
               <a:t>JOptionPane.YES_NO_OPTION</a:t>
             </a:r>
             <a:r>
-              <a:rPr sz="800" dirty="0">
+              <a:rPr lang="fr-CH" sz="800" dirty="0">
                 <a:latin typeface="Consolas"/>
               </a:rPr>
               <a:t>,
                 </a:t>
             </a:r>
             <a:r>
-              <a:rPr sz="800" dirty="0" err="1">
+              <a:rPr lang="fr-CH" sz="800" dirty="0" err="1">
                 <a:latin typeface="Consolas"/>
               </a:rPr>
               <a:t>JOptionPane.INFORMATION_MESSAGE</a:t>
             </a:r>
             <a:r>
-              <a:rPr sz="800" dirty="0">
+              <a:rPr lang="fr-CH" sz="800" dirty="0">
                 <a:latin typeface="Consolas"/>
               </a:rPr>
               <a:t>,
-                null,
-                new Object[]{"</a:t>
-            </a:r>
-            <a:r>
-              <a:rPr sz="800" dirty="0" err="1">
+                </a:t>
+            </a:r>
+            <a:r>
+              <a:rPr lang="fr-CH" sz="800" dirty="0" err="1">
                 <a:latin typeface="Consolas"/>
               </a:rPr>
-              <a:t>Rejouer</a:t>
-            </a:r>
-            <a:r>
-              <a:rPr sz="800" dirty="0">
+              <a:t>null</a:t>
+            </a:r>
+            <a:r>
+              <a:rPr lang="fr-CH" sz="800" dirty="0">
                 <a:latin typeface="Consolas"/>
               </a:rPr>
-              <a:t>", "Quitter"},
-                "</a:t>
-            </a:r>
-            <a:r>
-              <a:rPr sz="800" dirty="0" err="1">
+              <a:t>,
+                new Object[]{"Rejouer", "Quitter"},
+                "Rejouer"
+            );
+            if (</a:t>
+            </a:r>
+            <a:r>
+              <a:rPr lang="fr-CH" sz="800" dirty="0" err="1">
                 <a:latin typeface="Consolas"/>
               </a:rPr>
-              <a:t>Rejouer</a:t>
-            </a:r>
-            <a:r>
-              <a:rPr sz="800" dirty="0">
+              <a:t>choice</a:t>
+            </a:r>
+            <a:r>
+              <a:rPr lang="fr-CH" sz="800" dirty="0">
                 <a:latin typeface="Consolas"/>
               </a:rPr>
-              <a:t>"
-            );
-            if (choice == </a:t>
-            </a:r>
-            <a:r>
-              <a:rPr sz="800" dirty="0" err="1">
+              <a:t> == </a:t>
+            </a:r>
+            <a:r>
+              <a:rPr lang="fr-CH" sz="800" dirty="0" err="1">
                 <a:latin typeface="Consolas"/>
               </a:rPr>
               <a:t>JOptionPane.YES_OPTION</a:t>
             </a:r>
             <a:r>
-              <a:rPr sz="800" dirty="0">
+              <a:rPr lang="fr-CH" sz="800" dirty="0">
                 <a:latin typeface="Consolas"/>
               </a:rPr>
               <a:t>) {
                 </a:t>
             </a:r>
             <a:r>
-              <a:rPr sz="800" dirty="0" err="1">
+              <a:rPr lang="fr-CH" sz="800" dirty="0" err="1">
                 <a:latin typeface="Consolas"/>
               </a:rPr>
               <a:t>controller.resetGame</a:t>
             </a:r>
             <a:r>
-              <a:rPr sz="800" dirty="0">
+              <a:rPr lang="fr-CH" sz="800" dirty="0">
                 <a:latin typeface="Consolas"/>
               </a:rPr>
               <a:t>();</a:t>

--- a/SoundOfWorld.pptx
+++ b/SoundOfWorld.pptx
@@ -7,20 +7,14 @@
   <p:sldIdLst>
     <p:sldId id="256" r:id="rId2"/>
     <p:sldId id="257" r:id="rId3"/>
-    <p:sldId id="258" r:id="rId4"/>
-    <p:sldId id="259" r:id="rId5"/>
-    <p:sldId id="260" r:id="rId6"/>
+    <p:sldId id="263" r:id="rId4"/>
+    <p:sldId id="265" r:id="rId5"/>
+    <p:sldId id="266" r:id="rId6"/>
     <p:sldId id="261" r:id="rId7"/>
-    <p:sldId id="262" r:id="rId8"/>
-    <p:sldId id="263" r:id="rId9"/>
-    <p:sldId id="264" r:id="rId10"/>
-    <p:sldId id="265" r:id="rId11"/>
-    <p:sldId id="266" r:id="rId12"/>
-    <p:sldId id="267" r:id="rId13"/>
-    <p:sldId id="268" r:id="rId14"/>
-    <p:sldId id="269" r:id="rId15"/>
-    <p:sldId id="271" r:id="rId16"/>
-    <p:sldId id="273" r:id="rId17"/>
+    <p:sldId id="268" r:id="rId8"/>
+    <p:sldId id="269" r:id="rId9"/>
+    <p:sldId id="271" r:id="rId10"/>
+    <p:sldId id="273" r:id="rId11"/>
   </p:sldIdLst>
   <p:sldSz cx="9144000" cy="6858000" type="screen4x3"/>
   <p:notesSz cx="6858000" cy="9144000"/>
@@ -3850,7 +3844,519 @@
       </p:grpSpPr>
       <p:sp useBgFill="1">
         <p:nvSpPr>
-          <p:cNvPr id="8" name="Rectangle 7">
+          <p:cNvPr id="9" name="Rectangle 8">
+            <a:extLst>
+              <a:ext uri="{FF2B5EF4-FFF2-40B4-BE49-F238E27FC236}">
+                <a16:creationId xmlns:a16="http://schemas.microsoft.com/office/drawing/2014/main" id="{743AA782-23D1-4521-8CAD-47662984AA08}"/>
+              </a:ext>
+              <a:ext uri="{C183D7F6-B498-43B3-948B-1728B52AA6E4}">
+                <adec:decorative xmlns:adec="http://schemas.microsoft.com/office/drawing/2017/decorative" val="1"/>
+              </a:ext>
+            </a:extLst>
+          </p:cNvPr>
+          <p:cNvSpPr>
+            <a:spLocks noGrp="1" noRot="1" noChangeAspect="1" noMove="1" noResize="1" noEditPoints="1" noAdjustHandles="1" noChangeArrowheads="1" noChangeShapeType="1" noTextEdit="1"/>
+          </p:cNvSpPr>
+          <p:nvPr>
+            <p:extLst>
+              <p:ext uri="{386F3935-93C4-4BCD-93E2-E3B085C9AB24}">
+                <p16:designElem xmlns:p16="http://schemas.microsoft.com/office/powerpoint/2015/main" val="1"/>
+              </p:ext>
+            </p:extLst>
+          </p:nvPr>
+        </p:nvSpPr>
+        <p:spPr>
+          <a:xfrm>
+            <a:off x="0" y="0"/>
+            <a:ext cx="9144000" cy="6858000"/>
+          </a:xfrm>
+          <a:prstGeom prst="rect">
+            <a:avLst/>
+          </a:prstGeom>
+          <a:ln>
+            <a:noFill/>
+          </a:ln>
+        </p:spPr>
+        <p:style>
+          <a:lnRef idx="2">
+            <a:schemeClr val="accent1">
+              <a:shade val="50000"/>
+            </a:schemeClr>
+          </a:lnRef>
+          <a:fillRef idx="1">
+            <a:schemeClr val="accent1"/>
+          </a:fillRef>
+          <a:effectRef idx="0">
+            <a:schemeClr val="accent1"/>
+          </a:effectRef>
+          <a:fontRef idx="minor">
+            <a:schemeClr val="lt1"/>
+          </a:fontRef>
+        </p:style>
+        <p:txBody>
+          <a:bodyPr rtlCol="0" anchor="ctr"/>
+          <a:lstStyle/>
+          <a:p>
+            <a:pPr algn="ctr"/>
+            <a:endParaRPr lang="en-US"/>
+          </a:p>
+        </p:txBody>
+      </p:sp>
+      <p:sp>
+        <p:nvSpPr>
+          <p:cNvPr id="2" name="Title 1"/>
+          <p:cNvSpPr>
+            <a:spLocks noGrp="1"/>
+          </p:cNvSpPr>
+          <p:nvPr>
+            <p:ph type="title"/>
+          </p:nvPr>
+        </p:nvSpPr>
+        <p:spPr>
+          <a:xfrm>
+            <a:off x="473202" y="640080"/>
+            <a:ext cx="3614166" cy="1481328"/>
+          </a:xfrm>
+        </p:spPr>
+        <p:txBody>
+          <a:bodyPr anchor="b">
+            <a:normAutofit/>
+          </a:bodyPr>
+          <a:lstStyle/>
+          <a:p>
+            <a:pPr>
+              <a:lnSpc>
+                <a:spcPct val="90000"/>
+              </a:lnSpc>
+            </a:pPr>
+            <a:r>
+              <a:rPr lang="fr-CH" sz="4700"/>
+              <a:t>Conclusion &amp; auto‑critique</a:t>
+            </a:r>
+          </a:p>
+        </p:txBody>
+      </p:sp>
+      <p:sp>
+        <p:nvSpPr>
+          <p:cNvPr id="11" name="sketch line">
+            <a:extLst>
+              <a:ext uri="{FF2B5EF4-FFF2-40B4-BE49-F238E27FC236}">
+                <a16:creationId xmlns:a16="http://schemas.microsoft.com/office/drawing/2014/main" id="{71877DBC-BB60-40F0-AC93-2ACDBAAE60CE}"/>
+              </a:ext>
+              <a:ext uri="{C183D7F6-B498-43B3-948B-1728B52AA6E4}">
+                <adec:decorative xmlns:adec="http://schemas.microsoft.com/office/drawing/2017/decorative" val="1"/>
+              </a:ext>
+            </a:extLst>
+          </p:cNvPr>
+          <p:cNvSpPr>
+            <a:spLocks noGrp="1" noRot="1" noChangeAspect="1" noMove="1" noResize="1" noEditPoints="1" noAdjustHandles="1" noChangeArrowheads="1" noChangeShapeType="1" noTextEdit="1"/>
+          </p:cNvSpPr>
+          <p:nvPr>
+            <p:extLst>
+              <p:ext uri="{386F3935-93C4-4BCD-93E2-E3B085C9AB24}">
+                <p16:designElem xmlns:p16="http://schemas.microsoft.com/office/powerpoint/2015/main" val="1"/>
+              </p:ext>
+            </p:extLst>
+          </p:nvPr>
+        </p:nvSpPr>
+        <p:spPr>
+          <a:xfrm>
+            <a:off x="482458" y="2372868"/>
+            <a:ext cx="2441321" cy="18288"/>
+          </a:xfrm>
+          <a:custGeom>
+            <a:avLst/>
+            <a:gdLst>
+              <a:gd name="connsiteX0" fmla="*/ 0 w 2441321"/>
+              <a:gd name="connsiteY0" fmla="*/ 0 h 18288"/>
+              <a:gd name="connsiteX1" fmla="*/ 585917 w 2441321"/>
+              <a:gd name="connsiteY1" fmla="*/ 0 h 18288"/>
+              <a:gd name="connsiteX2" fmla="*/ 1196247 w 2441321"/>
+              <a:gd name="connsiteY2" fmla="*/ 0 h 18288"/>
+              <a:gd name="connsiteX3" fmla="*/ 1806578 w 2441321"/>
+              <a:gd name="connsiteY3" fmla="*/ 0 h 18288"/>
+              <a:gd name="connsiteX4" fmla="*/ 2441321 w 2441321"/>
+              <a:gd name="connsiteY4" fmla="*/ 0 h 18288"/>
+              <a:gd name="connsiteX5" fmla="*/ 2441321 w 2441321"/>
+              <a:gd name="connsiteY5" fmla="*/ 18288 h 18288"/>
+              <a:gd name="connsiteX6" fmla="*/ 1830991 w 2441321"/>
+              <a:gd name="connsiteY6" fmla="*/ 18288 h 18288"/>
+              <a:gd name="connsiteX7" fmla="*/ 1269487 w 2441321"/>
+              <a:gd name="connsiteY7" fmla="*/ 18288 h 18288"/>
+              <a:gd name="connsiteX8" fmla="*/ 707983 w 2441321"/>
+              <a:gd name="connsiteY8" fmla="*/ 18288 h 18288"/>
+              <a:gd name="connsiteX9" fmla="*/ 0 w 2441321"/>
+              <a:gd name="connsiteY9" fmla="*/ 18288 h 18288"/>
+              <a:gd name="connsiteX10" fmla="*/ 0 w 2441321"/>
+              <a:gd name="connsiteY10" fmla="*/ 0 h 18288"/>
+            </a:gdLst>
+            <a:ahLst/>
+            <a:cxnLst>
+              <a:cxn ang="0">
+                <a:pos x="connsiteX0" y="connsiteY0"/>
+              </a:cxn>
+              <a:cxn ang="0">
+                <a:pos x="connsiteX1" y="connsiteY1"/>
+              </a:cxn>
+              <a:cxn ang="0">
+                <a:pos x="connsiteX2" y="connsiteY2"/>
+              </a:cxn>
+              <a:cxn ang="0">
+                <a:pos x="connsiteX3" y="connsiteY3"/>
+              </a:cxn>
+              <a:cxn ang="0">
+                <a:pos x="connsiteX4" y="connsiteY4"/>
+              </a:cxn>
+              <a:cxn ang="0">
+                <a:pos x="connsiteX5" y="connsiteY5"/>
+              </a:cxn>
+              <a:cxn ang="0">
+                <a:pos x="connsiteX6" y="connsiteY6"/>
+              </a:cxn>
+              <a:cxn ang="0">
+                <a:pos x="connsiteX7" y="connsiteY7"/>
+              </a:cxn>
+              <a:cxn ang="0">
+                <a:pos x="connsiteX8" y="connsiteY8"/>
+              </a:cxn>
+              <a:cxn ang="0">
+                <a:pos x="connsiteX9" y="connsiteY9"/>
+              </a:cxn>
+              <a:cxn ang="0">
+                <a:pos x="connsiteX10" y="connsiteY10"/>
+              </a:cxn>
+            </a:cxnLst>
+            <a:rect l="l" t="t" r="r" b="b"/>
+            <a:pathLst>
+              <a:path w="2441321" h="18288" fill="none" extrusionOk="0">
+                <a:moveTo>
+                  <a:pt x="0" y="0"/>
+                </a:moveTo>
+                <a:cubicBezTo>
+                  <a:pt x="273217" y="-17533"/>
+                  <a:pt x="355785" y="-4171"/>
+                  <a:pt x="585917" y="0"/>
+                </a:cubicBezTo>
+                <a:cubicBezTo>
+                  <a:pt x="816049" y="4171"/>
+                  <a:pt x="991446" y="-9419"/>
+                  <a:pt x="1196247" y="0"/>
+                </a:cubicBezTo>
+                <a:cubicBezTo>
+                  <a:pt x="1401048" y="9419"/>
+                  <a:pt x="1589984" y="-731"/>
+                  <a:pt x="1806578" y="0"/>
+                </a:cubicBezTo>
+                <a:cubicBezTo>
+                  <a:pt x="2023172" y="731"/>
+                  <a:pt x="2247754" y="8393"/>
+                  <a:pt x="2441321" y="0"/>
+                </a:cubicBezTo>
+                <a:cubicBezTo>
+                  <a:pt x="2441167" y="8655"/>
+                  <a:pt x="2440437" y="9975"/>
+                  <a:pt x="2441321" y="18288"/>
+                </a:cubicBezTo>
+                <a:cubicBezTo>
+                  <a:pt x="2169723" y="30506"/>
+                  <a:pt x="2045712" y="39140"/>
+                  <a:pt x="1830991" y="18288"/>
+                </a:cubicBezTo>
+                <a:cubicBezTo>
+                  <a:pt x="1616270" y="-2564"/>
+                  <a:pt x="1505876" y="3949"/>
+                  <a:pt x="1269487" y="18288"/>
+                </a:cubicBezTo>
+                <a:cubicBezTo>
+                  <a:pt x="1033098" y="32627"/>
+                  <a:pt x="908661" y="41191"/>
+                  <a:pt x="707983" y="18288"/>
+                </a:cubicBezTo>
+                <a:cubicBezTo>
+                  <a:pt x="507305" y="-4615"/>
+                  <a:pt x="333592" y="20759"/>
+                  <a:pt x="0" y="18288"/>
+                </a:cubicBezTo>
+                <a:cubicBezTo>
+                  <a:pt x="-688" y="11716"/>
+                  <a:pt x="875" y="6357"/>
+                  <a:pt x="0" y="0"/>
+                </a:cubicBezTo>
+                <a:close/>
+              </a:path>
+              <a:path w="2441321" h="18288" stroke="0" extrusionOk="0">
+                <a:moveTo>
+                  <a:pt x="0" y="0"/>
+                </a:moveTo>
+                <a:cubicBezTo>
+                  <a:pt x="207071" y="-14617"/>
+                  <a:pt x="444194" y="-15606"/>
+                  <a:pt x="585917" y="0"/>
+                </a:cubicBezTo>
+                <a:cubicBezTo>
+                  <a:pt x="727640" y="15606"/>
+                  <a:pt x="904326" y="-79"/>
+                  <a:pt x="1123008" y="0"/>
+                </a:cubicBezTo>
+                <a:cubicBezTo>
+                  <a:pt x="1341690" y="79"/>
+                  <a:pt x="1600014" y="10401"/>
+                  <a:pt x="1782164" y="0"/>
+                </a:cubicBezTo>
+                <a:cubicBezTo>
+                  <a:pt x="1964314" y="-10401"/>
+                  <a:pt x="2143537" y="-21488"/>
+                  <a:pt x="2441321" y="0"/>
+                </a:cubicBezTo>
+                <a:cubicBezTo>
+                  <a:pt x="2441735" y="5928"/>
+                  <a:pt x="2441551" y="11133"/>
+                  <a:pt x="2441321" y="18288"/>
+                </a:cubicBezTo>
+                <a:cubicBezTo>
+                  <a:pt x="2166745" y="28773"/>
+                  <a:pt x="2078726" y="15476"/>
+                  <a:pt x="1879817" y="18288"/>
+                </a:cubicBezTo>
+                <a:cubicBezTo>
+                  <a:pt x="1680908" y="21100"/>
+                  <a:pt x="1548770" y="-4127"/>
+                  <a:pt x="1318313" y="18288"/>
+                </a:cubicBezTo>
+                <a:cubicBezTo>
+                  <a:pt x="1087856" y="40703"/>
+                  <a:pt x="894613" y="3927"/>
+                  <a:pt x="659157" y="18288"/>
+                </a:cubicBezTo>
+                <a:cubicBezTo>
+                  <a:pt x="423701" y="32649"/>
+                  <a:pt x="246611" y="33975"/>
+                  <a:pt x="0" y="18288"/>
+                </a:cubicBezTo>
+                <a:cubicBezTo>
+                  <a:pt x="-348" y="10388"/>
+                  <a:pt x="-12" y="3969"/>
+                  <a:pt x="0" y="0"/>
+                </a:cubicBezTo>
+                <a:close/>
+              </a:path>
+            </a:pathLst>
+          </a:custGeom>
+          <a:solidFill>
+            <a:schemeClr val="accent2"/>
+          </a:solidFill>
+          <a:ln w="38100" cap="rnd">
+            <a:solidFill>
+              <a:schemeClr val="accent2"/>
+            </a:solidFill>
+            <a:round/>
+            <a:extLst>
+              <a:ext uri="{C807C97D-BFC1-408E-A445-0C87EB9F89A2}">
+                <ask:lineSketchStyleProps xmlns:ask="http://schemas.microsoft.com/office/drawing/2018/sketchyshapes" sd="1219033472">
+                  <a:prstGeom prst="rect">
+                    <a:avLst/>
+                  </a:prstGeom>
+                  <ask:type>
+                    <ask:lineSketchFreehand/>
+                  </ask:type>
+                </ask:lineSketchStyleProps>
+              </a:ext>
+            </a:extLst>
+          </a:ln>
+        </p:spPr>
+        <p:style>
+          <a:lnRef idx="2">
+            <a:schemeClr val="accent1">
+              <a:shade val="50000"/>
+            </a:schemeClr>
+          </a:lnRef>
+          <a:fillRef idx="1">
+            <a:schemeClr val="accent1"/>
+          </a:fillRef>
+          <a:effectRef idx="0">
+            <a:schemeClr val="accent1"/>
+          </a:effectRef>
+          <a:fontRef idx="minor">
+            <a:schemeClr val="lt1"/>
+          </a:fontRef>
+        </p:style>
+        <p:txBody>
+          <a:bodyPr rtlCol="0" anchor="ctr"/>
+          <a:lstStyle/>
+          <a:p>
+            <a:pPr algn="ctr"/>
+            <a:endParaRPr lang="en-US"/>
+          </a:p>
+        </p:txBody>
+      </p:sp>
+      <p:sp>
+        <p:nvSpPr>
+          <p:cNvPr id="3" name="Content Placeholder 2"/>
+          <p:cNvSpPr>
+            <a:spLocks noGrp="1"/>
+          </p:cNvSpPr>
+          <p:nvPr>
+            <p:ph idx="1"/>
+          </p:nvPr>
+        </p:nvSpPr>
+        <p:spPr>
+          <a:xfrm>
+            <a:off x="473202" y="2660904"/>
+            <a:ext cx="3614166" cy="3547872"/>
+          </a:xfrm>
+        </p:spPr>
+        <p:txBody>
+          <a:bodyPr anchor="t">
+            <a:normAutofit/>
+          </a:bodyPr>
+          <a:lstStyle/>
+          <a:p>
+            <a:pPr>
+              <a:lnSpc>
+                <a:spcPct val="90000"/>
+              </a:lnSpc>
+            </a:pPr>
+            <a:endParaRPr lang="fr-FR" sz="1900" b="1" dirty="0"/>
+          </a:p>
+          <a:p>
+            <a:pPr>
+              <a:lnSpc>
+                <a:spcPct val="90000"/>
+              </a:lnSpc>
+            </a:pPr>
+            <a:r>
+              <a:rPr lang="fr-FR" sz="1900" b="1" dirty="0"/>
+              <a:t>Swing &amp; MVC compris, code commenté.</a:t>
+            </a:r>
+          </a:p>
+          <a:p>
+            <a:pPr>
+              <a:lnSpc>
+                <a:spcPct val="90000"/>
+              </a:lnSpc>
+            </a:pPr>
+            <a:r>
+              <a:rPr lang="fr-FR" sz="1900" b="1" dirty="0"/>
+              <a:t>Améliorations : perf images, tests, UI/UX.</a:t>
+            </a:r>
+          </a:p>
+          <a:p>
+            <a:pPr>
+              <a:lnSpc>
+                <a:spcPct val="90000"/>
+              </a:lnSpc>
+            </a:pPr>
+            <a:r>
+              <a:rPr lang="fr-FR" sz="1900" b="1" dirty="0"/>
+              <a:t>Persistances scores (JSON).</a:t>
+            </a:r>
+          </a:p>
+          <a:p>
+            <a:pPr>
+              <a:lnSpc>
+                <a:spcPct val="90000"/>
+              </a:lnSpc>
+            </a:pPr>
+            <a:r>
+              <a:rPr lang="fr-FR" sz="1900" b="1" dirty="0"/>
+              <a:t>Portage éventuel vers </a:t>
+            </a:r>
+            <a:r>
+              <a:rPr lang="fr-FR" sz="1900" b="1" dirty="0" err="1"/>
+              <a:t>JavaFX</a:t>
+            </a:r>
+            <a:r>
+              <a:rPr lang="fr-FR" sz="1900" b="1" dirty="0"/>
+              <a:t>.</a:t>
+            </a:r>
+          </a:p>
+          <a:p>
+            <a:pPr>
+              <a:lnSpc>
+                <a:spcPct val="90000"/>
+              </a:lnSpc>
+            </a:pPr>
+            <a:r>
+              <a:rPr lang="fr-FR" sz="1900" b="1" dirty="0"/>
+              <a:t>Tests unitaires supplémentaires.</a:t>
+            </a:r>
+          </a:p>
+          <a:p>
+            <a:pPr>
+              <a:lnSpc>
+                <a:spcPct val="90000"/>
+              </a:lnSpc>
+            </a:pPr>
+            <a:endParaRPr lang="fr-FR" sz="1900" dirty="0"/>
+          </a:p>
+        </p:txBody>
+      </p:sp>
+      <p:pic>
+        <p:nvPicPr>
+          <p:cNvPr id="4" name="Picture 4" descr="84eae790-37f3-4578-8842-68437cabb683.png">
+            <a:extLst>
+              <a:ext uri="{FF2B5EF4-FFF2-40B4-BE49-F238E27FC236}">
+                <a16:creationId xmlns:a16="http://schemas.microsoft.com/office/drawing/2014/main" id="{076D0602-D695-9AF2-6BA6-254343B0B495}"/>
+              </a:ext>
+            </a:extLst>
+          </p:cNvPr>
+          <p:cNvPicPr>
+            <a:picLocks noChangeAspect="1"/>
+          </p:cNvPicPr>
+          <p:nvPr/>
+        </p:nvPicPr>
+        <p:blipFill>
+          <a:blip r:embed="rId2"/>
+          <a:stretch>
+            <a:fillRect/>
+          </a:stretch>
+        </p:blipFill>
+        <p:spPr>
+          <a:xfrm>
+            <a:off x="4574286" y="2062552"/>
+            <a:ext cx="4094226" cy="2732895"/>
+          </a:xfrm>
+          <a:prstGeom prst="rect">
+            <a:avLst/>
+          </a:prstGeom>
+        </p:spPr>
+      </p:pic>
+    </p:spTree>
+  </p:cSld>
+  <p:clrMapOvr>
+    <a:masterClrMapping/>
+  </p:clrMapOvr>
+</p:sld>
+</file>
+
+<file path=ppt/slides/slide2.xml><?xml version="1.0" encoding="utf-8"?>
+<p:sld xmlns:a="http://schemas.openxmlformats.org/drawingml/2006/main" xmlns:r="http://schemas.openxmlformats.org/officeDocument/2006/relationships" xmlns:p="http://schemas.openxmlformats.org/presentationml/2006/main">
+  <p:cSld>
+    <p:bg>
+      <p:bgPr>
+        <a:solidFill>
+          <a:schemeClr val="bg1"/>
+        </a:solidFill>
+        <a:effectLst/>
+      </p:bgPr>
+    </p:bg>
+    <p:spTree>
+      <p:nvGrpSpPr>
+        <p:cNvPr id="1" name=""/>
+        <p:cNvGrpSpPr/>
+        <p:nvPr/>
+      </p:nvGrpSpPr>
+      <p:grpSpPr>
+        <a:xfrm>
+          <a:off x="0" y="0"/>
+          <a:ext cx="0" cy="0"/>
+          <a:chOff x="0" y="0"/>
+          <a:chExt cx="0" cy="0"/>
+        </a:xfrm>
+      </p:grpSpPr>
+      <p:sp useBgFill="1">
+        <p:nvSpPr>
+          <p:cNvPr id="30" name="Rectangle 29">
             <a:extLst>
               <a:ext uri="{FF2B5EF4-FFF2-40B4-BE49-F238E27FC236}">
                 <a16:creationId xmlns:a16="http://schemas.microsoft.com/office/drawing/2014/main" id="{100EDD19-6802-4EC3-95CE-CFFAB042CFD6}"/>
@@ -3932,14 +4438,14 @@
           <a:p>
             <a:r>
               <a:rPr lang="fr-CH" sz="4700"/>
-              <a:t>Architecture générale MVC</a:t>
+              <a:t>Présentation du projet</a:t>
             </a:r>
           </a:p>
         </p:txBody>
       </p:sp>
       <p:sp>
         <p:nvSpPr>
-          <p:cNvPr id="10" name="sketch line">
+          <p:cNvPr id="31" name="sketch line">
             <a:extLst>
               <a:ext uri="{FF2B5EF4-FFF2-40B4-BE49-F238E27FC236}">
                 <a16:creationId xmlns:a16="http://schemas.microsoft.com/office/drawing/2014/main" id="{DB17E863-922E-4C26-BD64-E8FD41D28661}"/>
@@ -4427,7 +4933,7 @@
       </p:sp>
       <p:sp>
         <p:nvSpPr>
-          <p:cNvPr id="3" name="Content Placeholder 2"/>
+          <p:cNvPr id="32" name="Content Placeholder 2"/>
           <p:cNvSpPr>
             <a:spLocks noGrp="1"/>
           </p:cNvSpPr>
@@ -4447,4097 +4953,28 @@
           </a:bodyPr>
           <a:lstStyle/>
           <a:p>
-            <a:pPr>
-              <a:lnSpc>
-                <a:spcPct val="90000"/>
-              </a:lnSpc>
-            </a:pPr>
-            <a:endParaRPr lang="fr-FR" sz="1300"/>
-          </a:p>
-          <a:p>
-            <a:pPr>
-              <a:lnSpc>
-                <a:spcPct val="90000"/>
-              </a:lnSpc>
-            </a:pPr>
-            <a:r>
-              <a:rPr lang="fr-FR" sz="1300"/>
-              <a:t>Point d'entrée (package main ) : contient la classe Main avec la méthode main() qui lance l'application.</a:t>
-            </a:r>
-          </a:p>
-          <a:p>
-            <a:pPr>
-              <a:lnSpc>
-                <a:spcPct val="90000"/>
-              </a:lnSpc>
-            </a:pPr>
-            <a:endParaRPr lang="fr-FR" sz="1300"/>
-          </a:p>
-          <a:p>
-            <a:pPr>
-              <a:lnSpc>
-                <a:spcPct val="90000"/>
-              </a:lnSpc>
-            </a:pPr>
-            <a:endParaRPr lang="fr-FR" sz="1300"/>
-          </a:p>
-          <a:p>
-            <a:pPr>
-              <a:lnSpc>
-                <a:spcPct val="90000"/>
-              </a:lnSpc>
-            </a:pPr>
-            <a:r>
-              <a:rPr lang="fr-FR" sz="1300"/>
-              <a:t>Modèle (package model ) : contient la classe Instrument qui représente un instrument de musique avec son nom et les chemins vers ses ressources (image et fichier son).</a:t>
-            </a:r>
-          </a:p>
-          <a:p>
-            <a:pPr>
-              <a:lnSpc>
-                <a:spcPct val="90000"/>
-              </a:lnSpc>
-            </a:pPr>
-            <a:r>
-              <a:rPr lang="fr-FR" sz="1300"/>
-              <a:t>Vue / Interface graphique (package view ) : contient la classe MainWindow (fenêtre principale de l'application) et la classe InstrumentGuessPanel (panneau individuel pour deviner un instrument). InstrumentListPanel (Jliste de tout les instruments dans une barre latérale avec scroll dans un panneau titré "Instruments") et GameMenuBar (affiche le nombre de vies restantes et gère le bouton "Réinitialiser" pour relancer une partie). Ces classes s'occupent de la disposition à l’écran des composants, de la capture des actions de l'utilisateur et de l'affichage des résultats (images, messages).</a:t>
-            </a:r>
-          </a:p>
-          <a:p>
-            <a:pPr>
-              <a:lnSpc>
-                <a:spcPct val="90000"/>
-              </a:lnSpc>
-            </a:pPr>
-            <a:r>
-              <a:rPr lang="fr-FR" sz="1300"/>
-              <a:t>Contrôleur (package controller ) : contient la classe GameController qui gère la logique du jeu (chargement des instruments, sélection aléatoire, lecture des sons, vérification des réponses) et fait le lien entre les données et l'interface graphique.</a:t>
-            </a:r>
-          </a:p>
-          <a:p>
-            <a:pPr>
-              <a:lnSpc>
-                <a:spcPct val="90000"/>
-              </a:lnSpc>
-            </a:pPr>
-            <a:endParaRPr lang="fr-FR" sz="1300"/>
-          </a:p>
-          <a:p>
-            <a:pPr>
-              <a:lnSpc>
-                <a:spcPct val="90000"/>
-              </a:lnSpc>
-            </a:pPr>
-            <a:r>
-              <a:rPr lang="fr-FR" sz="1300"/>
-              <a:t>Découplage =&gt; maintenance &amp; tests facilités.</a:t>
-            </a:r>
-          </a:p>
-        </p:txBody>
-      </p:sp>
-    </p:spTree>
-  </p:cSld>
-  <p:clrMapOvr>
-    <a:masterClrMapping/>
-  </p:clrMapOvr>
-</p:sld>
-</file>
-
-<file path=ppt/slides/slide11.xml><?xml version="1.0" encoding="utf-8"?>
-<p:sld xmlns:a="http://schemas.openxmlformats.org/drawingml/2006/main" xmlns:r="http://schemas.openxmlformats.org/officeDocument/2006/relationships" xmlns:p="http://schemas.openxmlformats.org/presentationml/2006/main">
-  <p:cSld>
-    <p:bg>
-      <p:bgPr>
-        <a:solidFill>
-          <a:srgbClr val="FFEBEB"/>
-        </a:solidFill>
-        <a:effectLst/>
-      </p:bgPr>
-    </p:bg>
-    <p:spTree>
-      <p:nvGrpSpPr>
-        <p:cNvPr id="1" name=""/>
-        <p:cNvGrpSpPr/>
-        <p:nvPr/>
-      </p:nvGrpSpPr>
-      <p:grpSpPr>
-        <a:xfrm>
-          <a:off x="0" y="0"/>
-          <a:ext cx="0" cy="0"/>
-          <a:chOff x="0" y="0"/>
-          <a:chExt cx="0" cy="0"/>
-        </a:xfrm>
-      </p:grpSpPr>
-      <p:sp>
-        <p:nvSpPr>
-          <p:cNvPr id="2" name="Title 1"/>
-          <p:cNvSpPr>
-            <a:spLocks noGrp="1"/>
-          </p:cNvSpPr>
-          <p:nvPr>
-            <p:ph type="title"/>
-          </p:nvPr>
-        </p:nvSpPr>
-        <p:spPr/>
-        <p:txBody>
-          <a:bodyPr/>
-          <a:lstStyle/>
-          <a:p>
-            <a:r>
-              <a:t>Modèle : Instrument &amp; chargement</a:t>
-            </a:r>
-          </a:p>
-        </p:txBody>
-      </p:sp>
-      <p:sp>
-        <p:nvSpPr>
-          <p:cNvPr id="3" name="Content Placeholder 2"/>
-          <p:cNvSpPr>
-            <a:spLocks noGrp="1"/>
-          </p:cNvSpPr>
-          <p:nvPr>
-            <p:ph idx="1"/>
-          </p:nvPr>
-        </p:nvSpPr>
-        <p:spPr/>
-        <p:txBody>
-          <a:bodyPr>
-            <a:normAutofit/>
-          </a:bodyPr>
-          <a:lstStyle/>
-          <a:p>
-            <a:r>
-              <a:rPr sz="1800" b="1" dirty="0"/>
-              <a:t>Instrument.java : nom, </a:t>
-            </a:r>
-            <a:r>
-              <a:rPr sz="1800" b="1" dirty="0" err="1"/>
-              <a:t>imagePath</a:t>
-            </a:r>
-            <a:r>
-              <a:rPr sz="1800" b="1" dirty="0"/>
-              <a:t>, </a:t>
-            </a:r>
-            <a:r>
-              <a:rPr sz="1800" b="1" dirty="0" err="1"/>
-              <a:t>audioPath</a:t>
-            </a:r>
-            <a:r>
-              <a:rPr sz="1800" b="1" dirty="0"/>
+            <a:endParaRPr lang="fr-FR" sz="1900" dirty="0"/>
+          </a:p>
+          <a:p>
+            <a:r>
+              <a:rPr lang="fr-FR" sz="1900" b="1" dirty="0"/>
+              <a:t>Objectif : démonstration d'un projet IHM Java Swing.</a:t>
+            </a:r>
+          </a:p>
+          <a:p>
+            <a:r>
+              <a:rPr lang="fr-FR" sz="1900" b="1" dirty="0"/>
+              <a:t>Application : « Sound of World », jeu éducatif de reconnaissance</a:t>
+            </a:r>
+            <a:r>
+              <a:rPr lang="fr-FR" sz="1900" dirty="0"/>
               <a:t>.</a:t>
             </a:r>
           </a:p>
           <a:p>
-            <a:r>
-              <a:rPr sz="1800" b="1" dirty="0" err="1"/>
-              <a:t>Chargement</a:t>
-            </a:r>
-            <a:r>
-              <a:rPr sz="1800" b="1" dirty="0"/>
-              <a:t> </a:t>
-            </a:r>
-            <a:r>
-              <a:rPr sz="1800" b="1" dirty="0" err="1"/>
-              <a:t>dynamique</a:t>
-            </a:r>
-            <a:r>
-              <a:rPr sz="1800" b="1" dirty="0"/>
-              <a:t> via </a:t>
-            </a:r>
-            <a:r>
-              <a:rPr sz="1800" b="1" dirty="0" err="1"/>
-              <a:t>loadInstruments</a:t>
-            </a:r>
-            <a:r>
-              <a:rPr sz="1800" b="1" dirty="0"/>
-              <a:t>().</a:t>
-            </a:r>
-          </a:p>
-        </p:txBody>
-      </p:sp>
-      <p:sp>
-        <p:nvSpPr>
-          <p:cNvPr id="4" name="TextBox 3"/>
-          <p:cNvSpPr txBox="1"/>
-          <p:nvPr/>
-        </p:nvSpPr>
-        <p:spPr>
-          <a:xfrm>
-            <a:off x="457200" y="2609472"/>
-            <a:ext cx="5303520" cy="3323987"/>
-          </a:xfrm>
-          <a:prstGeom prst="rect">
-            <a:avLst/>
-          </a:prstGeom>
-          <a:noFill/>
-        </p:spPr>
-        <p:txBody>
-          <a:bodyPr wrap="square">
-            <a:spAutoFit/>
-          </a:bodyPr>
-          <a:lstStyle/>
-          <a:p>
-            <a:r>
-              <a:rPr sz="800" dirty="0">
-                <a:latin typeface="Consolas"/>
-              </a:rPr>
-              <a:t>public class Instrument {
-    private final String nom;         // Instrument name
-    private final String </a:t>
-            </a:r>
-            <a:r>
-              <a:rPr sz="800" dirty="0" err="1">
-                <a:latin typeface="Consolas"/>
-              </a:rPr>
-              <a:t>imagePath</a:t>
-            </a:r>
-            <a:r>
-              <a:rPr sz="800" dirty="0">
-                <a:latin typeface="Consolas"/>
-              </a:rPr>
-              <a:t>;   // Path to image (.jpg)
-    private final String </a:t>
-            </a:r>
-            <a:r>
-              <a:rPr sz="800" dirty="0" err="1">
-                <a:latin typeface="Consolas"/>
-              </a:rPr>
-              <a:t>audioPath</a:t>
-            </a:r>
-            <a:r>
-              <a:rPr sz="800" dirty="0">
-                <a:latin typeface="Consolas"/>
-              </a:rPr>
-              <a:t>;   // Path to sound (.wav)
-    public Instrument(String nom, String </a:t>
-            </a:r>
-            <a:r>
-              <a:rPr sz="800" dirty="0" err="1">
-                <a:latin typeface="Consolas"/>
-              </a:rPr>
-              <a:t>imagePath</a:t>
-            </a:r>
-            <a:r>
-              <a:rPr sz="800" dirty="0">
-                <a:latin typeface="Consolas"/>
-              </a:rPr>
-              <a:t>, String </a:t>
-            </a:r>
-            <a:r>
-              <a:rPr sz="800" dirty="0" err="1">
-                <a:latin typeface="Consolas"/>
-              </a:rPr>
-              <a:t>audioPath</a:t>
-            </a:r>
-            <a:r>
-              <a:rPr sz="800" dirty="0">
-                <a:latin typeface="Consolas"/>
-              </a:rPr>
-              <a:t>) {
-        </a:t>
-            </a:r>
-            <a:r>
-              <a:rPr sz="800" dirty="0" err="1">
-                <a:latin typeface="Consolas"/>
-              </a:rPr>
-              <a:t>this.nom</a:t>
-            </a:r>
-            <a:r>
-              <a:rPr sz="800" dirty="0">
-                <a:latin typeface="Consolas"/>
-              </a:rPr>
-              <a:t> = nom;
-        </a:t>
-            </a:r>
-            <a:r>
-              <a:rPr sz="800" dirty="0" err="1">
-                <a:latin typeface="Consolas"/>
-              </a:rPr>
-              <a:t>this.imagePath</a:t>
-            </a:r>
-            <a:r>
-              <a:rPr sz="800" dirty="0">
-                <a:latin typeface="Consolas"/>
-              </a:rPr>
-              <a:t> = </a:t>
-            </a:r>
-            <a:r>
-              <a:rPr sz="800" dirty="0" err="1">
-                <a:latin typeface="Consolas"/>
-              </a:rPr>
-              <a:t>imagePath</a:t>
-            </a:r>
-            <a:r>
-              <a:rPr sz="800" dirty="0">
-                <a:latin typeface="Consolas"/>
-              </a:rPr>
-              <a:t>;
-        </a:t>
-            </a:r>
-            <a:r>
-              <a:rPr sz="800" dirty="0" err="1">
-                <a:latin typeface="Consolas"/>
-              </a:rPr>
-              <a:t>this.audioPath</a:t>
-            </a:r>
-            <a:r>
-              <a:rPr sz="800" dirty="0">
-                <a:latin typeface="Consolas"/>
-              </a:rPr>
-              <a:t> = </a:t>
-            </a:r>
-            <a:r>
-              <a:rPr sz="800" dirty="0" err="1">
-                <a:latin typeface="Consolas"/>
-              </a:rPr>
-              <a:t>audioPath</a:t>
-            </a:r>
-            <a:r>
-              <a:rPr sz="800" dirty="0">
-                <a:latin typeface="Consolas"/>
-              </a:rPr>
-              <a:t>;
-    }
-    public String </a:t>
-            </a:r>
-            <a:r>
-              <a:rPr sz="800" dirty="0" err="1">
-                <a:latin typeface="Consolas"/>
-              </a:rPr>
-              <a:t>getName</a:t>
-            </a:r>
-            <a:r>
-              <a:rPr sz="800" dirty="0">
-                <a:latin typeface="Consolas"/>
-              </a:rPr>
-              <a:t>() {
-        return nom;
-    }
-    public String </a:t>
-            </a:r>
-            <a:r>
-              <a:rPr sz="800" dirty="0" err="1">
-                <a:latin typeface="Consolas"/>
-              </a:rPr>
-              <a:t>getImagePath</a:t>
-            </a:r>
-            <a:r>
-              <a:rPr sz="800" dirty="0">
-                <a:latin typeface="Consolas"/>
-              </a:rPr>
-              <a:t>() {
-        return </a:t>
-            </a:r>
-            <a:r>
-              <a:rPr sz="800" dirty="0" err="1">
-                <a:latin typeface="Consolas"/>
-              </a:rPr>
-              <a:t>imagePath</a:t>
-            </a:r>
-            <a:r>
-              <a:rPr sz="800" dirty="0">
-                <a:latin typeface="Consolas"/>
-              </a:rPr>
-              <a:t>;
-    }
-    public String </a:t>
-            </a:r>
-            <a:r>
-              <a:rPr sz="800" dirty="0" err="1">
-                <a:latin typeface="Consolas"/>
-              </a:rPr>
-              <a:t>getAudioPath</a:t>
-            </a:r>
-            <a:r>
-              <a:rPr sz="800" dirty="0">
-                <a:latin typeface="Consolas"/>
-              </a:rPr>
-              <a:t>() {
-...
-        </a:t>
-            </a:r>
-            <a:r>
-              <a:rPr sz="800" dirty="0" err="1">
-                <a:latin typeface="Consolas"/>
-              </a:rPr>
-              <a:t>this.allInstruments</a:t>
-            </a:r>
-            <a:r>
-              <a:rPr sz="800" dirty="0">
-                <a:latin typeface="Consolas"/>
-              </a:rPr>
-              <a:t> = </a:t>
-            </a:r>
-            <a:r>
-              <a:rPr sz="800" dirty="0" err="1">
-                <a:latin typeface="Consolas"/>
-              </a:rPr>
-              <a:t>loadInstruments</a:t>
-            </a:r>
-            <a:r>
-              <a:rPr sz="800" dirty="0">
-                <a:latin typeface="Consolas"/>
-              </a:rPr>
-              <a:t>();
-        </a:t>
-            </a:r>
-            <a:r>
-              <a:rPr sz="800" dirty="0" err="1">
-                <a:latin typeface="Consolas"/>
-              </a:rPr>
-              <a:t>this.currentGameInstruments</a:t>
-            </a:r>
-            <a:r>
-              <a:rPr sz="800" dirty="0">
-                <a:latin typeface="Consolas"/>
-              </a:rPr>
-              <a:t> = new </a:t>
-            </a:r>
-            <a:r>
-              <a:rPr sz="800" dirty="0" err="1">
-                <a:latin typeface="Consolas"/>
-              </a:rPr>
-              <a:t>ArrayList</a:t>
-            </a:r>
-            <a:r>
-              <a:rPr sz="800" dirty="0">
-                <a:latin typeface="Consolas"/>
-              </a:rPr>
-              <a:t>&lt;&gt;();
-        </a:t>
-            </a:r>
-            <a:r>
-              <a:rPr sz="800" dirty="0" err="1">
-                <a:latin typeface="Consolas"/>
-              </a:rPr>
-              <a:t>this.remainingInstruments</a:t>
-            </a:r>
-            <a:r>
-              <a:rPr sz="800" dirty="0">
-                <a:latin typeface="Consolas"/>
-              </a:rPr>
-              <a:t> = new </a:t>
-            </a:r>
-            <a:r>
-              <a:rPr sz="800" dirty="0" err="1">
-                <a:latin typeface="Consolas"/>
-              </a:rPr>
-              <a:t>ArrayList</a:t>
-            </a:r>
-            <a:r>
-              <a:rPr sz="800" dirty="0">
-                <a:latin typeface="Consolas"/>
-              </a:rPr>
-              <a:t>&lt;&gt;();
-</a:t>
-            </a:r>
-            <a:r>
-              <a:rPr sz="600" dirty="0">
-                <a:latin typeface="Consolas"/>
-              </a:rPr>
-              <a:t>
-    }
-</a:t>
-            </a:r>
-          </a:p>
-        </p:txBody>
-      </p:sp>
-      <p:pic>
-        <p:nvPicPr>
-          <p:cNvPr id="6" name="Image 5" descr="Une image contenant musique, tambour, instrument de musique, Membranophone&#10;&#10;Le contenu généré par l’IA peut être incorrect.">
-            <a:extLst>
-              <a:ext uri="{FF2B5EF4-FFF2-40B4-BE49-F238E27FC236}">
-                <a16:creationId xmlns:a16="http://schemas.microsoft.com/office/drawing/2014/main" id="{690172A5-758F-0725-A763-547F8200A5F4}"/>
-              </a:ext>
-            </a:extLst>
-          </p:cNvPr>
-          <p:cNvPicPr>
-            <a:picLocks noChangeAspect="1"/>
-          </p:cNvPicPr>
-          <p:nvPr/>
-        </p:nvPicPr>
-        <p:blipFill>
-          <a:blip r:embed="rId2"/>
-          <a:stretch>
-            <a:fillRect/>
-          </a:stretch>
-        </p:blipFill>
-        <p:spPr>
-          <a:xfrm>
-            <a:off x="5731853" y="4379977"/>
-            <a:ext cx="3412148" cy="2478024"/>
-          </a:xfrm>
-          <a:prstGeom prst="rect">
-            <a:avLst/>
-          </a:prstGeom>
-        </p:spPr>
-      </p:pic>
-    </p:spTree>
-  </p:cSld>
-  <p:clrMapOvr>
-    <a:masterClrMapping/>
-  </p:clrMapOvr>
-</p:sld>
-</file>
-
-<file path=ppt/slides/slide12.xml><?xml version="1.0" encoding="utf-8"?>
-<p:sld xmlns:a="http://schemas.openxmlformats.org/drawingml/2006/main" xmlns:r="http://schemas.openxmlformats.org/officeDocument/2006/relationships" xmlns:p="http://schemas.openxmlformats.org/presentationml/2006/main">
-  <p:cSld>
-    <p:bg>
-      <p:bgPr>
-        <a:solidFill>
-          <a:schemeClr val="bg1"/>
-        </a:solidFill>
-        <a:effectLst/>
-      </p:bgPr>
-    </p:bg>
-    <p:spTree>
-      <p:nvGrpSpPr>
-        <p:cNvPr id="1" name=""/>
-        <p:cNvGrpSpPr/>
-        <p:nvPr/>
-      </p:nvGrpSpPr>
-      <p:grpSpPr>
-        <a:xfrm>
-          <a:off x="0" y="0"/>
-          <a:ext cx="0" cy="0"/>
-          <a:chOff x="0" y="0"/>
-          <a:chExt cx="0" cy="0"/>
-        </a:xfrm>
-      </p:grpSpPr>
-      <p:sp useBgFill="1">
-        <p:nvSpPr>
-          <p:cNvPr id="8" name="Rectangle 7">
-            <a:extLst>
-              <a:ext uri="{FF2B5EF4-FFF2-40B4-BE49-F238E27FC236}">
-                <a16:creationId xmlns:a16="http://schemas.microsoft.com/office/drawing/2014/main" id="{100EDD19-6802-4EC3-95CE-CFFAB042CFD6}"/>
-              </a:ext>
-              <a:ext uri="{C183D7F6-B498-43B3-948B-1728B52AA6E4}">
-                <adec:decorative xmlns:adec="http://schemas.microsoft.com/office/drawing/2017/decorative" val="1"/>
-              </a:ext>
-            </a:extLst>
-          </p:cNvPr>
-          <p:cNvSpPr>
-            <a:spLocks noGrp="1" noRot="1" noChangeAspect="1" noMove="1" noResize="1" noEditPoints="1" noAdjustHandles="1" noChangeArrowheads="1" noChangeShapeType="1" noTextEdit="1"/>
-          </p:cNvSpPr>
-          <p:nvPr>
-            <p:extLst>
-              <p:ext uri="{386F3935-93C4-4BCD-93E2-E3B085C9AB24}">
-                <p16:designElem xmlns:p16="http://schemas.microsoft.com/office/powerpoint/2015/main" val="1"/>
-              </p:ext>
-            </p:extLst>
-          </p:nvPr>
-        </p:nvSpPr>
-        <p:spPr>
-          <a:xfrm>
-            <a:off x="0" y="0"/>
-            <a:ext cx="9141714" cy="6858000"/>
-          </a:xfrm>
-          <a:prstGeom prst="rect">
-            <a:avLst/>
-          </a:prstGeom>
-          <a:ln>
-            <a:noFill/>
-          </a:ln>
-        </p:spPr>
-        <p:style>
-          <a:lnRef idx="2">
-            <a:schemeClr val="accent1">
-              <a:shade val="50000"/>
-            </a:schemeClr>
-          </a:lnRef>
-          <a:fillRef idx="1">
-            <a:schemeClr val="accent1"/>
-          </a:fillRef>
-          <a:effectRef idx="0">
-            <a:schemeClr val="accent1"/>
-          </a:effectRef>
-          <a:fontRef idx="minor">
-            <a:schemeClr val="lt1"/>
-          </a:fontRef>
-        </p:style>
-        <p:txBody>
-          <a:bodyPr rtlCol="0" anchor="ctr"/>
-          <a:lstStyle/>
-          <a:p>
-            <a:pPr algn="ctr"/>
-            <a:endParaRPr lang="en-US"/>
-          </a:p>
-        </p:txBody>
-      </p:sp>
-      <p:sp>
-        <p:nvSpPr>
-          <p:cNvPr id="2" name="Title 1"/>
-          <p:cNvSpPr>
-            <a:spLocks noGrp="1"/>
-          </p:cNvSpPr>
-          <p:nvPr>
-            <p:ph type="title"/>
-          </p:nvPr>
-        </p:nvSpPr>
-        <p:spPr>
-          <a:xfrm>
-            <a:off x="628650" y="365125"/>
-            <a:ext cx="7886700" cy="1325563"/>
-          </a:xfrm>
-        </p:spPr>
-        <p:txBody>
-          <a:bodyPr>
-            <a:normAutofit/>
-          </a:bodyPr>
-          <a:lstStyle/>
-          <a:p>
-            <a:r>
-              <a:rPr lang="fr-CH" sz="4700"/>
-              <a:t> Algorithme de Vérification</a:t>
-            </a:r>
-          </a:p>
-        </p:txBody>
-      </p:sp>
-      <p:sp>
-        <p:nvSpPr>
-          <p:cNvPr id="10" name="sketch line">
-            <a:extLst>
-              <a:ext uri="{FF2B5EF4-FFF2-40B4-BE49-F238E27FC236}">
-                <a16:creationId xmlns:a16="http://schemas.microsoft.com/office/drawing/2014/main" id="{DB17E863-922E-4C26-BD64-E8FD41D28661}"/>
-              </a:ext>
-              <a:ext uri="{C183D7F6-B498-43B3-948B-1728B52AA6E4}">
-                <adec:decorative xmlns:adec="http://schemas.microsoft.com/office/drawing/2017/decorative" val="1"/>
-              </a:ext>
-            </a:extLst>
-          </p:cNvPr>
-          <p:cNvSpPr>
-            <a:spLocks noGrp="1" noRot="1" noChangeAspect="1" noMove="1" noResize="1" noEditPoints="1" noAdjustHandles="1" noChangeArrowheads="1" noChangeShapeType="1" noTextEdit="1"/>
-          </p:cNvSpPr>
-          <p:nvPr>
-            <p:extLst>
-              <p:ext uri="{386F3935-93C4-4BCD-93E2-E3B085C9AB24}">
-                <p16:designElem xmlns:p16="http://schemas.microsoft.com/office/powerpoint/2015/main" val="1"/>
-              </p:ext>
-            </p:extLst>
-          </p:nvPr>
-        </p:nvSpPr>
-        <p:spPr>
-          <a:xfrm>
-            <a:off x="501777" y="1677373"/>
-            <a:ext cx="8140446" cy="18288"/>
-          </a:xfrm>
-          <a:custGeom>
-            <a:avLst/>
-            <a:gdLst>
-              <a:gd name="connsiteX0" fmla="*/ 0 w 8140446"/>
-              <a:gd name="connsiteY0" fmla="*/ 0 h 18288"/>
-              <a:gd name="connsiteX1" fmla="*/ 434157 w 8140446"/>
-              <a:gd name="connsiteY1" fmla="*/ 0 h 18288"/>
-              <a:gd name="connsiteX2" fmla="*/ 1193932 w 8140446"/>
-              <a:gd name="connsiteY2" fmla="*/ 0 h 18288"/>
-              <a:gd name="connsiteX3" fmla="*/ 1628089 w 8140446"/>
-              <a:gd name="connsiteY3" fmla="*/ 0 h 18288"/>
-              <a:gd name="connsiteX4" fmla="*/ 2225055 w 8140446"/>
-              <a:gd name="connsiteY4" fmla="*/ 0 h 18288"/>
-              <a:gd name="connsiteX5" fmla="*/ 3066235 w 8140446"/>
-              <a:gd name="connsiteY5" fmla="*/ 0 h 18288"/>
-              <a:gd name="connsiteX6" fmla="*/ 3744605 w 8140446"/>
-              <a:gd name="connsiteY6" fmla="*/ 0 h 18288"/>
-              <a:gd name="connsiteX7" fmla="*/ 4504380 w 8140446"/>
-              <a:gd name="connsiteY7" fmla="*/ 0 h 18288"/>
-              <a:gd name="connsiteX8" fmla="*/ 5101346 w 8140446"/>
-              <a:gd name="connsiteY8" fmla="*/ 0 h 18288"/>
-              <a:gd name="connsiteX9" fmla="*/ 5779717 w 8140446"/>
-              <a:gd name="connsiteY9" fmla="*/ 0 h 18288"/>
-              <a:gd name="connsiteX10" fmla="*/ 6620896 w 8140446"/>
-              <a:gd name="connsiteY10" fmla="*/ 0 h 18288"/>
-              <a:gd name="connsiteX11" fmla="*/ 7136458 w 8140446"/>
-              <a:gd name="connsiteY11" fmla="*/ 0 h 18288"/>
-              <a:gd name="connsiteX12" fmla="*/ 8140446 w 8140446"/>
-              <a:gd name="connsiteY12" fmla="*/ 0 h 18288"/>
-              <a:gd name="connsiteX13" fmla="*/ 8140446 w 8140446"/>
-              <a:gd name="connsiteY13" fmla="*/ 18288 h 18288"/>
-              <a:gd name="connsiteX14" fmla="*/ 7543480 w 8140446"/>
-              <a:gd name="connsiteY14" fmla="*/ 18288 h 18288"/>
-              <a:gd name="connsiteX15" fmla="*/ 7109323 w 8140446"/>
-              <a:gd name="connsiteY15" fmla="*/ 18288 h 18288"/>
-              <a:gd name="connsiteX16" fmla="*/ 6430952 w 8140446"/>
-              <a:gd name="connsiteY16" fmla="*/ 18288 h 18288"/>
-              <a:gd name="connsiteX17" fmla="*/ 5915391 w 8140446"/>
-              <a:gd name="connsiteY17" fmla="*/ 18288 h 18288"/>
-              <a:gd name="connsiteX18" fmla="*/ 5237020 w 8140446"/>
-              <a:gd name="connsiteY18" fmla="*/ 18288 h 18288"/>
-              <a:gd name="connsiteX19" fmla="*/ 4558650 w 8140446"/>
-              <a:gd name="connsiteY19" fmla="*/ 18288 h 18288"/>
-              <a:gd name="connsiteX20" fmla="*/ 3880279 w 8140446"/>
-              <a:gd name="connsiteY20" fmla="*/ 18288 h 18288"/>
-              <a:gd name="connsiteX21" fmla="*/ 3201909 w 8140446"/>
-              <a:gd name="connsiteY21" fmla="*/ 18288 h 18288"/>
-              <a:gd name="connsiteX22" fmla="*/ 2604943 w 8140446"/>
-              <a:gd name="connsiteY22" fmla="*/ 18288 h 18288"/>
-              <a:gd name="connsiteX23" fmla="*/ 1845168 w 8140446"/>
-              <a:gd name="connsiteY23" fmla="*/ 18288 h 18288"/>
-              <a:gd name="connsiteX24" fmla="*/ 1166797 w 8140446"/>
-              <a:gd name="connsiteY24" fmla="*/ 18288 h 18288"/>
-              <a:gd name="connsiteX25" fmla="*/ 0 w 8140446"/>
-              <a:gd name="connsiteY25" fmla="*/ 18288 h 18288"/>
-              <a:gd name="connsiteX26" fmla="*/ 0 w 8140446"/>
-              <a:gd name="connsiteY26" fmla="*/ 0 h 18288"/>
-            </a:gdLst>
-            <a:ahLst/>
-            <a:cxnLst>
-              <a:cxn ang="0">
-                <a:pos x="connsiteX0" y="connsiteY0"/>
-              </a:cxn>
-              <a:cxn ang="0">
-                <a:pos x="connsiteX1" y="connsiteY1"/>
-              </a:cxn>
-              <a:cxn ang="0">
-                <a:pos x="connsiteX2" y="connsiteY2"/>
-              </a:cxn>
-              <a:cxn ang="0">
-                <a:pos x="connsiteX3" y="connsiteY3"/>
-              </a:cxn>
-              <a:cxn ang="0">
-                <a:pos x="connsiteX4" y="connsiteY4"/>
-              </a:cxn>
-              <a:cxn ang="0">
-                <a:pos x="connsiteX5" y="connsiteY5"/>
-              </a:cxn>
-              <a:cxn ang="0">
-                <a:pos x="connsiteX6" y="connsiteY6"/>
-              </a:cxn>
-              <a:cxn ang="0">
-                <a:pos x="connsiteX7" y="connsiteY7"/>
-              </a:cxn>
-              <a:cxn ang="0">
-                <a:pos x="connsiteX8" y="connsiteY8"/>
-              </a:cxn>
-              <a:cxn ang="0">
-                <a:pos x="connsiteX9" y="connsiteY9"/>
-              </a:cxn>
-              <a:cxn ang="0">
-                <a:pos x="connsiteX10" y="connsiteY10"/>
-              </a:cxn>
-              <a:cxn ang="0">
-                <a:pos x="connsiteX11" y="connsiteY11"/>
-              </a:cxn>
-              <a:cxn ang="0">
-                <a:pos x="connsiteX12" y="connsiteY12"/>
-              </a:cxn>
-              <a:cxn ang="0">
-                <a:pos x="connsiteX13" y="connsiteY13"/>
-              </a:cxn>
-              <a:cxn ang="0">
-                <a:pos x="connsiteX14" y="connsiteY14"/>
-              </a:cxn>
-              <a:cxn ang="0">
-                <a:pos x="connsiteX15" y="connsiteY15"/>
-              </a:cxn>
-              <a:cxn ang="0">
-                <a:pos x="connsiteX16" y="connsiteY16"/>
-              </a:cxn>
-              <a:cxn ang="0">
-                <a:pos x="connsiteX17" y="connsiteY17"/>
-              </a:cxn>
-              <a:cxn ang="0">
-                <a:pos x="connsiteX18" y="connsiteY18"/>
-              </a:cxn>
-              <a:cxn ang="0">
-                <a:pos x="connsiteX19" y="connsiteY19"/>
-              </a:cxn>
-              <a:cxn ang="0">
-                <a:pos x="connsiteX20" y="connsiteY20"/>
-              </a:cxn>
-              <a:cxn ang="0">
-                <a:pos x="connsiteX21" y="connsiteY21"/>
-              </a:cxn>
-              <a:cxn ang="0">
-                <a:pos x="connsiteX22" y="connsiteY22"/>
-              </a:cxn>
-              <a:cxn ang="0">
-                <a:pos x="connsiteX23" y="connsiteY23"/>
-              </a:cxn>
-              <a:cxn ang="0">
-                <a:pos x="connsiteX24" y="connsiteY24"/>
-              </a:cxn>
-              <a:cxn ang="0">
-                <a:pos x="connsiteX25" y="connsiteY25"/>
-              </a:cxn>
-              <a:cxn ang="0">
-                <a:pos x="connsiteX26" y="connsiteY26"/>
-              </a:cxn>
-            </a:cxnLst>
-            <a:rect l="l" t="t" r="r" b="b"/>
-            <a:pathLst>
-              <a:path w="8140446" h="18288" fill="none" extrusionOk="0">
-                <a:moveTo>
-                  <a:pt x="0" y="0"/>
-                </a:moveTo>
-                <a:cubicBezTo>
-                  <a:pt x="94920" y="9103"/>
-                  <a:pt x="287892" y="-4966"/>
-                  <a:pt x="434157" y="0"/>
-                </a:cubicBezTo>
-                <a:cubicBezTo>
-                  <a:pt x="580422" y="4966"/>
-                  <a:pt x="943595" y="-14182"/>
-                  <a:pt x="1193932" y="0"/>
-                </a:cubicBezTo>
-                <a:cubicBezTo>
-                  <a:pt x="1444270" y="14182"/>
-                  <a:pt x="1472129" y="5523"/>
-                  <a:pt x="1628089" y="0"/>
-                </a:cubicBezTo>
-                <a:cubicBezTo>
-                  <a:pt x="1784049" y="-5523"/>
-                  <a:pt x="1962419" y="-17322"/>
-                  <a:pt x="2225055" y="0"/>
-                </a:cubicBezTo>
-                <a:cubicBezTo>
-                  <a:pt x="2487691" y="17322"/>
-                  <a:pt x="2700681" y="1311"/>
-                  <a:pt x="3066235" y="0"/>
-                </a:cubicBezTo>
-                <a:cubicBezTo>
-                  <a:pt x="3431789" y="-1311"/>
-                  <a:pt x="3405662" y="25081"/>
-                  <a:pt x="3744605" y="0"/>
-                </a:cubicBezTo>
-                <a:cubicBezTo>
-                  <a:pt x="4083548" y="-25081"/>
-                  <a:pt x="4265111" y="-11945"/>
-                  <a:pt x="4504380" y="0"/>
-                </a:cubicBezTo>
-                <a:cubicBezTo>
-                  <a:pt x="4743649" y="11945"/>
-                  <a:pt x="4860394" y="-2832"/>
-                  <a:pt x="5101346" y="0"/>
-                </a:cubicBezTo>
-                <a:cubicBezTo>
-                  <a:pt x="5342298" y="2832"/>
-                  <a:pt x="5456387" y="23676"/>
-                  <a:pt x="5779717" y="0"/>
-                </a:cubicBezTo>
-                <a:cubicBezTo>
-                  <a:pt x="6103047" y="-23676"/>
-                  <a:pt x="6270379" y="-37291"/>
-                  <a:pt x="6620896" y="0"/>
-                </a:cubicBezTo>
-                <a:cubicBezTo>
-                  <a:pt x="6971413" y="37291"/>
-                  <a:pt x="6989068" y="24674"/>
-                  <a:pt x="7136458" y="0"/>
-                </a:cubicBezTo>
-                <a:cubicBezTo>
-                  <a:pt x="7283848" y="-24674"/>
-                  <a:pt x="7752532" y="-22436"/>
-                  <a:pt x="8140446" y="0"/>
-                </a:cubicBezTo>
-                <a:cubicBezTo>
-                  <a:pt x="8140314" y="7702"/>
-                  <a:pt x="8140234" y="13511"/>
-                  <a:pt x="8140446" y="18288"/>
-                </a:cubicBezTo>
-                <a:cubicBezTo>
-                  <a:pt x="7906329" y="-3043"/>
-                  <a:pt x="7681180" y="27465"/>
-                  <a:pt x="7543480" y="18288"/>
-                </a:cubicBezTo>
-                <a:cubicBezTo>
-                  <a:pt x="7405780" y="9111"/>
-                  <a:pt x="7216607" y="3660"/>
-                  <a:pt x="7109323" y="18288"/>
-                </a:cubicBezTo>
-                <a:cubicBezTo>
-                  <a:pt x="7002039" y="32916"/>
-                  <a:pt x="6576231" y="42692"/>
-                  <a:pt x="6430952" y="18288"/>
-                </a:cubicBezTo>
-                <a:cubicBezTo>
-                  <a:pt x="6285673" y="-6116"/>
-                  <a:pt x="6138840" y="34521"/>
-                  <a:pt x="5915391" y="18288"/>
-                </a:cubicBezTo>
-                <a:cubicBezTo>
-                  <a:pt x="5691942" y="2055"/>
-                  <a:pt x="5459460" y="51666"/>
-                  <a:pt x="5237020" y="18288"/>
-                </a:cubicBezTo>
-                <a:cubicBezTo>
-                  <a:pt x="5014580" y="-15090"/>
-                  <a:pt x="4747677" y="40449"/>
-                  <a:pt x="4558650" y="18288"/>
-                </a:cubicBezTo>
-                <a:cubicBezTo>
-                  <a:pt x="4369623" y="-3873"/>
-                  <a:pt x="4146061" y="12568"/>
-                  <a:pt x="3880279" y="18288"/>
-                </a:cubicBezTo>
-                <a:cubicBezTo>
-                  <a:pt x="3614497" y="24008"/>
-                  <a:pt x="3473808" y="-12908"/>
-                  <a:pt x="3201909" y="18288"/>
-                </a:cubicBezTo>
-                <a:cubicBezTo>
-                  <a:pt x="2930010" y="49484"/>
-                  <a:pt x="2728175" y="-3430"/>
-                  <a:pt x="2604943" y="18288"/>
-                </a:cubicBezTo>
-                <a:cubicBezTo>
-                  <a:pt x="2481711" y="40006"/>
-                  <a:pt x="2004334" y="26952"/>
-                  <a:pt x="1845168" y="18288"/>
-                </a:cubicBezTo>
-                <a:cubicBezTo>
-                  <a:pt x="1686003" y="9624"/>
-                  <a:pt x="1375070" y="37580"/>
-                  <a:pt x="1166797" y="18288"/>
-                </a:cubicBezTo>
-                <a:cubicBezTo>
-                  <a:pt x="958524" y="-1004"/>
-                  <a:pt x="342846" y="8880"/>
-                  <a:pt x="0" y="18288"/>
-                </a:cubicBezTo>
-                <a:cubicBezTo>
-                  <a:pt x="129" y="13298"/>
-                  <a:pt x="-675" y="6857"/>
-                  <a:pt x="0" y="0"/>
-                </a:cubicBezTo>
-                <a:close/>
-              </a:path>
-              <a:path w="8140446" h="18288" stroke="0" extrusionOk="0">
-                <a:moveTo>
-                  <a:pt x="0" y="0"/>
-                </a:moveTo>
-                <a:cubicBezTo>
-                  <a:pt x="142435" y="-24533"/>
-                  <a:pt x="380026" y="17447"/>
-                  <a:pt x="596966" y="0"/>
-                </a:cubicBezTo>
-                <a:cubicBezTo>
-                  <a:pt x="813906" y="-17447"/>
-                  <a:pt x="830530" y="13462"/>
-                  <a:pt x="1031123" y="0"/>
-                </a:cubicBezTo>
-                <a:cubicBezTo>
-                  <a:pt x="1231716" y="-13462"/>
-                  <a:pt x="1634038" y="0"/>
-                  <a:pt x="1872303" y="0"/>
-                </a:cubicBezTo>
-                <a:cubicBezTo>
-                  <a:pt x="2110568" y="0"/>
-                  <a:pt x="2261934" y="-25727"/>
-                  <a:pt x="2469269" y="0"/>
-                </a:cubicBezTo>
-                <a:cubicBezTo>
-                  <a:pt x="2676604" y="25727"/>
-                  <a:pt x="2790440" y="16284"/>
-                  <a:pt x="3066235" y="0"/>
-                </a:cubicBezTo>
-                <a:cubicBezTo>
-                  <a:pt x="3342030" y="-16284"/>
-                  <a:pt x="3685603" y="41976"/>
-                  <a:pt x="3907414" y="0"/>
-                </a:cubicBezTo>
-                <a:cubicBezTo>
-                  <a:pt x="4129225" y="-41976"/>
-                  <a:pt x="4177416" y="-7598"/>
-                  <a:pt x="4422976" y="0"/>
-                </a:cubicBezTo>
-                <a:cubicBezTo>
-                  <a:pt x="4668536" y="7598"/>
-                  <a:pt x="5023499" y="-28058"/>
-                  <a:pt x="5264155" y="0"/>
-                </a:cubicBezTo>
-                <a:cubicBezTo>
-                  <a:pt x="5504811" y="28058"/>
-                  <a:pt x="5703675" y="13288"/>
-                  <a:pt x="6105335" y="0"/>
-                </a:cubicBezTo>
-                <a:cubicBezTo>
-                  <a:pt x="6506995" y="-13288"/>
-                  <a:pt x="6455516" y="-5124"/>
-                  <a:pt x="6783705" y="0"/>
-                </a:cubicBezTo>
-                <a:cubicBezTo>
-                  <a:pt x="7111894" y="5124"/>
-                  <a:pt x="7512856" y="10604"/>
-                  <a:pt x="8140446" y="0"/>
-                </a:cubicBezTo>
-                <a:cubicBezTo>
-                  <a:pt x="8140458" y="8833"/>
-                  <a:pt x="8140986" y="9830"/>
-                  <a:pt x="8140446" y="18288"/>
-                </a:cubicBezTo>
-                <a:cubicBezTo>
-                  <a:pt x="7959314" y="3345"/>
-                  <a:pt x="7870113" y="10437"/>
-                  <a:pt x="7706289" y="18288"/>
-                </a:cubicBezTo>
-                <a:cubicBezTo>
-                  <a:pt x="7542465" y="26139"/>
-                  <a:pt x="7157940" y="17482"/>
-                  <a:pt x="6865109" y="18288"/>
-                </a:cubicBezTo>
-                <a:cubicBezTo>
-                  <a:pt x="6572278" y="19094"/>
-                  <a:pt x="6524256" y="38051"/>
-                  <a:pt x="6349548" y="18288"/>
-                </a:cubicBezTo>
-                <a:cubicBezTo>
-                  <a:pt x="6174840" y="-1475"/>
-                  <a:pt x="5951624" y="174"/>
-                  <a:pt x="5671177" y="18288"/>
-                </a:cubicBezTo>
-                <a:cubicBezTo>
-                  <a:pt x="5390730" y="36402"/>
-                  <a:pt x="5222992" y="60058"/>
-                  <a:pt x="4829998" y="18288"/>
-                </a:cubicBezTo>
-                <a:cubicBezTo>
-                  <a:pt x="4437004" y="-23482"/>
-                  <a:pt x="4344181" y="39087"/>
-                  <a:pt x="4151627" y="18288"/>
-                </a:cubicBezTo>
-                <a:cubicBezTo>
-                  <a:pt x="3959073" y="-2511"/>
-                  <a:pt x="3886970" y="32875"/>
-                  <a:pt x="3717470" y="18288"/>
-                </a:cubicBezTo>
-                <a:cubicBezTo>
-                  <a:pt x="3547970" y="3701"/>
-                  <a:pt x="3451521" y="31872"/>
-                  <a:pt x="3201909" y="18288"/>
-                </a:cubicBezTo>
-                <a:cubicBezTo>
-                  <a:pt x="2952297" y="4704"/>
-                  <a:pt x="2543413" y="6029"/>
-                  <a:pt x="2360729" y="18288"/>
-                </a:cubicBezTo>
-                <a:cubicBezTo>
-                  <a:pt x="2178045" y="30547"/>
-                  <a:pt x="1906056" y="25847"/>
-                  <a:pt x="1682359" y="18288"/>
-                </a:cubicBezTo>
-                <a:cubicBezTo>
-                  <a:pt x="1458662" y="10730"/>
-                  <a:pt x="1330405" y="8046"/>
-                  <a:pt x="1166797" y="18288"/>
-                </a:cubicBezTo>
-                <a:cubicBezTo>
-                  <a:pt x="1003189" y="28530"/>
-                  <a:pt x="278098" y="19533"/>
-                  <a:pt x="0" y="18288"/>
-                </a:cubicBezTo>
-                <a:cubicBezTo>
-                  <a:pt x="74" y="14054"/>
-                  <a:pt x="-46" y="6997"/>
-                  <a:pt x="0" y="0"/>
-                </a:cubicBezTo>
-                <a:close/>
-              </a:path>
-            </a:pathLst>
-          </a:custGeom>
-          <a:solidFill>
-            <a:schemeClr val="accent2"/>
-          </a:solidFill>
-          <a:ln w="41275" cap="rnd">
-            <a:solidFill>
-              <a:schemeClr val="accent2"/>
-            </a:solidFill>
-            <a:round/>
-            <a:extLst>
-              <a:ext uri="{C807C97D-BFC1-408E-A445-0C87EB9F89A2}">
-                <ask:lineSketchStyleProps xmlns:ask="http://schemas.microsoft.com/office/drawing/2018/sketchyshapes" sd="1219033472">
-                  <a:prstGeom prst="rect">
-                    <a:avLst/>
-                  </a:prstGeom>
-                  <ask:type>
-                    <ask:lineSketchFreehand/>
-                  </ask:type>
-                </ask:lineSketchStyleProps>
-              </a:ext>
-            </a:extLst>
-          </a:ln>
-        </p:spPr>
-        <p:style>
-          <a:lnRef idx="2">
-            <a:schemeClr val="accent1">
-              <a:shade val="50000"/>
-            </a:schemeClr>
-          </a:lnRef>
-          <a:fillRef idx="1">
-            <a:schemeClr val="accent1"/>
-          </a:fillRef>
-          <a:effectRef idx="0">
-            <a:schemeClr val="accent1"/>
-          </a:effectRef>
-          <a:fontRef idx="minor">
-            <a:schemeClr val="lt1"/>
-          </a:fontRef>
-        </p:style>
-        <p:txBody>
-          <a:bodyPr rtlCol="0" anchor="ctr"/>
-          <a:lstStyle/>
-          <a:p>
-            <a:pPr algn="ctr"/>
-            <a:endParaRPr lang="en-US"/>
-          </a:p>
-        </p:txBody>
-      </p:sp>
-      <p:sp>
-        <p:nvSpPr>
-          <p:cNvPr id="3" name="Content Placeholder 2"/>
-          <p:cNvSpPr>
-            <a:spLocks noGrp="1"/>
-          </p:cNvSpPr>
-          <p:nvPr>
-            <p:ph idx="1"/>
-          </p:nvPr>
-        </p:nvSpPr>
-        <p:spPr>
-          <a:xfrm>
-            <a:off x="628650" y="1929384"/>
-            <a:ext cx="7886700" cy="4251960"/>
-          </a:xfrm>
-        </p:spPr>
-        <p:txBody>
-          <a:bodyPr>
-            <a:normAutofit/>
-          </a:bodyPr>
-          <a:lstStyle/>
-          <a:p>
-            <a:pPr>
-              <a:lnSpc>
-                <a:spcPct val="90000"/>
-              </a:lnSpc>
-            </a:pPr>
-            <a:r>
-              <a:rPr lang="en-GB" sz="1000" b="1"/>
-              <a:t>Casse des noms instruments</a:t>
-            </a:r>
-          </a:p>
-          <a:p>
-            <a:pPr>
-              <a:lnSpc>
-                <a:spcPct val="90000"/>
-              </a:lnSpc>
-            </a:pPr>
-            <a:r>
-              <a:rPr lang="en-GB" sz="1000" b="1" i="1"/>
-              <a:t>Mise à jour asynchrone pour éviter le blocage EDT</a:t>
-            </a:r>
-          </a:p>
-          <a:p>
-            <a:pPr>
-              <a:lnSpc>
-                <a:spcPct val="90000"/>
-              </a:lnSpc>
-            </a:pPr>
-            <a:endParaRPr lang="en-GB" sz="1000" b="1"/>
-          </a:p>
-          <a:p>
             <a:pPr marL="0" indent="0">
-              <a:lnSpc>
-                <a:spcPct val="90000"/>
-              </a:lnSpc>
               <a:buNone/>
             </a:pPr>
-            <a:r>
-              <a:rPr lang="en-GB" sz="1000"/>
-              <a:t>public boolean checkAnswer(String input, Instrument instrument) {    </a:t>
-            </a:r>
-          </a:p>
-          <a:p>
-            <a:pPr marL="0" indent="0">
-              <a:lnSpc>
-                <a:spcPct val="90000"/>
-              </a:lnSpc>
-              <a:buNone/>
-            </a:pPr>
-            <a:r>
-              <a:rPr lang="en-GB" sz="1000"/>
-              <a:t>	// Comparaison insensible à la casse + trim automatique   </a:t>
-            </a:r>
-          </a:p>
-          <a:p>
-            <a:pPr marL="0" indent="0">
-              <a:lnSpc>
-                <a:spcPct val="90000"/>
-              </a:lnSpc>
-              <a:buNone/>
-            </a:pPr>
-            <a:r>
-              <a:rPr lang="en-GB" sz="1000"/>
-              <a:t> 	boolean correct = instrument.getName().equalsIgnoreCase(input.trim());        </a:t>
-            </a:r>
-          </a:p>
-          <a:p>
-            <a:pPr marL="0" indent="0">
-              <a:lnSpc>
-                <a:spcPct val="90000"/>
-              </a:lnSpc>
-              <a:buNone/>
-            </a:pPr>
-            <a:endParaRPr lang="en-GB" sz="1000"/>
-          </a:p>
-          <a:p>
-            <a:pPr marL="0" indent="0">
-              <a:lnSpc>
-                <a:spcPct val="90000"/>
-              </a:lnSpc>
-              <a:buNone/>
-            </a:pPr>
-            <a:r>
-              <a:rPr lang="en-GB" sz="1000"/>
-              <a:t>	if (correct) {        </a:t>
-            </a:r>
-          </a:p>
-          <a:p>
-            <a:pPr marL="0" indent="0">
-              <a:lnSpc>
-                <a:spcPct val="90000"/>
-              </a:lnSpc>
-              <a:buNone/>
-            </a:pPr>
-            <a:r>
-              <a:rPr lang="en-GB" sz="1000"/>
-              <a:t>		// Suppression avec prédicat - Stream API interne       </a:t>
-            </a:r>
-          </a:p>
-          <a:p>
-            <a:pPr marL="0" indent="0">
-              <a:lnSpc>
-                <a:spcPct val="90000"/>
-              </a:lnSpc>
-              <a:buNone/>
-            </a:pPr>
-            <a:r>
-              <a:rPr lang="en-GB" sz="1000"/>
-              <a:t>	 	remainingInstruments.removeIf(i -&gt; i.getName().equalsIgnoreCase(instrument.getName()));             </a:t>
-            </a:r>
-          </a:p>
-          <a:p>
-            <a:pPr marL="0" indent="0">
-              <a:lnSpc>
-                <a:spcPct val="90000"/>
-              </a:lnSpc>
-              <a:buNone/>
-            </a:pPr>
-            <a:r>
-              <a:rPr lang="en-GB" sz="1000"/>
-              <a:t>   </a:t>
-            </a:r>
-          </a:p>
-          <a:p>
-            <a:pPr marL="0" indent="0">
-              <a:lnSpc>
-                <a:spcPct val="90000"/>
-              </a:lnSpc>
-              <a:buNone/>
-            </a:pPr>
-            <a:r>
-              <a:rPr lang="en-GB" sz="1000"/>
-              <a:t>		// Condition de victoire - Vérification immédiate       </a:t>
-            </a:r>
-          </a:p>
-          <a:p>
-            <a:pPr marL="0" indent="0">
-              <a:lnSpc>
-                <a:spcPct val="90000"/>
-              </a:lnSpc>
-              <a:buNone/>
-            </a:pPr>
-            <a:r>
-              <a:rPr lang="en-GB" sz="1000"/>
-              <a:t>		if (remainingInstruments.isEmpty()) {            </a:t>
-            </a:r>
-          </a:p>
-          <a:p>
-            <a:pPr marL="0" indent="0">
-              <a:lnSpc>
-                <a:spcPct val="90000"/>
-              </a:lnSpc>
-              <a:buNone/>
-            </a:pPr>
-            <a:r>
-              <a:rPr lang="en-GB" sz="1000"/>
-              <a:t>			// Thread-safety : Délégation à l'EDT            </a:t>
-            </a:r>
-          </a:p>
-          <a:p>
-            <a:pPr marL="0" indent="0">
-              <a:lnSpc>
-                <a:spcPct val="90000"/>
-              </a:lnSpc>
-              <a:buNone/>
-            </a:pPr>
-            <a:r>
-              <a:rPr lang="en-GB" sz="1000"/>
-              <a:t>			</a:t>
-            </a:r>
-            <a:r>
-              <a:rPr lang="en-GB" sz="1000" b="1"/>
-              <a:t>SwingUtilities.invokeLater</a:t>
-            </a:r>
-            <a:r>
-              <a:rPr lang="en-GB" sz="1000"/>
-              <a:t>(() -&gt; window.showVictoryDialog());        </a:t>
-            </a:r>
-          </a:p>
-          <a:p>
-            <a:pPr marL="0" indent="0">
-              <a:lnSpc>
-                <a:spcPct val="90000"/>
-              </a:lnSpc>
-              <a:buNone/>
-            </a:pPr>
-            <a:r>
-              <a:rPr lang="en-GB" sz="1000"/>
-              <a:t>}    } </a:t>
-            </a:r>
-          </a:p>
-          <a:p>
-            <a:pPr marL="0" indent="0">
-              <a:lnSpc>
-                <a:spcPct val="90000"/>
-              </a:lnSpc>
-              <a:buNone/>
-            </a:pPr>
-            <a:r>
-              <a:rPr lang="en-GB" sz="1000"/>
-              <a:t>return correct;</a:t>
-            </a:r>
-          </a:p>
-          <a:p>
-            <a:pPr marL="0" indent="0">
-              <a:lnSpc>
-                <a:spcPct val="90000"/>
-              </a:lnSpc>
-              <a:buNone/>
-            </a:pPr>
-            <a:endParaRPr lang="en-GB" sz="1000"/>
-          </a:p>
-          <a:p>
-            <a:pPr marL="0" indent="0">
-              <a:lnSpc>
-                <a:spcPct val="90000"/>
-              </a:lnSpc>
-              <a:buNone/>
-            </a:pPr>
-            <a:r>
-              <a:rPr lang="en-GB" sz="1000"/>
-              <a:t>Event Dispatch Thread (EDT) :</a:t>
-            </a:r>
-          </a:p>
-          <a:p>
-            <a:pPr marL="0" indent="0">
-              <a:lnSpc>
-                <a:spcPct val="90000"/>
-              </a:lnSpc>
-              <a:buNone/>
-            </a:pPr>
-            <a:r>
-              <a:rPr lang="en-GB" sz="1000"/>
-              <a:t>Toutes les modifications UI via SwingUtilities.invokeLater()</a:t>
-            </a:r>
-          </a:p>
-          <a:p>
-            <a:pPr marL="0" indent="0">
-              <a:lnSpc>
-                <a:spcPct val="90000"/>
-              </a:lnSpc>
-              <a:buNone/>
-            </a:pPr>
-            <a:r>
-              <a:rPr lang="en-GB" sz="1000"/>
-              <a:t>Évite les IllegalStateException et les corruptions d'affichage</a:t>
-            </a:r>
-          </a:p>
-          <a:p>
-            <a:pPr marL="0" indent="0">
-              <a:lnSpc>
-                <a:spcPct val="90000"/>
-              </a:lnSpc>
-              <a:buNone/>
-            </a:pPr>
-            <a:r>
-              <a:rPr lang="en-GB" sz="1000"/>
-              <a:t>Garantit la cohérence de l'état de l'interface</a:t>
-            </a:r>
-          </a:p>
-        </p:txBody>
-      </p:sp>
-    </p:spTree>
-  </p:cSld>
-  <p:clrMapOvr>
-    <a:masterClrMapping/>
-  </p:clrMapOvr>
-</p:sld>
-</file>
-
-<file path=ppt/slides/slide13.xml><?xml version="1.0" encoding="utf-8"?>
-<p:sld xmlns:a="http://schemas.openxmlformats.org/drawingml/2006/main" xmlns:r="http://schemas.openxmlformats.org/officeDocument/2006/relationships" xmlns:p="http://schemas.openxmlformats.org/presentationml/2006/main">
-  <p:cSld>
-    <p:bg>
-      <p:bgPr>
-        <a:solidFill>
-          <a:srgbClr val="FFF5FF"/>
-        </a:solidFill>
-        <a:effectLst/>
-      </p:bgPr>
-    </p:bg>
-    <p:spTree>
-      <p:nvGrpSpPr>
-        <p:cNvPr id="1" name=""/>
-        <p:cNvGrpSpPr/>
-        <p:nvPr/>
-      </p:nvGrpSpPr>
-      <p:grpSpPr>
-        <a:xfrm>
-          <a:off x="0" y="0"/>
-          <a:ext cx="0" cy="0"/>
-          <a:chOff x="0" y="0"/>
-          <a:chExt cx="0" cy="0"/>
-        </a:xfrm>
-      </p:grpSpPr>
-      <p:sp>
-        <p:nvSpPr>
-          <p:cNvPr id="2" name="Title 1"/>
-          <p:cNvSpPr>
-            <a:spLocks noGrp="1"/>
-          </p:cNvSpPr>
-          <p:nvPr>
-            <p:ph type="title"/>
-          </p:nvPr>
-        </p:nvSpPr>
-        <p:spPr/>
-        <p:txBody>
-          <a:bodyPr/>
-          <a:lstStyle/>
-          <a:p>
-            <a:r>
-              <a:t>Contrôleur : logique de jeu</a:t>
-            </a:r>
-          </a:p>
-        </p:txBody>
-      </p:sp>
-      <p:sp>
-        <p:nvSpPr>
-          <p:cNvPr id="3" name="Content Placeholder 2"/>
-          <p:cNvSpPr>
-            <a:spLocks noGrp="1"/>
-          </p:cNvSpPr>
-          <p:nvPr>
-            <p:ph idx="1"/>
-          </p:nvPr>
-        </p:nvSpPr>
-        <p:spPr/>
-        <p:txBody>
-          <a:bodyPr>
-            <a:normAutofit/>
-          </a:bodyPr>
-          <a:lstStyle/>
-          <a:p>
-            <a:endParaRPr lang="fr-CH" sz="1800" b="1" dirty="0"/>
-          </a:p>
-          <a:p>
-            <a:r>
-              <a:rPr lang="fr-FR" sz="1800" b="1" dirty="0" err="1"/>
-              <a:t>allInstruments</a:t>
-            </a:r>
-            <a:r>
-              <a:rPr lang="fr-FR" sz="1800" b="1" dirty="0"/>
-              <a:t> (Pool Global) → </a:t>
-            </a:r>
-            <a:r>
-              <a:rPr lang="fr-FR" sz="1800" b="1" dirty="0" err="1"/>
-              <a:t>currentGame</a:t>
-            </a:r>
-            <a:r>
-              <a:rPr lang="fr-FR" sz="1800" b="1" dirty="0"/>
-              <a:t> (6 sélectionnés) → </a:t>
-            </a:r>
-            <a:r>
-              <a:rPr lang="fr-FR" sz="1800" b="1" dirty="0" err="1"/>
-              <a:t>remaining</a:t>
-            </a:r>
-            <a:br>
-              <a:rPr lang="fr-FR" sz="1800" b="1" dirty="0"/>
-            </a:br>
-            <a:r>
-              <a:rPr lang="fr-FR" sz="1800" b="1" dirty="0"/>
-              <a:t>(Non devinés)</a:t>
-            </a:r>
-          </a:p>
-        </p:txBody>
-      </p:sp>
-      <p:sp>
-        <p:nvSpPr>
-          <p:cNvPr id="4" name="TextBox 3"/>
-          <p:cNvSpPr txBox="1"/>
-          <p:nvPr/>
-        </p:nvSpPr>
-        <p:spPr>
-          <a:xfrm>
-            <a:off x="457200" y="2632074"/>
-            <a:ext cx="5303520" cy="2462213"/>
-          </a:xfrm>
-          <a:prstGeom prst="rect">
-            <a:avLst/>
-          </a:prstGeom>
-          <a:noFill/>
-        </p:spPr>
-        <p:txBody>
-          <a:bodyPr wrap="square">
-            <a:spAutoFit/>
-          </a:bodyPr>
-          <a:lstStyle/>
-          <a:p>
-            <a:r>
-              <a:rPr lang="fr-CH" sz="1400" b="1" dirty="0" err="1"/>
-              <a:t>private</a:t>
-            </a:r>
-            <a:r>
-              <a:rPr lang="fr-CH" sz="1400" b="1" dirty="0"/>
-              <a:t> final</a:t>
-            </a:r>
-            <a:r>
-              <a:rPr lang="fr-CH" sz="1400" dirty="0"/>
-              <a:t> List&lt;Instrument&gt; </a:t>
-            </a:r>
-            <a:r>
-              <a:rPr lang="fr-CH" sz="1400" dirty="0" err="1"/>
-              <a:t>allInstruments</a:t>
-            </a:r>
-            <a:r>
-              <a:rPr lang="fr-CH" sz="1400" dirty="0"/>
-              <a:t>;</a:t>
-            </a:r>
-          </a:p>
-          <a:p>
-            <a:r>
-              <a:rPr lang="fr-CH" sz="1400" dirty="0"/>
-              <a:t> </a:t>
-            </a:r>
-            <a:r>
-              <a:rPr lang="fr-CH" sz="1400" i="1" dirty="0"/>
-              <a:t>// Pool complet</a:t>
-            </a:r>
-            <a:r>
-              <a:rPr lang="fr-CH" sz="1400" dirty="0"/>
-              <a:t> </a:t>
-            </a:r>
-          </a:p>
-          <a:p>
-            <a:endParaRPr lang="fr-CH" sz="1400" b="1" dirty="0"/>
-          </a:p>
-          <a:p>
-            <a:r>
-              <a:rPr lang="fr-CH" sz="1400" b="1" dirty="0" err="1"/>
-              <a:t>private</a:t>
-            </a:r>
-            <a:r>
-              <a:rPr lang="fr-CH" sz="1400" dirty="0"/>
-              <a:t> List&lt;Instrument&gt; </a:t>
-            </a:r>
-            <a:r>
-              <a:rPr lang="fr-CH" sz="1400" dirty="0" err="1"/>
-              <a:t>currentGameInstruments</a:t>
-            </a:r>
-            <a:r>
-              <a:rPr lang="fr-CH" sz="1400" dirty="0"/>
-              <a:t>; </a:t>
-            </a:r>
-          </a:p>
-          <a:p>
-            <a:r>
-              <a:rPr lang="fr-CH" sz="1400" i="1" dirty="0"/>
-              <a:t>// Sélection actuelle(6)</a:t>
-            </a:r>
-            <a:r>
-              <a:rPr lang="fr-CH" sz="1400" dirty="0"/>
-              <a:t> </a:t>
-            </a:r>
-          </a:p>
-          <a:p>
-            <a:endParaRPr lang="fr-CH" sz="1400" b="1" dirty="0"/>
-          </a:p>
-          <a:p>
-            <a:r>
-              <a:rPr lang="fr-CH" sz="1400" b="1" dirty="0" err="1"/>
-              <a:t>private</a:t>
-            </a:r>
-            <a:r>
-              <a:rPr lang="fr-CH" sz="1400" dirty="0"/>
-              <a:t> List&lt;Instrument&gt; </a:t>
-            </a:r>
-            <a:r>
-              <a:rPr lang="fr-CH" sz="1400" dirty="0" err="1"/>
-              <a:t>remainingInstruments</a:t>
-            </a:r>
-            <a:r>
-              <a:rPr lang="fr-CH" sz="1400" dirty="0"/>
-              <a:t>; </a:t>
-            </a:r>
-          </a:p>
-          <a:p>
-            <a:r>
-              <a:rPr lang="fr-CH" sz="1400" i="1" dirty="0"/>
-              <a:t>// À deviner</a:t>
-            </a:r>
-          </a:p>
-          <a:p>
-            <a:endParaRPr lang="fr-CH" sz="1400" i="1" dirty="0"/>
-          </a:p>
-          <a:p>
-            <a:r>
-              <a:rPr lang="fr-CH" sz="1400" dirty="0"/>
-              <a:t> </a:t>
-            </a:r>
-            <a:r>
-              <a:rPr lang="fr-CH" sz="1400" b="1" dirty="0" err="1"/>
-              <a:t>private</a:t>
-            </a:r>
-            <a:r>
-              <a:rPr lang="fr-CH" sz="1400" dirty="0"/>
-              <a:t> Clip </a:t>
-            </a:r>
-            <a:r>
-              <a:rPr lang="fr-CH" sz="1400" dirty="0" err="1"/>
-              <a:t>currentClip</a:t>
-            </a:r>
-            <a:r>
-              <a:rPr lang="fr-CH" sz="1400" dirty="0"/>
-              <a:t> = </a:t>
-            </a:r>
-            <a:r>
-              <a:rPr lang="fr-CH" sz="1400" b="1" dirty="0" err="1"/>
-              <a:t>null</a:t>
-            </a:r>
-            <a:r>
-              <a:rPr lang="fr-CH" sz="1400" dirty="0"/>
-              <a:t>; </a:t>
-            </a:r>
-          </a:p>
-          <a:p>
-            <a:r>
-              <a:rPr lang="fr-CH" sz="1400" i="1" dirty="0"/>
-              <a:t>// Audio exclusif</a:t>
-            </a:r>
-            <a:endParaRPr sz="1400" dirty="0">
-              <a:latin typeface="Consolas"/>
-            </a:endParaRPr>
-          </a:p>
-        </p:txBody>
-      </p:sp>
-      <p:pic>
-        <p:nvPicPr>
-          <p:cNvPr id="5" name="Picture 4" descr="f5ececce-4190-4ad6-a324-8a801fbfe6f2.png"/>
-          <p:cNvPicPr>
-            <a:picLocks noChangeAspect="1"/>
-          </p:cNvPicPr>
-          <p:nvPr/>
-        </p:nvPicPr>
-        <p:blipFill>
-          <a:blip r:embed="rId2"/>
-          <a:stretch>
-            <a:fillRect/>
-          </a:stretch>
-        </p:blipFill>
-        <p:spPr>
-          <a:xfrm>
-            <a:off x="4288536" y="3613384"/>
-            <a:ext cx="4855464" cy="3244615"/>
-          </a:xfrm>
-          <a:prstGeom prst="rect">
-            <a:avLst/>
-          </a:prstGeom>
-        </p:spPr>
-      </p:pic>
-    </p:spTree>
-  </p:cSld>
-  <p:clrMapOvr>
-    <a:masterClrMapping/>
-  </p:clrMapOvr>
-</p:sld>
-</file>
-
-<file path=ppt/slides/slide14.xml><?xml version="1.0" encoding="utf-8"?>
-<p:sld xmlns:a="http://schemas.openxmlformats.org/drawingml/2006/main" xmlns:r="http://schemas.openxmlformats.org/officeDocument/2006/relationships" xmlns:p="http://schemas.openxmlformats.org/presentationml/2006/main">
-  <p:cSld>
-    <p:bg>
-      <p:bgPr>
-        <a:solidFill>
-          <a:srgbClr val="F5FFF5"/>
-        </a:solidFill>
-        <a:effectLst/>
-      </p:bgPr>
-    </p:bg>
-    <p:spTree>
-      <p:nvGrpSpPr>
-        <p:cNvPr id="1" name=""/>
-        <p:cNvGrpSpPr/>
-        <p:nvPr/>
-      </p:nvGrpSpPr>
-      <p:grpSpPr>
-        <a:xfrm>
-          <a:off x="0" y="0"/>
-          <a:ext cx="0" cy="0"/>
-          <a:chOff x="0" y="0"/>
-          <a:chExt cx="0" cy="0"/>
-        </a:xfrm>
-      </p:grpSpPr>
-      <p:sp>
-        <p:nvSpPr>
-          <p:cNvPr id="2" name="Title 1"/>
-          <p:cNvSpPr>
-            <a:spLocks noGrp="1"/>
-          </p:cNvSpPr>
-          <p:nvPr>
-            <p:ph type="title"/>
-          </p:nvPr>
-        </p:nvSpPr>
-        <p:spPr/>
-        <p:txBody>
-          <a:bodyPr>
-            <a:normAutofit fontScale="90000"/>
-          </a:bodyPr>
-          <a:lstStyle/>
-          <a:p>
-            <a:r>
-              <a:rPr dirty="0" err="1"/>
-              <a:t>InstrumentGuessPanel</a:t>
-            </a:r>
-            <a:r>
-              <a:rPr dirty="0"/>
-              <a:t> – Vue composite</a:t>
-            </a:r>
-          </a:p>
-        </p:txBody>
-      </p:sp>
-      <p:sp>
-        <p:nvSpPr>
-          <p:cNvPr id="3" name="Content Placeholder 2"/>
-          <p:cNvSpPr>
-            <a:spLocks noGrp="1"/>
-          </p:cNvSpPr>
-          <p:nvPr>
-            <p:ph idx="1"/>
-          </p:nvPr>
-        </p:nvSpPr>
-        <p:spPr/>
-        <p:txBody>
-          <a:bodyPr>
-            <a:normAutofit/>
-          </a:bodyPr>
-          <a:lstStyle/>
-          <a:p>
-            <a:r>
-              <a:rPr sz="1800" b="1" dirty="0"/>
-              <a:t>Combine </a:t>
-            </a:r>
-            <a:r>
-              <a:rPr sz="1800" b="1" dirty="0" err="1"/>
-              <a:t>JLabel</a:t>
-            </a:r>
-            <a:r>
-              <a:rPr sz="1800" b="1" dirty="0"/>
-              <a:t> (image), </a:t>
-            </a:r>
-            <a:r>
-              <a:rPr sz="1800" b="1" dirty="0" err="1"/>
-              <a:t>JButton</a:t>
-            </a:r>
-            <a:r>
-              <a:rPr sz="1800" b="1" dirty="0"/>
-              <a:t> (Play), </a:t>
-            </a:r>
-            <a:r>
-              <a:rPr sz="1800" b="1" dirty="0" err="1"/>
-              <a:t>JTextField</a:t>
-            </a:r>
-            <a:r>
-              <a:rPr sz="1800" b="1" dirty="0"/>
-              <a:t> (input).</a:t>
-            </a:r>
-          </a:p>
-          <a:p>
-            <a:r>
-              <a:rPr sz="1800" b="1" dirty="0" err="1"/>
-              <a:t>Gère</a:t>
-            </a:r>
-            <a:r>
-              <a:rPr sz="1800" b="1" dirty="0"/>
-              <a:t> couleur fond rouge </a:t>
-            </a:r>
-            <a:r>
-              <a:rPr sz="1800" b="1" dirty="0" err="1"/>
-              <a:t>en</a:t>
-            </a:r>
-            <a:r>
-              <a:rPr sz="1800" b="1" dirty="0"/>
-              <a:t> </a:t>
-            </a:r>
-            <a:r>
-              <a:rPr sz="1800" b="1" dirty="0" err="1"/>
-              <a:t>cas</a:t>
-            </a:r>
-            <a:r>
-              <a:rPr sz="1800" b="1" dirty="0"/>
-              <a:t> </a:t>
-            </a:r>
-            <a:r>
-              <a:rPr sz="1800" b="1" dirty="0" err="1"/>
-              <a:t>d'erreur</a:t>
-            </a:r>
-            <a:r>
-              <a:rPr sz="1800" b="1" dirty="0"/>
-              <a:t>.</a:t>
-            </a:r>
-          </a:p>
-          <a:p>
-            <a:r>
-              <a:rPr sz="1800" b="1" dirty="0" err="1"/>
-              <a:t>Redimensionne</a:t>
-            </a:r>
-            <a:r>
-              <a:rPr sz="1800" b="1" dirty="0"/>
-              <a:t> image à la </a:t>
-            </a:r>
-            <a:r>
-              <a:rPr sz="1800" b="1" dirty="0" err="1"/>
-              <a:t>volée</a:t>
-            </a:r>
-            <a:r>
-              <a:rPr sz="1800" b="1" dirty="0"/>
-              <a:t>.</a:t>
-            </a:r>
-          </a:p>
-        </p:txBody>
-      </p:sp>
-      <p:pic>
-        <p:nvPicPr>
-          <p:cNvPr id="4" name="Picture 3" descr="95df2d5d-c23f-4390-954f-412c7573800a.png"/>
-          <p:cNvPicPr>
-            <a:picLocks noChangeAspect="1"/>
-          </p:cNvPicPr>
-          <p:nvPr/>
-        </p:nvPicPr>
-        <p:blipFill>
-          <a:blip r:embed="rId2"/>
-          <a:stretch>
-            <a:fillRect/>
-          </a:stretch>
-        </p:blipFill>
-        <p:spPr>
-          <a:xfrm>
-            <a:off x="4572000" y="3822290"/>
-            <a:ext cx="4572000" cy="3035710"/>
-          </a:xfrm>
-          <a:prstGeom prst="rect">
-            <a:avLst/>
-          </a:prstGeom>
-        </p:spPr>
-      </p:pic>
-      <p:sp>
-        <p:nvSpPr>
-          <p:cNvPr id="5" name="TextBox 3">
-            <a:extLst>
-              <a:ext uri="{FF2B5EF4-FFF2-40B4-BE49-F238E27FC236}">
-                <a16:creationId xmlns:a16="http://schemas.microsoft.com/office/drawing/2014/main" id="{CCB98349-C4B2-641F-3CA8-51A48D763F74}"/>
-              </a:ext>
-            </a:extLst>
-          </p:cNvPr>
-          <p:cNvSpPr txBox="1"/>
-          <p:nvPr/>
-        </p:nvSpPr>
-        <p:spPr>
-          <a:xfrm>
-            <a:off x="457200" y="2731787"/>
-            <a:ext cx="5303520" cy="1815882"/>
-          </a:xfrm>
-          <a:prstGeom prst="rect">
-            <a:avLst/>
-          </a:prstGeom>
-          <a:noFill/>
-        </p:spPr>
-        <p:txBody>
-          <a:bodyPr wrap="square">
-            <a:spAutoFit/>
-          </a:bodyPr>
-          <a:lstStyle/>
-          <a:p>
-            <a:r>
-              <a:rPr lang="fr-CH" sz="1400" dirty="0"/>
-              <a:t>// Composition de composants avec états</a:t>
-            </a:r>
-          </a:p>
-          <a:p>
-            <a:r>
-              <a:rPr lang="fr-CH" sz="1400" dirty="0" err="1"/>
-              <a:t>private</a:t>
-            </a:r>
-            <a:r>
-              <a:rPr lang="fr-CH" sz="1400" dirty="0"/>
-              <a:t> final </a:t>
-            </a:r>
-            <a:r>
-              <a:rPr lang="fr-CH" sz="1400" dirty="0" err="1"/>
-              <a:t>JButton</a:t>
-            </a:r>
-            <a:r>
-              <a:rPr lang="fr-CH" sz="1400" dirty="0"/>
-              <a:t> </a:t>
-            </a:r>
-            <a:r>
-              <a:rPr lang="fr-CH" sz="1400" dirty="0" err="1"/>
-              <a:t>playButton</a:t>
-            </a:r>
-            <a:r>
-              <a:rPr lang="fr-CH" sz="1400" dirty="0"/>
-              <a:t>;</a:t>
-            </a:r>
-          </a:p>
-          <a:p>
-            <a:r>
-              <a:rPr lang="fr-CH" sz="1400" dirty="0" err="1"/>
-              <a:t>private</a:t>
-            </a:r>
-            <a:r>
-              <a:rPr lang="fr-CH" sz="1400" dirty="0"/>
-              <a:t> final </a:t>
-            </a:r>
-            <a:r>
-              <a:rPr lang="fr-CH" sz="1400" dirty="0" err="1"/>
-              <a:t>JTextField</a:t>
-            </a:r>
-            <a:r>
-              <a:rPr lang="fr-CH" sz="1400" dirty="0"/>
-              <a:t> </a:t>
-            </a:r>
-            <a:r>
-              <a:rPr lang="fr-CH" sz="1400" dirty="0" err="1"/>
-              <a:t>guessField</a:t>
-            </a:r>
-            <a:r>
-              <a:rPr lang="fr-CH" sz="1400" dirty="0"/>
-              <a:t>;</a:t>
-            </a:r>
-          </a:p>
-          <a:p>
-            <a:r>
-              <a:rPr lang="fr-CH" sz="1400" dirty="0" err="1"/>
-              <a:t>private</a:t>
-            </a:r>
-            <a:r>
-              <a:rPr lang="fr-CH" sz="1400" dirty="0"/>
-              <a:t> final </a:t>
-            </a:r>
-            <a:r>
-              <a:rPr lang="fr-CH" sz="1400" dirty="0" err="1"/>
-              <a:t>JLabel</a:t>
-            </a:r>
-            <a:r>
-              <a:rPr lang="fr-CH" sz="1400" dirty="0"/>
-              <a:t> </a:t>
-            </a:r>
-            <a:r>
-              <a:rPr lang="fr-CH" sz="1400" dirty="0" err="1"/>
-              <a:t>imageLabel</a:t>
-            </a:r>
-            <a:r>
-              <a:rPr lang="fr-CH" sz="1400" dirty="0"/>
-              <a:t>;</a:t>
-            </a:r>
-          </a:p>
-          <a:p>
-            <a:r>
-              <a:rPr lang="fr-CH" sz="1400" dirty="0" err="1"/>
-              <a:t>private</a:t>
-            </a:r>
-            <a:r>
-              <a:rPr lang="fr-CH" sz="1400" dirty="0"/>
-              <a:t> </a:t>
-            </a:r>
-            <a:r>
-              <a:rPr lang="fr-CH" sz="1400" dirty="0" err="1"/>
-              <a:t>boolean</a:t>
-            </a:r>
-            <a:r>
-              <a:rPr lang="fr-CH" sz="1400" dirty="0"/>
-              <a:t> </a:t>
-            </a:r>
-            <a:r>
-              <a:rPr lang="fr-CH" sz="1400" dirty="0" err="1"/>
-              <a:t>alreadyAnswered</a:t>
-            </a:r>
-            <a:r>
-              <a:rPr lang="fr-CH" sz="1400" dirty="0"/>
-              <a:t> = false; // État interne</a:t>
-            </a:r>
-          </a:p>
-          <a:p>
-            <a:endParaRPr lang="fr-CH" sz="1400" dirty="0"/>
-          </a:p>
-          <a:p>
-            <a:r>
-              <a:rPr lang="fr-CH" sz="1400" dirty="0"/>
-              <a:t>// Pattern Observer via </a:t>
-            </a:r>
-            <a:r>
-              <a:rPr lang="fr-CH" sz="1400" dirty="0" err="1"/>
-              <a:t>ActionListener</a:t>
-            </a:r>
-            <a:endParaRPr lang="fr-CH" sz="1400" dirty="0"/>
-          </a:p>
-          <a:p>
-            <a:r>
-              <a:rPr lang="fr-CH" sz="1400" dirty="0" err="1"/>
-              <a:t>guessField.addActionListener</a:t>
-            </a:r>
-            <a:r>
-              <a:rPr lang="fr-CH" sz="1400" dirty="0"/>
-              <a:t>(e -&gt; </a:t>
-            </a:r>
-            <a:r>
-              <a:rPr lang="fr-CH" sz="1400" dirty="0" err="1"/>
-              <a:t>checkAnswer</a:t>
-            </a:r>
-            <a:r>
-              <a:rPr lang="fr-CH" sz="1400" dirty="0"/>
-              <a:t>());</a:t>
-            </a:r>
-            <a:endParaRPr sz="1400" dirty="0">
-              <a:latin typeface="Consolas"/>
-            </a:endParaRPr>
-          </a:p>
-        </p:txBody>
-      </p:sp>
-    </p:spTree>
-  </p:cSld>
-  <p:clrMapOvr>
-    <a:masterClrMapping/>
-  </p:clrMapOvr>
-</p:sld>
-</file>
-
-<file path=ppt/slides/slide15.xml><?xml version="1.0" encoding="utf-8"?>
-<p:sld xmlns:a="http://schemas.openxmlformats.org/drawingml/2006/main" xmlns:r="http://schemas.openxmlformats.org/officeDocument/2006/relationships" xmlns:p="http://schemas.openxmlformats.org/presentationml/2006/main">
-  <p:cSld>
-    <p:bg>
-      <p:bgPr>
-        <a:solidFill>
-          <a:schemeClr val="bg1"/>
-        </a:solidFill>
-        <a:effectLst/>
-      </p:bgPr>
-    </p:bg>
-    <p:spTree>
-      <p:nvGrpSpPr>
-        <p:cNvPr id="1" name=""/>
-        <p:cNvGrpSpPr/>
-        <p:nvPr/>
-      </p:nvGrpSpPr>
-      <p:grpSpPr>
-        <a:xfrm>
-          <a:off x="0" y="0"/>
-          <a:ext cx="0" cy="0"/>
-          <a:chOff x="0" y="0"/>
-          <a:chExt cx="0" cy="0"/>
-        </a:xfrm>
-      </p:grpSpPr>
-      <p:sp useBgFill="1">
-        <p:nvSpPr>
-          <p:cNvPr id="8" name="Rectangle 7">
-            <a:extLst>
-              <a:ext uri="{FF2B5EF4-FFF2-40B4-BE49-F238E27FC236}">
-                <a16:creationId xmlns:a16="http://schemas.microsoft.com/office/drawing/2014/main" id="{100EDD19-6802-4EC3-95CE-CFFAB042CFD6}"/>
-              </a:ext>
-              <a:ext uri="{C183D7F6-B498-43B3-948B-1728B52AA6E4}">
-                <adec:decorative xmlns:adec="http://schemas.microsoft.com/office/drawing/2017/decorative" val="1"/>
-              </a:ext>
-            </a:extLst>
-          </p:cNvPr>
-          <p:cNvSpPr>
-            <a:spLocks noGrp="1" noRot="1" noChangeAspect="1" noMove="1" noResize="1" noEditPoints="1" noAdjustHandles="1" noChangeArrowheads="1" noChangeShapeType="1" noTextEdit="1"/>
-          </p:cNvSpPr>
-          <p:nvPr>
-            <p:extLst>
-              <p:ext uri="{386F3935-93C4-4BCD-93E2-E3B085C9AB24}">
-                <p16:designElem xmlns:p16="http://schemas.microsoft.com/office/powerpoint/2015/main" val="1"/>
-              </p:ext>
-            </p:extLst>
-          </p:nvPr>
-        </p:nvSpPr>
-        <p:spPr>
-          <a:xfrm>
-            <a:off x="0" y="0"/>
-            <a:ext cx="9141714" cy="6858000"/>
-          </a:xfrm>
-          <a:prstGeom prst="rect">
-            <a:avLst/>
-          </a:prstGeom>
-          <a:ln>
-            <a:noFill/>
-          </a:ln>
-        </p:spPr>
-        <p:style>
-          <a:lnRef idx="2">
-            <a:schemeClr val="accent1">
-              <a:shade val="50000"/>
-            </a:schemeClr>
-          </a:lnRef>
-          <a:fillRef idx="1">
-            <a:schemeClr val="accent1"/>
-          </a:fillRef>
-          <a:effectRef idx="0">
-            <a:schemeClr val="accent1"/>
-          </a:effectRef>
-          <a:fontRef idx="minor">
-            <a:schemeClr val="lt1"/>
-          </a:fontRef>
-        </p:style>
-        <p:txBody>
-          <a:bodyPr rtlCol="0" anchor="ctr"/>
-          <a:lstStyle/>
-          <a:p>
-            <a:pPr algn="ctr"/>
-            <a:endParaRPr lang="en-US"/>
-          </a:p>
-        </p:txBody>
-      </p:sp>
-      <p:sp>
-        <p:nvSpPr>
-          <p:cNvPr id="2" name="Title 1"/>
-          <p:cNvSpPr>
-            <a:spLocks noGrp="1"/>
-          </p:cNvSpPr>
-          <p:nvPr>
-            <p:ph type="title"/>
-          </p:nvPr>
-        </p:nvSpPr>
-        <p:spPr>
-          <a:xfrm>
-            <a:off x="628650" y="365125"/>
-            <a:ext cx="7886700" cy="1325563"/>
-          </a:xfrm>
-        </p:spPr>
-        <p:txBody>
-          <a:bodyPr>
-            <a:normAutofit/>
-          </a:bodyPr>
-          <a:lstStyle/>
-          <a:p>
-            <a:r>
-              <a:rPr lang="fr-CH" sz="4700"/>
-              <a:t>Difficultés &amp; solutions</a:t>
-            </a:r>
-          </a:p>
-        </p:txBody>
-      </p:sp>
-      <p:sp>
-        <p:nvSpPr>
-          <p:cNvPr id="10" name="sketch line">
-            <a:extLst>
-              <a:ext uri="{FF2B5EF4-FFF2-40B4-BE49-F238E27FC236}">
-                <a16:creationId xmlns:a16="http://schemas.microsoft.com/office/drawing/2014/main" id="{DB17E863-922E-4C26-BD64-E8FD41D28661}"/>
-              </a:ext>
-              <a:ext uri="{C183D7F6-B498-43B3-948B-1728B52AA6E4}">
-                <adec:decorative xmlns:adec="http://schemas.microsoft.com/office/drawing/2017/decorative" val="1"/>
-              </a:ext>
-            </a:extLst>
-          </p:cNvPr>
-          <p:cNvSpPr>
-            <a:spLocks noGrp="1" noRot="1" noChangeAspect="1" noMove="1" noResize="1" noEditPoints="1" noAdjustHandles="1" noChangeArrowheads="1" noChangeShapeType="1" noTextEdit="1"/>
-          </p:cNvSpPr>
-          <p:nvPr>
-            <p:extLst>
-              <p:ext uri="{386F3935-93C4-4BCD-93E2-E3B085C9AB24}">
-                <p16:designElem xmlns:p16="http://schemas.microsoft.com/office/powerpoint/2015/main" val="1"/>
-              </p:ext>
-            </p:extLst>
-          </p:nvPr>
-        </p:nvSpPr>
-        <p:spPr>
-          <a:xfrm>
-            <a:off x="501777" y="1677373"/>
-            <a:ext cx="8140446" cy="18288"/>
-          </a:xfrm>
-          <a:custGeom>
-            <a:avLst/>
-            <a:gdLst>
-              <a:gd name="connsiteX0" fmla="*/ 0 w 8140446"/>
-              <a:gd name="connsiteY0" fmla="*/ 0 h 18288"/>
-              <a:gd name="connsiteX1" fmla="*/ 434157 w 8140446"/>
-              <a:gd name="connsiteY1" fmla="*/ 0 h 18288"/>
-              <a:gd name="connsiteX2" fmla="*/ 1193932 w 8140446"/>
-              <a:gd name="connsiteY2" fmla="*/ 0 h 18288"/>
-              <a:gd name="connsiteX3" fmla="*/ 1628089 w 8140446"/>
-              <a:gd name="connsiteY3" fmla="*/ 0 h 18288"/>
-              <a:gd name="connsiteX4" fmla="*/ 2225055 w 8140446"/>
-              <a:gd name="connsiteY4" fmla="*/ 0 h 18288"/>
-              <a:gd name="connsiteX5" fmla="*/ 3066235 w 8140446"/>
-              <a:gd name="connsiteY5" fmla="*/ 0 h 18288"/>
-              <a:gd name="connsiteX6" fmla="*/ 3744605 w 8140446"/>
-              <a:gd name="connsiteY6" fmla="*/ 0 h 18288"/>
-              <a:gd name="connsiteX7" fmla="*/ 4504380 w 8140446"/>
-              <a:gd name="connsiteY7" fmla="*/ 0 h 18288"/>
-              <a:gd name="connsiteX8" fmla="*/ 5101346 w 8140446"/>
-              <a:gd name="connsiteY8" fmla="*/ 0 h 18288"/>
-              <a:gd name="connsiteX9" fmla="*/ 5779717 w 8140446"/>
-              <a:gd name="connsiteY9" fmla="*/ 0 h 18288"/>
-              <a:gd name="connsiteX10" fmla="*/ 6620896 w 8140446"/>
-              <a:gd name="connsiteY10" fmla="*/ 0 h 18288"/>
-              <a:gd name="connsiteX11" fmla="*/ 7136458 w 8140446"/>
-              <a:gd name="connsiteY11" fmla="*/ 0 h 18288"/>
-              <a:gd name="connsiteX12" fmla="*/ 8140446 w 8140446"/>
-              <a:gd name="connsiteY12" fmla="*/ 0 h 18288"/>
-              <a:gd name="connsiteX13" fmla="*/ 8140446 w 8140446"/>
-              <a:gd name="connsiteY13" fmla="*/ 18288 h 18288"/>
-              <a:gd name="connsiteX14" fmla="*/ 7543480 w 8140446"/>
-              <a:gd name="connsiteY14" fmla="*/ 18288 h 18288"/>
-              <a:gd name="connsiteX15" fmla="*/ 7109323 w 8140446"/>
-              <a:gd name="connsiteY15" fmla="*/ 18288 h 18288"/>
-              <a:gd name="connsiteX16" fmla="*/ 6430952 w 8140446"/>
-              <a:gd name="connsiteY16" fmla="*/ 18288 h 18288"/>
-              <a:gd name="connsiteX17" fmla="*/ 5915391 w 8140446"/>
-              <a:gd name="connsiteY17" fmla="*/ 18288 h 18288"/>
-              <a:gd name="connsiteX18" fmla="*/ 5237020 w 8140446"/>
-              <a:gd name="connsiteY18" fmla="*/ 18288 h 18288"/>
-              <a:gd name="connsiteX19" fmla="*/ 4558650 w 8140446"/>
-              <a:gd name="connsiteY19" fmla="*/ 18288 h 18288"/>
-              <a:gd name="connsiteX20" fmla="*/ 3880279 w 8140446"/>
-              <a:gd name="connsiteY20" fmla="*/ 18288 h 18288"/>
-              <a:gd name="connsiteX21" fmla="*/ 3201909 w 8140446"/>
-              <a:gd name="connsiteY21" fmla="*/ 18288 h 18288"/>
-              <a:gd name="connsiteX22" fmla="*/ 2604943 w 8140446"/>
-              <a:gd name="connsiteY22" fmla="*/ 18288 h 18288"/>
-              <a:gd name="connsiteX23" fmla="*/ 1845168 w 8140446"/>
-              <a:gd name="connsiteY23" fmla="*/ 18288 h 18288"/>
-              <a:gd name="connsiteX24" fmla="*/ 1166797 w 8140446"/>
-              <a:gd name="connsiteY24" fmla="*/ 18288 h 18288"/>
-              <a:gd name="connsiteX25" fmla="*/ 0 w 8140446"/>
-              <a:gd name="connsiteY25" fmla="*/ 18288 h 18288"/>
-              <a:gd name="connsiteX26" fmla="*/ 0 w 8140446"/>
-              <a:gd name="connsiteY26" fmla="*/ 0 h 18288"/>
-            </a:gdLst>
-            <a:ahLst/>
-            <a:cxnLst>
-              <a:cxn ang="0">
-                <a:pos x="connsiteX0" y="connsiteY0"/>
-              </a:cxn>
-              <a:cxn ang="0">
-                <a:pos x="connsiteX1" y="connsiteY1"/>
-              </a:cxn>
-              <a:cxn ang="0">
-                <a:pos x="connsiteX2" y="connsiteY2"/>
-              </a:cxn>
-              <a:cxn ang="0">
-                <a:pos x="connsiteX3" y="connsiteY3"/>
-              </a:cxn>
-              <a:cxn ang="0">
-                <a:pos x="connsiteX4" y="connsiteY4"/>
-              </a:cxn>
-              <a:cxn ang="0">
-                <a:pos x="connsiteX5" y="connsiteY5"/>
-              </a:cxn>
-              <a:cxn ang="0">
-                <a:pos x="connsiteX6" y="connsiteY6"/>
-              </a:cxn>
-              <a:cxn ang="0">
-                <a:pos x="connsiteX7" y="connsiteY7"/>
-              </a:cxn>
-              <a:cxn ang="0">
-                <a:pos x="connsiteX8" y="connsiteY8"/>
-              </a:cxn>
-              <a:cxn ang="0">
-                <a:pos x="connsiteX9" y="connsiteY9"/>
-              </a:cxn>
-              <a:cxn ang="0">
-                <a:pos x="connsiteX10" y="connsiteY10"/>
-              </a:cxn>
-              <a:cxn ang="0">
-                <a:pos x="connsiteX11" y="connsiteY11"/>
-              </a:cxn>
-              <a:cxn ang="0">
-                <a:pos x="connsiteX12" y="connsiteY12"/>
-              </a:cxn>
-              <a:cxn ang="0">
-                <a:pos x="connsiteX13" y="connsiteY13"/>
-              </a:cxn>
-              <a:cxn ang="0">
-                <a:pos x="connsiteX14" y="connsiteY14"/>
-              </a:cxn>
-              <a:cxn ang="0">
-                <a:pos x="connsiteX15" y="connsiteY15"/>
-              </a:cxn>
-              <a:cxn ang="0">
-                <a:pos x="connsiteX16" y="connsiteY16"/>
-              </a:cxn>
-              <a:cxn ang="0">
-                <a:pos x="connsiteX17" y="connsiteY17"/>
-              </a:cxn>
-              <a:cxn ang="0">
-                <a:pos x="connsiteX18" y="connsiteY18"/>
-              </a:cxn>
-              <a:cxn ang="0">
-                <a:pos x="connsiteX19" y="connsiteY19"/>
-              </a:cxn>
-              <a:cxn ang="0">
-                <a:pos x="connsiteX20" y="connsiteY20"/>
-              </a:cxn>
-              <a:cxn ang="0">
-                <a:pos x="connsiteX21" y="connsiteY21"/>
-              </a:cxn>
-              <a:cxn ang="0">
-                <a:pos x="connsiteX22" y="connsiteY22"/>
-              </a:cxn>
-              <a:cxn ang="0">
-                <a:pos x="connsiteX23" y="connsiteY23"/>
-              </a:cxn>
-              <a:cxn ang="0">
-                <a:pos x="connsiteX24" y="connsiteY24"/>
-              </a:cxn>
-              <a:cxn ang="0">
-                <a:pos x="connsiteX25" y="connsiteY25"/>
-              </a:cxn>
-              <a:cxn ang="0">
-                <a:pos x="connsiteX26" y="connsiteY26"/>
-              </a:cxn>
-            </a:cxnLst>
-            <a:rect l="l" t="t" r="r" b="b"/>
-            <a:pathLst>
-              <a:path w="8140446" h="18288" fill="none" extrusionOk="0">
-                <a:moveTo>
-                  <a:pt x="0" y="0"/>
-                </a:moveTo>
-                <a:cubicBezTo>
-                  <a:pt x="94920" y="9103"/>
-                  <a:pt x="287892" y="-4966"/>
-                  <a:pt x="434157" y="0"/>
-                </a:cubicBezTo>
-                <a:cubicBezTo>
-                  <a:pt x="580422" y="4966"/>
-                  <a:pt x="943595" y="-14182"/>
-                  <a:pt x="1193932" y="0"/>
-                </a:cubicBezTo>
-                <a:cubicBezTo>
-                  <a:pt x="1444270" y="14182"/>
-                  <a:pt x="1472129" y="5523"/>
-                  <a:pt x="1628089" y="0"/>
-                </a:cubicBezTo>
-                <a:cubicBezTo>
-                  <a:pt x="1784049" y="-5523"/>
-                  <a:pt x="1962419" y="-17322"/>
-                  <a:pt x="2225055" y="0"/>
-                </a:cubicBezTo>
-                <a:cubicBezTo>
-                  <a:pt x="2487691" y="17322"/>
-                  <a:pt x="2700681" y="1311"/>
-                  <a:pt x="3066235" y="0"/>
-                </a:cubicBezTo>
-                <a:cubicBezTo>
-                  <a:pt x="3431789" y="-1311"/>
-                  <a:pt x="3405662" y="25081"/>
-                  <a:pt x="3744605" y="0"/>
-                </a:cubicBezTo>
-                <a:cubicBezTo>
-                  <a:pt x="4083548" y="-25081"/>
-                  <a:pt x="4265111" y="-11945"/>
-                  <a:pt x="4504380" y="0"/>
-                </a:cubicBezTo>
-                <a:cubicBezTo>
-                  <a:pt x="4743649" y="11945"/>
-                  <a:pt x="4860394" y="-2832"/>
-                  <a:pt x="5101346" y="0"/>
-                </a:cubicBezTo>
-                <a:cubicBezTo>
-                  <a:pt x="5342298" y="2832"/>
-                  <a:pt x="5456387" y="23676"/>
-                  <a:pt x="5779717" y="0"/>
-                </a:cubicBezTo>
-                <a:cubicBezTo>
-                  <a:pt x="6103047" y="-23676"/>
-                  <a:pt x="6270379" y="-37291"/>
-                  <a:pt x="6620896" y="0"/>
-                </a:cubicBezTo>
-                <a:cubicBezTo>
-                  <a:pt x="6971413" y="37291"/>
-                  <a:pt x="6989068" y="24674"/>
-                  <a:pt x="7136458" y="0"/>
-                </a:cubicBezTo>
-                <a:cubicBezTo>
-                  <a:pt x="7283848" y="-24674"/>
-                  <a:pt x="7752532" y="-22436"/>
-                  <a:pt x="8140446" y="0"/>
-                </a:cubicBezTo>
-                <a:cubicBezTo>
-                  <a:pt x="8140314" y="7702"/>
-                  <a:pt x="8140234" y="13511"/>
-                  <a:pt x="8140446" y="18288"/>
-                </a:cubicBezTo>
-                <a:cubicBezTo>
-                  <a:pt x="7906329" y="-3043"/>
-                  <a:pt x="7681180" y="27465"/>
-                  <a:pt x="7543480" y="18288"/>
-                </a:cubicBezTo>
-                <a:cubicBezTo>
-                  <a:pt x="7405780" y="9111"/>
-                  <a:pt x="7216607" y="3660"/>
-                  <a:pt x="7109323" y="18288"/>
-                </a:cubicBezTo>
-                <a:cubicBezTo>
-                  <a:pt x="7002039" y="32916"/>
-                  <a:pt x="6576231" y="42692"/>
-                  <a:pt x="6430952" y="18288"/>
-                </a:cubicBezTo>
-                <a:cubicBezTo>
-                  <a:pt x="6285673" y="-6116"/>
-                  <a:pt x="6138840" y="34521"/>
-                  <a:pt x="5915391" y="18288"/>
-                </a:cubicBezTo>
-                <a:cubicBezTo>
-                  <a:pt x="5691942" y="2055"/>
-                  <a:pt x="5459460" y="51666"/>
-                  <a:pt x="5237020" y="18288"/>
-                </a:cubicBezTo>
-                <a:cubicBezTo>
-                  <a:pt x="5014580" y="-15090"/>
-                  <a:pt x="4747677" y="40449"/>
-                  <a:pt x="4558650" y="18288"/>
-                </a:cubicBezTo>
-                <a:cubicBezTo>
-                  <a:pt x="4369623" y="-3873"/>
-                  <a:pt x="4146061" y="12568"/>
-                  <a:pt x="3880279" y="18288"/>
-                </a:cubicBezTo>
-                <a:cubicBezTo>
-                  <a:pt x="3614497" y="24008"/>
-                  <a:pt x="3473808" y="-12908"/>
-                  <a:pt x="3201909" y="18288"/>
-                </a:cubicBezTo>
-                <a:cubicBezTo>
-                  <a:pt x="2930010" y="49484"/>
-                  <a:pt x="2728175" y="-3430"/>
-                  <a:pt x="2604943" y="18288"/>
-                </a:cubicBezTo>
-                <a:cubicBezTo>
-                  <a:pt x="2481711" y="40006"/>
-                  <a:pt x="2004334" y="26952"/>
-                  <a:pt x="1845168" y="18288"/>
-                </a:cubicBezTo>
-                <a:cubicBezTo>
-                  <a:pt x="1686003" y="9624"/>
-                  <a:pt x="1375070" y="37580"/>
-                  <a:pt x="1166797" y="18288"/>
-                </a:cubicBezTo>
-                <a:cubicBezTo>
-                  <a:pt x="958524" y="-1004"/>
-                  <a:pt x="342846" y="8880"/>
-                  <a:pt x="0" y="18288"/>
-                </a:cubicBezTo>
-                <a:cubicBezTo>
-                  <a:pt x="129" y="13298"/>
-                  <a:pt x="-675" y="6857"/>
-                  <a:pt x="0" y="0"/>
-                </a:cubicBezTo>
-                <a:close/>
-              </a:path>
-              <a:path w="8140446" h="18288" stroke="0" extrusionOk="0">
-                <a:moveTo>
-                  <a:pt x="0" y="0"/>
-                </a:moveTo>
-                <a:cubicBezTo>
-                  <a:pt x="142435" y="-24533"/>
-                  <a:pt x="380026" y="17447"/>
-                  <a:pt x="596966" y="0"/>
-                </a:cubicBezTo>
-                <a:cubicBezTo>
-                  <a:pt x="813906" y="-17447"/>
-                  <a:pt x="830530" y="13462"/>
-                  <a:pt x="1031123" y="0"/>
-                </a:cubicBezTo>
-                <a:cubicBezTo>
-                  <a:pt x="1231716" y="-13462"/>
-                  <a:pt x="1634038" y="0"/>
-                  <a:pt x="1872303" y="0"/>
-                </a:cubicBezTo>
-                <a:cubicBezTo>
-                  <a:pt x="2110568" y="0"/>
-                  <a:pt x="2261934" y="-25727"/>
-                  <a:pt x="2469269" y="0"/>
-                </a:cubicBezTo>
-                <a:cubicBezTo>
-                  <a:pt x="2676604" y="25727"/>
-                  <a:pt x="2790440" y="16284"/>
-                  <a:pt x="3066235" y="0"/>
-                </a:cubicBezTo>
-                <a:cubicBezTo>
-                  <a:pt x="3342030" y="-16284"/>
-                  <a:pt x="3685603" y="41976"/>
-                  <a:pt x="3907414" y="0"/>
-                </a:cubicBezTo>
-                <a:cubicBezTo>
-                  <a:pt x="4129225" y="-41976"/>
-                  <a:pt x="4177416" y="-7598"/>
-                  <a:pt x="4422976" y="0"/>
-                </a:cubicBezTo>
-                <a:cubicBezTo>
-                  <a:pt x="4668536" y="7598"/>
-                  <a:pt x="5023499" y="-28058"/>
-                  <a:pt x="5264155" y="0"/>
-                </a:cubicBezTo>
-                <a:cubicBezTo>
-                  <a:pt x="5504811" y="28058"/>
-                  <a:pt x="5703675" y="13288"/>
-                  <a:pt x="6105335" y="0"/>
-                </a:cubicBezTo>
-                <a:cubicBezTo>
-                  <a:pt x="6506995" y="-13288"/>
-                  <a:pt x="6455516" y="-5124"/>
-                  <a:pt x="6783705" y="0"/>
-                </a:cubicBezTo>
-                <a:cubicBezTo>
-                  <a:pt x="7111894" y="5124"/>
-                  <a:pt x="7512856" y="10604"/>
-                  <a:pt x="8140446" y="0"/>
-                </a:cubicBezTo>
-                <a:cubicBezTo>
-                  <a:pt x="8140458" y="8833"/>
-                  <a:pt x="8140986" y="9830"/>
-                  <a:pt x="8140446" y="18288"/>
-                </a:cubicBezTo>
-                <a:cubicBezTo>
-                  <a:pt x="7959314" y="3345"/>
-                  <a:pt x="7870113" y="10437"/>
-                  <a:pt x="7706289" y="18288"/>
-                </a:cubicBezTo>
-                <a:cubicBezTo>
-                  <a:pt x="7542465" y="26139"/>
-                  <a:pt x="7157940" y="17482"/>
-                  <a:pt x="6865109" y="18288"/>
-                </a:cubicBezTo>
-                <a:cubicBezTo>
-                  <a:pt x="6572278" y="19094"/>
-                  <a:pt x="6524256" y="38051"/>
-                  <a:pt x="6349548" y="18288"/>
-                </a:cubicBezTo>
-                <a:cubicBezTo>
-                  <a:pt x="6174840" y="-1475"/>
-                  <a:pt x="5951624" y="174"/>
-                  <a:pt x="5671177" y="18288"/>
-                </a:cubicBezTo>
-                <a:cubicBezTo>
-                  <a:pt x="5390730" y="36402"/>
-                  <a:pt x="5222992" y="60058"/>
-                  <a:pt x="4829998" y="18288"/>
-                </a:cubicBezTo>
-                <a:cubicBezTo>
-                  <a:pt x="4437004" y="-23482"/>
-                  <a:pt x="4344181" y="39087"/>
-                  <a:pt x="4151627" y="18288"/>
-                </a:cubicBezTo>
-                <a:cubicBezTo>
-                  <a:pt x="3959073" y="-2511"/>
-                  <a:pt x="3886970" y="32875"/>
-                  <a:pt x="3717470" y="18288"/>
-                </a:cubicBezTo>
-                <a:cubicBezTo>
-                  <a:pt x="3547970" y="3701"/>
-                  <a:pt x="3451521" y="31872"/>
-                  <a:pt x="3201909" y="18288"/>
-                </a:cubicBezTo>
-                <a:cubicBezTo>
-                  <a:pt x="2952297" y="4704"/>
-                  <a:pt x="2543413" y="6029"/>
-                  <a:pt x="2360729" y="18288"/>
-                </a:cubicBezTo>
-                <a:cubicBezTo>
-                  <a:pt x="2178045" y="30547"/>
-                  <a:pt x="1906056" y="25847"/>
-                  <a:pt x="1682359" y="18288"/>
-                </a:cubicBezTo>
-                <a:cubicBezTo>
-                  <a:pt x="1458662" y="10730"/>
-                  <a:pt x="1330405" y="8046"/>
-                  <a:pt x="1166797" y="18288"/>
-                </a:cubicBezTo>
-                <a:cubicBezTo>
-                  <a:pt x="1003189" y="28530"/>
-                  <a:pt x="278098" y="19533"/>
-                  <a:pt x="0" y="18288"/>
-                </a:cubicBezTo>
-                <a:cubicBezTo>
-                  <a:pt x="74" y="14054"/>
-                  <a:pt x="-46" y="6997"/>
-                  <a:pt x="0" y="0"/>
-                </a:cubicBezTo>
-                <a:close/>
-              </a:path>
-            </a:pathLst>
-          </a:custGeom>
-          <a:solidFill>
-            <a:schemeClr val="accent2"/>
-          </a:solidFill>
-          <a:ln w="41275" cap="rnd">
-            <a:solidFill>
-              <a:schemeClr val="accent2"/>
-            </a:solidFill>
-            <a:round/>
-            <a:extLst>
-              <a:ext uri="{C807C97D-BFC1-408E-A445-0C87EB9F89A2}">
-                <ask:lineSketchStyleProps xmlns:ask="http://schemas.microsoft.com/office/drawing/2018/sketchyshapes" sd="1219033472">
-                  <a:prstGeom prst="rect">
-                    <a:avLst/>
-                  </a:prstGeom>
-                  <ask:type>
-                    <ask:lineSketchFreehand/>
-                  </ask:type>
-                </ask:lineSketchStyleProps>
-              </a:ext>
-            </a:extLst>
-          </a:ln>
-        </p:spPr>
-        <p:style>
-          <a:lnRef idx="2">
-            <a:schemeClr val="accent1">
-              <a:shade val="50000"/>
-            </a:schemeClr>
-          </a:lnRef>
-          <a:fillRef idx="1">
-            <a:schemeClr val="accent1"/>
-          </a:fillRef>
-          <a:effectRef idx="0">
-            <a:schemeClr val="accent1"/>
-          </a:effectRef>
-          <a:fontRef idx="minor">
-            <a:schemeClr val="lt1"/>
-          </a:fontRef>
-        </p:style>
-        <p:txBody>
-          <a:bodyPr rtlCol="0" anchor="ctr"/>
-          <a:lstStyle/>
-          <a:p>
-            <a:pPr algn="ctr"/>
-            <a:endParaRPr lang="en-US"/>
-          </a:p>
-        </p:txBody>
-      </p:sp>
-      <p:sp>
-        <p:nvSpPr>
-          <p:cNvPr id="3" name="Content Placeholder 2"/>
-          <p:cNvSpPr>
-            <a:spLocks noGrp="1"/>
-          </p:cNvSpPr>
-          <p:nvPr>
-            <p:ph idx="1"/>
-          </p:nvPr>
-        </p:nvSpPr>
-        <p:spPr>
-          <a:xfrm>
-            <a:off x="628650" y="1929384"/>
-            <a:ext cx="7886700" cy="4251960"/>
-          </a:xfrm>
-        </p:spPr>
-        <p:txBody>
-          <a:bodyPr>
-            <a:normAutofit/>
-          </a:bodyPr>
-          <a:lstStyle/>
-          <a:p>
-            <a:pPr>
-              <a:lnSpc>
-                <a:spcPct val="90000"/>
-              </a:lnSpc>
-            </a:pPr>
-            <a:endParaRPr lang="fr-FR" sz="1200"/>
-          </a:p>
-          <a:p>
-            <a:pPr>
-              <a:lnSpc>
-                <a:spcPct val="90000"/>
-              </a:lnSpc>
-            </a:pPr>
-            <a:r>
-              <a:rPr lang="fr-FR" sz="1200" b="1"/>
-              <a:t>Lecture audio impossible (UnsupportedAudioFileException)</a:t>
-            </a:r>
-          </a:p>
-          <a:p>
-            <a:pPr marL="0" indent="0">
-              <a:lnSpc>
-                <a:spcPct val="90000"/>
-              </a:lnSpc>
-              <a:buNone/>
-            </a:pPr>
-            <a:r>
-              <a:rPr lang="fr-FR" sz="1200"/>
-              <a:t>	Cause : Les fichiers .wav étaient encodés en 24-bit PCM, un format non supporté par javax.sound.sampled.</a:t>
-            </a:r>
-          </a:p>
-          <a:p>
-            <a:pPr marL="0" indent="0">
-              <a:lnSpc>
-                <a:spcPct val="90000"/>
-              </a:lnSpc>
-              <a:buNone/>
-            </a:pPr>
-            <a:r>
-              <a:rPr lang="fr-FR" sz="1200"/>
-              <a:t>	Solution : Tous les sons ont été convertis en 16-bit PCM via ffmpeg pour assurer compatibilité Java.</a:t>
-            </a:r>
-          </a:p>
-          <a:p>
-            <a:pPr marL="0" indent="0">
-              <a:lnSpc>
-                <a:spcPct val="90000"/>
-              </a:lnSpc>
-              <a:buNone/>
-            </a:pPr>
-            <a:r>
-              <a:rPr lang="fr-FR" sz="1200"/>
-              <a:t>________________________________________</a:t>
-            </a:r>
-          </a:p>
-          <a:p>
-            <a:pPr>
-              <a:lnSpc>
-                <a:spcPct val="90000"/>
-              </a:lnSpc>
-            </a:pPr>
-            <a:endParaRPr lang="fr-FR" sz="1200" b="1"/>
-          </a:p>
-          <a:p>
-            <a:pPr>
-              <a:lnSpc>
-                <a:spcPct val="90000"/>
-              </a:lnSpc>
-            </a:pPr>
-            <a:r>
-              <a:rPr lang="fr-FR" sz="1200" b="1"/>
-              <a:t>Images non affichées (null URL, File not found)</a:t>
-            </a:r>
-          </a:p>
-          <a:p>
-            <a:pPr marL="0" indent="0">
-              <a:lnSpc>
-                <a:spcPct val="90000"/>
-              </a:lnSpc>
-              <a:buNone/>
-            </a:pPr>
-            <a:r>
-              <a:rPr lang="fr-FR" sz="1200"/>
-              <a:t>	Cause : Mauvaise gestion du chemin d’accès (getResource(...) inadapté au lancement local).</a:t>
-            </a:r>
-          </a:p>
-          <a:p>
-            <a:pPr marL="0" indent="0">
-              <a:lnSpc>
-                <a:spcPct val="90000"/>
-              </a:lnSpc>
-              <a:buNone/>
-            </a:pPr>
-            <a:r>
-              <a:rPr lang="fr-FR" sz="1200"/>
-              <a:t>	Solution : Copie du dossier images/sons a la sources.</a:t>
-            </a:r>
-          </a:p>
-          <a:p>
-            <a:pPr marL="0" indent="0">
-              <a:lnSpc>
-                <a:spcPct val="90000"/>
-              </a:lnSpc>
-              <a:buNone/>
-            </a:pPr>
-            <a:r>
-              <a:rPr lang="fr-FR" sz="1200"/>
-              <a:t>________________________________________</a:t>
-            </a:r>
-          </a:p>
-          <a:p>
-            <a:pPr>
-              <a:lnSpc>
-                <a:spcPct val="90000"/>
-              </a:lnSpc>
-            </a:pPr>
-            <a:endParaRPr lang="fr-FR" sz="1200"/>
-          </a:p>
-          <a:p>
-            <a:pPr>
-              <a:lnSpc>
-                <a:spcPct val="90000"/>
-              </a:lnSpc>
-            </a:pPr>
-            <a:r>
-              <a:rPr lang="fr-FR" sz="1200" b="1"/>
-              <a:t>Plusieurs sons joués en parallèle</a:t>
-            </a:r>
-          </a:p>
-          <a:p>
-            <a:pPr marL="0" indent="0">
-              <a:lnSpc>
-                <a:spcPct val="90000"/>
-              </a:lnSpc>
-              <a:buNone/>
-            </a:pPr>
-            <a:r>
-              <a:rPr lang="fr-FR" sz="1200"/>
-              <a:t>	Cause : Aucun contrôle du Clip en cours → chevauchement des sons.</a:t>
-            </a:r>
-          </a:p>
-          <a:p>
-            <a:pPr marL="0" indent="0">
-              <a:lnSpc>
-                <a:spcPct val="90000"/>
-              </a:lnSpc>
-              <a:buNone/>
-            </a:pPr>
-            <a:r>
-              <a:rPr lang="fr-FR" sz="1200"/>
-              <a:t>	Solution : Vérification via currentClip.isRunning() avant d’autoriser la lecture d’un nouveau son.</a:t>
-            </a:r>
-          </a:p>
-          <a:p>
-            <a:pPr marL="0" indent="0">
-              <a:lnSpc>
-                <a:spcPct val="90000"/>
-              </a:lnSpc>
-              <a:buNone/>
-            </a:pPr>
-            <a:r>
-              <a:rPr lang="fr-FR" sz="1200"/>
-              <a:t>________________________________________________________________________________</a:t>
-            </a:r>
-          </a:p>
-          <a:p>
-            <a:pPr>
-              <a:lnSpc>
-                <a:spcPct val="90000"/>
-              </a:lnSpc>
-            </a:pPr>
-            <a:endParaRPr lang="fr-FR" sz="1200"/>
-          </a:p>
-          <a:p>
-            <a:pPr>
-              <a:lnSpc>
-                <a:spcPct val="90000"/>
-              </a:lnSpc>
-            </a:pPr>
-            <a:r>
-              <a:rPr lang="fr-FR" sz="1200" b="1"/>
-              <a:t>Réponse correcte, mais image absente (bug d’état)</a:t>
-            </a:r>
-          </a:p>
-          <a:p>
-            <a:pPr marL="0" indent="0">
-              <a:lnSpc>
-                <a:spcPct val="90000"/>
-              </a:lnSpc>
-              <a:buNone/>
-            </a:pPr>
-            <a:r>
-              <a:rPr lang="fr-FR" sz="1200"/>
-              <a:t>	Cause : Les modifications UI n’étaient pas dans le thread Swing (EDT), entraînant des comportements erratiques.</a:t>
-            </a:r>
-          </a:p>
-          <a:p>
-            <a:pPr marL="0" indent="0">
-              <a:lnSpc>
-                <a:spcPct val="90000"/>
-              </a:lnSpc>
-              <a:buNone/>
-            </a:pPr>
-            <a:r>
-              <a:rPr lang="fr-FR" sz="1200"/>
-              <a:t>	Solution : Ajout de SwingUtilities.invokeLater(...) pour encapsuler toute mise à jour graphique.</a:t>
-            </a:r>
-          </a:p>
-        </p:txBody>
-      </p:sp>
-    </p:spTree>
-  </p:cSld>
-  <p:clrMapOvr>
-    <a:masterClrMapping/>
-  </p:clrMapOvr>
-</p:sld>
-</file>
-
-<file path=ppt/slides/slide16.xml><?xml version="1.0" encoding="utf-8"?>
-<p:sld xmlns:a="http://schemas.openxmlformats.org/drawingml/2006/main" xmlns:r="http://schemas.openxmlformats.org/officeDocument/2006/relationships" xmlns:p="http://schemas.openxmlformats.org/presentationml/2006/main">
-  <p:cSld>
-    <p:bg>
-      <p:bgPr>
-        <a:solidFill>
-          <a:schemeClr val="bg1"/>
-        </a:solidFill>
-        <a:effectLst/>
-      </p:bgPr>
-    </p:bg>
-    <p:spTree>
-      <p:nvGrpSpPr>
-        <p:cNvPr id="1" name=""/>
-        <p:cNvGrpSpPr/>
-        <p:nvPr/>
-      </p:nvGrpSpPr>
-      <p:grpSpPr>
-        <a:xfrm>
-          <a:off x="0" y="0"/>
-          <a:ext cx="0" cy="0"/>
-          <a:chOff x="0" y="0"/>
-          <a:chExt cx="0" cy="0"/>
-        </a:xfrm>
-      </p:grpSpPr>
-      <p:sp useBgFill="1">
-        <p:nvSpPr>
-          <p:cNvPr id="9" name="Rectangle 8">
-            <a:extLst>
-              <a:ext uri="{FF2B5EF4-FFF2-40B4-BE49-F238E27FC236}">
-                <a16:creationId xmlns:a16="http://schemas.microsoft.com/office/drawing/2014/main" id="{743AA782-23D1-4521-8CAD-47662984AA08}"/>
-              </a:ext>
-              <a:ext uri="{C183D7F6-B498-43B3-948B-1728B52AA6E4}">
-                <adec:decorative xmlns:adec="http://schemas.microsoft.com/office/drawing/2017/decorative" val="1"/>
-              </a:ext>
-            </a:extLst>
-          </p:cNvPr>
-          <p:cNvSpPr>
-            <a:spLocks noGrp="1" noRot="1" noChangeAspect="1" noMove="1" noResize="1" noEditPoints="1" noAdjustHandles="1" noChangeArrowheads="1" noChangeShapeType="1" noTextEdit="1"/>
-          </p:cNvSpPr>
-          <p:nvPr>
-            <p:extLst>
-              <p:ext uri="{386F3935-93C4-4BCD-93E2-E3B085C9AB24}">
-                <p16:designElem xmlns:p16="http://schemas.microsoft.com/office/powerpoint/2015/main" val="1"/>
-              </p:ext>
-            </p:extLst>
-          </p:nvPr>
-        </p:nvSpPr>
-        <p:spPr>
-          <a:xfrm>
-            <a:off x="0" y="0"/>
-            <a:ext cx="9144000" cy="6858000"/>
-          </a:xfrm>
-          <a:prstGeom prst="rect">
-            <a:avLst/>
-          </a:prstGeom>
-          <a:ln>
-            <a:noFill/>
-          </a:ln>
-        </p:spPr>
-        <p:style>
-          <a:lnRef idx="2">
-            <a:schemeClr val="accent1">
-              <a:shade val="50000"/>
-            </a:schemeClr>
-          </a:lnRef>
-          <a:fillRef idx="1">
-            <a:schemeClr val="accent1"/>
-          </a:fillRef>
-          <a:effectRef idx="0">
-            <a:schemeClr val="accent1"/>
-          </a:effectRef>
-          <a:fontRef idx="minor">
-            <a:schemeClr val="lt1"/>
-          </a:fontRef>
-        </p:style>
-        <p:txBody>
-          <a:bodyPr rtlCol="0" anchor="ctr"/>
-          <a:lstStyle/>
-          <a:p>
-            <a:pPr algn="ctr"/>
-            <a:endParaRPr lang="en-US"/>
-          </a:p>
-        </p:txBody>
-      </p:sp>
-      <p:sp>
-        <p:nvSpPr>
-          <p:cNvPr id="2" name="Title 1"/>
-          <p:cNvSpPr>
-            <a:spLocks noGrp="1"/>
-          </p:cNvSpPr>
-          <p:nvPr>
-            <p:ph type="title"/>
-          </p:nvPr>
-        </p:nvSpPr>
-        <p:spPr>
-          <a:xfrm>
-            <a:off x="473202" y="640080"/>
-            <a:ext cx="3614166" cy="1481328"/>
-          </a:xfrm>
-        </p:spPr>
-        <p:txBody>
-          <a:bodyPr anchor="b">
-            <a:normAutofit/>
-          </a:bodyPr>
-          <a:lstStyle/>
-          <a:p>
-            <a:pPr>
-              <a:lnSpc>
-                <a:spcPct val="90000"/>
-              </a:lnSpc>
-            </a:pPr>
-            <a:r>
-              <a:rPr lang="fr-CH" sz="4700"/>
-              <a:t>Conclusion &amp; auto‑critique</a:t>
-            </a:r>
-          </a:p>
-        </p:txBody>
-      </p:sp>
-      <p:sp>
-        <p:nvSpPr>
-          <p:cNvPr id="11" name="sketch line">
-            <a:extLst>
-              <a:ext uri="{FF2B5EF4-FFF2-40B4-BE49-F238E27FC236}">
-                <a16:creationId xmlns:a16="http://schemas.microsoft.com/office/drawing/2014/main" id="{71877DBC-BB60-40F0-AC93-2ACDBAAE60CE}"/>
-              </a:ext>
-              <a:ext uri="{C183D7F6-B498-43B3-948B-1728B52AA6E4}">
-                <adec:decorative xmlns:adec="http://schemas.microsoft.com/office/drawing/2017/decorative" val="1"/>
-              </a:ext>
-            </a:extLst>
-          </p:cNvPr>
-          <p:cNvSpPr>
-            <a:spLocks noGrp="1" noRot="1" noChangeAspect="1" noMove="1" noResize="1" noEditPoints="1" noAdjustHandles="1" noChangeArrowheads="1" noChangeShapeType="1" noTextEdit="1"/>
-          </p:cNvSpPr>
-          <p:nvPr>
-            <p:extLst>
-              <p:ext uri="{386F3935-93C4-4BCD-93E2-E3B085C9AB24}">
-                <p16:designElem xmlns:p16="http://schemas.microsoft.com/office/powerpoint/2015/main" val="1"/>
-              </p:ext>
-            </p:extLst>
-          </p:nvPr>
-        </p:nvSpPr>
-        <p:spPr>
-          <a:xfrm>
-            <a:off x="482458" y="2372868"/>
-            <a:ext cx="2441321" cy="18288"/>
-          </a:xfrm>
-          <a:custGeom>
-            <a:avLst/>
-            <a:gdLst>
-              <a:gd name="connsiteX0" fmla="*/ 0 w 2441321"/>
-              <a:gd name="connsiteY0" fmla="*/ 0 h 18288"/>
-              <a:gd name="connsiteX1" fmla="*/ 585917 w 2441321"/>
-              <a:gd name="connsiteY1" fmla="*/ 0 h 18288"/>
-              <a:gd name="connsiteX2" fmla="*/ 1196247 w 2441321"/>
-              <a:gd name="connsiteY2" fmla="*/ 0 h 18288"/>
-              <a:gd name="connsiteX3" fmla="*/ 1806578 w 2441321"/>
-              <a:gd name="connsiteY3" fmla="*/ 0 h 18288"/>
-              <a:gd name="connsiteX4" fmla="*/ 2441321 w 2441321"/>
-              <a:gd name="connsiteY4" fmla="*/ 0 h 18288"/>
-              <a:gd name="connsiteX5" fmla="*/ 2441321 w 2441321"/>
-              <a:gd name="connsiteY5" fmla="*/ 18288 h 18288"/>
-              <a:gd name="connsiteX6" fmla="*/ 1830991 w 2441321"/>
-              <a:gd name="connsiteY6" fmla="*/ 18288 h 18288"/>
-              <a:gd name="connsiteX7" fmla="*/ 1269487 w 2441321"/>
-              <a:gd name="connsiteY7" fmla="*/ 18288 h 18288"/>
-              <a:gd name="connsiteX8" fmla="*/ 707983 w 2441321"/>
-              <a:gd name="connsiteY8" fmla="*/ 18288 h 18288"/>
-              <a:gd name="connsiteX9" fmla="*/ 0 w 2441321"/>
-              <a:gd name="connsiteY9" fmla="*/ 18288 h 18288"/>
-              <a:gd name="connsiteX10" fmla="*/ 0 w 2441321"/>
-              <a:gd name="connsiteY10" fmla="*/ 0 h 18288"/>
-            </a:gdLst>
-            <a:ahLst/>
-            <a:cxnLst>
-              <a:cxn ang="0">
-                <a:pos x="connsiteX0" y="connsiteY0"/>
-              </a:cxn>
-              <a:cxn ang="0">
-                <a:pos x="connsiteX1" y="connsiteY1"/>
-              </a:cxn>
-              <a:cxn ang="0">
-                <a:pos x="connsiteX2" y="connsiteY2"/>
-              </a:cxn>
-              <a:cxn ang="0">
-                <a:pos x="connsiteX3" y="connsiteY3"/>
-              </a:cxn>
-              <a:cxn ang="0">
-                <a:pos x="connsiteX4" y="connsiteY4"/>
-              </a:cxn>
-              <a:cxn ang="0">
-                <a:pos x="connsiteX5" y="connsiteY5"/>
-              </a:cxn>
-              <a:cxn ang="0">
-                <a:pos x="connsiteX6" y="connsiteY6"/>
-              </a:cxn>
-              <a:cxn ang="0">
-                <a:pos x="connsiteX7" y="connsiteY7"/>
-              </a:cxn>
-              <a:cxn ang="0">
-                <a:pos x="connsiteX8" y="connsiteY8"/>
-              </a:cxn>
-              <a:cxn ang="0">
-                <a:pos x="connsiteX9" y="connsiteY9"/>
-              </a:cxn>
-              <a:cxn ang="0">
-                <a:pos x="connsiteX10" y="connsiteY10"/>
-              </a:cxn>
-            </a:cxnLst>
-            <a:rect l="l" t="t" r="r" b="b"/>
-            <a:pathLst>
-              <a:path w="2441321" h="18288" fill="none" extrusionOk="0">
-                <a:moveTo>
-                  <a:pt x="0" y="0"/>
-                </a:moveTo>
-                <a:cubicBezTo>
-                  <a:pt x="273217" y="-17533"/>
-                  <a:pt x="355785" y="-4171"/>
-                  <a:pt x="585917" y="0"/>
-                </a:cubicBezTo>
-                <a:cubicBezTo>
-                  <a:pt x="816049" y="4171"/>
-                  <a:pt x="991446" y="-9419"/>
-                  <a:pt x="1196247" y="0"/>
-                </a:cubicBezTo>
-                <a:cubicBezTo>
-                  <a:pt x="1401048" y="9419"/>
-                  <a:pt x="1589984" y="-731"/>
-                  <a:pt x="1806578" y="0"/>
-                </a:cubicBezTo>
-                <a:cubicBezTo>
-                  <a:pt x="2023172" y="731"/>
-                  <a:pt x="2247754" y="8393"/>
-                  <a:pt x="2441321" y="0"/>
-                </a:cubicBezTo>
-                <a:cubicBezTo>
-                  <a:pt x="2441167" y="8655"/>
-                  <a:pt x="2440437" y="9975"/>
-                  <a:pt x="2441321" y="18288"/>
-                </a:cubicBezTo>
-                <a:cubicBezTo>
-                  <a:pt x="2169723" y="30506"/>
-                  <a:pt x="2045712" y="39140"/>
-                  <a:pt x="1830991" y="18288"/>
-                </a:cubicBezTo>
-                <a:cubicBezTo>
-                  <a:pt x="1616270" y="-2564"/>
-                  <a:pt x="1505876" y="3949"/>
-                  <a:pt x="1269487" y="18288"/>
-                </a:cubicBezTo>
-                <a:cubicBezTo>
-                  <a:pt x="1033098" y="32627"/>
-                  <a:pt x="908661" y="41191"/>
-                  <a:pt x="707983" y="18288"/>
-                </a:cubicBezTo>
-                <a:cubicBezTo>
-                  <a:pt x="507305" y="-4615"/>
-                  <a:pt x="333592" y="20759"/>
-                  <a:pt x="0" y="18288"/>
-                </a:cubicBezTo>
-                <a:cubicBezTo>
-                  <a:pt x="-688" y="11716"/>
-                  <a:pt x="875" y="6357"/>
-                  <a:pt x="0" y="0"/>
-                </a:cubicBezTo>
-                <a:close/>
-              </a:path>
-              <a:path w="2441321" h="18288" stroke="0" extrusionOk="0">
-                <a:moveTo>
-                  <a:pt x="0" y="0"/>
-                </a:moveTo>
-                <a:cubicBezTo>
-                  <a:pt x="207071" y="-14617"/>
-                  <a:pt x="444194" y="-15606"/>
-                  <a:pt x="585917" y="0"/>
-                </a:cubicBezTo>
-                <a:cubicBezTo>
-                  <a:pt x="727640" y="15606"/>
-                  <a:pt x="904326" y="-79"/>
-                  <a:pt x="1123008" y="0"/>
-                </a:cubicBezTo>
-                <a:cubicBezTo>
-                  <a:pt x="1341690" y="79"/>
-                  <a:pt x="1600014" y="10401"/>
-                  <a:pt x="1782164" y="0"/>
-                </a:cubicBezTo>
-                <a:cubicBezTo>
-                  <a:pt x="1964314" y="-10401"/>
-                  <a:pt x="2143537" y="-21488"/>
-                  <a:pt x="2441321" y="0"/>
-                </a:cubicBezTo>
-                <a:cubicBezTo>
-                  <a:pt x="2441735" y="5928"/>
-                  <a:pt x="2441551" y="11133"/>
-                  <a:pt x="2441321" y="18288"/>
-                </a:cubicBezTo>
-                <a:cubicBezTo>
-                  <a:pt x="2166745" y="28773"/>
-                  <a:pt x="2078726" y="15476"/>
-                  <a:pt x="1879817" y="18288"/>
-                </a:cubicBezTo>
-                <a:cubicBezTo>
-                  <a:pt x="1680908" y="21100"/>
-                  <a:pt x="1548770" y="-4127"/>
-                  <a:pt x="1318313" y="18288"/>
-                </a:cubicBezTo>
-                <a:cubicBezTo>
-                  <a:pt x="1087856" y="40703"/>
-                  <a:pt x="894613" y="3927"/>
-                  <a:pt x="659157" y="18288"/>
-                </a:cubicBezTo>
-                <a:cubicBezTo>
-                  <a:pt x="423701" y="32649"/>
-                  <a:pt x="246611" y="33975"/>
-                  <a:pt x="0" y="18288"/>
-                </a:cubicBezTo>
-                <a:cubicBezTo>
-                  <a:pt x="-348" y="10388"/>
-                  <a:pt x="-12" y="3969"/>
-                  <a:pt x="0" y="0"/>
-                </a:cubicBezTo>
-                <a:close/>
-              </a:path>
-            </a:pathLst>
-          </a:custGeom>
-          <a:solidFill>
-            <a:schemeClr val="accent2"/>
-          </a:solidFill>
-          <a:ln w="38100" cap="rnd">
-            <a:solidFill>
-              <a:schemeClr val="accent2"/>
-            </a:solidFill>
-            <a:round/>
-            <a:extLst>
-              <a:ext uri="{C807C97D-BFC1-408E-A445-0C87EB9F89A2}">
-                <ask:lineSketchStyleProps xmlns:ask="http://schemas.microsoft.com/office/drawing/2018/sketchyshapes" sd="1219033472">
-                  <a:prstGeom prst="rect">
-                    <a:avLst/>
-                  </a:prstGeom>
-                  <ask:type>
-                    <ask:lineSketchFreehand/>
-                  </ask:type>
-                </ask:lineSketchStyleProps>
-              </a:ext>
-            </a:extLst>
-          </a:ln>
-        </p:spPr>
-        <p:style>
-          <a:lnRef idx="2">
-            <a:schemeClr val="accent1">
-              <a:shade val="50000"/>
-            </a:schemeClr>
-          </a:lnRef>
-          <a:fillRef idx="1">
-            <a:schemeClr val="accent1"/>
-          </a:fillRef>
-          <a:effectRef idx="0">
-            <a:schemeClr val="accent1"/>
-          </a:effectRef>
-          <a:fontRef idx="minor">
-            <a:schemeClr val="lt1"/>
-          </a:fontRef>
-        </p:style>
-        <p:txBody>
-          <a:bodyPr rtlCol="0" anchor="ctr"/>
-          <a:lstStyle/>
-          <a:p>
-            <a:pPr algn="ctr"/>
-            <a:endParaRPr lang="en-US"/>
-          </a:p>
-        </p:txBody>
-      </p:sp>
-      <p:sp>
-        <p:nvSpPr>
-          <p:cNvPr id="3" name="Content Placeholder 2"/>
-          <p:cNvSpPr>
-            <a:spLocks noGrp="1"/>
-          </p:cNvSpPr>
-          <p:nvPr>
-            <p:ph idx="1"/>
-          </p:nvPr>
-        </p:nvSpPr>
-        <p:spPr>
-          <a:xfrm>
-            <a:off x="473202" y="2660904"/>
-            <a:ext cx="3614166" cy="3547872"/>
-          </a:xfrm>
-        </p:spPr>
-        <p:txBody>
-          <a:bodyPr anchor="t">
-            <a:normAutofit/>
-          </a:bodyPr>
-          <a:lstStyle/>
-          <a:p>
-            <a:pPr>
-              <a:lnSpc>
-                <a:spcPct val="90000"/>
-              </a:lnSpc>
-            </a:pPr>
-            <a:endParaRPr lang="fr-FR" sz="1900" b="1"/>
-          </a:p>
-          <a:p>
-            <a:pPr>
-              <a:lnSpc>
-                <a:spcPct val="90000"/>
-              </a:lnSpc>
-            </a:pPr>
-            <a:r>
-              <a:rPr lang="fr-FR" sz="1900" b="1"/>
-              <a:t>Swing &amp; MVC maîtrisés, code commenté.</a:t>
-            </a:r>
-          </a:p>
-          <a:p>
-            <a:pPr>
-              <a:lnSpc>
-                <a:spcPct val="90000"/>
-              </a:lnSpc>
-            </a:pPr>
-            <a:r>
-              <a:rPr lang="fr-FR" sz="1900" b="1"/>
-              <a:t>Robuste sur ressources &amp; audio.</a:t>
-            </a:r>
-          </a:p>
-          <a:p>
-            <a:pPr>
-              <a:lnSpc>
-                <a:spcPct val="90000"/>
-              </a:lnSpc>
-            </a:pPr>
-            <a:r>
-              <a:rPr lang="fr-FR" sz="1900" b="1"/>
-              <a:t>Améliorations : perf images, tests, UI/UX.</a:t>
-            </a:r>
-          </a:p>
-          <a:p>
-            <a:pPr>
-              <a:lnSpc>
-                <a:spcPct val="90000"/>
-              </a:lnSpc>
-            </a:pPr>
-            <a:r>
-              <a:rPr lang="fr-FR" sz="1900" b="1"/>
-              <a:t>Persistances scores (JSON).</a:t>
-            </a:r>
-          </a:p>
-          <a:p>
-            <a:pPr>
-              <a:lnSpc>
-                <a:spcPct val="90000"/>
-              </a:lnSpc>
-            </a:pPr>
-            <a:r>
-              <a:rPr lang="fr-FR" sz="1900" b="1"/>
-              <a:t>Portage éventuel vers JavaFX.</a:t>
-            </a:r>
-          </a:p>
-          <a:p>
-            <a:pPr>
-              <a:lnSpc>
-                <a:spcPct val="90000"/>
-              </a:lnSpc>
-            </a:pPr>
-            <a:r>
-              <a:rPr lang="fr-FR" sz="1900" b="1"/>
-              <a:t>Tests unitaires supplémentaires.</a:t>
-            </a:r>
-          </a:p>
-          <a:p>
-            <a:pPr>
-              <a:lnSpc>
-                <a:spcPct val="90000"/>
-              </a:lnSpc>
-            </a:pPr>
-            <a:endParaRPr lang="fr-FR" sz="1900"/>
-          </a:p>
-        </p:txBody>
-      </p:sp>
-      <p:pic>
-        <p:nvPicPr>
-          <p:cNvPr id="4" name="Picture 4" descr="84eae790-37f3-4578-8842-68437cabb683.png">
-            <a:extLst>
-              <a:ext uri="{FF2B5EF4-FFF2-40B4-BE49-F238E27FC236}">
-                <a16:creationId xmlns:a16="http://schemas.microsoft.com/office/drawing/2014/main" id="{076D0602-D695-9AF2-6BA6-254343B0B495}"/>
-              </a:ext>
-            </a:extLst>
-          </p:cNvPr>
-          <p:cNvPicPr>
-            <a:picLocks noChangeAspect="1"/>
-          </p:cNvPicPr>
-          <p:nvPr/>
-        </p:nvPicPr>
-        <p:blipFill>
-          <a:blip r:embed="rId2"/>
-          <a:stretch>
-            <a:fillRect/>
-          </a:stretch>
-        </p:blipFill>
-        <p:spPr>
-          <a:xfrm>
-            <a:off x="4574286" y="2062552"/>
-            <a:ext cx="4094226" cy="2732895"/>
-          </a:xfrm>
-          <a:prstGeom prst="rect">
-            <a:avLst/>
-          </a:prstGeom>
-        </p:spPr>
-      </p:pic>
-    </p:spTree>
-  </p:cSld>
-  <p:clrMapOvr>
-    <a:masterClrMapping/>
-  </p:clrMapOvr>
-</p:sld>
-</file>
-
-<file path=ppt/slides/slide2.xml><?xml version="1.0" encoding="utf-8"?>
-<p:sld xmlns:a="http://schemas.openxmlformats.org/drawingml/2006/main" xmlns:r="http://schemas.openxmlformats.org/officeDocument/2006/relationships" xmlns:p="http://schemas.openxmlformats.org/presentationml/2006/main">
-  <p:cSld>
-    <p:bg>
-      <p:bgPr>
-        <a:solidFill>
-          <a:schemeClr val="bg1"/>
-        </a:solidFill>
-        <a:effectLst/>
-      </p:bgPr>
-    </p:bg>
-    <p:spTree>
-      <p:nvGrpSpPr>
-        <p:cNvPr id="1" name=""/>
-        <p:cNvGrpSpPr/>
-        <p:nvPr/>
-      </p:nvGrpSpPr>
-      <p:grpSpPr>
-        <a:xfrm>
-          <a:off x="0" y="0"/>
-          <a:ext cx="0" cy="0"/>
-          <a:chOff x="0" y="0"/>
-          <a:chExt cx="0" cy="0"/>
-        </a:xfrm>
-      </p:grpSpPr>
-      <p:sp useBgFill="1">
-        <p:nvSpPr>
-          <p:cNvPr id="30" name="Rectangle 29">
-            <a:extLst>
-              <a:ext uri="{FF2B5EF4-FFF2-40B4-BE49-F238E27FC236}">
-                <a16:creationId xmlns:a16="http://schemas.microsoft.com/office/drawing/2014/main" id="{100EDD19-6802-4EC3-95CE-CFFAB042CFD6}"/>
-              </a:ext>
-              <a:ext uri="{C183D7F6-B498-43B3-948B-1728B52AA6E4}">
-                <adec:decorative xmlns:adec="http://schemas.microsoft.com/office/drawing/2017/decorative" val="1"/>
-              </a:ext>
-            </a:extLst>
-          </p:cNvPr>
-          <p:cNvSpPr>
-            <a:spLocks noGrp="1" noRot="1" noChangeAspect="1" noMove="1" noResize="1" noEditPoints="1" noAdjustHandles="1" noChangeArrowheads="1" noChangeShapeType="1" noTextEdit="1"/>
-          </p:cNvSpPr>
-          <p:nvPr>
-            <p:extLst>
-              <p:ext uri="{386F3935-93C4-4BCD-93E2-E3B085C9AB24}">
-                <p16:designElem xmlns:p16="http://schemas.microsoft.com/office/powerpoint/2015/main" val="1"/>
-              </p:ext>
-            </p:extLst>
-          </p:nvPr>
-        </p:nvSpPr>
-        <p:spPr>
-          <a:xfrm>
-            <a:off x="0" y="0"/>
-            <a:ext cx="9141714" cy="6858000"/>
-          </a:xfrm>
-          <a:prstGeom prst="rect">
-            <a:avLst/>
-          </a:prstGeom>
-          <a:ln>
-            <a:noFill/>
-          </a:ln>
-        </p:spPr>
-        <p:style>
-          <a:lnRef idx="2">
-            <a:schemeClr val="accent1">
-              <a:shade val="50000"/>
-            </a:schemeClr>
-          </a:lnRef>
-          <a:fillRef idx="1">
-            <a:schemeClr val="accent1"/>
-          </a:fillRef>
-          <a:effectRef idx="0">
-            <a:schemeClr val="accent1"/>
-          </a:effectRef>
-          <a:fontRef idx="minor">
-            <a:schemeClr val="lt1"/>
-          </a:fontRef>
-        </p:style>
-        <p:txBody>
-          <a:bodyPr rtlCol="0" anchor="ctr"/>
-          <a:lstStyle/>
-          <a:p>
-            <a:pPr algn="ctr"/>
-            <a:endParaRPr lang="en-US"/>
-          </a:p>
-        </p:txBody>
-      </p:sp>
-      <p:sp>
-        <p:nvSpPr>
-          <p:cNvPr id="2" name="Title 1"/>
-          <p:cNvSpPr>
-            <a:spLocks noGrp="1"/>
-          </p:cNvSpPr>
-          <p:nvPr>
-            <p:ph type="title"/>
-          </p:nvPr>
-        </p:nvSpPr>
-        <p:spPr>
-          <a:xfrm>
-            <a:off x="628650" y="365125"/>
-            <a:ext cx="7886700" cy="1325563"/>
-          </a:xfrm>
-        </p:spPr>
-        <p:txBody>
-          <a:bodyPr>
-            <a:normAutofit/>
-          </a:bodyPr>
-          <a:lstStyle/>
-          <a:p>
-            <a:r>
-              <a:rPr lang="fr-CH" sz="4700"/>
-              <a:t>Présentation du projet</a:t>
-            </a:r>
-          </a:p>
-        </p:txBody>
-      </p:sp>
-      <p:sp>
-        <p:nvSpPr>
-          <p:cNvPr id="31" name="sketch line">
-            <a:extLst>
-              <a:ext uri="{FF2B5EF4-FFF2-40B4-BE49-F238E27FC236}">
-                <a16:creationId xmlns:a16="http://schemas.microsoft.com/office/drawing/2014/main" id="{DB17E863-922E-4C26-BD64-E8FD41D28661}"/>
-              </a:ext>
-              <a:ext uri="{C183D7F6-B498-43B3-948B-1728B52AA6E4}">
-                <adec:decorative xmlns:adec="http://schemas.microsoft.com/office/drawing/2017/decorative" val="1"/>
-              </a:ext>
-            </a:extLst>
-          </p:cNvPr>
-          <p:cNvSpPr>
-            <a:spLocks noGrp="1" noRot="1" noChangeAspect="1" noMove="1" noResize="1" noEditPoints="1" noAdjustHandles="1" noChangeArrowheads="1" noChangeShapeType="1" noTextEdit="1"/>
-          </p:cNvSpPr>
-          <p:nvPr>
-            <p:extLst>
-              <p:ext uri="{386F3935-93C4-4BCD-93E2-E3B085C9AB24}">
-                <p16:designElem xmlns:p16="http://schemas.microsoft.com/office/powerpoint/2015/main" val="1"/>
-              </p:ext>
-            </p:extLst>
-          </p:nvPr>
-        </p:nvSpPr>
-        <p:spPr>
-          <a:xfrm>
-            <a:off x="501777" y="1677373"/>
-            <a:ext cx="8140446" cy="18288"/>
-          </a:xfrm>
-          <a:custGeom>
-            <a:avLst/>
-            <a:gdLst>
-              <a:gd name="connsiteX0" fmla="*/ 0 w 8140446"/>
-              <a:gd name="connsiteY0" fmla="*/ 0 h 18288"/>
-              <a:gd name="connsiteX1" fmla="*/ 434157 w 8140446"/>
-              <a:gd name="connsiteY1" fmla="*/ 0 h 18288"/>
-              <a:gd name="connsiteX2" fmla="*/ 1193932 w 8140446"/>
-              <a:gd name="connsiteY2" fmla="*/ 0 h 18288"/>
-              <a:gd name="connsiteX3" fmla="*/ 1628089 w 8140446"/>
-              <a:gd name="connsiteY3" fmla="*/ 0 h 18288"/>
-              <a:gd name="connsiteX4" fmla="*/ 2225055 w 8140446"/>
-              <a:gd name="connsiteY4" fmla="*/ 0 h 18288"/>
-              <a:gd name="connsiteX5" fmla="*/ 3066235 w 8140446"/>
-              <a:gd name="connsiteY5" fmla="*/ 0 h 18288"/>
-              <a:gd name="connsiteX6" fmla="*/ 3744605 w 8140446"/>
-              <a:gd name="connsiteY6" fmla="*/ 0 h 18288"/>
-              <a:gd name="connsiteX7" fmla="*/ 4504380 w 8140446"/>
-              <a:gd name="connsiteY7" fmla="*/ 0 h 18288"/>
-              <a:gd name="connsiteX8" fmla="*/ 5101346 w 8140446"/>
-              <a:gd name="connsiteY8" fmla="*/ 0 h 18288"/>
-              <a:gd name="connsiteX9" fmla="*/ 5779717 w 8140446"/>
-              <a:gd name="connsiteY9" fmla="*/ 0 h 18288"/>
-              <a:gd name="connsiteX10" fmla="*/ 6620896 w 8140446"/>
-              <a:gd name="connsiteY10" fmla="*/ 0 h 18288"/>
-              <a:gd name="connsiteX11" fmla="*/ 7136458 w 8140446"/>
-              <a:gd name="connsiteY11" fmla="*/ 0 h 18288"/>
-              <a:gd name="connsiteX12" fmla="*/ 8140446 w 8140446"/>
-              <a:gd name="connsiteY12" fmla="*/ 0 h 18288"/>
-              <a:gd name="connsiteX13" fmla="*/ 8140446 w 8140446"/>
-              <a:gd name="connsiteY13" fmla="*/ 18288 h 18288"/>
-              <a:gd name="connsiteX14" fmla="*/ 7543480 w 8140446"/>
-              <a:gd name="connsiteY14" fmla="*/ 18288 h 18288"/>
-              <a:gd name="connsiteX15" fmla="*/ 7109323 w 8140446"/>
-              <a:gd name="connsiteY15" fmla="*/ 18288 h 18288"/>
-              <a:gd name="connsiteX16" fmla="*/ 6430952 w 8140446"/>
-              <a:gd name="connsiteY16" fmla="*/ 18288 h 18288"/>
-              <a:gd name="connsiteX17" fmla="*/ 5915391 w 8140446"/>
-              <a:gd name="connsiteY17" fmla="*/ 18288 h 18288"/>
-              <a:gd name="connsiteX18" fmla="*/ 5237020 w 8140446"/>
-              <a:gd name="connsiteY18" fmla="*/ 18288 h 18288"/>
-              <a:gd name="connsiteX19" fmla="*/ 4558650 w 8140446"/>
-              <a:gd name="connsiteY19" fmla="*/ 18288 h 18288"/>
-              <a:gd name="connsiteX20" fmla="*/ 3880279 w 8140446"/>
-              <a:gd name="connsiteY20" fmla="*/ 18288 h 18288"/>
-              <a:gd name="connsiteX21" fmla="*/ 3201909 w 8140446"/>
-              <a:gd name="connsiteY21" fmla="*/ 18288 h 18288"/>
-              <a:gd name="connsiteX22" fmla="*/ 2604943 w 8140446"/>
-              <a:gd name="connsiteY22" fmla="*/ 18288 h 18288"/>
-              <a:gd name="connsiteX23" fmla="*/ 1845168 w 8140446"/>
-              <a:gd name="connsiteY23" fmla="*/ 18288 h 18288"/>
-              <a:gd name="connsiteX24" fmla="*/ 1166797 w 8140446"/>
-              <a:gd name="connsiteY24" fmla="*/ 18288 h 18288"/>
-              <a:gd name="connsiteX25" fmla="*/ 0 w 8140446"/>
-              <a:gd name="connsiteY25" fmla="*/ 18288 h 18288"/>
-              <a:gd name="connsiteX26" fmla="*/ 0 w 8140446"/>
-              <a:gd name="connsiteY26" fmla="*/ 0 h 18288"/>
-            </a:gdLst>
-            <a:ahLst/>
-            <a:cxnLst>
-              <a:cxn ang="0">
-                <a:pos x="connsiteX0" y="connsiteY0"/>
-              </a:cxn>
-              <a:cxn ang="0">
-                <a:pos x="connsiteX1" y="connsiteY1"/>
-              </a:cxn>
-              <a:cxn ang="0">
-                <a:pos x="connsiteX2" y="connsiteY2"/>
-              </a:cxn>
-              <a:cxn ang="0">
-                <a:pos x="connsiteX3" y="connsiteY3"/>
-              </a:cxn>
-              <a:cxn ang="0">
-                <a:pos x="connsiteX4" y="connsiteY4"/>
-              </a:cxn>
-              <a:cxn ang="0">
-                <a:pos x="connsiteX5" y="connsiteY5"/>
-              </a:cxn>
-              <a:cxn ang="0">
-                <a:pos x="connsiteX6" y="connsiteY6"/>
-              </a:cxn>
-              <a:cxn ang="0">
-                <a:pos x="connsiteX7" y="connsiteY7"/>
-              </a:cxn>
-              <a:cxn ang="0">
-                <a:pos x="connsiteX8" y="connsiteY8"/>
-              </a:cxn>
-              <a:cxn ang="0">
-                <a:pos x="connsiteX9" y="connsiteY9"/>
-              </a:cxn>
-              <a:cxn ang="0">
-                <a:pos x="connsiteX10" y="connsiteY10"/>
-              </a:cxn>
-              <a:cxn ang="0">
-                <a:pos x="connsiteX11" y="connsiteY11"/>
-              </a:cxn>
-              <a:cxn ang="0">
-                <a:pos x="connsiteX12" y="connsiteY12"/>
-              </a:cxn>
-              <a:cxn ang="0">
-                <a:pos x="connsiteX13" y="connsiteY13"/>
-              </a:cxn>
-              <a:cxn ang="0">
-                <a:pos x="connsiteX14" y="connsiteY14"/>
-              </a:cxn>
-              <a:cxn ang="0">
-                <a:pos x="connsiteX15" y="connsiteY15"/>
-              </a:cxn>
-              <a:cxn ang="0">
-                <a:pos x="connsiteX16" y="connsiteY16"/>
-              </a:cxn>
-              <a:cxn ang="0">
-                <a:pos x="connsiteX17" y="connsiteY17"/>
-              </a:cxn>
-              <a:cxn ang="0">
-                <a:pos x="connsiteX18" y="connsiteY18"/>
-              </a:cxn>
-              <a:cxn ang="0">
-                <a:pos x="connsiteX19" y="connsiteY19"/>
-              </a:cxn>
-              <a:cxn ang="0">
-                <a:pos x="connsiteX20" y="connsiteY20"/>
-              </a:cxn>
-              <a:cxn ang="0">
-                <a:pos x="connsiteX21" y="connsiteY21"/>
-              </a:cxn>
-              <a:cxn ang="0">
-                <a:pos x="connsiteX22" y="connsiteY22"/>
-              </a:cxn>
-              <a:cxn ang="0">
-                <a:pos x="connsiteX23" y="connsiteY23"/>
-              </a:cxn>
-              <a:cxn ang="0">
-                <a:pos x="connsiteX24" y="connsiteY24"/>
-              </a:cxn>
-              <a:cxn ang="0">
-                <a:pos x="connsiteX25" y="connsiteY25"/>
-              </a:cxn>
-              <a:cxn ang="0">
-                <a:pos x="connsiteX26" y="connsiteY26"/>
-              </a:cxn>
-            </a:cxnLst>
-            <a:rect l="l" t="t" r="r" b="b"/>
-            <a:pathLst>
-              <a:path w="8140446" h="18288" fill="none" extrusionOk="0">
-                <a:moveTo>
-                  <a:pt x="0" y="0"/>
-                </a:moveTo>
-                <a:cubicBezTo>
-                  <a:pt x="94920" y="9103"/>
-                  <a:pt x="287892" y="-4966"/>
-                  <a:pt x="434157" y="0"/>
-                </a:cubicBezTo>
-                <a:cubicBezTo>
-                  <a:pt x="580422" y="4966"/>
-                  <a:pt x="943595" y="-14182"/>
-                  <a:pt x="1193932" y="0"/>
-                </a:cubicBezTo>
-                <a:cubicBezTo>
-                  <a:pt x="1444270" y="14182"/>
-                  <a:pt x="1472129" y="5523"/>
-                  <a:pt x="1628089" y="0"/>
-                </a:cubicBezTo>
-                <a:cubicBezTo>
-                  <a:pt x="1784049" y="-5523"/>
-                  <a:pt x="1962419" y="-17322"/>
-                  <a:pt x="2225055" y="0"/>
-                </a:cubicBezTo>
-                <a:cubicBezTo>
-                  <a:pt x="2487691" y="17322"/>
-                  <a:pt x="2700681" y="1311"/>
-                  <a:pt x="3066235" y="0"/>
-                </a:cubicBezTo>
-                <a:cubicBezTo>
-                  <a:pt x="3431789" y="-1311"/>
-                  <a:pt x="3405662" y="25081"/>
-                  <a:pt x="3744605" y="0"/>
-                </a:cubicBezTo>
-                <a:cubicBezTo>
-                  <a:pt x="4083548" y="-25081"/>
-                  <a:pt x="4265111" y="-11945"/>
-                  <a:pt x="4504380" y="0"/>
-                </a:cubicBezTo>
-                <a:cubicBezTo>
-                  <a:pt x="4743649" y="11945"/>
-                  <a:pt x="4860394" y="-2832"/>
-                  <a:pt x="5101346" y="0"/>
-                </a:cubicBezTo>
-                <a:cubicBezTo>
-                  <a:pt x="5342298" y="2832"/>
-                  <a:pt x="5456387" y="23676"/>
-                  <a:pt x="5779717" y="0"/>
-                </a:cubicBezTo>
-                <a:cubicBezTo>
-                  <a:pt x="6103047" y="-23676"/>
-                  <a:pt x="6270379" y="-37291"/>
-                  <a:pt x="6620896" y="0"/>
-                </a:cubicBezTo>
-                <a:cubicBezTo>
-                  <a:pt x="6971413" y="37291"/>
-                  <a:pt x="6989068" y="24674"/>
-                  <a:pt x="7136458" y="0"/>
-                </a:cubicBezTo>
-                <a:cubicBezTo>
-                  <a:pt x="7283848" y="-24674"/>
-                  <a:pt x="7752532" y="-22436"/>
-                  <a:pt x="8140446" y="0"/>
-                </a:cubicBezTo>
-                <a:cubicBezTo>
-                  <a:pt x="8140314" y="7702"/>
-                  <a:pt x="8140234" y="13511"/>
-                  <a:pt x="8140446" y="18288"/>
-                </a:cubicBezTo>
-                <a:cubicBezTo>
-                  <a:pt x="7906329" y="-3043"/>
-                  <a:pt x="7681180" y="27465"/>
-                  <a:pt x="7543480" y="18288"/>
-                </a:cubicBezTo>
-                <a:cubicBezTo>
-                  <a:pt x="7405780" y="9111"/>
-                  <a:pt x="7216607" y="3660"/>
-                  <a:pt x="7109323" y="18288"/>
-                </a:cubicBezTo>
-                <a:cubicBezTo>
-                  <a:pt x="7002039" y="32916"/>
-                  <a:pt x="6576231" y="42692"/>
-                  <a:pt x="6430952" y="18288"/>
-                </a:cubicBezTo>
-                <a:cubicBezTo>
-                  <a:pt x="6285673" y="-6116"/>
-                  <a:pt x="6138840" y="34521"/>
-                  <a:pt x="5915391" y="18288"/>
-                </a:cubicBezTo>
-                <a:cubicBezTo>
-                  <a:pt x="5691942" y="2055"/>
-                  <a:pt x="5459460" y="51666"/>
-                  <a:pt x="5237020" y="18288"/>
-                </a:cubicBezTo>
-                <a:cubicBezTo>
-                  <a:pt x="5014580" y="-15090"/>
-                  <a:pt x="4747677" y="40449"/>
-                  <a:pt x="4558650" y="18288"/>
-                </a:cubicBezTo>
-                <a:cubicBezTo>
-                  <a:pt x="4369623" y="-3873"/>
-                  <a:pt x="4146061" y="12568"/>
-                  <a:pt x="3880279" y="18288"/>
-                </a:cubicBezTo>
-                <a:cubicBezTo>
-                  <a:pt x="3614497" y="24008"/>
-                  <a:pt x="3473808" y="-12908"/>
-                  <a:pt x="3201909" y="18288"/>
-                </a:cubicBezTo>
-                <a:cubicBezTo>
-                  <a:pt x="2930010" y="49484"/>
-                  <a:pt x="2728175" y="-3430"/>
-                  <a:pt x="2604943" y="18288"/>
-                </a:cubicBezTo>
-                <a:cubicBezTo>
-                  <a:pt x="2481711" y="40006"/>
-                  <a:pt x="2004334" y="26952"/>
-                  <a:pt x="1845168" y="18288"/>
-                </a:cubicBezTo>
-                <a:cubicBezTo>
-                  <a:pt x="1686003" y="9624"/>
-                  <a:pt x="1375070" y="37580"/>
-                  <a:pt x="1166797" y="18288"/>
-                </a:cubicBezTo>
-                <a:cubicBezTo>
-                  <a:pt x="958524" y="-1004"/>
-                  <a:pt x="342846" y="8880"/>
-                  <a:pt x="0" y="18288"/>
-                </a:cubicBezTo>
-                <a:cubicBezTo>
-                  <a:pt x="129" y="13298"/>
-                  <a:pt x="-675" y="6857"/>
-                  <a:pt x="0" y="0"/>
-                </a:cubicBezTo>
-                <a:close/>
-              </a:path>
-              <a:path w="8140446" h="18288" stroke="0" extrusionOk="0">
-                <a:moveTo>
-                  <a:pt x="0" y="0"/>
-                </a:moveTo>
-                <a:cubicBezTo>
-                  <a:pt x="142435" y="-24533"/>
-                  <a:pt x="380026" y="17447"/>
-                  <a:pt x="596966" y="0"/>
-                </a:cubicBezTo>
-                <a:cubicBezTo>
-                  <a:pt x="813906" y="-17447"/>
-                  <a:pt x="830530" y="13462"/>
-                  <a:pt x="1031123" y="0"/>
-                </a:cubicBezTo>
-                <a:cubicBezTo>
-                  <a:pt x="1231716" y="-13462"/>
-                  <a:pt x="1634038" y="0"/>
-                  <a:pt x="1872303" y="0"/>
-                </a:cubicBezTo>
-                <a:cubicBezTo>
-                  <a:pt x="2110568" y="0"/>
-                  <a:pt x="2261934" y="-25727"/>
-                  <a:pt x="2469269" y="0"/>
-                </a:cubicBezTo>
-                <a:cubicBezTo>
-                  <a:pt x="2676604" y="25727"/>
-                  <a:pt x="2790440" y="16284"/>
-                  <a:pt x="3066235" y="0"/>
-                </a:cubicBezTo>
-                <a:cubicBezTo>
-                  <a:pt x="3342030" y="-16284"/>
-                  <a:pt x="3685603" y="41976"/>
-                  <a:pt x="3907414" y="0"/>
-                </a:cubicBezTo>
-                <a:cubicBezTo>
-                  <a:pt x="4129225" y="-41976"/>
-                  <a:pt x="4177416" y="-7598"/>
-                  <a:pt x="4422976" y="0"/>
-                </a:cubicBezTo>
-                <a:cubicBezTo>
-                  <a:pt x="4668536" y="7598"/>
-                  <a:pt x="5023499" y="-28058"/>
-                  <a:pt x="5264155" y="0"/>
-                </a:cubicBezTo>
-                <a:cubicBezTo>
-                  <a:pt x="5504811" y="28058"/>
-                  <a:pt x="5703675" y="13288"/>
-                  <a:pt x="6105335" y="0"/>
-                </a:cubicBezTo>
-                <a:cubicBezTo>
-                  <a:pt x="6506995" y="-13288"/>
-                  <a:pt x="6455516" y="-5124"/>
-                  <a:pt x="6783705" y="0"/>
-                </a:cubicBezTo>
-                <a:cubicBezTo>
-                  <a:pt x="7111894" y="5124"/>
-                  <a:pt x="7512856" y="10604"/>
-                  <a:pt x="8140446" y="0"/>
-                </a:cubicBezTo>
-                <a:cubicBezTo>
-                  <a:pt x="8140458" y="8833"/>
-                  <a:pt x="8140986" y="9830"/>
-                  <a:pt x="8140446" y="18288"/>
-                </a:cubicBezTo>
-                <a:cubicBezTo>
-                  <a:pt x="7959314" y="3345"/>
-                  <a:pt x="7870113" y="10437"/>
-                  <a:pt x="7706289" y="18288"/>
-                </a:cubicBezTo>
-                <a:cubicBezTo>
-                  <a:pt x="7542465" y="26139"/>
-                  <a:pt x="7157940" y="17482"/>
-                  <a:pt x="6865109" y="18288"/>
-                </a:cubicBezTo>
-                <a:cubicBezTo>
-                  <a:pt x="6572278" y="19094"/>
-                  <a:pt x="6524256" y="38051"/>
-                  <a:pt x="6349548" y="18288"/>
-                </a:cubicBezTo>
-                <a:cubicBezTo>
-                  <a:pt x="6174840" y="-1475"/>
-                  <a:pt x="5951624" y="174"/>
-                  <a:pt x="5671177" y="18288"/>
-                </a:cubicBezTo>
-                <a:cubicBezTo>
-                  <a:pt x="5390730" y="36402"/>
-                  <a:pt x="5222992" y="60058"/>
-                  <a:pt x="4829998" y="18288"/>
-                </a:cubicBezTo>
-                <a:cubicBezTo>
-                  <a:pt x="4437004" y="-23482"/>
-                  <a:pt x="4344181" y="39087"/>
-                  <a:pt x="4151627" y="18288"/>
-                </a:cubicBezTo>
-                <a:cubicBezTo>
-                  <a:pt x="3959073" y="-2511"/>
-                  <a:pt x="3886970" y="32875"/>
-                  <a:pt x="3717470" y="18288"/>
-                </a:cubicBezTo>
-                <a:cubicBezTo>
-                  <a:pt x="3547970" y="3701"/>
-                  <a:pt x="3451521" y="31872"/>
-                  <a:pt x="3201909" y="18288"/>
-                </a:cubicBezTo>
-                <a:cubicBezTo>
-                  <a:pt x="2952297" y="4704"/>
-                  <a:pt x="2543413" y="6029"/>
-                  <a:pt x="2360729" y="18288"/>
-                </a:cubicBezTo>
-                <a:cubicBezTo>
-                  <a:pt x="2178045" y="30547"/>
-                  <a:pt x="1906056" y="25847"/>
-                  <a:pt x="1682359" y="18288"/>
-                </a:cubicBezTo>
-                <a:cubicBezTo>
-                  <a:pt x="1458662" y="10730"/>
-                  <a:pt x="1330405" y="8046"/>
-                  <a:pt x="1166797" y="18288"/>
-                </a:cubicBezTo>
-                <a:cubicBezTo>
-                  <a:pt x="1003189" y="28530"/>
-                  <a:pt x="278098" y="19533"/>
-                  <a:pt x="0" y="18288"/>
-                </a:cubicBezTo>
-                <a:cubicBezTo>
-                  <a:pt x="74" y="14054"/>
-                  <a:pt x="-46" y="6997"/>
-                  <a:pt x="0" y="0"/>
-                </a:cubicBezTo>
-                <a:close/>
-              </a:path>
-            </a:pathLst>
-          </a:custGeom>
-          <a:solidFill>
-            <a:schemeClr val="accent2"/>
-          </a:solidFill>
-          <a:ln w="41275" cap="rnd">
-            <a:solidFill>
-              <a:schemeClr val="accent2"/>
-            </a:solidFill>
-            <a:round/>
-            <a:extLst>
-              <a:ext uri="{C807C97D-BFC1-408E-A445-0C87EB9F89A2}">
-                <ask:lineSketchStyleProps xmlns:ask="http://schemas.microsoft.com/office/drawing/2018/sketchyshapes" sd="1219033472">
-                  <a:prstGeom prst="rect">
-                    <a:avLst/>
-                  </a:prstGeom>
-                  <ask:type>
-                    <ask:lineSketchFreehand/>
-                  </ask:type>
-                </ask:lineSketchStyleProps>
-              </a:ext>
-            </a:extLst>
-          </a:ln>
-        </p:spPr>
-        <p:style>
-          <a:lnRef idx="2">
-            <a:schemeClr val="accent1">
-              <a:shade val="50000"/>
-            </a:schemeClr>
-          </a:lnRef>
-          <a:fillRef idx="1">
-            <a:schemeClr val="accent1"/>
-          </a:fillRef>
-          <a:effectRef idx="0">
-            <a:schemeClr val="accent1"/>
-          </a:effectRef>
-          <a:fontRef idx="minor">
-            <a:schemeClr val="lt1"/>
-          </a:fontRef>
-        </p:style>
-        <p:txBody>
-          <a:bodyPr rtlCol="0" anchor="ctr"/>
-          <a:lstStyle/>
-          <a:p>
-            <a:pPr algn="ctr"/>
-            <a:endParaRPr lang="en-US"/>
-          </a:p>
-        </p:txBody>
-      </p:sp>
-      <p:sp>
-        <p:nvSpPr>
-          <p:cNvPr id="32" name="Content Placeholder 2"/>
-          <p:cNvSpPr>
-            <a:spLocks noGrp="1"/>
-          </p:cNvSpPr>
-          <p:nvPr>
-            <p:ph idx="1"/>
-          </p:nvPr>
-        </p:nvSpPr>
-        <p:spPr>
-          <a:xfrm>
-            <a:off x="628650" y="1929384"/>
-            <a:ext cx="7886700" cy="4251960"/>
-          </a:xfrm>
-        </p:spPr>
-        <p:txBody>
-          <a:bodyPr>
-            <a:normAutofit/>
-          </a:bodyPr>
-          <a:lstStyle/>
-          <a:p>
-            <a:endParaRPr lang="fr-FR" sz="1900" dirty="0"/>
-          </a:p>
-          <a:p>
-            <a:r>
-              <a:rPr lang="fr-FR" sz="1900" b="1" dirty="0"/>
-              <a:t>Objectif : démonstration d'un projet IHM Java Swing.</a:t>
-            </a:r>
-          </a:p>
-          <a:p>
-            <a:r>
-              <a:rPr lang="fr-FR" sz="1900" b="1" dirty="0"/>
-              <a:t>Application : « Sound of World », jeu éducatif de reconnaissance</a:t>
-            </a:r>
-            <a:r>
-              <a:rPr lang="fr-FR" sz="1900" dirty="0"/>
-              <a:t>.</a:t>
-            </a:r>
-          </a:p>
-          <a:p>
-            <a:r>
-              <a:rPr lang="fr-FR" sz="1900" b="1" dirty="0"/>
-              <a:t>Compteur de vies en temps réel.</a:t>
-            </a:r>
-          </a:p>
-          <a:p>
-            <a:r>
-              <a:rPr lang="fr-FR" sz="1900" b="1" dirty="0"/>
-              <a:t>Victoire avec </a:t>
-            </a:r>
-            <a:r>
-              <a:rPr lang="fr-FR" sz="1900" b="1" dirty="0" err="1"/>
-              <a:t>Clippy</a:t>
-            </a:r>
-            <a:r>
-              <a:rPr lang="fr-FR" sz="1900" b="1" dirty="0"/>
-              <a:t> ou Game‑Over.</a:t>
-            </a:r>
-          </a:p>
-          <a:p>
             <a:endParaRPr lang="fr-FR" sz="1900" dirty="0"/>
           </a:p>
           <a:p>
@@ -8616,7 +5053,7 @@
       </p:grpSpPr>
       <p:sp useBgFill="1">
         <p:nvSpPr>
-          <p:cNvPr id="10" name="Rectangle 9">
+          <p:cNvPr id="11" name="Rectangle 10">
             <a:extLst>
               <a:ext uri="{FF2B5EF4-FFF2-40B4-BE49-F238E27FC236}">
                 <a16:creationId xmlns:a16="http://schemas.microsoft.com/office/drawing/2014/main" id="{45D37F4E-DDB4-456B-97E0-9937730A039F}"/>
@@ -8697,15 +5134,15 @@
           <a:lstStyle/>
           <a:p>
             <a:r>
-              <a:rPr lang="fr-CH" sz="4700"/>
-              <a:t>Introduction rapide à Java</a:t>
+              <a:rPr lang="en-GB" sz="4700"/>
+              <a:t>Scénario utilisateur</a:t>
             </a:r>
           </a:p>
         </p:txBody>
       </p:sp>
       <p:sp>
         <p:nvSpPr>
-          <p:cNvPr id="12" name="sketchy line">
+          <p:cNvPr id="13" name="sketchy line">
             <a:extLst>
               <a:ext uri="{FF2B5EF4-FFF2-40B4-BE49-F238E27FC236}">
                 <a16:creationId xmlns:a16="http://schemas.microsoft.com/office/drawing/2014/main" id="{B2DD41CD-8F47-4F56-AD12-4E2FF7696987}"/>
@@ -9237,48 +5674,46 @@
           </a:bodyPr>
           <a:lstStyle/>
           <a:p>
-            <a:endParaRPr lang="fr-FR" sz="1900" dirty="0"/>
-          </a:p>
-          <a:p>
-            <a:r>
-              <a:rPr lang="fr-FR" sz="1900" dirty="0"/>
-              <a:t>Langage orienté objet, portable (« Write Once, Run </a:t>
-            </a:r>
-            <a:r>
-              <a:rPr lang="fr-FR" sz="1900" dirty="0" err="1"/>
-              <a:t>Anywhere</a:t>
-            </a:r>
-            <a:r>
-              <a:rPr lang="fr-FR" sz="1900" dirty="0"/>
-              <a:t> »).</a:t>
-            </a:r>
-          </a:p>
-          <a:p>
-            <a:r>
-              <a:rPr lang="fr-FR" sz="1900" dirty="0"/>
-              <a:t>JVM exécute le byte‑code sur toutes les plateformes.</a:t>
-            </a:r>
-          </a:p>
-          <a:p>
-            <a:r>
-              <a:rPr lang="fr-FR" sz="1900" dirty="0"/>
-              <a:t>Écosystème riche de bibliothèques.</a:t>
-            </a:r>
-          </a:p>
-          <a:p>
-            <a:r>
-              <a:rPr lang="fr-FR" sz="1900" dirty="0"/>
-              <a:t>Robustesse et maturité pour le desktop (Swing).</a:t>
+            <a:pPr marL="457200" indent="-457200">
+              <a:lnSpc>
+                <a:spcPct val="150000"/>
+              </a:lnSpc>
+              <a:buFont typeface="+mj-lt"/>
+              <a:buAutoNum type="arabicPeriod"/>
+            </a:pPr>
+            <a:r>
+              <a:rPr lang="fr-FR" sz="1900" b="1" dirty="0"/>
+              <a:t>Lecture du son ▶, saisie du nom.</a:t>
+            </a:r>
+          </a:p>
+          <a:p>
+            <a:pPr marL="457200" indent="-457200">
+              <a:buFont typeface="+mj-lt"/>
+              <a:buAutoNum type="arabicPeriod"/>
+            </a:pPr>
+            <a:r>
+              <a:rPr lang="fr-FR" sz="1900" b="1" dirty="0"/>
+              <a:t>Bonne réponse =&gt; image révélée, panneau validé.</a:t>
+            </a:r>
+          </a:p>
+          <a:p>
+            <a:pPr marL="457200" indent="-457200">
+              <a:buFont typeface="+mj-lt"/>
+              <a:buAutoNum type="arabicPeriod"/>
+            </a:pPr>
+            <a:r>
+              <a:rPr lang="fr-FR" sz="1900" b="1" dirty="0"/>
+              <a:t>Vie perdue sinon; partie jusqu'à 6 bonnes réponses ou 0 vie.</a:t>
             </a:r>
           </a:p>
         </p:txBody>
       </p:sp>
       <p:pic>
         <p:nvPicPr>
-          <p:cNvPr id="5" name="Image 4" descr="Une image contenant sitar, musique, instrument de musique, instrument à cordes&#10;&#10;Le contenu généré par l’IA peut être incorrect.">
+          <p:cNvPr id="6" name="Image 5" descr="Une image contenant crochet, conception&#10;&#10;Le contenu généré par l’IA peut être incorrect.">
             <a:extLst>
               <a:ext uri="{FF2B5EF4-FFF2-40B4-BE49-F238E27FC236}">
-                <a16:creationId xmlns:a16="http://schemas.microsoft.com/office/drawing/2014/main" id="{B2E306ED-99C9-69DD-A5E8-FADD6D0CC938}"/>
+                <a16:creationId xmlns:a16="http://schemas.microsoft.com/office/drawing/2014/main" id="{F10241EF-D497-A336-1C31-EEE37C4A6176}"/>
               </a:ext>
             </a:extLst>
           </p:cNvPr>
@@ -9289,15 +5724,15 @@
         </p:nvPicPr>
         <p:blipFill>
           <a:blip r:embed="rId2"/>
-          <a:srcRect t="36705" r="-1" b="26528"/>
+          <a:srcRect l="14356" r="13490"/>
           <a:stretch>
             <a:fillRect/>
           </a:stretch>
         </p:blipFill>
         <p:spPr>
-          <a:xfrm rot="5400000">
-            <a:off x="5186386" y="2664333"/>
-            <a:ext cx="4096512" cy="2955798"/>
+          <a:xfrm>
+            <a:off x="5756743" y="2093976"/>
+            <a:ext cx="2955798" cy="4096512"/>
           </a:xfrm>
           <a:prstGeom prst="rect">
             <a:avLst/>
@@ -9313,312 +5748,6 @@
 </file>
 
 <file path=ppt/slides/slide4.xml><?xml version="1.0" encoding="utf-8"?>
-<p:sld xmlns:a="http://schemas.openxmlformats.org/drawingml/2006/main" xmlns:r="http://schemas.openxmlformats.org/officeDocument/2006/relationships" xmlns:p="http://schemas.openxmlformats.org/presentationml/2006/main">
-  <p:cSld>
-    <p:bg>
-      <p:bgPr>
-        <a:solidFill>
-          <a:srgbClr val="F0F0FF"/>
-        </a:solidFill>
-        <a:effectLst/>
-      </p:bgPr>
-    </p:bg>
-    <p:spTree>
-      <p:nvGrpSpPr>
-        <p:cNvPr id="1" name=""/>
-        <p:cNvGrpSpPr/>
-        <p:nvPr/>
-      </p:nvGrpSpPr>
-      <p:grpSpPr>
-        <a:xfrm>
-          <a:off x="0" y="0"/>
-          <a:ext cx="0" cy="0"/>
-          <a:chOff x="0" y="0"/>
-          <a:chExt cx="0" cy="0"/>
-        </a:xfrm>
-      </p:grpSpPr>
-      <p:sp>
-        <p:nvSpPr>
-          <p:cNvPr id="2" name="Title 1"/>
-          <p:cNvSpPr>
-            <a:spLocks noGrp="1"/>
-          </p:cNvSpPr>
-          <p:nvPr>
-            <p:ph type="title"/>
-          </p:nvPr>
-        </p:nvSpPr>
-        <p:spPr/>
-        <p:txBody>
-          <a:bodyPr/>
-          <a:lstStyle/>
-          <a:p>
-            <a:r>
-              <a:rPr dirty="0"/>
-              <a:t>Swing : </a:t>
-            </a:r>
-            <a:r>
-              <a:rPr dirty="0" err="1"/>
-              <a:t>composants</a:t>
-            </a:r>
-            <a:r>
-              <a:rPr dirty="0"/>
-              <a:t> &amp; </a:t>
-            </a:r>
-            <a:r>
-              <a:rPr dirty="0" err="1"/>
-              <a:t>conteneurs</a:t>
-            </a:r>
-            <a:endParaRPr dirty="0"/>
-          </a:p>
-        </p:txBody>
-      </p:sp>
-      <p:sp>
-        <p:nvSpPr>
-          <p:cNvPr id="3" name="Content Placeholder 2"/>
-          <p:cNvSpPr>
-            <a:spLocks noGrp="1"/>
-          </p:cNvSpPr>
-          <p:nvPr>
-            <p:ph idx="1"/>
-          </p:nvPr>
-        </p:nvSpPr>
-        <p:spPr/>
-        <p:txBody>
-          <a:bodyPr>
-            <a:normAutofit/>
-          </a:bodyPr>
-          <a:lstStyle/>
-          <a:p>
-            <a:r>
-              <a:rPr sz="1800" b="1" dirty="0" err="1"/>
-              <a:t>Composants</a:t>
-            </a:r>
-            <a:r>
-              <a:rPr sz="1800" b="1" dirty="0"/>
-              <a:t> : </a:t>
-            </a:r>
-            <a:r>
-              <a:rPr sz="1800" b="1" dirty="0" err="1"/>
-              <a:t>JButton</a:t>
-            </a:r>
-            <a:r>
-              <a:rPr sz="1800" b="1" dirty="0"/>
-              <a:t>, </a:t>
-            </a:r>
-            <a:r>
-              <a:rPr sz="1800" b="1" dirty="0" err="1"/>
-              <a:t>JLabel</a:t>
-            </a:r>
-            <a:r>
-              <a:rPr sz="1800" b="1" dirty="0"/>
-              <a:t>, </a:t>
-            </a:r>
-            <a:r>
-              <a:rPr sz="1800" b="1" dirty="0" err="1"/>
-              <a:t>JTextField</a:t>
-            </a:r>
-            <a:r>
-              <a:rPr sz="1800" b="1" dirty="0"/>
-              <a:t>, </a:t>
-            </a:r>
-            <a:r>
-              <a:rPr sz="1800" b="1" dirty="0" err="1"/>
-              <a:t>JList</a:t>
-            </a:r>
-            <a:r>
-              <a:rPr sz="1800" b="1" dirty="0"/>
-              <a:t>…</a:t>
-            </a:r>
-          </a:p>
-          <a:p>
-            <a:r>
-              <a:rPr sz="1800" b="1" dirty="0" err="1"/>
-              <a:t>Conteneurs</a:t>
-            </a:r>
-            <a:r>
-              <a:rPr sz="1800" b="1" dirty="0"/>
-              <a:t> : </a:t>
-            </a:r>
-            <a:r>
-              <a:rPr sz="1800" b="1" dirty="0" err="1"/>
-              <a:t>JFrame</a:t>
-            </a:r>
-            <a:r>
-              <a:rPr sz="1800" b="1" dirty="0"/>
-              <a:t> (</a:t>
-            </a:r>
-            <a:r>
-              <a:rPr sz="1800" b="1" dirty="0" err="1"/>
-              <a:t>fenêtre</a:t>
-            </a:r>
-            <a:r>
-              <a:rPr sz="1800" b="1" dirty="0"/>
-              <a:t>), </a:t>
-            </a:r>
-            <a:r>
-              <a:rPr sz="1800" b="1" dirty="0" err="1"/>
-              <a:t>JPanel</a:t>
-            </a:r>
-            <a:r>
-              <a:rPr sz="1800" b="1" dirty="0"/>
-              <a:t> (zone).</a:t>
-            </a:r>
-          </a:p>
-          <a:p>
-            <a:r>
-              <a:rPr sz="1800" b="1" dirty="0"/>
-              <a:t>Layouts : </a:t>
-            </a:r>
-            <a:r>
-              <a:rPr sz="1800" b="1" dirty="0" err="1"/>
-              <a:t>BorderLayout</a:t>
-            </a:r>
-            <a:r>
-              <a:rPr sz="1800" b="1" dirty="0"/>
-              <a:t> (structure), </a:t>
-            </a:r>
-            <a:r>
-              <a:rPr sz="1800" b="1" dirty="0" err="1"/>
-              <a:t>GridLayout</a:t>
-            </a:r>
-            <a:r>
-              <a:rPr sz="1800" b="1" dirty="0"/>
-              <a:t> (grille).</a:t>
-            </a:r>
-          </a:p>
-        </p:txBody>
-      </p:sp>
-      <p:sp>
-        <p:nvSpPr>
-          <p:cNvPr id="4" name="TextBox 3"/>
-          <p:cNvSpPr txBox="1"/>
-          <p:nvPr/>
-        </p:nvSpPr>
-        <p:spPr>
-          <a:xfrm>
-            <a:off x="457200" y="2788920"/>
-            <a:ext cx="5303520" cy="2011680"/>
-          </a:xfrm>
-          <a:prstGeom prst="rect">
-            <a:avLst/>
-          </a:prstGeom>
-          <a:noFill/>
-        </p:spPr>
-        <p:txBody>
-          <a:bodyPr wrap="square">
-            <a:spAutoFit/>
-          </a:bodyPr>
-          <a:lstStyle/>
-          <a:p>
-            <a:r>
-              <a:rPr sz="900" dirty="0">
-                <a:latin typeface="Consolas"/>
-              </a:rPr>
-              <a:t>package view;
-import </a:t>
-            </a:r>
-            <a:r>
-              <a:rPr sz="900" dirty="0" err="1">
-                <a:latin typeface="Consolas"/>
-              </a:rPr>
-              <a:t>controller.GameController</a:t>
-            </a:r>
-            <a:r>
-              <a:rPr sz="900" dirty="0">
-                <a:latin typeface="Consolas"/>
-              </a:rPr>
-              <a:t>;
-import </a:t>
-            </a:r>
-            <a:r>
-              <a:rPr sz="900" dirty="0" err="1">
-                <a:latin typeface="Consolas"/>
-              </a:rPr>
-              <a:t>java.awt</a:t>
-            </a:r>
-            <a:r>
-              <a:rPr sz="900" dirty="0">
-                <a:latin typeface="Consolas"/>
-              </a:rPr>
-              <a:t>.*;
-import </a:t>
-            </a:r>
-            <a:r>
-              <a:rPr sz="900" dirty="0" err="1">
-                <a:latin typeface="Consolas"/>
-              </a:rPr>
-              <a:t>java.util.List</a:t>
-            </a:r>
-            <a:r>
-              <a:rPr sz="900" dirty="0">
-                <a:latin typeface="Consolas"/>
-              </a:rPr>
-              <a:t>;
-import </a:t>
-            </a:r>
-            <a:r>
-              <a:rPr sz="900" dirty="0" err="1">
-                <a:latin typeface="Consolas"/>
-              </a:rPr>
-              <a:t>javax.swing</a:t>
-            </a:r>
-            <a:r>
-              <a:rPr sz="900" dirty="0">
-                <a:latin typeface="Consolas"/>
-              </a:rPr>
-              <a:t>.*;
-import </a:t>
-            </a:r>
-            <a:r>
-              <a:rPr sz="900" dirty="0" err="1">
-                <a:latin typeface="Consolas"/>
-              </a:rPr>
-              <a:t>model.Instrument</a:t>
-            </a:r>
-            <a:r>
-              <a:rPr sz="900" dirty="0">
-                <a:latin typeface="Consolas"/>
-              </a:rPr>
-              <a:t>;
-/**
- * The main application window that initializes and displays all instrument guess panels.</a:t>
-            </a:r>
-          </a:p>
-        </p:txBody>
-      </p:sp>
-      <p:pic>
-        <p:nvPicPr>
-          <p:cNvPr id="5" name="Picture 4" descr="425f1921-eafb-430f-9fdb-3d1a9c7fb4fb.png"/>
-          <p:cNvPicPr>
-            <a:picLocks noChangeAspect="1"/>
-          </p:cNvPicPr>
-          <p:nvPr/>
-        </p:nvPicPr>
-        <p:blipFill>
-          <a:blip r:embed="rId2"/>
-          <a:stretch>
-            <a:fillRect/>
-          </a:stretch>
-        </p:blipFill>
-        <p:spPr>
-          <a:xfrm>
-            <a:off x="5239512" y="4246232"/>
-            <a:ext cx="3904488" cy="2611768"/>
-          </a:xfrm>
-          <a:prstGeom prst="rect">
-            <a:avLst/>
-          </a:prstGeom>
-        </p:spPr>
-      </p:pic>
-    </p:spTree>
-  </p:cSld>
-  <p:clrMapOvr>
-    <a:masterClrMapping/>
-  </p:clrMapOvr>
-</p:sld>
-</file>
-
-<file path=ppt/slides/slide5.xml><?xml version="1.0" encoding="utf-8"?>
 <p:sld xmlns:a="http://schemas.openxmlformats.org/drawingml/2006/main" xmlns:r="http://schemas.openxmlformats.org/officeDocument/2006/relationships" xmlns:p="http://schemas.openxmlformats.org/presentationml/2006/main">
   <p:cSld>
     <p:bg>
@@ -9645,10 +5774,10 @@
       </p:grpSpPr>
       <p:sp useBgFill="1">
         <p:nvSpPr>
-          <p:cNvPr id="9" name="Rectangle 8">
+          <p:cNvPr id="8" name="Rectangle 7">
             <a:extLst>
               <a:ext uri="{FF2B5EF4-FFF2-40B4-BE49-F238E27FC236}">
-                <a16:creationId xmlns:a16="http://schemas.microsoft.com/office/drawing/2014/main" id="{45D37F4E-DDB4-456B-97E0-9937730A039F}"/>
+                <a16:creationId xmlns:a16="http://schemas.microsoft.com/office/drawing/2014/main" id="{100EDD19-6802-4EC3-95CE-CFFAB042CFD6}"/>
               </a:ext>
               <a:ext uri="{C183D7F6-B498-43B3-948B-1728B52AA6E4}">
                 <adec:decorative xmlns:adec="http://schemas.microsoft.com/office/drawing/2017/decorative" val="1"/>
@@ -9715,709 +5844,6 @@
         </p:nvSpPr>
         <p:spPr>
           <a:xfrm>
-            <a:off x="429369" y="238539"/>
-            <a:ext cx="8263890" cy="1434415"/>
-          </a:xfrm>
-        </p:spPr>
-        <p:txBody>
-          <a:bodyPr anchor="b">
-            <a:normAutofit/>
-          </a:bodyPr>
-          <a:lstStyle/>
-          <a:p>
-            <a:r>
-              <a:rPr lang="fr-FR" sz="4700"/>
-              <a:t>Gestionnaires de mise en page</a:t>
-            </a:r>
-          </a:p>
-        </p:txBody>
-      </p:sp>
-      <p:sp>
-        <p:nvSpPr>
-          <p:cNvPr id="11" name="sketchy line">
-            <a:extLst>
-              <a:ext uri="{FF2B5EF4-FFF2-40B4-BE49-F238E27FC236}">
-                <a16:creationId xmlns:a16="http://schemas.microsoft.com/office/drawing/2014/main" id="{B2DD41CD-8F47-4F56-AD12-4E2FF7696987}"/>
-              </a:ext>
-              <a:ext uri="{C183D7F6-B498-43B3-948B-1728B52AA6E4}">
-                <adec:decorative xmlns:adec="http://schemas.microsoft.com/office/drawing/2017/decorative" val="1"/>
-              </a:ext>
-            </a:extLst>
-          </p:cNvPr>
-          <p:cNvSpPr>
-            <a:spLocks noGrp="1" noRot="1" noChangeAspect="1" noMove="1" noResize="1" noEditPoints="1" noAdjustHandles="1" noChangeArrowheads="1" noChangeShapeType="1" noTextEdit="1"/>
-          </p:cNvSpPr>
-          <p:nvPr>
-            <p:extLst>
-              <p:ext uri="{386F3935-93C4-4BCD-93E2-E3B085C9AB24}">
-                <p16:designElem xmlns:p16="http://schemas.microsoft.com/office/powerpoint/2015/main" val="1"/>
-              </p:ext>
-            </p:extLst>
-          </p:nvPr>
-        </p:nvSpPr>
-        <p:spPr>
-          <a:xfrm>
-            <a:off x="429369" y="1681544"/>
-            <a:ext cx="8229600" cy="18288"/>
-          </a:xfrm>
-          <a:custGeom>
-            <a:avLst/>
-            <a:gdLst>
-              <a:gd name="connsiteX0" fmla="*/ 0 w 8229600"/>
-              <a:gd name="connsiteY0" fmla="*/ 0 h 18288"/>
-              <a:gd name="connsiteX1" fmla="*/ 521208 w 8229600"/>
-              <a:gd name="connsiteY1" fmla="*/ 0 h 18288"/>
-              <a:gd name="connsiteX2" fmla="*/ 1371600 w 8229600"/>
-              <a:gd name="connsiteY2" fmla="*/ 0 h 18288"/>
-              <a:gd name="connsiteX3" fmla="*/ 2221992 w 8229600"/>
-              <a:gd name="connsiteY3" fmla="*/ 0 h 18288"/>
-              <a:gd name="connsiteX4" fmla="*/ 3072384 w 8229600"/>
-              <a:gd name="connsiteY4" fmla="*/ 0 h 18288"/>
-              <a:gd name="connsiteX5" fmla="*/ 3511296 w 8229600"/>
-              <a:gd name="connsiteY5" fmla="*/ 0 h 18288"/>
-              <a:gd name="connsiteX6" fmla="*/ 4114800 w 8229600"/>
-              <a:gd name="connsiteY6" fmla="*/ 0 h 18288"/>
-              <a:gd name="connsiteX7" fmla="*/ 4553712 w 8229600"/>
-              <a:gd name="connsiteY7" fmla="*/ 0 h 18288"/>
-              <a:gd name="connsiteX8" fmla="*/ 5239512 w 8229600"/>
-              <a:gd name="connsiteY8" fmla="*/ 0 h 18288"/>
-              <a:gd name="connsiteX9" fmla="*/ 5843016 w 8229600"/>
-              <a:gd name="connsiteY9" fmla="*/ 0 h 18288"/>
-              <a:gd name="connsiteX10" fmla="*/ 6611112 w 8229600"/>
-              <a:gd name="connsiteY10" fmla="*/ 0 h 18288"/>
-              <a:gd name="connsiteX11" fmla="*/ 7461504 w 8229600"/>
-              <a:gd name="connsiteY11" fmla="*/ 0 h 18288"/>
-              <a:gd name="connsiteX12" fmla="*/ 8229600 w 8229600"/>
-              <a:gd name="connsiteY12" fmla="*/ 0 h 18288"/>
-              <a:gd name="connsiteX13" fmla="*/ 8229600 w 8229600"/>
-              <a:gd name="connsiteY13" fmla="*/ 18288 h 18288"/>
-              <a:gd name="connsiteX14" fmla="*/ 7461504 w 8229600"/>
-              <a:gd name="connsiteY14" fmla="*/ 18288 h 18288"/>
-              <a:gd name="connsiteX15" fmla="*/ 6940296 w 8229600"/>
-              <a:gd name="connsiteY15" fmla="*/ 18288 h 18288"/>
-              <a:gd name="connsiteX16" fmla="*/ 6419088 w 8229600"/>
-              <a:gd name="connsiteY16" fmla="*/ 18288 h 18288"/>
-              <a:gd name="connsiteX17" fmla="*/ 5650992 w 8229600"/>
-              <a:gd name="connsiteY17" fmla="*/ 18288 h 18288"/>
-              <a:gd name="connsiteX18" fmla="*/ 5129784 w 8229600"/>
-              <a:gd name="connsiteY18" fmla="*/ 18288 h 18288"/>
-              <a:gd name="connsiteX19" fmla="*/ 4690872 w 8229600"/>
-              <a:gd name="connsiteY19" fmla="*/ 18288 h 18288"/>
-              <a:gd name="connsiteX20" fmla="*/ 4087368 w 8229600"/>
-              <a:gd name="connsiteY20" fmla="*/ 18288 h 18288"/>
-              <a:gd name="connsiteX21" fmla="*/ 3401568 w 8229600"/>
-              <a:gd name="connsiteY21" fmla="*/ 18288 h 18288"/>
-              <a:gd name="connsiteX22" fmla="*/ 2798064 w 8229600"/>
-              <a:gd name="connsiteY22" fmla="*/ 18288 h 18288"/>
-              <a:gd name="connsiteX23" fmla="*/ 2276856 w 8229600"/>
-              <a:gd name="connsiteY23" fmla="*/ 18288 h 18288"/>
-              <a:gd name="connsiteX24" fmla="*/ 1426464 w 8229600"/>
-              <a:gd name="connsiteY24" fmla="*/ 18288 h 18288"/>
-              <a:gd name="connsiteX25" fmla="*/ 740664 w 8229600"/>
-              <a:gd name="connsiteY25" fmla="*/ 18288 h 18288"/>
-              <a:gd name="connsiteX26" fmla="*/ 0 w 8229600"/>
-              <a:gd name="connsiteY26" fmla="*/ 18288 h 18288"/>
-              <a:gd name="connsiteX27" fmla="*/ 0 w 8229600"/>
-              <a:gd name="connsiteY27" fmla="*/ 0 h 18288"/>
-            </a:gdLst>
-            <a:ahLst/>
-            <a:cxnLst>
-              <a:cxn ang="0">
-                <a:pos x="connsiteX0" y="connsiteY0"/>
-              </a:cxn>
-              <a:cxn ang="0">
-                <a:pos x="connsiteX1" y="connsiteY1"/>
-              </a:cxn>
-              <a:cxn ang="0">
-                <a:pos x="connsiteX2" y="connsiteY2"/>
-              </a:cxn>
-              <a:cxn ang="0">
-                <a:pos x="connsiteX3" y="connsiteY3"/>
-              </a:cxn>
-              <a:cxn ang="0">
-                <a:pos x="connsiteX4" y="connsiteY4"/>
-              </a:cxn>
-              <a:cxn ang="0">
-                <a:pos x="connsiteX5" y="connsiteY5"/>
-              </a:cxn>
-              <a:cxn ang="0">
-                <a:pos x="connsiteX6" y="connsiteY6"/>
-              </a:cxn>
-              <a:cxn ang="0">
-                <a:pos x="connsiteX7" y="connsiteY7"/>
-              </a:cxn>
-              <a:cxn ang="0">
-                <a:pos x="connsiteX8" y="connsiteY8"/>
-              </a:cxn>
-              <a:cxn ang="0">
-                <a:pos x="connsiteX9" y="connsiteY9"/>
-              </a:cxn>
-              <a:cxn ang="0">
-                <a:pos x="connsiteX10" y="connsiteY10"/>
-              </a:cxn>
-              <a:cxn ang="0">
-                <a:pos x="connsiteX11" y="connsiteY11"/>
-              </a:cxn>
-              <a:cxn ang="0">
-                <a:pos x="connsiteX12" y="connsiteY12"/>
-              </a:cxn>
-              <a:cxn ang="0">
-                <a:pos x="connsiteX13" y="connsiteY13"/>
-              </a:cxn>
-              <a:cxn ang="0">
-                <a:pos x="connsiteX14" y="connsiteY14"/>
-              </a:cxn>
-              <a:cxn ang="0">
-                <a:pos x="connsiteX15" y="connsiteY15"/>
-              </a:cxn>
-              <a:cxn ang="0">
-                <a:pos x="connsiteX16" y="connsiteY16"/>
-              </a:cxn>
-              <a:cxn ang="0">
-                <a:pos x="connsiteX17" y="connsiteY17"/>
-              </a:cxn>
-              <a:cxn ang="0">
-                <a:pos x="connsiteX18" y="connsiteY18"/>
-              </a:cxn>
-              <a:cxn ang="0">
-                <a:pos x="connsiteX19" y="connsiteY19"/>
-              </a:cxn>
-              <a:cxn ang="0">
-                <a:pos x="connsiteX20" y="connsiteY20"/>
-              </a:cxn>
-              <a:cxn ang="0">
-                <a:pos x="connsiteX21" y="connsiteY21"/>
-              </a:cxn>
-              <a:cxn ang="0">
-                <a:pos x="connsiteX22" y="connsiteY22"/>
-              </a:cxn>
-              <a:cxn ang="0">
-                <a:pos x="connsiteX23" y="connsiteY23"/>
-              </a:cxn>
-              <a:cxn ang="0">
-                <a:pos x="connsiteX24" y="connsiteY24"/>
-              </a:cxn>
-              <a:cxn ang="0">
-                <a:pos x="connsiteX25" y="connsiteY25"/>
-              </a:cxn>
-              <a:cxn ang="0">
-                <a:pos x="connsiteX26" y="connsiteY26"/>
-              </a:cxn>
-              <a:cxn ang="0">
-                <a:pos x="connsiteX27" y="connsiteY27"/>
-              </a:cxn>
-            </a:cxnLst>
-            <a:rect l="l" t="t" r="r" b="b"/>
-            <a:pathLst>
-              <a:path w="8229600" h="18288" fill="none" extrusionOk="0">
-                <a:moveTo>
-                  <a:pt x="0" y="0"/>
-                </a:moveTo>
-                <a:cubicBezTo>
-                  <a:pt x="227594" y="-4267"/>
-                  <a:pt x="329693" y="13251"/>
-                  <a:pt x="521208" y="0"/>
-                </a:cubicBezTo>
-                <a:cubicBezTo>
-                  <a:pt x="712723" y="-13251"/>
-                  <a:pt x="1137373" y="-13618"/>
-                  <a:pt x="1371600" y="0"/>
-                </a:cubicBezTo>
-                <a:cubicBezTo>
-                  <a:pt x="1605827" y="13618"/>
-                  <a:pt x="1975382" y="-27374"/>
-                  <a:pt x="2221992" y="0"/>
-                </a:cubicBezTo>
-                <a:cubicBezTo>
-                  <a:pt x="2468602" y="27374"/>
-                  <a:pt x="2863316" y="-20517"/>
-                  <a:pt x="3072384" y="0"/>
-                </a:cubicBezTo>
-                <a:cubicBezTo>
-                  <a:pt x="3281452" y="20517"/>
-                  <a:pt x="3331438" y="10793"/>
-                  <a:pt x="3511296" y="0"/>
-                </a:cubicBezTo>
-                <a:cubicBezTo>
-                  <a:pt x="3691154" y="-10793"/>
-                  <a:pt x="3906405" y="-29737"/>
-                  <a:pt x="4114800" y="0"/>
-                </a:cubicBezTo>
-                <a:cubicBezTo>
-                  <a:pt x="4323195" y="29737"/>
-                  <a:pt x="4428852" y="-2234"/>
-                  <a:pt x="4553712" y="0"/>
-                </a:cubicBezTo>
-                <a:cubicBezTo>
-                  <a:pt x="4678572" y="2234"/>
-                  <a:pt x="5065629" y="29368"/>
-                  <a:pt x="5239512" y="0"/>
-                </a:cubicBezTo>
-                <a:cubicBezTo>
-                  <a:pt x="5413395" y="-29368"/>
-                  <a:pt x="5703888" y="11839"/>
-                  <a:pt x="5843016" y="0"/>
-                </a:cubicBezTo>
-                <a:cubicBezTo>
-                  <a:pt x="5982144" y="-11839"/>
-                  <a:pt x="6260765" y="24719"/>
-                  <a:pt x="6611112" y="0"/>
-                </a:cubicBezTo>
-                <a:cubicBezTo>
-                  <a:pt x="6961459" y="-24719"/>
-                  <a:pt x="7228293" y="32959"/>
-                  <a:pt x="7461504" y="0"/>
-                </a:cubicBezTo>
-                <a:cubicBezTo>
-                  <a:pt x="7694715" y="-32959"/>
-                  <a:pt x="7990029" y="-3422"/>
-                  <a:pt x="8229600" y="0"/>
-                </a:cubicBezTo>
-                <a:cubicBezTo>
-                  <a:pt x="8228940" y="5812"/>
-                  <a:pt x="8229447" y="9773"/>
-                  <a:pt x="8229600" y="18288"/>
-                </a:cubicBezTo>
-                <a:cubicBezTo>
-                  <a:pt x="7940706" y="-9293"/>
-                  <a:pt x="7792584" y="-16009"/>
-                  <a:pt x="7461504" y="18288"/>
-                </a:cubicBezTo>
-                <a:cubicBezTo>
-                  <a:pt x="7130424" y="52585"/>
-                  <a:pt x="7080072" y="43845"/>
-                  <a:pt x="6940296" y="18288"/>
-                </a:cubicBezTo>
-                <a:cubicBezTo>
-                  <a:pt x="6800520" y="-7269"/>
-                  <a:pt x="6672872" y="26671"/>
-                  <a:pt x="6419088" y="18288"/>
-                </a:cubicBezTo>
-                <a:cubicBezTo>
-                  <a:pt x="6165304" y="9905"/>
-                  <a:pt x="5869721" y="4987"/>
-                  <a:pt x="5650992" y="18288"/>
-                </a:cubicBezTo>
-                <a:cubicBezTo>
-                  <a:pt x="5432263" y="31589"/>
-                  <a:pt x="5308310" y="3023"/>
-                  <a:pt x="5129784" y="18288"/>
-                </a:cubicBezTo>
-                <a:cubicBezTo>
-                  <a:pt x="4951258" y="33553"/>
-                  <a:pt x="4799696" y="15357"/>
-                  <a:pt x="4690872" y="18288"/>
-                </a:cubicBezTo>
-                <a:cubicBezTo>
-                  <a:pt x="4582048" y="21219"/>
-                  <a:pt x="4311124" y="-7836"/>
-                  <a:pt x="4087368" y="18288"/>
-                </a:cubicBezTo>
-                <a:cubicBezTo>
-                  <a:pt x="3863612" y="44412"/>
-                  <a:pt x="3730288" y="13374"/>
-                  <a:pt x="3401568" y="18288"/>
-                </a:cubicBezTo>
-                <a:cubicBezTo>
-                  <a:pt x="3072848" y="23202"/>
-                  <a:pt x="3020684" y="32425"/>
-                  <a:pt x="2798064" y="18288"/>
-                </a:cubicBezTo>
-                <a:cubicBezTo>
-                  <a:pt x="2575444" y="4151"/>
-                  <a:pt x="2440915" y="-7352"/>
-                  <a:pt x="2276856" y="18288"/>
-                </a:cubicBezTo>
-                <a:cubicBezTo>
-                  <a:pt x="2112797" y="43928"/>
-                  <a:pt x="1726502" y="-9560"/>
-                  <a:pt x="1426464" y="18288"/>
-                </a:cubicBezTo>
-                <a:cubicBezTo>
-                  <a:pt x="1126426" y="46136"/>
-                  <a:pt x="992925" y="21016"/>
-                  <a:pt x="740664" y="18288"/>
-                </a:cubicBezTo>
-                <a:cubicBezTo>
-                  <a:pt x="488403" y="15560"/>
-                  <a:pt x="195650" y="-16061"/>
-                  <a:pt x="0" y="18288"/>
-                </a:cubicBezTo>
-                <a:cubicBezTo>
-                  <a:pt x="348" y="9455"/>
-                  <a:pt x="654" y="3983"/>
-                  <a:pt x="0" y="0"/>
-                </a:cubicBezTo>
-                <a:close/>
-              </a:path>
-              <a:path w="8229600" h="18288" stroke="0" extrusionOk="0">
-                <a:moveTo>
-                  <a:pt x="0" y="0"/>
-                </a:moveTo>
-                <a:cubicBezTo>
-                  <a:pt x="259263" y="-9445"/>
-                  <a:pt x="404731" y="4427"/>
-                  <a:pt x="521208" y="0"/>
-                </a:cubicBezTo>
-                <a:cubicBezTo>
-                  <a:pt x="637685" y="-4427"/>
-                  <a:pt x="839187" y="564"/>
-                  <a:pt x="960120" y="0"/>
-                </a:cubicBezTo>
-                <a:cubicBezTo>
-                  <a:pt x="1081053" y="-564"/>
-                  <a:pt x="1313469" y="-16481"/>
-                  <a:pt x="1481328" y="0"/>
-                </a:cubicBezTo>
-                <a:cubicBezTo>
-                  <a:pt x="1649187" y="16481"/>
-                  <a:pt x="1885247" y="26161"/>
-                  <a:pt x="2167128" y="0"/>
-                </a:cubicBezTo>
-                <a:cubicBezTo>
-                  <a:pt x="2449009" y="-26161"/>
-                  <a:pt x="2761875" y="-22202"/>
-                  <a:pt x="2935224" y="0"/>
-                </a:cubicBezTo>
-                <a:cubicBezTo>
-                  <a:pt x="3108573" y="22202"/>
-                  <a:pt x="3540687" y="-2863"/>
-                  <a:pt x="3785616" y="0"/>
-                </a:cubicBezTo>
-                <a:cubicBezTo>
-                  <a:pt x="4030545" y="2863"/>
-                  <a:pt x="4280774" y="-12442"/>
-                  <a:pt x="4636008" y="0"/>
-                </a:cubicBezTo>
-                <a:cubicBezTo>
-                  <a:pt x="4991242" y="12442"/>
-                  <a:pt x="5025483" y="16914"/>
-                  <a:pt x="5239512" y="0"/>
-                </a:cubicBezTo>
-                <a:cubicBezTo>
-                  <a:pt x="5453541" y="-16914"/>
-                  <a:pt x="5754008" y="16592"/>
-                  <a:pt x="6007608" y="0"/>
-                </a:cubicBezTo>
-                <a:cubicBezTo>
-                  <a:pt x="6261208" y="-16592"/>
-                  <a:pt x="6407957" y="-11909"/>
-                  <a:pt x="6693408" y="0"/>
-                </a:cubicBezTo>
-                <a:cubicBezTo>
-                  <a:pt x="6978859" y="11909"/>
-                  <a:pt x="7015437" y="-20890"/>
-                  <a:pt x="7296912" y="0"/>
-                </a:cubicBezTo>
-                <a:cubicBezTo>
-                  <a:pt x="7578387" y="20890"/>
-                  <a:pt x="7859622" y="46406"/>
-                  <a:pt x="8229600" y="0"/>
-                </a:cubicBezTo>
-                <a:cubicBezTo>
-                  <a:pt x="8230508" y="6337"/>
-                  <a:pt x="8228722" y="11778"/>
-                  <a:pt x="8229600" y="18288"/>
-                </a:cubicBezTo>
-                <a:cubicBezTo>
-                  <a:pt x="8075287" y="35054"/>
-                  <a:pt x="7821366" y="21850"/>
-                  <a:pt x="7626096" y="18288"/>
-                </a:cubicBezTo>
-                <a:cubicBezTo>
-                  <a:pt x="7430826" y="14726"/>
-                  <a:pt x="7320004" y="-9669"/>
-                  <a:pt x="7022592" y="18288"/>
-                </a:cubicBezTo>
-                <a:cubicBezTo>
-                  <a:pt x="6725180" y="46245"/>
-                  <a:pt x="6348804" y="-14025"/>
-                  <a:pt x="6172200" y="18288"/>
-                </a:cubicBezTo>
-                <a:cubicBezTo>
-                  <a:pt x="5995596" y="50601"/>
-                  <a:pt x="5788102" y="22890"/>
-                  <a:pt x="5650992" y="18288"/>
-                </a:cubicBezTo>
-                <a:cubicBezTo>
-                  <a:pt x="5513882" y="13686"/>
-                  <a:pt x="5198399" y="29121"/>
-                  <a:pt x="4882896" y="18288"/>
-                </a:cubicBezTo>
-                <a:cubicBezTo>
-                  <a:pt x="4567393" y="7455"/>
-                  <a:pt x="4557008" y="26965"/>
-                  <a:pt x="4443984" y="18288"/>
-                </a:cubicBezTo>
-                <a:cubicBezTo>
-                  <a:pt x="4330960" y="9611"/>
-                  <a:pt x="4061674" y="28891"/>
-                  <a:pt x="3758184" y="18288"/>
-                </a:cubicBezTo>
-                <a:cubicBezTo>
-                  <a:pt x="3454694" y="7685"/>
-                  <a:pt x="3380392" y="19119"/>
-                  <a:pt x="3236976" y="18288"/>
-                </a:cubicBezTo>
-                <a:cubicBezTo>
-                  <a:pt x="3093560" y="17457"/>
-                  <a:pt x="2632116" y="37607"/>
-                  <a:pt x="2386584" y="18288"/>
-                </a:cubicBezTo>
-                <a:cubicBezTo>
-                  <a:pt x="2141052" y="-1031"/>
-                  <a:pt x="2110884" y="28777"/>
-                  <a:pt x="1947672" y="18288"/>
-                </a:cubicBezTo>
-                <a:cubicBezTo>
-                  <a:pt x="1784460" y="7799"/>
-                  <a:pt x="1535467" y="461"/>
-                  <a:pt x="1261872" y="18288"/>
-                </a:cubicBezTo>
-                <a:cubicBezTo>
-                  <a:pt x="988277" y="36115"/>
-                  <a:pt x="1021096" y="10375"/>
-                  <a:pt x="822960" y="18288"/>
-                </a:cubicBezTo>
-                <a:cubicBezTo>
-                  <a:pt x="624824" y="26201"/>
-                  <a:pt x="298309" y="1283"/>
-                  <a:pt x="0" y="18288"/>
-                </a:cubicBezTo>
-                <a:cubicBezTo>
-                  <a:pt x="-633" y="12278"/>
-                  <a:pt x="-757" y="5867"/>
-                  <a:pt x="0" y="0"/>
-                </a:cubicBezTo>
-                <a:close/>
-              </a:path>
-            </a:pathLst>
-          </a:custGeom>
-          <a:solidFill>
-            <a:schemeClr val="accent2">
-              <a:alpha val="75000"/>
-            </a:schemeClr>
-          </a:solidFill>
-          <a:ln w="44450" cap="rnd">
-            <a:solidFill>
-              <a:schemeClr val="accent2">
-                <a:alpha val="75000"/>
-              </a:schemeClr>
-            </a:solidFill>
-            <a:round/>
-            <a:extLst>
-              <a:ext uri="{C807C97D-BFC1-408E-A445-0C87EB9F89A2}">
-                <ask:lineSketchStyleProps xmlns:ask="http://schemas.microsoft.com/office/drawing/2018/sketchyshapes" sd="2727557108">
-                  <a:prstGeom prst="rect">
-                    <a:avLst/>
-                  </a:prstGeom>
-                  <ask:type>
-                    <ask:lineSketchFreehand/>
-                  </ask:type>
-                </ask:lineSketchStyleProps>
-              </a:ext>
-            </a:extLst>
-          </a:ln>
-        </p:spPr>
-        <p:style>
-          <a:lnRef idx="2">
-            <a:schemeClr val="accent1">
-              <a:shade val="50000"/>
-            </a:schemeClr>
-          </a:lnRef>
-          <a:fillRef idx="1">
-            <a:schemeClr val="accent1"/>
-          </a:fillRef>
-          <a:effectRef idx="0">
-            <a:schemeClr val="accent1"/>
-          </a:effectRef>
-          <a:fontRef idx="minor">
-            <a:schemeClr val="lt1"/>
-          </a:fontRef>
-        </p:style>
-        <p:txBody>
-          <a:bodyPr rtlCol="0" anchor="ctr"/>
-          <a:lstStyle/>
-          <a:p>
-            <a:pPr algn="ctr"/>
-            <a:endParaRPr lang="en-US"/>
-          </a:p>
-        </p:txBody>
-      </p:sp>
-      <p:sp>
-        <p:nvSpPr>
-          <p:cNvPr id="3" name="Content Placeholder 2"/>
-          <p:cNvSpPr>
-            <a:spLocks noGrp="1"/>
-          </p:cNvSpPr>
-          <p:nvPr>
-            <p:ph idx="1"/>
-          </p:nvPr>
-        </p:nvSpPr>
-        <p:spPr>
-          <a:xfrm>
-            <a:off x="429369" y="2071316"/>
-            <a:ext cx="5035164" cy="4119172"/>
-          </a:xfrm>
-        </p:spPr>
-        <p:txBody>
-          <a:bodyPr anchor="t">
-            <a:normAutofit/>
-          </a:bodyPr>
-          <a:lstStyle/>
-          <a:p>
-            <a:endParaRPr lang="fr-CH" sz="1900" b="1"/>
-          </a:p>
-          <a:p>
-            <a:r>
-              <a:rPr lang="fr-CH" sz="1900" b="1"/>
-              <a:t>BorderLayout : WEST (liste), CENTER (grille).</a:t>
-            </a:r>
-          </a:p>
-          <a:p>
-            <a:r>
-              <a:rPr lang="fr-CH" sz="1900" b="1"/>
-              <a:t>GridLayout : grille dynam. 4 colonnes pour panneaux.</a:t>
-            </a:r>
-          </a:p>
-          <a:p>
-            <a:r>
-              <a:rPr lang="fr-CH" sz="1900" b="1"/>
-              <a:t>JScrollPane : scroll vertical si nécessaire.</a:t>
-            </a:r>
-          </a:p>
-        </p:txBody>
-      </p:sp>
-      <p:pic>
-        <p:nvPicPr>
-          <p:cNvPr id="4" name="Picture 3" descr="95df2d5d-c23f-4390-954f-412c7573800a.png"/>
-          <p:cNvPicPr>
-            <a:picLocks noChangeAspect="1"/>
-          </p:cNvPicPr>
-          <p:nvPr/>
-        </p:nvPicPr>
-        <p:blipFill>
-          <a:blip r:embed="rId2"/>
-          <a:srcRect l="730" r="51286" b="-3"/>
-          <a:stretch>
-            <a:fillRect/>
-          </a:stretch>
-        </p:blipFill>
-        <p:spPr>
-          <a:xfrm>
-            <a:off x="5756743" y="2093976"/>
-            <a:ext cx="2955798" cy="4096512"/>
-          </a:xfrm>
-          <a:prstGeom prst="rect">
-            <a:avLst/>
-          </a:prstGeom>
-        </p:spPr>
-      </p:pic>
-    </p:spTree>
-  </p:cSld>
-  <p:clrMapOvr>
-    <a:masterClrMapping/>
-  </p:clrMapOvr>
-</p:sld>
-</file>
-
-<file path=ppt/slides/slide6.xml><?xml version="1.0" encoding="utf-8"?>
-<p:sld xmlns:a="http://schemas.openxmlformats.org/drawingml/2006/main" xmlns:r="http://schemas.openxmlformats.org/officeDocument/2006/relationships" xmlns:p="http://schemas.openxmlformats.org/presentationml/2006/main">
-  <p:cSld>
-    <p:bg>
-      <p:bgPr>
-        <a:solidFill>
-          <a:schemeClr val="bg1"/>
-        </a:solidFill>
-        <a:effectLst/>
-      </p:bgPr>
-    </p:bg>
-    <p:spTree>
-      <p:nvGrpSpPr>
-        <p:cNvPr id="1" name=""/>
-        <p:cNvGrpSpPr/>
-        <p:nvPr/>
-      </p:nvGrpSpPr>
-      <p:grpSpPr>
-        <a:xfrm>
-          <a:off x="0" y="0"/>
-          <a:ext cx="0" cy="0"/>
-          <a:chOff x="0" y="0"/>
-          <a:chExt cx="0" cy="0"/>
-        </a:xfrm>
-      </p:grpSpPr>
-      <p:sp useBgFill="1">
-        <p:nvSpPr>
-          <p:cNvPr id="8" name="Rectangle 7">
-            <a:extLst>
-              <a:ext uri="{FF2B5EF4-FFF2-40B4-BE49-F238E27FC236}">
-                <a16:creationId xmlns:a16="http://schemas.microsoft.com/office/drawing/2014/main" id="{100EDD19-6802-4EC3-95CE-CFFAB042CFD6}"/>
-              </a:ext>
-              <a:ext uri="{C183D7F6-B498-43B3-948B-1728B52AA6E4}">
-                <adec:decorative xmlns:adec="http://schemas.microsoft.com/office/drawing/2017/decorative" val="1"/>
-              </a:ext>
-            </a:extLst>
-          </p:cNvPr>
-          <p:cNvSpPr>
-            <a:spLocks noGrp="1" noRot="1" noChangeAspect="1" noMove="1" noResize="1" noEditPoints="1" noAdjustHandles="1" noChangeArrowheads="1" noChangeShapeType="1" noTextEdit="1"/>
-          </p:cNvSpPr>
-          <p:nvPr>
-            <p:extLst>
-              <p:ext uri="{386F3935-93C4-4BCD-93E2-E3B085C9AB24}">
-                <p16:designElem xmlns:p16="http://schemas.microsoft.com/office/powerpoint/2015/main" val="1"/>
-              </p:ext>
-            </p:extLst>
-          </p:nvPr>
-        </p:nvSpPr>
-        <p:spPr>
-          <a:xfrm>
-            <a:off x="0" y="0"/>
-            <a:ext cx="9141714" cy="6858000"/>
-          </a:xfrm>
-          <a:prstGeom prst="rect">
-            <a:avLst/>
-          </a:prstGeom>
-          <a:ln>
-            <a:noFill/>
-          </a:ln>
-        </p:spPr>
-        <p:style>
-          <a:lnRef idx="2">
-            <a:schemeClr val="accent1">
-              <a:shade val="50000"/>
-            </a:schemeClr>
-          </a:lnRef>
-          <a:fillRef idx="1">
-            <a:schemeClr val="accent1"/>
-          </a:fillRef>
-          <a:effectRef idx="0">
-            <a:schemeClr val="accent1"/>
-          </a:effectRef>
-          <a:fontRef idx="minor">
-            <a:schemeClr val="lt1"/>
-          </a:fontRef>
-        </p:style>
-        <p:txBody>
-          <a:bodyPr rtlCol="0" anchor="ctr"/>
-          <a:lstStyle/>
-          <a:p>
-            <a:pPr algn="ctr"/>
-            <a:endParaRPr lang="en-US"/>
-          </a:p>
-        </p:txBody>
-      </p:sp>
-      <p:sp>
-        <p:nvSpPr>
-          <p:cNvPr id="2" name="Title 1"/>
-          <p:cNvSpPr>
-            <a:spLocks noGrp="1"/>
-          </p:cNvSpPr>
-          <p:nvPr>
-            <p:ph type="title"/>
-          </p:nvPr>
-        </p:nvSpPr>
-        <p:spPr>
-          <a:xfrm>
             <a:off x="628650" y="365125"/>
             <a:ext cx="7886700" cy="1325563"/>
           </a:xfrm>
@@ -10430,7 +5856,7 @@
           <a:p>
             <a:r>
               <a:rPr lang="fr-CH" sz="4700"/>
-              <a:t>Application des concepts Swing</a:t>
+              <a:t>Architecture générale MVC</a:t>
             </a:r>
           </a:p>
         </p:txBody>
@@ -10945,39 +6371,154 @@
           </a:bodyPr>
           <a:lstStyle/>
           <a:p>
-            <a:r>
-              <a:rPr lang="fr-FR" sz="1900" b="1"/>
-              <a:t>Gestion des événements robuste via Swing</a:t>
-            </a:r>
-          </a:p>
-          <a:p>
-            <a:pPr marL="0" indent="0">
-              <a:buNone/>
+            <a:pPr>
+              <a:lnSpc>
+                <a:spcPct val="90000"/>
+              </a:lnSpc>
             </a:pPr>
-            <a:endParaRPr lang="fr-FR" sz="1900" b="1"/>
-          </a:p>
-          <a:p>
-            <a:r>
-              <a:rPr lang="fr-FR" sz="1900"/>
-              <a:t>MainWindow = JFrame + BorderLayout.</a:t>
-            </a:r>
-          </a:p>
-          <a:p>
-            <a:r>
-              <a:rPr lang="fr-FR" sz="1900"/>
-              <a:t>InstrumentListPanel = JList à gauche.</a:t>
-            </a:r>
-          </a:p>
-          <a:p>
-            <a:r>
-              <a:rPr lang="fr-FR" sz="1900"/>
-              <a:t>centerPanel = JPanel GridLayout dynamique.</a:t>
-            </a:r>
-          </a:p>
-          <a:p>
-            <a:r>
-              <a:rPr lang="fr-FR" sz="1900"/>
-              <a:t>InstrumentGuessPanel = JPanel composite.</a:t>
+            <a:endParaRPr lang="fr-FR" sz="1300" dirty="0"/>
+          </a:p>
+          <a:p>
+            <a:pPr>
+              <a:lnSpc>
+                <a:spcPct val="90000"/>
+              </a:lnSpc>
+            </a:pPr>
+            <a:r>
+              <a:rPr lang="fr-FR" sz="1300" dirty="0"/>
+              <a:t>Point d'entrée (package main ) : contient la classe Main avec la méthode main() qui lance l'application.</a:t>
+            </a:r>
+          </a:p>
+          <a:p>
+            <a:pPr>
+              <a:lnSpc>
+                <a:spcPct val="90000"/>
+              </a:lnSpc>
+            </a:pPr>
+            <a:endParaRPr lang="fr-FR" sz="1300" dirty="0"/>
+          </a:p>
+          <a:p>
+            <a:pPr>
+              <a:lnSpc>
+                <a:spcPct val="90000"/>
+              </a:lnSpc>
+            </a:pPr>
+            <a:endParaRPr lang="fr-FR" sz="1300" dirty="0"/>
+          </a:p>
+          <a:p>
+            <a:pPr>
+              <a:lnSpc>
+                <a:spcPct val="90000"/>
+              </a:lnSpc>
+            </a:pPr>
+            <a:r>
+              <a:rPr lang="fr-FR" sz="1300" dirty="0"/>
+              <a:t>Modèle (package model ) : contient la classe Instrument qui représente un instrument de musique avec son nom et les chemins vers ses ressources (image et fichier son).</a:t>
+            </a:r>
+          </a:p>
+          <a:p>
+            <a:pPr>
+              <a:lnSpc>
+                <a:spcPct val="90000"/>
+              </a:lnSpc>
+            </a:pPr>
+            <a:r>
+              <a:rPr lang="fr-FR" sz="1300" dirty="0"/>
+              <a:t>Vue / Interface graphique (package </a:t>
+            </a:r>
+            <a:r>
+              <a:rPr lang="fr-FR" sz="1300" dirty="0" err="1"/>
+              <a:t>view</a:t>
+            </a:r>
+            <a:r>
+              <a:rPr lang="fr-FR" sz="1300" dirty="0"/>
+              <a:t> ) : contient la classe </a:t>
+            </a:r>
+            <a:r>
+              <a:rPr lang="fr-FR" sz="1300" dirty="0" err="1"/>
+              <a:t>MainWindow</a:t>
+            </a:r>
+            <a:r>
+              <a:rPr lang="fr-FR" sz="1300" dirty="0"/>
+              <a:t> (fenêtre principale de l'application) et la classe </a:t>
+            </a:r>
+            <a:r>
+              <a:rPr lang="fr-FR" sz="1300" dirty="0" err="1"/>
+              <a:t>InstrumentGuessPanel</a:t>
+            </a:r>
+            <a:r>
+              <a:rPr lang="fr-FR" sz="1300" dirty="0"/>
+              <a:t> (panneau individuel pour deviner un instrument). </a:t>
+            </a:r>
+            <a:r>
+              <a:rPr lang="fr-FR" sz="1300" dirty="0" err="1"/>
+              <a:t>InstrumentListPanel</a:t>
+            </a:r>
+            <a:r>
+              <a:rPr lang="fr-FR" sz="1300" dirty="0"/>
+              <a:t> (</a:t>
+            </a:r>
+            <a:r>
+              <a:rPr lang="fr-FR" sz="1300" dirty="0" err="1"/>
+              <a:t>Jliste</a:t>
+            </a:r>
+            <a:r>
+              <a:rPr lang="fr-FR" sz="1300" dirty="0"/>
+              <a:t> de tous les instruments dans une barre latérale avec scroll dans un panneau titré "Instruments") et </a:t>
+            </a:r>
+            <a:r>
+              <a:rPr lang="fr-FR" sz="1300" dirty="0" err="1"/>
+              <a:t>GameMenuBar</a:t>
+            </a:r>
+            <a:r>
+              <a:rPr lang="fr-FR" sz="1300" dirty="0"/>
+              <a:t> (affiche le nombre de vies restantes et gère le bouton "Réinitialiser" pour relancer une partie). Ces classes s'occupent de la disposition à l’écran des composants, de la capture des actions de l'utilisateur et de l'affichage des résultats (images, messages).</a:t>
+            </a:r>
+          </a:p>
+          <a:p>
+            <a:pPr>
+              <a:lnSpc>
+                <a:spcPct val="90000"/>
+              </a:lnSpc>
+            </a:pPr>
+            <a:r>
+              <a:rPr lang="fr-FR" sz="1300" dirty="0"/>
+              <a:t>Contrôleur (package </a:t>
+            </a:r>
+            <a:r>
+              <a:rPr lang="fr-FR" sz="1300" dirty="0" err="1"/>
+              <a:t>controller</a:t>
+            </a:r>
+            <a:r>
+              <a:rPr lang="fr-FR" sz="1300" dirty="0"/>
+              <a:t> ) : contient la classe </a:t>
+            </a:r>
+            <a:r>
+              <a:rPr lang="fr-FR" sz="1300" dirty="0" err="1"/>
+              <a:t>GameController</a:t>
+            </a:r>
+            <a:r>
+              <a:rPr lang="fr-FR" sz="1300" dirty="0"/>
+              <a:t> qui gère la logique du jeu (chargement des instruments, sélection aléatoire, lecture des sons, vérification des réponses) et fait le lien entre les données et l'interface graphique.</a:t>
+            </a:r>
+          </a:p>
+          <a:p>
+            <a:pPr>
+              <a:lnSpc>
+                <a:spcPct val="90000"/>
+              </a:lnSpc>
+            </a:pPr>
+            <a:endParaRPr lang="fr-FR" sz="1300" dirty="0"/>
+          </a:p>
+          <a:p>
+            <a:pPr>
+              <a:lnSpc>
+                <a:spcPct val="90000"/>
+              </a:lnSpc>
+            </a:pPr>
+            <a:r>
+              <a:rPr lang="fr-FR" sz="1300" dirty="0"/>
+              <a:t>Découplage =&gt; maintenance &amp; tests facilités.</a:t>
             </a:r>
           </a:p>
         </p:txBody>
@@ -10990,13 +6531,13 @@
 </p:sld>
 </file>
 
-<file path=ppt/slides/slide7.xml><?xml version="1.0" encoding="utf-8"?>
+<file path=ppt/slides/slide5.xml><?xml version="1.0" encoding="utf-8"?>
 <p:sld xmlns:a="http://schemas.openxmlformats.org/drawingml/2006/main" xmlns:r="http://schemas.openxmlformats.org/officeDocument/2006/relationships" xmlns:p="http://schemas.openxmlformats.org/presentationml/2006/main">
   <p:cSld>
     <p:bg>
       <p:bgPr>
         <a:solidFill>
-          <a:srgbClr val="F5FFF5"/>
+          <a:srgbClr val="FFEBEB"/>
         </a:solidFill>
         <a:effectLst/>
       </p:bgPr>
@@ -11031,10 +6572,13 @@
           <a:lstStyle/>
           <a:p>
             <a:r>
-              <a:rPr lang="fr-CH" dirty="0"/>
-              <a:t>Gestion Audio</a:t>
-            </a:r>
-            <a:endParaRPr dirty="0"/>
+              <a:rPr dirty="0" err="1"/>
+              <a:t>Modèle</a:t>
+            </a:r>
+            <a:r>
+              <a:rPr dirty="0"/>
+              <a:t> : Instrument</a:t>
+            </a:r>
           </a:p>
         </p:txBody>
       </p:sp>
@@ -11056,10 +6600,51 @@
           <a:lstStyle/>
           <a:p>
             <a:r>
-              <a:rPr lang="fr-FR" sz="1800" b="1" dirty="0"/>
-              <a:t>La gestion exclusive des clips évite les superpositions audios mais nécessite une libération correcte des ressources pour éviter les fuites mémoire.</a:t>
-            </a:r>
-            <a:endParaRPr sz="1800" b="1" dirty="0"/>
+              <a:rPr sz="1800" b="1" dirty="0"/>
+              <a:t>Instrument.java : nom, </a:t>
+            </a:r>
+            <a:r>
+              <a:rPr sz="1800" b="1" dirty="0" err="1"/>
+              <a:t>imagePath</a:t>
+            </a:r>
+            <a:r>
+              <a:rPr sz="1800" b="1" dirty="0"/>
+              <a:t>, </a:t>
+            </a:r>
+            <a:r>
+              <a:rPr sz="1800" b="1" dirty="0" err="1"/>
+              <a:t>audioPath</a:t>
+            </a:r>
+            <a:r>
+              <a:rPr sz="1800" b="1" dirty="0"/>
+              <a:t>.</a:t>
+            </a:r>
+          </a:p>
+          <a:p>
+            <a:r>
+              <a:rPr sz="1800" b="1" dirty="0" err="1"/>
+              <a:t>Chargement</a:t>
+            </a:r>
+            <a:r>
+              <a:rPr sz="1800" b="1" dirty="0"/>
+              <a:t> </a:t>
+            </a:r>
+            <a:r>
+              <a:rPr sz="1800" b="1" dirty="0" err="1"/>
+              <a:t>dynamique</a:t>
+            </a:r>
+            <a:r>
+              <a:rPr sz="1800" b="1" dirty="0"/>
+              <a:t> via </a:t>
+            </a:r>
+            <a:r>
+              <a:rPr sz="1800" b="1" dirty="0" err="1"/>
+              <a:t>loadInstruments</a:t>
+            </a:r>
+            <a:r>
+              <a:rPr sz="1800" b="1" dirty="0"/>
+              <a:t>().</a:t>
+            </a:r>
           </a:p>
         </p:txBody>
       </p:sp>
@@ -11071,8 +6656,8 @@
         </p:nvSpPr>
         <p:spPr>
           <a:xfrm>
-            <a:off x="457200" y="2706624"/>
-            <a:ext cx="8229600" cy="3323987"/>
+            <a:off x="457200" y="2609472"/>
+            <a:ext cx="5303520" cy="3323987"/>
           </a:xfrm>
           <a:prstGeom prst="rect">
             <a:avLst/>
@@ -11086,230 +6671,300 @@
           <a:lstStyle/>
           <a:p>
             <a:r>
-              <a:rPr lang="fr-CH" sz="1400" dirty="0"/>
-              <a:t>public </a:t>
-            </a:r>
-            <a:r>
-              <a:rPr lang="fr-CH" sz="1400" dirty="0" err="1"/>
-              <a:t>void</a:t>
-            </a:r>
-            <a:r>
-              <a:rPr lang="fr-CH" sz="1400" dirty="0"/>
-              <a:t> </a:t>
-            </a:r>
-            <a:r>
-              <a:rPr lang="fr-CH" sz="1400" dirty="0" err="1"/>
-              <a:t>playSound</a:t>
-            </a:r>
-            <a:r>
-              <a:rPr lang="fr-CH" sz="1400" dirty="0"/>
-              <a:t>(String </a:t>
-            </a:r>
-            <a:r>
-              <a:rPr lang="fr-CH" sz="1400" dirty="0" err="1"/>
+              <a:rPr sz="800" dirty="0">
+                <a:latin typeface="Consolas"/>
+              </a:rPr>
+              <a:t>public class Instrument {
+    private final String nom;         // Instrument name
+    private final String </a:t>
+            </a:r>
+            <a:r>
+              <a:rPr sz="800" dirty="0" err="1">
+                <a:latin typeface="Consolas"/>
+              </a:rPr>
+              <a:t>imagePath</a:t>
+            </a:r>
+            <a:r>
+              <a:rPr sz="800" dirty="0">
+                <a:latin typeface="Consolas"/>
+              </a:rPr>
+              <a:t>;   // Path to image (.jpg)
+    private final String </a:t>
+            </a:r>
+            <a:r>
+              <a:rPr sz="800" dirty="0" err="1">
+                <a:latin typeface="Consolas"/>
+              </a:rPr>
               <a:t>audioPath</a:t>
             </a:r>
             <a:r>
-              <a:rPr lang="fr-CH" sz="1400" dirty="0"/>
-              <a:t>) {</a:t>
-            </a:r>
-          </a:p>
-          <a:p>
-            <a:r>
-              <a:rPr lang="fr-CH" sz="1400" dirty="0"/>
-              <a:t>    </a:t>
-            </a:r>
-            <a:r>
-              <a:rPr lang="fr-CH" sz="1400" dirty="0" err="1"/>
-              <a:t>try</a:t>
-            </a:r>
-            <a:r>
-              <a:rPr lang="fr-CH" sz="1400" dirty="0"/>
-              <a:t> {</a:t>
-            </a:r>
-          </a:p>
-          <a:p>
-            <a:r>
-              <a:rPr lang="fr-CH" sz="1400" dirty="0"/>
-              <a:t>         // Pattern : Exclusive Resource Management         </a:t>
-            </a:r>
-          </a:p>
-          <a:p>
-            <a:r>
-              <a:rPr lang="fr-CH" sz="1400" dirty="0"/>
-              <a:t>	if (</a:t>
-            </a:r>
-            <a:r>
-              <a:rPr lang="fr-CH" sz="1400" dirty="0" err="1"/>
-              <a:t>currentClip</a:t>
-            </a:r>
-            <a:r>
-              <a:rPr lang="fr-CH" sz="1400" dirty="0"/>
-              <a:t> != </a:t>
-            </a:r>
-            <a:r>
-              <a:rPr lang="fr-CH" sz="1400" dirty="0" err="1"/>
-              <a:t>null</a:t>
-            </a:r>
-            <a:r>
-              <a:rPr lang="fr-CH" sz="1400" dirty="0"/>
-              <a:t> &amp;&amp; </a:t>
-            </a:r>
-            <a:r>
-              <a:rPr lang="fr-CH" sz="1400" dirty="0" err="1"/>
-              <a:t>currentClip.isRunning</a:t>
-            </a:r>
-            <a:r>
-              <a:rPr lang="fr-CH" sz="1400" dirty="0"/>
-              <a:t>()) {             </a:t>
-            </a:r>
-          </a:p>
-          <a:p>
-            <a:r>
-              <a:rPr lang="fr-CH" sz="1400" dirty="0"/>
-              <a:t>	</a:t>
-            </a:r>
-            <a:r>
-              <a:rPr lang="fr-CH" sz="1400" dirty="0" err="1"/>
-              <a:t>currentClip.stop</a:t>
-            </a:r>
-            <a:r>
-              <a:rPr lang="fr-CH" sz="1400" dirty="0"/>
-              <a:t>(); // Arrêt immédiat            </a:t>
-            </a:r>
-          </a:p>
-          <a:p>
-            <a:r>
-              <a:rPr lang="fr-CH" sz="1400" dirty="0"/>
-              <a:t>	</a:t>
-            </a:r>
-            <a:r>
-              <a:rPr lang="fr-CH" sz="1400" dirty="0" err="1"/>
-              <a:t>currentClip.close</a:t>
-            </a:r>
-            <a:r>
-              <a:rPr lang="fr-CH" sz="1400" dirty="0"/>
-              <a:t>(); // Libération mémoire        }                 </a:t>
-            </a:r>
-          </a:p>
-          <a:p>
-            <a:endParaRPr lang="fr-CH" sz="1400" dirty="0"/>
-          </a:p>
-          <a:p>
-            <a:r>
-              <a:rPr lang="fr-CH" sz="1400" dirty="0"/>
-              <a:t>// Chargement optimisé via </a:t>
-            </a:r>
-            <a:r>
-              <a:rPr lang="fr-CH" sz="1400" dirty="0" err="1"/>
-              <a:t>AudioSystem</a:t>
-            </a:r>
-            <a:r>
-              <a:rPr lang="fr-CH" sz="1400" dirty="0"/>
-              <a:t>        </a:t>
-            </a:r>
-          </a:p>
-          <a:p>
-            <a:r>
-              <a:rPr lang="fr-CH" sz="1400" dirty="0" err="1"/>
-              <a:t>AudioInputStream</a:t>
-            </a:r>
-            <a:r>
-              <a:rPr lang="fr-CH" sz="1400" dirty="0"/>
-              <a:t> </a:t>
-            </a:r>
-            <a:r>
-              <a:rPr lang="fr-CH" sz="1400" dirty="0" err="1"/>
-              <a:t>audioIn</a:t>
-            </a:r>
-            <a:r>
-              <a:rPr lang="fr-CH" sz="1400" dirty="0"/>
+              <a:rPr sz="800" dirty="0">
+                <a:latin typeface="Consolas"/>
+              </a:rPr>
+              <a:t>;   // Path to sound (.wav)
+    public Instrument(String nom, String </a:t>
+            </a:r>
+            <a:r>
+              <a:rPr sz="800" dirty="0" err="1">
+                <a:latin typeface="Consolas"/>
+              </a:rPr>
+              <a:t>imagePath</a:t>
+            </a:r>
+            <a:r>
+              <a:rPr sz="800" dirty="0">
+                <a:latin typeface="Consolas"/>
+              </a:rPr>
+              <a:t>, String </a:t>
+            </a:r>
+            <a:r>
+              <a:rPr sz="800" dirty="0" err="1">
+                <a:latin typeface="Consolas"/>
+              </a:rPr>
+              <a:t>audioPath</a:t>
+            </a:r>
+            <a:r>
+              <a:rPr sz="800" dirty="0">
+                <a:latin typeface="Consolas"/>
+              </a:rPr>
+              <a:t>) {
+        </a:t>
+            </a:r>
+            <a:r>
+              <a:rPr sz="800" dirty="0" err="1">
+                <a:latin typeface="Consolas"/>
+              </a:rPr>
+              <a:t>this.nom</a:t>
+            </a:r>
+            <a:r>
+              <a:rPr sz="800" dirty="0">
+                <a:latin typeface="Consolas"/>
+              </a:rPr>
+              <a:t> = nom;
+        </a:t>
+            </a:r>
+            <a:r>
+              <a:rPr sz="800" dirty="0" err="1">
+                <a:latin typeface="Consolas"/>
+              </a:rPr>
+              <a:t>this.imagePath</a:t>
+            </a:r>
+            <a:r>
+              <a:rPr sz="800" dirty="0">
+                <a:latin typeface="Consolas"/>
+              </a:rPr>
               <a:t> = </a:t>
             </a:r>
             <a:r>
-              <a:rPr lang="fr-CH" sz="1400" dirty="0" err="1"/>
-              <a:t>AudioSystem.getAudioInputStream</a:t>
-            </a:r>
-            <a:r>
-              <a:rPr lang="fr-CH" sz="1400" dirty="0"/>
-              <a:t>(new File(</a:t>
-            </a:r>
-            <a:r>
-              <a:rPr lang="fr-CH" sz="1400" dirty="0" err="1"/>
+              <a:rPr sz="800" dirty="0" err="1">
+                <a:latin typeface="Consolas"/>
+              </a:rPr>
+              <a:t>imagePath</a:t>
+            </a:r>
+            <a:r>
+              <a:rPr sz="800" dirty="0">
+                <a:latin typeface="Consolas"/>
+              </a:rPr>
+              <a:t>;
+        </a:t>
+            </a:r>
+            <a:r>
+              <a:rPr sz="800" dirty="0" err="1">
+                <a:latin typeface="Consolas"/>
+              </a:rPr>
+              <a:t>this.audioPath</a:t>
+            </a:r>
+            <a:r>
+              <a:rPr sz="800" dirty="0">
+                <a:latin typeface="Consolas"/>
+              </a:rPr>
+              <a:t> = </a:t>
+            </a:r>
+            <a:r>
+              <a:rPr sz="800" dirty="0" err="1">
+                <a:latin typeface="Consolas"/>
+              </a:rPr>
               <a:t>audioPath</a:t>
             </a:r>
             <a:r>
-              <a:rPr lang="fr-CH" sz="1400" dirty="0"/>
-              <a:t>));         </a:t>
-            </a:r>
-            <a:r>
-              <a:rPr lang="fr-CH" sz="1400" dirty="0" err="1"/>
-              <a:t>currentClip</a:t>
-            </a:r>
-            <a:r>
-              <a:rPr lang="fr-CH" sz="1400" dirty="0"/>
+              <a:rPr sz="800" dirty="0">
+                <a:latin typeface="Consolas"/>
+              </a:rPr>
+              <a:t>;
+    }
+    public String </a:t>
+            </a:r>
+            <a:r>
+              <a:rPr sz="800" dirty="0" err="1">
+                <a:latin typeface="Consolas"/>
+              </a:rPr>
+              <a:t>getName</a:t>
+            </a:r>
+            <a:r>
+              <a:rPr sz="800" dirty="0">
+                <a:latin typeface="Consolas"/>
+              </a:rPr>
+              <a:t>() {
+        return nom;
+    }
+    public String </a:t>
+            </a:r>
+            <a:r>
+              <a:rPr sz="800" dirty="0" err="1">
+                <a:latin typeface="Consolas"/>
+              </a:rPr>
+              <a:t>getImagePath</a:t>
+            </a:r>
+            <a:r>
+              <a:rPr sz="800" dirty="0">
+                <a:latin typeface="Consolas"/>
+              </a:rPr>
+              <a:t>() {
+        return </a:t>
+            </a:r>
+            <a:r>
+              <a:rPr sz="800" dirty="0" err="1">
+                <a:latin typeface="Consolas"/>
+              </a:rPr>
+              <a:t>imagePath</a:t>
+            </a:r>
+            <a:r>
+              <a:rPr sz="800" dirty="0">
+                <a:latin typeface="Consolas"/>
+              </a:rPr>
+              <a:t>;
+    }
+    public String </a:t>
+            </a:r>
+            <a:r>
+              <a:rPr sz="800" dirty="0" err="1">
+                <a:latin typeface="Consolas"/>
+              </a:rPr>
+              <a:t>getAudioPath</a:t>
+            </a:r>
+            <a:r>
+              <a:rPr sz="800" dirty="0">
+                <a:latin typeface="Consolas"/>
+              </a:rPr>
+              <a:t>() {
+...
+        </a:t>
+            </a:r>
+            <a:r>
+              <a:rPr sz="800" dirty="0" err="1">
+                <a:latin typeface="Consolas"/>
+              </a:rPr>
+              <a:t>this.allInstruments</a:t>
+            </a:r>
+            <a:r>
+              <a:rPr sz="800" dirty="0">
+                <a:latin typeface="Consolas"/>
+              </a:rPr>
               <a:t> = </a:t>
             </a:r>
             <a:r>
-              <a:rPr lang="fr-CH" sz="1400" dirty="0" err="1"/>
-              <a:t>AudioSystem.getClip</a:t>
-            </a:r>
-            <a:r>
-              <a:rPr lang="fr-CH" sz="1400" dirty="0"/>
-              <a:t>();         </a:t>
-            </a:r>
-          </a:p>
-          <a:p>
-            <a:r>
-              <a:rPr lang="fr-CH" sz="1400" dirty="0" err="1"/>
-              <a:t>currentClip.open</a:t>
-            </a:r>
-            <a:r>
-              <a:rPr lang="fr-CH" sz="1400" dirty="0"/>
-              <a:t>(</a:t>
-            </a:r>
-            <a:r>
-              <a:rPr lang="fr-CH" sz="1400" dirty="0" err="1"/>
-              <a:t>audioIn</a:t>
-            </a:r>
-            <a:r>
-              <a:rPr lang="fr-CH" sz="1400" dirty="0"/>
-              <a:t>);         </a:t>
-            </a:r>
-          </a:p>
-          <a:p>
-            <a:r>
-              <a:rPr lang="fr-CH" sz="1400" dirty="0" err="1"/>
-              <a:t>currentClip.start</a:t>
-            </a:r>
-            <a:r>
-              <a:rPr lang="fr-CH" sz="1400" dirty="0"/>
-              <a:t>();     </a:t>
-            </a:r>
-          </a:p>
-          <a:p>
-            <a:r>
-              <a:rPr lang="fr-CH" sz="1400" dirty="0"/>
-              <a:t>} catch (Exception e) {         </a:t>
-            </a:r>
-          </a:p>
-          <a:p>
-            <a:r>
-              <a:rPr lang="fr-CH" sz="1400" dirty="0"/>
-              <a:t>// Gestion robuste des erreurs    </a:t>
-            </a:r>
-          </a:p>
-          <a:p>
-            <a:r>
-              <a:rPr lang="fr-CH" sz="1400" dirty="0"/>
-              <a:t>} }</a:t>
-            </a:r>
-            <a:endParaRPr lang="fr-CH" sz="1400" dirty="0">
-              <a:latin typeface="Consolas"/>
-            </a:endParaRPr>
-          </a:p>
-        </p:txBody>
-      </p:sp>
+              <a:rPr sz="800" dirty="0" err="1">
+                <a:latin typeface="Consolas"/>
+              </a:rPr>
+              <a:t>loadInstruments</a:t>
+            </a:r>
+            <a:r>
+              <a:rPr sz="800" dirty="0">
+                <a:latin typeface="Consolas"/>
+              </a:rPr>
+              <a:t>();
+        </a:t>
+            </a:r>
+            <a:r>
+              <a:rPr sz="800" dirty="0" err="1">
+                <a:latin typeface="Consolas"/>
+              </a:rPr>
+              <a:t>this.currentGameInstruments</a:t>
+            </a:r>
+            <a:r>
+              <a:rPr sz="800" dirty="0">
+                <a:latin typeface="Consolas"/>
+              </a:rPr>
+              <a:t> = new </a:t>
+            </a:r>
+            <a:r>
+              <a:rPr sz="800" dirty="0" err="1">
+                <a:latin typeface="Consolas"/>
+              </a:rPr>
+              <a:t>ArrayList</a:t>
+            </a:r>
+            <a:r>
+              <a:rPr sz="800" dirty="0">
+                <a:latin typeface="Consolas"/>
+              </a:rPr>
+              <a:t>&lt;&gt;();
+        </a:t>
+            </a:r>
+            <a:r>
+              <a:rPr sz="800" dirty="0" err="1">
+                <a:latin typeface="Consolas"/>
+              </a:rPr>
+              <a:t>this.remainingInstruments</a:t>
+            </a:r>
+            <a:r>
+              <a:rPr sz="800" dirty="0">
+                <a:latin typeface="Consolas"/>
+              </a:rPr>
+              <a:t> = new </a:t>
+            </a:r>
+            <a:r>
+              <a:rPr sz="800" dirty="0" err="1">
+                <a:latin typeface="Consolas"/>
+              </a:rPr>
+              <a:t>ArrayList</a:t>
+            </a:r>
+            <a:r>
+              <a:rPr sz="800" dirty="0">
+                <a:latin typeface="Consolas"/>
+              </a:rPr>
+              <a:t>&lt;&gt;();
+</a:t>
+            </a:r>
+            <a:r>
+              <a:rPr sz="600" dirty="0">
+                <a:latin typeface="Consolas"/>
+              </a:rPr>
+              <a:t>
+    }
+</a:t>
+            </a:r>
+          </a:p>
+        </p:txBody>
+      </p:sp>
+      <p:pic>
+        <p:nvPicPr>
+          <p:cNvPr id="6" name="Image 5" descr="Une image contenant musique, tambour, instrument de musique, Membranophone&#10;&#10;Le contenu généré par l’IA peut être incorrect.">
+            <a:extLst>
+              <a:ext uri="{FF2B5EF4-FFF2-40B4-BE49-F238E27FC236}">
+                <a16:creationId xmlns:a16="http://schemas.microsoft.com/office/drawing/2014/main" id="{690172A5-758F-0725-A763-547F8200A5F4}"/>
+              </a:ext>
+            </a:extLst>
+          </p:cNvPr>
+          <p:cNvPicPr>
+            <a:picLocks noChangeAspect="1"/>
+          </p:cNvPicPr>
+          <p:nvPr/>
+        </p:nvPicPr>
+        <p:blipFill>
+          <a:blip r:embed="rId2"/>
+          <a:stretch>
+            <a:fillRect/>
+          </a:stretch>
+        </p:blipFill>
+        <p:spPr>
+          <a:xfrm>
+            <a:off x="5731853" y="4379977"/>
+            <a:ext cx="3412148" cy="2478024"/>
+          </a:xfrm>
+          <a:prstGeom prst="rect">
+            <a:avLst/>
+          </a:prstGeom>
+        </p:spPr>
+      </p:pic>
     </p:spTree>
   </p:cSld>
   <p:clrMapOvr>
@@ -11318,7 +6973,7 @@
 </p:sld>
 </file>
 
-<file path=ppt/slides/slide8.xml><?xml version="1.0" encoding="utf-8"?>
+<file path=ppt/slides/slide6.xml><?xml version="1.0" encoding="utf-8"?>
 <p:sld xmlns:a="http://schemas.openxmlformats.org/drawingml/2006/main" xmlns:r="http://schemas.openxmlformats.org/officeDocument/2006/relationships" xmlns:p="http://schemas.openxmlformats.org/presentationml/2006/main">
   <p:cSld>
     <p:bg>
@@ -11345,10 +7000,10 @@
       </p:grpSpPr>
       <p:sp useBgFill="1">
         <p:nvSpPr>
-          <p:cNvPr id="11" name="Rectangle 10">
+          <p:cNvPr id="8" name="Rectangle 7">
             <a:extLst>
               <a:ext uri="{FF2B5EF4-FFF2-40B4-BE49-F238E27FC236}">
-                <a16:creationId xmlns:a16="http://schemas.microsoft.com/office/drawing/2014/main" id="{45D37F4E-DDB4-456B-97E0-9937730A039F}"/>
+                <a16:creationId xmlns:a16="http://schemas.microsoft.com/office/drawing/2014/main" id="{100EDD19-6802-4EC3-95CE-CFFAB042CFD6}"/>
               </a:ext>
               <a:ext uri="{C183D7F6-B498-43B3-948B-1728B52AA6E4}">
                 <adec:decorative xmlns:adec="http://schemas.microsoft.com/office/drawing/2017/decorative" val="1"/>
@@ -11415,29 +7070,29 @@
         </p:nvSpPr>
         <p:spPr>
           <a:xfrm>
-            <a:off x="429369" y="238539"/>
-            <a:ext cx="8263890" cy="1434415"/>
+            <a:off x="628650" y="365125"/>
+            <a:ext cx="7886700" cy="1325563"/>
           </a:xfrm>
         </p:spPr>
         <p:txBody>
-          <a:bodyPr anchor="b">
+          <a:bodyPr>
             <a:normAutofit/>
           </a:bodyPr>
           <a:lstStyle/>
           <a:p>
             <a:r>
-              <a:rPr lang="en-GB" sz="4700"/>
-              <a:t>Scénario utilisateur</a:t>
+              <a:rPr lang="fr-CH" sz="4700" dirty="0"/>
+              <a:t>Vue</a:t>
             </a:r>
           </a:p>
         </p:txBody>
       </p:sp>
       <p:sp>
         <p:nvSpPr>
-          <p:cNvPr id="13" name="sketchy line">
+          <p:cNvPr id="10" name="sketch line">
             <a:extLst>
               <a:ext uri="{FF2B5EF4-FFF2-40B4-BE49-F238E27FC236}">
-                <a16:creationId xmlns:a16="http://schemas.microsoft.com/office/drawing/2014/main" id="{B2DD41CD-8F47-4F56-AD12-4E2FF7696987}"/>
+                <a16:creationId xmlns:a16="http://schemas.microsoft.com/office/drawing/2014/main" id="{DB17E863-922E-4C26-BD64-E8FD41D28661}"/>
               </a:ext>
               <a:ext uri="{C183D7F6-B498-43B3-948B-1728B52AA6E4}">
                 <adec:decorative xmlns:adec="http://schemas.microsoft.com/office/drawing/2017/decorative" val="1"/>
@@ -11457,68 +7112,66 @@
         </p:nvSpPr>
         <p:spPr>
           <a:xfrm>
-            <a:off x="429369" y="1681544"/>
-            <a:ext cx="8229600" cy="18288"/>
+            <a:off x="501777" y="1677373"/>
+            <a:ext cx="8140446" cy="18288"/>
           </a:xfrm>
           <a:custGeom>
             <a:avLst/>
             <a:gdLst>
-              <a:gd name="connsiteX0" fmla="*/ 0 w 8229600"/>
+              <a:gd name="connsiteX0" fmla="*/ 0 w 8140446"/>
               <a:gd name="connsiteY0" fmla="*/ 0 h 18288"/>
-              <a:gd name="connsiteX1" fmla="*/ 521208 w 8229600"/>
+              <a:gd name="connsiteX1" fmla="*/ 434157 w 8140446"/>
               <a:gd name="connsiteY1" fmla="*/ 0 h 18288"/>
-              <a:gd name="connsiteX2" fmla="*/ 1371600 w 8229600"/>
+              <a:gd name="connsiteX2" fmla="*/ 1193932 w 8140446"/>
               <a:gd name="connsiteY2" fmla="*/ 0 h 18288"/>
-              <a:gd name="connsiteX3" fmla="*/ 2221992 w 8229600"/>
+              <a:gd name="connsiteX3" fmla="*/ 1628089 w 8140446"/>
               <a:gd name="connsiteY3" fmla="*/ 0 h 18288"/>
-              <a:gd name="connsiteX4" fmla="*/ 3072384 w 8229600"/>
+              <a:gd name="connsiteX4" fmla="*/ 2225055 w 8140446"/>
               <a:gd name="connsiteY4" fmla="*/ 0 h 18288"/>
-              <a:gd name="connsiteX5" fmla="*/ 3511296 w 8229600"/>
+              <a:gd name="connsiteX5" fmla="*/ 3066235 w 8140446"/>
               <a:gd name="connsiteY5" fmla="*/ 0 h 18288"/>
-              <a:gd name="connsiteX6" fmla="*/ 4114800 w 8229600"/>
+              <a:gd name="connsiteX6" fmla="*/ 3744605 w 8140446"/>
               <a:gd name="connsiteY6" fmla="*/ 0 h 18288"/>
-              <a:gd name="connsiteX7" fmla="*/ 4553712 w 8229600"/>
+              <a:gd name="connsiteX7" fmla="*/ 4504380 w 8140446"/>
               <a:gd name="connsiteY7" fmla="*/ 0 h 18288"/>
-              <a:gd name="connsiteX8" fmla="*/ 5239512 w 8229600"/>
+              <a:gd name="connsiteX8" fmla="*/ 5101346 w 8140446"/>
               <a:gd name="connsiteY8" fmla="*/ 0 h 18288"/>
-              <a:gd name="connsiteX9" fmla="*/ 5843016 w 8229600"/>
+              <a:gd name="connsiteX9" fmla="*/ 5779717 w 8140446"/>
               <a:gd name="connsiteY9" fmla="*/ 0 h 18288"/>
-              <a:gd name="connsiteX10" fmla="*/ 6611112 w 8229600"/>
+              <a:gd name="connsiteX10" fmla="*/ 6620896 w 8140446"/>
               <a:gd name="connsiteY10" fmla="*/ 0 h 18288"/>
-              <a:gd name="connsiteX11" fmla="*/ 7461504 w 8229600"/>
+              <a:gd name="connsiteX11" fmla="*/ 7136458 w 8140446"/>
               <a:gd name="connsiteY11" fmla="*/ 0 h 18288"/>
-              <a:gd name="connsiteX12" fmla="*/ 8229600 w 8229600"/>
+              <a:gd name="connsiteX12" fmla="*/ 8140446 w 8140446"/>
               <a:gd name="connsiteY12" fmla="*/ 0 h 18288"/>
-              <a:gd name="connsiteX13" fmla="*/ 8229600 w 8229600"/>
+              <a:gd name="connsiteX13" fmla="*/ 8140446 w 8140446"/>
               <a:gd name="connsiteY13" fmla="*/ 18288 h 18288"/>
-              <a:gd name="connsiteX14" fmla="*/ 7461504 w 8229600"/>
+              <a:gd name="connsiteX14" fmla="*/ 7543480 w 8140446"/>
               <a:gd name="connsiteY14" fmla="*/ 18288 h 18288"/>
-              <a:gd name="connsiteX15" fmla="*/ 6940296 w 8229600"/>
+              <a:gd name="connsiteX15" fmla="*/ 7109323 w 8140446"/>
               <a:gd name="connsiteY15" fmla="*/ 18288 h 18288"/>
-              <a:gd name="connsiteX16" fmla="*/ 6419088 w 8229600"/>
+              <a:gd name="connsiteX16" fmla="*/ 6430952 w 8140446"/>
               <a:gd name="connsiteY16" fmla="*/ 18288 h 18288"/>
-              <a:gd name="connsiteX17" fmla="*/ 5650992 w 8229600"/>
+              <a:gd name="connsiteX17" fmla="*/ 5915391 w 8140446"/>
               <a:gd name="connsiteY17" fmla="*/ 18288 h 18288"/>
-              <a:gd name="connsiteX18" fmla="*/ 5129784 w 8229600"/>
+              <a:gd name="connsiteX18" fmla="*/ 5237020 w 8140446"/>
               <a:gd name="connsiteY18" fmla="*/ 18288 h 18288"/>
-              <a:gd name="connsiteX19" fmla="*/ 4690872 w 8229600"/>
+              <a:gd name="connsiteX19" fmla="*/ 4558650 w 8140446"/>
               <a:gd name="connsiteY19" fmla="*/ 18288 h 18288"/>
-              <a:gd name="connsiteX20" fmla="*/ 4087368 w 8229600"/>
+              <a:gd name="connsiteX20" fmla="*/ 3880279 w 8140446"/>
               <a:gd name="connsiteY20" fmla="*/ 18288 h 18288"/>
-              <a:gd name="connsiteX21" fmla="*/ 3401568 w 8229600"/>
+              <a:gd name="connsiteX21" fmla="*/ 3201909 w 8140446"/>
               <a:gd name="connsiteY21" fmla="*/ 18288 h 18288"/>
-              <a:gd name="connsiteX22" fmla="*/ 2798064 w 8229600"/>
+              <a:gd name="connsiteX22" fmla="*/ 2604943 w 8140446"/>
               <a:gd name="connsiteY22" fmla="*/ 18288 h 18288"/>
-              <a:gd name="connsiteX23" fmla="*/ 2276856 w 8229600"/>
+              <a:gd name="connsiteX23" fmla="*/ 1845168 w 8140446"/>
               <a:gd name="connsiteY23" fmla="*/ 18288 h 18288"/>
-              <a:gd name="connsiteX24" fmla="*/ 1426464 w 8229600"/>
+              <a:gd name="connsiteX24" fmla="*/ 1166797 w 8140446"/>
               <a:gd name="connsiteY24" fmla="*/ 18288 h 18288"/>
-              <a:gd name="connsiteX25" fmla="*/ 740664 w 8229600"/>
+              <a:gd name="connsiteX25" fmla="*/ 0 w 8140446"/>
               <a:gd name="connsiteY25" fmla="*/ 18288 h 18288"/>
-              <a:gd name="connsiteX26" fmla="*/ 0 w 8229600"/>
-              <a:gd name="connsiteY26" fmla="*/ 18288 h 18288"/>
-              <a:gd name="connsiteX27" fmla="*/ 0 w 8229600"/>
-              <a:gd name="connsiteY27" fmla="*/ 0 h 18288"/>
+              <a:gd name="connsiteX26" fmla="*/ 0 w 8140446"/>
+              <a:gd name="connsiteY26" fmla="*/ 0 h 18288"/>
             </a:gdLst>
             <a:ahLst/>
             <a:cxnLst>
@@ -11603,290 +7256,272 @@
               <a:cxn ang="0">
                 <a:pos x="connsiteX26" y="connsiteY26"/>
               </a:cxn>
-              <a:cxn ang="0">
-                <a:pos x="connsiteX27" y="connsiteY27"/>
-              </a:cxn>
             </a:cxnLst>
             <a:rect l="l" t="t" r="r" b="b"/>
             <a:pathLst>
-              <a:path w="8229600" h="18288" fill="none" extrusionOk="0">
+              <a:path w="8140446" h="18288" fill="none" extrusionOk="0">
                 <a:moveTo>
                   <a:pt x="0" y="0"/>
                 </a:moveTo>
                 <a:cubicBezTo>
-                  <a:pt x="227594" y="-4267"/>
-                  <a:pt x="329693" y="13251"/>
-                  <a:pt x="521208" y="0"/>
-                </a:cubicBezTo>
-                <a:cubicBezTo>
-                  <a:pt x="712723" y="-13251"/>
-                  <a:pt x="1137373" y="-13618"/>
-                  <a:pt x="1371600" y="0"/>
-                </a:cubicBezTo>
-                <a:cubicBezTo>
-                  <a:pt x="1605827" y="13618"/>
-                  <a:pt x="1975382" y="-27374"/>
-                  <a:pt x="2221992" y="0"/>
-                </a:cubicBezTo>
-                <a:cubicBezTo>
-                  <a:pt x="2468602" y="27374"/>
-                  <a:pt x="2863316" y="-20517"/>
-                  <a:pt x="3072384" y="0"/>
-                </a:cubicBezTo>
-                <a:cubicBezTo>
-                  <a:pt x="3281452" y="20517"/>
-                  <a:pt x="3331438" y="10793"/>
-                  <a:pt x="3511296" y="0"/>
-                </a:cubicBezTo>
-                <a:cubicBezTo>
-                  <a:pt x="3691154" y="-10793"/>
-                  <a:pt x="3906405" y="-29737"/>
-                  <a:pt x="4114800" y="0"/>
-                </a:cubicBezTo>
-                <a:cubicBezTo>
-                  <a:pt x="4323195" y="29737"/>
-                  <a:pt x="4428852" y="-2234"/>
-                  <a:pt x="4553712" y="0"/>
-                </a:cubicBezTo>
-                <a:cubicBezTo>
-                  <a:pt x="4678572" y="2234"/>
-                  <a:pt x="5065629" y="29368"/>
-                  <a:pt x="5239512" y="0"/>
-                </a:cubicBezTo>
-                <a:cubicBezTo>
-                  <a:pt x="5413395" y="-29368"/>
-                  <a:pt x="5703888" y="11839"/>
-                  <a:pt x="5843016" y="0"/>
-                </a:cubicBezTo>
-                <a:cubicBezTo>
-                  <a:pt x="5982144" y="-11839"/>
-                  <a:pt x="6260765" y="24719"/>
-                  <a:pt x="6611112" y="0"/>
-                </a:cubicBezTo>
-                <a:cubicBezTo>
-                  <a:pt x="6961459" y="-24719"/>
-                  <a:pt x="7228293" y="32959"/>
-                  <a:pt x="7461504" y="0"/>
-                </a:cubicBezTo>
-                <a:cubicBezTo>
-                  <a:pt x="7694715" y="-32959"/>
-                  <a:pt x="7990029" y="-3422"/>
-                  <a:pt x="8229600" y="0"/>
-                </a:cubicBezTo>
-                <a:cubicBezTo>
-                  <a:pt x="8228940" y="5812"/>
-                  <a:pt x="8229447" y="9773"/>
-                  <a:pt x="8229600" y="18288"/>
-                </a:cubicBezTo>
-                <a:cubicBezTo>
-                  <a:pt x="7940706" y="-9293"/>
-                  <a:pt x="7792584" y="-16009"/>
-                  <a:pt x="7461504" y="18288"/>
-                </a:cubicBezTo>
-                <a:cubicBezTo>
-                  <a:pt x="7130424" y="52585"/>
-                  <a:pt x="7080072" y="43845"/>
-                  <a:pt x="6940296" y="18288"/>
-                </a:cubicBezTo>
-                <a:cubicBezTo>
-                  <a:pt x="6800520" y="-7269"/>
-                  <a:pt x="6672872" y="26671"/>
-                  <a:pt x="6419088" y="18288"/>
-                </a:cubicBezTo>
-                <a:cubicBezTo>
-                  <a:pt x="6165304" y="9905"/>
-                  <a:pt x="5869721" y="4987"/>
-                  <a:pt x="5650992" y="18288"/>
-                </a:cubicBezTo>
-                <a:cubicBezTo>
-                  <a:pt x="5432263" y="31589"/>
-                  <a:pt x="5308310" y="3023"/>
-                  <a:pt x="5129784" y="18288"/>
-                </a:cubicBezTo>
-                <a:cubicBezTo>
-                  <a:pt x="4951258" y="33553"/>
-                  <a:pt x="4799696" y="15357"/>
-                  <a:pt x="4690872" y="18288"/>
-                </a:cubicBezTo>
-                <a:cubicBezTo>
-                  <a:pt x="4582048" y="21219"/>
-                  <a:pt x="4311124" y="-7836"/>
-                  <a:pt x="4087368" y="18288"/>
-                </a:cubicBezTo>
-                <a:cubicBezTo>
-                  <a:pt x="3863612" y="44412"/>
-                  <a:pt x="3730288" y="13374"/>
-                  <a:pt x="3401568" y="18288"/>
-                </a:cubicBezTo>
-                <a:cubicBezTo>
-                  <a:pt x="3072848" y="23202"/>
-                  <a:pt x="3020684" y="32425"/>
-                  <a:pt x="2798064" y="18288"/>
-                </a:cubicBezTo>
-                <a:cubicBezTo>
-                  <a:pt x="2575444" y="4151"/>
-                  <a:pt x="2440915" y="-7352"/>
-                  <a:pt x="2276856" y="18288"/>
-                </a:cubicBezTo>
-                <a:cubicBezTo>
-                  <a:pt x="2112797" y="43928"/>
-                  <a:pt x="1726502" y="-9560"/>
-                  <a:pt x="1426464" y="18288"/>
-                </a:cubicBezTo>
-                <a:cubicBezTo>
-                  <a:pt x="1126426" y="46136"/>
-                  <a:pt x="992925" y="21016"/>
-                  <a:pt x="740664" y="18288"/>
-                </a:cubicBezTo>
-                <a:cubicBezTo>
-                  <a:pt x="488403" y="15560"/>
-                  <a:pt x="195650" y="-16061"/>
+                  <a:pt x="94920" y="9103"/>
+                  <a:pt x="287892" y="-4966"/>
+                  <a:pt x="434157" y="0"/>
+                </a:cubicBezTo>
+                <a:cubicBezTo>
+                  <a:pt x="580422" y="4966"/>
+                  <a:pt x="943595" y="-14182"/>
+                  <a:pt x="1193932" y="0"/>
+                </a:cubicBezTo>
+                <a:cubicBezTo>
+                  <a:pt x="1444270" y="14182"/>
+                  <a:pt x="1472129" y="5523"/>
+                  <a:pt x="1628089" y="0"/>
+                </a:cubicBezTo>
+                <a:cubicBezTo>
+                  <a:pt x="1784049" y="-5523"/>
+                  <a:pt x="1962419" y="-17322"/>
+                  <a:pt x="2225055" y="0"/>
+                </a:cubicBezTo>
+                <a:cubicBezTo>
+                  <a:pt x="2487691" y="17322"/>
+                  <a:pt x="2700681" y="1311"/>
+                  <a:pt x="3066235" y="0"/>
+                </a:cubicBezTo>
+                <a:cubicBezTo>
+                  <a:pt x="3431789" y="-1311"/>
+                  <a:pt x="3405662" y="25081"/>
+                  <a:pt x="3744605" y="0"/>
+                </a:cubicBezTo>
+                <a:cubicBezTo>
+                  <a:pt x="4083548" y="-25081"/>
+                  <a:pt x="4265111" y="-11945"/>
+                  <a:pt x="4504380" y="0"/>
+                </a:cubicBezTo>
+                <a:cubicBezTo>
+                  <a:pt x="4743649" y="11945"/>
+                  <a:pt x="4860394" y="-2832"/>
+                  <a:pt x="5101346" y="0"/>
+                </a:cubicBezTo>
+                <a:cubicBezTo>
+                  <a:pt x="5342298" y="2832"/>
+                  <a:pt x="5456387" y="23676"/>
+                  <a:pt x="5779717" y="0"/>
+                </a:cubicBezTo>
+                <a:cubicBezTo>
+                  <a:pt x="6103047" y="-23676"/>
+                  <a:pt x="6270379" y="-37291"/>
+                  <a:pt x="6620896" y="0"/>
+                </a:cubicBezTo>
+                <a:cubicBezTo>
+                  <a:pt x="6971413" y="37291"/>
+                  <a:pt x="6989068" y="24674"/>
+                  <a:pt x="7136458" y="0"/>
+                </a:cubicBezTo>
+                <a:cubicBezTo>
+                  <a:pt x="7283848" y="-24674"/>
+                  <a:pt x="7752532" y="-22436"/>
+                  <a:pt x="8140446" y="0"/>
+                </a:cubicBezTo>
+                <a:cubicBezTo>
+                  <a:pt x="8140314" y="7702"/>
+                  <a:pt x="8140234" y="13511"/>
+                  <a:pt x="8140446" y="18288"/>
+                </a:cubicBezTo>
+                <a:cubicBezTo>
+                  <a:pt x="7906329" y="-3043"/>
+                  <a:pt x="7681180" y="27465"/>
+                  <a:pt x="7543480" y="18288"/>
+                </a:cubicBezTo>
+                <a:cubicBezTo>
+                  <a:pt x="7405780" y="9111"/>
+                  <a:pt x="7216607" y="3660"/>
+                  <a:pt x="7109323" y="18288"/>
+                </a:cubicBezTo>
+                <a:cubicBezTo>
+                  <a:pt x="7002039" y="32916"/>
+                  <a:pt x="6576231" y="42692"/>
+                  <a:pt x="6430952" y="18288"/>
+                </a:cubicBezTo>
+                <a:cubicBezTo>
+                  <a:pt x="6285673" y="-6116"/>
+                  <a:pt x="6138840" y="34521"/>
+                  <a:pt x="5915391" y="18288"/>
+                </a:cubicBezTo>
+                <a:cubicBezTo>
+                  <a:pt x="5691942" y="2055"/>
+                  <a:pt x="5459460" y="51666"/>
+                  <a:pt x="5237020" y="18288"/>
+                </a:cubicBezTo>
+                <a:cubicBezTo>
+                  <a:pt x="5014580" y="-15090"/>
+                  <a:pt x="4747677" y="40449"/>
+                  <a:pt x="4558650" y="18288"/>
+                </a:cubicBezTo>
+                <a:cubicBezTo>
+                  <a:pt x="4369623" y="-3873"/>
+                  <a:pt x="4146061" y="12568"/>
+                  <a:pt x="3880279" y="18288"/>
+                </a:cubicBezTo>
+                <a:cubicBezTo>
+                  <a:pt x="3614497" y="24008"/>
+                  <a:pt x="3473808" y="-12908"/>
+                  <a:pt x="3201909" y="18288"/>
+                </a:cubicBezTo>
+                <a:cubicBezTo>
+                  <a:pt x="2930010" y="49484"/>
+                  <a:pt x="2728175" y="-3430"/>
+                  <a:pt x="2604943" y="18288"/>
+                </a:cubicBezTo>
+                <a:cubicBezTo>
+                  <a:pt x="2481711" y="40006"/>
+                  <a:pt x="2004334" y="26952"/>
+                  <a:pt x="1845168" y="18288"/>
+                </a:cubicBezTo>
+                <a:cubicBezTo>
+                  <a:pt x="1686003" y="9624"/>
+                  <a:pt x="1375070" y="37580"/>
+                  <a:pt x="1166797" y="18288"/>
+                </a:cubicBezTo>
+                <a:cubicBezTo>
+                  <a:pt x="958524" y="-1004"/>
+                  <a:pt x="342846" y="8880"/>
                   <a:pt x="0" y="18288"/>
                 </a:cubicBezTo>
                 <a:cubicBezTo>
-                  <a:pt x="348" y="9455"/>
-                  <a:pt x="654" y="3983"/>
+                  <a:pt x="129" y="13298"/>
+                  <a:pt x="-675" y="6857"/>
                   <a:pt x="0" y="0"/>
                 </a:cubicBezTo>
                 <a:close/>
               </a:path>
-              <a:path w="8229600" h="18288" stroke="0" extrusionOk="0">
+              <a:path w="8140446" h="18288" stroke="0" extrusionOk="0">
                 <a:moveTo>
                   <a:pt x="0" y="0"/>
                 </a:moveTo>
                 <a:cubicBezTo>
-                  <a:pt x="259263" y="-9445"/>
-                  <a:pt x="404731" y="4427"/>
-                  <a:pt x="521208" y="0"/>
-                </a:cubicBezTo>
-                <a:cubicBezTo>
-                  <a:pt x="637685" y="-4427"/>
-                  <a:pt x="839187" y="564"/>
-                  <a:pt x="960120" y="0"/>
-                </a:cubicBezTo>
-                <a:cubicBezTo>
-                  <a:pt x="1081053" y="-564"/>
-                  <a:pt x="1313469" y="-16481"/>
-                  <a:pt x="1481328" y="0"/>
-                </a:cubicBezTo>
-                <a:cubicBezTo>
-                  <a:pt x="1649187" y="16481"/>
-                  <a:pt x="1885247" y="26161"/>
-                  <a:pt x="2167128" y="0"/>
-                </a:cubicBezTo>
-                <a:cubicBezTo>
-                  <a:pt x="2449009" y="-26161"/>
-                  <a:pt x="2761875" y="-22202"/>
-                  <a:pt x="2935224" y="0"/>
-                </a:cubicBezTo>
-                <a:cubicBezTo>
-                  <a:pt x="3108573" y="22202"/>
-                  <a:pt x="3540687" y="-2863"/>
-                  <a:pt x="3785616" y="0"/>
-                </a:cubicBezTo>
-                <a:cubicBezTo>
-                  <a:pt x="4030545" y="2863"/>
-                  <a:pt x="4280774" y="-12442"/>
-                  <a:pt x="4636008" y="0"/>
-                </a:cubicBezTo>
-                <a:cubicBezTo>
-                  <a:pt x="4991242" y="12442"/>
-                  <a:pt x="5025483" y="16914"/>
-                  <a:pt x="5239512" y="0"/>
-                </a:cubicBezTo>
-                <a:cubicBezTo>
-                  <a:pt x="5453541" y="-16914"/>
-                  <a:pt x="5754008" y="16592"/>
-                  <a:pt x="6007608" y="0"/>
-                </a:cubicBezTo>
-                <a:cubicBezTo>
-                  <a:pt x="6261208" y="-16592"/>
-                  <a:pt x="6407957" y="-11909"/>
-                  <a:pt x="6693408" y="0"/>
-                </a:cubicBezTo>
-                <a:cubicBezTo>
-                  <a:pt x="6978859" y="11909"/>
-                  <a:pt x="7015437" y="-20890"/>
-                  <a:pt x="7296912" y="0"/>
-                </a:cubicBezTo>
-                <a:cubicBezTo>
-                  <a:pt x="7578387" y="20890"/>
-                  <a:pt x="7859622" y="46406"/>
-                  <a:pt x="8229600" y="0"/>
-                </a:cubicBezTo>
-                <a:cubicBezTo>
-                  <a:pt x="8230508" y="6337"/>
-                  <a:pt x="8228722" y="11778"/>
-                  <a:pt x="8229600" y="18288"/>
-                </a:cubicBezTo>
-                <a:cubicBezTo>
-                  <a:pt x="8075287" y="35054"/>
-                  <a:pt x="7821366" y="21850"/>
-                  <a:pt x="7626096" y="18288"/>
-                </a:cubicBezTo>
-                <a:cubicBezTo>
-                  <a:pt x="7430826" y="14726"/>
-                  <a:pt x="7320004" y="-9669"/>
-                  <a:pt x="7022592" y="18288"/>
-                </a:cubicBezTo>
-                <a:cubicBezTo>
-                  <a:pt x="6725180" y="46245"/>
-                  <a:pt x="6348804" y="-14025"/>
-                  <a:pt x="6172200" y="18288"/>
-                </a:cubicBezTo>
-                <a:cubicBezTo>
-                  <a:pt x="5995596" y="50601"/>
-                  <a:pt x="5788102" y="22890"/>
-                  <a:pt x="5650992" y="18288"/>
-                </a:cubicBezTo>
-                <a:cubicBezTo>
-                  <a:pt x="5513882" y="13686"/>
-                  <a:pt x="5198399" y="29121"/>
-                  <a:pt x="4882896" y="18288"/>
-                </a:cubicBezTo>
-                <a:cubicBezTo>
-                  <a:pt x="4567393" y="7455"/>
-                  <a:pt x="4557008" y="26965"/>
-                  <a:pt x="4443984" y="18288"/>
-                </a:cubicBezTo>
-                <a:cubicBezTo>
-                  <a:pt x="4330960" y="9611"/>
-                  <a:pt x="4061674" y="28891"/>
-                  <a:pt x="3758184" y="18288"/>
-                </a:cubicBezTo>
-                <a:cubicBezTo>
-                  <a:pt x="3454694" y="7685"/>
-                  <a:pt x="3380392" y="19119"/>
-                  <a:pt x="3236976" y="18288"/>
-                </a:cubicBezTo>
-                <a:cubicBezTo>
-                  <a:pt x="3093560" y="17457"/>
-                  <a:pt x="2632116" y="37607"/>
-                  <a:pt x="2386584" y="18288"/>
-                </a:cubicBezTo>
-                <a:cubicBezTo>
-                  <a:pt x="2141052" y="-1031"/>
-                  <a:pt x="2110884" y="28777"/>
-                  <a:pt x="1947672" y="18288"/>
-                </a:cubicBezTo>
-                <a:cubicBezTo>
-                  <a:pt x="1784460" y="7799"/>
-                  <a:pt x="1535467" y="461"/>
-                  <a:pt x="1261872" y="18288"/>
-                </a:cubicBezTo>
-                <a:cubicBezTo>
-                  <a:pt x="988277" y="36115"/>
-                  <a:pt x="1021096" y="10375"/>
-                  <a:pt x="822960" y="18288"/>
-                </a:cubicBezTo>
-                <a:cubicBezTo>
-                  <a:pt x="624824" y="26201"/>
-                  <a:pt x="298309" y="1283"/>
+                  <a:pt x="142435" y="-24533"/>
+                  <a:pt x="380026" y="17447"/>
+                  <a:pt x="596966" y="0"/>
+                </a:cubicBezTo>
+                <a:cubicBezTo>
+                  <a:pt x="813906" y="-17447"/>
+                  <a:pt x="830530" y="13462"/>
+                  <a:pt x="1031123" y="0"/>
+                </a:cubicBezTo>
+                <a:cubicBezTo>
+                  <a:pt x="1231716" y="-13462"/>
+                  <a:pt x="1634038" y="0"/>
+                  <a:pt x="1872303" y="0"/>
+                </a:cubicBezTo>
+                <a:cubicBezTo>
+                  <a:pt x="2110568" y="0"/>
+                  <a:pt x="2261934" y="-25727"/>
+                  <a:pt x="2469269" y="0"/>
+                </a:cubicBezTo>
+                <a:cubicBezTo>
+                  <a:pt x="2676604" y="25727"/>
+                  <a:pt x="2790440" y="16284"/>
+                  <a:pt x="3066235" y="0"/>
+                </a:cubicBezTo>
+                <a:cubicBezTo>
+                  <a:pt x="3342030" y="-16284"/>
+                  <a:pt x="3685603" y="41976"/>
+                  <a:pt x="3907414" y="0"/>
+                </a:cubicBezTo>
+                <a:cubicBezTo>
+                  <a:pt x="4129225" y="-41976"/>
+                  <a:pt x="4177416" y="-7598"/>
+                  <a:pt x="4422976" y="0"/>
+                </a:cubicBezTo>
+                <a:cubicBezTo>
+                  <a:pt x="4668536" y="7598"/>
+                  <a:pt x="5023499" y="-28058"/>
+                  <a:pt x="5264155" y="0"/>
+                </a:cubicBezTo>
+                <a:cubicBezTo>
+                  <a:pt x="5504811" y="28058"/>
+                  <a:pt x="5703675" y="13288"/>
+                  <a:pt x="6105335" y="0"/>
+                </a:cubicBezTo>
+                <a:cubicBezTo>
+                  <a:pt x="6506995" y="-13288"/>
+                  <a:pt x="6455516" y="-5124"/>
+                  <a:pt x="6783705" y="0"/>
+                </a:cubicBezTo>
+                <a:cubicBezTo>
+                  <a:pt x="7111894" y="5124"/>
+                  <a:pt x="7512856" y="10604"/>
+                  <a:pt x="8140446" y="0"/>
+                </a:cubicBezTo>
+                <a:cubicBezTo>
+                  <a:pt x="8140458" y="8833"/>
+                  <a:pt x="8140986" y="9830"/>
+                  <a:pt x="8140446" y="18288"/>
+                </a:cubicBezTo>
+                <a:cubicBezTo>
+                  <a:pt x="7959314" y="3345"/>
+                  <a:pt x="7870113" y="10437"/>
+                  <a:pt x="7706289" y="18288"/>
+                </a:cubicBezTo>
+                <a:cubicBezTo>
+                  <a:pt x="7542465" y="26139"/>
+                  <a:pt x="7157940" y="17482"/>
+                  <a:pt x="6865109" y="18288"/>
+                </a:cubicBezTo>
+                <a:cubicBezTo>
+                  <a:pt x="6572278" y="19094"/>
+                  <a:pt x="6524256" y="38051"/>
+                  <a:pt x="6349548" y="18288"/>
+                </a:cubicBezTo>
+                <a:cubicBezTo>
+                  <a:pt x="6174840" y="-1475"/>
+                  <a:pt x="5951624" y="174"/>
+                  <a:pt x="5671177" y="18288"/>
+                </a:cubicBezTo>
+                <a:cubicBezTo>
+                  <a:pt x="5390730" y="36402"/>
+                  <a:pt x="5222992" y="60058"/>
+                  <a:pt x="4829998" y="18288"/>
+                </a:cubicBezTo>
+                <a:cubicBezTo>
+                  <a:pt x="4437004" y="-23482"/>
+                  <a:pt x="4344181" y="39087"/>
+                  <a:pt x="4151627" y="18288"/>
+                </a:cubicBezTo>
+                <a:cubicBezTo>
+                  <a:pt x="3959073" y="-2511"/>
+                  <a:pt x="3886970" y="32875"/>
+                  <a:pt x="3717470" y="18288"/>
+                </a:cubicBezTo>
+                <a:cubicBezTo>
+                  <a:pt x="3547970" y="3701"/>
+                  <a:pt x="3451521" y="31872"/>
+                  <a:pt x="3201909" y="18288"/>
+                </a:cubicBezTo>
+                <a:cubicBezTo>
+                  <a:pt x="2952297" y="4704"/>
+                  <a:pt x="2543413" y="6029"/>
+                  <a:pt x="2360729" y="18288"/>
+                </a:cubicBezTo>
+                <a:cubicBezTo>
+                  <a:pt x="2178045" y="30547"/>
+                  <a:pt x="1906056" y="25847"/>
+                  <a:pt x="1682359" y="18288"/>
+                </a:cubicBezTo>
+                <a:cubicBezTo>
+                  <a:pt x="1458662" y="10730"/>
+                  <a:pt x="1330405" y="8046"/>
+                  <a:pt x="1166797" y="18288"/>
+                </a:cubicBezTo>
+                <a:cubicBezTo>
+                  <a:pt x="1003189" y="28530"/>
+                  <a:pt x="278098" y="19533"/>
                   <a:pt x="0" y="18288"/>
                 </a:cubicBezTo>
                 <a:cubicBezTo>
-                  <a:pt x="-633" y="12278"/>
-                  <a:pt x="-757" y="5867"/>
+                  <a:pt x="74" y="14054"/>
+                  <a:pt x="-46" y="6997"/>
                   <a:pt x="0" y="0"/>
                 </a:cubicBezTo>
                 <a:close/>
@@ -11894,20 +7529,16 @@
             </a:pathLst>
           </a:custGeom>
           <a:solidFill>
-            <a:schemeClr val="accent2">
-              <a:alpha val="75000"/>
-            </a:schemeClr>
+            <a:schemeClr val="accent2"/>
           </a:solidFill>
-          <a:ln w="44450" cap="rnd">
+          <a:ln w="41275" cap="rnd">
             <a:solidFill>
-              <a:schemeClr val="accent2">
-                <a:alpha val="75000"/>
-              </a:schemeClr>
+              <a:schemeClr val="accent2"/>
             </a:solidFill>
             <a:round/>
             <a:extLst>
               <a:ext uri="{C807C97D-BFC1-408E-A445-0C87EB9F89A2}">
-                <ask:lineSketchStyleProps xmlns:ask="http://schemas.microsoft.com/office/drawing/2018/sketchyshapes" sd="2727557108">
+                <ask:lineSketchStyleProps xmlns:ask="http://schemas.microsoft.com/office/drawing/2018/sketchyshapes" sd="1219033472">
                   <a:prstGeom prst="rect">
                     <a:avLst/>
                   </a:prstGeom>
@@ -11956,47 +7587,138 @@
         </p:nvSpPr>
         <p:spPr>
           <a:xfrm>
-            <a:off x="429369" y="2071316"/>
-            <a:ext cx="5035164" cy="4119172"/>
+            <a:off x="343514" y="1850728"/>
+            <a:ext cx="3407230" cy="4251960"/>
           </a:xfrm>
         </p:spPr>
         <p:txBody>
-          <a:bodyPr anchor="t">
+          <a:bodyPr>
             <a:normAutofit/>
           </a:bodyPr>
           <a:lstStyle/>
           <a:p>
-            <a:r>
-              <a:rPr lang="fr-FR" sz="1900" b="1"/>
-              <a:t>1. Sélection d'un instrument (ajout panneau).</a:t>
-            </a:r>
-          </a:p>
-          <a:p>
-            <a:r>
-              <a:rPr lang="fr-FR" sz="1900" b="1"/>
-              <a:t>2. Lecture du son ▶, saisie du nom.</a:t>
-            </a:r>
-          </a:p>
-          <a:p>
-            <a:r>
-              <a:rPr lang="fr-FR" sz="1900" b="1"/>
-              <a:t>3. Bonne réponse =&gt; image révélée, panneau validé.</a:t>
-            </a:r>
-          </a:p>
-          <a:p>
-            <a:r>
-              <a:rPr lang="fr-FR" sz="1900" b="1"/>
-              <a:t>4. Vie perdue sinon; partie jusqu'à 6 bonnes réponses ou 0 vie.</a:t>
+            <a:pPr marL="0" indent="0">
+              <a:buNone/>
+            </a:pPr>
+            <a:r>
+              <a:rPr lang="fr-FR" sz="1900" b="1" dirty="0"/>
+              <a:t>Gestion des événements via Swing</a:t>
+            </a:r>
+          </a:p>
+          <a:p>
+            <a:r>
+              <a:rPr lang="fr-FR" sz="1900" dirty="0" err="1"/>
+              <a:t>MainWindow</a:t>
+            </a:r>
+            <a:r>
+              <a:rPr lang="fr-FR" sz="1900" dirty="0"/>
+              <a:t> = </a:t>
+            </a:r>
+            <a:r>
+              <a:rPr lang="fr-FR" sz="1900" dirty="0" err="1"/>
+              <a:t>JFrame</a:t>
+            </a:r>
+            <a:r>
+              <a:rPr lang="fr-FR" sz="1900" dirty="0"/>
+              <a:t> + </a:t>
+            </a:r>
+            <a:r>
+              <a:rPr lang="fr-FR" sz="1900" dirty="0" err="1"/>
+              <a:t>BorderLayout</a:t>
+            </a:r>
+            <a:r>
+              <a:rPr lang="fr-FR" sz="1900" dirty="0"/>
+              <a:t>.</a:t>
+            </a:r>
+          </a:p>
+          <a:p>
+            <a:r>
+              <a:rPr lang="fr-FR" sz="1900" dirty="0" err="1"/>
+              <a:t>GameMenuBar</a:t>
+            </a:r>
+            <a:r>
+              <a:rPr lang="fr-FR" sz="1900" dirty="0"/>
+              <a:t> = </a:t>
+            </a:r>
+            <a:r>
+              <a:rPr lang="fr-FR" sz="1900" dirty="0" err="1"/>
+              <a:t>JMenuBar</a:t>
+            </a:r>
+            <a:r>
+              <a:rPr lang="fr-FR" sz="1900" dirty="0"/>
+              <a:t> en haut</a:t>
+            </a:r>
+          </a:p>
+          <a:p>
+            <a:r>
+              <a:rPr lang="fr-FR" sz="1900" dirty="0" err="1"/>
+              <a:t>InstrumentListPanel</a:t>
+            </a:r>
+            <a:r>
+              <a:rPr lang="fr-FR" sz="1900" dirty="0"/>
+              <a:t> = </a:t>
+            </a:r>
+            <a:r>
+              <a:rPr lang="fr-FR" sz="1900" dirty="0" err="1"/>
+              <a:t>JList</a:t>
+            </a:r>
+            <a:r>
+              <a:rPr lang="fr-FR" sz="1900" dirty="0"/>
+              <a:t> à gauche.</a:t>
+            </a:r>
+          </a:p>
+          <a:p>
+            <a:r>
+              <a:rPr lang="fr-FR" sz="1900" dirty="0" err="1"/>
+              <a:t>centerPanel</a:t>
+            </a:r>
+            <a:r>
+              <a:rPr lang="fr-FR" sz="1900" dirty="0"/>
+              <a:t> = </a:t>
+            </a:r>
+            <a:r>
+              <a:rPr lang="fr-FR" sz="1900" dirty="0" err="1"/>
+              <a:t>JPanel</a:t>
+            </a:r>
+            <a:r>
+              <a:rPr lang="fr-FR" sz="1900" dirty="0"/>
+              <a:t> </a:t>
+            </a:r>
+            <a:r>
+              <a:rPr lang="fr-FR" sz="1900" dirty="0" err="1"/>
+              <a:t>GridLayout</a:t>
+            </a:r>
+            <a:r>
+              <a:rPr lang="fr-FR" sz="1900" dirty="0"/>
+              <a:t> dynamique.</a:t>
+            </a:r>
+          </a:p>
+          <a:p>
+            <a:r>
+              <a:rPr lang="fr-FR" sz="1900" dirty="0" err="1"/>
+              <a:t>InstrumentGuessPanel</a:t>
+            </a:r>
+            <a:r>
+              <a:rPr lang="fr-FR" sz="1900" dirty="0"/>
+              <a:t> = </a:t>
+            </a:r>
+            <a:r>
+              <a:rPr lang="fr-FR" sz="1900" dirty="0" err="1"/>
+              <a:t>JPanel</a:t>
+            </a:r>
+            <a:r>
+              <a:rPr lang="fr-FR" sz="1900" dirty="0"/>
+              <a:t> composite.</a:t>
             </a:r>
           </a:p>
         </p:txBody>
       </p:sp>
       <p:pic>
         <p:nvPicPr>
-          <p:cNvPr id="6" name="Image 5" descr="Une image contenant crochet, conception&#10;&#10;Le contenu généré par l’IA peut être incorrect.">
+          <p:cNvPr id="4" name="Picture 3" descr="95df2d5d-c23f-4390-954f-412c7573800a.png">
             <a:extLst>
               <a:ext uri="{FF2B5EF4-FFF2-40B4-BE49-F238E27FC236}">
-                <a16:creationId xmlns:a16="http://schemas.microsoft.com/office/drawing/2014/main" id="{F10241EF-D497-A336-1C31-EEE37C4A6176}"/>
+                <a16:creationId xmlns:a16="http://schemas.microsoft.com/office/drawing/2014/main" id="{81717BEA-BABC-2932-DCCB-410144B82454}"/>
               </a:ext>
             </a:extLst>
           </p:cNvPr>
@@ -12007,15 +7729,14 @@
         </p:nvPicPr>
         <p:blipFill>
           <a:blip r:embed="rId2"/>
-          <a:srcRect l="14356" r="13490"/>
           <a:stretch>
             <a:fillRect/>
           </a:stretch>
         </p:blipFill>
         <p:spPr>
           <a:xfrm>
-            <a:off x="5756743" y="2093976"/>
-            <a:ext cx="2955798" cy="4096512"/>
+            <a:off x="3923161" y="2627889"/>
+            <a:ext cx="4592189" cy="3049115"/>
           </a:xfrm>
           <a:prstGeom prst="rect">
             <a:avLst/>
@@ -12030,13 +7751,13 @@
 </p:sld>
 </file>
 
-<file path=ppt/slides/slide9.xml><?xml version="1.0" encoding="utf-8"?>
+<file path=ppt/slides/slide7.xml><?xml version="1.0" encoding="utf-8"?>
 <p:sld xmlns:a="http://schemas.openxmlformats.org/drawingml/2006/main" xmlns:r="http://schemas.openxmlformats.org/officeDocument/2006/relationships" xmlns:p="http://schemas.openxmlformats.org/presentationml/2006/main">
   <p:cSld>
     <p:bg>
       <p:bgPr>
         <a:solidFill>
-          <a:srgbClr val="EBF5FF"/>
+          <a:srgbClr val="FFF5FF"/>
         </a:solidFill>
         <a:effectLst/>
       </p:bgPr>
@@ -12071,8 +7792,7 @@
           <a:lstStyle/>
           <a:p>
             <a:r>
-              <a:rPr lang="fr-CH" dirty="0"/>
-              <a:t>Boîtes de dialogue Swing</a:t>
+              <a:t>Contrôleur : logique de jeu</a:t>
             </a:r>
           </a:p>
         </p:txBody>
@@ -12094,23 +7814,36 @@
           </a:bodyPr>
           <a:lstStyle/>
           <a:p>
-            <a:r>
-              <a:rPr lang="fr-FR" sz="1800" b="1"/>
-              <a:t>JOptionPane pour victoire / game‑over.</a:t>
-            </a:r>
-          </a:p>
-          <a:p>
-            <a:r>
-              <a:rPr lang="fr-FR" sz="1800" b="1"/>
-              <a:t>Victoire : panel personnalisé avec Clippy, choix Replay/Quit.</a:t>
-            </a:r>
-          </a:p>
-          <a:p>
-            <a:r>
-              <a:rPr lang="fr-FR" sz="1800" b="1"/>
-              <a:t>Défaite : message, options identiques.</a:t>
-            </a:r>
-            <a:endParaRPr lang="fr-FR" sz="1800" b="1" dirty="0"/>
+            <a:endParaRPr lang="fr-CH" sz="1800" b="1" dirty="0"/>
+          </a:p>
+          <a:p>
+            <a:r>
+              <a:rPr lang="fr-FR" sz="1800" b="1" dirty="0" err="1"/>
+              <a:t>allInstruments</a:t>
+            </a:r>
+            <a:r>
+              <a:rPr lang="fr-FR" sz="1800" b="1" dirty="0"/>
+              <a:t> (Pool Global) → </a:t>
+            </a:r>
+            <a:r>
+              <a:rPr lang="fr-FR" sz="1800" b="1" dirty="0" err="1"/>
+              <a:t>currentGame</a:t>
+            </a:r>
+            <a:r>
+              <a:rPr lang="fr-FR" sz="1800" b="1" dirty="0"/>
+              <a:t> (6 sélectionnés) → </a:t>
+            </a:r>
+            <a:r>
+              <a:rPr lang="fr-FR" sz="1800" b="1" dirty="0" err="1"/>
+              <a:t>remaining</a:t>
+            </a:r>
+            <a:br>
+              <a:rPr lang="fr-FR" sz="1800" b="1" dirty="0"/>
+            </a:br>
+            <a:r>
+              <a:rPr lang="fr-FR" sz="1800" b="1" dirty="0"/>
+              <a:t>(Non devinés)</a:t>
+            </a:r>
           </a:p>
         </p:txBody>
       </p:sp>
@@ -12122,8 +7855,8 @@
         </p:nvSpPr>
         <p:spPr>
           <a:xfrm>
-            <a:off x="274320" y="3017520"/>
-            <a:ext cx="5303520" cy="3416320"/>
+            <a:off x="457200" y="2632074"/>
+            <a:ext cx="5303520" cy="2462213"/>
           </a:xfrm>
           <a:prstGeom prst="rect">
             <a:avLst/>
@@ -12137,473 +7870,1362 @@
           <a:lstStyle/>
           <a:p>
             <a:r>
-              <a:rPr lang="fr-CH" sz="800" dirty="0">
-                <a:latin typeface="Consolas"/>
-              </a:rPr>
-              <a:t>    public </a:t>
-            </a:r>
-            <a:r>
-              <a:rPr lang="fr-CH" sz="800" dirty="0" err="1">
-                <a:latin typeface="Consolas"/>
-              </a:rPr>
-              <a:t>void</a:t>
-            </a:r>
-            <a:r>
-              <a:rPr lang="fr-CH" sz="800" dirty="0">
-                <a:latin typeface="Consolas"/>
-              </a:rPr>
+              <a:rPr lang="fr-CH" sz="1400" b="1" dirty="0" err="1"/>
+              <a:t>private</a:t>
+            </a:r>
+            <a:r>
+              <a:rPr lang="fr-CH" sz="1400" b="1" dirty="0"/>
+              <a:t> final</a:t>
+            </a:r>
+            <a:r>
+              <a:rPr lang="fr-CH" sz="1400" dirty="0"/>
+              <a:t> List&lt;Instrument&gt; </a:t>
+            </a:r>
+            <a:r>
+              <a:rPr lang="fr-CH" sz="1400" dirty="0" err="1"/>
+              <a:t>allInstruments</a:t>
+            </a:r>
+            <a:r>
+              <a:rPr lang="fr-CH" sz="1400" dirty="0"/>
+              <a:t>;</a:t>
+            </a:r>
+          </a:p>
+          <a:p>
+            <a:r>
+              <a:rPr lang="fr-CH" sz="1400" dirty="0"/>
+              <a:t> </a:t>
+            </a:r>
+            <a:r>
+              <a:rPr lang="fr-CH" sz="1400" i="1" dirty="0"/>
+              <a:t>// Pool complet</a:t>
+            </a:r>
+            <a:r>
+              <a:rPr lang="fr-CH" sz="1400" dirty="0"/>
+              <a:t> </a:t>
+            </a:r>
+          </a:p>
+          <a:p>
+            <a:endParaRPr lang="fr-CH" sz="1400" b="1" dirty="0"/>
+          </a:p>
+          <a:p>
+            <a:r>
+              <a:rPr lang="fr-CH" sz="1400" b="1" dirty="0" err="1"/>
+              <a:t>private</a:t>
+            </a:r>
+            <a:r>
+              <a:rPr lang="fr-CH" sz="1400" dirty="0"/>
+              <a:t> List&lt;Instrument&gt; </a:t>
+            </a:r>
+            <a:r>
+              <a:rPr lang="fr-CH" sz="1400" dirty="0" err="1"/>
+              <a:t>currentGameInstruments</a:t>
+            </a:r>
+            <a:r>
+              <a:rPr lang="fr-CH" sz="1400" dirty="0"/>
+              <a:t>; </a:t>
+            </a:r>
+          </a:p>
+          <a:p>
+            <a:r>
+              <a:rPr lang="fr-CH" sz="1400" i="1" dirty="0"/>
+              <a:t>// Sélection actuelle(6)</a:t>
+            </a:r>
+            <a:r>
+              <a:rPr lang="fr-CH" sz="1400" dirty="0"/>
+              <a:t> </a:t>
+            </a:r>
+          </a:p>
+          <a:p>
+            <a:endParaRPr lang="fr-CH" sz="1400" b="1" dirty="0"/>
+          </a:p>
+          <a:p>
+            <a:r>
+              <a:rPr lang="fr-CH" sz="1400" b="1" dirty="0" err="1"/>
+              <a:t>private</a:t>
+            </a:r>
+            <a:r>
+              <a:rPr lang="fr-CH" sz="1400" dirty="0"/>
+              <a:t> List&lt;Instrument&gt; </a:t>
+            </a:r>
+            <a:r>
+              <a:rPr lang="fr-CH" sz="1400" dirty="0" err="1"/>
+              <a:t>remainingInstruments</a:t>
+            </a:r>
+            <a:r>
+              <a:rPr lang="fr-CH" sz="1400" dirty="0"/>
+              <a:t>; </a:t>
+            </a:r>
+          </a:p>
+          <a:p>
+            <a:r>
+              <a:rPr lang="fr-CH" sz="1400" i="1" dirty="0"/>
+              <a:t>// À deviner</a:t>
+            </a:r>
+          </a:p>
+          <a:p>
+            <a:endParaRPr lang="fr-CH" sz="1400" i="1" dirty="0"/>
+          </a:p>
+          <a:p>
+            <a:r>
+              <a:rPr lang="fr-CH" sz="1400" dirty="0"/>
+              <a:t> </a:t>
+            </a:r>
+            <a:r>
+              <a:rPr lang="fr-CH" sz="1400" b="1" dirty="0" err="1"/>
+              <a:t>private</a:t>
+            </a:r>
+            <a:r>
+              <a:rPr lang="fr-CH" sz="1400" dirty="0"/>
+              <a:t> Clip </a:t>
+            </a:r>
+            <a:r>
+              <a:rPr lang="fr-CH" sz="1400" dirty="0" err="1"/>
+              <a:t>currentClip</a:t>
+            </a:r>
+            <a:r>
+              <a:rPr lang="fr-CH" sz="1400" dirty="0"/>
+              <a:t> = </a:t>
+            </a:r>
+            <a:r>
+              <a:rPr lang="fr-CH" sz="1400" b="1" dirty="0" err="1"/>
+              <a:t>null</a:t>
+            </a:r>
+            <a:r>
+              <a:rPr lang="fr-CH" sz="1400" dirty="0"/>
+              <a:t>; </a:t>
+            </a:r>
+          </a:p>
+          <a:p>
+            <a:r>
+              <a:rPr lang="fr-CH" sz="1400" i="1" dirty="0"/>
+              <a:t>// Audio exclusif</a:t>
+            </a:r>
+            <a:endParaRPr sz="1400" dirty="0">
+              <a:latin typeface="Consolas"/>
+            </a:endParaRPr>
+          </a:p>
+        </p:txBody>
+      </p:sp>
+      <p:pic>
+        <p:nvPicPr>
+          <p:cNvPr id="5" name="Picture 4" descr="f5ececce-4190-4ad6-a324-8a801fbfe6f2.png"/>
+          <p:cNvPicPr>
+            <a:picLocks noChangeAspect="1"/>
+          </p:cNvPicPr>
+          <p:nvPr/>
+        </p:nvPicPr>
+        <p:blipFill>
+          <a:blip r:embed="rId2"/>
+          <a:stretch>
+            <a:fillRect/>
+          </a:stretch>
+        </p:blipFill>
+        <p:spPr>
+          <a:xfrm>
+            <a:off x="4288536" y="3613384"/>
+            <a:ext cx="4855464" cy="3244615"/>
+          </a:xfrm>
+          <a:prstGeom prst="rect">
+            <a:avLst/>
+          </a:prstGeom>
+        </p:spPr>
+      </p:pic>
+    </p:spTree>
+  </p:cSld>
+  <p:clrMapOvr>
+    <a:masterClrMapping/>
+  </p:clrMapOvr>
+</p:sld>
+</file>
+
+<file path=ppt/slides/slide8.xml><?xml version="1.0" encoding="utf-8"?>
+<p:sld xmlns:a="http://schemas.openxmlformats.org/drawingml/2006/main" xmlns:r="http://schemas.openxmlformats.org/officeDocument/2006/relationships" xmlns:p="http://schemas.openxmlformats.org/presentationml/2006/main">
+  <p:cSld>
+    <p:bg>
+      <p:bgPr>
+        <a:solidFill>
+          <a:srgbClr val="F5FFF5"/>
+        </a:solidFill>
+        <a:effectLst/>
+      </p:bgPr>
+    </p:bg>
+    <p:spTree>
+      <p:nvGrpSpPr>
+        <p:cNvPr id="1" name=""/>
+        <p:cNvGrpSpPr/>
+        <p:nvPr/>
+      </p:nvGrpSpPr>
+      <p:grpSpPr>
+        <a:xfrm>
+          <a:off x="0" y="0"/>
+          <a:ext cx="0" cy="0"/>
+          <a:chOff x="0" y="0"/>
+          <a:chExt cx="0" cy="0"/>
+        </a:xfrm>
+      </p:grpSpPr>
+      <p:sp>
+        <p:nvSpPr>
+          <p:cNvPr id="2" name="Title 1"/>
+          <p:cNvSpPr>
+            <a:spLocks noGrp="1"/>
+          </p:cNvSpPr>
+          <p:nvPr>
+            <p:ph type="title"/>
+          </p:nvPr>
+        </p:nvSpPr>
+        <p:spPr/>
+        <p:txBody>
+          <a:bodyPr>
+            <a:normAutofit fontScale="90000"/>
+          </a:bodyPr>
+          <a:lstStyle/>
+          <a:p>
+            <a:r>
+              <a:rPr dirty="0" err="1"/>
+              <a:t>InstrumentGuessPanel</a:t>
+            </a:r>
+            <a:r>
+              <a:rPr dirty="0"/>
+              <a:t> – Vue composite</a:t>
+            </a:r>
+          </a:p>
+        </p:txBody>
+      </p:sp>
+      <p:sp>
+        <p:nvSpPr>
+          <p:cNvPr id="3" name="Content Placeholder 2"/>
+          <p:cNvSpPr>
+            <a:spLocks noGrp="1"/>
+          </p:cNvSpPr>
+          <p:nvPr>
+            <p:ph idx="1"/>
+          </p:nvPr>
+        </p:nvSpPr>
+        <p:spPr/>
+        <p:txBody>
+          <a:bodyPr>
+            <a:normAutofit/>
+          </a:bodyPr>
+          <a:lstStyle/>
+          <a:p>
+            <a:r>
+              <a:rPr sz="1800" b="1" dirty="0"/>
+              <a:t>Combine </a:t>
+            </a:r>
+            <a:r>
+              <a:rPr sz="1800" b="1" dirty="0" err="1"/>
+              <a:t>JLabel</a:t>
+            </a:r>
+            <a:r>
+              <a:rPr sz="1800" b="1" dirty="0"/>
+              <a:t> (image), </a:t>
+            </a:r>
+            <a:r>
+              <a:rPr sz="1800" b="1" dirty="0" err="1"/>
+              <a:t>JButton</a:t>
+            </a:r>
+            <a:r>
+              <a:rPr sz="1800" b="1" dirty="0"/>
+              <a:t> (Play), </a:t>
+            </a:r>
+            <a:r>
+              <a:rPr sz="1800" b="1" dirty="0" err="1"/>
+              <a:t>JTextField</a:t>
+            </a:r>
+            <a:r>
+              <a:rPr sz="1800" b="1" dirty="0"/>
+              <a:t> (input).</a:t>
+            </a:r>
+          </a:p>
+          <a:p>
+            <a:r>
+              <a:rPr sz="1800" b="1" dirty="0" err="1"/>
+              <a:t>Gère</a:t>
+            </a:r>
+            <a:r>
+              <a:rPr sz="1800" b="1" dirty="0"/>
+              <a:t> couleur fond rouge </a:t>
+            </a:r>
+            <a:r>
+              <a:rPr sz="1800" b="1" dirty="0" err="1"/>
+              <a:t>en</a:t>
+            </a:r>
+            <a:r>
+              <a:rPr sz="1800" b="1" dirty="0"/>
               <a:t> </a:t>
             </a:r>
             <a:r>
-              <a:rPr lang="fr-CH" sz="800" dirty="0" err="1">
-                <a:latin typeface="Consolas"/>
-              </a:rPr>
-              <a:t>showVictoryDialog</a:t>
-            </a:r>
-            <a:r>
-              <a:rPr lang="fr-CH" sz="800" dirty="0">
-                <a:latin typeface="Consolas"/>
-              </a:rPr>
-              <a:t>() {
-        </a:t>
-            </a:r>
-            <a:r>
-              <a:rPr lang="fr-CH" sz="800" dirty="0" err="1">
-                <a:latin typeface="Consolas"/>
-              </a:rPr>
-              <a:t>try</a:t>
-            </a:r>
-            <a:r>
-              <a:rPr lang="fr-CH" sz="800" dirty="0">
-                <a:latin typeface="Consolas"/>
-              </a:rPr>
-              <a:t> {
-            </a:t>
-            </a:r>
-            <a:r>
-              <a:rPr lang="fr-CH" sz="800" dirty="0" err="1">
-                <a:latin typeface="Consolas"/>
-              </a:rPr>
-              <a:t>ImageIcon</a:t>
-            </a:r>
-            <a:r>
-              <a:rPr lang="fr-CH" sz="800" dirty="0">
-                <a:latin typeface="Consolas"/>
-              </a:rPr>
+              <a:rPr sz="1800" b="1" dirty="0" err="1"/>
+              <a:t>cas</a:t>
+            </a:r>
+            <a:r>
+              <a:rPr sz="1800" b="1" dirty="0"/>
               <a:t> </a:t>
             </a:r>
             <a:r>
-              <a:rPr lang="fr-CH" sz="800" dirty="0" err="1">
-                <a:latin typeface="Consolas"/>
-              </a:rPr>
-              <a:t>victoryClippy</a:t>
-            </a:r>
-            <a:r>
-              <a:rPr lang="fr-CH" sz="800" dirty="0">
-                <a:latin typeface="Consolas"/>
-              </a:rPr>
-              <a:t> = new </a:t>
-            </a:r>
-            <a:r>
-              <a:rPr lang="fr-CH" sz="800" dirty="0" err="1">
-                <a:latin typeface="Consolas"/>
-              </a:rPr>
-              <a:t>ImageIcon</a:t>
-            </a:r>
-            <a:r>
-              <a:rPr lang="fr-CH" sz="800" dirty="0">
-                <a:latin typeface="Consolas"/>
-              </a:rPr>
-              <a:t>(</a:t>
-            </a:r>
-            <a:r>
-              <a:rPr lang="fr-CH" sz="800" dirty="0" err="1">
-                <a:latin typeface="Consolas"/>
-              </a:rPr>
-              <a:t>getClass</a:t>
-            </a:r>
-            <a:r>
-              <a:rPr lang="fr-CH" sz="800" dirty="0">
-                <a:latin typeface="Consolas"/>
-              </a:rPr>
-              <a:t>().</a:t>
-            </a:r>
-            <a:r>
-              <a:rPr lang="fr-CH" sz="800" dirty="0" err="1">
-                <a:latin typeface="Consolas"/>
-              </a:rPr>
-              <a:t>getResource</a:t>
-            </a:r>
-            <a:r>
-              <a:rPr lang="fr-CH" sz="800" dirty="0">
-                <a:latin typeface="Consolas"/>
-              </a:rPr>
-              <a:t>("/</a:t>
-            </a:r>
-            <a:r>
-              <a:rPr lang="fr-CH" sz="800" dirty="0" err="1">
-                <a:latin typeface="Consolas"/>
-              </a:rPr>
-              <a:t>resources</a:t>
-            </a:r>
-            <a:r>
-              <a:rPr lang="fr-CH" sz="800" dirty="0">
-                <a:latin typeface="Consolas"/>
-              </a:rPr>
-              <a:t>/images/</a:t>
-            </a:r>
-            <a:r>
-              <a:rPr lang="fr-CH" sz="800" dirty="0" err="1">
-                <a:latin typeface="Consolas"/>
-              </a:rPr>
-              <a:t>imagesClippy</a:t>
-            </a:r>
-            <a:r>
-              <a:rPr lang="fr-CH" sz="800" dirty="0">
-                <a:latin typeface="Consolas"/>
-              </a:rPr>
-              <a:t>/victoryclippy.gif"));
-            </a:t>
-            </a:r>
-            <a:r>
-              <a:rPr lang="fr-CH" sz="800" dirty="0" err="1">
-                <a:latin typeface="Consolas"/>
-              </a:rPr>
+              <a:rPr sz="1800" b="1" dirty="0" err="1"/>
+              <a:t>d'erreur</a:t>
+            </a:r>
+            <a:r>
+              <a:rPr sz="1800" b="1" dirty="0"/>
+              <a:t>.</a:t>
+            </a:r>
+          </a:p>
+          <a:p>
+            <a:r>
+              <a:rPr sz="1800" b="1" dirty="0" err="1"/>
+              <a:t>Redimensionne</a:t>
+            </a:r>
+            <a:r>
+              <a:rPr sz="1800" b="1" dirty="0"/>
+              <a:t> image à la </a:t>
+            </a:r>
+            <a:r>
+              <a:rPr sz="1800" b="1" dirty="0" err="1"/>
+              <a:t>volée</a:t>
+            </a:r>
+            <a:r>
+              <a:rPr sz="1800" b="1" dirty="0"/>
+              <a:t>.</a:t>
+            </a:r>
+          </a:p>
+        </p:txBody>
+      </p:sp>
+      <p:pic>
+        <p:nvPicPr>
+          <p:cNvPr id="4" name="Picture 3" descr="95df2d5d-c23f-4390-954f-412c7573800a.png"/>
+          <p:cNvPicPr>
+            <a:picLocks noChangeAspect="1"/>
+          </p:cNvPicPr>
+          <p:nvPr/>
+        </p:nvPicPr>
+        <p:blipFill>
+          <a:blip r:embed="rId2"/>
+          <a:stretch>
+            <a:fillRect/>
+          </a:stretch>
+        </p:blipFill>
+        <p:spPr>
+          <a:xfrm>
+            <a:off x="4572000" y="3822290"/>
+            <a:ext cx="4572000" cy="3035710"/>
+          </a:xfrm>
+          <a:prstGeom prst="rect">
+            <a:avLst/>
+          </a:prstGeom>
+        </p:spPr>
+      </p:pic>
+      <p:sp>
+        <p:nvSpPr>
+          <p:cNvPr id="5" name="TextBox 3">
+            <a:extLst>
+              <a:ext uri="{FF2B5EF4-FFF2-40B4-BE49-F238E27FC236}">
+                <a16:creationId xmlns:a16="http://schemas.microsoft.com/office/drawing/2014/main" id="{CCB98349-C4B2-641F-3CA8-51A48D763F74}"/>
+              </a:ext>
+            </a:extLst>
+          </p:cNvPr>
+          <p:cNvSpPr txBox="1"/>
+          <p:nvPr/>
+        </p:nvSpPr>
+        <p:spPr>
+          <a:xfrm>
+            <a:off x="457200" y="2731787"/>
+            <a:ext cx="5303520" cy="1815882"/>
+          </a:xfrm>
+          <a:prstGeom prst="rect">
+            <a:avLst/>
+          </a:prstGeom>
+          <a:noFill/>
+        </p:spPr>
+        <p:txBody>
+          <a:bodyPr wrap="square">
+            <a:spAutoFit/>
+          </a:bodyPr>
+          <a:lstStyle/>
+          <a:p>
+            <a:r>
+              <a:rPr lang="fr-CH" sz="1400" dirty="0"/>
+              <a:t>// Composition de composants avec états</a:t>
+            </a:r>
+          </a:p>
+          <a:p>
+            <a:r>
+              <a:rPr lang="fr-CH" sz="1400" dirty="0" err="1"/>
+              <a:t>private</a:t>
+            </a:r>
+            <a:r>
+              <a:rPr lang="fr-CH" sz="1400" dirty="0"/>
+              <a:t> final </a:t>
+            </a:r>
+            <a:r>
+              <a:rPr lang="fr-CH" sz="1400" dirty="0" err="1"/>
+              <a:t>JButton</a:t>
+            </a:r>
+            <a:r>
+              <a:rPr lang="fr-CH" sz="1400" dirty="0"/>
+              <a:t> </a:t>
+            </a:r>
+            <a:r>
+              <a:rPr lang="fr-CH" sz="1400" dirty="0" err="1"/>
+              <a:t>playButton</a:t>
+            </a:r>
+            <a:r>
+              <a:rPr lang="fr-CH" sz="1400" dirty="0"/>
+              <a:t>;</a:t>
+            </a:r>
+          </a:p>
+          <a:p>
+            <a:r>
+              <a:rPr lang="fr-CH" sz="1400" dirty="0" err="1"/>
+              <a:t>private</a:t>
+            </a:r>
+            <a:r>
+              <a:rPr lang="fr-CH" sz="1400" dirty="0"/>
+              <a:t> final </a:t>
+            </a:r>
+            <a:r>
+              <a:rPr lang="fr-CH" sz="1400" dirty="0" err="1"/>
+              <a:t>JTextField</a:t>
+            </a:r>
+            <a:r>
+              <a:rPr lang="fr-CH" sz="1400" dirty="0"/>
+              <a:t> </a:t>
+            </a:r>
+            <a:r>
+              <a:rPr lang="fr-CH" sz="1400" dirty="0" err="1"/>
+              <a:t>guessField</a:t>
+            </a:r>
+            <a:r>
+              <a:rPr lang="fr-CH" sz="1400" dirty="0"/>
+              <a:t>;</a:t>
+            </a:r>
+          </a:p>
+          <a:p>
+            <a:r>
+              <a:rPr lang="fr-CH" sz="1400" dirty="0" err="1"/>
+              <a:t>private</a:t>
+            </a:r>
+            <a:r>
+              <a:rPr lang="fr-CH" sz="1400" dirty="0"/>
+              <a:t> final </a:t>
+            </a:r>
+            <a:r>
+              <a:rPr lang="fr-CH" sz="1400" dirty="0" err="1"/>
               <a:t>JLabel</a:t>
             </a:r>
             <a:r>
-              <a:rPr lang="fr-CH" sz="800" dirty="0">
-                <a:latin typeface="Consolas"/>
-              </a:rPr>
+              <a:rPr lang="fr-CH" sz="1400" dirty="0"/>
               <a:t> </a:t>
             </a:r>
             <a:r>
-              <a:rPr lang="fr-CH" sz="800" dirty="0" err="1">
-                <a:latin typeface="Consolas"/>
-              </a:rPr>
-              <a:t>gifLabel</a:t>
-            </a:r>
-            <a:r>
-              <a:rPr lang="fr-CH" sz="800" dirty="0">
-                <a:latin typeface="Consolas"/>
-              </a:rPr>
-              <a:t> = new </a:t>
-            </a:r>
-            <a:r>
-              <a:rPr lang="fr-CH" sz="800" dirty="0" err="1">
-                <a:latin typeface="Consolas"/>
-              </a:rPr>
-              <a:t>JLabel</a:t>
-            </a:r>
-            <a:r>
-              <a:rPr lang="fr-CH" sz="800" dirty="0">
-                <a:latin typeface="Consolas"/>
-              </a:rPr>
-              <a:t>(</a:t>
-            </a:r>
-            <a:r>
-              <a:rPr lang="fr-CH" sz="800" dirty="0" err="1">
-                <a:latin typeface="Consolas"/>
-              </a:rPr>
-              <a:t>victoryClippy</a:t>
-            </a:r>
-            <a:r>
-              <a:rPr lang="fr-CH" sz="800" dirty="0">
-                <a:latin typeface="Consolas"/>
-              </a:rPr>
-              <a:t>);
-            </a:t>
-            </a:r>
-            <a:r>
-              <a:rPr lang="fr-CH" sz="800" dirty="0" err="1">
-                <a:latin typeface="Consolas"/>
-              </a:rPr>
-              <a:t>JPanel</a:t>
-            </a:r>
-            <a:r>
-              <a:rPr lang="fr-CH" sz="800" dirty="0">
-                <a:latin typeface="Consolas"/>
-              </a:rPr>
-              <a:t> panel = new </a:t>
-            </a:r>
-            <a:r>
-              <a:rPr lang="fr-CH" sz="800" dirty="0" err="1">
-                <a:latin typeface="Consolas"/>
-              </a:rPr>
-              <a:t>JPanel</a:t>
-            </a:r>
-            <a:r>
-              <a:rPr lang="fr-CH" sz="800" dirty="0">
-                <a:latin typeface="Consolas"/>
-              </a:rPr>
-              <a:t>(new </a:t>
-            </a:r>
-            <a:r>
-              <a:rPr lang="fr-CH" sz="800" dirty="0" err="1">
-                <a:latin typeface="Consolas"/>
-              </a:rPr>
-              <a:t>BorderLayout</a:t>
-            </a:r>
-            <a:r>
-              <a:rPr lang="fr-CH" sz="800" dirty="0">
-                <a:latin typeface="Consolas"/>
-              </a:rPr>
-              <a:t>(10, 10));
-            </a:t>
-            </a:r>
-            <a:r>
-              <a:rPr lang="fr-CH" sz="800" dirty="0" err="1">
-                <a:latin typeface="Consolas"/>
-              </a:rPr>
-              <a:t>JLabel</a:t>
-            </a:r>
-            <a:r>
-              <a:rPr lang="fr-CH" sz="800" dirty="0">
-                <a:latin typeface="Consolas"/>
-              </a:rPr>
+              <a:rPr lang="fr-CH" sz="1400" dirty="0" err="1"/>
+              <a:t>imageLabel</a:t>
+            </a:r>
+            <a:r>
+              <a:rPr lang="fr-CH" sz="1400" dirty="0"/>
+              <a:t>;</a:t>
+            </a:r>
+          </a:p>
+          <a:p>
+            <a:r>
+              <a:rPr lang="fr-CH" sz="1400" dirty="0" err="1"/>
+              <a:t>private</a:t>
+            </a:r>
+            <a:r>
+              <a:rPr lang="fr-CH" sz="1400" dirty="0"/>
               <a:t> </a:t>
             </a:r>
             <a:r>
-              <a:rPr lang="fr-CH" sz="800" dirty="0" err="1">
-                <a:latin typeface="Consolas"/>
-              </a:rPr>
-              <a:t>messageLabel</a:t>
-            </a:r>
-            <a:r>
-              <a:rPr lang="fr-CH" sz="800" dirty="0">
-                <a:latin typeface="Consolas"/>
-              </a:rPr>
-              <a:t> = new </a:t>
-            </a:r>
-            <a:r>
-              <a:rPr lang="fr-CH" sz="800" dirty="0" err="1">
-                <a:latin typeface="Consolas"/>
-              </a:rPr>
-              <a:t>JLabel</a:t>
-            </a:r>
-            <a:r>
-              <a:rPr lang="fr-CH" sz="800" dirty="0">
-                <a:latin typeface="Consolas"/>
-              </a:rPr>
-              <a:t>("&lt;html&gt;Bravo ! Tu as deviné tous les instruments ! 🎉&lt;</a:t>
-            </a:r>
-            <a:r>
-              <a:rPr lang="fr-CH" sz="800" dirty="0" err="1">
-                <a:latin typeface="Consolas"/>
-              </a:rPr>
-              <a:t>br</a:t>
-            </a:r>
-            <a:r>
-              <a:rPr lang="fr-CH" sz="800" dirty="0">
-                <a:latin typeface="Consolas"/>
-              </a:rPr>
-              <a:t>&gt;Rejouer ?&lt;/html&gt;");
-            </a:t>
-            </a:r>
-            <a:r>
-              <a:rPr lang="fr-CH" sz="800" dirty="0" err="1">
-                <a:latin typeface="Consolas"/>
-              </a:rPr>
-              <a:t>panel.add</a:t>
-            </a:r>
-            <a:r>
-              <a:rPr lang="fr-CH" sz="800" dirty="0">
-                <a:latin typeface="Consolas"/>
-              </a:rPr>
-              <a:t>(</a:t>
-            </a:r>
-            <a:r>
-              <a:rPr lang="fr-CH" sz="800" dirty="0" err="1">
-                <a:latin typeface="Consolas"/>
-              </a:rPr>
-              <a:t>messageLabel</a:t>
-            </a:r>
-            <a:r>
-              <a:rPr lang="fr-CH" sz="800" dirty="0">
-                <a:latin typeface="Consolas"/>
-              </a:rPr>
-              <a:t>, </a:t>
-            </a:r>
-            <a:r>
-              <a:rPr lang="fr-CH" sz="800" dirty="0" err="1">
-                <a:latin typeface="Consolas"/>
-              </a:rPr>
-              <a:t>BorderLayout.NORTH</a:t>
-            </a:r>
-            <a:r>
-              <a:rPr lang="fr-CH" sz="800" dirty="0">
-                <a:latin typeface="Consolas"/>
-              </a:rPr>
-              <a:t>);
-            </a:t>
-            </a:r>
-            <a:r>
-              <a:rPr lang="fr-CH" sz="800" dirty="0" err="1">
-                <a:latin typeface="Consolas"/>
-              </a:rPr>
-              <a:t>panel.add</a:t>
-            </a:r>
-            <a:r>
-              <a:rPr lang="fr-CH" sz="800" dirty="0">
-                <a:latin typeface="Consolas"/>
-              </a:rPr>
-              <a:t>(</a:t>
-            </a:r>
-            <a:r>
-              <a:rPr lang="fr-CH" sz="800" dirty="0" err="1">
-                <a:latin typeface="Consolas"/>
-              </a:rPr>
-              <a:t>gifLabel</a:t>
-            </a:r>
-            <a:r>
-              <a:rPr lang="fr-CH" sz="800" dirty="0">
-                <a:latin typeface="Consolas"/>
-              </a:rPr>
-              <a:t>, </a:t>
-            </a:r>
-            <a:r>
-              <a:rPr lang="fr-CH" sz="800" dirty="0" err="1">
-                <a:latin typeface="Consolas"/>
-              </a:rPr>
-              <a:t>BorderLayout.CENTER</a:t>
-            </a:r>
-            <a:r>
-              <a:rPr lang="fr-CH" sz="800" dirty="0">
-                <a:latin typeface="Consolas"/>
-              </a:rPr>
-              <a:t>);
-            </a:t>
-            </a:r>
-            <a:r>
-              <a:rPr lang="fr-CH" sz="800" dirty="0" err="1">
-                <a:latin typeface="Consolas"/>
-              </a:rPr>
-              <a:t>int</a:t>
-            </a:r>
-            <a:r>
-              <a:rPr lang="fr-CH" sz="800" dirty="0">
-                <a:latin typeface="Consolas"/>
-              </a:rPr>
+              <a:rPr lang="fr-CH" sz="1400" dirty="0" err="1"/>
+              <a:t>boolean</a:t>
+            </a:r>
+            <a:r>
+              <a:rPr lang="fr-CH" sz="1400" dirty="0"/>
               <a:t> </a:t>
             </a:r>
             <a:r>
-              <a:rPr lang="fr-CH" sz="800" dirty="0" err="1">
-                <a:latin typeface="Consolas"/>
-              </a:rPr>
-              <a:t>choice</a:t>
-            </a:r>
-            <a:r>
-              <a:rPr lang="fr-CH" sz="800" dirty="0">
-                <a:latin typeface="Consolas"/>
-              </a:rPr>
-              <a:t> = </a:t>
-            </a:r>
-            <a:r>
-              <a:rPr lang="fr-CH" sz="800" dirty="0" err="1">
-                <a:latin typeface="Consolas"/>
-              </a:rPr>
-              <a:t>JOptionPane.showOptionDialog</a:t>
-            </a:r>
-            <a:r>
-              <a:rPr lang="fr-CH" sz="800" dirty="0">
-                <a:latin typeface="Consolas"/>
-              </a:rPr>
-              <a:t>(
-                </a:t>
-            </a:r>
-            <a:r>
-              <a:rPr lang="fr-CH" sz="800" dirty="0" err="1">
-                <a:latin typeface="Consolas"/>
-              </a:rPr>
-              <a:t>this</a:t>
-            </a:r>
-            <a:r>
-              <a:rPr lang="fr-CH" sz="800" dirty="0">
-                <a:latin typeface="Consolas"/>
-              </a:rPr>
-              <a:t>,
-                panel,
-                "Victoire !",
-                </a:t>
-            </a:r>
-            <a:r>
-              <a:rPr lang="fr-CH" sz="800" dirty="0" err="1">
-                <a:latin typeface="Consolas"/>
-              </a:rPr>
-              <a:t>JOptionPane.YES_NO_OPTION</a:t>
-            </a:r>
-            <a:r>
-              <a:rPr lang="fr-CH" sz="800" dirty="0">
-                <a:latin typeface="Consolas"/>
-              </a:rPr>
-              <a:t>,
-                </a:t>
-            </a:r>
-            <a:r>
-              <a:rPr lang="fr-CH" sz="800" dirty="0" err="1">
-                <a:latin typeface="Consolas"/>
-              </a:rPr>
-              <a:t>JOptionPane.INFORMATION_MESSAGE</a:t>
-            </a:r>
-            <a:r>
-              <a:rPr lang="fr-CH" sz="800" dirty="0">
-                <a:latin typeface="Consolas"/>
-              </a:rPr>
-              <a:t>,
-                </a:t>
-            </a:r>
-            <a:r>
-              <a:rPr lang="fr-CH" sz="800" dirty="0" err="1">
-                <a:latin typeface="Consolas"/>
-              </a:rPr>
-              <a:t>null</a:t>
-            </a:r>
-            <a:r>
-              <a:rPr lang="fr-CH" sz="800" dirty="0">
-                <a:latin typeface="Consolas"/>
-              </a:rPr>
-              <a:t>,
-                new Object[]{"Rejouer", "Quitter"},
-                "Rejouer"
-            );
-            if (</a:t>
-            </a:r>
-            <a:r>
-              <a:rPr lang="fr-CH" sz="800" dirty="0" err="1">
-                <a:latin typeface="Consolas"/>
-              </a:rPr>
-              <a:t>choice</a:t>
-            </a:r>
-            <a:r>
-              <a:rPr lang="fr-CH" sz="800" dirty="0">
-                <a:latin typeface="Consolas"/>
-              </a:rPr>
-              <a:t> == </a:t>
-            </a:r>
-            <a:r>
-              <a:rPr lang="fr-CH" sz="800" dirty="0" err="1">
-                <a:latin typeface="Consolas"/>
-              </a:rPr>
-              <a:t>JOptionPane.YES_OPTION</a:t>
-            </a:r>
-            <a:r>
-              <a:rPr lang="fr-CH" sz="800" dirty="0">
-                <a:latin typeface="Consolas"/>
-              </a:rPr>
-              <a:t>) {
-                </a:t>
-            </a:r>
-            <a:r>
-              <a:rPr lang="fr-CH" sz="800" dirty="0" err="1">
-                <a:latin typeface="Consolas"/>
-              </a:rPr>
-              <a:t>controller.resetGame</a:t>
-            </a:r>
-            <a:r>
-              <a:rPr lang="fr-CH" sz="800" dirty="0">
-                <a:latin typeface="Consolas"/>
-              </a:rPr>
-              <a:t>();</a:t>
+              <a:rPr lang="fr-CH" sz="1400" dirty="0" err="1"/>
+              <a:t>alreadyAnswered</a:t>
+            </a:r>
+            <a:r>
+              <a:rPr lang="fr-CH" sz="1400" dirty="0"/>
+              <a:t> = false; // État interne</a:t>
+            </a:r>
+          </a:p>
+          <a:p>
+            <a:endParaRPr lang="fr-CH" sz="1400" dirty="0"/>
+          </a:p>
+          <a:p>
+            <a:r>
+              <a:rPr lang="fr-CH" sz="1400" dirty="0"/>
+              <a:t>// Pattern Observer via </a:t>
+            </a:r>
+            <a:r>
+              <a:rPr lang="fr-CH" sz="1400" dirty="0" err="1"/>
+              <a:t>ActionListener</a:t>
+            </a:r>
+            <a:endParaRPr lang="fr-CH" sz="1400" dirty="0"/>
+          </a:p>
+          <a:p>
+            <a:r>
+              <a:rPr lang="fr-CH" sz="1400" dirty="0" err="1"/>
+              <a:t>guessField.addActionListener</a:t>
+            </a:r>
+            <a:r>
+              <a:rPr lang="fr-CH" sz="1400" dirty="0"/>
+              <a:t>(e -&gt; </a:t>
+            </a:r>
+            <a:r>
+              <a:rPr lang="fr-CH" sz="1400" dirty="0" err="1"/>
+              <a:t>checkAnswer</a:t>
+            </a:r>
+            <a:r>
+              <a:rPr lang="fr-CH" sz="1400" dirty="0"/>
+              <a:t>());</a:t>
+            </a:r>
+            <a:endParaRPr sz="1400" dirty="0">
+              <a:latin typeface="Consolas"/>
+            </a:endParaRPr>
+          </a:p>
+        </p:txBody>
+      </p:sp>
+    </p:spTree>
+  </p:cSld>
+  <p:clrMapOvr>
+    <a:masterClrMapping/>
+  </p:clrMapOvr>
+</p:sld>
+</file>
+
+<file path=ppt/slides/slide9.xml><?xml version="1.0" encoding="utf-8"?>
+<p:sld xmlns:a="http://schemas.openxmlformats.org/drawingml/2006/main" xmlns:r="http://schemas.openxmlformats.org/officeDocument/2006/relationships" xmlns:p="http://schemas.openxmlformats.org/presentationml/2006/main">
+  <p:cSld>
+    <p:bg>
+      <p:bgPr>
+        <a:solidFill>
+          <a:schemeClr val="bg1"/>
+        </a:solidFill>
+        <a:effectLst/>
+      </p:bgPr>
+    </p:bg>
+    <p:spTree>
+      <p:nvGrpSpPr>
+        <p:cNvPr id="1" name=""/>
+        <p:cNvGrpSpPr/>
+        <p:nvPr/>
+      </p:nvGrpSpPr>
+      <p:grpSpPr>
+        <a:xfrm>
+          <a:off x="0" y="0"/>
+          <a:ext cx="0" cy="0"/>
+          <a:chOff x="0" y="0"/>
+          <a:chExt cx="0" cy="0"/>
+        </a:xfrm>
+      </p:grpSpPr>
+      <p:sp useBgFill="1">
+        <p:nvSpPr>
+          <p:cNvPr id="8" name="Rectangle 7">
+            <a:extLst>
+              <a:ext uri="{FF2B5EF4-FFF2-40B4-BE49-F238E27FC236}">
+                <a16:creationId xmlns:a16="http://schemas.microsoft.com/office/drawing/2014/main" id="{100EDD19-6802-4EC3-95CE-CFFAB042CFD6}"/>
+              </a:ext>
+              <a:ext uri="{C183D7F6-B498-43B3-948B-1728B52AA6E4}">
+                <adec:decorative xmlns:adec="http://schemas.microsoft.com/office/drawing/2017/decorative" val="1"/>
+              </a:ext>
+            </a:extLst>
+          </p:cNvPr>
+          <p:cNvSpPr>
+            <a:spLocks noGrp="1" noRot="1" noChangeAspect="1" noMove="1" noResize="1" noEditPoints="1" noAdjustHandles="1" noChangeArrowheads="1" noChangeShapeType="1" noTextEdit="1"/>
+          </p:cNvSpPr>
+          <p:nvPr>
+            <p:extLst>
+              <p:ext uri="{386F3935-93C4-4BCD-93E2-E3B085C9AB24}">
+                <p16:designElem xmlns:p16="http://schemas.microsoft.com/office/powerpoint/2015/main" val="1"/>
+              </p:ext>
+            </p:extLst>
+          </p:nvPr>
+        </p:nvSpPr>
+        <p:spPr>
+          <a:xfrm>
+            <a:off x="0" y="0"/>
+            <a:ext cx="9141714" cy="6858000"/>
+          </a:xfrm>
+          <a:prstGeom prst="rect">
+            <a:avLst/>
+          </a:prstGeom>
+          <a:ln>
+            <a:noFill/>
+          </a:ln>
+        </p:spPr>
+        <p:style>
+          <a:lnRef idx="2">
+            <a:schemeClr val="accent1">
+              <a:shade val="50000"/>
+            </a:schemeClr>
+          </a:lnRef>
+          <a:fillRef idx="1">
+            <a:schemeClr val="accent1"/>
+          </a:fillRef>
+          <a:effectRef idx="0">
+            <a:schemeClr val="accent1"/>
+          </a:effectRef>
+          <a:fontRef idx="minor">
+            <a:schemeClr val="lt1"/>
+          </a:fontRef>
+        </p:style>
+        <p:txBody>
+          <a:bodyPr rtlCol="0" anchor="ctr"/>
+          <a:lstStyle/>
+          <a:p>
+            <a:pPr algn="ctr"/>
+            <a:endParaRPr lang="en-US"/>
+          </a:p>
+        </p:txBody>
+      </p:sp>
+      <p:sp>
+        <p:nvSpPr>
+          <p:cNvPr id="2" name="Title 1"/>
+          <p:cNvSpPr>
+            <a:spLocks noGrp="1"/>
+          </p:cNvSpPr>
+          <p:nvPr>
+            <p:ph type="title"/>
+          </p:nvPr>
+        </p:nvSpPr>
+        <p:spPr>
+          <a:xfrm>
+            <a:off x="628650" y="365125"/>
+            <a:ext cx="7886700" cy="1325563"/>
+          </a:xfrm>
+        </p:spPr>
+        <p:txBody>
+          <a:bodyPr>
+            <a:normAutofit/>
+          </a:bodyPr>
+          <a:lstStyle/>
+          <a:p>
+            <a:r>
+              <a:rPr lang="fr-CH" sz="4700"/>
+              <a:t>Difficultés &amp; solutions</a:t>
+            </a:r>
+          </a:p>
+        </p:txBody>
+      </p:sp>
+      <p:sp>
+        <p:nvSpPr>
+          <p:cNvPr id="10" name="sketch line">
+            <a:extLst>
+              <a:ext uri="{FF2B5EF4-FFF2-40B4-BE49-F238E27FC236}">
+                <a16:creationId xmlns:a16="http://schemas.microsoft.com/office/drawing/2014/main" id="{DB17E863-922E-4C26-BD64-E8FD41D28661}"/>
+              </a:ext>
+              <a:ext uri="{C183D7F6-B498-43B3-948B-1728B52AA6E4}">
+                <adec:decorative xmlns:adec="http://schemas.microsoft.com/office/drawing/2017/decorative" val="1"/>
+              </a:ext>
+            </a:extLst>
+          </p:cNvPr>
+          <p:cNvSpPr>
+            <a:spLocks noGrp="1" noRot="1" noChangeAspect="1" noMove="1" noResize="1" noEditPoints="1" noAdjustHandles="1" noChangeArrowheads="1" noChangeShapeType="1" noTextEdit="1"/>
+          </p:cNvSpPr>
+          <p:nvPr>
+            <p:extLst>
+              <p:ext uri="{386F3935-93C4-4BCD-93E2-E3B085C9AB24}">
+                <p16:designElem xmlns:p16="http://schemas.microsoft.com/office/powerpoint/2015/main" val="1"/>
+              </p:ext>
+            </p:extLst>
+          </p:nvPr>
+        </p:nvSpPr>
+        <p:spPr>
+          <a:xfrm>
+            <a:off x="501777" y="1677373"/>
+            <a:ext cx="8140446" cy="18288"/>
+          </a:xfrm>
+          <a:custGeom>
+            <a:avLst/>
+            <a:gdLst>
+              <a:gd name="connsiteX0" fmla="*/ 0 w 8140446"/>
+              <a:gd name="connsiteY0" fmla="*/ 0 h 18288"/>
+              <a:gd name="connsiteX1" fmla="*/ 434157 w 8140446"/>
+              <a:gd name="connsiteY1" fmla="*/ 0 h 18288"/>
+              <a:gd name="connsiteX2" fmla="*/ 1193932 w 8140446"/>
+              <a:gd name="connsiteY2" fmla="*/ 0 h 18288"/>
+              <a:gd name="connsiteX3" fmla="*/ 1628089 w 8140446"/>
+              <a:gd name="connsiteY3" fmla="*/ 0 h 18288"/>
+              <a:gd name="connsiteX4" fmla="*/ 2225055 w 8140446"/>
+              <a:gd name="connsiteY4" fmla="*/ 0 h 18288"/>
+              <a:gd name="connsiteX5" fmla="*/ 3066235 w 8140446"/>
+              <a:gd name="connsiteY5" fmla="*/ 0 h 18288"/>
+              <a:gd name="connsiteX6" fmla="*/ 3744605 w 8140446"/>
+              <a:gd name="connsiteY6" fmla="*/ 0 h 18288"/>
+              <a:gd name="connsiteX7" fmla="*/ 4504380 w 8140446"/>
+              <a:gd name="connsiteY7" fmla="*/ 0 h 18288"/>
+              <a:gd name="connsiteX8" fmla="*/ 5101346 w 8140446"/>
+              <a:gd name="connsiteY8" fmla="*/ 0 h 18288"/>
+              <a:gd name="connsiteX9" fmla="*/ 5779717 w 8140446"/>
+              <a:gd name="connsiteY9" fmla="*/ 0 h 18288"/>
+              <a:gd name="connsiteX10" fmla="*/ 6620896 w 8140446"/>
+              <a:gd name="connsiteY10" fmla="*/ 0 h 18288"/>
+              <a:gd name="connsiteX11" fmla="*/ 7136458 w 8140446"/>
+              <a:gd name="connsiteY11" fmla="*/ 0 h 18288"/>
+              <a:gd name="connsiteX12" fmla="*/ 8140446 w 8140446"/>
+              <a:gd name="connsiteY12" fmla="*/ 0 h 18288"/>
+              <a:gd name="connsiteX13" fmla="*/ 8140446 w 8140446"/>
+              <a:gd name="connsiteY13" fmla="*/ 18288 h 18288"/>
+              <a:gd name="connsiteX14" fmla="*/ 7543480 w 8140446"/>
+              <a:gd name="connsiteY14" fmla="*/ 18288 h 18288"/>
+              <a:gd name="connsiteX15" fmla="*/ 7109323 w 8140446"/>
+              <a:gd name="connsiteY15" fmla="*/ 18288 h 18288"/>
+              <a:gd name="connsiteX16" fmla="*/ 6430952 w 8140446"/>
+              <a:gd name="connsiteY16" fmla="*/ 18288 h 18288"/>
+              <a:gd name="connsiteX17" fmla="*/ 5915391 w 8140446"/>
+              <a:gd name="connsiteY17" fmla="*/ 18288 h 18288"/>
+              <a:gd name="connsiteX18" fmla="*/ 5237020 w 8140446"/>
+              <a:gd name="connsiteY18" fmla="*/ 18288 h 18288"/>
+              <a:gd name="connsiteX19" fmla="*/ 4558650 w 8140446"/>
+              <a:gd name="connsiteY19" fmla="*/ 18288 h 18288"/>
+              <a:gd name="connsiteX20" fmla="*/ 3880279 w 8140446"/>
+              <a:gd name="connsiteY20" fmla="*/ 18288 h 18288"/>
+              <a:gd name="connsiteX21" fmla="*/ 3201909 w 8140446"/>
+              <a:gd name="connsiteY21" fmla="*/ 18288 h 18288"/>
+              <a:gd name="connsiteX22" fmla="*/ 2604943 w 8140446"/>
+              <a:gd name="connsiteY22" fmla="*/ 18288 h 18288"/>
+              <a:gd name="connsiteX23" fmla="*/ 1845168 w 8140446"/>
+              <a:gd name="connsiteY23" fmla="*/ 18288 h 18288"/>
+              <a:gd name="connsiteX24" fmla="*/ 1166797 w 8140446"/>
+              <a:gd name="connsiteY24" fmla="*/ 18288 h 18288"/>
+              <a:gd name="connsiteX25" fmla="*/ 0 w 8140446"/>
+              <a:gd name="connsiteY25" fmla="*/ 18288 h 18288"/>
+              <a:gd name="connsiteX26" fmla="*/ 0 w 8140446"/>
+              <a:gd name="connsiteY26" fmla="*/ 0 h 18288"/>
+            </a:gdLst>
+            <a:ahLst/>
+            <a:cxnLst>
+              <a:cxn ang="0">
+                <a:pos x="connsiteX0" y="connsiteY0"/>
+              </a:cxn>
+              <a:cxn ang="0">
+                <a:pos x="connsiteX1" y="connsiteY1"/>
+              </a:cxn>
+              <a:cxn ang="0">
+                <a:pos x="connsiteX2" y="connsiteY2"/>
+              </a:cxn>
+              <a:cxn ang="0">
+                <a:pos x="connsiteX3" y="connsiteY3"/>
+              </a:cxn>
+              <a:cxn ang="0">
+                <a:pos x="connsiteX4" y="connsiteY4"/>
+              </a:cxn>
+              <a:cxn ang="0">
+                <a:pos x="connsiteX5" y="connsiteY5"/>
+              </a:cxn>
+              <a:cxn ang="0">
+                <a:pos x="connsiteX6" y="connsiteY6"/>
+              </a:cxn>
+              <a:cxn ang="0">
+                <a:pos x="connsiteX7" y="connsiteY7"/>
+              </a:cxn>
+              <a:cxn ang="0">
+                <a:pos x="connsiteX8" y="connsiteY8"/>
+              </a:cxn>
+              <a:cxn ang="0">
+                <a:pos x="connsiteX9" y="connsiteY9"/>
+              </a:cxn>
+              <a:cxn ang="0">
+                <a:pos x="connsiteX10" y="connsiteY10"/>
+              </a:cxn>
+              <a:cxn ang="0">
+                <a:pos x="connsiteX11" y="connsiteY11"/>
+              </a:cxn>
+              <a:cxn ang="0">
+                <a:pos x="connsiteX12" y="connsiteY12"/>
+              </a:cxn>
+              <a:cxn ang="0">
+                <a:pos x="connsiteX13" y="connsiteY13"/>
+              </a:cxn>
+              <a:cxn ang="0">
+                <a:pos x="connsiteX14" y="connsiteY14"/>
+              </a:cxn>
+              <a:cxn ang="0">
+                <a:pos x="connsiteX15" y="connsiteY15"/>
+              </a:cxn>
+              <a:cxn ang="0">
+                <a:pos x="connsiteX16" y="connsiteY16"/>
+              </a:cxn>
+              <a:cxn ang="0">
+                <a:pos x="connsiteX17" y="connsiteY17"/>
+              </a:cxn>
+              <a:cxn ang="0">
+                <a:pos x="connsiteX18" y="connsiteY18"/>
+              </a:cxn>
+              <a:cxn ang="0">
+                <a:pos x="connsiteX19" y="connsiteY19"/>
+              </a:cxn>
+              <a:cxn ang="0">
+                <a:pos x="connsiteX20" y="connsiteY20"/>
+              </a:cxn>
+              <a:cxn ang="0">
+                <a:pos x="connsiteX21" y="connsiteY21"/>
+              </a:cxn>
+              <a:cxn ang="0">
+                <a:pos x="connsiteX22" y="connsiteY22"/>
+              </a:cxn>
+              <a:cxn ang="0">
+                <a:pos x="connsiteX23" y="connsiteY23"/>
+              </a:cxn>
+              <a:cxn ang="0">
+                <a:pos x="connsiteX24" y="connsiteY24"/>
+              </a:cxn>
+              <a:cxn ang="0">
+                <a:pos x="connsiteX25" y="connsiteY25"/>
+              </a:cxn>
+              <a:cxn ang="0">
+                <a:pos x="connsiteX26" y="connsiteY26"/>
+              </a:cxn>
+            </a:cxnLst>
+            <a:rect l="l" t="t" r="r" b="b"/>
+            <a:pathLst>
+              <a:path w="8140446" h="18288" fill="none" extrusionOk="0">
+                <a:moveTo>
+                  <a:pt x="0" y="0"/>
+                </a:moveTo>
+                <a:cubicBezTo>
+                  <a:pt x="94920" y="9103"/>
+                  <a:pt x="287892" y="-4966"/>
+                  <a:pt x="434157" y="0"/>
+                </a:cubicBezTo>
+                <a:cubicBezTo>
+                  <a:pt x="580422" y="4966"/>
+                  <a:pt x="943595" y="-14182"/>
+                  <a:pt x="1193932" y="0"/>
+                </a:cubicBezTo>
+                <a:cubicBezTo>
+                  <a:pt x="1444270" y="14182"/>
+                  <a:pt x="1472129" y="5523"/>
+                  <a:pt x="1628089" y="0"/>
+                </a:cubicBezTo>
+                <a:cubicBezTo>
+                  <a:pt x="1784049" y="-5523"/>
+                  <a:pt x="1962419" y="-17322"/>
+                  <a:pt x="2225055" y="0"/>
+                </a:cubicBezTo>
+                <a:cubicBezTo>
+                  <a:pt x="2487691" y="17322"/>
+                  <a:pt x="2700681" y="1311"/>
+                  <a:pt x="3066235" y="0"/>
+                </a:cubicBezTo>
+                <a:cubicBezTo>
+                  <a:pt x="3431789" y="-1311"/>
+                  <a:pt x="3405662" y="25081"/>
+                  <a:pt x="3744605" y="0"/>
+                </a:cubicBezTo>
+                <a:cubicBezTo>
+                  <a:pt x="4083548" y="-25081"/>
+                  <a:pt x="4265111" y="-11945"/>
+                  <a:pt x="4504380" y="0"/>
+                </a:cubicBezTo>
+                <a:cubicBezTo>
+                  <a:pt x="4743649" y="11945"/>
+                  <a:pt x="4860394" y="-2832"/>
+                  <a:pt x="5101346" y="0"/>
+                </a:cubicBezTo>
+                <a:cubicBezTo>
+                  <a:pt x="5342298" y="2832"/>
+                  <a:pt x="5456387" y="23676"/>
+                  <a:pt x="5779717" y="0"/>
+                </a:cubicBezTo>
+                <a:cubicBezTo>
+                  <a:pt x="6103047" y="-23676"/>
+                  <a:pt x="6270379" y="-37291"/>
+                  <a:pt x="6620896" y="0"/>
+                </a:cubicBezTo>
+                <a:cubicBezTo>
+                  <a:pt x="6971413" y="37291"/>
+                  <a:pt x="6989068" y="24674"/>
+                  <a:pt x="7136458" y="0"/>
+                </a:cubicBezTo>
+                <a:cubicBezTo>
+                  <a:pt x="7283848" y="-24674"/>
+                  <a:pt x="7752532" y="-22436"/>
+                  <a:pt x="8140446" y="0"/>
+                </a:cubicBezTo>
+                <a:cubicBezTo>
+                  <a:pt x="8140314" y="7702"/>
+                  <a:pt x="8140234" y="13511"/>
+                  <a:pt x="8140446" y="18288"/>
+                </a:cubicBezTo>
+                <a:cubicBezTo>
+                  <a:pt x="7906329" y="-3043"/>
+                  <a:pt x="7681180" y="27465"/>
+                  <a:pt x="7543480" y="18288"/>
+                </a:cubicBezTo>
+                <a:cubicBezTo>
+                  <a:pt x="7405780" y="9111"/>
+                  <a:pt x="7216607" y="3660"/>
+                  <a:pt x="7109323" y="18288"/>
+                </a:cubicBezTo>
+                <a:cubicBezTo>
+                  <a:pt x="7002039" y="32916"/>
+                  <a:pt x="6576231" y="42692"/>
+                  <a:pt x="6430952" y="18288"/>
+                </a:cubicBezTo>
+                <a:cubicBezTo>
+                  <a:pt x="6285673" y="-6116"/>
+                  <a:pt x="6138840" y="34521"/>
+                  <a:pt x="5915391" y="18288"/>
+                </a:cubicBezTo>
+                <a:cubicBezTo>
+                  <a:pt x="5691942" y="2055"/>
+                  <a:pt x="5459460" y="51666"/>
+                  <a:pt x="5237020" y="18288"/>
+                </a:cubicBezTo>
+                <a:cubicBezTo>
+                  <a:pt x="5014580" y="-15090"/>
+                  <a:pt x="4747677" y="40449"/>
+                  <a:pt x="4558650" y="18288"/>
+                </a:cubicBezTo>
+                <a:cubicBezTo>
+                  <a:pt x="4369623" y="-3873"/>
+                  <a:pt x="4146061" y="12568"/>
+                  <a:pt x="3880279" y="18288"/>
+                </a:cubicBezTo>
+                <a:cubicBezTo>
+                  <a:pt x="3614497" y="24008"/>
+                  <a:pt x="3473808" y="-12908"/>
+                  <a:pt x="3201909" y="18288"/>
+                </a:cubicBezTo>
+                <a:cubicBezTo>
+                  <a:pt x="2930010" y="49484"/>
+                  <a:pt x="2728175" y="-3430"/>
+                  <a:pt x="2604943" y="18288"/>
+                </a:cubicBezTo>
+                <a:cubicBezTo>
+                  <a:pt x="2481711" y="40006"/>
+                  <a:pt x="2004334" y="26952"/>
+                  <a:pt x="1845168" y="18288"/>
+                </a:cubicBezTo>
+                <a:cubicBezTo>
+                  <a:pt x="1686003" y="9624"/>
+                  <a:pt x="1375070" y="37580"/>
+                  <a:pt x="1166797" y="18288"/>
+                </a:cubicBezTo>
+                <a:cubicBezTo>
+                  <a:pt x="958524" y="-1004"/>
+                  <a:pt x="342846" y="8880"/>
+                  <a:pt x="0" y="18288"/>
+                </a:cubicBezTo>
+                <a:cubicBezTo>
+                  <a:pt x="129" y="13298"/>
+                  <a:pt x="-675" y="6857"/>
+                  <a:pt x="0" y="0"/>
+                </a:cubicBezTo>
+                <a:close/>
+              </a:path>
+              <a:path w="8140446" h="18288" stroke="0" extrusionOk="0">
+                <a:moveTo>
+                  <a:pt x="0" y="0"/>
+                </a:moveTo>
+                <a:cubicBezTo>
+                  <a:pt x="142435" y="-24533"/>
+                  <a:pt x="380026" y="17447"/>
+                  <a:pt x="596966" y="0"/>
+                </a:cubicBezTo>
+                <a:cubicBezTo>
+                  <a:pt x="813906" y="-17447"/>
+                  <a:pt x="830530" y="13462"/>
+                  <a:pt x="1031123" y="0"/>
+                </a:cubicBezTo>
+                <a:cubicBezTo>
+                  <a:pt x="1231716" y="-13462"/>
+                  <a:pt x="1634038" y="0"/>
+                  <a:pt x="1872303" y="0"/>
+                </a:cubicBezTo>
+                <a:cubicBezTo>
+                  <a:pt x="2110568" y="0"/>
+                  <a:pt x="2261934" y="-25727"/>
+                  <a:pt x="2469269" y="0"/>
+                </a:cubicBezTo>
+                <a:cubicBezTo>
+                  <a:pt x="2676604" y="25727"/>
+                  <a:pt x="2790440" y="16284"/>
+                  <a:pt x="3066235" y="0"/>
+                </a:cubicBezTo>
+                <a:cubicBezTo>
+                  <a:pt x="3342030" y="-16284"/>
+                  <a:pt x="3685603" y="41976"/>
+                  <a:pt x="3907414" y="0"/>
+                </a:cubicBezTo>
+                <a:cubicBezTo>
+                  <a:pt x="4129225" y="-41976"/>
+                  <a:pt x="4177416" y="-7598"/>
+                  <a:pt x="4422976" y="0"/>
+                </a:cubicBezTo>
+                <a:cubicBezTo>
+                  <a:pt x="4668536" y="7598"/>
+                  <a:pt x="5023499" y="-28058"/>
+                  <a:pt x="5264155" y="0"/>
+                </a:cubicBezTo>
+                <a:cubicBezTo>
+                  <a:pt x="5504811" y="28058"/>
+                  <a:pt x="5703675" y="13288"/>
+                  <a:pt x="6105335" y="0"/>
+                </a:cubicBezTo>
+                <a:cubicBezTo>
+                  <a:pt x="6506995" y="-13288"/>
+                  <a:pt x="6455516" y="-5124"/>
+                  <a:pt x="6783705" y="0"/>
+                </a:cubicBezTo>
+                <a:cubicBezTo>
+                  <a:pt x="7111894" y="5124"/>
+                  <a:pt x="7512856" y="10604"/>
+                  <a:pt x="8140446" y="0"/>
+                </a:cubicBezTo>
+                <a:cubicBezTo>
+                  <a:pt x="8140458" y="8833"/>
+                  <a:pt x="8140986" y="9830"/>
+                  <a:pt x="8140446" y="18288"/>
+                </a:cubicBezTo>
+                <a:cubicBezTo>
+                  <a:pt x="7959314" y="3345"/>
+                  <a:pt x="7870113" y="10437"/>
+                  <a:pt x="7706289" y="18288"/>
+                </a:cubicBezTo>
+                <a:cubicBezTo>
+                  <a:pt x="7542465" y="26139"/>
+                  <a:pt x="7157940" y="17482"/>
+                  <a:pt x="6865109" y="18288"/>
+                </a:cubicBezTo>
+                <a:cubicBezTo>
+                  <a:pt x="6572278" y="19094"/>
+                  <a:pt x="6524256" y="38051"/>
+                  <a:pt x="6349548" y="18288"/>
+                </a:cubicBezTo>
+                <a:cubicBezTo>
+                  <a:pt x="6174840" y="-1475"/>
+                  <a:pt x="5951624" y="174"/>
+                  <a:pt x="5671177" y="18288"/>
+                </a:cubicBezTo>
+                <a:cubicBezTo>
+                  <a:pt x="5390730" y="36402"/>
+                  <a:pt x="5222992" y="60058"/>
+                  <a:pt x="4829998" y="18288"/>
+                </a:cubicBezTo>
+                <a:cubicBezTo>
+                  <a:pt x="4437004" y="-23482"/>
+                  <a:pt x="4344181" y="39087"/>
+                  <a:pt x="4151627" y="18288"/>
+                </a:cubicBezTo>
+                <a:cubicBezTo>
+                  <a:pt x="3959073" y="-2511"/>
+                  <a:pt x="3886970" y="32875"/>
+                  <a:pt x="3717470" y="18288"/>
+                </a:cubicBezTo>
+                <a:cubicBezTo>
+                  <a:pt x="3547970" y="3701"/>
+                  <a:pt x="3451521" y="31872"/>
+                  <a:pt x="3201909" y="18288"/>
+                </a:cubicBezTo>
+                <a:cubicBezTo>
+                  <a:pt x="2952297" y="4704"/>
+                  <a:pt x="2543413" y="6029"/>
+                  <a:pt x="2360729" y="18288"/>
+                </a:cubicBezTo>
+                <a:cubicBezTo>
+                  <a:pt x="2178045" y="30547"/>
+                  <a:pt x="1906056" y="25847"/>
+                  <a:pt x="1682359" y="18288"/>
+                </a:cubicBezTo>
+                <a:cubicBezTo>
+                  <a:pt x="1458662" y="10730"/>
+                  <a:pt x="1330405" y="8046"/>
+                  <a:pt x="1166797" y="18288"/>
+                </a:cubicBezTo>
+                <a:cubicBezTo>
+                  <a:pt x="1003189" y="28530"/>
+                  <a:pt x="278098" y="19533"/>
+                  <a:pt x="0" y="18288"/>
+                </a:cubicBezTo>
+                <a:cubicBezTo>
+                  <a:pt x="74" y="14054"/>
+                  <a:pt x="-46" y="6997"/>
+                  <a:pt x="0" y="0"/>
+                </a:cubicBezTo>
+                <a:close/>
+              </a:path>
+            </a:pathLst>
+          </a:custGeom>
+          <a:solidFill>
+            <a:schemeClr val="accent2"/>
+          </a:solidFill>
+          <a:ln w="41275" cap="rnd">
+            <a:solidFill>
+              <a:schemeClr val="accent2"/>
+            </a:solidFill>
+            <a:round/>
+            <a:extLst>
+              <a:ext uri="{C807C97D-BFC1-408E-A445-0C87EB9F89A2}">
+                <ask:lineSketchStyleProps xmlns:ask="http://schemas.microsoft.com/office/drawing/2018/sketchyshapes" sd="1219033472">
+                  <a:prstGeom prst="rect">
+                    <a:avLst/>
+                  </a:prstGeom>
+                  <ask:type>
+                    <ask:lineSketchFreehand/>
+                  </ask:type>
+                </ask:lineSketchStyleProps>
+              </a:ext>
+            </a:extLst>
+          </a:ln>
+        </p:spPr>
+        <p:style>
+          <a:lnRef idx="2">
+            <a:schemeClr val="accent1">
+              <a:shade val="50000"/>
+            </a:schemeClr>
+          </a:lnRef>
+          <a:fillRef idx="1">
+            <a:schemeClr val="accent1"/>
+          </a:fillRef>
+          <a:effectRef idx="0">
+            <a:schemeClr val="accent1"/>
+          </a:effectRef>
+          <a:fontRef idx="minor">
+            <a:schemeClr val="lt1"/>
+          </a:fontRef>
+        </p:style>
+        <p:txBody>
+          <a:bodyPr rtlCol="0" anchor="ctr"/>
+          <a:lstStyle/>
+          <a:p>
+            <a:pPr algn="ctr"/>
+            <a:endParaRPr lang="en-US"/>
+          </a:p>
+        </p:txBody>
+      </p:sp>
+      <p:sp>
+        <p:nvSpPr>
+          <p:cNvPr id="3" name="Content Placeholder 2"/>
+          <p:cNvSpPr>
+            <a:spLocks noGrp="1"/>
+          </p:cNvSpPr>
+          <p:nvPr>
+            <p:ph idx="1"/>
+          </p:nvPr>
+        </p:nvSpPr>
+        <p:spPr>
+          <a:xfrm>
+            <a:off x="628650" y="1929384"/>
+            <a:ext cx="7886700" cy="4251960"/>
+          </a:xfrm>
+        </p:spPr>
+        <p:txBody>
+          <a:bodyPr>
+            <a:normAutofit/>
+          </a:bodyPr>
+          <a:lstStyle/>
+          <a:p>
+            <a:pPr>
+              <a:lnSpc>
+                <a:spcPct val="90000"/>
+              </a:lnSpc>
+            </a:pPr>
+            <a:endParaRPr lang="fr-FR" sz="1200"/>
+          </a:p>
+          <a:p>
+            <a:pPr>
+              <a:lnSpc>
+                <a:spcPct val="90000"/>
+              </a:lnSpc>
+            </a:pPr>
+            <a:r>
+              <a:rPr lang="fr-FR" sz="1200" b="1"/>
+              <a:t>Lecture audio impossible (UnsupportedAudioFileException)</a:t>
+            </a:r>
+          </a:p>
+          <a:p>
+            <a:pPr marL="0" indent="0">
+              <a:lnSpc>
+                <a:spcPct val="90000"/>
+              </a:lnSpc>
+              <a:buNone/>
+            </a:pPr>
+            <a:r>
+              <a:rPr lang="fr-FR" sz="1200"/>
+              <a:t>	Cause : Les fichiers .wav étaient encodés en 24-bit PCM, un format non supporté par javax.sound.sampled.</a:t>
+            </a:r>
+          </a:p>
+          <a:p>
+            <a:pPr marL="0" indent="0">
+              <a:lnSpc>
+                <a:spcPct val="90000"/>
+              </a:lnSpc>
+              <a:buNone/>
+            </a:pPr>
+            <a:r>
+              <a:rPr lang="fr-FR" sz="1200"/>
+              <a:t>	Solution : Tous les sons ont été convertis en 16-bit PCM via ffmpeg pour assurer compatibilité Java.</a:t>
+            </a:r>
+          </a:p>
+          <a:p>
+            <a:pPr marL="0" indent="0">
+              <a:lnSpc>
+                <a:spcPct val="90000"/>
+              </a:lnSpc>
+              <a:buNone/>
+            </a:pPr>
+            <a:r>
+              <a:rPr lang="fr-FR" sz="1200"/>
+              <a:t>________________________________________</a:t>
+            </a:r>
+          </a:p>
+          <a:p>
+            <a:pPr>
+              <a:lnSpc>
+                <a:spcPct val="90000"/>
+              </a:lnSpc>
+            </a:pPr>
+            <a:endParaRPr lang="fr-FR" sz="1200" b="1"/>
+          </a:p>
+          <a:p>
+            <a:pPr>
+              <a:lnSpc>
+                <a:spcPct val="90000"/>
+              </a:lnSpc>
+            </a:pPr>
+            <a:r>
+              <a:rPr lang="fr-FR" sz="1200" b="1"/>
+              <a:t>Images non affichées (null URL, File not found)</a:t>
+            </a:r>
+          </a:p>
+          <a:p>
+            <a:pPr marL="0" indent="0">
+              <a:lnSpc>
+                <a:spcPct val="90000"/>
+              </a:lnSpc>
+              <a:buNone/>
+            </a:pPr>
+            <a:r>
+              <a:rPr lang="fr-FR" sz="1200"/>
+              <a:t>	Cause : Mauvaise gestion du chemin d’accès (getResource(...) inadapté au lancement local).</a:t>
+            </a:r>
+          </a:p>
+          <a:p>
+            <a:pPr marL="0" indent="0">
+              <a:lnSpc>
+                <a:spcPct val="90000"/>
+              </a:lnSpc>
+              <a:buNone/>
+            </a:pPr>
+            <a:r>
+              <a:rPr lang="fr-FR" sz="1200"/>
+              <a:t>	Solution : Copie du dossier images/sons a la sources.</a:t>
+            </a:r>
+          </a:p>
+          <a:p>
+            <a:pPr marL="0" indent="0">
+              <a:lnSpc>
+                <a:spcPct val="90000"/>
+              </a:lnSpc>
+              <a:buNone/>
+            </a:pPr>
+            <a:r>
+              <a:rPr lang="fr-FR" sz="1200"/>
+              <a:t>________________________________________</a:t>
+            </a:r>
+          </a:p>
+          <a:p>
+            <a:pPr>
+              <a:lnSpc>
+                <a:spcPct val="90000"/>
+              </a:lnSpc>
+            </a:pPr>
+            <a:endParaRPr lang="fr-FR" sz="1200"/>
+          </a:p>
+          <a:p>
+            <a:pPr>
+              <a:lnSpc>
+                <a:spcPct val="90000"/>
+              </a:lnSpc>
+            </a:pPr>
+            <a:r>
+              <a:rPr lang="fr-FR" sz="1200" b="1"/>
+              <a:t>Plusieurs sons joués en parallèle</a:t>
+            </a:r>
+          </a:p>
+          <a:p>
+            <a:pPr marL="0" indent="0">
+              <a:lnSpc>
+                <a:spcPct val="90000"/>
+              </a:lnSpc>
+              <a:buNone/>
+            </a:pPr>
+            <a:r>
+              <a:rPr lang="fr-FR" sz="1200"/>
+              <a:t>	Cause : Aucun contrôle du Clip en cours → chevauchement des sons.</a:t>
+            </a:r>
+          </a:p>
+          <a:p>
+            <a:pPr marL="0" indent="0">
+              <a:lnSpc>
+                <a:spcPct val="90000"/>
+              </a:lnSpc>
+              <a:buNone/>
+            </a:pPr>
+            <a:r>
+              <a:rPr lang="fr-FR" sz="1200"/>
+              <a:t>	Solution : Vérification via currentClip.isRunning() avant d’autoriser la lecture d’un nouveau son.</a:t>
+            </a:r>
+          </a:p>
+          <a:p>
+            <a:pPr marL="0" indent="0">
+              <a:lnSpc>
+                <a:spcPct val="90000"/>
+              </a:lnSpc>
+              <a:buNone/>
+            </a:pPr>
+            <a:r>
+              <a:rPr lang="fr-FR" sz="1200"/>
+              <a:t>________________________________________________________________________________</a:t>
+            </a:r>
+          </a:p>
+          <a:p>
+            <a:pPr>
+              <a:lnSpc>
+                <a:spcPct val="90000"/>
+              </a:lnSpc>
+            </a:pPr>
+            <a:endParaRPr lang="fr-FR" sz="1200"/>
+          </a:p>
+          <a:p>
+            <a:pPr>
+              <a:lnSpc>
+                <a:spcPct val="90000"/>
+              </a:lnSpc>
+            </a:pPr>
+            <a:r>
+              <a:rPr lang="fr-FR" sz="1200" b="1"/>
+              <a:t>Réponse correcte, mais image absente (bug d’état)</a:t>
+            </a:r>
+          </a:p>
+          <a:p>
+            <a:pPr marL="0" indent="0">
+              <a:lnSpc>
+                <a:spcPct val="90000"/>
+              </a:lnSpc>
+              <a:buNone/>
+            </a:pPr>
+            <a:r>
+              <a:rPr lang="fr-FR" sz="1200"/>
+              <a:t>	Cause : Les modifications UI n’étaient pas dans le thread Swing (EDT), entraînant des comportements erratiques.</a:t>
+            </a:r>
+          </a:p>
+          <a:p>
+            <a:pPr marL="0" indent="0">
+              <a:lnSpc>
+                <a:spcPct val="90000"/>
+              </a:lnSpc>
+              <a:buNone/>
+            </a:pPr>
+            <a:r>
+              <a:rPr lang="fr-FR" sz="1200"/>
+              <a:t>	Solution : Ajout de SwingUtilities.invokeLater(...) pour encapsuler toute mise à jour graphique.</a:t>
             </a:r>
           </a:p>
         </p:txBody>
